--- a/Homework/Homework 7/HW-7.pptx
+++ b/Homework/Homework 7/HW-7.pptx
@@ -9,7 +9,7 @@
     <p:sldId id="265" r:id="rId3"/>
     <p:sldId id="256" r:id="rId4"/>
     <p:sldId id="267" r:id="rId5"/>
-    <p:sldId id="266" r:id="rId6"/>
+    <p:sldId id="269" r:id="rId6"/>
     <p:sldId id="268" r:id="rId7"/>
   </p:sldIdLst>
   <p:sldSz cx="12192000" cy="6858000"/>
@@ -120,7 +120,7 @@
 <file path=ppt/revisionInfo.xml><?xml version="1.0" encoding="utf-8"?>
 <p1510:revInfo xmlns:a="http://schemas.openxmlformats.org/drawingml/2006/main" xmlns:r="http://schemas.openxmlformats.org/officeDocument/2006/relationships" xmlns:p1510="http://schemas.microsoft.com/office/powerpoint/2015/10/main">
   <p1510:revLst>
-    <p1510:client id="{75A476EB-246F-47D8-A462-E4900E8D390B}" v="29" dt="2025-06-02T18:49:01.251"/>
+    <p1510:client id="{75A476EB-246F-47D8-A462-E4900E8D390B}" v="65" dt="2025-06-02T20:59:03.491"/>
   </p1510:revLst>
 </p1510:revInfo>
 </file>
@@ -173,19 +173,672 @@
   </pc:docChgLst>
   <pc:docChgLst>
     <pc:chgData name="Demond,Dawson" userId="3bf05342-fb4c-46e5-8dc7-7fa531fd29a2" providerId="ADAL" clId="{75A476EB-246F-47D8-A462-E4900E8D390B}"/>
-    <pc:docChg chg="undo custSel modSld">
-      <pc:chgData name="Demond,Dawson" userId="3bf05342-fb4c-46e5-8dc7-7fa531fd29a2" providerId="ADAL" clId="{75A476EB-246F-47D8-A462-E4900E8D390B}" dt="2025-06-02T18:49:04.269" v="393" actId="1076"/>
+    <pc:docChg chg="undo redo custSel addSld delSld modSld sldOrd">
+      <pc:chgData name="Demond,Dawson" userId="3bf05342-fb4c-46e5-8dc7-7fa531fd29a2" providerId="ADAL" clId="{75A476EB-246F-47D8-A462-E4900E8D390B}" dt="2025-06-02T21:01:09.667" v="705" actId="9405"/>
       <pc:docMkLst>
         <pc:docMk/>
       </pc:docMkLst>
+      <pc:sldChg chg="addSp delSp mod">
+        <pc:chgData name="Demond,Dawson" userId="3bf05342-fb4c-46e5-8dc7-7fa531fd29a2" providerId="ADAL" clId="{75A476EB-246F-47D8-A462-E4900E8D390B}" dt="2025-06-02T20:49:47.243" v="575" actId="9405"/>
+        <pc:sldMkLst>
+          <pc:docMk/>
+          <pc:sldMk cId="2959232574" sldId="256"/>
+        </pc:sldMkLst>
+        <pc:inkChg chg="add del">
+          <ac:chgData name="Demond,Dawson" userId="3bf05342-fb4c-46e5-8dc7-7fa531fd29a2" providerId="ADAL" clId="{75A476EB-246F-47D8-A462-E4900E8D390B}" dt="2025-06-02T20:49:47.243" v="575" actId="9405"/>
+          <ac:inkMkLst>
+            <pc:docMk/>
+            <pc:sldMk cId="2959232574" sldId="256"/>
+            <ac:inkMk id="2" creationId="{2BCBE16B-2F5D-1A8A-B04E-46CE7241AE4C}"/>
+          </ac:inkMkLst>
+        </pc:inkChg>
+      </pc:sldChg>
+      <pc:sldChg chg="addSp mod">
+        <pc:chgData name="Demond,Dawson" userId="3bf05342-fb4c-46e5-8dc7-7fa531fd29a2" providerId="ADAL" clId="{75A476EB-246F-47D8-A462-E4900E8D390B}" dt="2025-06-02T20:44:33.416" v="563" actId="9405"/>
+        <pc:sldMkLst>
+          <pc:docMk/>
+          <pc:sldMk cId="3652768658" sldId="264"/>
+        </pc:sldMkLst>
+        <pc:inkChg chg="add">
+          <ac:chgData name="Demond,Dawson" userId="3bf05342-fb4c-46e5-8dc7-7fa531fd29a2" providerId="ADAL" clId="{75A476EB-246F-47D8-A462-E4900E8D390B}" dt="2025-06-02T20:44:33.416" v="563" actId="9405"/>
+          <ac:inkMkLst>
+            <pc:docMk/>
+            <pc:sldMk cId="3652768658" sldId="264"/>
+            <ac:inkMk id="4" creationId="{3BDFA1EF-2106-A741-1485-E84897EE8462}"/>
+          </ac:inkMkLst>
+        </pc:inkChg>
+      </pc:sldChg>
+      <pc:sldChg chg="addSp delSp modSp del mod">
+        <pc:chgData name="Demond,Dawson" userId="3bf05342-fb4c-46e5-8dc7-7fa531fd29a2" providerId="ADAL" clId="{75A476EB-246F-47D8-A462-E4900E8D390B}" dt="2025-06-02T20:51:52.713" v="609" actId="47"/>
+        <pc:sldMkLst>
+          <pc:docMk/>
+          <pc:sldMk cId="3056448567" sldId="266"/>
+        </pc:sldMkLst>
+        <pc:spChg chg="add del mod">
+          <ac:chgData name="Demond,Dawson" userId="3bf05342-fb4c-46e5-8dc7-7fa531fd29a2" providerId="ADAL" clId="{75A476EB-246F-47D8-A462-E4900E8D390B}" dt="2025-06-02T20:46:07.464" v="565" actId="478"/>
+          <ac:spMkLst>
+            <pc:docMk/>
+            <pc:sldMk cId="3056448567" sldId="266"/>
+            <ac:spMk id="16" creationId="{2E733627-3822-E7DE-AB6D-7408CA3287A3}"/>
+          </ac:spMkLst>
+        </pc:spChg>
+        <pc:spChg chg="add del mod">
+          <ac:chgData name="Demond,Dawson" userId="3bf05342-fb4c-46e5-8dc7-7fa531fd29a2" providerId="ADAL" clId="{75A476EB-246F-47D8-A462-E4900E8D390B}" dt="2025-06-02T20:46:10.944" v="566" actId="478"/>
+          <ac:spMkLst>
+            <pc:docMk/>
+            <pc:sldMk cId="3056448567" sldId="266"/>
+            <ac:spMk id="22" creationId="{3C8E6DE7-7805-DB20-BF59-F75A9A2FC474}"/>
+          </ac:spMkLst>
+        </pc:spChg>
+        <pc:spChg chg="add mod">
+          <ac:chgData name="Demond,Dawson" userId="3bf05342-fb4c-46e5-8dc7-7fa531fd29a2" providerId="ADAL" clId="{75A476EB-246F-47D8-A462-E4900E8D390B}" dt="2025-06-02T20:31:20.598" v="455" actId="20577"/>
+          <ac:spMkLst>
+            <pc:docMk/>
+            <pc:sldMk cId="3056448567" sldId="266"/>
+            <ac:spMk id="25" creationId="{880EE540-223F-1EA3-6BB7-2ABD6FFED6AB}"/>
+          </ac:spMkLst>
+        </pc:spChg>
+        <pc:spChg chg="add mod">
+          <ac:chgData name="Demond,Dawson" userId="3bf05342-fb4c-46e5-8dc7-7fa531fd29a2" providerId="ADAL" clId="{75A476EB-246F-47D8-A462-E4900E8D390B}" dt="2025-06-02T20:31:23.523" v="456"/>
+          <ac:spMkLst>
+            <pc:docMk/>
+            <pc:sldMk cId="3056448567" sldId="266"/>
+            <ac:spMk id="26" creationId="{621B64CA-8956-D4E2-D6CB-17F7E2DF89D1}"/>
+          </ac:spMkLst>
+        </pc:spChg>
+        <pc:spChg chg="add mod">
+          <ac:chgData name="Demond,Dawson" userId="3bf05342-fb4c-46e5-8dc7-7fa531fd29a2" providerId="ADAL" clId="{75A476EB-246F-47D8-A462-E4900E8D390B}" dt="2025-06-02T20:31:25.772" v="457"/>
+          <ac:spMkLst>
+            <pc:docMk/>
+            <pc:sldMk cId="3056448567" sldId="266"/>
+            <ac:spMk id="27" creationId="{57870209-A998-B7AE-352F-5181353DE697}"/>
+          </ac:spMkLst>
+        </pc:spChg>
+        <pc:spChg chg="add mod">
+          <ac:chgData name="Demond,Dawson" userId="3bf05342-fb4c-46e5-8dc7-7fa531fd29a2" providerId="ADAL" clId="{75A476EB-246F-47D8-A462-E4900E8D390B}" dt="2025-06-02T20:31:30.915" v="459" actId="1076"/>
+          <ac:spMkLst>
+            <pc:docMk/>
+            <pc:sldMk cId="3056448567" sldId="266"/>
+            <ac:spMk id="28" creationId="{7545987C-2071-96FA-367D-7386E96AC36A}"/>
+          </ac:spMkLst>
+        </pc:spChg>
+        <pc:spChg chg="add mod">
+          <ac:chgData name="Demond,Dawson" userId="3bf05342-fb4c-46e5-8dc7-7fa531fd29a2" providerId="ADAL" clId="{75A476EB-246F-47D8-A462-E4900E8D390B}" dt="2025-06-02T20:31:34.850" v="461" actId="1076"/>
+          <ac:spMkLst>
+            <pc:docMk/>
+            <pc:sldMk cId="3056448567" sldId="266"/>
+            <ac:spMk id="29" creationId="{016CBCA4-9E84-56F0-25AB-6EE16753920D}"/>
+          </ac:spMkLst>
+        </pc:spChg>
+        <pc:spChg chg="add del mod">
+          <ac:chgData name="Demond,Dawson" userId="3bf05342-fb4c-46e5-8dc7-7fa531fd29a2" providerId="ADAL" clId="{75A476EB-246F-47D8-A462-E4900E8D390B}" dt="2025-06-02T20:46:03.322" v="564" actId="478"/>
+          <ac:spMkLst>
+            <pc:docMk/>
+            <pc:sldMk cId="3056448567" sldId="266"/>
+            <ac:spMk id="32" creationId="{A3C256C3-118C-4A1A-91C7-E32C23A994B6}"/>
+          </ac:spMkLst>
+        </pc:spChg>
+        <pc:spChg chg="add del mod">
+          <ac:chgData name="Demond,Dawson" userId="3bf05342-fb4c-46e5-8dc7-7fa531fd29a2" providerId="ADAL" clId="{75A476EB-246F-47D8-A462-E4900E8D390B}" dt="2025-06-02T20:46:23.790" v="571" actId="478"/>
+          <ac:spMkLst>
+            <pc:docMk/>
+            <pc:sldMk cId="3056448567" sldId="266"/>
+            <ac:spMk id="33" creationId="{9720B093-E121-80EE-C0B8-03D4299819E0}"/>
+          </ac:spMkLst>
+        </pc:spChg>
+        <pc:spChg chg="add mod">
+          <ac:chgData name="Demond,Dawson" userId="3bf05342-fb4c-46e5-8dc7-7fa531fd29a2" providerId="ADAL" clId="{75A476EB-246F-47D8-A462-E4900E8D390B}" dt="2025-06-02T20:34:42.824" v="483"/>
+          <ac:spMkLst>
+            <pc:docMk/>
+            <pc:sldMk cId="3056448567" sldId="266"/>
+            <ac:spMk id="40" creationId="{56BC2BFC-874A-E191-BFDF-4F458DC7687F}"/>
+          </ac:spMkLst>
+        </pc:spChg>
+        <pc:spChg chg="add del mod">
+          <ac:chgData name="Demond,Dawson" userId="3bf05342-fb4c-46e5-8dc7-7fa531fd29a2" providerId="ADAL" clId="{75A476EB-246F-47D8-A462-E4900E8D390B}" dt="2025-06-02T20:46:12.535" v="567" actId="478"/>
+          <ac:spMkLst>
+            <pc:docMk/>
+            <pc:sldMk cId="3056448567" sldId="266"/>
+            <ac:spMk id="51" creationId="{972E8D30-2445-B042-225C-A071836798A0}"/>
+          </ac:spMkLst>
+        </pc:spChg>
+        <pc:spChg chg="add del mod">
+          <ac:chgData name="Demond,Dawson" userId="3bf05342-fb4c-46e5-8dc7-7fa531fd29a2" providerId="ADAL" clId="{75A476EB-246F-47D8-A462-E4900E8D390B}" dt="2025-06-02T20:46:22.789" v="570" actId="478"/>
+          <ac:spMkLst>
+            <pc:docMk/>
+            <pc:sldMk cId="3056448567" sldId="266"/>
+            <ac:spMk id="52" creationId="{92F7582E-ED37-4FEE-120B-A11932F7C217}"/>
+          </ac:spMkLst>
+        </pc:spChg>
+        <pc:spChg chg="add del mod">
+          <ac:chgData name="Demond,Dawson" userId="3bf05342-fb4c-46e5-8dc7-7fa531fd29a2" providerId="ADAL" clId="{75A476EB-246F-47D8-A462-E4900E8D390B}" dt="2025-06-02T20:46:26.897" v="572" actId="478"/>
+          <ac:spMkLst>
+            <pc:docMk/>
+            <pc:sldMk cId="3056448567" sldId="266"/>
+            <ac:spMk id="53" creationId="{E9B6626C-3970-7916-967E-4E0983A8D839}"/>
+          </ac:spMkLst>
+        </pc:spChg>
+        <pc:spChg chg="add mod">
+          <ac:chgData name="Demond,Dawson" userId="3bf05342-fb4c-46e5-8dc7-7fa531fd29a2" providerId="ADAL" clId="{75A476EB-246F-47D8-A462-E4900E8D390B}" dt="2025-06-02T20:36:34.703" v="517" actId="20577"/>
+          <ac:spMkLst>
+            <pc:docMk/>
+            <pc:sldMk cId="3056448567" sldId="266"/>
+            <ac:spMk id="55" creationId="{8EACD350-7245-8402-02AF-68C8A3E13BB0}"/>
+          </ac:spMkLst>
+        </pc:spChg>
+        <pc:spChg chg="add mod">
+          <ac:chgData name="Demond,Dawson" userId="3bf05342-fb4c-46e5-8dc7-7fa531fd29a2" providerId="ADAL" clId="{75A476EB-246F-47D8-A462-E4900E8D390B}" dt="2025-06-02T20:40:12.321" v="545" actId="1076"/>
+          <ac:spMkLst>
+            <pc:docMk/>
+            <pc:sldMk cId="3056448567" sldId="266"/>
+            <ac:spMk id="65" creationId="{A72DE1E9-484D-641F-BD41-BA2BA5D3EF1F}"/>
+          </ac:spMkLst>
+        </pc:spChg>
+        <pc:spChg chg="add mod">
+          <ac:chgData name="Demond,Dawson" userId="3bf05342-fb4c-46e5-8dc7-7fa531fd29a2" providerId="ADAL" clId="{75A476EB-246F-47D8-A462-E4900E8D390B}" dt="2025-06-02T20:41:31.611" v="552" actId="1076"/>
+          <ac:spMkLst>
+            <pc:docMk/>
+            <pc:sldMk cId="3056448567" sldId="266"/>
+            <ac:spMk id="66" creationId="{CBEAF5A8-6E9D-06E7-B6CE-6EA9341127FA}"/>
+          </ac:spMkLst>
+        </pc:spChg>
+        <pc:picChg chg="add del">
+          <ac:chgData name="Demond,Dawson" userId="3bf05342-fb4c-46e5-8dc7-7fa531fd29a2" providerId="ADAL" clId="{75A476EB-246F-47D8-A462-E4900E8D390B}" dt="2025-06-02T20:46:15.812" v="569" actId="478"/>
+          <ac:picMkLst>
+            <pc:docMk/>
+            <pc:sldMk cId="3056448567" sldId="266"/>
+            <ac:picMk id="8" creationId="{CD706DA6-D4D3-DACD-5B7A-D2FDE76D04B0}"/>
+          </ac:picMkLst>
+        </pc:picChg>
+        <pc:picChg chg="add mod">
+          <ac:chgData name="Demond,Dawson" userId="3bf05342-fb4c-46e5-8dc7-7fa531fd29a2" providerId="ADAL" clId="{75A476EB-246F-47D8-A462-E4900E8D390B}" dt="2025-06-02T20:33:34.234" v="477"/>
+          <ac:picMkLst>
+            <pc:docMk/>
+            <pc:sldMk cId="3056448567" sldId="266"/>
+            <ac:picMk id="34" creationId="{A6A750C4-DC18-4FC9-3074-558DACB70F88}"/>
+          </ac:picMkLst>
+        </pc:picChg>
+        <pc:picChg chg="add mod">
+          <ac:chgData name="Demond,Dawson" userId="3bf05342-fb4c-46e5-8dc7-7fa531fd29a2" providerId="ADAL" clId="{75A476EB-246F-47D8-A462-E4900E8D390B}" dt="2025-06-02T20:34:36.645" v="481"/>
+          <ac:picMkLst>
+            <pc:docMk/>
+            <pc:sldMk cId="3056448567" sldId="266"/>
+            <ac:picMk id="38" creationId="{ECC191D6-B758-37B6-FA74-53AF37F9428D}"/>
+          </ac:picMkLst>
+        </pc:picChg>
+        <pc:picChg chg="add mod">
+          <ac:chgData name="Demond,Dawson" userId="3bf05342-fb4c-46e5-8dc7-7fa531fd29a2" providerId="ADAL" clId="{75A476EB-246F-47D8-A462-E4900E8D390B}" dt="2025-06-02T20:34:39.188" v="482"/>
+          <ac:picMkLst>
+            <pc:docMk/>
+            <pc:sldMk cId="3056448567" sldId="266"/>
+            <ac:picMk id="39" creationId="{410D44C7-E9D7-9F37-3CCD-5A7428490670}"/>
+          </ac:picMkLst>
+        </pc:picChg>
+        <pc:inkChg chg="add">
+          <ac:chgData name="Demond,Dawson" userId="3bf05342-fb4c-46e5-8dc7-7fa531fd29a2" providerId="ADAL" clId="{75A476EB-246F-47D8-A462-E4900E8D390B}" dt="2025-06-02T20:27:28.432" v="405" actId="9405"/>
+          <ac:inkMkLst>
+            <pc:docMk/>
+            <pc:sldMk cId="3056448567" sldId="266"/>
+            <ac:inkMk id="4" creationId="{29DB17A0-4566-5507-FB86-853E8C8E82BF}"/>
+          </ac:inkMkLst>
+        </pc:inkChg>
+        <pc:inkChg chg="add del">
+          <ac:chgData name="Demond,Dawson" userId="3bf05342-fb4c-46e5-8dc7-7fa531fd29a2" providerId="ADAL" clId="{75A476EB-246F-47D8-A462-E4900E8D390B}" dt="2025-06-02T20:27:34.077" v="407" actId="9405"/>
+          <ac:inkMkLst>
+            <pc:docMk/>
+            <pc:sldMk cId="3056448567" sldId="266"/>
+            <ac:inkMk id="5" creationId="{22F6F41F-58B2-F8E1-39EA-469CE9D498AE}"/>
+          </ac:inkMkLst>
+        </pc:inkChg>
+        <pc:inkChg chg="add">
+          <ac:chgData name="Demond,Dawson" userId="3bf05342-fb4c-46e5-8dc7-7fa531fd29a2" providerId="ADAL" clId="{75A476EB-246F-47D8-A462-E4900E8D390B}" dt="2025-06-02T20:27:37.277" v="408" actId="9405"/>
+          <ac:inkMkLst>
+            <pc:docMk/>
+            <pc:sldMk cId="3056448567" sldId="266"/>
+            <ac:inkMk id="6" creationId="{D4BD5864-4593-A874-EC55-108795057919}"/>
+          </ac:inkMkLst>
+        </pc:inkChg>
+        <pc:inkChg chg="add">
+          <ac:chgData name="Demond,Dawson" userId="3bf05342-fb4c-46e5-8dc7-7fa531fd29a2" providerId="ADAL" clId="{75A476EB-246F-47D8-A462-E4900E8D390B}" dt="2025-06-02T20:27:39.549" v="409" actId="9405"/>
+          <ac:inkMkLst>
+            <pc:docMk/>
+            <pc:sldMk cId="3056448567" sldId="266"/>
+            <ac:inkMk id="7" creationId="{73DF30D8-A4C1-C389-F3B4-0196BB58A682}"/>
+          </ac:inkMkLst>
+        </pc:inkChg>
+        <pc:inkChg chg="add">
+          <ac:chgData name="Demond,Dawson" userId="3bf05342-fb4c-46e5-8dc7-7fa531fd29a2" providerId="ADAL" clId="{75A476EB-246F-47D8-A462-E4900E8D390B}" dt="2025-06-02T20:27:42.557" v="410" actId="9405"/>
+          <ac:inkMkLst>
+            <pc:docMk/>
+            <pc:sldMk cId="3056448567" sldId="266"/>
+            <ac:inkMk id="9" creationId="{32DA98AA-2380-0453-5966-8670B0DA51C3}"/>
+          </ac:inkMkLst>
+        </pc:inkChg>
+        <pc:inkChg chg="add del">
+          <ac:chgData name="Demond,Dawson" userId="3bf05342-fb4c-46e5-8dc7-7fa531fd29a2" providerId="ADAL" clId="{75A476EB-246F-47D8-A462-E4900E8D390B}" dt="2025-06-02T20:27:48.711" v="412" actId="9405"/>
+          <ac:inkMkLst>
+            <pc:docMk/>
+            <pc:sldMk cId="3056448567" sldId="266"/>
+            <ac:inkMk id="10" creationId="{1E34C13F-58CB-E3EB-2838-918FB47B71A9}"/>
+          </ac:inkMkLst>
+        </pc:inkChg>
+        <pc:inkChg chg="add">
+          <ac:chgData name="Demond,Dawson" userId="3bf05342-fb4c-46e5-8dc7-7fa531fd29a2" providerId="ADAL" clId="{75A476EB-246F-47D8-A462-E4900E8D390B}" dt="2025-06-02T20:27:52.042" v="413" actId="9405"/>
+          <ac:inkMkLst>
+            <pc:docMk/>
+            <pc:sldMk cId="3056448567" sldId="266"/>
+            <ac:inkMk id="11" creationId="{889BD769-46B9-E50F-74A8-E24C54F0B03C}"/>
+          </ac:inkMkLst>
+        </pc:inkChg>
+        <pc:inkChg chg="add">
+          <ac:chgData name="Demond,Dawson" userId="3bf05342-fb4c-46e5-8dc7-7fa531fd29a2" providerId="ADAL" clId="{75A476EB-246F-47D8-A462-E4900E8D390B}" dt="2025-06-02T20:27:54.665" v="414" actId="9405"/>
+          <ac:inkMkLst>
+            <pc:docMk/>
+            <pc:sldMk cId="3056448567" sldId="266"/>
+            <ac:inkMk id="12" creationId="{3E7366C3-7B21-7E3F-6A85-93BE8FC08377}"/>
+          </ac:inkMkLst>
+        </pc:inkChg>
+        <pc:inkChg chg="add">
+          <ac:chgData name="Demond,Dawson" userId="3bf05342-fb4c-46e5-8dc7-7fa531fd29a2" providerId="ADAL" clId="{75A476EB-246F-47D8-A462-E4900E8D390B}" dt="2025-06-02T20:27:57.972" v="415" actId="9405"/>
+          <ac:inkMkLst>
+            <pc:docMk/>
+            <pc:sldMk cId="3056448567" sldId="266"/>
+            <ac:inkMk id="13" creationId="{178FEEA4-BB9E-4F57-2AD0-9D58F2F9178F}"/>
+          </ac:inkMkLst>
+        </pc:inkChg>
+        <pc:inkChg chg="add">
+          <ac:chgData name="Demond,Dawson" userId="3bf05342-fb4c-46e5-8dc7-7fa531fd29a2" providerId="ADAL" clId="{75A476EB-246F-47D8-A462-E4900E8D390B}" dt="2025-06-02T20:28:03.226" v="416" actId="9405"/>
+          <ac:inkMkLst>
+            <pc:docMk/>
+            <pc:sldMk cId="3056448567" sldId="266"/>
+            <ac:inkMk id="14" creationId="{1F351CB5-7D64-CD0A-E40D-46B377EF37D6}"/>
+          </ac:inkMkLst>
+        </pc:inkChg>
+        <pc:inkChg chg="add del">
+          <ac:chgData name="Demond,Dawson" userId="3bf05342-fb4c-46e5-8dc7-7fa531fd29a2" providerId="ADAL" clId="{75A476EB-246F-47D8-A462-E4900E8D390B}" dt="2025-06-02T20:29:09.276" v="418" actId="9405"/>
+          <ac:inkMkLst>
+            <pc:docMk/>
+            <pc:sldMk cId="3056448567" sldId="266"/>
+            <ac:inkMk id="15" creationId="{F2168710-B4F8-0ED0-4D26-5967DC16073D}"/>
+          </ac:inkMkLst>
+        </pc:inkChg>
+        <pc:inkChg chg="add">
+          <ac:chgData name="Demond,Dawson" userId="3bf05342-fb4c-46e5-8dc7-7fa531fd29a2" providerId="ADAL" clId="{75A476EB-246F-47D8-A462-E4900E8D390B}" dt="2025-06-02T20:30:15.117" v="440" actId="9405"/>
+          <ac:inkMkLst>
+            <pc:docMk/>
+            <pc:sldMk cId="3056448567" sldId="266"/>
+            <ac:inkMk id="17" creationId="{5E59C00A-2182-2A9C-684F-02038CD8A760}"/>
+          </ac:inkMkLst>
+        </pc:inkChg>
+        <pc:inkChg chg="add del">
+          <ac:chgData name="Demond,Dawson" userId="3bf05342-fb4c-46e5-8dc7-7fa531fd29a2" providerId="ADAL" clId="{75A476EB-246F-47D8-A462-E4900E8D390B}" dt="2025-06-02T20:30:18.168" v="442" actId="9405"/>
+          <ac:inkMkLst>
+            <pc:docMk/>
+            <pc:sldMk cId="3056448567" sldId="266"/>
+            <ac:inkMk id="18" creationId="{0098D145-F3C6-4287-CE97-F36A64DDEA99}"/>
+          </ac:inkMkLst>
+        </pc:inkChg>
+        <pc:inkChg chg="add">
+          <ac:chgData name="Demond,Dawson" userId="3bf05342-fb4c-46e5-8dc7-7fa531fd29a2" providerId="ADAL" clId="{75A476EB-246F-47D8-A462-E4900E8D390B}" dt="2025-06-02T20:30:20.521" v="443" actId="9405"/>
+          <ac:inkMkLst>
+            <pc:docMk/>
+            <pc:sldMk cId="3056448567" sldId="266"/>
+            <ac:inkMk id="19" creationId="{46E3E355-A779-42F8-4222-F252A4D46640}"/>
+          </ac:inkMkLst>
+        </pc:inkChg>
+        <pc:inkChg chg="add">
+          <ac:chgData name="Demond,Dawson" userId="3bf05342-fb4c-46e5-8dc7-7fa531fd29a2" providerId="ADAL" clId="{75A476EB-246F-47D8-A462-E4900E8D390B}" dt="2025-06-02T20:30:22.654" v="444" actId="9405"/>
+          <ac:inkMkLst>
+            <pc:docMk/>
+            <pc:sldMk cId="3056448567" sldId="266"/>
+            <ac:inkMk id="20" creationId="{4BC1E5CA-3581-C67F-394C-A536A0321DF7}"/>
+          </ac:inkMkLst>
+        </pc:inkChg>
+        <pc:inkChg chg="add">
+          <ac:chgData name="Demond,Dawson" userId="3bf05342-fb4c-46e5-8dc7-7fa531fd29a2" providerId="ADAL" clId="{75A476EB-246F-47D8-A462-E4900E8D390B}" dt="2025-06-02T20:30:33.477" v="445" actId="9405"/>
+          <ac:inkMkLst>
+            <pc:docMk/>
+            <pc:sldMk cId="3056448567" sldId="266"/>
+            <ac:inkMk id="21" creationId="{423476BE-F058-15A5-67E6-648787DADC9C}"/>
+          </ac:inkMkLst>
+        </pc:inkChg>
+        <pc:inkChg chg="add">
+          <ac:chgData name="Demond,Dawson" userId="3bf05342-fb4c-46e5-8dc7-7fa531fd29a2" providerId="ADAL" clId="{75A476EB-246F-47D8-A462-E4900E8D390B}" dt="2025-06-02T20:31:06.206" v="450" actId="9405"/>
+          <ac:inkMkLst>
+            <pc:docMk/>
+            <pc:sldMk cId="3056448567" sldId="266"/>
+            <ac:inkMk id="23" creationId="{C83D2096-1F9E-C5A8-D061-B6E2787F64C7}"/>
+          </ac:inkMkLst>
+        </pc:inkChg>
+        <pc:inkChg chg="add">
+          <ac:chgData name="Demond,Dawson" userId="3bf05342-fb4c-46e5-8dc7-7fa531fd29a2" providerId="ADAL" clId="{75A476EB-246F-47D8-A462-E4900E8D390B}" dt="2025-06-02T20:31:09.340" v="451" actId="9405"/>
+          <ac:inkMkLst>
+            <pc:docMk/>
+            <pc:sldMk cId="3056448567" sldId="266"/>
+            <ac:inkMk id="24" creationId="{A78C2EF2-610F-819D-E8F8-17A0D5060BE5}"/>
+          </ac:inkMkLst>
+        </pc:inkChg>
+        <pc:inkChg chg="add">
+          <ac:chgData name="Demond,Dawson" userId="3bf05342-fb4c-46e5-8dc7-7fa531fd29a2" providerId="ADAL" clId="{75A476EB-246F-47D8-A462-E4900E8D390B}" dt="2025-06-02T20:31:43.195" v="462" actId="9405"/>
+          <ac:inkMkLst>
+            <pc:docMk/>
+            <pc:sldMk cId="3056448567" sldId="266"/>
+            <ac:inkMk id="30" creationId="{FA25E952-8B7C-4CB2-93EA-B018C8EC6437}"/>
+          </ac:inkMkLst>
+        </pc:inkChg>
+        <pc:inkChg chg="add">
+          <ac:chgData name="Demond,Dawson" userId="3bf05342-fb4c-46e5-8dc7-7fa531fd29a2" providerId="ADAL" clId="{75A476EB-246F-47D8-A462-E4900E8D390B}" dt="2025-06-02T20:31:45.325" v="463" actId="9405"/>
+          <ac:inkMkLst>
+            <pc:docMk/>
+            <pc:sldMk cId="3056448567" sldId="266"/>
+            <ac:inkMk id="31" creationId="{F4D66191-4B19-698B-9C0C-9DE5EBB32E35}"/>
+          </ac:inkMkLst>
+        </pc:inkChg>
+        <pc:inkChg chg="add">
+          <ac:chgData name="Demond,Dawson" userId="3bf05342-fb4c-46e5-8dc7-7fa531fd29a2" providerId="ADAL" clId="{75A476EB-246F-47D8-A462-E4900E8D390B}" dt="2025-06-02T20:33:51.974" v="478" actId="9405"/>
+          <ac:inkMkLst>
+            <pc:docMk/>
+            <pc:sldMk cId="3056448567" sldId="266"/>
+            <ac:inkMk id="35" creationId="{2ABA5720-C066-E87C-0671-51F7ED48EBD4}"/>
+          </ac:inkMkLst>
+        </pc:inkChg>
+        <pc:inkChg chg="add">
+          <ac:chgData name="Demond,Dawson" userId="3bf05342-fb4c-46e5-8dc7-7fa531fd29a2" providerId="ADAL" clId="{75A476EB-246F-47D8-A462-E4900E8D390B}" dt="2025-06-02T20:34:03.724" v="479" actId="9405"/>
+          <ac:inkMkLst>
+            <pc:docMk/>
+            <pc:sldMk cId="3056448567" sldId="266"/>
+            <ac:inkMk id="36" creationId="{01F45743-4C1D-AAAF-CBAA-FD95FB1C4DA1}"/>
+          </ac:inkMkLst>
+        </pc:inkChg>
+        <pc:inkChg chg="add">
+          <ac:chgData name="Demond,Dawson" userId="3bf05342-fb4c-46e5-8dc7-7fa531fd29a2" providerId="ADAL" clId="{75A476EB-246F-47D8-A462-E4900E8D390B}" dt="2025-06-02T20:34:30.566" v="480" actId="9405"/>
+          <ac:inkMkLst>
+            <pc:docMk/>
+            <pc:sldMk cId="3056448567" sldId="266"/>
+            <ac:inkMk id="37" creationId="{E5F853EA-BCA8-A452-BA88-28AB8F0F21AE}"/>
+          </ac:inkMkLst>
+        </pc:inkChg>
+        <pc:inkChg chg="add">
+          <ac:chgData name="Demond,Dawson" userId="3bf05342-fb4c-46e5-8dc7-7fa531fd29a2" providerId="ADAL" clId="{75A476EB-246F-47D8-A462-E4900E8D390B}" dt="2025-06-02T20:34:54.625" v="485" actId="9405"/>
+          <ac:inkMkLst>
+            <pc:docMk/>
+            <pc:sldMk cId="3056448567" sldId="266"/>
+            <ac:inkMk id="41" creationId="{D2CA81E9-7CCD-C0B0-0A14-8463E3397010}"/>
+          </ac:inkMkLst>
+        </pc:inkChg>
+        <pc:inkChg chg="add">
+          <ac:chgData name="Demond,Dawson" userId="3bf05342-fb4c-46e5-8dc7-7fa531fd29a2" providerId="ADAL" clId="{75A476EB-246F-47D8-A462-E4900E8D390B}" dt="2025-06-02T20:34:59.436" v="486" actId="9405"/>
+          <ac:inkMkLst>
+            <pc:docMk/>
+            <pc:sldMk cId="3056448567" sldId="266"/>
+            <ac:inkMk id="42" creationId="{B9BE01B7-9435-686F-FE7E-34AE3F2D77BC}"/>
+          </ac:inkMkLst>
+        </pc:inkChg>
+        <pc:inkChg chg="add">
+          <ac:chgData name="Demond,Dawson" userId="3bf05342-fb4c-46e5-8dc7-7fa531fd29a2" providerId="ADAL" clId="{75A476EB-246F-47D8-A462-E4900E8D390B}" dt="2025-06-02T20:35:05.336" v="487" actId="9405"/>
+          <ac:inkMkLst>
+            <pc:docMk/>
+            <pc:sldMk cId="3056448567" sldId="266"/>
+            <ac:inkMk id="43" creationId="{955A91EE-7164-A278-C13A-6DEF81D6CA22}"/>
+          </ac:inkMkLst>
+        </pc:inkChg>
+        <pc:inkChg chg="add del">
+          <ac:chgData name="Demond,Dawson" userId="3bf05342-fb4c-46e5-8dc7-7fa531fd29a2" providerId="ADAL" clId="{75A476EB-246F-47D8-A462-E4900E8D390B}" dt="2025-06-02T20:35:07.007" v="489" actId="9405"/>
+          <ac:inkMkLst>
+            <pc:docMk/>
+            <pc:sldMk cId="3056448567" sldId="266"/>
+            <ac:inkMk id="44" creationId="{B496EC9A-2942-E2FF-0342-375C03C2A067}"/>
+          </ac:inkMkLst>
+        </pc:inkChg>
+        <pc:inkChg chg="add">
+          <ac:chgData name="Demond,Dawson" userId="3bf05342-fb4c-46e5-8dc7-7fa531fd29a2" providerId="ADAL" clId="{75A476EB-246F-47D8-A462-E4900E8D390B}" dt="2025-06-02T20:35:09.536" v="490" actId="9405"/>
+          <ac:inkMkLst>
+            <pc:docMk/>
+            <pc:sldMk cId="3056448567" sldId="266"/>
+            <ac:inkMk id="45" creationId="{85D02394-E5E9-FC54-2765-B6170954C2D0}"/>
+          </ac:inkMkLst>
+        </pc:inkChg>
+        <pc:inkChg chg="add">
+          <ac:chgData name="Demond,Dawson" userId="3bf05342-fb4c-46e5-8dc7-7fa531fd29a2" providerId="ADAL" clId="{75A476EB-246F-47D8-A462-E4900E8D390B}" dt="2025-06-02T20:35:12.607" v="491" actId="9405"/>
+          <ac:inkMkLst>
+            <pc:docMk/>
+            <pc:sldMk cId="3056448567" sldId="266"/>
+            <ac:inkMk id="46" creationId="{9D271A68-FD60-FE98-6D7D-DC452013C7BB}"/>
+          </ac:inkMkLst>
+        </pc:inkChg>
+        <pc:inkChg chg="add">
+          <ac:chgData name="Demond,Dawson" userId="3bf05342-fb4c-46e5-8dc7-7fa531fd29a2" providerId="ADAL" clId="{75A476EB-246F-47D8-A462-E4900E8D390B}" dt="2025-06-02T20:35:18.329" v="492" actId="9405"/>
+          <ac:inkMkLst>
+            <pc:docMk/>
+            <pc:sldMk cId="3056448567" sldId="266"/>
+            <ac:inkMk id="47" creationId="{5F89CBC7-ADFC-47B3-1206-A583E847B529}"/>
+          </ac:inkMkLst>
+        </pc:inkChg>
+        <pc:inkChg chg="add">
+          <ac:chgData name="Demond,Dawson" userId="3bf05342-fb4c-46e5-8dc7-7fa531fd29a2" providerId="ADAL" clId="{75A476EB-246F-47D8-A462-E4900E8D390B}" dt="2025-06-02T20:35:19.779" v="493" actId="9405"/>
+          <ac:inkMkLst>
+            <pc:docMk/>
+            <pc:sldMk cId="3056448567" sldId="266"/>
+            <ac:inkMk id="48" creationId="{D6F7952F-04FB-A286-A4EC-00AC7848D3EB}"/>
+          </ac:inkMkLst>
+        </pc:inkChg>
+        <pc:inkChg chg="add">
+          <ac:chgData name="Demond,Dawson" userId="3bf05342-fb4c-46e5-8dc7-7fa531fd29a2" providerId="ADAL" clId="{75A476EB-246F-47D8-A462-E4900E8D390B}" dt="2025-06-02T20:35:24.654" v="494" actId="9405"/>
+          <ac:inkMkLst>
+            <pc:docMk/>
+            <pc:sldMk cId="3056448567" sldId="266"/>
+            <ac:inkMk id="49" creationId="{4327DA80-9712-EDFD-EBB8-6471EEDFCFA6}"/>
+          </ac:inkMkLst>
+        </pc:inkChg>
+        <pc:inkChg chg="add">
+          <ac:chgData name="Demond,Dawson" userId="3bf05342-fb4c-46e5-8dc7-7fa531fd29a2" providerId="ADAL" clId="{75A476EB-246F-47D8-A462-E4900E8D390B}" dt="2025-06-02T20:35:28.029" v="495" actId="9405"/>
+          <ac:inkMkLst>
+            <pc:docMk/>
+            <pc:sldMk cId="3056448567" sldId="266"/>
+            <ac:inkMk id="50" creationId="{235CD62A-C07C-D2CC-7BE1-96D80B20270A}"/>
+          </ac:inkMkLst>
+        </pc:inkChg>
+        <pc:inkChg chg="add">
+          <ac:chgData name="Demond,Dawson" userId="3bf05342-fb4c-46e5-8dc7-7fa531fd29a2" providerId="ADAL" clId="{75A476EB-246F-47D8-A462-E4900E8D390B}" dt="2025-06-02T20:36:21.411" v="513" actId="9405"/>
+          <ac:inkMkLst>
+            <pc:docMk/>
+            <pc:sldMk cId="3056448567" sldId="266"/>
+            <ac:inkMk id="54" creationId="{ED4C1327-5192-CECB-C544-F5D75B921B91}"/>
+          </ac:inkMkLst>
+        </pc:inkChg>
+        <pc:inkChg chg="add del">
+          <ac:chgData name="Demond,Dawson" userId="3bf05342-fb4c-46e5-8dc7-7fa531fd29a2" providerId="ADAL" clId="{75A476EB-246F-47D8-A462-E4900E8D390B}" dt="2025-06-02T20:37:33.424" v="525" actId="9405"/>
+          <ac:inkMkLst>
+            <pc:docMk/>
+            <pc:sldMk cId="3056448567" sldId="266"/>
+            <ac:inkMk id="56" creationId="{E98F98DA-9372-2D0D-50BA-D56B409D5606}"/>
+          </ac:inkMkLst>
+        </pc:inkChg>
+        <pc:inkChg chg="add">
+          <ac:chgData name="Demond,Dawson" userId="3bf05342-fb4c-46e5-8dc7-7fa531fd29a2" providerId="ADAL" clId="{75A476EB-246F-47D8-A462-E4900E8D390B}" dt="2025-06-02T20:37:36.126" v="526" actId="9405"/>
+          <ac:inkMkLst>
+            <pc:docMk/>
+            <pc:sldMk cId="3056448567" sldId="266"/>
+            <ac:inkMk id="57" creationId="{8AF4C236-C26A-F5DC-886D-8232D3CF9411}"/>
+          </ac:inkMkLst>
+        </pc:inkChg>
+        <pc:inkChg chg="add del">
+          <ac:chgData name="Demond,Dawson" userId="3bf05342-fb4c-46e5-8dc7-7fa531fd29a2" providerId="ADAL" clId="{75A476EB-246F-47D8-A462-E4900E8D390B}" dt="2025-06-02T20:39:39.367" v="533" actId="9405"/>
+          <ac:inkMkLst>
+            <pc:docMk/>
+            <pc:sldMk cId="3056448567" sldId="266"/>
+            <ac:inkMk id="58" creationId="{1A289E3C-3413-0239-618E-C44E0272C989}"/>
+          </ac:inkMkLst>
+        </pc:inkChg>
+        <pc:inkChg chg="add del">
+          <ac:chgData name="Demond,Dawson" userId="3bf05342-fb4c-46e5-8dc7-7fa531fd29a2" providerId="ADAL" clId="{75A476EB-246F-47D8-A462-E4900E8D390B}" dt="2025-06-02T20:39:44.079" v="535" actId="9405"/>
+          <ac:inkMkLst>
+            <pc:docMk/>
+            <pc:sldMk cId="3056448567" sldId="266"/>
+            <ac:inkMk id="59" creationId="{578D390A-4D6F-37E6-4CF5-588CE887E5CB}"/>
+          </ac:inkMkLst>
+        </pc:inkChg>
+        <pc:inkChg chg="add">
+          <ac:chgData name="Demond,Dawson" userId="3bf05342-fb4c-46e5-8dc7-7fa531fd29a2" providerId="ADAL" clId="{75A476EB-246F-47D8-A462-E4900E8D390B}" dt="2025-06-02T20:39:45.776" v="536" actId="9405"/>
+          <ac:inkMkLst>
+            <pc:docMk/>
+            <pc:sldMk cId="3056448567" sldId="266"/>
+            <ac:inkMk id="60" creationId="{146E9755-C838-53D1-2B43-7D5BDEA57788}"/>
+          </ac:inkMkLst>
+        </pc:inkChg>
+        <pc:inkChg chg="add del">
+          <ac:chgData name="Demond,Dawson" userId="3bf05342-fb4c-46e5-8dc7-7fa531fd29a2" providerId="ADAL" clId="{75A476EB-246F-47D8-A462-E4900E8D390B}" dt="2025-06-02T20:39:47.287" v="538" actId="9405"/>
+          <ac:inkMkLst>
+            <pc:docMk/>
+            <pc:sldMk cId="3056448567" sldId="266"/>
+            <ac:inkMk id="61" creationId="{E146ABF3-5BE4-A4F7-8E72-15EC13DB6CC1}"/>
+          </ac:inkMkLst>
+        </pc:inkChg>
+        <pc:inkChg chg="add">
+          <ac:chgData name="Demond,Dawson" userId="3bf05342-fb4c-46e5-8dc7-7fa531fd29a2" providerId="ADAL" clId="{75A476EB-246F-47D8-A462-E4900E8D390B}" dt="2025-06-02T20:39:49.070" v="539" actId="9405"/>
+          <ac:inkMkLst>
+            <pc:docMk/>
+            <pc:sldMk cId="3056448567" sldId="266"/>
+            <ac:inkMk id="62" creationId="{BB3E1262-0223-73FF-8C9D-8EF6A92708A2}"/>
+          </ac:inkMkLst>
+        </pc:inkChg>
+        <pc:inkChg chg="add">
+          <ac:chgData name="Demond,Dawson" userId="3bf05342-fb4c-46e5-8dc7-7fa531fd29a2" providerId="ADAL" clId="{75A476EB-246F-47D8-A462-E4900E8D390B}" dt="2025-06-02T20:39:52.867" v="540" actId="9405"/>
+          <ac:inkMkLst>
+            <pc:docMk/>
+            <pc:sldMk cId="3056448567" sldId="266"/>
+            <ac:inkMk id="63" creationId="{D36FEBBE-7BE1-4097-299A-0554452D1DAB}"/>
+          </ac:inkMkLst>
+        </pc:inkChg>
+        <pc:inkChg chg="add">
+          <ac:chgData name="Demond,Dawson" userId="3bf05342-fb4c-46e5-8dc7-7fa531fd29a2" providerId="ADAL" clId="{75A476EB-246F-47D8-A462-E4900E8D390B}" dt="2025-06-02T20:39:57.355" v="541" actId="9405"/>
+          <ac:inkMkLst>
+            <pc:docMk/>
+            <pc:sldMk cId="3056448567" sldId="266"/>
+            <ac:inkMk id="64" creationId="{5A9FEE28-BFCA-EAA8-1129-500F47734CC6}"/>
+          </ac:inkMkLst>
+        </pc:inkChg>
+        <pc:inkChg chg="add del">
+          <ac:chgData name="Demond,Dawson" userId="3bf05342-fb4c-46e5-8dc7-7fa531fd29a2" providerId="ADAL" clId="{75A476EB-246F-47D8-A462-E4900E8D390B}" dt="2025-06-02T20:41:24.717" v="551" actId="9405"/>
+          <ac:inkMkLst>
+            <pc:docMk/>
+            <pc:sldMk cId="3056448567" sldId="266"/>
+            <ac:inkMk id="67" creationId="{D069325D-51CA-F561-53CF-D17A7549099F}"/>
+          </ac:inkMkLst>
+        </pc:inkChg>
+        <pc:inkChg chg="add del">
+          <ac:chgData name="Demond,Dawson" userId="3bf05342-fb4c-46e5-8dc7-7fa531fd29a2" providerId="ADAL" clId="{75A476EB-246F-47D8-A462-E4900E8D390B}" dt="2025-06-02T20:41:15.506" v="548" actId="9405"/>
+          <ac:inkMkLst>
+            <pc:docMk/>
+            <pc:sldMk cId="3056448567" sldId="266"/>
+            <ac:inkMk id="68" creationId="{D791686C-782E-676A-E774-4DD6B78F5FA8}"/>
+          </ac:inkMkLst>
+        </pc:inkChg>
+        <pc:inkChg chg="add">
+          <ac:chgData name="Demond,Dawson" userId="3bf05342-fb4c-46e5-8dc7-7fa531fd29a2" providerId="ADAL" clId="{75A476EB-246F-47D8-A462-E4900E8D390B}" dt="2025-06-02T20:41:48.586" v="553" actId="9405"/>
+          <ac:inkMkLst>
+            <pc:docMk/>
+            <pc:sldMk cId="3056448567" sldId="266"/>
+            <ac:inkMk id="69" creationId="{CB9F9FAE-B49F-BB6E-0AF1-897E8502F97F}"/>
+          </ac:inkMkLst>
+        </pc:inkChg>
+        <pc:inkChg chg="add del">
+          <ac:chgData name="Demond,Dawson" userId="3bf05342-fb4c-46e5-8dc7-7fa531fd29a2" providerId="ADAL" clId="{75A476EB-246F-47D8-A462-E4900E8D390B}" dt="2025-06-02T20:41:57.467" v="555" actId="9405"/>
+          <ac:inkMkLst>
+            <pc:docMk/>
+            <pc:sldMk cId="3056448567" sldId="266"/>
+            <ac:inkMk id="70" creationId="{D0782C12-D635-640E-4073-BFFFEB78C5F3}"/>
+          </ac:inkMkLst>
+        </pc:inkChg>
+        <pc:inkChg chg="add del">
+          <ac:chgData name="Demond,Dawson" userId="3bf05342-fb4c-46e5-8dc7-7fa531fd29a2" providerId="ADAL" clId="{75A476EB-246F-47D8-A462-E4900E8D390B}" dt="2025-06-02T20:42:16.955" v="557" actId="9405"/>
+          <ac:inkMkLst>
+            <pc:docMk/>
+            <pc:sldMk cId="3056448567" sldId="266"/>
+            <ac:inkMk id="71" creationId="{A2BDE2CC-DD5B-6C0D-A7E1-CCEC87612DF7}"/>
+          </ac:inkMkLst>
+        </pc:inkChg>
+        <pc:inkChg chg="add">
+          <ac:chgData name="Demond,Dawson" userId="3bf05342-fb4c-46e5-8dc7-7fa531fd29a2" providerId="ADAL" clId="{75A476EB-246F-47D8-A462-E4900E8D390B}" dt="2025-06-02T20:43:23.954" v="560" actId="9405"/>
+          <ac:inkMkLst>
+            <pc:docMk/>
+            <pc:sldMk cId="3056448567" sldId="266"/>
+            <ac:inkMk id="72" creationId="{11BBEC83-9C87-E384-E1B0-FE60677E332B}"/>
+          </ac:inkMkLst>
+        </pc:inkChg>
+        <pc:inkChg chg="add">
+          <ac:chgData name="Demond,Dawson" userId="3bf05342-fb4c-46e5-8dc7-7fa531fd29a2" providerId="ADAL" clId="{75A476EB-246F-47D8-A462-E4900E8D390B}" dt="2025-06-02T20:43:28.593" v="561" actId="9405"/>
+          <ac:inkMkLst>
+            <pc:docMk/>
+            <pc:sldMk cId="3056448567" sldId="266"/>
+            <ac:inkMk id="73" creationId="{BA250053-4C59-F686-B206-D5E105D91227}"/>
+          </ac:inkMkLst>
+        </pc:inkChg>
+        <pc:inkChg chg="add">
+          <ac:chgData name="Demond,Dawson" userId="3bf05342-fb4c-46e5-8dc7-7fa531fd29a2" providerId="ADAL" clId="{75A476EB-246F-47D8-A462-E4900E8D390B}" dt="2025-06-02T20:43:42.152" v="562" actId="9405"/>
+          <ac:inkMkLst>
+            <pc:docMk/>
+            <pc:sldMk cId="3056448567" sldId="266"/>
+            <ac:inkMk id="74" creationId="{8C4466E7-4ED0-ED76-B059-5AC36B2EB27F}"/>
+          </ac:inkMkLst>
+        </pc:inkChg>
+        <pc:inkChg chg="add">
+          <ac:chgData name="Demond,Dawson" userId="3bf05342-fb4c-46e5-8dc7-7fa531fd29a2" providerId="ADAL" clId="{75A476EB-246F-47D8-A462-E4900E8D390B}" dt="2025-06-02T20:47:34.578" v="573" actId="9405"/>
+          <ac:inkMkLst>
+            <pc:docMk/>
+            <pc:sldMk cId="3056448567" sldId="266"/>
+            <ac:inkMk id="75" creationId="{7283E668-2EE1-06F4-862E-92EEB705ECF3}"/>
+          </ac:inkMkLst>
+        </pc:inkChg>
+      </pc:sldChg>
       <pc:sldChg chg="addSp delSp modSp mod">
-        <pc:chgData name="Demond,Dawson" userId="3bf05342-fb4c-46e5-8dc7-7fa531fd29a2" providerId="ADAL" clId="{75A476EB-246F-47D8-A462-E4900E8D390B}" dt="2025-06-02T18:49:04.269" v="393" actId="1076"/>
+        <pc:chgData name="Demond,Dawson" userId="3bf05342-fb4c-46e5-8dc7-7fa531fd29a2" providerId="ADAL" clId="{75A476EB-246F-47D8-A462-E4900E8D390B}" dt="2025-06-02T21:01:09.667" v="705" actId="9405"/>
         <pc:sldMkLst>
           <pc:docMk/>
           <pc:sldMk cId="4192284234" sldId="267"/>
         </pc:sldMkLst>
         <pc:spChg chg="add mod">
-          <ac:chgData name="Demond,Dawson" userId="3bf05342-fb4c-46e5-8dc7-7fa531fd29a2" providerId="ADAL" clId="{75A476EB-246F-47D8-A462-E4900E8D390B}" dt="2025-06-02T18:35:26.946" v="81" actId="1076"/>
+          <ac:chgData name="Demond,Dawson" userId="3bf05342-fb4c-46e5-8dc7-7fa531fd29a2" providerId="ADAL" clId="{75A476EB-246F-47D8-A462-E4900E8D390B}" dt="2025-06-02T20:26:00.019" v="400" actId="1076"/>
+          <ac:spMkLst>
+            <pc:docMk/>
+            <pc:sldMk cId="4192284234" sldId="267"/>
+            <ac:spMk id="2" creationId="{492C3F89-E4F5-A5A0-B16A-BA4EC0CD953C}"/>
+          </ac:spMkLst>
+        </pc:spChg>
+        <pc:spChg chg="add mod">
+          <ac:chgData name="Demond,Dawson" userId="3bf05342-fb4c-46e5-8dc7-7fa531fd29a2" providerId="ADAL" clId="{75A476EB-246F-47D8-A462-E4900E8D390B}" dt="2025-06-02T20:26:12.424" v="401"/>
+          <ac:spMkLst>
+            <pc:docMk/>
+            <pc:sldMk cId="4192284234" sldId="267"/>
+            <ac:spMk id="4" creationId="{B4416899-51A4-C18F-28AD-99D10D7998A0}"/>
+          </ac:spMkLst>
+        </pc:spChg>
+        <pc:spChg chg="add mod">
+          <ac:chgData name="Demond,Dawson" userId="3bf05342-fb4c-46e5-8dc7-7fa531fd29a2" providerId="ADAL" clId="{75A476EB-246F-47D8-A462-E4900E8D390B}" dt="2025-06-02T20:36:51.312" v="519" actId="1076"/>
+          <ac:spMkLst>
+            <pc:docMk/>
+            <pc:sldMk cId="4192284234" sldId="267"/>
+            <ac:spMk id="6" creationId="{8DAAF071-69AF-8798-2ECA-21592388133C}"/>
+          </ac:spMkLst>
+        </pc:spChg>
+        <pc:spChg chg="add mod">
+          <ac:chgData name="Demond,Dawson" userId="3bf05342-fb4c-46e5-8dc7-7fa531fd29a2" providerId="ADAL" clId="{75A476EB-246F-47D8-A462-E4900E8D390B}" dt="2025-06-02T20:37:05.251" v="521" actId="1076"/>
+          <ac:spMkLst>
+            <pc:docMk/>
+            <pc:sldMk cId="4192284234" sldId="267"/>
+            <ac:spMk id="11" creationId="{F4A999AA-71CD-15D1-E3D5-F0439B11B42D}"/>
+          </ac:spMkLst>
+        </pc:spChg>
+        <pc:spChg chg="add mod">
+          <ac:chgData name="Demond,Dawson" userId="3bf05342-fb4c-46e5-8dc7-7fa531fd29a2" providerId="ADAL" clId="{75A476EB-246F-47D8-A462-E4900E8D390B}" dt="2025-06-02T20:37:10.120" v="523" actId="1076"/>
+          <ac:spMkLst>
+            <pc:docMk/>
+            <pc:sldMk cId="4192284234" sldId="267"/>
+            <ac:spMk id="12" creationId="{49B64648-62F2-CB58-1FF2-4881E76108CA}"/>
+          </ac:spMkLst>
+        </pc:spChg>
+        <pc:spChg chg="add mod">
+          <ac:chgData name="Demond,Dawson" userId="3bf05342-fb4c-46e5-8dc7-7fa531fd29a2" providerId="ADAL" clId="{75A476EB-246F-47D8-A462-E4900E8D390B}" dt="2025-06-02T21:00:56.283" v="685" actId="1076"/>
           <ac:spMkLst>
             <pc:docMk/>
             <pc:sldMk cId="4192284234" sldId="267"/>
@@ -216,8 +869,8 @@
             <ac:spMk id="66" creationId="{946B21E0-A9F9-1825-F06E-68A405240B97}"/>
           </ac:spMkLst>
         </pc:spChg>
-        <pc:spChg chg="add mod">
-          <ac:chgData name="Demond,Dawson" userId="3bf05342-fb4c-46e5-8dc7-7fa531fd29a2" providerId="ADAL" clId="{75A476EB-246F-47D8-A462-E4900E8D390B}" dt="2025-06-02T18:38:31.317" v="111" actId="1076"/>
+        <pc:spChg chg="add del mod">
+          <ac:chgData name="Demond,Dawson" userId="3bf05342-fb4c-46e5-8dc7-7fa531fd29a2" providerId="ADAL" clId="{75A476EB-246F-47D8-A462-E4900E8D390B}" dt="2025-06-02T20:26:19.814" v="403" actId="478"/>
           <ac:spMkLst>
             <pc:docMk/>
             <pc:sldMk cId="4192284234" sldId="267"/>
@@ -368,8 +1021,8 @@
             <ac:spMk id="87" creationId="{12FBA899-C14B-CCD7-978F-7C966D5C0EC0}"/>
           </ac:spMkLst>
         </pc:spChg>
-        <pc:spChg chg="add mod">
-          <ac:chgData name="Demond,Dawson" userId="3bf05342-fb4c-46e5-8dc7-7fa531fd29a2" providerId="ADAL" clId="{75A476EB-246F-47D8-A462-E4900E8D390B}" dt="2025-06-02T18:49:04.269" v="393" actId="1076"/>
+        <pc:spChg chg="add del mod">
+          <ac:chgData name="Demond,Dawson" userId="3bf05342-fb4c-46e5-8dc7-7fa531fd29a2" providerId="ADAL" clId="{75A476EB-246F-47D8-A462-E4900E8D390B}" dt="2025-06-02T20:27:04.429" v="404" actId="478"/>
           <ac:spMkLst>
             <pc:docMk/>
             <pc:sldMk cId="4192284234" sldId="267"/>
@@ -382,6 +1035,14 @@
             <pc:docMk/>
             <pc:sldMk cId="4192284234" sldId="267"/>
             <ac:picMk id="3" creationId="{CF313615-FB85-BA37-414C-7823FFACA87B}"/>
+          </ac:picMkLst>
+        </pc:picChg>
+        <pc:picChg chg="add del mod">
+          <ac:chgData name="Demond,Dawson" userId="3bf05342-fb4c-46e5-8dc7-7fa531fd29a2" providerId="ADAL" clId="{75A476EB-246F-47D8-A462-E4900E8D390B}" dt="2025-06-02T20:33:33.213" v="476" actId="478"/>
+          <ac:picMkLst>
+            <pc:docMk/>
+            <pc:sldMk cId="4192284234" sldId="267"/>
+            <ac:picMk id="5" creationId="{37B43EEE-D516-37B7-C4F0-F39B986FEDA5}"/>
           </ac:picMkLst>
         </pc:picChg>
         <pc:picChg chg="mod">
@@ -480,6 +1141,14 @@
             <ac:inkMk id="13" creationId="{67DC529B-C929-C034-AD5D-DD810ED10629}"/>
           </ac:inkMkLst>
         </pc:inkChg>
+        <pc:inkChg chg="add del">
+          <ac:chgData name="Demond,Dawson" userId="3bf05342-fb4c-46e5-8dc7-7fa531fd29a2" providerId="ADAL" clId="{75A476EB-246F-47D8-A462-E4900E8D390B}" dt="2025-06-02T20:39:34.813" v="531" actId="9405"/>
+          <ac:inkMkLst>
+            <pc:docMk/>
+            <pc:sldMk cId="4192284234" sldId="267"/>
+            <ac:inkMk id="13" creationId="{72FA5BCC-B1FF-75FE-BC8F-56A96C94FCA5}"/>
+          </ac:inkMkLst>
+        </pc:inkChg>
         <pc:inkChg chg="add">
           <ac:chgData name="Demond,Dawson" userId="3bf05342-fb4c-46e5-8dc7-7fa531fd29a2" providerId="ADAL" clId="{75A476EB-246F-47D8-A462-E4900E8D390B}" dt="2025-06-02T18:23:09.804" v="20" actId="9405"/>
           <ac:inkMkLst>
@@ -494,6 +1163,14 @@
             <pc:docMk/>
             <pc:sldMk cId="4192284234" sldId="267"/>
             <ac:inkMk id="15" creationId="{2DDFE5F6-6711-E551-AFA5-B14A5013B9EA}"/>
+          </ac:inkMkLst>
+        </pc:inkChg>
+        <pc:inkChg chg="add del">
+          <ac:chgData name="Demond,Dawson" userId="3bf05342-fb4c-46e5-8dc7-7fa531fd29a2" providerId="ADAL" clId="{75A476EB-246F-47D8-A462-E4900E8D390B}" dt="2025-06-02T20:39:22.899" v="530" actId="9405"/>
+          <ac:inkMkLst>
+            <pc:docMk/>
+            <pc:sldMk cId="4192284234" sldId="267"/>
+            <ac:inkMk id="15" creationId="{72436438-6963-4D06-4FC3-A4DAC4BE634B}"/>
           </ac:inkMkLst>
         </pc:inkChg>
         <pc:inkChg chg="add">
@@ -518,6 +1195,14 @@
             <pc:docMk/>
             <pc:sldMk cId="4192284234" sldId="267"/>
             <ac:inkMk id="18" creationId="{7BD36DEA-9F86-63F2-D678-18DC64699FF3}"/>
+          </ac:inkMkLst>
+        </pc:inkChg>
+        <pc:inkChg chg="add del">
+          <ac:chgData name="Demond,Dawson" userId="3bf05342-fb4c-46e5-8dc7-7fa531fd29a2" providerId="ADAL" clId="{75A476EB-246F-47D8-A462-E4900E8D390B}" dt="2025-06-02T20:43:04.937" v="559" actId="9405"/>
+          <ac:inkMkLst>
+            <pc:docMk/>
+            <pc:sldMk cId="4192284234" sldId="267"/>
+            <ac:inkMk id="18" creationId="{EED52CE7-6775-8F3A-1C57-9C0B95939C97}"/>
           </ac:inkMkLst>
         </pc:inkChg>
         <pc:inkChg chg="add">
@@ -617,6 +1302,14 @@
           </ac:inkMkLst>
         </pc:inkChg>
         <pc:inkChg chg="add del">
+          <ac:chgData name="Demond,Dawson" userId="3bf05342-fb4c-46e5-8dc7-7fa531fd29a2" providerId="ADAL" clId="{75A476EB-246F-47D8-A462-E4900E8D390B}" dt="2025-06-02T20:59:56.352" v="673" actId="9405"/>
+          <ac:inkMkLst>
+            <pc:docMk/>
+            <pc:sldMk cId="4192284234" sldId="267"/>
+            <ac:inkMk id="31" creationId="{71738477-A102-502B-B193-223F909F8970}"/>
+          </ac:inkMkLst>
+        </pc:inkChg>
+        <pc:inkChg chg="add del">
           <ac:chgData name="Demond,Dawson" userId="3bf05342-fb4c-46e5-8dc7-7fa531fd29a2" providerId="ADAL" clId="{75A476EB-246F-47D8-A462-E4900E8D390B}" dt="2025-06-02T18:27:42.899" v="42" actId="9405"/>
           <ac:inkMkLst>
             <pc:docMk/>
@@ -630,6 +1323,14 @@
             <pc:docMk/>
             <pc:sldMk cId="4192284234" sldId="267"/>
             <ac:inkMk id="32" creationId="{5F3BA9F1-007E-0DB2-CB31-1EE5FCD96E51}"/>
+          </ac:inkMkLst>
+        </pc:inkChg>
+        <pc:inkChg chg="add del">
+          <ac:chgData name="Demond,Dawson" userId="3bf05342-fb4c-46e5-8dc7-7fa531fd29a2" providerId="ADAL" clId="{75A476EB-246F-47D8-A462-E4900E8D390B}" dt="2025-06-02T21:01:09.667" v="705" actId="9405"/>
+          <ac:inkMkLst>
+            <pc:docMk/>
+            <pc:sldMk cId="4192284234" sldId="267"/>
+            <ac:inkMk id="32" creationId="{E2BE6AEC-8A18-B075-D728-0FA300E54D0C}"/>
           </ac:inkMkLst>
         </pc:inkChg>
         <pc:inkChg chg="add">
@@ -665,6 +1366,14 @@
           </ac:inkMkLst>
         </pc:inkChg>
         <pc:inkChg chg="add del">
+          <ac:chgData name="Demond,Dawson" userId="3bf05342-fb4c-46e5-8dc7-7fa531fd29a2" providerId="ADAL" clId="{75A476EB-246F-47D8-A462-E4900E8D390B}" dt="2025-06-02T21:00:57.198" v="690" actId="9405"/>
+          <ac:inkMkLst>
+            <pc:docMk/>
+            <pc:sldMk cId="4192284234" sldId="267"/>
+            <ac:inkMk id="37" creationId="{1CE96E42-2113-6D32-E870-721B78B999A2}"/>
+          </ac:inkMkLst>
+        </pc:inkChg>
+        <pc:inkChg chg="add del">
           <ac:chgData name="Demond,Dawson" userId="3bf05342-fb4c-46e5-8dc7-7fa531fd29a2" providerId="ADAL" clId="{75A476EB-246F-47D8-A462-E4900E8D390B}" dt="2025-06-02T18:28:40.588" v="48" actId="9405"/>
           <ac:inkMkLst>
             <pc:docMk/>
@@ -678,6 +1387,14 @@
             <pc:docMk/>
             <pc:sldMk cId="4192284234" sldId="267"/>
             <ac:inkMk id="38" creationId="{34EE6584-1586-91E2-88A1-684FB2D164A0}"/>
+          </ac:inkMkLst>
+        </pc:inkChg>
+        <pc:inkChg chg="add del">
+          <ac:chgData name="Demond,Dawson" userId="3bf05342-fb4c-46e5-8dc7-7fa531fd29a2" providerId="ADAL" clId="{75A476EB-246F-47D8-A462-E4900E8D390B}" dt="2025-06-02T21:00:57.002" v="689" actId="9405"/>
+          <ac:inkMkLst>
+            <pc:docMk/>
+            <pc:sldMk cId="4192284234" sldId="267"/>
+            <ac:inkMk id="39" creationId="{4B041661-F999-9FDC-AF69-47BAADFCE16C}"/>
           </ac:inkMkLst>
         </pc:inkChg>
         <pc:inkChg chg="add del">
@@ -705,6 +1422,14 @@
           </ac:inkMkLst>
         </pc:inkChg>
         <pc:inkChg chg="add del">
+          <ac:chgData name="Demond,Dawson" userId="3bf05342-fb4c-46e5-8dc7-7fa531fd29a2" providerId="ADAL" clId="{75A476EB-246F-47D8-A462-E4900E8D390B}" dt="2025-06-02T21:00:56.824" v="688" actId="9405"/>
+          <ac:inkMkLst>
+            <pc:docMk/>
+            <pc:sldMk cId="4192284234" sldId="267"/>
+            <ac:inkMk id="42" creationId="{543B2443-5E62-9CBB-19BF-3867C5CC6030}"/>
+          </ac:inkMkLst>
+        </pc:inkChg>
+        <pc:inkChg chg="add del">
           <ac:chgData name="Demond,Dawson" userId="3bf05342-fb4c-46e5-8dc7-7fa531fd29a2" providerId="ADAL" clId="{75A476EB-246F-47D8-A462-E4900E8D390B}" dt="2025-06-02T18:30:12.518" v="55" actId="9405"/>
           <ac:inkMkLst>
             <pc:docMk/>
@@ -718,6 +1443,14 @@
             <pc:docMk/>
             <pc:sldMk cId="4192284234" sldId="267"/>
             <ac:inkMk id="43" creationId="{70A7FFB8-908A-F0EA-DB3F-CB8C5FE17E00}"/>
+          </ac:inkMkLst>
+        </pc:inkChg>
+        <pc:inkChg chg="add del">
+          <ac:chgData name="Demond,Dawson" userId="3bf05342-fb4c-46e5-8dc7-7fa531fd29a2" providerId="ADAL" clId="{75A476EB-246F-47D8-A462-E4900E8D390B}" dt="2025-06-02T21:00:56.649" v="687" actId="9405"/>
+          <ac:inkMkLst>
+            <pc:docMk/>
+            <pc:sldMk cId="4192284234" sldId="267"/>
+            <ac:inkMk id="43" creationId="{BB1877ED-45C6-3126-068C-C9B8E7F5BB62}"/>
           </ac:inkMkLst>
         </pc:inkChg>
         <pc:inkChg chg="add">
@@ -734,6 +1467,14 @@
             <pc:docMk/>
             <pc:sldMk cId="4192284234" sldId="267"/>
             <ac:inkMk id="45" creationId="{66CBFD38-3048-7240-F2DC-BF5746E439E2}"/>
+          </ac:inkMkLst>
+        </pc:inkChg>
+        <pc:inkChg chg="add del">
+          <ac:chgData name="Demond,Dawson" userId="3bf05342-fb4c-46e5-8dc7-7fa531fd29a2" providerId="ADAL" clId="{75A476EB-246F-47D8-A462-E4900E8D390B}" dt="2025-06-02T21:00:56.474" v="686" actId="9405"/>
+          <ac:inkMkLst>
+            <pc:docMk/>
+            <pc:sldMk cId="4192284234" sldId="267"/>
+            <ac:inkMk id="45" creationId="{7CC9F980-3F03-A7E0-50A5-673E4FE811D7}"/>
           </ac:inkMkLst>
         </pc:inkChg>
         <pc:inkChg chg="add">
@@ -774,6 +1515,14 @@
             <pc:docMk/>
             <pc:sldMk cId="4192284234" sldId="267"/>
             <ac:inkMk id="50" creationId="{1F992502-72A6-1CA0-4395-3C6A479C2530}"/>
+          </ac:inkMkLst>
+        </pc:inkChg>
+        <pc:inkChg chg="add del">
+          <ac:chgData name="Demond,Dawson" userId="3bf05342-fb4c-46e5-8dc7-7fa531fd29a2" providerId="ADAL" clId="{75A476EB-246F-47D8-A462-E4900E8D390B}" dt="2025-06-02T21:00:56.075" v="684" actId="9405"/>
+          <ac:inkMkLst>
+            <pc:docMk/>
+            <pc:sldMk cId="4192284234" sldId="267"/>
+            <ac:inkMk id="51" creationId="{C94FF14E-AD07-8A0F-3CCD-EBF492F4C16F}"/>
           </ac:inkMkLst>
         </pc:inkChg>
         <pc:inkChg chg="add del">
@@ -848,6 +1597,14 @@
             <ac:inkMk id="60" creationId="{66A00C33-C8D6-C2D0-B7FC-08D67DF9B0B2}"/>
           </ac:inkMkLst>
         </pc:inkChg>
+        <pc:inkChg chg="add del">
+          <ac:chgData name="Demond,Dawson" userId="3bf05342-fb4c-46e5-8dc7-7fa531fd29a2" providerId="ADAL" clId="{75A476EB-246F-47D8-A462-E4900E8D390B}" dt="2025-06-02T21:00:55.630" v="683" actId="9405"/>
+          <ac:inkMkLst>
+            <pc:docMk/>
+            <pc:sldMk cId="4192284234" sldId="267"/>
+            <ac:inkMk id="61" creationId="{C5C1646B-6C5B-E79B-18F1-DCF116D2AB7C}"/>
+          </ac:inkMkLst>
+        </pc:inkChg>
         <pc:inkChg chg="add">
           <ac:chgData name="Demond,Dawson" userId="3bf05342-fb4c-46e5-8dc7-7fa531fd29a2" providerId="ADAL" clId="{75A476EB-246F-47D8-A462-E4900E8D390B}" dt="2025-06-02T18:43:10.691" v="163" actId="9405"/>
           <ac:inkMkLst>
@@ -856,6 +1613,188 @@
             <ac:inkMk id="71" creationId="{47428D2C-5155-999D-A43F-3C4067B1433F}"/>
           </ac:inkMkLst>
         </pc:inkChg>
+      </pc:sldChg>
+      <pc:sldChg chg="addSp delSp modSp add del mod ord">
+        <pc:chgData name="Demond,Dawson" userId="3bf05342-fb4c-46e5-8dc7-7fa531fd29a2" providerId="ADAL" clId="{75A476EB-246F-47D8-A462-E4900E8D390B}" dt="2025-06-02T20:59:11.550" v="667" actId="47"/>
+        <pc:sldMkLst>
+          <pc:docMk/>
+          <pc:sldMk cId="1142544899" sldId="269"/>
+        </pc:sldMkLst>
+        <pc:spChg chg="add mod">
+          <ac:chgData name="Demond,Dawson" userId="3bf05342-fb4c-46e5-8dc7-7fa531fd29a2" providerId="ADAL" clId="{75A476EB-246F-47D8-A462-E4900E8D390B}" dt="2025-06-02T20:59:03.459" v="657" actId="1076"/>
+          <ac:spMkLst>
+            <pc:docMk/>
+            <pc:sldMk cId="1142544899" sldId="269"/>
+            <ac:spMk id="3" creationId="{A3BAB522-10C2-9B88-C92D-C914B65CFC00}"/>
+          </ac:spMkLst>
+        </pc:spChg>
+        <pc:spChg chg="add del mod">
+          <ac:chgData name="Demond,Dawson" userId="3bf05342-fb4c-46e5-8dc7-7fa531fd29a2" providerId="ADAL" clId="{75A476EB-246F-47D8-A462-E4900E8D390B}" dt="2025-06-02T20:59:02.887" v="655" actId="1076"/>
+          <ac:spMkLst>
+            <pc:docMk/>
+            <pc:sldMk cId="1142544899" sldId="269"/>
+            <ac:spMk id="4" creationId="{999BE7B8-95F0-A293-326C-36DC05C9A3B5}"/>
+          </ac:spMkLst>
+        </pc:spChg>
+        <pc:spChg chg="add del mod">
+          <ac:chgData name="Demond,Dawson" userId="3bf05342-fb4c-46e5-8dc7-7fa531fd29a2" providerId="ADAL" clId="{75A476EB-246F-47D8-A462-E4900E8D390B}" dt="2025-06-02T20:59:02.325" v="653" actId="1076"/>
+          <ac:spMkLst>
+            <pc:docMk/>
+            <pc:sldMk cId="1142544899" sldId="269"/>
+            <ac:spMk id="5" creationId="{CB38101A-314E-8DA9-7FC9-5B896829794E}"/>
+          </ac:spMkLst>
+        </pc:spChg>
+        <pc:spChg chg="add del mod">
+          <ac:chgData name="Demond,Dawson" userId="3bf05342-fb4c-46e5-8dc7-7fa531fd29a2" providerId="ADAL" clId="{75A476EB-246F-47D8-A462-E4900E8D390B}" dt="2025-06-02T20:51:26.966" v="601"/>
+          <ac:spMkLst>
+            <pc:docMk/>
+            <pc:sldMk cId="1142544899" sldId="269"/>
+            <ac:spMk id="9" creationId="{BD9165DB-16D9-DAEC-DBAF-EA79C879D9B2}"/>
+          </ac:spMkLst>
+        </pc:spChg>
+        <pc:spChg chg="mod">
+          <ac:chgData name="Demond,Dawson" userId="3bf05342-fb4c-46e5-8dc7-7fa531fd29a2" providerId="ADAL" clId="{75A476EB-246F-47D8-A462-E4900E8D390B}" dt="2025-06-02T20:59:03.794" v="666" actId="20577"/>
+          <ac:spMkLst>
+            <pc:docMk/>
+            <pc:sldMk cId="1142544899" sldId="269"/>
+            <ac:spMk id="16" creationId="{0CD6B5E4-CAD9-2BA0-DBB9-C593F3774208}"/>
+          </ac:spMkLst>
+        </pc:spChg>
+        <pc:spChg chg="mod">
+          <ac:chgData name="Demond,Dawson" userId="3bf05342-fb4c-46e5-8dc7-7fa531fd29a2" providerId="ADAL" clId="{75A476EB-246F-47D8-A462-E4900E8D390B}" dt="2025-06-02T20:53:31.165" v="620" actId="1076"/>
+          <ac:spMkLst>
+            <pc:docMk/>
+            <pc:sldMk cId="1142544899" sldId="269"/>
+            <ac:spMk id="17" creationId="{459DCD66-6FE3-A91E-6858-4B4255EC7090}"/>
+          </ac:spMkLst>
+        </pc:spChg>
+        <pc:spChg chg="mod">
+          <ac:chgData name="Demond,Dawson" userId="3bf05342-fb4c-46e5-8dc7-7fa531fd29a2" providerId="ADAL" clId="{75A476EB-246F-47D8-A462-E4900E8D390B}" dt="2025-06-02T20:59:03.666" v="662" actId="20577"/>
+          <ac:spMkLst>
+            <pc:docMk/>
+            <pc:sldMk cId="1142544899" sldId="269"/>
+            <ac:spMk id="54" creationId="{03EC628A-3D7D-60D8-D2B6-3B5A40C5DC04}"/>
+          </ac:spMkLst>
+        </pc:spChg>
+        <pc:spChg chg="mod">
+          <ac:chgData name="Demond,Dawson" userId="3bf05342-fb4c-46e5-8dc7-7fa531fd29a2" providerId="ADAL" clId="{75A476EB-246F-47D8-A462-E4900E8D390B}" dt="2025-06-02T20:59:03.586" v="660" actId="20577"/>
+          <ac:spMkLst>
+            <pc:docMk/>
+            <pc:sldMk cId="1142544899" sldId="269"/>
+            <ac:spMk id="55" creationId="{74CCF193-6129-3120-0E09-36114706F593}"/>
+          </ac:spMkLst>
+        </pc:spChg>
+        <pc:spChg chg="mod">
+          <ac:chgData name="Demond,Dawson" userId="3bf05342-fb4c-46e5-8dc7-7fa531fd29a2" providerId="ADAL" clId="{75A476EB-246F-47D8-A462-E4900E8D390B}" dt="2025-06-02T20:59:03.555" v="659" actId="20577"/>
+          <ac:spMkLst>
+            <pc:docMk/>
+            <pc:sldMk cId="1142544899" sldId="269"/>
+            <ac:spMk id="56" creationId="{451A3D68-77AD-BD0D-5B58-F5140E09F53E}"/>
+          </ac:spMkLst>
+        </pc:spChg>
+        <pc:spChg chg="mod">
+          <ac:chgData name="Demond,Dawson" userId="3bf05342-fb4c-46e5-8dc7-7fa531fd29a2" providerId="ADAL" clId="{75A476EB-246F-47D8-A462-E4900E8D390B}" dt="2025-06-02T20:59:03.762" v="665" actId="20577"/>
+          <ac:spMkLst>
+            <pc:docMk/>
+            <pc:sldMk cId="1142544899" sldId="269"/>
+            <ac:spMk id="57" creationId="{74CF0EB9-E6B3-B59F-C30E-613249C1879A}"/>
+          </ac:spMkLst>
+        </pc:spChg>
+        <pc:spChg chg="add del">
+          <ac:chgData name="Demond,Dawson" userId="3bf05342-fb4c-46e5-8dc7-7fa531fd29a2" providerId="ADAL" clId="{75A476EB-246F-47D8-A462-E4900E8D390B}" dt="2025-06-02T20:51:37.981" v="605" actId="478"/>
+          <ac:spMkLst>
+            <pc:docMk/>
+            <pc:sldMk cId="1142544899" sldId="269"/>
+            <ac:spMk id="1044" creationId="{2BF1D534-C8CC-73A6-0460-28EE3143570A}"/>
+          </ac:spMkLst>
+        </pc:spChg>
+        <pc:spChg chg="add del">
+          <ac:chgData name="Demond,Dawson" userId="3bf05342-fb4c-46e5-8dc7-7fa531fd29a2" providerId="ADAL" clId="{75A476EB-246F-47D8-A462-E4900E8D390B}" dt="2025-06-02T20:51:34.304" v="603" actId="478"/>
+          <ac:spMkLst>
+            <pc:docMk/>
+            <pc:sldMk cId="1142544899" sldId="269"/>
+            <ac:spMk id="1047" creationId="{F042E940-83CC-E794-4EC2-7341D36E782B}"/>
+          </ac:spMkLst>
+        </pc:spChg>
+        <pc:spChg chg="add del mod">
+          <ac:chgData name="Demond,Dawson" userId="3bf05342-fb4c-46e5-8dc7-7fa531fd29a2" providerId="ADAL" clId="{75A476EB-246F-47D8-A462-E4900E8D390B}" dt="2025-06-02T20:51:36.028" v="604" actId="478"/>
+          <ac:spMkLst>
+            <pc:docMk/>
+            <pc:sldMk cId="1142544899" sldId="269"/>
+            <ac:spMk id="1050" creationId="{34AE0A42-D4C9-BBF5-18D5-48C726B5EFC7}"/>
+          </ac:spMkLst>
+        </pc:spChg>
+        <pc:spChg chg="add del">
+          <ac:chgData name="Demond,Dawson" userId="3bf05342-fb4c-46e5-8dc7-7fa531fd29a2" providerId="ADAL" clId="{75A476EB-246F-47D8-A462-E4900E8D390B}" dt="2025-06-02T20:51:40.525" v="607" actId="478"/>
+          <ac:spMkLst>
+            <pc:docMk/>
+            <pc:sldMk cId="1142544899" sldId="269"/>
+            <ac:spMk id="1069" creationId="{CB815C06-717B-B2CD-BC7E-FB5E1F73D5A4}"/>
+          </ac:spMkLst>
+        </pc:spChg>
+        <pc:spChg chg="mod">
+          <ac:chgData name="Demond,Dawson" userId="3bf05342-fb4c-46e5-8dc7-7fa531fd29a2" providerId="ADAL" clId="{75A476EB-246F-47D8-A462-E4900E8D390B}" dt="2025-06-02T20:59:01.668" v="650" actId="1076"/>
+          <ac:spMkLst>
+            <pc:docMk/>
+            <pc:sldMk cId="1142544899" sldId="269"/>
+            <ac:spMk id="1074" creationId="{7403C15C-0D4F-9D42-DF20-9896450C5F36}"/>
+          </ac:spMkLst>
+        </pc:spChg>
+        <pc:inkChg chg="add del">
+          <ac:chgData name="Demond,Dawson" userId="3bf05342-fb4c-46e5-8dc7-7fa531fd29a2" providerId="ADAL" clId="{75A476EB-246F-47D8-A462-E4900E8D390B}" dt="2025-06-02T20:49:55.529" v="578" actId="9405"/>
+          <ac:inkMkLst>
+            <pc:docMk/>
+            <pc:sldMk cId="1142544899" sldId="269"/>
+            <ac:inkMk id="2" creationId="{01BDD593-FA2C-5B31-1EDD-20868C648F59}"/>
+          </ac:inkMkLst>
+        </pc:inkChg>
+        <pc:cxnChg chg="add del">
+          <ac:chgData name="Demond,Dawson" userId="3bf05342-fb4c-46e5-8dc7-7fa531fd29a2" providerId="ADAL" clId="{75A476EB-246F-47D8-A462-E4900E8D390B}" dt="2025-06-02T20:51:38.808" v="606" actId="478"/>
+          <ac:cxnSpMkLst>
+            <pc:docMk/>
+            <pc:sldMk cId="1142544899" sldId="269"/>
+            <ac:cxnSpMk id="1046" creationId="{0E0F1DC5-C51B-46BF-6986-9D6E03827945}"/>
+          </ac:cxnSpMkLst>
+        </pc:cxnChg>
+        <pc:cxnChg chg="add del">
+          <ac:chgData name="Demond,Dawson" userId="3bf05342-fb4c-46e5-8dc7-7fa531fd29a2" providerId="ADAL" clId="{75A476EB-246F-47D8-A462-E4900E8D390B}" dt="2025-06-02T20:51:30.645" v="602" actId="478"/>
+          <ac:cxnSpMkLst>
+            <pc:docMk/>
+            <pc:sldMk cId="1142544899" sldId="269"/>
+            <ac:cxnSpMk id="1048" creationId="{C188F8CF-5C82-07F8-C78B-C149D0B4B449}"/>
+          </ac:cxnSpMkLst>
+        </pc:cxnChg>
+        <pc:cxnChg chg="del mod">
+          <ac:chgData name="Demond,Dawson" userId="3bf05342-fb4c-46e5-8dc7-7fa531fd29a2" providerId="ADAL" clId="{75A476EB-246F-47D8-A462-E4900E8D390B}" dt="2025-06-02T20:49:59.313" v="579" actId="478"/>
+          <ac:cxnSpMkLst>
+            <pc:docMk/>
+            <pc:sldMk cId="1142544899" sldId="269"/>
+            <ac:cxnSpMk id="1052" creationId="{7E75166F-D01D-3F60-42F3-3B985159A868}"/>
+          </ac:cxnSpMkLst>
+        </pc:cxnChg>
+        <pc:cxnChg chg="add del">
+          <ac:chgData name="Demond,Dawson" userId="3bf05342-fb4c-46e5-8dc7-7fa531fd29a2" providerId="ADAL" clId="{75A476EB-246F-47D8-A462-E4900E8D390B}" dt="2025-06-02T20:51:41.578" v="608" actId="478"/>
+          <ac:cxnSpMkLst>
+            <pc:docMk/>
+            <pc:sldMk cId="1142544899" sldId="269"/>
+            <ac:cxnSpMk id="1070" creationId="{05100932-E006-8A38-FEE1-C66EBE32CDDD}"/>
+          </ac:cxnSpMkLst>
+        </pc:cxnChg>
+      </pc:sldChg>
+      <pc:sldChg chg="modSp add mod ord">
+        <pc:chgData name="Demond,Dawson" userId="3bf05342-fb4c-46e5-8dc7-7fa531fd29a2" providerId="ADAL" clId="{75A476EB-246F-47D8-A462-E4900E8D390B}" dt="2025-06-02T21:01:07.926" v="703"/>
+        <pc:sldMkLst>
+          <pc:docMk/>
+          <pc:sldMk cId="2211522977" sldId="269"/>
+        </pc:sldMkLst>
+        <pc:spChg chg="mod">
+          <ac:chgData name="Demond,Dawson" userId="3bf05342-fb4c-46e5-8dc7-7fa531fd29a2" providerId="ADAL" clId="{75A476EB-246F-47D8-A462-E4900E8D390B}" dt="2025-06-02T21:01:07.926" v="703"/>
+          <ac:spMkLst>
+            <pc:docMk/>
+            <pc:sldMk cId="2211522977" sldId="269"/>
+            <ac:spMk id="4" creationId="{0DEECD42-9815-DE0D-A162-B622242CD574}"/>
+          </ac:spMkLst>
+        </pc:spChg>
       </pc:sldChg>
     </pc:docChg>
   </pc:docChgLst>
@@ -904,7 +1843,7 @@
           <inkml:channelProperty channel="Y" name="resolution" value="1000" units="1/cm"/>
         </inkml:channelProperties>
       </inkml:inkSource>
-      <inkml:timestamp xml:id="ts0" timeString="2024-11-09T18:27:04.832"/>
+      <inkml:timestamp xml:id="ts0" timeString="2024-11-09T18:26:59.514"/>
     </inkml:context>
     <inkml:brush xml:id="br0">
       <inkml:brushProperty name="width" value="0.2" units="cm"/>
@@ -914,11 +1853,39 @@
       <inkml:brushProperty name="rasterOp" value="maskPen"/>
     </inkml:brush>
   </inkml:definitions>
-  <inkml:trace contextRef="#ctx0" brushRef="#br0">0 1,'0'33,"0"-3,0-9,0 2,0 2,0 5,0-2,0 1,0-1,0-4,0 3,0 1,0 1,0 4,0 0,0 4,0 5,0 1,0 0,0-1,0-2,0-1,0-1,0-6,0-2,0-1,2 1,3 5,1-1,-1 2,0-1,-1 1,2-2,2 1,-2-4,1 0,1 2,-1 2,2 2,-1 2,1 1,-2-3,2-2,-3-6,-3-4,0-4,-2-5,1-3,1-2,-1 0,-2-1,0 0,0 2,0-2,0 4,0-2,0 2,0 3,0 0,0 1,0-3,0-2,0-2,0 1,0-3,0 4,0-3,0 0,0 4,0 7,0 7,0 5,0 1,0 1,0-2,0-7,0-4,0-7,2-4,13-10,-5-2,11-5,-6 3,3 3,5 0,1 0,2 0,4 0,3 0,7 0,9 0,5 0,5 0,5 0,5 0,18 0,6 0,-10 0,-6 0,-10 0,3 0,14 0,0 0,1 0,-5 0,-5 0,0 0,-10 0,-2 0,-1 0,-5 0,5 0,-1 0,0 0,-3 0,-5 0,-6 0,-7 0,-8 0,-5 0,-4 0,2 0,2 0,-2 0,3 0,0 0,1 0,5 0,1 0,-3 0,3 0,-2 0,4 0,5 0,-2 0,0-3,-4 0,-3-2,-6 0,-3-1,-5 1,-1 1,-2-1,0 2,0-1,-3 1,2 0,-2 1,0 2,2 0,-3-1,0 1,-2 0,2 0,-2 0,4 0,-5 0,0 0,6 0,0 0,6 0,0 0,2 0,1 0,1 0,1 0,1 0,2 0,1 0,-1 0,-3 0,-1 0,-3 0,-1 0,-1 0,1 0,2 0,2 0,3 0,2 0,3 0,2 0,0 0,3 0,0 0,-5 0,-3 0,-4 0,-1 0,5 0,1 0,-2 0,2 0,4 0,5 0,5 0,-1 0,1-2,8-1,8 0,9 0,-1 2,-3 0,-4-1,-4-2,-7 1,-5 0,-8 3,-2-2,1-1,-3-1,7 2,-2 1,-2 0,-1 1,-6 0,-2 0,-1 0,-6 0,-3 0,-4 0,-3 0,1 0,-2 0,0 0,2 0,1 0,-1 0,-1 0,1 0,-3 0,4 0,-4 0,1 0,3 0,-3 0,4 0,-6 0,5 0,-4 2,4-7,-3-3,-1-10,2-5,-1-2,-1 3,-2-1,-2 2,-1-1,1-2,-1 2,-2 0,-1 2,-1 4,0 3,0 3,0-1,0 1,0-4,0 0,0-6,0-4,0-4,0-3,0-1,0 1,0 6,-2 4,0 5,-1 2,1 1,-1 2,0 1,1 0,0-2,1-1,1 0,0-2,0-1,-2 0,0-3,-1 1,1 1,2 2,0 2,-1 3,1 0,-1-2,-1 3,-1-5,1 2,1-1,1-2,0 2,0 0,0 1,-1 2,1-2,0 2,0-2,0 2,0 1,0-3,0 0,-1-3,-2 1,1-4,0 0,1-3,1-1,0 1,-1 4,-1 1,-1 3,1 2,1-3,1 1,0 0,-1-2,1 2,0 0,0 1,0 0,0 0,0-1,0-1,0 3,0-3,0 1,0-1,0 2,0 2,10 3,-1 2,6 3,-3 2,-4 0,2-4,0-1,-2-2,-1-2,-2 1</inkml:trace>
+  <inkml:trace contextRef="#ctx0" brushRef="#br0">73 1,'0'41,"0"0,0-8,0 4,0 7,0-2,0 2,0 3,0 0,0 0,0-2,0-7,0-4,0-4,0-5,0 2,0-1,0 0,0-1,0-3,0-1,0-1,-2-2,0 1,0 2,-1 2,0 1,0-4,0-1,-2 0,2 0,-2 0,0-2,3-1,0-1,2 1,0 0,0 2,0 0,0 3,0 3,0 4,0 0,0 3,0-4,0-1,-2 3,-1 0,0 2,-2-5,2-2,1-2,-1-3,3 0,0-1,0-1,0 1,-2 5,-1 4,0 2,1 2,1 0,1 2,-1 2,1-1,0-2,0-5,0-4,0 1,0 3,0 2,0 5,0 1,0 2,0 1,0 0,0 0,2-1,2 2,2-3,2 5,-1 2,-2-3,0 0,-1-4,-1 0,2-1,-2-1,2-4,0 2,-1 2,4 0,-2 4,3-2,-3 0,0-1,2-2,-2-2,-1-1,-1-4,-2 1,2-3,1-2,-1 2,-2 0,1 2,0-1,0-1,-1 0,-2 0,0 0,0 2,0-1,0 2,0 4,0 1,0 3,0 0,0 0,0 0,0-4,0-4,0-3,0-3,0-1,0-3,0-4,0-2,0-1,0 4,0-5,0 5,0-1,0 3,0 4,-2 1,-3 0,0 1,-2-4,2-2,2-4,-1-4,10 3,2-2,4-2,1-2,-3-5,-1 0,3 0,-2 0,2 0,-3 0,0 0,5 0,2 0,9 0,7 0,5 0,8 0,5 0,2 0,2 0,0 0,-7 0,-3 0,-1 0,-4 0,0 0,-6 0,-6 0,-4 0,-4 2,-3 1,-4-1,-3 2,3-2,-2 1,1-1,1-2,0 0,6 0,0 0,3 0,3 0,3 0,4 0,-1 0,-3 0,0-2,0-1,4 0,4-2,0 2,0-1,4 2,-1 1,-1 1,5 0,0 0,6 0,9 0,2 0,6 0,0 3,-5 3,0 3,-8 3,-2 0,-8-1,-11-1,-3 0,-6-3,0 1,-2-2,-2-2,1 1,0-2,1 0,0-1,1-2,2 2,5 0,3 3,3 0,1 1,4 3,3-3,2 3,1-1,-5 0,-1 3,4-3,2 1,2 0,-3-2,-4 1,-6-2,-2-2,-4-1,-3-3,-4 0,-5 0,-2 0,-3 0,-1 0,0 0,0 0,4 0,-5 0,4 0,-4 0,0 0,7 0,0 0,4 0,0 0,1-2,4-1,7 1,4-1,6 0,0-1,1 1,0 0,-5 3,-6 0,-8 0,-5 0,-5 0,-1 0,-2 0,-1 0,3 0,-4 0,4 0,-3 0,4 0,4 0,2 0,5 0,2 0,4 2,-2 1,-2 1,-1 0,1-1,6-1,1 1,-2-3,0 1,-3-1,-4 0,-1 0,-7 0,-2 0,-2 0,0 0,4 0,1 0,5 0,2 0,0 0,-1 0,0 0,-1 0,-2 0,0 0,-3 0,3 0,0 0,1 0,-1 0,1 0,-1 0,0 0,-3 0,0 0,0 0,0 0,3 0,0 0,3 0,1 0,1-3,1 1,-3-1,0 0,0 3,-3 0,3 0,1 0,0 0,0 0,-5 0,-1 0,-4 0,0 0,1 0,-1 0,3 0,1-1,1-2,2 0,2-2,1 2,0-3,-4 1,-3 0,-4 0,-3 2,0-1,-3 2,6-1,-4 1,4 1,-4-1,-1-1,3 1,-2 0,3 2,-4 0,0 0,6 0,-4 0,7 0,-5-2,0 0,0-1,-3 1,0 2,3 0,-3-1,2 1,0 0,-2 0,4 0,-2 0,0-2,3 0,3-1,-2 1,2 0,0 0,-2-1,2-1,1 0,-3 1,0-1,-4 1,-2 0,0 1,0 0,1 0,0-3,2 0,2 0,3-2,2 1,1 1,0 1,0 2,-1-1,-1 1,-2-1,-3 0,-2 1,-2-1</inkml:trace>
 </inkml:ink>
 </file>
 
 <file path=ppt/ink/ink100.xml><?xml version="1.0" encoding="utf-8"?>
+<inkml:ink xmlns:inkml="http://www.w3.org/2003/InkML">
+  <inkml:definitions>
+    <inkml:context xml:id="ctx0">
+      <inkml:inkSource xml:id="inkSrc0">
+        <inkml:traceFormat>
+          <inkml:channel name="X" type="integer" min="-2.14748E9" max="2.14748E9" units="cm"/>
+          <inkml:channel name="Y" type="integer" min="-2.14748E9" max="2.14748E9" units="cm"/>
+        </inkml:traceFormat>
+        <inkml:channelProperties>
+          <inkml:channelProperty channel="X" name="resolution" value="1000" units="1/cm"/>
+          <inkml:channelProperty channel="Y" name="resolution" value="1000" units="1/cm"/>
+        </inkml:channelProperties>
+      </inkml:inkSource>
+      <inkml:timestamp xml:id="ts0" timeString="2024-11-21T17:50:35.305"/>
+    </inkml:context>
+    <inkml:brush xml:id="br0">
+      <inkml:brushProperty name="width" value="0.2" units="cm"/>
+      <inkml:brushProperty name="height" value="0.4" units="cm"/>
+      <inkml:brushProperty name="color" value="#FF40FF"/>
+      <inkml:brushProperty name="tip" value="rectangle"/>
+      <inkml:brushProperty name="rasterOp" value="maskPen"/>
+    </inkml:brush>
+  </inkml:definitions>
+  <inkml:trace contextRef="#ctx0" brushRef="#br0">0 1,'9'37,"-4"-5,2-15,-2-4,-1-1,3-4,-2 0,-1 3,3-2,-3 2,4-3,0 8,0-6,1 7,-5-9,3 0,-6 4,2-4,1 4,0 0,0-4,3 3,-6 1,3-4,-4 7,0-6,3 2,-2 0,2-2,-3 11,0-10,-3 7,2-10,-2 1,23-11,-7 1,13-9,-5 2,-11 1,7-1,-10 5,1-3,3 2,-2 1,2 1,6 3,2 0,0-4,1 3,-11-2,3 3,-1 0,-2 0,16 4,-5-3,9 7,-8-7,-8 3,3-4,-10 3,8-2,-1 7,14-3,1 4,0 0,-10-4,-3 2,-6-2,2 2,1-2,6 2,4-2,6 4,-5 0,-5 0,-6-1,-5-4,1 3,3-6,-2 6,11-2,-6 3,13 1,1 5,-8-8,6 7,-17-12,3 2,-1 1,-2-3,2 2</inkml:trace>
+</inkml:ink>
+</file>
+
+<file path=ppt/ink/ink101.xml><?xml version="1.0" encoding="utf-8"?>
 <inkml:ink xmlns:inkml="http://www.w3.org/2003/InkML">
   <inkml:definitions>
     <inkml:context xml:id="ctx0">
@@ -946,7 +1913,7 @@
 </inkml:ink>
 </file>
 
-<file path=ppt/ink/ink101.xml><?xml version="1.0" encoding="utf-8"?>
+<file path=ppt/ink/ink102.xml><?xml version="1.0" encoding="utf-8"?>
 <inkml:ink xmlns:inkml="http://www.w3.org/2003/InkML">
   <inkml:definitions>
     <inkml:context xml:id="ctx0">
@@ -974,7 +1941,7 @@
 </inkml:ink>
 </file>
 
-<file path=ppt/ink/ink102.xml><?xml version="1.0" encoding="utf-8"?>
+<file path=ppt/ink/ink103.xml><?xml version="1.0" encoding="utf-8"?>
 <inkml:ink xmlns:inkml="http://www.w3.org/2003/InkML">
   <inkml:definitions>
     <inkml:context xml:id="ctx0">
@@ -1002,7 +1969,7 @@
 </inkml:ink>
 </file>
 
-<file path=ppt/ink/ink103.xml><?xml version="1.0" encoding="utf-8"?>
+<file path=ppt/ink/ink104.xml><?xml version="1.0" encoding="utf-8"?>
 <inkml:ink xmlns:inkml="http://www.w3.org/2003/InkML">
   <inkml:definitions>
     <inkml:context xml:id="ctx0">
@@ -1030,7 +1997,7 @@
 </inkml:ink>
 </file>
 
-<file path=ppt/ink/ink104.xml><?xml version="1.0" encoding="utf-8"?>
+<file path=ppt/ink/ink105.xml><?xml version="1.0" encoding="utf-8"?>
 <inkml:ink xmlns:inkml="http://www.w3.org/2003/InkML">
   <inkml:definitions>
     <inkml:context xml:id="ctx0">
@@ -1058,7 +2025,7 @@
 </inkml:ink>
 </file>
 
-<file path=ppt/ink/ink105.xml><?xml version="1.0" encoding="utf-8"?>
+<file path=ppt/ink/ink106.xml><?xml version="1.0" encoding="utf-8"?>
 <inkml:ink xmlns:inkml="http://www.w3.org/2003/InkML">
   <inkml:definitions>
     <inkml:context xml:id="ctx0">
@@ -1086,7 +2053,7 @@
 </inkml:ink>
 </file>
 
-<file path=ppt/ink/ink106.xml><?xml version="1.0" encoding="utf-8"?>
+<file path=ppt/ink/ink107.xml><?xml version="1.0" encoding="utf-8"?>
 <inkml:ink xmlns:inkml="http://www.w3.org/2003/InkML">
   <inkml:definitions>
     <inkml:context xml:id="ctx0">
@@ -1114,7 +2081,7 @@
 </inkml:ink>
 </file>
 
-<file path=ppt/ink/ink107.xml><?xml version="1.0" encoding="utf-8"?>
+<file path=ppt/ink/ink108.xml><?xml version="1.0" encoding="utf-8"?>
 <inkml:ink xmlns:inkml="http://www.w3.org/2003/InkML">
   <inkml:definitions>
     <inkml:context xml:id="ctx0">
@@ -1142,7 +2109,7 @@
 </inkml:ink>
 </file>
 
-<file path=ppt/ink/ink108.xml><?xml version="1.0" encoding="utf-8"?>
+<file path=ppt/ink/ink109.xml><?xml version="1.0" encoding="utf-8"?>
 <inkml:ink xmlns:inkml="http://www.w3.org/2003/InkML">
   <inkml:definitions>
     <inkml:context xml:id="ctx0">
@@ -1170,7 +2137,35 @@
 </inkml:ink>
 </file>
 
-<file path=ppt/ink/ink109.xml><?xml version="1.0" encoding="utf-8"?>
+<file path=ppt/ink/ink11.xml><?xml version="1.0" encoding="utf-8"?>
+<inkml:ink xmlns:inkml="http://www.w3.org/2003/InkML">
+  <inkml:definitions>
+    <inkml:context xml:id="ctx0">
+      <inkml:inkSource xml:id="inkSrc0">
+        <inkml:traceFormat>
+          <inkml:channel name="X" type="integer" min="-2.14748E9" max="2.14748E9" units="cm"/>
+          <inkml:channel name="Y" type="integer" min="-2.14748E9" max="2.14748E9" units="cm"/>
+        </inkml:traceFormat>
+        <inkml:channelProperties>
+          <inkml:channelProperty channel="X" name="resolution" value="1000" units="1/cm"/>
+          <inkml:channelProperty channel="Y" name="resolution" value="1000" units="1/cm"/>
+        </inkml:channelProperties>
+      </inkml:inkSource>
+      <inkml:timestamp xml:id="ts0" timeString="2024-11-09T18:27:04.832"/>
+    </inkml:context>
+    <inkml:brush xml:id="br0">
+      <inkml:brushProperty name="width" value="0.2" units="cm"/>
+      <inkml:brushProperty name="height" value="0.4" units="cm"/>
+      <inkml:brushProperty name="color" value="#00B44B"/>
+      <inkml:brushProperty name="tip" value="rectangle"/>
+      <inkml:brushProperty name="rasterOp" value="maskPen"/>
+    </inkml:brush>
+  </inkml:definitions>
+  <inkml:trace contextRef="#ctx0" brushRef="#br0">0 1,'0'33,"0"-3,0-9,0 2,0 2,0 5,0-2,0 1,0-1,0-4,0 3,0 1,0 1,0 4,0 0,0 4,0 5,0 1,0 0,0-1,0-2,0-1,0-1,0-6,0-2,0-1,2 1,3 5,1-1,-1 2,0-1,-1 1,2-2,2 1,-2-4,1 0,1 2,-1 2,2 2,-1 2,1 1,-2-3,2-2,-3-6,-3-4,0-4,-2-5,1-3,1-2,-1 0,-2-1,0 0,0 2,0-2,0 4,0-2,0 2,0 3,0 0,0 1,0-3,0-2,0-2,0 1,0-3,0 4,0-3,0 0,0 4,0 7,0 7,0 5,0 1,0 1,0-2,0-7,0-4,0-7,2-4,13-10,-5-2,11-5,-6 3,3 3,5 0,1 0,2 0,4 0,3 0,7 0,9 0,5 0,5 0,5 0,5 0,18 0,6 0,-10 0,-6 0,-10 0,3 0,14 0,0 0,1 0,-5 0,-5 0,0 0,-10 0,-2 0,-1 0,-5 0,5 0,-1 0,0 0,-3 0,-5 0,-6 0,-7 0,-8 0,-5 0,-4 0,2 0,2 0,-2 0,3 0,0 0,1 0,5 0,1 0,-3 0,3 0,-2 0,4 0,5 0,-2 0,0-3,-4 0,-3-2,-6 0,-3-1,-5 1,-1 1,-2-1,0 2,0-1,-3 1,2 0,-2 1,0 2,2 0,-3-1,0 1,-2 0,2 0,-2 0,4 0,-5 0,0 0,6 0,0 0,6 0,0 0,2 0,1 0,1 0,1 0,1 0,2 0,1 0,-1 0,-3 0,-1 0,-3 0,-1 0,-1 0,1 0,2 0,2 0,3 0,2 0,3 0,2 0,0 0,3 0,0 0,-5 0,-3 0,-4 0,-1 0,5 0,1 0,-2 0,2 0,4 0,5 0,5 0,-1 0,1-2,8-1,8 0,9 0,-1 2,-3 0,-4-1,-4-2,-7 1,-5 0,-8 3,-2-2,1-1,-3-1,7 2,-2 1,-2 0,-1 1,-6 0,-2 0,-1 0,-6 0,-3 0,-4 0,-3 0,1 0,-2 0,0 0,2 0,1 0,-1 0,-1 0,1 0,-3 0,4 0,-4 0,1 0,3 0,-3 0,4 0,-6 0,5 0,-4 2,4-7,-3-3,-1-10,2-5,-1-2,-1 3,-2-1,-2 2,-1-1,1-2,-1 2,-2 0,-1 2,-1 4,0 3,0 3,0-1,0 1,0-4,0 0,0-6,0-4,0-4,0-3,0-1,0 1,0 6,-2 4,0 5,-1 2,1 1,-1 2,0 1,1 0,0-2,1-1,1 0,0-2,0-1,-2 0,0-3,-1 1,1 1,2 2,0 2,-1 3,1 0,-1-2,-1 3,-1-5,1 2,1-1,1-2,0 2,0 0,0 1,-1 2,1-2,0 2,0-2,0 2,0 1,0-3,0 0,-1-3,-2 1,1-4,0 0,1-3,1-1,0 1,-1 4,-1 1,-1 3,1 2,1-3,1 1,0 0,-1-2,1 2,0 0,0 1,0 0,0 0,0-1,0-1,0 3,0-3,0 1,0-1,0 2,0 2,10 3,-1 2,6 3,-3 2,-4 0,2-4,0-1,-2-2,-1-2,-2 1</inkml:trace>
+</inkml:ink>
+</file>
+
+<file path=ppt/ink/ink110.xml><?xml version="1.0" encoding="utf-8"?>
 <inkml:ink xmlns:inkml="http://www.w3.org/2003/InkML">
   <inkml:definitions>
     <inkml:context xml:id="ctx0">
@@ -1198,35 +2193,7 @@
 </inkml:ink>
 </file>
 
-<file path=ppt/ink/ink11.xml><?xml version="1.0" encoding="utf-8"?>
-<inkml:ink xmlns:inkml="http://www.w3.org/2003/InkML">
-  <inkml:definitions>
-    <inkml:context xml:id="ctx0">
-      <inkml:inkSource xml:id="inkSrc0">
-        <inkml:traceFormat>
-          <inkml:channel name="X" type="integer" min="-2.14748E9" max="2.14748E9" units="cm"/>
-          <inkml:channel name="Y" type="integer" min="-2.14748E9" max="2.14748E9" units="cm"/>
-        </inkml:traceFormat>
-        <inkml:channelProperties>
-          <inkml:channelProperty channel="X" name="resolution" value="1000" units="1/cm"/>
-          <inkml:channelProperty channel="Y" name="resolution" value="1000" units="1/cm"/>
-        </inkml:channelProperties>
-      </inkml:inkSource>
-      <inkml:timestamp xml:id="ts0" timeString="2024-11-09T18:27:06.413"/>
-    </inkml:context>
-    <inkml:brush xml:id="br0">
-      <inkml:brushProperty name="width" value="0.2" units="cm"/>
-      <inkml:brushProperty name="height" value="0.4" units="cm"/>
-      <inkml:brushProperty name="color" value="#00B44B"/>
-      <inkml:brushProperty name="tip" value="rectangle"/>
-      <inkml:brushProperty name="rasterOp" value="maskPen"/>
-    </inkml:brush>
-  </inkml:definitions>
-  <inkml:trace contextRef="#ctx0" brushRef="#br0">233 1,'-37'0,"4"0,12 0,1 0,4 0,0 0,3 0,-1 0,0 0,3 0,0 0,-2 0,0 0</inkml:trace>
-</inkml:ink>
-</file>
-
-<file path=ppt/ink/ink110.xml><?xml version="1.0" encoding="utf-8"?>
+<file path=ppt/ink/ink111.xml><?xml version="1.0" encoding="utf-8"?>
 <inkml:ink xmlns:inkml="http://www.w3.org/2003/InkML">
   <inkml:definitions>
     <inkml:context xml:id="ctx0">
@@ -1254,7 +2221,7 @@
 </inkml:ink>
 </file>
 
-<file path=ppt/ink/ink111.xml><?xml version="1.0" encoding="utf-8"?>
+<file path=ppt/ink/ink112.xml><?xml version="1.0" encoding="utf-8"?>
 <inkml:ink xmlns:inkml="http://www.w3.org/2003/InkML">
   <inkml:definitions>
     <inkml:context xml:id="ctx0">
@@ -1282,7 +2249,7 @@
 </inkml:ink>
 </file>
 
-<file path=ppt/ink/ink112.xml><?xml version="1.0" encoding="utf-8"?>
+<file path=ppt/ink/ink113.xml><?xml version="1.0" encoding="utf-8"?>
 <inkml:ink xmlns:inkml="http://www.w3.org/2003/InkML">
   <inkml:definitions>
     <inkml:context xml:id="ctx0">
@@ -1310,7 +2277,7 @@
 </inkml:ink>
 </file>
 
-<file path=ppt/ink/ink113.xml><?xml version="1.0" encoding="utf-8"?>
+<file path=ppt/ink/ink114.xml><?xml version="1.0" encoding="utf-8"?>
 <inkml:ink xmlns:inkml="http://www.w3.org/2003/InkML">
   <inkml:definitions>
     <inkml:context xml:id="ctx0">
@@ -1338,7 +2305,7 @@
 </inkml:ink>
 </file>
 
-<file path=ppt/ink/ink114.xml><?xml version="1.0" encoding="utf-8"?>
+<file path=ppt/ink/ink115.xml><?xml version="1.0" encoding="utf-8"?>
 <inkml:ink xmlns:inkml="http://www.w3.org/2003/InkML">
   <inkml:definitions>
     <inkml:context xml:id="ctx0">
@@ -1366,7 +2333,7 @@
 </inkml:ink>
 </file>
 
-<file path=ppt/ink/ink115.xml><?xml version="1.0" encoding="utf-8"?>
+<file path=ppt/ink/ink116.xml><?xml version="1.0" encoding="utf-8"?>
 <inkml:ink xmlns:inkml="http://www.w3.org/2003/InkML">
   <inkml:definitions>
     <inkml:context xml:id="ctx0">
@@ -1395,7 +2362,7 @@
 </inkml:ink>
 </file>
 
-<file path=ppt/ink/ink116.xml><?xml version="1.0" encoding="utf-8"?>
+<file path=ppt/ink/ink117.xml><?xml version="1.0" encoding="utf-8"?>
 <inkml:ink xmlns:inkml="http://www.w3.org/2003/InkML">
   <inkml:definitions>
     <inkml:context xml:id="ctx0">
@@ -1424,7 +2391,7 @@
 </inkml:ink>
 </file>
 
-<file path=ppt/ink/ink117.xml><?xml version="1.0" encoding="utf-8"?>
+<file path=ppt/ink/ink118.xml><?xml version="1.0" encoding="utf-8"?>
 <inkml:ink xmlns:inkml="http://www.w3.org/2003/InkML">
   <inkml:definitions>
     <inkml:context xml:id="ctx0">
@@ -1453,7 +2420,7 @@
 </inkml:ink>
 </file>
 
-<file path=ppt/ink/ink118.xml><?xml version="1.0" encoding="utf-8"?>
+<file path=ppt/ink/ink119.xml><?xml version="1.0" encoding="utf-8"?>
 <inkml:ink xmlns:inkml="http://www.w3.org/2003/InkML">
   <inkml:definitions>
     <inkml:context xml:id="ctx0">
@@ -1482,7 +2449,35 @@
 </inkml:ink>
 </file>
 
-<file path=ppt/ink/ink119.xml><?xml version="1.0" encoding="utf-8"?>
+<file path=ppt/ink/ink12.xml><?xml version="1.0" encoding="utf-8"?>
+<inkml:ink xmlns:inkml="http://www.w3.org/2003/InkML">
+  <inkml:definitions>
+    <inkml:context xml:id="ctx0">
+      <inkml:inkSource xml:id="inkSrc0">
+        <inkml:traceFormat>
+          <inkml:channel name="X" type="integer" min="-2.14748E9" max="2.14748E9" units="cm"/>
+          <inkml:channel name="Y" type="integer" min="-2.14748E9" max="2.14748E9" units="cm"/>
+        </inkml:traceFormat>
+        <inkml:channelProperties>
+          <inkml:channelProperty channel="X" name="resolution" value="1000" units="1/cm"/>
+          <inkml:channelProperty channel="Y" name="resolution" value="1000" units="1/cm"/>
+        </inkml:channelProperties>
+      </inkml:inkSource>
+      <inkml:timestamp xml:id="ts0" timeString="2024-11-09T18:27:06.413"/>
+    </inkml:context>
+    <inkml:brush xml:id="br0">
+      <inkml:brushProperty name="width" value="0.2" units="cm"/>
+      <inkml:brushProperty name="height" value="0.4" units="cm"/>
+      <inkml:brushProperty name="color" value="#00B44B"/>
+      <inkml:brushProperty name="tip" value="rectangle"/>
+      <inkml:brushProperty name="rasterOp" value="maskPen"/>
+    </inkml:brush>
+  </inkml:definitions>
+  <inkml:trace contextRef="#ctx0" brushRef="#br0">233 1,'-37'0,"4"0,12 0,1 0,4 0,0 0,3 0,-1 0,0 0,3 0,0 0,-2 0,0 0</inkml:trace>
+</inkml:ink>
+</file>
+
+<file path=ppt/ink/ink120.xml><?xml version="1.0" encoding="utf-8"?>
 <inkml:ink xmlns:inkml="http://www.w3.org/2003/InkML">
   <inkml:definitions>
     <inkml:context xml:id="ctx0">
@@ -1511,35 +2506,7 @@
 </inkml:ink>
 </file>
 
-<file path=ppt/ink/ink12.xml><?xml version="1.0" encoding="utf-8"?>
-<inkml:ink xmlns:inkml="http://www.w3.org/2003/InkML">
-  <inkml:definitions>
-    <inkml:context xml:id="ctx0">
-      <inkml:inkSource xml:id="inkSrc0">
-        <inkml:traceFormat>
-          <inkml:channel name="X" type="integer" min="-2.14748E9" max="2.14748E9" units="cm"/>
-          <inkml:channel name="Y" type="integer" min="-2.14748E9" max="2.14748E9" units="cm"/>
-        </inkml:traceFormat>
-        <inkml:channelProperties>
-          <inkml:channelProperty channel="X" name="resolution" value="1000" units="1/cm"/>
-          <inkml:channelProperty channel="Y" name="resolution" value="1000" units="1/cm"/>
-        </inkml:channelProperties>
-      </inkml:inkSource>
-      <inkml:timestamp xml:id="ts0" timeString="2024-11-09T18:27:10.129"/>
-    </inkml:context>
-    <inkml:brush xml:id="br0">
-      <inkml:brushProperty name="width" value="0.2" units="cm"/>
-      <inkml:brushProperty name="height" value="0.4" units="cm"/>
-      <inkml:brushProperty name="color" value="#00B44B"/>
-      <inkml:brushProperty name="tip" value="rectangle"/>
-      <inkml:brushProperty name="rasterOp" value="maskPen"/>
-    </inkml:brush>
-  </inkml:definitions>
-  <inkml:trace contextRef="#ctx0" brushRef="#br0">1806 1,'0'45,"0"-1,0 1,0-2,0-5,0-1,0-7,0 5,0-3,0 0,0-3,0 3,0 3,0 0,0 1,0-1,0 5,0 5,0 5,0-3,0 1,0-4,0-3,0-6,0-7,0-7,-2-1,-1-2,0 1,1 1,2 0,0 1,0 1,0 2,0 4,0-1,-1 0,-2-3,0-1,1 2,0 3,0 0,-1-2,0-3,1-7,-1-1,0-3,0-1,1-1,2-1,0 5,0-4,0 3,-2-1,0-1,0 5,0-1,-1 2,0 2,0-1,-2 0,2-3,1-4,-1 0,0 1,1-2,-1 3,2-3,1 1,0 7,0 1,0 5,0 2,0-1,0 2,-4-2,-2-5,1-3,0-4,5-3,-1-1,1 4,0-4,0 3,0-2,0 3,0 1,-2 3,-1-1,1-3,-3 0,2-4,1 1,-2 0,-2-2,-3 0,-2-5,0-1,-1-2,2 0,-7 0,-1 0,-5 0,-4 0,-6 0,-3 0,-6 0,-3 0,2 0,-2 0,-1 0,1 0,3 0,3 0,2 0,2 0,-3 0,2 0,3 0,1 0,3 0,0 0,2 0,3 0,0 0,3 0,-1 0,-3 0,-3 0,0 0,-4 0,1 0,-1 0,3 0,2 0,1 0,1 0,-4 0,1 0,1 0,2 0,5 0,4 0,1 0,1 0,0 0,1 0,2 0,2 0,-3 0,-4 0,1 0,-3 0,0 0,0 0,1 0,1 0,3 0,-1 0,0 0,0 0,2 0,1 0,2 0,1-11,4 2,2-8,2 7,0 0,3-3,4-6,3-7,3 0,-2 1,-1 5,0 6,-4 6,-2 3</inkml:trace>
-</inkml:ink>
-</file>
-
-<file path=ppt/ink/ink120.xml><?xml version="1.0" encoding="utf-8"?>
+<file path=ppt/ink/ink121.xml><?xml version="1.0" encoding="utf-8"?>
 <inkml:ink xmlns:inkml="http://www.w3.org/2003/InkML">
   <inkml:definitions>
     <inkml:context xml:id="ctx0">
@@ -1568,7 +2535,7 @@
 </inkml:ink>
 </file>
 
-<file path=ppt/ink/ink121.xml><?xml version="1.0" encoding="utf-8"?>
+<file path=ppt/ink/ink122.xml><?xml version="1.0" encoding="utf-8"?>
 <inkml:ink xmlns:inkml="http://www.w3.org/2003/InkML">
   <inkml:definitions>
     <inkml:context xml:id="ctx0">
@@ -1597,7 +2564,7 @@
 </inkml:ink>
 </file>
 
-<file path=ppt/ink/ink122.xml><?xml version="1.0" encoding="utf-8"?>
+<file path=ppt/ink/ink123.xml><?xml version="1.0" encoding="utf-8"?>
 <inkml:ink xmlns:inkml="http://www.w3.org/2003/InkML">
   <inkml:definitions>
     <inkml:context xml:id="ctx0">
@@ -1626,7 +2593,7 @@
 </inkml:ink>
 </file>
 
-<file path=ppt/ink/ink123.xml><?xml version="1.0" encoding="utf-8"?>
+<file path=ppt/ink/ink124.xml><?xml version="1.0" encoding="utf-8"?>
 <inkml:ink xmlns:inkml="http://www.w3.org/2003/InkML">
   <inkml:definitions>
     <inkml:context xml:id="ctx0">
@@ -1655,7 +2622,7 @@
 </inkml:ink>
 </file>
 
-<file path=ppt/ink/ink124.xml><?xml version="1.0" encoding="utf-8"?>
+<file path=ppt/ink/ink125.xml><?xml version="1.0" encoding="utf-8"?>
 <inkml:ink xmlns:inkml="http://www.w3.org/2003/InkML">
   <inkml:definitions>
     <inkml:context xml:id="ctx0">
@@ -1684,7 +2651,7 @@
 </inkml:ink>
 </file>
 
-<file path=ppt/ink/ink125.xml><?xml version="1.0" encoding="utf-8"?>
+<file path=ppt/ink/ink126.xml><?xml version="1.0" encoding="utf-8"?>
 <inkml:ink xmlns:inkml="http://www.w3.org/2003/InkML">
   <inkml:definitions>
     <inkml:context xml:id="ctx0">
@@ -1713,7 +2680,7 @@
 </inkml:ink>
 </file>
 
-<file path=ppt/ink/ink126.xml><?xml version="1.0" encoding="utf-8"?>
+<file path=ppt/ink/ink127.xml><?xml version="1.0" encoding="utf-8"?>
 <inkml:ink xmlns:inkml="http://www.w3.org/2003/InkML">
   <inkml:definitions>
     <inkml:context xml:id="ctx0">
@@ -1742,7 +2709,7 @@
 </inkml:ink>
 </file>
 
-<file path=ppt/ink/ink127.xml><?xml version="1.0" encoding="utf-8"?>
+<file path=ppt/ink/ink128.xml><?xml version="1.0" encoding="utf-8"?>
 <inkml:ink xmlns:inkml="http://www.w3.org/2003/InkML">
   <inkml:definitions>
     <inkml:context xml:id="ctx0">
@@ -1771,7 +2738,7 @@
 </inkml:ink>
 </file>
 
-<file path=ppt/ink/ink128.xml><?xml version="1.0" encoding="utf-8"?>
+<file path=ppt/ink/ink129.xml><?xml version="1.0" encoding="utf-8"?>
 <inkml:ink xmlns:inkml="http://www.w3.org/2003/InkML">
   <inkml:definitions>
     <inkml:context xml:id="ctx0">
@@ -1800,7 +2767,35 @@
 </inkml:ink>
 </file>
 
-<file path=ppt/ink/ink129.xml><?xml version="1.0" encoding="utf-8"?>
+<file path=ppt/ink/ink13.xml><?xml version="1.0" encoding="utf-8"?>
+<inkml:ink xmlns:inkml="http://www.w3.org/2003/InkML">
+  <inkml:definitions>
+    <inkml:context xml:id="ctx0">
+      <inkml:inkSource xml:id="inkSrc0">
+        <inkml:traceFormat>
+          <inkml:channel name="X" type="integer" min="-2.14748E9" max="2.14748E9" units="cm"/>
+          <inkml:channel name="Y" type="integer" min="-2.14748E9" max="2.14748E9" units="cm"/>
+        </inkml:traceFormat>
+        <inkml:channelProperties>
+          <inkml:channelProperty channel="X" name="resolution" value="1000" units="1/cm"/>
+          <inkml:channelProperty channel="Y" name="resolution" value="1000" units="1/cm"/>
+        </inkml:channelProperties>
+      </inkml:inkSource>
+      <inkml:timestamp xml:id="ts0" timeString="2024-11-09T18:27:10.129"/>
+    </inkml:context>
+    <inkml:brush xml:id="br0">
+      <inkml:brushProperty name="width" value="0.2" units="cm"/>
+      <inkml:brushProperty name="height" value="0.4" units="cm"/>
+      <inkml:brushProperty name="color" value="#00B44B"/>
+      <inkml:brushProperty name="tip" value="rectangle"/>
+      <inkml:brushProperty name="rasterOp" value="maskPen"/>
+    </inkml:brush>
+  </inkml:definitions>
+  <inkml:trace contextRef="#ctx0" brushRef="#br0">1806 1,'0'45,"0"-1,0 1,0-2,0-5,0-1,0-7,0 5,0-3,0 0,0-3,0 3,0 3,0 0,0 1,0-1,0 5,0 5,0 5,0-3,0 1,0-4,0-3,0-6,0-7,0-7,-2-1,-1-2,0 1,1 1,2 0,0 1,0 1,0 2,0 4,0-1,-1 0,-2-3,0-1,1 2,0 3,0 0,-1-2,0-3,1-7,-1-1,0-3,0-1,1-1,2-1,0 5,0-4,0 3,-2-1,0-1,0 5,0-1,-1 2,0 2,0-1,-2 0,2-3,1-4,-1 0,0 1,1-2,-1 3,2-3,1 1,0 7,0 1,0 5,0 2,0-1,0 2,-4-2,-2-5,1-3,0-4,5-3,-1-1,1 4,0-4,0 3,0-2,0 3,0 1,-2 3,-1-1,1-3,-3 0,2-4,1 1,-2 0,-2-2,-3 0,-2-5,0-1,-1-2,2 0,-7 0,-1 0,-5 0,-4 0,-6 0,-3 0,-6 0,-3 0,2 0,-2 0,-1 0,1 0,3 0,3 0,2 0,2 0,-3 0,2 0,3 0,1 0,3 0,0 0,2 0,3 0,0 0,3 0,-1 0,-3 0,-3 0,0 0,-4 0,1 0,-1 0,3 0,2 0,1 0,1 0,-4 0,1 0,1 0,2 0,5 0,4 0,1 0,1 0,0 0,1 0,2 0,2 0,-3 0,-4 0,1 0,-3 0,0 0,0 0,1 0,1 0,3 0,-1 0,0 0,0 0,2 0,1 0,2 0,1-11,4 2,2-8,2 7,0 0,3-3,4-6,3-7,3 0,-2 1,-1 5,0 6,-4 6,-2 3</inkml:trace>
+</inkml:ink>
+</file>
+
+<file path=ppt/ink/ink130.xml><?xml version="1.0" encoding="utf-8"?>
 <inkml:ink xmlns:inkml="http://www.w3.org/2003/InkML">
   <inkml:definitions>
     <inkml:context xml:id="ctx0">
@@ -1829,35 +2824,7 @@
 </inkml:ink>
 </file>
 
-<file path=ppt/ink/ink13.xml><?xml version="1.0" encoding="utf-8"?>
-<inkml:ink xmlns:inkml="http://www.w3.org/2003/InkML">
-  <inkml:definitions>
-    <inkml:context xml:id="ctx0">
-      <inkml:inkSource xml:id="inkSrc0">
-        <inkml:traceFormat>
-          <inkml:channel name="X" type="integer" min="-2.14748E9" max="2.14748E9" units="cm"/>
-          <inkml:channel name="Y" type="integer" min="-2.14748E9" max="2.14748E9" units="cm"/>
-        </inkml:traceFormat>
-        <inkml:channelProperties>
-          <inkml:channelProperty channel="X" name="resolution" value="1000" units="1/cm"/>
-          <inkml:channelProperty channel="Y" name="resolution" value="1000" units="1/cm"/>
-        </inkml:channelProperties>
-      </inkml:inkSource>
-      <inkml:timestamp xml:id="ts0" timeString="2024-11-09T18:27:16.460"/>
-    </inkml:context>
-    <inkml:brush xml:id="br0">
-      <inkml:brushProperty name="width" value="0.2" units="cm"/>
-      <inkml:brushProperty name="height" value="0.4" units="cm"/>
-      <inkml:brushProperty name="color" value="#00B44B"/>
-      <inkml:brushProperty name="tip" value="rectangle"/>
-      <inkml:brushProperty name="rasterOp" value="maskPen"/>
-    </inkml:brush>
-  </inkml:definitions>
-  <inkml:trace contextRef="#ctx0" brushRef="#br0">1 86,'35'0,"-4"0,-15 0,0 0,2 0,-3 0,3 0,-3 0,-4 0,3 0,-3 0,1-2,0 0,-1-1,2 1,-1 2,3-3,-4 1,0-1,0-1,-3 2,6-1,-3 1,2 1,-4 1,3-4,-3 3,4-3,-3 4,-1-2,5-1,-3 0,2 1,-5 1,5-2,-4 1,4-3,-4 3,1-1,4-1,-5 1,3 0,0-2,-2 4,3-3,-3 3,0 1,-1 0</inkml:trace>
-</inkml:ink>
-</file>
-
-<file path=ppt/ink/ink130.xml><?xml version="1.0" encoding="utf-8"?>
+<file path=ppt/ink/ink131.xml><?xml version="1.0" encoding="utf-8"?>
 <inkml:ink xmlns:inkml="http://www.w3.org/2003/InkML">
   <inkml:definitions>
     <inkml:context xml:id="ctx0">
@@ -1886,7 +2853,7 @@
 </inkml:ink>
 </file>
 
-<file path=ppt/ink/ink131.xml><?xml version="1.0" encoding="utf-8"?>
+<file path=ppt/ink/ink132.xml><?xml version="1.0" encoding="utf-8"?>
 <inkml:ink xmlns:inkml="http://www.w3.org/2003/InkML">
   <inkml:definitions>
     <inkml:context xml:id="ctx0">
@@ -1915,7 +2882,7 @@
 </inkml:ink>
 </file>
 
-<file path=ppt/ink/ink132.xml><?xml version="1.0" encoding="utf-8"?>
+<file path=ppt/ink/ink133.xml><?xml version="1.0" encoding="utf-8"?>
 <inkml:ink xmlns:inkml="http://www.w3.org/2003/InkML">
   <inkml:definitions>
     <inkml:context xml:id="ctx0">
@@ -1944,7 +2911,7 @@
 </inkml:ink>
 </file>
 
-<file path=ppt/ink/ink133.xml><?xml version="1.0" encoding="utf-8"?>
+<file path=ppt/ink/ink134.xml><?xml version="1.0" encoding="utf-8"?>
 <inkml:ink xmlns:inkml="http://www.w3.org/2003/InkML">
   <inkml:definitions>
     <inkml:context xml:id="ctx0">
@@ -1973,7 +2940,7 @@
 </inkml:ink>
 </file>
 
-<file path=ppt/ink/ink134.xml><?xml version="1.0" encoding="utf-8"?>
+<file path=ppt/ink/ink135.xml><?xml version="1.0" encoding="utf-8"?>
 <inkml:ink xmlns:inkml="http://www.w3.org/2003/InkML">
   <inkml:definitions>
     <inkml:context xml:id="ctx0">
@@ -2002,7 +2969,7 @@
 </inkml:ink>
 </file>
 
-<file path=ppt/ink/ink135.xml><?xml version="1.0" encoding="utf-8"?>
+<file path=ppt/ink/ink136.xml><?xml version="1.0" encoding="utf-8"?>
 <inkml:ink xmlns:inkml="http://www.w3.org/2003/InkML">
   <inkml:definitions>
     <inkml:context xml:id="ctx0">
@@ -2031,7 +2998,7 @@
 </inkml:ink>
 </file>
 
-<file path=ppt/ink/ink136.xml><?xml version="1.0" encoding="utf-8"?>
+<file path=ppt/ink/ink137.xml><?xml version="1.0" encoding="utf-8"?>
 <inkml:ink xmlns:inkml="http://www.w3.org/2003/InkML">
   <inkml:definitions>
     <inkml:context xml:id="ctx0">
@@ -2060,7 +3027,7 @@
 </inkml:ink>
 </file>
 
-<file path=ppt/ink/ink137.xml><?xml version="1.0" encoding="utf-8"?>
+<file path=ppt/ink/ink138.xml><?xml version="1.0" encoding="utf-8"?>
 <inkml:ink xmlns:inkml="http://www.w3.org/2003/InkML">
   <inkml:definitions>
     <inkml:context xml:id="ctx0">
@@ -2089,7 +3056,7 @@
 </inkml:ink>
 </file>
 
-<file path=ppt/ink/ink138.xml><?xml version="1.0" encoding="utf-8"?>
+<file path=ppt/ink/ink139.xml><?xml version="1.0" encoding="utf-8"?>
 <inkml:ink xmlns:inkml="http://www.w3.org/2003/InkML">
   <inkml:definitions>
     <inkml:context xml:id="ctx0">
@@ -2118,7 +3085,35 @@
 </inkml:ink>
 </file>
 
-<file path=ppt/ink/ink139.xml><?xml version="1.0" encoding="utf-8"?>
+<file path=ppt/ink/ink14.xml><?xml version="1.0" encoding="utf-8"?>
+<inkml:ink xmlns:inkml="http://www.w3.org/2003/InkML">
+  <inkml:definitions>
+    <inkml:context xml:id="ctx0">
+      <inkml:inkSource xml:id="inkSrc0">
+        <inkml:traceFormat>
+          <inkml:channel name="X" type="integer" min="-2.14748E9" max="2.14748E9" units="cm"/>
+          <inkml:channel name="Y" type="integer" min="-2.14748E9" max="2.14748E9" units="cm"/>
+        </inkml:traceFormat>
+        <inkml:channelProperties>
+          <inkml:channelProperty channel="X" name="resolution" value="1000" units="1/cm"/>
+          <inkml:channelProperty channel="Y" name="resolution" value="1000" units="1/cm"/>
+        </inkml:channelProperties>
+      </inkml:inkSource>
+      <inkml:timestamp xml:id="ts0" timeString="2024-11-09T18:27:16.460"/>
+    </inkml:context>
+    <inkml:brush xml:id="br0">
+      <inkml:brushProperty name="width" value="0.2" units="cm"/>
+      <inkml:brushProperty name="height" value="0.4" units="cm"/>
+      <inkml:brushProperty name="color" value="#00B44B"/>
+      <inkml:brushProperty name="tip" value="rectangle"/>
+      <inkml:brushProperty name="rasterOp" value="maskPen"/>
+    </inkml:brush>
+  </inkml:definitions>
+  <inkml:trace contextRef="#ctx0" brushRef="#br0">1 86,'35'0,"-4"0,-15 0,0 0,2 0,-3 0,3 0,-3 0,-4 0,3 0,-3 0,1-2,0 0,-1-1,2 1,-1 2,3-3,-4 1,0-1,0-1,-3 2,6-1,-3 1,2 1,-4 1,3-4,-3 3,4-3,-3 4,-1-2,5-1,-3 0,2 1,-5 1,5-2,-4 1,4-3,-4 3,1-1,4-1,-5 1,3 0,0-2,-2 4,3-3,-3 3,0 1,-1 0</inkml:trace>
+</inkml:ink>
+</file>
+
+<file path=ppt/ink/ink140.xml><?xml version="1.0" encoding="utf-8"?>
 <inkml:ink xmlns:inkml="http://www.w3.org/2003/InkML">
   <inkml:definitions>
     <inkml:context xml:id="ctx0">
@@ -2147,35 +3142,7 @@
 </inkml:ink>
 </file>
 
-<file path=ppt/ink/ink14.xml><?xml version="1.0" encoding="utf-8"?>
-<inkml:ink xmlns:inkml="http://www.w3.org/2003/InkML">
-  <inkml:definitions>
-    <inkml:context xml:id="ctx0">
-      <inkml:inkSource xml:id="inkSrc0">
-        <inkml:traceFormat>
-          <inkml:channel name="X" type="integer" min="-2.14748E9" max="2.14748E9" units="cm"/>
-          <inkml:channel name="Y" type="integer" min="-2.14748E9" max="2.14748E9" units="cm"/>
-        </inkml:traceFormat>
-        <inkml:channelProperties>
-          <inkml:channelProperty channel="X" name="resolution" value="1000" units="1/cm"/>
-          <inkml:channelProperty channel="Y" name="resolution" value="1000" units="1/cm"/>
-        </inkml:channelProperties>
-      </inkml:inkSource>
-      <inkml:timestamp xml:id="ts0" timeString="2024-11-09T18:27:20.312"/>
-    </inkml:context>
-    <inkml:brush xml:id="br0">
-      <inkml:brushProperty name="width" value="0.2" units="cm"/>
-      <inkml:brushProperty name="height" value="0.4" units="cm"/>
-      <inkml:brushProperty name="color" value="#00B44B"/>
-      <inkml:brushProperty name="tip" value="rectangle"/>
-      <inkml:brushProperty name="rasterOp" value="maskPen"/>
-    </inkml:brush>
-  </inkml:definitions>
-  <inkml:trace contextRef="#ctx0" brushRef="#br0">0 0,'29'0,"-4"0,-16 0,0 0,4 0,-4 0,3 0,1 0,-2 0,2 0,-1 0,1 0,-1 0,-1 0,1 0,-2 0,2 0,-3 0,1 0,4 0,-3 0,2 0,-4 0,3 0,2 0,-1 0,1 0,-5 0,3 0,-2 0,2 0,-2 0</inkml:trace>
-</inkml:ink>
-</file>
-
-<file path=ppt/ink/ink140.xml><?xml version="1.0" encoding="utf-8"?>
+<file path=ppt/ink/ink141.xml><?xml version="1.0" encoding="utf-8"?>
 <inkml:ink xmlns:inkml="http://www.w3.org/2003/InkML">
   <inkml:definitions>
     <inkml:context xml:id="ctx0">
@@ -2204,7 +3171,7 @@
 </inkml:ink>
 </file>
 
-<file path=ppt/ink/ink141.xml><?xml version="1.0" encoding="utf-8"?>
+<file path=ppt/ink/ink142.xml><?xml version="1.0" encoding="utf-8"?>
 <inkml:ink xmlns:inkml="http://www.w3.org/2003/InkML">
   <inkml:definitions>
     <inkml:context xml:id="ctx0">
@@ -2233,7 +3200,7 @@
 </inkml:ink>
 </file>
 
-<file path=ppt/ink/ink142.xml><?xml version="1.0" encoding="utf-8"?>
+<file path=ppt/ink/ink143.xml><?xml version="1.0" encoding="utf-8"?>
 <inkml:ink xmlns:inkml="http://www.w3.org/2003/InkML">
   <inkml:definitions>
     <inkml:context xml:id="ctx0">
@@ -2262,7 +3229,7 @@
 </inkml:ink>
 </file>
 
-<file path=ppt/ink/ink143.xml><?xml version="1.0" encoding="utf-8"?>
+<file path=ppt/ink/ink144.xml><?xml version="1.0" encoding="utf-8"?>
 <inkml:ink xmlns:inkml="http://www.w3.org/2003/InkML">
   <inkml:definitions>
     <inkml:context xml:id="ctx0">
@@ -2291,7 +3258,7 @@
 </inkml:ink>
 </file>
 
-<file path=ppt/ink/ink144.xml><?xml version="1.0" encoding="utf-8"?>
+<file path=ppt/ink/ink145.xml><?xml version="1.0" encoding="utf-8"?>
 <inkml:ink xmlns:inkml="http://www.w3.org/2003/InkML">
   <inkml:definitions>
     <inkml:context xml:id="ctx0">
@@ -2320,7 +3287,7 @@
 </inkml:ink>
 </file>
 
-<file path=ppt/ink/ink145.xml><?xml version="1.0" encoding="utf-8"?>
+<file path=ppt/ink/ink146.xml><?xml version="1.0" encoding="utf-8"?>
 <inkml:ink xmlns:inkml="http://www.w3.org/2003/InkML">
   <inkml:definitions>
     <inkml:context xml:id="ctx0">
@@ -2349,7 +3316,7 @@
 </inkml:ink>
 </file>
 
-<file path=ppt/ink/ink146.xml><?xml version="1.0" encoding="utf-8"?>
+<file path=ppt/ink/ink147.xml><?xml version="1.0" encoding="utf-8"?>
 <inkml:ink xmlns:inkml="http://www.w3.org/2003/InkML">
   <inkml:definitions>
     <inkml:context xml:id="ctx0">
@@ -2378,7 +3345,7 @@
 </inkml:ink>
 </file>
 
-<file path=ppt/ink/ink147.xml><?xml version="1.0" encoding="utf-8"?>
+<file path=ppt/ink/ink148.xml><?xml version="1.0" encoding="utf-8"?>
 <inkml:ink xmlns:inkml="http://www.w3.org/2003/InkML">
   <inkml:definitions>
     <inkml:context xml:id="ctx0">
@@ -2407,7 +3374,7 @@
 </inkml:ink>
 </file>
 
-<file path=ppt/ink/ink148.xml><?xml version="1.0" encoding="utf-8"?>
+<file path=ppt/ink/ink149.xml><?xml version="1.0" encoding="utf-8"?>
 <inkml:ink xmlns:inkml="http://www.w3.org/2003/InkML">
   <inkml:definitions>
     <inkml:context xml:id="ctx0">
@@ -2436,7 +3403,35 @@
 </inkml:ink>
 </file>
 
-<file path=ppt/ink/ink149.xml><?xml version="1.0" encoding="utf-8"?>
+<file path=ppt/ink/ink15.xml><?xml version="1.0" encoding="utf-8"?>
+<inkml:ink xmlns:inkml="http://www.w3.org/2003/InkML">
+  <inkml:definitions>
+    <inkml:context xml:id="ctx0">
+      <inkml:inkSource xml:id="inkSrc0">
+        <inkml:traceFormat>
+          <inkml:channel name="X" type="integer" min="-2.14748E9" max="2.14748E9" units="cm"/>
+          <inkml:channel name="Y" type="integer" min="-2.14748E9" max="2.14748E9" units="cm"/>
+        </inkml:traceFormat>
+        <inkml:channelProperties>
+          <inkml:channelProperty channel="X" name="resolution" value="1000" units="1/cm"/>
+          <inkml:channelProperty channel="Y" name="resolution" value="1000" units="1/cm"/>
+        </inkml:channelProperties>
+      </inkml:inkSource>
+      <inkml:timestamp xml:id="ts0" timeString="2024-11-09T18:27:20.312"/>
+    </inkml:context>
+    <inkml:brush xml:id="br0">
+      <inkml:brushProperty name="width" value="0.2" units="cm"/>
+      <inkml:brushProperty name="height" value="0.4" units="cm"/>
+      <inkml:brushProperty name="color" value="#00B44B"/>
+      <inkml:brushProperty name="tip" value="rectangle"/>
+      <inkml:brushProperty name="rasterOp" value="maskPen"/>
+    </inkml:brush>
+  </inkml:definitions>
+  <inkml:trace contextRef="#ctx0" brushRef="#br0">0 0,'29'0,"-4"0,-16 0,0 0,4 0,-4 0,3 0,1 0,-2 0,2 0,-1 0,1 0,-1 0,-1 0,1 0,-2 0,2 0,-3 0,1 0,4 0,-3 0,2 0,-4 0,3 0,2 0,-1 0,1 0,-5 0,3 0,-2 0,2 0,-2 0</inkml:trace>
+</inkml:ink>
+</file>
+
+<file path=ppt/ink/ink150.xml><?xml version="1.0" encoding="utf-8"?>
 <inkml:ink xmlns:inkml="http://www.w3.org/2003/InkML">
   <inkml:definitions>
     <inkml:context xml:id="ctx0">
@@ -2465,35 +3460,7 @@
 </inkml:ink>
 </file>
 
-<file path=ppt/ink/ink15.xml><?xml version="1.0" encoding="utf-8"?>
-<inkml:ink xmlns:inkml="http://www.w3.org/2003/InkML">
-  <inkml:definitions>
-    <inkml:context xml:id="ctx0">
-      <inkml:inkSource xml:id="inkSrc0">
-        <inkml:traceFormat>
-          <inkml:channel name="X" type="integer" min="-2.14748E9" max="2.14748E9" units="cm"/>
-          <inkml:channel name="Y" type="integer" min="-2.14748E9" max="2.14748E9" units="cm"/>
-        </inkml:traceFormat>
-        <inkml:channelProperties>
-          <inkml:channelProperty channel="X" name="resolution" value="1000" units="1/cm"/>
-          <inkml:channelProperty channel="Y" name="resolution" value="1000" units="1/cm"/>
-        </inkml:channelProperties>
-      </inkml:inkSource>
-      <inkml:timestamp xml:id="ts0" timeString="2024-11-09T18:27:22.517"/>
-    </inkml:context>
-    <inkml:brush xml:id="br0">
-      <inkml:brushProperty name="width" value="0.2" units="cm"/>
-      <inkml:brushProperty name="height" value="0.4" units="cm"/>
-      <inkml:brushProperty name="color" value="#00B44B"/>
-      <inkml:brushProperty name="tip" value="rectangle"/>
-      <inkml:brushProperty name="rasterOp" value="maskPen"/>
-    </inkml:brush>
-  </inkml:definitions>
-  <inkml:trace contextRef="#ctx0" brushRef="#br0">1 749,'31'-27,"-2"-1,-9 14,1-4,-1 2,0 0,-1-3,-3 2,0-1,-3 0,-2 3,-2 0,0 1,0 1,1-4,0 1,0-3,1 1,-1-1,0-2,3 1,-1 3,-1 3,0 3,-3 3,2-2,-1 2,1 3,-1-2,0 4,0-5,-1 1,4-3,1 1,1-1,0 1,-1 0,0 1,1 1,0-1,-1 3,0-1,-3 0,0 0,0-1,-1 0,-1 2,4-5,-2 3,2-5,0 0,3-3,3-1,1 0,-1 0,-2 2,-4 3,-2 3,-2 1,1 1,0 0,1 1</inkml:trace>
-</inkml:ink>
-</file>
-
-<file path=ppt/ink/ink150.xml><?xml version="1.0" encoding="utf-8"?>
+<file path=ppt/ink/ink151.xml><?xml version="1.0" encoding="utf-8"?>
 <inkml:ink xmlns:inkml="http://www.w3.org/2003/InkML">
   <inkml:definitions>
     <inkml:context xml:id="ctx0">
@@ -2522,7 +3489,7 @@
 </inkml:ink>
 </file>
 
-<file path=ppt/ink/ink151.xml><?xml version="1.0" encoding="utf-8"?>
+<file path=ppt/ink/ink152.xml><?xml version="1.0" encoding="utf-8"?>
 <inkml:ink xmlns:inkml="http://www.w3.org/2003/InkML">
   <inkml:definitions>
     <inkml:context xml:id="ctx0">
@@ -2551,7 +3518,7 @@
 </inkml:ink>
 </file>
 
-<file path=ppt/ink/ink152.xml><?xml version="1.0" encoding="utf-8"?>
+<file path=ppt/ink/ink153.xml><?xml version="1.0" encoding="utf-8"?>
 <inkml:ink xmlns:inkml="http://www.w3.org/2003/InkML">
   <inkml:definitions>
     <inkml:context xml:id="ctx0">
@@ -2580,7 +3547,7 @@
 </inkml:ink>
 </file>
 
-<file path=ppt/ink/ink153.xml><?xml version="1.0" encoding="utf-8"?>
+<file path=ppt/ink/ink154.xml><?xml version="1.0" encoding="utf-8"?>
 <inkml:ink xmlns:inkml="http://www.w3.org/2003/InkML">
   <inkml:definitions>
     <inkml:context xml:id="ctx0">
@@ -2609,7 +3576,7 @@
 </inkml:ink>
 </file>
 
-<file path=ppt/ink/ink154.xml><?xml version="1.0" encoding="utf-8"?>
+<file path=ppt/ink/ink155.xml><?xml version="1.0" encoding="utf-8"?>
 <inkml:ink xmlns:inkml="http://www.w3.org/2003/InkML">
   <inkml:definitions>
     <inkml:context xml:id="ctx0">
@@ -2638,7 +3605,7 @@
 </inkml:ink>
 </file>
 
-<file path=ppt/ink/ink155.xml><?xml version="1.0" encoding="utf-8"?>
+<file path=ppt/ink/ink156.xml><?xml version="1.0" encoding="utf-8"?>
 <inkml:ink xmlns:inkml="http://www.w3.org/2003/InkML">
   <inkml:definitions>
     <inkml:context xml:id="ctx0">
@@ -2666,7 +3633,7 @@
 </inkml:ink>
 </file>
 
-<file path=ppt/ink/ink156.xml><?xml version="1.0" encoding="utf-8"?>
+<file path=ppt/ink/ink157.xml><?xml version="1.0" encoding="utf-8"?>
 <inkml:ink xmlns:inkml="http://www.w3.org/2003/InkML">
   <inkml:definitions>
     <inkml:context xml:id="ctx0">
@@ -2694,7 +3661,7 @@
 </inkml:ink>
 </file>
 
-<file path=ppt/ink/ink157.xml><?xml version="1.0" encoding="utf-8"?>
+<file path=ppt/ink/ink158.xml><?xml version="1.0" encoding="utf-8"?>
 <inkml:ink xmlns:inkml="http://www.w3.org/2003/InkML">
   <inkml:definitions>
     <inkml:context xml:id="ctx0">
@@ -2722,7 +3689,7 @@
 </inkml:ink>
 </file>
 
-<file path=ppt/ink/ink158.xml><?xml version="1.0" encoding="utf-8"?>
+<file path=ppt/ink/ink159.xml><?xml version="1.0" encoding="utf-8"?>
 <inkml:ink xmlns:inkml="http://www.w3.org/2003/InkML">
   <inkml:definitions>
     <inkml:context xml:id="ctx0">
@@ -2764,6 +3731,34 @@
           <inkml:channelProperty channel="Y" name="resolution" value="1000" units="1/cm"/>
         </inkml:channelProperties>
       </inkml:inkSource>
+      <inkml:timestamp xml:id="ts0" timeString="2024-11-09T18:27:22.517"/>
+    </inkml:context>
+    <inkml:brush xml:id="br0">
+      <inkml:brushProperty name="width" value="0.2" units="cm"/>
+      <inkml:brushProperty name="height" value="0.4" units="cm"/>
+      <inkml:brushProperty name="color" value="#00B44B"/>
+      <inkml:brushProperty name="tip" value="rectangle"/>
+      <inkml:brushProperty name="rasterOp" value="maskPen"/>
+    </inkml:brush>
+  </inkml:definitions>
+  <inkml:trace contextRef="#ctx0" brushRef="#br0">1 749,'31'-27,"-2"-1,-9 14,1-4,-1 2,0 0,-1-3,-3 2,0-1,-3 0,-2 3,-2 0,0 1,0 1,1-4,0 1,0-3,1 1,-1-1,0-2,3 1,-1 3,-1 3,0 3,-3 3,2-2,-1 2,1 3,-1-2,0 4,0-5,-1 1,4-3,1 1,1-1,0 1,-1 0,0 1,1 1,0-1,-1 3,0-1,-3 0,0 0,0-1,-1 0,-1 2,4-5,-2 3,2-5,0 0,3-3,3-1,1 0,-1 0,-2 2,-4 3,-2 3,-2 1,1 1,0 0,1 1</inkml:trace>
+</inkml:ink>
+</file>
+
+<file path=ppt/ink/ink17.xml><?xml version="1.0" encoding="utf-8"?>
+<inkml:ink xmlns:inkml="http://www.w3.org/2003/InkML">
+  <inkml:definitions>
+    <inkml:context xml:id="ctx0">
+      <inkml:inkSource xml:id="inkSrc0">
+        <inkml:traceFormat>
+          <inkml:channel name="X" type="integer" min="-2.14748E9" max="2.14748E9" units="cm"/>
+          <inkml:channel name="Y" type="integer" min="-2.14748E9" max="2.14748E9" units="cm"/>
+        </inkml:traceFormat>
+        <inkml:channelProperties>
+          <inkml:channelProperty channel="X" name="resolution" value="1000" units="1/cm"/>
+          <inkml:channelProperty channel="Y" name="resolution" value="1000" units="1/cm"/>
+        </inkml:channelProperties>
+      </inkml:inkSource>
       <inkml:timestamp xml:id="ts0" timeString="2024-11-09T18:27:25.371"/>
     </inkml:context>
     <inkml:brush xml:id="br0">
@@ -2778,7 +3773,7 @@
 </inkml:ink>
 </file>
 
-<file path=ppt/ink/ink17.xml><?xml version="1.0" encoding="utf-8"?>
+<file path=ppt/ink/ink18.xml><?xml version="1.0" encoding="utf-8"?>
 <inkml:ink xmlns:inkml="http://www.w3.org/2003/InkML">
   <inkml:definitions>
     <inkml:context xml:id="ctx0">
@@ -2806,7 +3801,7 @@
 </inkml:ink>
 </file>
 
-<file path=ppt/ink/ink18.xml><?xml version="1.0" encoding="utf-8"?>
+<file path=ppt/ink/ink19.xml><?xml version="1.0" encoding="utf-8"?>
 <inkml:ink xmlns:inkml="http://www.w3.org/2003/InkML">
   <inkml:definitions>
     <inkml:context xml:id="ctx0">
@@ -2831,34 +3826,6 @@
     </inkml:brush>
   </inkml:definitions>
   <inkml:trace contextRef="#ctx0" brushRef="#br0">6220 118,'-35'0,"2"0,8 0,0 0,-6 0,1 0,-8 0,-8 0,-10 0,-13 0,-4 0,2 0,-3 0,-1 0,-5 0,-6 0,9 0,5 0,3 0,1 0,-6 0,0 0,2-3,1-1,5 1,1 0,7 2,0-2,3 0,0-3,-12-3,-4-1,-5-3,-1-1,6 3,3 1,0 3,12 1,11 0,5 3,7 0,1 3,-1 0,1 0,0 0,-4 0,-2 0,-5 0,-3 0,2 0,-2 0,-4 0,-6 0,-9 0,-6 0,-4 0,0 0,0 0,6 0,5 0,13 2,8 0,7 1,1-1,0 1,2 0,3 0,1 2,-3-2,0 0,-1 2,2-2,2 0,-3 0,-3-3,-6 0,-8 0,-3 0,0 0,1 0,4 0,7 0,3 0,5 0,2 0,-4 2,-1 0,-1 1,0 0,4-3,0 0,1 3,2 0,2 0,3-1,1-2,-5 0,-3 0,-6 3,-6 0,-4 0,-7 0,-1-3,-3 0,3 0,4 0,0 0,2 0,0 2,2 1,2 0,0-1,2 1,0 0,-2 1,4-1,-2 0,0 0,-2 0,-2-2,3-1,7 0,6 0,5 0,5 0,0 0,2 0,3 0,1 0,-1 0,-3 0,-1 0,-2 0,3 0,1 0,2 0,3 0,2 0,2 0,-1 2,23 22,-2-5,11 7,-10-13</inkml:trace>
-</inkml:ink>
-</file>
-
-<file path=ppt/ink/ink19.xml><?xml version="1.0" encoding="utf-8"?>
-<inkml:ink xmlns:inkml="http://www.w3.org/2003/InkML">
-  <inkml:definitions>
-    <inkml:context xml:id="ctx0">
-      <inkml:inkSource xml:id="inkSrc0">
-        <inkml:traceFormat>
-          <inkml:channel name="X" type="integer" min="-2.14748E9" max="2.14748E9" units="cm"/>
-          <inkml:channel name="Y" type="integer" min="-2.14748E9" max="2.14748E9" units="cm"/>
-        </inkml:traceFormat>
-        <inkml:channelProperties>
-          <inkml:channelProperty channel="X" name="resolution" value="1000" units="1/cm"/>
-          <inkml:channelProperty channel="Y" name="resolution" value="1000" units="1/cm"/>
-        </inkml:channelProperties>
-      </inkml:inkSource>
-      <inkml:timestamp xml:id="ts0" timeString="2024-11-09T18:31:13.853"/>
-    </inkml:context>
-    <inkml:brush xml:id="br0">
-      <inkml:brushProperty name="width" value="0.2" units="cm"/>
-      <inkml:brushProperty name="height" value="0.4" units="cm"/>
-      <inkml:brushProperty name="color" value="#00B44B"/>
-      <inkml:brushProperty name="tip" value="rectangle"/>
-      <inkml:brushProperty name="rasterOp" value="maskPen"/>
-    </inkml:brush>
-  </inkml:definitions>
-  <inkml:trace contextRef="#ctx0" brushRef="#br0">2119 47,'-32'0,"4"0,7 0,-3 0,-4 0,-2 0,-2 0,0 0,-3 0,0-3,-2 0,2 0,1 0,1 3,0 0,-6-2,-3-1,-1 0,-1 1,1 1,1 1,0 0,5-2,1 0,2-1,0 0,-2 1,0 0,0-2,4 1,0 1,4 1,0 1,1 0,3 0,-3 0,2 0,-1 0,1 0,3 0,0 0,0 0,4 0,0 0,2 0,3 0,-3 0,2 0,-1 0,-3 0,-1 0,-2 0,0 0,0 0,-3 0,2 0,0 2,1 2,2 3,-2 0,0 1,-4 0,0 1,0-1,1 0,5-2,1-1,0 2,2-2,-2-2,2 0,2-1,1 1,4 1,4 7,3-1,2 4,0-2,0 2,0 7,0 11,0 2,0 5,0 4,0 2,0 10,0 1,0 0,0-1,0-6,0-5,0-9,0-8,0-3,0-5,0-2,0-3,0-3,0 0,2-1,0 0,3 3,-1-3,0 4,1-2,-1 6,3 5,1 4,1 0,-1 2,1 2,-3 1,2 2,-1-4,-1 0,1-1,0-1,-1 3,2-2,-2-2,-1-5,0-3,0-3,0-3,-2-2,1-3,0 2,1 2,0 0,0 0,0 0,0 3,-3 0,1 5,-2 1,2 4,0 3,1 3,-1 0,1-2,-2-2,-2-8,0-4,0-4,0-3,4 5,-3-4,3 5,-4-4,0 5,0 6,0 2,0 4,0-1,0 1,0 9,0 2,0 2,0-4,0-4,0-4,0-3,0-2,0-2,0 0,0 3,0 1,0 3,0 3,0-1,-2 1,-1 0,-1-3,0-1,2-1,-3 0,0 5,-1 1,0-1,2 1,-1-2,2 1,0-3,1-3,0-2,0-3,-1 4,0 1,0 3,0 3,0 4,0 3,0 1,0-4,0-7,0-4,3-3,0-1,0-3,0-3,0-3,0-1,0 0,0 3,0 2,0 7,0 3,0 5,0 5,0 0,0 0,0-4,0-4,0-1,0-2,0 1,0 0,0-3,0 3,0 0,0 1,0-2,0 0,0-2,0 2,0 0,0 0,0 3,0-2,0-2,0-6,0-4,0-3,0 0,0 2,0-2,0 2,0 1,0 13,0 14,0 9,0 1,0-11,0-7,0-5,0-2,0 0,0-2,0-3,0-1,0-1,0 1,0-1,0-1,0 0,0 2,0 2,0 4,0 2,0 2,0 5,0 0,0 5,0 0,0-4,0-3,0-3,0 2,0 1,0-2,0-5,0-2,0-4,0-3,0-2,0-2,0 1,0 0,0 0,-2 4,-1 1,1 3,-3 0,2 3,0 4,-2 0,2-1,-1-4,-1-1,0 2,0 1,-1 3,0 0,0-2,1-4,2-4,-2 0,1-2,-1 2,-2 0,2 0,-1 3,1 0,-1 1,1 0,2 2,-2 0,2 1,-1-4,-3-3,2 0,-2 1,0 2,0 0,0 0,1-2,0-3,1-3,3-4,0 3,2-2,-2 2,-1-3,1 1,-10-33,5 13,-7-25,9 23,1 1,2 3,-4-1,3 0,-6-2,6 4,-6-5,4 52,0-5,3 45,2-14,0 3,0 7,0-1,0 5,0-3,0-4,0 2,0-8,3-6,2-9,3-14,2-7,-1-5,2-3,3 0,-1-1,0-4,-2-2,-1-1,0-1,0 1,-1-1,-1-1,1 0,0 0,-1 1,-1 0,-1 0,-3 0,1-1,-1-1,0-3,1 1,-2 1,1-1,-1 2,-2-3,0 1,0 2,0 0,0 1,0-1,0-4,0 4,0-2,0 2,0-2,0-1,0 5,0-3,0 3,0-6,0 2,0 0,0 2,0 2,-2 1,-3 3,-2 2,-1 2,0-1,0 0,1-3,0 0,0 0,2 0,0 1,-2-1,1-2,-2 0,1 2,-2 1,-1 1,2-1,1-3,1-1,1 2,-2 2,2-1,1 0,2-1,1 2,1-1,0 0,-2-3,0 1,-1 2,1 3,1 3,-2 3,0 4,0 1,-2 3,1-1,1-3,1-4,2-3,0-3,0 1,0-1,0-1,0-1,0-3,0 0,0-1,0-3,1-2,2 2,0-2,2 3,0-3,-1 0,-1 0,1 2,-1 0,2 1,-1 2,-2-2,1 3,-1 0,1-3,0 2,-1-1,-2-1,0-1,0-3,3 3,-2-3,3 3,-2-3,1 1,-1 6,0 0,-1 7,-1-3,0 0,0 1,0 0,0 1,0 0,0 0,0-3,0 0,0-4,0-1,0-2,0-3,0 2,0 0,0 0,0-1,0 0,0 2,0 1,0 0,0-1,0 0,0-1,0 0,0 2,0-2,0 1,0 0,0 1,0 0,0 2,2 3,3-3,1 0,3 0,0 3,0 6,2 3,-2 4,0 0,-1-1,-1 1,0-3,-2-6,-2-3,0-6,-3-3,0 1,0 0,0-1,0 3,0-3,0 1,0-1,0-1,0 5,0-4,0 3,0-2,0-1,0 2,0-3,0 1,0 3,0-4,0 3,0 0,0 6,0 6,0 3,0-2,0 0,0-7,0-2,0-6,0-2,0 5,16-16,-2 2,14-18,-7 2,0-1,1 1,-3 3,-3 3,-3 4,-4 2,-1 1,4-1,-2 1,2-1,-2 0,-1 1,1 1,-1-2,0 2,1-1,3 0,0 0,3-1,0 2,0-2,-1 2,1-2,0-1,-3 3,-1 1,-3 1,4 1,-3 0,2 0,0 0,-4 8,2 1</inkml:trace>
 </inkml:ink>
 </file>
 
@@ -2898,6 +3865,34 @@
         <inkml:traceFormat>
           <inkml:channel name="X" type="integer" min="-2.14748E9" max="2.14748E9" units="cm"/>
           <inkml:channel name="Y" type="integer" min="-2.14748E9" max="2.14748E9" units="cm"/>
+        </inkml:traceFormat>
+        <inkml:channelProperties>
+          <inkml:channelProperty channel="X" name="resolution" value="1000" units="1/cm"/>
+          <inkml:channelProperty channel="Y" name="resolution" value="1000" units="1/cm"/>
+        </inkml:channelProperties>
+      </inkml:inkSource>
+      <inkml:timestamp xml:id="ts0" timeString="2024-11-09T18:31:13.853"/>
+    </inkml:context>
+    <inkml:brush xml:id="br0">
+      <inkml:brushProperty name="width" value="0.2" units="cm"/>
+      <inkml:brushProperty name="height" value="0.4" units="cm"/>
+      <inkml:brushProperty name="color" value="#00B44B"/>
+      <inkml:brushProperty name="tip" value="rectangle"/>
+      <inkml:brushProperty name="rasterOp" value="maskPen"/>
+    </inkml:brush>
+  </inkml:definitions>
+  <inkml:trace contextRef="#ctx0" brushRef="#br0">2119 47,'-32'0,"4"0,7 0,-3 0,-4 0,-2 0,-2 0,0 0,-3 0,0-3,-2 0,2 0,1 0,1 3,0 0,-6-2,-3-1,-1 0,-1 1,1 1,1 1,0 0,5-2,1 0,2-1,0 0,-2 1,0 0,0-2,4 1,0 1,4 1,0 1,1 0,3 0,-3 0,2 0,-1 0,1 0,3 0,0 0,0 0,4 0,0 0,2 0,3 0,-3 0,2 0,-1 0,-3 0,-1 0,-2 0,0 0,0 0,-3 0,2 0,0 2,1 2,2 3,-2 0,0 1,-4 0,0 1,0-1,1 0,5-2,1-1,0 2,2-2,-2-2,2 0,2-1,1 1,4 1,4 7,3-1,2 4,0-2,0 2,0 7,0 11,0 2,0 5,0 4,0 2,0 10,0 1,0 0,0-1,0-6,0-5,0-9,0-8,0-3,0-5,0-2,0-3,0-3,0 0,2-1,0 0,3 3,-1-3,0 4,1-2,-1 6,3 5,1 4,1 0,-1 2,1 2,-3 1,2 2,-1-4,-1 0,1-1,0-1,-1 3,2-2,-2-2,-1-5,0-3,0-3,0-3,-2-2,1-3,0 2,1 2,0 0,0 0,0 0,0 3,-3 0,1 5,-2 1,2 4,0 3,1 3,-1 0,1-2,-2-2,-2-8,0-4,0-4,0-3,4 5,-3-4,3 5,-4-4,0 5,0 6,0 2,0 4,0-1,0 1,0 9,0 2,0 2,0-4,0-4,0-4,0-3,0-2,0-2,0 0,0 3,0 1,0 3,0 3,0-1,-2 1,-1 0,-1-3,0-1,2-1,-3 0,0 5,-1 1,0-1,2 1,-1-2,2 1,0-3,1-3,0-2,0-3,-1 4,0 1,0 3,0 3,0 4,0 3,0 1,0-4,0-7,0-4,3-3,0-1,0-3,0-3,0-3,0-1,0 0,0 3,0 2,0 7,0 3,0 5,0 5,0 0,0 0,0-4,0-4,0-1,0-2,0 1,0 0,0-3,0 3,0 0,0 1,0-2,0 0,0-2,0 2,0 0,0 0,0 3,0-2,0-2,0-6,0-4,0-3,0 0,0 2,0-2,0 2,0 1,0 13,0 14,0 9,0 1,0-11,0-7,0-5,0-2,0 0,0-2,0-3,0-1,0-1,0 1,0-1,0-1,0 0,0 2,0 2,0 4,0 2,0 2,0 5,0 0,0 5,0 0,0-4,0-3,0-3,0 2,0 1,0-2,0-5,0-2,0-4,0-3,0-2,0-2,0 1,0 0,0 0,-2 4,-1 1,1 3,-3 0,2 3,0 4,-2 0,2-1,-1-4,-1-1,0 2,0 1,-1 3,0 0,0-2,1-4,2-4,-2 0,1-2,-1 2,-2 0,2 0,-1 3,1 0,-1 1,1 0,2 2,-2 0,2 1,-1-4,-3-3,2 0,-2 1,0 2,0 0,0 0,1-2,0-3,1-3,3-4,0 3,2-2,-2 2,-1-3,1 1,-10-33,5 13,-7-25,9 23,1 1,2 3,-4-1,3 0,-6-2,6 4,-6-5,4 52,0-5,3 45,2-14,0 3,0 7,0-1,0 5,0-3,0-4,0 2,0-8,3-6,2-9,3-14,2-7,-1-5,2-3,3 0,-1-1,0-4,-2-2,-1-1,0-1,0 1,-1-1,-1-1,1 0,0 0,-1 1,-1 0,-1 0,-3 0,1-1,-1-1,0-3,1 1,-2 1,1-1,-1 2,-2-3,0 1,0 2,0 0,0 1,0-1,0-4,0 4,0-2,0 2,0-2,0-1,0 5,0-3,0 3,0-6,0 2,0 0,0 2,0 2,-2 1,-3 3,-2 2,-1 2,0-1,0 0,1-3,0 0,0 0,2 0,0 1,-2-1,1-2,-2 0,1 2,-2 1,-1 1,2-1,1-3,1-1,1 2,-2 2,2-1,1 0,2-1,1 2,1-1,0 0,-2-3,0 1,-1 2,1 3,1 3,-2 3,0 4,0 1,-2 3,1-1,1-3,1-4,2-3,0-3,0 1,0-1,0-1,0-1,0-3,0 0,0-1,0-3,1-2,2 2,0-2,2 3,0-3,-1 0,-1 0,1 2,-1 0,2 1,-1 2,-2-2,1 3,-1 0,1-3,0 2,-1-1,-2-1,0-1,0-3,3 3,-2-3,3 3,-2-3,1 1,-1 6,0 0,-1 7,-1-3,0 0,0 1,0 0,0 1,0 0,0 0,0-3,0 0,0-4,0-1,0-2,0-3,0 2,0 0,0 0,0-1,0 0,0 2,0 1,0 0,0-1,0 0,0-1,0 0,0 2,0-2,0 1,0 0,0 1,0 0,0 2,2 3,3-3,1 0,3 0,0 3,0 6,2 3,-2 4,0 0,-1-1,-1 1,0-3,-2-6,-2-3,0-6,-3-3,0 1,0 0,0-1,0 3,0-3,0 1,0-1,0-1,0 5,0-4,0 3,0-2,0-1,0 2,0-3,0 1,0 3,0-4,0 3,0 0,0 6,0 6,0 3,0-2,0 0,0-7,0-2,0-6,0-2,0 5,16-16,-2 2,14-18,-7 2,0-1,1 1,-3 3,-3 3,-3 4,-4 2,-1 1,4-1,-2 1,2-1,-2 0,-1 1,1 1,-1-2,0 2,1-1,3 0,0 0,3-1,0 2,0-2,-1 2,1-2,0-1,-3 3,-1 1,-3 1,4 1,-3 0,2 0,0 0,-4 8,2 1</inkml:trace>
+</inkml:ink>
+</file>
+
+<file path=ppt/ink/ink21.xml><?xml version="1.0" encoding="utf-8"?>
+<inkml:ink xmlns:inkml="http://www.w3.org/2003/InkML">
+  <inkml:definitions>
+    <inkml:context xml:id="ctx0">
+      <inkml:inkSource xml:id="inkSrc0">
+        <inkml:traceFormat>
+          <inkml:channel name="X" type="integer" min="-2.14748E9" max="2.14748E9" units="cm"/>
+          <inkml:channel name="Y" type="integer" min="-2.14748E9" max="2.14748E9" units="cm"/>
           <inkml:channel name="F" type="integer" max="32767" units="dev"/>
         </inkml:traceFormat>
         <inkml:channelProperties>
@@ -2918,7 +3913,7 @@
 </inkml:ink>
 </file>
 
-<file path=ppt/ink/ink21.xml><?xml version="1.0" encoding="utf-8"?>
+<file path=ppt/ink/ink22.xml><?xml version="1.0" encoding="utf-8"?>
 <inkml:ink xmlns:inkml="http://www.w3.org/2003/InkML">
   <inkml:definitions>
     <inkml:context xml:id="ctx0">
@@ -2946,7 +3941,7 @@
 </inkml:ink>
 </file>
 
-<file path=ppt/ink/ink22.xml><?xml version="1.0" encoding="utf-8"?>
+<file path=ppt/ink/ink23.xml><?xml version="1.0" encoding="utf-8"?>
 <inkml:ink xmlns:inkml="http://www.w3.org/2003/InkML">
   <inkml:definitions>
     <inkml:context xml:id="ctx0">
@@ -2974,7 +3969,7 @@
 </inkml:ink>
 </file>
 
-<file path=ppt/ink/ink23.xml><?xml version="1.0" encoding="utf-8"?>
+<file path=ppt/ink/ink24.xml><?xml version="1.0" encoding="utf-8"?>
 <inkml:ink xmlns:inkml="http://www.w3.org/2003/InkML">
   <inkml:definitions>
     <inkml:context xml:id="ctx0">
@@ -3002,7 +3997,7 @@
 </inkml:ink>
 </file>
 
-<file path=ppt/ink/ink24.xml><?xml version="1.0" encoding="utf-8"?>
+<file path=ppt/ink/ink25.xml><?xml version="1.0" encoding="utf-8"?>
 <inkml:ink xmlns:inkml="http://www.w3.org/2003/InkML">
   <inkml:definitions>
     <inkml:context xml:id="ctx0">
@@ -3030,7 +4025,7 @@
 </inkml:ink>
 </file>
 
-<file path=ppt/ink/ink25.xml><?xml version="1.0" encoding="utf-8"?>
+<file path=ppt/ink/ink26.xml><?xml version="1.0" encoding="utf-8"?>
 <inkml:ink xmlns:inkml="http://www.w3.org/2003/InkML">
   <inkml:definitions>
     <inkml:context xml:id="ctx0">
@@ -3058,7 +4053,7 @@
 </inkml:ink>
 </file>
 
-<file path=ppt/ink/ink26.xml><?xml version="1.0" encoding="utf-8"?>
+<file path=ppt/ink/ink27.xml><?xml version="1.0" encoding="utf-8"?>
 <inkml:ink xmlns:inkml="http://www.w3.org/2003/InkML">
   <inkml:definitions>
     <inkml:context xml:id="ctx0">
@@ -3086,7 +4081,7 @@
 </inkml:ink>
 </file>
 
-<file path=ppt/ink/ink27.xml><?xml version="1.0" encoding="utf-8"?>
+<file path=ppt/ink/ink28.xml><?xml version="1.0" encoding="utf-8"?>
 <inkml:ink xmlns:inkml="http://www.w3.org/2003/InkML">
   <inkml:definitions>
     <inkml:context xml:id="ctx0">
@@ -3114,7 +4109,7 @@
 </inkml:ink>
 </file>
 
-<file path=ppt/ink/ink28.xml><?xml version="1.0" encoding="utf-8"?>
+<file path=ppt/ink/ink29.xml><?xml version="1.0" encoding="utf-8"?>
 <inkml:ink xmlns:inkml="http://www.w3.org/2003/InkML">
   <inkml:definitions>
     <inkml:context xml:id="ctx0">
@@ -3139,34 +4134,6 @@
     </inkml:brush>
   </inkml:definitions>
   <inkml:trace contextRef="#ctx0" brushRef="#br0">1739 4005,'-18'-29,"1"3,6 7,-3 0,-1-5,-2-2,-5-4,0-2,-2 1,2 2,0 1,-1 0,1 1,-3-2,0 1,-3-2,0-1,2 0,0-1,2 3,1 1,0-2,1-1,-1-3,-1-1,0-1,3 4,2 2,2 2,0 2,0 1,3 3,-1 1,1 0,-1-1,0-3,1 0,-1-1,-1 0,1 1,1-3,-1-2,1 2,-1 0,0-1,-1 2,-2-6,1 2,-1 0,2-1,-2 0,0 1,-1 0,2 1,1 2,1-3,-1-1,-2-4,-1-4,0 0,0 0,2 0,2 6,2 1,1 4,1 1,-1-3,0-2,0-3,-1 0,1-1,0-3,-2 0,2-3,0 1,2 5,0 1,0 1,0-2,-3-3,1 2,-2 0,0 6,1 0,0 3,2 4,1 3,1 5,0-1,0 1,2-1,0-3,1 1,0 1,-2-1,2 2,0 1,2 1,1 3,-1 0,1 0,-2-2,1-1,-2-1,0-1,0-3,-2-1,1 2,-1-1,1 0,0-1,-1-3,-1 0,1 0,-1-1,1 0,1 1,1 0,0 0,0 2,0-3,1 0,-1-4,1-3,-1-2,-1 1,2 0,0 2,3 4,2-1,-1 4,-1 0,0 1,0 2,1-3,1 0,0-1,0 3,0 0,0 3,0 3,0 2,0 3,0-2,0 0,0 3,0 1,0-1,4 2,4 2,4 2,4 5,5 0,3 0,11 0,12 0,-21 0,2 0</inkml:trace>
-</inkml:ink>
-</file>
-
-<file path=ppt/ink/ink29.xml><?xml version="1.0" encoding="utf-8"?>
-<inkml:ink xmlns:inkml="http://www.w3.org/2003/InkML">
-  <inkml:definitions>
-    <inkml:context xml:id="ctx0">
-      <inkml:inkSource xml:id="inkSrc0">
-        <inkml:traceFormat>
-          <inkml:channel name="X" type="integer" min="-2.14748E9" max="2.14748E9" units="cm"/>
-          <inkml:channel name="Y" type="integer" min="-2.14748E9" max="2.14748E9" units="cm"/>
-        </inkml:traceFormat>
-        <inkml:channelProperties>
-          <inkml:channelProperty channel="X" name="resolution" value="1000" units="1/cm"/>
-          <inkml:channelProperty channel="Y" name="resolution" value="1000" units="1/cm"/>
-        </inkml:channelProperties>
-      </inkml:inkSource>
-      <inkml:timestamp xml:id="ts0" timeString="2024-11-10T14:38:28.425"/>
-    </inkml:context>
-    <inkml:brush xml:id="br0">
-      <inkml:brushProperty name="width" value="0.2" units="cm"/>
-      <inkml:brushProperty name="height" value="0.4" units="cm"/>
-      <inkml:brushProperty name="color" value="#FFFC00"/>
-      <inkml:brushProperty name="tip" value="rectangle"/>
-      <inkml:brushProperty name="rasterOp" value="maskPen"/>
-    </inkml:brush>
-  </inkml:definitions>
-  <inkml:trace contextRef="#ctx0" brushRef="#br0">37 1,'0'45,"0"3,0-11,0 0,0-2,0 3,0 4,0-3,0-4,0-9,0-1,0 3,0 0,0-1,0-2,-1-4,-1 0,-2-4,0-3,0-3,-1-3,-2 2,-3 1</inkml:trace>
 </inkml:ink>
 </file>
 
@@ -3212,6 +4179,34 @@
           <inkml:channelProperty channel="Y" name="resolution" value="1000" units="1/cm"/>
         </inkml:channelProperties>
       </inkml:inkSource>
+      <inkml:timestamp xml:id="ts0" timeString="2024-11-10T14:38:28.425"/>
+    </inkml:context>
+    <inkml:brush xml:id="br0">
+      <inkml:brushProperty name="width" value="0.2" units="cm"/>
+      <inkml:brushProperty name="height" value="0.4" units="cm"/>
+      <inkml:brushProperty name="color" value="#FFFC00"/>
+      <inkml:brushProperty name="tip" value="rectangle"/>
+      <inkml:brushProperty name="rasterOp" value="maskPen"/>
+    </inkml:brush>
+  </inkml:definitions>
+  <inkml:trace contextRef="#ctx0" brushRef="#br0">37 1,'0'45,"0"3,0-11,0 0,0-2,0 3,0 4,0-3,0-4,0-9,0-1,0 3,0 0,0-1,0-2,-1-4,-1 0,-2-4,0-3,0-3,-1-3,-2 2,-3 1</inkml:trace>
+</inkml:ink>
+</file>
+
+<file path=ppt/ink/ink31.xml><?xml version="1.0" encoding="utf-8"?>
+<inkml:ink xmlns:inkml="http://www.w3.org/2003/InkML">
+  <inkml:definitions>
+    <inkml:context xml:id="ctx0">
+      <inkml:inkSource xml:id="inkSrc0">
+        <inkml:traceFormat>
+          <inkml:channel name="X" type="integer" min="-2.14748E9" max="2.14748E9" units="cm"/>
+          <inkml:channel name="Y" type="integer" min="-2.14748E9" max="2.14748E9" units="cm"/>
+        </inkml:traceFormat>
+        <inkml:channelProperties>
+          <inkml:channelProperty channel="X" name="resolution" value="1000" units="1/cm"/>
+          <inkml:channelProperty channel="Y" name="resolution" value="1000" units="1/cm"/>
+        </inkml:channelProperties>
+      </inkml:inkSource>
       <inkml:timestamp xml:id="ts0" timeString="2024-11-10T14:38:39.022"/>
     </inkml:context>
     <inkml:brush xml:id="br0">
@@ -3226,7 +4221,7 @@
 </inkml:ink>
 </file>
 
-<file path=ppt/ink/ink31.xml><?xml version="1.0" encoding="utf-8"?>
+<file path=ppt/ink/ink32.xml><?xml version="1.0" encoding="utf-8"?>
 <inkml:ink xmlns:inkml="http://www.w3.org/2003/InkML">
   <inkml:definitions>
     <inkml:context xml:id="ctx0">
@@ -3254,7 +4249,7 @@
 </inkml:ink>
 </file>
 
-<file path=ppt/ink/ink32.xml><?xml version="1.0" encoding="utf-8"?>
+<file path=ppt/ink/ink33.xml><?xml version="1.0" encoding="utf-8"?>
 <inkml:ink xmlns:inkml="http://www.w3.org/2003/InkML">
   <inkml:definitions>
     <inkml:context xml:id="ctx0">
@@ -3282,7 +4277,7 @@
 </inkml:ink>
 </file>
 
-<file path=ppt/ink/ink33.xml><?xml version="1.0" encoding="utf-8"?>
+<file path=ppt/ink/ink34.xml><?xml version="1.0" encoding="utf-8"?>
 <inkml:ink xmlns:inkml="http://www.w3.org/2003/InkML">
   <inkml:definitions>
     <inkml:context xml:id="ctx0">
@@ -3310,7 +4305,7 @@
 </inkml:ink>
 </file>
 
-<file path=ppt/ink/ink34.xml><?xml version="1.0" encoding="utf-8"?>
+<file path=ppt/ink/ink35.xml><?xml version="1.0" encoding="utf-8"?>
 <inkml:ink xmlns:inkml="http://www.w3.org/2003/InkML">
   <inkml:definitions>
     <inkml:context xml:id="ctx0">
@@ -3338,7 +4333,7 @@
 </inkml:ink>
 </file>
 
-<file path=ppt/ink/ink35.xml><?xml version="1.0" encoding="utf-8"?>
+<file path=ppt/ink/ink36.xml><?xml version="1.0" encoding="utf-8"?>
 <inkml:ink xmlns:inkml="http://www.w3.org/2003/InkML">
   <inkml:definitions>
     <inkml:context xml:id="ctx0">
@@ -3366,7 +4361,7 @@
 </inkml:ink>
 </file>
 
-<file path=ppt/ink/ink36.xml><?xml version="1.0" encoding="utf-8"?>
+<file path=ppt/ink/ink37.xml><?xml version="1.0" encoding="utf-8"?>
 <inkml:ink xmlns:inkml="http://www.w3.org/2003/InkML">
   <inkml:definitions>
     <inkml:context xml:id="ctx0">
@@ -3394,7 +4389,7 @@
 </inkml:ink>
 </file>
 
-<file path=ppt/ink/ink37.xml><?xml version="1.0" encoding="utf-8"?>
+<file path=ppt/ink/ink38.xml><?xml version="1.0" encoding="utf-8"?>
 <inkml:ink xmlns:inkml="http://www.w3.org/2003/InkML">
   <inkml:definitions>
     <inkml:context xml:id="ctx0">
@@ -3422,7 +4417,7 @@
 </inkml:ink>
 </file>
 
-<file path=ppt/ink/ink38.xml><?xml version="1.0" encoding="utf-8"?>
+<file path=ppt/ink/ink39.xml><?xml version="1.0" encoding="utf-8"?>
 <inkml:ink xmlns:inkml="http://www.w3.org/2003/InkML">
   <inkml:definitions>
     <inkml:context xml:id="ctx0">
@@ -3447,34 +4442,6 @@
     </inkml:brush>
   </inkml:definitions>
   <inkml:trace contextRef="#ctx0" brushRef="#br0">5053 78,'-69'-6,"0"-1,3 0,9 3,17 4,-3 0,6 0,4 0,-3 4,3-3,-5 3,1-4,-7 5,-6-4,-8 3,-6-4,6 0,8 0,7 4,5-3,5 3,-3-4,8 4,-3 1,9 4,-3-1,7 0,-3-3,5 2,-5-2,4 0,-9 3,4-4,-4 5,4 0,1-5,5 4,-5-7,7 2,-17 5,11-6,-9 9,3-7,4 5,-4 0,-1-1,1 1,0-4,-1 3,1-7,-1 2,-11-3,4 0,-6 0,9 0,9 0,1 0,9 0,0 0,1 0,2 0,-5-3,5 2,-15-10,9 5,-15-7,12 4,-2 1,3-1,1 1,-5 4,-1-4,-4 3,-1-4,1 0,-1 5,5-4,-3 3,11 0,-5-2,10 3,-6-5,2 1,-3 0,-1 0,-3-1,-2 1,-5-1,-4 0,-2 0,-4-1,-1 1,0 4,6-4,0 8,-6-2,9 3,-10 0,8 0,3 0,-20 4,18 1,-13 1,16 2,1-7,-1 6,1-6,-5 7,-2-2,0-1,2 3,5-7,-11 3,8-4,0 0,5 0,14 0,-6 0,5 0,2-4,-6 3,2-2,-3 3,0 0,-10 0,11-3,-14 2,15-2,-7 3,0 0,-1 0,0-4,2 3,-1-3,-1 4,-5 0,-16 0,17 0,-16-4,29 3,-7-3,7 1,-7 2,2-6,-7 6,3-7,-5 7,1-3,0 0,-1 3,1-3,-1 4,5 0,2 0,-1 0,-1 0,0 0,1 0,5 0,-1 0,1 0,3-3,-2 2,-2-2,0 3,-9 0,9 0,-16 0,9 0,-9 4,6-3,9 2,-6 1,10-3,-11 7,12-7,-7 3,11-1,-2-2,0 2,2 1,-5-4,6 7,-3-6,0 5,3-5,-7 6,3-6,0 2,1 0,0 1,3 1,-7-2,6 0,-6-2,6 6,-2-7,0 4,3-4,-7 0,7 0,-3 3,-4-2,6 2,-10-3,2 0,0 0,0 0,6 0,3 0,0 0</inkml:trace>
-</inkml:ink>
-</file>
-
-<file path=ppt/ink/ink39.xml><?xml version="1.0" encoding="utf-8"?>
-<inkml:ink xmlns:inkml="http://www.w3.org/2003/InkML">
-  <inkml:definitions>
-    <inkml:context xml:id="ctx0">
-      <inkml:inkSource xml:id="inkSrc0">
-        <inkml:traceFormat>
-          <inkml:channel name="X" type="integer" min="-2.14748E9" max="2.14748E9" units="cm"/>
-          <inkml:channel name="Y" type="integer" min="-2.14748E9" max="2.14748E9" units="cm"/>
-          <inkml:channel name="F" type="integer" max="32767" units="dev"/>
-        </inkml:traceFormat>
-        <inkml:channelProperties>
-          <inkml:channelProperty channel="X" name="resolution" value="1000" units="1/cm"/>
-          <inkml:channelProperty channel="Y" name="resolution" value="1000" units="1/cm"/>
-          <inkml:channelProperty channel="F" name="resolution" value="0" units="1/dev"/>
-        </inkml:channelProperties>
-      </inkml:inkSource>
-      <inkml:timestamp xml:id="ts0" timeString="2024-11-11T20:34:12.247"/>
-    </inkml:context>
-    <inkml:brush xml:id="br0">
-      <inkml:brushProperty name="width" value="0.05" units="cm"/>
-      <inkml:brushProperty name="height" value="0.05" units="cm"/>
-      <inkml:brushProperty name="color" value="#E71224"/>
-    </inkml:brush>
-  </inkml:definitions>
-  <inkml:trace contextRef="#ctx0" brushRef="#br0">0 1 24575,'0'0'0</inkml:trace>
 </inkml:ink>
 </file>
 
@@ -3522,6 +4489,34 @@
           <inkml:channelProperty channel="F" name="resolution" value="0" units="1/dev"/>
         </inkml:channelProperties>
       </inkml:inkSource>
+      <inkml:timestamp xml:id="ts0" timeString="2024-11-11T20:34:12.247"/>
+    </inkml:context>
+    <inkml:brush xml:id="br0">
+      <inkml:brushProperty name="width" value="0.05" units="cm"/>
+      <inkml:brushProperty name="height" value="0.05" units="cm"/>
+      <inkml:brushProperty name="color" value="#E71224"/>
+    </inkml:brush>
+  </inkml:definitions>
+  <inkml:trace contextRef="#ctx0" brushRef="#br0">0 1 24575,'0'0'0</inkml:trace>
+</inkml:ink>
+</file>
+
+<file path=ppt/ink/ink41.xml><?xml version="1.0" encoding="utf-8"?>
+<inkml:ink xmlns:inkml="http://www.w3.org/2003/InkML">
+  <inkml:definitions>
+    <inkml:context xml:id="ctx0">
+      <inkml:inkSource xml:id="inkSrc0">
+        <inkml:traceFormat>
+          <inkml:channel name="X" type="integer" min="-2.14748E9" max="2.14748E9" units="cm"/>
+          <inkml:channel name="Y" type="integer" min="-2.14748E9" max="2.14748E9" units="cm"/>
+          <inkml:channel name="F" type="integer" max="32767" units="dev"/>
+        </inkml:traceFormat>
+        <inkml:channelProperties>
+          <inkml:channelProperty channel="X" name="resolution" value="1000" units="1/cm"/>
+          <inkml:channelProperty channel="Y" name="resolution" value="1000" units="1/cm"/>
+          <inkml:channelProperty channel="F" name="resolution" value="0" units="1/dev"/>
+        </inkml:channelProperties>
+      </inkml:inkSource>
       <inkml:timestamp xml:id="ts0" timeString="2024-11-11T20:34:49.962"/>
     </inkml:context>
     <inkml:brush xml:id="br0">
@@ -3534,7 +4529,7 @@
 </inkml:ink>
 </file>
 
-<file path=ppt/ink/ink41.xml><?xml version="1.0" encoding="utf-8"?>
+<file path=ppt/ink/ink42.xml><?xml version="1.0" encoding="utf-8"?>
 <inkml:ink xmlns:inkml="http://www.w3.org/2003/InkML">
   <inkml:definitions>
     <inkml:context xml:id="ctx0">
@@ -3562,7 +4557,7 @@
 </inkml:ink>
 </file>
 
-<file path=ppt/ink/ink42.xml><?xml version="1.0" encoding="utf-8"?>
+<file path=ppt/ink/ink43.xml><?xml version="1.0" encoding="utf-8"?>
 <inkml:ink xmlns:inkml="http://www.w3.org/2003/InkML">
   <inkml:definitions>
     <inkml:context xml:id="ctx0">
@@ -3590,7 +4585,7 @@
 </inkml:ink>
 </file>
 
-<file path=ppt/ink/ink43.xml><?xml version="1.0" encoding="utf-8"?>
+<file path=ppt/ink/ink44.xml><?xml version="1.0" encoding="utf-8"?>
 <inkml:ink xmlns:inkml="http://www.w3.org/2003/InkML">
   <inkml:definitions>
     <inkml:context xml:id="ctx0">
@@ -3618,7 +4613,7 @@
 </inkml:ink>
 </file>
 
-<file path=ppt/ink/ink44.xml><?xml version="1.0" encoding="utf-8"?>
+<file path=ppt/ink/ink45.xml><?xml version="1.0" encoding="utf-8"?>
 <inkml:ink xmlns:inkml="http://www.w3.org/2003/InkML">
   <inkml:definitions>
     <inkml:context xml:id="ctx0">
@@ -3646,7 +4641,7 @@
 </inkml:ink>
 </file>
 
-<file path=ppt/ink/ink45.xml><?xml version="1.0" encoding="utf-8"?>
+<file path=ppt/ink/ink46.xml><?xml version="1.0" encoding="utf-8"?>
 <inkml:ink xmlns:inkml="http://www.w3.org/2003/InkML">
   <inkml:definitions>
     <inkml:context xml:id="ctx0">
@@ -3674,7 +4669,7 @@
 </inkml:ink>
 </file>
 
-<file path=ppt/ink/ink46.xml><?xml version="1.0" encoding="utf-8"?>
+<file path=ppt/ink/ink47.xml><?xml version="1.0" encoding="utf-8"?>
 <inkml:ink xmlns:inkml="http://www.w3.org/2003/InkML">
   <inkml:definitions>
     <inkml:context xml:id="ctx0">
@@ -3702,7 +4697,7 @@
 </inkml:ink>
 </file>
 
-<file path=ppt/ink/ink47.xml><?xml version="1.0" encoding="utf-8"?>
+<file path=ppt/ink/ink48.xml><?xml version="1.0" encoding="utf-8"?>
 <inkml:ink xmlns:inkml="http://www.w3.org/2003/InkML">
   <inkml:definitions>
     <inkml:context xml:id="ctx0">
@@ -3730,7 +4725,7 @@
 </inkml:ink>
 </file>
 
-<file path=ppt/ink/ink48.xml><?xml version="1.0" encoding="utf-8"?>
+<file path=ppt/ink/ink49.xml><?xml version="1.0" encoding="utf-8"?>
 <inkml:ink xmlns:inkml="http://www.w3.org/2003/InkML">
   <inkml:definitions>
     <inkml:context xml:id="ctx0">
@@ -3755,34 +4750,6 @@
     </inkml:brush>
   </inkml:definitions>
   <inkml:trace contextRef="#ctx0" brushRef="#br0">1 54,'28'4,"-1"0,-14 4,7-4,2 0,5-4,-1 0,0 0,1 0,-1 0,0 0,5 0,-3 0,3 0,-9 0,-5 0,-6 0,-3 0,2 0,2-3,-1 2,0-3,0 1,-3 2,6-5,-6 5,3-3,5 0,-3 0,4-4,-2 3,-6-2,2 3,0-3,-6-1,1 1</inkml:trace>
-</inkml:ink>
-</file>
-
-<file path=ppt/ink/ink49.xml><?xml version="1.0" encoding="utf-8"?>
-<inkml:ink xmlns:inkml="http://www.w3.org/2003/InkML">
-  <inkml:definitions>
-    <inkml:context xml:id="ctx0">
-      <inkml:inkSource xml:id="inkSrc0">
-        <inkml:traceFormat>
-          <inkml:channel name="X" type="integer" min="-2.14748E9" max="2.14748E9" units="cm"/>
-          <inkml:channel name="Y" type="integer" min="-2.14748E9" max="2.14748E9" units="cm"/>
-        </inkml:traceFormat>
-        <inkml:channelProperties>
-          <inkml:channelProperty channel="X" name="resolution" value="1000" units="1/cm"/>
-          <inkml:channelProperty channel="Y" name="resolution" value="1000" units="1/cm"/>
-        </inkml:channelProperties>
-      </inkml:inkSource>
-      <inkml:timestamp xml:id="ts0" timeString="2024-11-21T17:23:24.177"/>
-    </inkml:context>
-    <inkml:brush xml:id="br0">
-      <inkml:brushProperty name="width" value="0.2" units="cm"/>
-      <inkml:brushProperty name="height" value="0.4" units="cm"/>
-      <inkml:brushProperty name="color" value="#00B44B"/>
-      <inkml:brushProperty name="tip" value="rectangle"/>
-      <inkml:brushProperty name="rasterOp" value="maskPen"/>
-    </inkml:brush>
-  </inkml:definitions>
-  <inkml:trace contextRef="#ctx0" brushRef="#br0">0 33,'33'0,"-5"0,-20 0,-1 0,7 0,3 0,8-4,1 3,-4-6,-1 6,-1-3,-2 4,-1 0,-2 0,-3 0,4 0,1-4,-1 3,0-2,-3 3,-2 0,0-4,-3 4,6-4,-6 4,3 0,-1 0,-1 0,5 0,-6 0,3 0,-1 0,-1 0,5 0,7 0,2 0,4 0,-11 0,-4 0,-5 0,4 0,0 0,16 0,-12 0,8 0,-16 3,1-2,-34-1,22-1,-27-2</inkml:trace>
 </inkml:ink>
 </file>
 
@@ -3828,6 +4795,34 @@
           <inkml:channelProperty channel="Y" name="resolution" value="1000" units="1/cm"/>
         </inkml:channelProperties>
       </inkml:inkSource>
+      <inkml:timestamp xml:id="ts0" timeString="2024-11-21T17:23:24.177"/>
+    </inkml:context>
+    <inkml:brush xml:id="br0">
+      <inkml:brushProperty name="width" value="0.2" units="cm"/>
+      <inkml:brushProperty name="height" value="0.4" units="cm"/>
+      <inkml:brushProperty name="color" value="#00B44B"/>
+      <inkml:brushProperty name="tip" value="rectangle"/>
+      <inkml:brushProperty name="rasterOp" value="maskPen"/>
+    </inkml:brush>
+  </inkml:definitions>
+  <inkml:trace contextRef="#ctx0" brushRef="#br0">0 33,'33'0,"-5"0,-20 0,-1 0,7 0,3 0,8-4,1 3,-4-6,-1 6,-1-3,-2 4,-1 0,-2 0,-3 0,4 0,1-4,-1 3,0-2,-3 3,-2 0,0-4,-3 4,6-4,-6 4,3 0,-1 0,-1 0,5 0,-6 0,3 0,-1 0,-1 0,5 0,7 0,2 0,4 0,-11 0,-4 0,-5 0,4 0,0 0,16 0,-12 0,8 0,-16 3,1-2,-34-1,22-1,-27-2</inkml:trace>
+</inkml:ink>
+</file>
+
+<file path=ppt/ink/ink51.xml><?xml version="1.0" encoding="utf-8"?>
+<inkml:ink xmlns:inkml="http://www.w3.org/2003/InkML">
+  <inkml:definitions>
+    <inkml:context xml:id="ctx0">
+      <inkml:inkSource xml:id="inkSrc0">
+        <inkml:traceFormat>
+          <inkml:channel name="X" type="integer" min="-2.14748E9" max="2.14748E9" units="cm"/>
+          <inkml:channel name="Y" type="integer" min="-2.14748E9" max="2.14748E9" units="cm"/>
+        </inkml:traceFormat>
+        <inkml:channelProperties>
+          <inkml:channelProperty channel="X" name="resolution" value="1000" units="1/cm"/>
+          <inkml:channelProperty channel="Y" name="resolution" value="1000" units="1/cm"/>
+        </inkml:channelProperties>
+      </inkml:inkSource>
       <inkml:timestamp xml:id="ts0" timeString="2024-11-21T17:23:42.858"/>
     </inkml:context>
     <inkml:brush xml:id="br0">
@@ -3842,7 +4837,7 @@
 </inkml:ink>
 </file>
 
-<file path=ppt/ink/ink51.xml><?xml version="1.0" encoding="utf-8"?>
+<file path=ppt/ink/ink52.xml><?xml version="1.0" encoding="utf-8"?>
 <inkml:ink xmlns:inkml="http://www.w3.org/2003/InkML">
   <inkml:definitions>
     <inkml:context xml:id="ctx0">
@@ -3870,7 +4865,7 @@
 </inkml:ink>
 </file>
 
-<file path=ppt/ink/ink52.xml><?xml version="1.0" encoding="utf-8"?>
+<file path=ppt/ink/ink53.xml><?xml version="1.0" encoding="utf-8"?>
 <inkml:ink xmlns:inkml="http://www.w3.org/2003/InkML">
   <inkml:definitions>
     <inkml:context xml:id="ctx0">
@@ -3898,7 +4893,7 @@
 </inkml:ink>
 </file>
 
-<file path=ppt/ink/ink53.xml><?xml version="1.0" encoding="utf-8"?>
+<file path=ppt/ink/ink54.xml><?xml version="1.0" encoding="utf-8"?>
 <inkml:ink xmlns:inkml="http://www.w3.org/2003/InkML">
   <inkml:definitions>
     <inkml:context xml:id="ctx0">
@@ -3926,7 +4921,7 @@
 </inkml:ink>
 </file>
 
-<file path=ppt/ink/ink54.xml><?xml version="1.0" encoding="utf-8"?>
+<file path=ppt/ink/ink55.xml><?xml version="1.0" encoding="utf-8"?>
 <inkml:ink xmlns:inkml="http://www.w3.org/2003/InkML">
   <inkml:definitions>
     <inkml:context xml:id="ctx0">
@@ -3954,7 +4949,7 @@
 </inkml:ink>
 </file>
 
-<file path=ppt/ink/ink55.xml><?xml version="1.0" encoding="utf-8"?>
+<file path=ppt/ink/ink56.xml><?xml version="1.0" encoding="utf-8"?>
 <inkml:ink xmlns:inkml="http://www.w3.org/2003/InkML">
   <inkml:definitions>
     <inkml:context xml:id="ctx0">
@@ -3982,7 +4977,7 @@
 </inkml:ink>
 </file>
 
-<file path=ppt/ink/ink56.xml><?xml version="1.0" encoding="utf-8"?>
+<file path=ppt/ink/ink57.xml><?xml version="1.0" encoding="utf-8"?>
 <inkml:ink xmlns:inkml="http://www.w3.org/2003/InkML">
   <inkml:definitions>
     <inkml:context xml:id="ctx0">
@@ -4010,7 +5005,7 @@
 </inkml:ink>
 </file>
 
-<file path=ppt/ink/ink57.xml><?xml version="1.0" encoding="utf-8"?>
+<file path=ppt/ink/ink58.xml><?xml version="1.0" encoding="utf-8"?>
 <inkml:ink xmlns:inkml="http://www.w3.org/2003/InkML">
   <inkml:definitions>
     <inkml:context xml:id="ctx0">
@@ -4038,7 +5033,7 @@
 </inkml:ink>
 </file>
 
-<file path=ppt/ink/ink58.xml><?xml version="1.0" encoding="utf-8"?>
+<file path=ppt/ink/ink59.xml><?xml version="1.0" encoding="utf-8"?>
 <inkml:ink xmlns:inkml="http://www.w3.org/2003/InkML">
   <inkml:definitions>
     <inkml:context xml:id="ctx0">
@@ -4066,7 +5061,36 @@
 </inkml:ink>
 </file>
 
-<file path=ppt/ink/ink59.xml><?xml version="1.0" encoding="utf-8"?>
+<file path=ppt/ink/ink6.xml><?xml version="1.0" encoding="utf-8"?>
+<inkml:ink xmlns:inkml="http://www.w3.org/2003/InkML">
+  <inkml:definitions>
+    <inkml:context xml:id="ctx0">
+      <inkml:inkSource xml:id="inkSrc0">
+        <inkml:traceFormat>
+          <inkml:channel name="X" type="integer" min="-2.14748E9" max="2.14748E9" units="cm"/>
+          <inkml:channel name="Y" type="integer" min="-2.14748E9" max="2.14748E9" units="cm"/>
+        </inkml:traceFormat>
+        <inkml:channelProperties>
+          <inkml:channelProperty channel="X" name="resolution" value="1000" units="1/cm"/>
+          <inkml:channelProperty channel="Y" name="resolution" value="1000" units="1/cm"/>
+        </inkml:channelProperties>
+      </inkml:inkSource>
+      <inkml:timestamp xml:id="ts0" timeString="2025-06-02T20:44:33.416"/>
+    </inkml:context>
+    <inkml:brush xml:id="br0">
+      <inkml:brushProperty name="width" value="0.2" units="cm"/>
+      <inkml:brushProperty name="height" value="0.4" units="cm"/>
+      <inkml:brushProperty name="color" value="#FF8517"/>
+      <inkml:brushProperty name="tip" value="rectangle"/>
+      <inkml:brushProperty name="rasterOp" value="maskPen"/>
+      <inkml:brushProperty name="ignorePressure" value="1"/>
+    </inkml:brush>
+  </inkml:definitions>
+  <inkml:trace contextRef="#ctx0" brushRef="#br0">0 1,'0'0</inkml:trace>
+</inkml:ink>
+</file>
+
+<file path=ppt/ink/ink60.xml><?xml version="1.0" encoding="utf-8"?>
 <inkml:ink xmlns:inkml="http://www.w3.org/2003/InkML">
   <inkml:definitions>
     <inkml:context xml:id="ctx0">
@@ -4094,7 +5118,259 @@
 </inkml:ink>
 </file>
 
-<file path=ppt/ink/ink6.xml><?xml version="1.0" encoding="utf-8"?>
+<file path=ppt/ink/ink61.xml><?xml version="1.0" encoding="utf-8"?>
+<inkml:ink xmlns:inkml="http://www.w3.org/2003/InkML">
+  <inkml:definitions>
+    <inkml:context xml:id="ctx0">
+      <inkml:inkSource xml:id="inkSrc0">
+        <inkml:traceFormat>
+          <inkml:channel name="X" type="integer" min="-2.14748E9" max="2.14748E9" units="cm"/>
+          <inkml:channel name="Y" type="integer" min="-2.14748E9" max="2.14748E9" units="cm"/>
+        </inkml:traceFormat>
+        <inkml:channelProperties>
+          <inkml:channelProperty channel="X" name="resolution" value="1000" units="1/cm"/>
+          <inkml:channelProperty channel="Y" name="resolution" value="1000" units="1/cm"/>
+        </inkml:channelProperties>
+      </inkml:inkSource>
+      <inkml:timestamp xml:id="ts0" timeString="2024-11-21T17:25:04.152"/>
+    </inkml:context>
+    <inkml:brush xml:id="br0">
+      <inkml:brushProperty name="width" value="0.2" units="cm"/>
+      <inkml:brushProperty name="height" value="0.4" units="cm"/>
+      <inkml:brushProperty name="color" value="#FF40FF"/>
+      <inkml:brushProperty name="tip" value="rectangle"/>
+      <inkml:brushProperty name="rasterOp" value="maskPen"/>
+    </inkml:brush>
+  </inkml:definitions>
+  <inkml:trace contextRef="#ctx0" brushRef="#br0">673 1,'18'35,"-2"-1,-7-3,-1-8,1 3,-5-14,0 3,-1-6,2 6,-1-7,3 8,-6-8,3 3,0 5,0-2,1 11,2-3,-6 4,3-4,-4 3,0-12,0 12,4-12,-3 8,2 0,-3-8,0 7,0-8,-3 9,2-4,-3 4,4-5,0-4,0 0,0-1,-4 1,3-1,-7 9,7-2,-6 8,6 1,-7-1,7 0,-7 1,7-1,-7-4,7 3,-6-3,6 4,-7 0,7 1,-7-6,7-4,-6-2,6-6,-6 6,6-3,-3 1,1 5,2-8,-6 4,7-2,-7-4,6 12,-6-2,2 8,-4 5,0 2,-1 4,1 1,-5 16,4-17,-3 11,8-26,-3 3,7-8,-3 4,4-9,-4-1,4 4,-4-2,4 7,0 1,0 0,0 1,0-5,0-6,-3-3,2 2,-2 3,3-2,0 1,0 7,0-9,0 18,0-15,0 12,0-3,0 0,0-5,0-6,0-4,0 4,3 1,-2-1,5 0,-5 4,3-2,-4 6,0-2,0-1,0-4,0-1,0 0,0-3,0 7,0-7,0 4,0-2,0-1,3 5,-2-2,2 8,-3 2,0 4,-4 0,-1-4,1-1,-4-5,7-3,-6-5,6 12,-2-9,3 11,0-11,0-4,0 4,0 1,0-1,4 13,-3-9,3 15,-4-8,0 4,-3 1,2-9,-3-3,4-7,-4 2,0 6,-1-4,-2 3,7-8,-14-2,5-2,-6-3,4 0,4 0,-4 0,-1 0,0 3,-7 2,1 3,-8 1,-1-1,1 1,-6 0,9 0,-3-4,10 2,3-6,2 3,0-4,3 0,-7 0,7 0,-7 3,-7-2,-1 7,-8-4,9 1,5-1,5-4,5 0,-1 0</inkml:trace>
+</inkml:ink>
+</file>
+
+<file path=ppt/ink/ink62.xml><?xml version="1.0" encoding="utf-8"?>
+<inkml:ink xmlns:inkml="http://www.w3.org/2003/InkML">
+  <inkml:definitions>
+    <inkml:context xml:id="ctx0">
+      <inkml:inkSource xml:id="inkSrc0">
+        <inkml:traceFormat>
+          <inkml:channel name="X" type="integer" min="-2.14748E9" max="2.14748E9" units="cm"/>
+          <inkml:channel name="Y" type="integer" min="-2.14748E9" max="2.14748E9" units="cm"/>
+        </inkml:traceFormat>
+        <inkml:channelProperties>
+          <inkml:channelProperty channel="X" name="resolution" value="1000" units="1/cm"/>
+          <inkml:channelProperty channel="Y" name="resolution" value="1000" units="1/cm"/>
+        </inkml:channelProperties>
+      </inkml:inkSource>
+      <inkml:timestamp xml:id="ts0" timeString="2024-11-21T17:25:06.909"/>
+    </inkml:context>
+    <inkml:brush xml:id="br0">
+      <inkml:brushProperty name="width" value="0.2" units="cm"/>
+      <inkml:brushProperty name="height" value="0.4" units="cm"/>
+      <inkml:brushProperty name="color" value="#FF40FF"/>
+      <inkml:brushProperty name="tip" value="rectangle"/>
+      <inkml:brushProperty name="rasterOp" value="maskPen"/>
+    </inkml:brush>
+  </inkml:definitions>
+  <inkml:trace contextRef="#ctx0" brushRef="#br0">2308 349,'-29'-8,"5"-2,16 9,-3-6,2 3,-6-1,-2 2,-5 3,-15 0,-9 0,-11 5,-7 1,6 4,2-4,11-2,7 0,7 1,9 0,5-2,5 1,5 0,-9 4,-7 0,-5 1,-3 0,5-4,8-1,2-4,8 0,-11 4,4-3,-13 3,10-4,-3 3,9-2,-3 3,6-4,-11 0,2 0,0 0,-6 0,10 0,-11 0,3 0,-4 4,-6-3,-23 2,6-7,-12-1,18-5,5 5,6-3,0 3,10-4,5 4,2 2,7 3,-8-4,8 3,-8-3,4 4,-5 0,1 0,4 0,-11 0,13 4,-13-4,6 4,-1-4,-7 0,8 0,-9 0,4 0,0-4,-3 3,3-3,0 4,-3 0,3 0,0 0,-2 0,11 0,-2 0,7 0,-7 4,2 0,-11 0,10 3,-2-6,5 2,2 1,-6-4,7 4,-12-4,6 3,-7-2,9 3,-4 0,4-4,-4 4,3-1,2-2,0 2,3 1,-7-3,44-15,-20-9,30-6,-31 1,-4 12,0-1,-3 5,2-4,-3 8,0-4,-3 2,-2-12,-4-6,0-4,-4 0,-1 6,-9-7,8 5,-3 4,14 8,4 12,20 20,-8-7,8 15,-16-20,-4-1</inkml:trace>
+</inkml:ink>
+</file>
+
+<file path=ppt/ink/ink63.xml><?xml version="1.0" encoding="utf-8"?>
+<inkml:ink xmlns:inkml="http://www.w3.org/2003/InkML">
+  <inkml:definitions>
+    <inkml:context xml:id="ctx0">
+      <inkml:inkSource xml:id="inkSrc0">
+        <inkml:traceFormat>
+          <inkml:channel name="X" type="integer" min="-2.14748E9" max="2.14748E9" units="cm"/>
+          <inkml:channel name="Y" type="integer" min="-2.14748E9" max="2.14748E9" units="cm"/>
+        </inkml:traceFormat>
+        <inkml:channelProperties>
+          <inkml:channelProperty channel="X" name="resolution" value="1000" units="1/cm"/>
+          <inkml:channelProperty channel="Y" name="resolution" value="1000" units="1/cm"/>
+        </inkml:channelProperties>
+      </inkml:inkSource>
+      <inkml:timestamp xml:id="ts0" timeString="2024-11-21T17:25:09.667"/>
+    </inkml:context>
+    <inkml:brush xml:id="br0">
+      <inkml:brushProperty name="width" value="0.2" units="cm"/>
+      <inkml:brushProperty name="height" value="0.4" units="cm"/>
+      <inkml:brushProperty name="color" value="#FF40FF"/>
+      <inkml:brushProperty name="tip" value="rectangle"/>
+      <inkml:brushProperty name="rasterOp" value="maskPen"/>
+    </inkml:brush>
+  </inkml:definitions>
+  <inkml:trace contextRef="#ctx0" brushRef="#br0">0 207,'28'-5,"-4"2,-12 3,-4 0,7 0,1 0,6 0,-1-4,5 0,-13-4,7-1,-8 1,4 0,5-1,1 1,4-1,0 0,1 0,-1 0,-4 1,-5 3,-6 1,-4 4,4 0,1 0,-1 0,4 0,2-4,4 0,11-10,0 4,1-3,-2 4,-5 0,-8 4,-2-3,-8 8,2-4,2 4,-1 0,4 0,-3-3,1 2,2-3,-7 4,4 0,-5 0</inkml:trace>
+</inkml:ink>
+</file>
+
+<file path=ppt/ink/ink64.xml><?xml version="1.0" encoding="utf-8"?>
+<inkml:ink xmlns:inkml="http://www.w3.org/2003/InkML">
+  <inkml:definitions>
+    <inkml:context xml:id="ctx0">
+      <inkml:inkSource xml:id="inkSrc0">
+        <inkml:traceFormat>
+          <inkml:channel name="X" type="integer" min="-2.14748E9" max="2.14748E9" units="cm"/>
+          <inkml:channel name="Y" type="integer" min="-2.14748E9" max="2.14748E9" units="cm"/>
+        </inkml:traceFormat>
+        <inkml:channelProperties>
+          <inkml:channelProperty channel="X" name="resolution" value="1000" units="1/cm"/>
+          <inkml:channelProperty channel="Y" name="resolution" value="1000" units="1/cm"/>
+        </inkml:channelProperties>
+      </inkml:inkSource>
+      <inkml:timestamp xml:id="ts0" timeString="2024-11-21T17:25:43.903"/>
+    </inkml:context>
+    <inkml:brush xml:id="br0">
+      <inkml:brushProperty name="width" value="0.2" units="cm"/>
+      <inkml:brushProperty name="height" value="0.4" units="cm"/>
+      <inkml:brushProperty name="color" value="#0069AF"/>
+      <inkml:brushProperty name="tip" value="rectangle"/>
+      <inkml:brushProperty name="rasterOp" value="maskPen"/>
+    </inkml:brush>
+  </inkml:definitions>
+  <inkml:trace contextRef="#ctx0" brushRef="#br0">1 50,'24'-12,"1"-2,-16 13,2-3,0 4,-3 0,6 0,-6 0,3 0,0 0,-3 0,6-6,-6 4,3-8,0 9,6 2,5 0,-4 2,-2 1,-9-3,4-2,5 1,6-4,9 4,-4 0,5 0,-6 0,-8 0,-2 0,-9 0,1 0</inkml:trace>
+</inkml:ink>
+</file>
+
+<file path=ppt/ink/ink65.xml><?xml version="1.0" encoding="utf-8"?>
+<inkml:ink xmlns:inkml="http://www.w3.org/2003/InkML">
+  <inkml:definitions>
+    <inkml:context xml:id="ctx0">
+      <inkml:inkSource xml:id="inkSrc0">
+        <inkml:traceFormat>
+          <inkml:channel name="X" type="integer" min="-2.14748E9" max="2.14748E9" units="cm"/>
+          <inkml:channel name="Y" type="integer" min="-2.14748E9" max="2.14748E9" units="cm"/>
+        </inkml:traceFormat>
+        <inkml:channelProperties>
+          <inkml:channelProperty channel="X" name="resolution" value="1000" units="1/cm"/>
+          <inkml:channelProperty channel="Y" name="resolution" value="1000" units="1/cm"/>
+        </inkml:channelProperties>
+      </inkml:inkSource>
+      <inkml:timestamp xml:id="ts0" timeString="2024-11-21T17:25:50.720"/>
+    </inkml:context>
+    <inkml:brush xml:id="br0">
+      <inkml:brushProperty name="width" value="0.2" units="cm"/>
+      <inkml:brushProperty name="height" value="0.4" units="cm"/>
+      <inkml:brushProperty name="color" value="#0069AF"/>
+      <inkml:brushProperty name="tip" value="rectangle"/>
+      <inkml:brushProperty name="rasterOp" value="maskPen"/>
+    </inkml:brush>
+  </inkml:definitions>
+  <inkml:trace contextRef="#ctx0" brushRef="#br0">55 1,'-9'26,"2"-4,7-14,-4 3,0-3,-1 4,-1-1,5-3,-6 2,6 1,-2-3,3 6,0-5,0 1,-3 1,2-3,-3 6,4-5,0 1,0 1,0 1,0 4,0 4,0 2,0 5,4-1,-3 0,3 0,-4-4,0-5,4-2,-3-6,6 2,-7 0,4-3,0 11,0-1,5 8,4 1,-4-6,0-4,-2-5,-6-5,2 4,-3 5,0 6,0 4,4 0,-3-4,3-1,-4-9,3 3,-2-6,3 2,-4 0,0-3,3 14,-2-3,2 11,1-4,-3 0,7 1,-4-6,1 0,-1-5,-4-3,0-2,3 0,-2-3,2 6,-3-2,0 0,0-1,0 1,0-4,0 7,-3-7,2 3,-6-1,6-2,-5 3,1 4,1-2,-3 7,2 0,-4 2,4 0,-2-1,2-1,-3-2,3-1,-2-6,6-4,-2 4,-1 1,3-1,-2 0,3 0,0 1,-4 5,3-1,-6 5,6 0,-7 6,7-1,-3 0,4-4,0 3,0-11,0 2,0-9,3 4,5 9,1 2,3 7,-4-11,-3 2,2-8,-6 1,3-2,-1-4,-2 4,2 6,-3 4,0 5,0-4,0-5,0-6,0-3,0 2,0 2,0-1,-3 0,2 0,-6-3,6 6,-2-6,3 7,0-7,-3 4,2 2,-3-5,1 10,2-11,-3 4,4-1,0-3,0 7,0-7,0 3,0 0,0-3,0 6,0-6,0 3,0 5,4 2,1 3,-1 0,4-5,-7-3,2-2,-3-3</inkml:trace>
+</inkml:ink>
+</file>
+
+<file path=ppt/ink/ink66.xml><?xml version="1.0" encoding="utf-8"?>
+<inkml:ink xmlns:inkml="http://www.w3.org/2003/InkML">
+  <inkml:definitions>
+    <inkml:context xml:id="ctx0">
+      <inkml:inkSource xml:id="inkSrc0">
+        <inkml:traceFormat>
+          <inkml:channel name="X" type="integer" min="-2.14748E9" max="2.14748E9" units="cm"/>
+          <inkml:channel name="Y" type="integer" min="-2.14748E9" max="2.14748E9" units="cm"/>
+        </inkml:traceFormat>
+        <inkml:channelProperties>
+          <inkml:channelProperty channel="X" name="resolution" value="1000" units="1/cm"/>
+          <inkml:channelProperty channel="Y" name="resolution" value="1000" units="1/cm"/>
+        </inkml:channelProperties>
+      </inkml:inkSource>
+      <inkml:timestamp xml:id="ts0" timeString="2024-11-21T17:25:56.317"/>
+    </inkml:context>
+    <inkml:brush xml:id="br0">
+      <inkml:brushProperty name="width" value="0.2" units="cm"/>
+      <inkml:brushProperty name="height" value="0.4" units="cm"/>
+      <inkml:brushProperty name="color" value="#0069AF"/>
+      <inkml:brushProperty name="tip" value="rectangle"/>
+      <inkml:brushProperty name="rasterOp" value="maskPen"/>
+    </inkml:brush>
+  </inkml:definitions>
+  <inkml:trace contextRef="#ctx0" brushRef="#br0">1 95,'28'0,"-4"3,-13-2,-3 2,4 0,2-2,0 2,10-3,-11 4,7 0,-12 0,4 0,3 0,8-3,10 7,4-3,1 0,-6 3,0-7,-6 7,-4-7,-1 3,-9-1,-1-2,0 2,6-7,4-1,5-3,5 3,-3-3,3 7,-5-3,-4 0,-1 0,0-1,-4-2,0 6,-6-3,-3 4,2 0,2 0,3-4,1 4,-4-4,4 0,-4 3,0-2,3 3,-6 0,2 0,8 0,0 0,16 4,-3-3,6 7,-1-7,-9 3,3-4,-14 0,0 0,-6 0,-4 0,4 0,6-3,4 2,5-6,-4 6,3-3,-7 4,2 0,-7 3,-2-2,0 2,-3-3,6 0,3 0,4 0,5-4,0 3,-4-3,-1 4,-5-3,-3 2,-2-3,0 4,1 0,-1-3,12 2,-9-2,10 3,-12 0,-1 0,1 0,0 0,4 0,5 0,1 0,9 0,2 0,11 0,-10 0,4 0,-12 0,1 0,-6 0,-4 0,-2 0,-2 0,3 0,0 0,5 0,13 4,-10-3,13 2,-15 1,0-3,-1 7,-5-7,5 2,-4 1,4-3,-5 2,0 1,-3-3,-2 3,0-1,-3-2,10 2,-5-3,6 0,-2 0,-1 0,0 0,0 0,1 0,-5 0,3 0,2-4,5-1,4 0,1-3,-1 7,0-3,-8 4,6-4,-14 3,9-2,-10-1,2 3,1-6,0 6,4-6,0 6,1-6,3 2,9-7,0 2,0-2,-9 3,1 5,-4-4,4 7,-5-2,-3-1,-2 4,0-4,-3 4,10 0,-9 0,6 4,-4-4,-3 4,6-4,-6 0,3 0,-1 3,7 2,0-1,0 3,-6-3,-4 4,4-4,1 2,-1-5,0 6,-1-3,-1 0,5-1,-6-3,3 4,-1-4,-1 4,9-1,-9-2,14 2,-5-3,4 0,-6 0,-4 0,-5 0,4 0,0 0,1 0,-1 0,0 0,-3 3,8-2,-8 2,7-3,-2 0,-1 0,3 0,-6 0,6 0,-7 0,4 0,-2 0,-2 0,7 0,-3 0,1 0,-2 0,0 0,-3 4,6-3,-6 2,7-7,-3 3,4-2,-3 3,2 0,-7 0,4 0,-1 0,-3 0,6 0,-6 0,3 0,3-4,-4 3,4-2,-6 0,2 2,2-2</inkml:trace>
+</inkml:ink>
+</file>
+
+<file path=ppt/ink/ink67.xml><?xml version="1.0" encoding="utf-8"?>
+<inkml:ink xmlns:inkml="http://www.w3.org/2003/InkML">
+  <inkml:definitions>
+    <inkml:context xml:id="ctx0">
+      <inkml:inkSource xml:id="inkSrc0">
+        <inkml:traceFormat>
+          <inkml:channel name="X" type="integer" min="-2.14748E9" max="2.14748E9" units="cm"/>
+          <inkml:channel name="Y" type="integer" min="-2.14748E9" max="2.14748E9" units="cm"/>
+        </inkml:traceFormat>
+        <inkml:channelProperties>
+          <inkml:channelProperty channel="X" name="resolution" value="1000" units="1/cm"/>
+          <inkml:channelProperty channel="Y" name="resolution" value="1000" units="1/cm"/>
+        </inkml:channelProperties>
+      </inkml:inkSource>
+      <inkml:timestamp xml:id="ts0" timeString="2024-11-21T17:26:07.634"/>
+    </inkml:context>
+    <inkml:brush xml:id="br0">
+      <inkml:brushProperty name="width" value="0.2" units="cm"/>
+      <inkml:brushProperty name="height" value="0.4" units="cm"/>
+      <inkml:brushProperty name="color" value="#0069AF"/>
+      <inkml:brushProperty name="tip" value="rectangle"/>
+      <inkml:brushProperty name="rasterOp" value="maskPen"/>
+    </inkml:brush>
+  </inkml:definitions>
+  <inkml:trace contextRef="#ctx0" brushRef="#br0">1 39,'46'9,"-3"-3,-21-6,-1 0,-5 0,0 0,-3 0,2 0,-7 0,8 0,-4 0,4 0,0 0,1 0,3 0,-2 0,7 0,-3 0,0 0,3 4,-8-3,8 3,-11-4,10 0,-11 0,8 4,7 0,-9 1,14 2,-11-6,4 7,0-7,0 7,-8-7,2 6,-12-6,1 6,4-6,-8 5,9-5,-3 2,-3-3,6 0,-5 0,1 0,1 0,-3 0,6-3,-5-1,1 0,1-3,-3 3,3 0,0 0,1 1,-1 2,9-7,-10 7,9-6,-6 2,3-3,5-1,-4 1,4-1,-5 1,-4 4,0 0,-2 4,-1 0,5 3,-6-2,3 6,-1-3,-1 0,1 2,9-1,-8-1,12 0,-15 0,7-4,-6 4,6-4,-3 3,9-2,1 3,0-4,-1 3,-5-2,4 7,-2-7,-1 3,-2-4,-3 0,5 0,-1 0,0 0,0 0,1 0,-5 0,-1 0,0 0,-3-4,6 3,-6-2,3 3,0 0,2 0,3 0,0 0,-3 0,2 0,-7 0,8-4,-4 4,4-8,-4 7,0-2,-5-1,4 0,11-4,5-1,11 0,-6-1,-1 1,-13 4,2-2,-12 6,4-3,-2 4,-1 4,5-4,-1 4,7-4,-2 0,2 0,-7 0,2 0,2 0,5 4,0 0,-6 1,0 2,-8-6,3 6,0-6,-3 5,6-5,-6 6,3-6,0 2,-3-3,6 0,-6 0,3 0,0 7,3 17,5 17,0 5,0 10,-5-22,-1 4,-8-16,2-5,-6-2,6-2,-6-1,2-1,-3 0,0-3,4 6,-4-6,4 3,-1 0,-2-3,5 6,-5-2,6 4,-6-4,6-1,-6-3,5 3,-5 9,3-3,-4 3,0-9,3-3,-2 3,2 1,-3-1,3 1,-2-1,6-2,-7 6,4-7,-4 4,3-2,-2 2,2 0,-3-1,0 1,0 0,0 4,0-3,0 6,0-9,-4 14,3-6,-3 8,4-4,0 3,0-7,0 2,0-3,0-1,0-4,0 0,0-2,0-1,-3 5,2-6,-2 3,-1-1,4 7,-7 0,6 8,-3-3,0 9,-1 1,-5 6,5-5,-3-2,7-5,-3 0,0 1,3-5,-3-6,4-4,-3-5,2 4,-3 0,4 1,0 3,0-7,0 7,-3-2,2 7,-3-6,4 5,0-6,4 3,-3-4,6 0,-7-5,7 4,-6 0,2 5,-3-1,0 6,0-4,0 4,0-5,0 1,0-1,0-4,0 4,0-4,0 9,0-4,0 8,0 2,0 1,0 3,0-5,0-4,0 3,0-7,0-2,-3-1,2-7,-2 3,3 4,0-6,3 9,-2-9,6 2,-6 0,2-3,-3 6,0-6,0 3,0 0,0 1,0 3,4 2,-3-1,2 0,-3 5,4-4,-3 0,2-6,-3-3,0 3,0 2,0 3,0 4,0-2,0 7,0-8,0 4,0-5,0 1,0-5,0-1,-3 1,2-4,-6 7,6-3,-2 0,-1 3,3-3,-6 0,6 4,-6-4,3 4,-4-3,0 2,3-7,-2 8,2-4,-3 4,4 0,-4 1,4-5,-4 3,4-2,-4 3,4 0,-1 5,-2-4,6 0,-3-2,4 1,0-3,0 2,0-8,0 4,0 0,0 1,0-1,0 3,0-5,0 10,4-7,-3 5,2-1,-3-4,0 0,0-2,4-2,-4 6,4-5,-4 1,3 1,-2-3,2 6,-3-5,0 1,0 1,0-3,0 10,-4-5,3 3,-2-1,3 2,0 5,0 4,0-8,-4 2,3-8,-2 4,-1-3,3 2,-2-3,-1 5,3 3,-6 2,2 0,0 3,-2-3,6 4,-3-4,0 2,3-2,-2-2,3 1,0-5,0 1,0 2,0-6,0 2,0-8,0 4,0 1,0-1,0 4,0-7,0 7,3-2,-2 3,3 0,-1 0,-2-3,3 2,-4-7,0 4,3-1,-2-3,6 10,-6-5,6 6,-6-2,6 3,-6-2,3 2,-4 1,0-7,0 5,0-2,0 1,0 2,0-4,0 1,0-1,0-4,0 0,0-2,0-1,4 5,-4-6,4 3,-4-1,0-2,0 6,0-5,0 1,0 1,0-3,0 6,0-5,0 1,0 1,0-3,0 3</inkml:trace>
+</inkml:ink>
+</file>
+
+<file path=ppt/ink/ink68.xml><?xml version="1.0" encoding="utf-8"?>
+<inkml:ink xmlns:inkml="http://www.w3.org/2003/InkML">
+  <inkml:definitions>
+    <inkml:context xml:id="ctx0">
+      <inkml:inkSource xml:id="inkSrc0">
+        <inkml:traceFormat>
+          <inkml:channel name="X" type="integer" min="-2.14748E9" max="2.14748E9" units="cm"/>
+          <inkml:channel name="Y" type="integer" min="-2.14748E9" max="2.14748E9" units="cm"/>
+        </inkml:traceFormat>
+        <inkml:channelProperties>
+          <inkml:channelProperty channel="X" name="resolution" value="1000" units="1/cm"/>
+          <inkml:channelProperty channel="Y" name="resolution" value="1000" units="1/cm"/>
+        </inkml:channelProperties>
+      </inkml:inkSource>
+      <inkml:timestamp xml:id="ts0" timeString="2024-11-21T17:26:23.853"/>
+    </inkml:context>
+    <inkml:brush xml:id="br0">
+      <inkml:brushProperty name="width" value="0.2" units="cm"/>
+      <inkml:brushProperty name="height" value="0.4" units="cm"/>
+      <inkml:brushProperty name="color" value="#0069AF"/>
+      <inkml:brushProperty name="tip" value="rectangle"/>
+      <inkml:brushProperty name="rasterOp" value="maskPen"/>
+    </inkml:brush>
+  </inkml:definitions>
+  <inkml:trace contextRef="#ctx0" brushRef="#br0">4320 2810,'-4'-41,"0"9,4 10,0 11,0-1,0-5,0 4,0-3,0 4,0 4,0-7,0 7,4-3,-4-1,4 4,-4-8,0 8,0-12,3 6,-2-6,3 3,-4 5,0 0,4 1,-4-2,4-3,-4 0,0 3,0-2,0 6,0-2,0 0,0 3,0-7,0-1,0-1,-4-4,3 0,-2 4,3-4,-4 4,3-4,-2 0,3-6,0 1,0 4,0 5,0 5,0 5,0-5,0-3,0-7,0 1,-4-4,3 3,-7 0,7 1,-3 5,4 3,0 2,0 0,-3 2,2-10,-5 10,5-11,-3 7,1-3,2-1,-7 1,8 0,-4-1,1 5,-2-8,-3 6,-1-11,4 3,-2 0,6 1,-6 5,2-5,-4 4,1-4,-1 0,1 4,-1-9,1 4,-1-4,1 8,3-6,-6 3,9-6,-5 2,4 8,2 5,-3 1,1-1,2-1,-7-2,8 2,-8-3,7-1,-2 1,-1 0,3-8,-3 6,4-2,0 9,0 3,0-3,0 0,0-1,0 1,0 0,0 3,4-7,-3 6,2-2,-3-8,0 8,0-8,0 11,0 1,0-8,0 2,0-3,0 5,3 3,-2-3,2-1,-3-1,0 2,0 1,0 1,0-5,0 6,0-3,4 0,-4 3,4-7,-4 7,0-3,3 0,-2 3,2-7,-3 6,0-2,3 0,-2 3,2-6,-3 1,0 1,0-3,0 6,0-2,4 0,-3 3,2-6,-3 5,4-15,-3 13,3-10,-4 14,4-9,1-2,0 0,-1 2,-4 8,0-3,5-44,1 19,4-30,-5 43,-1 7,-4 9,0-4,0-1,0 0,-10 5,0 7,-5 4,0 4,6 0,-6 0,2 0,-3 0,4 0,0-4,5 3,-8-6,5 2,-1 0,1-2,1-1,-2-1,-4-6,3 2,-9-3,-1 3,-5-3,5 7,5-6,6 6,3-2,-2 3,-2 0,-4 0,0 0,-4 0,-2 0,-5 4,1-3,-1 3,1-4,0 0,-1 4,5-3,1 2,9-3,0 0,2 0,1 0,-5 0,2 0,-9-4,-6 3,0-2,-10-2,14 4,-3-3,14 4,0 0,-2 0,0-4,-10 4,-3-4,-5 4,-6 0,0-4,1 3,-1-4,5 5,2 0,9 0,-3-3,7 2,-3-3,9 0,0 3,1-2,-1 3,-8 0,-7 0,-11-4,-1 2,-4-2,5 0,0 3,-5-3,-2 4,-5 0,6 0,1 0,10 0,6 3,10-2,6 3,3-4,-7 10,-2-4,-9 9,0-6,-6 0,0 0,-6 0,5 1,2-1,5-1,-1-3,9-1,2-4,9 3,-4-2,-1 2,0-3,-7 0,6 4,-13 1,4-1,-4 0,4-4,5 0,6 0,3 0,-3 0,-1 0,-3 0,-5 0,-2 0,-5 0,1 4,-6-3,5 7,-5-7,6 7,4-7,1 2,5-3,3 0,2 0,0 0,3-3,-11 2,6-6,-16 2,6-4,-14 4,5-3,-1 7,2-3,4 4,5 0,5 0,6 0,3 0,-3 0,-4-3,-2-2,1 1,5 0,3 4,-3-3,0 2,-1-2,1 3,-4 0,6 0,-10 0,11 0,-4 0,1 0,3 0,-6 0,5 0,-1 0,-1 0,2 0,-5 0,6 0,-3 0,0-4,-1 3,0-2,0 3,1 0,-1 0,0 0,-3 0,6 0,-2 0,0 0,3 0,-7 0,7 0,-3 0,0 0,-5 0,-6 4,-9-3,-2 7,0-3,2 0,9 2,5-6,6 3,3-4,-3 0,-9-7,-2 5,1-9,5 10,8-2,-16 3,4-4,-15 3,9-7,4 7,1-3,4 1,5 2,-3-3,2 4,-3 0,3 0,2 0,0 0,-1 0</inkml:trace>
+</inkml:ink>
+</file>
+
+<file path=ppt/ink/ink69.xml><?xml version="1.0" encoding="utf-8"?>
+<inkml:ink xmlns:inkml="http://www.w3.org/2003/InkML">
+  <inkml:definitions>
+    <inkml:context xml:id="ctx0">
+      <inkml:inkSource xml:id="inkSrc0">
+        <inkml:traceFormat>
+          <inkml:channel name="X" type="integer" min="-2.14748E9" max="2.14748E9" units="cm"/>
+          <inkml:channel name="Y" type="integer" min="-2.14748E9" max="2.14748E9" units="cm"/>
+        </inkml:traceFormat>
+        <inkml:channelProperties>
+          <inkml:channelProperty channel="X" name="resolution" value="1000" units="1/cm"/>
+          <inkml:channelProperty channel="Y" name="resolution" value="1000" units="1/cm"/>
+        </inkml:channelProperties>
+      </inkml:inkSource>
+      <inkml:timestamp xml:id="ts0" timeString="2024-11-21T17:26:31.079"/>
+    </inkml:context>
+    <inkml:brush xml:id="br0">
+      <inkml:brushProperty name="width" value="0.2" units="cm"/>
+      <inkml:brushProperty name="height" value="0.4" units="cm"/>
+      <inkml:brushProperty name="color" value="#0069AF"/>
+      <inkml:brushProperty name="tip" value="rectangle"/>
+      <inkml:brushProperty name="rasterOp" value="maskPen"/>
+    </inkml:brush>
+  </inkml:definitions>
+  <inkml:trace contextRef="#ctx0" brushRef="#br0">1807 0,'24'20,"-2"-5,-18-9,2-2,-1 8,12 11,-6 0,7 9,-9-5,0-1,-1-4,1-2,-1 1,0-7,0 10,0-15,0 7,-1-8,1-1,-1 0,1 4,-4-3,-1 6,-3-5,0 1,0 1,0 1,0 0,-4 3,3-7,-6 8,6-8,-6 7,3-6,-4 2,0 0,1-3,-1 3,1-4,-1 1,1-1,-1 4,1-3,-1 3,4-4,-6 4,5-3,-6 3,-1-4,4 1,-4 4,5-4,-1 3,0-3,4-1,-3 4,10 0,-6 9,6 2,-3 4,-3 0,2 0,-3 1,4-1,0 0,0 1,0-6,0 0,0-5,3-3,-2 2,2-7,-3 4,3-1,-2-3,2 6,-3-6,0 3,0-1,0-1,0 5,0-6,0 3,0-1,0-1,0 5,0-5,0 2,0 0,0-3,0 6,0-6,0 3,-3-1,-1 3,-1 7,-2 2,2 4,-4 5,0-3,0 3,0-5,0 1,0-6,5 0,-3-9,6 0,-3-5,4 4,-3 0,2 1,-2 3,3-7,0 7,0-2,0 3,0 0,0-4,0 4,0-8,3 3,-2 0,2-3,1 6,-4-5,4 1,-4 1,0-3,0 10,0-5,0 7,0-4,0 0,0-3,0 2,0-7,0 4,0-2,0 7,0 4,0 6,0-1,0 0,-4-4,3-1,-3-9,4-1,0 1,0-4,0 7,0-7,-3 3,2-1,-2-1,3 5,0-6,0 3,0 0,0 1,0 5,0-1,-4 0,3-4,-6 0,6-5,-2 4,0 0,2 1,-2-1,3-1,-4-1,0 5,0-2,-3-1,6 9,-2-6,3 11,0-8,0 8,0-3,0 0,0-1,0-5,0-4,-3 0,2-2,-6-1,6 5,-2-6,3 3,3-1,1-2,0 6,0-5,-1 1,1 1,0-3,0 6,-4-5,0 1,0 1,0-3,0 6,0-6,0 3,0 0,0-3,0 6,0-6,0 3,0 0,0-3,-4 7,0-7,-1 3,-2 0,3 1,-4 4,3 0,2-4,3 4,0-4,-4 4,3 1,-2-1,-1 0,3-4,-3 0,4-2,0-1,0 5,0-6,0 7,0-7,4 7,-3 2,2 5,-3 4,0 0,0 1,0-1,4 0,-3 1,3-1,0 0,-3-4,3-5,-4-6,0-3,3 2,-2 2,2-1,-3 0,0 0,0-3,0 7,0-7,0 3,0 0,0-3,-3 6,2-5,-2 1,3 1,0 1,0 0,0-1,-4 0,0 1,0 4,0 0,4-4,0 4,0-8,-3 3,-2 0,1-3,1 6,3-6,-3 3,-2 0,1-3,-3 3,7 0,-7-2,2 6,-2-3,2 0,-3 8,3-2,-3 4,-1-1,5-9,0 3,4-6,0 2,0 0,0-3,0 6,0-6,0 3,0 8,0-5,-4 15,-1-7,-4 4,1 0,-1 0,0 1,0-1,0 0,1-4,3-1,-3 0,7 0,-3-3,4 7,0-8,0 5,0 4,0-5,4 1,-3 3,6-7,-6 2,2-7,-3 2,0-3,0 0,0-1,0-1,0-1,4 5,0-6,3 2,1 1,-4-3,2 3,-1-3,2 2,-3-2,-1 12,-3-11,4 7,-4-5,7 2,-6 3,6-4,-6 3,2-2,-3 3,0-4,0 0,0-1,0-3,0 7,0-7,0 3,0 0,-3-3,2 6,-2-6,3 3,0 3,0-5,0 5,0-3,0-3,0 7,0-3,0 0,0 3,0-2,0 7,0-2,0 3,3-5,-2 0,3-4,-4 0,0 2,3-4,-2 4,6-6,-3 2,0-1,2 1,-5 1,3-3,-1 6,1-2,0 0,3-1,-6-3,-14-1,5-3,-13 0,14-1,-1-2,-6 2,5 0,-14-2,5 6,-4-2,-3 0,7 2,-7-6,8 3,-4-4,4 0,-3 0,-2 0,0-4,1 3,4-3,-3 0,2 3,-7-3,3 4,-5 0,-4 5,3-1,-3 2,5-3,-1-3,1 4,-1 1,1 0,4 3,1-8,9 7,-3-6,6 6,-1-6,-1 5,-2-5,-7 6,-2-2,-4 4,-1-1,5 1,-8 0,7-1,-9 1,11 0,4-4,5-2,5 1,-4-4,-9 8,-3-8,-6 4,-3 0,5-2,-5 6,6-7,-1 6,1-6,4 7,5-7,6 6,3-7,-3 4,-1-4,-3-4,-1 3,0-6,3 6,2-6,3 6,-3-9,3 8,-3-8,0 6,3-3,-3 2,3-1,1 1,-4-5,6 1,-2-2,1 0,1 3,-7-7,8-2,0-5,4 0,4-3,1 3,0-4,3-1,-7 1,7 0,-4-1,1 1,3 4,-7 1,2 8,1 2,-4 3,7-2,-6-2,2 0,-3 1,3 0,2-1,-1 0,3-8,-6 2,3-8,0 0,-3 4,3 1,-4 8,3 2,1 0,1 3,-2-3</inkml:trace>
+</inkml:ink>
+</file>
+
+<file path=ppt/ink/ink7.xml><?xml version="1.0" encoding="utf-8"?>
 <inkml:ink xmlns:inkml="http://www.w3.org/2003/InkML">
   <inkml:definitions>
     <inkml:context xml:id="ctx0">
@@ -4122,259 +5398,7 @@
 </inkml:ink>
 </file>
 
-<file path=ppt/ink/ink60.xml><?xml version="1.0" encoding="utf-8"?>
-<inkml:ink xmlns:inkml="http://www.w3.org/2003/InkML">
-  <inkml:definitions>
-    <inkml:context xml:id="ctx0">
-      <inkml:inkSource xml:id="inkSrc0">
-        <inkml:traceFormat>
-          <inkml:channel name="X" type="integer" min="-2.14748E9" max="2.14748E9" units="cm"/>
-          <inkml:channel name="Y" type="integer" min="-2.14748E9" max="2.14748E9" units="cm"/>
-        </inkml:traceFormat>
-        <inkml:channelProperties>
-          <inkml:channelProperty channel="X" name="resolution" value="1000" units="1/cm"/>
-          <inkml:channelProperty channel="Y" name="resolution" value="1000" units="1/cm"/>
-        </inkml:channelProperties>
-      </inkml:inkSource>
-      <inkml:timestamp xml:id="ts0" timeString="2024-11-21T17:25:04.152"/>
-    </inkml:context>
-    <inkml:brush xml:id="br0">
-      <inkml:brushProperty name="width" value="0.2" units="cm"/>
-      <inkml:brushProperty name="height" value="0.4" units="cm"/>
-      <inkml:brushProperty name="color" value="#FF40FF"/>
-      <inkml:brushProperty name="tip" value="rectangle"/>
-      <inkml:brushProperty name="rasterOp" value="maskPen"/>
-    </inkml:brush>
-  </inkml:definitions>
-  <inkml:trace contextRef="#ctx0" brushRef="#br0">673 1,'18'35,"-2"-1,-7-3,-1-8,1 3,-5-14,0 3,-1-6,2 6,-1-7,3 8,-6-8,3 3,0 5,0-2,1 11,2-3,-6 4,3-4,-4 3,0-12,0 12,4-12,-3 8,2 0,-3-8,0 7,0-8,-3 9,2-4,-3 4,4-5,0-4,0 0,0-1,-4 1,3-1,-7 9,7-2,-6 8,6 1,-7-1,7 0,-7 1,7-1,-7-4,7 3,-6-3,6 4,-7 0,7 1,-7-6,7-4,-6-2,6-6,-6 6,6-3,-3 1,1 5,2-8,-6 4,7-2,-7-4,6 12,-6-2,2 8,-4 5,0 2,-1 4,1 1,-5 16,4-17,-3 11,8-26,-3 3,7-8,-3 4,4-9,-4-1,4 4,-4-2,4 7,0 1,0 0,0 1,0-5,0-6,-3-3,2 2,-2 3,3-2,0 1,0 7,0-9,0 18,0-15,0 12,0-3,0 0,0-5,0-6,0-4,0 4,3 1,-2-1,5 0,-5 4,3-2,-4 6,0-2,0-1,0-4,0-1,0 0,0-3,0 7,0-7,0 4,0-2,0-1,3 5,-2-2,2 8,-3 2,0 4,-4 0,-1-4,1-1,-4-5,7-3,-6-5,6 12,-2-9,3 11,0-11,0-4,0 4,0 1,0-1,4 13,-3-9,3 15,-4-8,0 4,-3 1,2-9,-3-3,4-7,-4 2,0 6,-1-4,-2 3,7-8,-14-2,5-2,-6-3,4 0,4 0,-4 0,-1 0,0 3,-7 2,1 3,-8 1,-1-1,1 1,-6 0,9 0,-3-4,10 2,3-6,2 3,0-4,3 0,-7 0,7 0,-7 3,-7-2,-1 7,-8-4,9 1,5-1,5-4,5 0,-1 0</inkml:trace>
-</inkml:ink>
-</file>
-
-<file path=ppt/ink/ink61.xml><?xml version="1.0" encoding="utf-8"?>
-<inkml:ink xmlns:inkml="http://www.w3.org/2003/InkML">
-  <inkml:definitions>
-    <inkml:context xml:id="ctx0">
-      <inkml:inkSource xml:id="inkSrc0">
-        <inkml:traceFormat>
-          <inkml:channel name="X" type="integer" min="-2.14748E9" max="2.14748E9" units="cm"/>
-          <inkml:channel name="Y" type="integer" min="-2.14748E9" max="2.14748E9" units="cm"/>
-        </inkml:traceFormat>
-        <inkml:channelProperties>
-          <inkml:channelProperty channel="X" name="resolution" value="1000" units="1/cm"/>
-          <inkml:channelProperty channel="Y" name="resolution" value="1000" units="1/cm"/>
-        </inkml:channelProperties>
-      </inkml:inkSource>
-      <inkml:timestamp xml:id="ts0" timeString="2024-11-21T17:25:06.909"/>
-    </inkml:context>
-    <inkml:brush xml:id="br0">
-      <inkml:brushProperty name="width" value="0.2" units="cm"/>
-      <inkml:brushProperty name="height" value="0.4" units="cm"/>
-      <inkml:brushProperty name="color" value="#FF40FF"/>
-      <inkml:brushProperty name="tip" value="rectangle"/>
-      <inkml:brushProperty name="rasterOp" value="maskPen"/>
-    </inkml:brush>
-  </inkml:definitions>
-  <inkml:trace contextRef="#ctx0" brushRef="#br0">2308 349,'-29'-8,"5"-2,16 9,-3-6,2 3,-6-1,-2 2,-5 3,-15 0,-9 0,-11 5,-7 1,6 4,2-4,11-2,7 0,7 1,9 0,5-2,5 1,5 0,-9 4,-7 0,-5 1,-3 0,5-4,8-1,2-4,8 0,-11 4,4-3,-13 3,10-4,-3 3,9-2,-3 3,6-4,-11 0,2 0,0 0,-6 0,10 0,-11 0,3 0,-4 4,-6-3,-23 2,6-7,-12-1,18-5,5 5,6-3,0 3,10-4,5 4,2 2,7 3,-8-4,8 3,-8-3,4 4,-5 0,1 0,4 0,-11 0,13 4,-13-4,6 4,-1-4,-7 0,8 0,-9 0,4 0,0-4,-3 3,3-3,0 4,-3 0,3 0,0 0,-2 0,11 0,-2 0,7 0,-7 4,2 0,-11 0,10 3,-2-6,5 2,2 1,-6-4,7 4,-12-4,6 3,-7-2,9 3,-4 0,4-4,-4 4,3-1,2-2,0 2,3 1,-7-3,44-15,-20-9,30-6,-31 1,-4 12,0-1,-3 5,2-4,-3 8,0-4,-3 2,-2-12,-4-6,0-4,-4 0,-1 6,-9-7,8 5,-3 4,14 8,4 12,20 20,-8-7,8 15,-16-20,-4-1</inkml:trace>
-</inkml:ink>
-</file>
-
-<file path=ppt/ink/ink62.xml><?xml version="1.0" encoding="utf-8"?>
-<inkml:ink xmlns:inkml="http://www.w3.org/2003/InkML">
-  <inkml:definitions>
-    <inkml:context xml:id="ctx0">
-      <inkml:inkSource xml:id="inkSrc0">
-        <inkml:traceFormat>
-          <inkml:channel name="X" type="integer" min="-2.14748E9" max="2.14748E9" units="cm"/>
-          <inkml:channel name="Y" type="integer" min="-2.14748E9" max="2.14748E9" units="cm"/>
-        </inkml:traceFormat>
-        <inkml:channelProperties>
-          <inkml:channelProperty channel="X" name="resolution" value="1000" units="1/cm"/>
-          <inkml:channelProperty channel="Y" name="resolution" value="1000" units="1/cm"/>
-        </inkml:channelProperties>
-      </inkml:inkSource>
-      <inkml:timestamp xml:id="ts0" timeString="2024-11-21T17:25:09.667"/>
-    </inkml:context>
-    <inkml:brush xml:id="br0">
-      <inkml:brushProperty name="width" value="0.2" units="cm"/>
-      <inkml:brushProperty name="height" value="0.4" units="cm"/>
-      <inkml:brushProperty name="color" value="#FF40FF"/>
-      <inkml:brushProperty name="tip" value="rectangle"/>
-      <inkml:brushProperty name="rasterOp" value="maskPen"/>
-    </inkml:brush>
-  </inkml:definitions>
-  <inkml:trace contextRef="#ctx0" brushRef="#br0">0 207,'28'-5,"-4"2,-12 3,-4 0,7 0,1 0,6 0,-1-4,5 0,-13-4,7-1,-8 1,4 0,5-1,1 1,4-1,0 0,1 0,-1 0,-4 1,-5 3,-6 1,-4 4,4 0,1 0,-1 0,4 0,2-4,4 0,11-10,0 4,1-3,-2 4,-5 0,-8 4,-2-3,-8 8,2-4,2 4,-1 0,4 0,-3-3,1 2,2-3,-7 4,4 0,-5 0</inkml:trace>
-</inkml:ink>
-</file>
-
-<file path=ppt/ink/ink63.xml><?xml version="1.0" encoding="utf-8"?>
-<inkml:ink xmlns:inkml="http://www.w3.org/2003/InkML">
-  <inkml:definitions>
-    <inkml:context xml:id="ctx0">
-      <inkml:inkSource xml:id="inkSrc0">
-        <inkml:traceFormat>
-          <inkml:channel name="X" type="integer" min="-2.14748E9" max="2.14748E9" units="cm"/>
-          <inkml:channel name="Y" type="integer" min="-2.14748E9" max="2.14748E9" units="cm"/>
-        </inkml:traceFormat>
-        <inkml:channelProperties>
-          <inkml:channelProperty channel="X" name="resolution" value="1000" units="1/cm"/>
-          <inkml:channelProperty channel="Y" name="resolution" value="1000" units="1/cm"/>
-        </inkml:channelProperties>
-      </inkml:inkSource>
-      <inkml:timestamp xml:id="ts0" timeString="2024-11-21T17:25:43.903"/>
-    </inkml:context>
-    <inkml:brush xml:id="br0">
-      <inkml:brushProperty name="width" value="0.2" units="cm"/>
-      <inkml:brushProperty name="height" value="0.4" units="cm"/>
-      <inkml:brushProperty name="color" value="#0069AF"/>
-      <inkml:brushProperty name="tip" value="rectangle"/>
-      <inkml:brushProperty name="rasterOp" value="maskPen"/>
-    </inkml:brush>
-  </inkml:definitions>
-  <inkml:trace contextRef="#ctx0" brushRef="#br0">1 50,'24'-12,"1"-2,-16 13,2-3,0 4,-3 0,6 0,-6 0,3 0,0 0,-3 0,6-6,-6 4,3-8,0 9,6 2,5 0,-4 2,-2 1,-9-3,4-2,5 1,6-4,9 4,-4 0,5 0,-6 0,-8 0,-2 0,-9 0,1 0</inkml:trace>
-</inkml:ink>
-</file>
-
-<file path=ppt/ink/ink64.xml><?xml version="1.0" encoding="utf-8"?>
-<inkml:ink xmlns:inkml="http://www.w3.org/2003/InkML">
-  <inkml:definitions>
-    <inkml:context xml:id="ctx0">
-      <inkml:inkSource xml:id="inkSrc0">
-        <inkml:traceFormat>
-          <inkml:channel name="X" type="integer" min="-2.14748E9" max="2.14748E9" units="cm"/>
-          <inkml:channel name="Y" type="integer" min="-2.14748E9" max="2.14748E9" units="cm"/>
-        </inkml:traceFormat>
-        <inkml:channelProperties>
-          <inkml:channelProperty channel="X" name="resolution" value="1000" units="1/cm"/>
-          <inkml:channelProperty channel="Y" name="resolution" value="1000" units="1/cm"/>
-        </inkml:channelProperties>
-      </inkml:inkSource>
-      <inkml:timestamp xml:id="ts0" timeString="2024-11-21T17:25:50.720"/>
-    </inkml:context>
-    <inkml:brush xml:id="br0">
-      <inkml:brushProperty name="width" value="0.2" units="cm"/>
-      <inkml:brushProperty name="height" value="0.4" units="cm"/>
-      <inkml:brushProperty name="color" value="#0069AF"/>
-      <inkml:brushProperty name="tip" value="rectangle"/>
-      <inkml:brushProperty name="rasterOp" value="maskPen"/>
-    </inkml:brush>
-  </inkml:definitions>
-  <inkml:trace contextRef="#ctx0" brushRef="#br0">55 1,'-9'26,"2"-4,7-14,-4 3,0-3,-1 4,-1-1,5-3,-6 2,6 1,-2-3,3 6,0-5,0 1,-3 1,2-3,-3 6,4-5,0 1,0 1,0 1,0 4,0 4,0 2,0 5,4-1,-3 0,3 0,-4-4,0-5,4-2,-3-6,6 2,-7 0,4-3,0 11,0-1,5 8,4 1,-4-6,0-4,-2-5,-6-5,2 4,-3 5,0 6,0 4,4 0,-3-4,3-1,-4-9,3 3,-2-6,3 2,-4 0,0-3,3 14,-2-3,2 11,1-4,-3 0,7 1,-4-6,1 0,-1-5,-4-3,0-2,3 0,-2-3,2 6,-3-2,0 0,0-1,0 1,0-4,0 7,-3-7,2 3,-6-1,6-2,-5 3,1 4,1-2,-3 7,2 0,-4 2,4 0,-2-1,2-1,-3-2,3-1,-2-6,6-4,-2 4,-1 1,3-1,-2 0,3 0,0 1,-4 5,3-1,-6 5,6 0,-7 6,7-1,-3 0,4-4,0 3,0-11,0 2,0-9,3 4,5 9,1 2,3 7,-4-11,-3 2,2-8,-6 1,3-2,-1-4,-2 4,2 6,-3 4,0 5,0-4,0-5,0-6,0-3,0 2,0 2,0-1,-3 0,2 0,-6-3,6 6,-2-6,3 7,0-7,-3 4,2 2,-3-5,1 10,2-11,-3 4,4-1,0-3,0 7,0-7,0 3,0 0,0-3,0 6,0-6,0 3,0 5,4 2,1 3,-1 0,4-5,-7-3,2-2,-3-3</inkml:trace>
-</inkml:ink>
-</file>
-
-<file path=ppt/ink/ink65.xml><?xml version="1.0" encoding="utf-8"?>
-<inkml:ink xmlns:inkml="http://www.w3.org/2003/InkML">
-  <inkml:definitions>
-    <inkml:context xml:id="ctx0">
-      <inkml:inkSource xml:id="inkSrc0">
-        <inkml:traceFormat>
-          <inkml:channel name="X" type="integer" min="-2.14748E9" max="2.14748E9" units="cm"/>
-          <inkml:channel name="Y" type="integer" min="-2.14748E9" max="2.14748E9" units="cm"/>
-        </inkml:traceFormat>
-        <inkml:channelProperties>
-          <inkml:channelProperty channel="X" name="resolution" value="1000" units="1/cm"/>
-          <inkml:channelProperty channel="Y" name="resolution" value="1000" units="1/cm"/>
-        </inkml:channelProperties>
-      </inkml:inkSource>
-      <inkml:timestamp xml:id="ts0" timeString="2024-11-21T17:25:56.317"/>
-    </inkml:context>
-    <inkml:brush xml:id="br0">
-      <inkml:brushProperty name="width" value="0.2" units="cm"/>
-      <inkml:brushProperty name="height" value="0.4" units="cm"/>
-      <inkml:brushProperty name="color" value="#0069AF"/>
-      <inkml:brushProperty name="tip" value="rectangle"/>
-      <inkml:brushProperty name="rasterOp" value="maskPen"/>
-    </inkml:brush>
-  </inkml:definitions>
-  <inkml:trace contextRef="#ctx0" brushRef="#br0">1 95,'28'0,"-4"3,-13-2,-3 2,4 0,2-2,0 2,10-3,-11 4,7 0,-12 0,4 0,3 0,8-3,10 7,4-3,1 0,-6 3,0-7,-6 7,-4-7,-1 3,-9-1,-1-2,0 2,6-7,4-1,5-3,5 3,-3-3,3 7,-5-3,-4 0,-1 0,0-1,-4-2,0 6,-6-3,-3 4,2 0,2 0,3-4,1 4,-4-4,4 0,-4 3,0-2,3 3,-6 0,2 0,8 0,0 0,16 4,-3-3,6 7,-1-7,-9 3,3-4,-14 0,0 0,-6 0,-4 0,4 0,6-3,4 2,5-6,-4 6,3-3,-7 4,2 0,-7 3,-2-2,0 2,-3-3,6 0,3 0,4 0,5-4,0 3,-4-3,-1 4,-5-3,-3 2,-2-3,0 4,1 0,-1-3,12 2,-9-2,10 3,-12 0,-1 0,1 0,0 0,4 0,5 0,1 0,9 0,2 0,11 0,-10 0,4 0,-12 0,1 0,-6 0,-4 0,-2 0,-2 0,3 0,0 0,5 0,13 4,-10-3,13 2,-15 1,0-3,-1 7,-5-7,5 2,-4 1,4-3,-5 2,0 1,-3-3,-2 3,0-1,-3-2,10 2,-5-3,6 0,-2 0,-1 0,0 0,0 0,1 0,-5 0,3 0,2-4,5-1,4 0,1-3,-1 7,0-3,-8 4,6-4,-14 3,9-2,-10-1,2 3,1-6,0 6,4-6,0 6,1-6,3 2,9-7,0 2,0-2,-9 3,1 5,-4-4,4 7,-5-2,-3-1,-2 4,0-4,-3 4,10 0,-9 0,6 4,-4-4,-3 4,6-4,-6 0,3 0,-1 3,7 2,0-1,0 3,-6-3,-4 4,4-4,1 2,-1-5,0 6,-1-3,-1 0,5-1,-6-3,3 4,-1-4,-1 4,9-1,-9-2,14 2,-5-3,4 0,-6 0,-4 0,-5 0,4 0,0 0,1 0,-1 0,0 0,-3 3,8-2,-8 2,7-3,-2 0,-1 0,3 0,-6 0,6 0,-7 0,4 0,-2 0,-2 0,7 0,-3 0,1 0,-2 0,0 0,-3 4,6-3,-6 2,7-7,-3 3,4-2,-3 3,2 0,-7 0,4 0,-1 0,-3 0,6 0,-6 0,3 0,3-4,-4 3,4-2,-6 0,2 2,2-2</inkml:trace>
-</inkml:ink>
-</file>
-
-<file path=ppt/ink/ink66.xml><?xml version="1.0" encoding="utf-8"?>
-<inkml:ink xmlns:inkml="http://www.w3.org/2003/InkML">
-  <inkml:definitions>
-    <inkml:context xml:id="ctx0">
-      <inkml:inkSource xml:id="inkSrc0">
-        <inkml:traceFormat>
-          <inkml:channel name="X" type="integer" min="-2.14748E9" max="2.14748E9" units="cm"/>
-          <inkml:channel name="Y" type="integer" min="-2.14748E9" max="2.14748E9" units="cm"/>
-        </inkml:traceFormat>
-        <inkml:channelProperties>
-          <inkml:channelProperty channel="X" name="resolution" value="1000" units="1/cm"/>
-          <inkml:channelProperty channel="Y" name="resolution" value="1000" units="1/cm"/>
-        </inkml:channelProperties>
-      </inkml:inkSource>
-      <inkml:timestamp xml:id="ts0" timeString="2024-11-21T17:26:07.634"/>
-    </inkml:context>
-    <inkml:brush xml:id="br0">
-      <inkml:brushProperty name="width" value="0.2" units="cm"/>
-      <inkml:brushProperty name="height" value="0.4" units="cm"/>
-      <inkml:brushProperty name="color" value="#0069AF"/>
-      <inkml:brushProperty name="tip" value="rectangle"/>
-      <inkml:brushProperty name="rasterOp" value="maskPen"/>
-    </inkml:brush>
-  </inkml:definitions>
-  <inkml:trace contextRef="#ctx0" brushRef="#br0">1 39,'46'9,"-3"-3,-21-6,-1 0,-5 0,0 0,-3 0,2 0,-7 0,8 0,-4 0,4 0,0 0,1 0,3 0,-2 0,7 0,-3 0,0 0,3 4,-8-3,8 3,-11-4,10 0,-11 0,8 4,7 0,-9 1,14 2,-11-6,4 7,0-7,0 7,-8-7,2 6,-12-6,1 6,4-6,-8 5,9-5,-3 2,-3-3,6 0,-5 0,1 0,1 0,-3 0,6-3,-5-1,1 0,1-3,-3 3,3 0,0 0,1 1,-1 2,9-7,-10 7,9-6,-6 2,3-3,5-1,-4 1,4-1,-5 1,-4 4,0 0,-2 4,-1 0,5 3,-6-2,3 6,-1-3,-1 0,1 2,9-1,-8-1,12 0,-15 0,7-4,-6 4,6-4,-3 3,9-2,1 3,0-4,-1 3,-5-2,4 7,-2-7,-1 3,-2-4,-3 0,5 0,-1 0,0 0,0 0,1 0,-5 0,-1 0,0 0,-3-4,6 3,-6-2,3 3,0 0,2 0,3 0,0 0,-3 0,2 0,-7 0,8-4,-4 4,4-8,-4 7,0-2,-5-1,4 0,11-4,5-1,11 0,-6-1,-1 1,-13 4,2-2,-12 6,4-3,-2 4,-1 4,5-4,-1 4,7-4,-2 0,2 0,-7 0,2 0,2 0,5 4,0 0,-6 1,0 2,-8-6,3 6,0-6,-3 5,6-5,-6 6,3-6,0 2,-3-3,6 0,-6 0,3 0,0 7,3 17,5 17,0 5,0 10,-5-22,-1 4,-8-16,2-5,-6-2,6-2,-6-1,2-1,-3 0,0-3,4 6,-4-6,4 3,-1 0,-2-3,5 6,-5-2,6 4,-6-4,6-1,-6-3,5 3,-5 9,3-3,-4 3,0-9,3-3,-2 3,2 1,-3-1,3 1,-2-1,6-2,-7 6,4-7,-4 4,3-2,-2 2,2 0,-3-1,0 1,0 0,0 4,0-3,0 6,0-9,-4 14,3-6,-3 8,4-4,0 3,0-7,0 2,0-3,0-1,0-4,0 0,0-2,0-1,-3 5,2-6,-2 3,-1-1,4 7,-7 0,6 8,-3-3,0 9,-1 1,-5 6,5-5,-3-2,7-5,-3 0,0 1,3-5,-3-6,4-4,-3-5,2 4,-3 0,4 1,0 3,0-7,0 7,-3-2,2 7,-3-6,4 5,0-6,4 3,-3-4,6 0,-7-5,7 4,-6 0,2 5,-3-1,0 6,0-4,0 4,0-5,0 1,0-1,0-4,0 4,0-4,0 9,0-4,0 8,0 2,0 1,0 3,0-5,0-4,0 3,0-7,0-2,-3-1,2-7,-2 3,3 4,0-6,3 9,-2-9,6 2,-6 0,2-3,-3 6,0-6,0 3,0 0,0 1,0 3,4 2,-3-1,2 0,-3 5,4-4,-3 0,2-6,-3-3,0 3,0 2,0 3,0 4,0-2,0 7,0-8,0 4,0-5,0 1,0-5,0-1,-3 1,2-4,-6 7,6-3,-2 0,-1 3,3-3,-6 0,6 4,-6-4,3 4,-4-3,0 2,3-7,-2 8,2-4,-3 4,4 0,-4 1,4-5,-4 3,4-2,-4 3,4 0,-1 5,-2-4,6 0,-3-2,4 1,0-3,0 2,0-8,0 4,0 0,0 1,0-1,0 3,0-5,0 10,4-7,-3 5,2-1,-3-4,0 0,0-2,4-2,-4 6,4-5,-4 1,3 1,-2-3,2 6,-3-5,0 1,0 1,0-3,0 10,-4-5,3 3,-2-1,3 2,0 5,0 4,0-8,-4 2,3-8,-2 4,-1-3,3 2,-2-3,-1 5,3 3,-6 2,2 0,0 3,-2-3,6 4,-3-4,0 2,3-2,-2-2,3 1,0-5,0 1,0 2,0-6,0 2,0-8,0 4,0 1,0-1,0 4,0-7,0 7,3-2,-2 3,3 0,-1 0,-2-3,3 2,-4-7,0 4,3-1,-2-3,6 10,-6-5,6 6,-6-2,6 3,-6-2,3 2,-4 1,0-7,0 5,0-2,0 1,0 2,0-4,0 1,0-1,0-4,0 0,0-2,0-1,4 5,-4-6,4 3,-4-1,0-2,0 6,0-5,0 1,0 1,0-3,0 6,0-5,0 1,0 1,0-3,0 3</inkml:trace>
-</inkml:ink>
-</file>
-
-<file path=ppt/ink/ink67.xml><?xml version="1.0" encoding="utf-8"?>
-<inkml:ink xmlns:inkml="http://www.w3.org/2003/InkML">
-  <inkml:definitions>
-    <inkml:context xml:id="ctx0">
-      <inkml:inkSource xml:id="inkSrc0">
-        <inkml:traceFormat>
-          <inkml:channel name="X" type="integer" min="-2.14748E9" max="2.14748E9" units="cm"/>
-          <inkml:channel name="Y" type="integer" min="-2.14748E9" max="2.14748E9" units="cm"/>
-        </inkml:traceFormat>
-        <inkml:channelProperties>
-          <inkml:channelProperty channel="X" name="resolution" value="1000" units="1/cm"/>
-          <inkml:channelProperty channel="Y" name="resolution" value="1000" units="1/cm"/>
-        </inkml:channelProperties>
-      </inkml:inkSource>
-      <inkml:timestamp xml:id="ts0" timeString="2024-11-21T17:26:23.853"/>
-    </inkml:context>
-    <inkml:brush xml:id="br0">
-      <inkml:brushProperty name="width" value="0.2" units="cm"/>
-      <inkml:brushProperty name="height" value="0.4" units="cm"/>
-      <inkml:brushProperty name="color" value="#0069AF"/>
-      <inkml:brushProperty name="tip" value="rectangle"/>
-      <inkml:brushProperty name="rasterOp" value="maskPen"/>
-    </inkml:brush>
-  </inkml:definitions>
-  <inkml:trace contextRef="#ctx0" brushRef="#br0">4320 2810,'-4'-41,"0"9,4 10,0 11,0-1,0-5,0 4,0-3,0 4,0 4,0-7,0 7,4-3,-4-1,4 4,-4-8,0 8,0-12,3 6,-2-6,3 3,-4 5,0 0,4 1,-4-2,4-3,-4 0,0 3,0-2,0 6,0-2,0 0,0 3,0-7,0-1,0-1,-4-4,3 0,-2 4,3-4,-4 4,3-4,-2 0,3-6,0 1,0 4,0 5,0 5,0 5,0-5,0-3,0-7,0 1,-4-4,3 3,-7 0,7 1,-3 5,4 3,0 2,0 0,-3 2,2-10,-5 10,5-11,-3 7,1-3,2-1,-7 1,8 0,-4-1,1 5,-2-8,-3 6,-1-11,4 3,-2 0,6 1,-6 5,2-5,-4 4,1-4,-1 0,1 4,-1-9,1 4,-1-4,1 8,3-6,-6 3,9-6,-5 2,4 8,2 5,-3 1,1-1,2-1,-7-2,8 2,-8-3,7-1,-2 1,-1 0,3-8,-3 6,4-2,0 9,0 3,0-3,0 0,0-1,0 1,0 0,0 3,4-7,-3 6,2-2,-3-8,0 8,0-8,0 11,0 1,0-8,0 2,0-3,0 5,3 3,-2-3,2-1,-3-1,0 2,0 1,0 1,0-5,0 6,0-3,4 0,-4 3,4-7,-4 7,0-3,3 0,-2 3,2-7,-3 6,0-2,3 0,-2 3,2-6,-3 1,0 1,0-3,0 6,0-2,4 0,-3 3,2-6,-3 5,4-15,-3 13,3-10,-4 14,4-9,1-2,0 0,-1 2,-4 8,0-3,5-44,1 19,4-30,-5 43,-1 7,-4 9,0-4,0-1,0 0,-10 5,0 7,-5 4,0 4,6 0,-6 0,2 0,-3 0,4 0,0-4,5 3,-8-6,5 2,-1 0,1-2,1-1,-2-1,-4-6,3 2,-9-3,-1 3,-5-3,5 7,5-6,6 6,3-2,-2 3,-2 0,-4 0,0 0,-4 0,-2 0,-5 4,1-3,-1 3,1-4,0 0,-1 4,5-3,1 2,9-3,0 0,2 0,1 0,-5 0,2 0,-9-4,-6 3,0-2,-10-2,14 4,-3-3,14 4,0 0,-2 0,0-4,-10 4,-3-4,-5 4,-6 0,0-4,1 3,-1-4,5 5,2 0,9 0,-3-3,7 2,-3-3,9 0,0 3,1-2,-1 3,-8 0,-7 0,-11-4,-1 2,-4-2,5 0,0 3,-5-3,-2 4,-5 0,6 0,1 0,10 0,6 3,10-2,6 3,3-4,-7 10,-2-4,-9 9,0-6,-6 0,0 0,-6 0,5 1,2-1,5-1,-1-3,9-1,2-4,9 3,-4-2,-1 2,0-3,-7 0,6 4,-13 1,4-1,-4 0,4-4,5 0,6 0,3 0,-3 0,-1 0,-3 0,-5 0,-2 0,-5 0,1 4,-6-3,5 7,-5-7,6 7,4-7,1 2,5-3,3 0,2 0,0 0,3-3,-11 2,6-6,-16 2,6-4,-14 4,5-3,-1 7,2-3,4 4,5 0,5 0,6 0,3 0,-3 0,-4-3,-2-2,1 1,5 0,3 4,-3-3,0 2,-1-2,1 3,-4 0,6 0,-10 0,11 0,-4 0,1 0,3 0,-6 0,5 0,-1 0,-1 0,2 0,-5 0,6 0,-3 0,0-4,-1 3,0-2,0 3,1 0,-1 0,0 0,-3 0,6 0,-2 0,0 0,3 0,-7 0,7 0,-3 0,0 0,-5 0,-6 4,-9-3,-2 7,0-3,2 0,9 2,5-6,6 3,3-4,-3 0,-9-7,-2 5,1-9,5 10,8-2,-16 3,4-4,-15 3,9-7,4 7,1-3,4 1,5 2,-3-3,2 4,-3 0,3 0,2 0,0 0,-1 0</inkml:trace>
-</inkml:ink>
-</file>
-
-<file path=ppt/ink/ink68.xml><?xml version="1.0" encoding="utf-8"?>
-<inkml:ink xmlns:inkml="http://www.w3.org/2003/InkML">
-  <inkml:definitions>
-    <inkml:context xml:id="ctx0">
-      <inkml:inkSource xml:id="inkSrc0">
-        <inkml:traceFormat>
-          <inkml:channel name="X" type="integer" min="-2.14748E9" max="2.14748E9" units="cm"/>
-          <inkml:channel name="Y" type="integer" min="-2.14748E9" max="2.14748E9" units="cm"/>
-        </inkml:traceFormat>
-        <inkml:channelProperties>
-          <inkml:channelProperty channel="X" name="resolution" value="1000" units="1/cm"/>
-          <inkml:channelProperty channel="Y" name="resolution" value="1000" units="1/cm"/>
-        </inkml:channelProperties>
-      </inkml:inkSource>
-      <inkml:timestamp xml:id="ts0" timeString="2024-11-21T17:26:31.079"/>
-    </inkml:context>
-    <inkml:brush xml:id="br0">
-      <inkml:brushProperty name="width" value="0.2" units="cm"/>
-      <inkml:brushProperty name="height" value="0.4" units="cm"/>
-      <inkml:brushProperty name="color" value="#0069AF"/>
-      <inkml:brushProperty name="tip" value="rectangle"/>
-      <inkml:brushProperty name="rasterOp" value="maskPen"/>
-    </inkml:brush>
-  </inkml:definitions>
-  <inkml:trace contextRef="#ctx0" brushRef="#br0">1807 0,'24'20,"-2"-5,-18-9,2-2,-1 8,12 11,-6 0,7 9,-9-5,0-1,-1-4,1-2,-1 1,0-7,0 10,0-15,0 7,-1-8,1-1,-1 0,1 4,-4-3,-1 6,-3-5,0 1,0 1,0 1,0 0,-4 3,3-7,-6 8,6-8,-6 7,3-6,-4 2,0 0,1-3,-1 3,1-4,-1 1,1-1,-1 4,1-3,-1 3,4-4,-6 4,5-3,-6 3,-1-4,4 1,-4 4,5-4,-1 3,0-3,4-1,-3 4,10 0,-6 9,6 2,-3 4,-3 0,2 0,-3 1,4-1,0 0,0 1,0-6,0 0,0-5,3-3,-2 2,2-7,-3 4,3-1,-2-3,2 6,-3-6,0 3,0-1,0-1,0 5,0-6,0 3,0-1,0-1,0 5,0-5,0 2,0 0,0-3,0 6,0-6,0 3,-3-1,-1 3,-1 7,-2 2,2 4,-4 5,0-3,0 3,0-5,0 1,0-6,5 0,-3-9,6 0,-3-5,4 4,-3 0,2 1,-2 3,3-7,0 7,0-2,0 3,0 0,0-4,0 4,0-8,3 3,-2 0,2-3,1 6,-4-5,4 1,-4 1,0-3,0 10,0-5,0 7,0-4,0 0,0-3,0 2,0-7,0 4,0-2,0 7,0 4,0 6,0-1,0 0,-4-4,3-1,-3-9,4-1,0 1,0-4,0 7,0-7,-3 3,2-1,-2-1,3 5,0-6,0 3,0 0,0 1,0 5,0-1,-4 0,3-4,-6 0,6-5,-2 4,0 0,2 1,-2-1,3-1,-4-1,0 5,0-2,-3-1,6 9,-2-6,3 11,0-8,0 8,0-3,0 0,0-1,0-5,0-4,-3 0,2-2,-6-1,6 5,-2-6,3 3,3-1,1-2,0 6,0-5,-1 1,1 1,0-3,0 6,-4-5,0 1,0 1,0-3,0 6,0-6,0 3,0 0,0-3,0 6,0-6,0 3,0 0,0-3,-4 7,0-7,-1 3,-2 0,3 1,-4 4,3 0,2-4,3 4,0-4,-4 4,3 1,-2-1,-1 0,3-4,-3 0,4-2,0-1,0 5,0-6,0 7,0-7,4 7,-3 2,2 5,-3 4,0 0,0 1,0-1,4 0,-3 1,3-1,0 0,-3-4,3-5,-4-6,0-3,3 2,-2 2,2-1,-3 0,0 0,0-3,0 7,0-7,0 3,0 0,0-3,-3 6,2-5,-2 1,3 1,0 1,0 0,0-1,-4 0,0 1,0 4,0 0,4-4,0 4,0-8,-3 3,-2 0,1-3,1 6,3-6,-3 3,-2 0,1-3,-3 3,7 0,-7-2,2 6,-2-3,2 0,-3 8,3-2,-3 4,-1-1,5-9,0 3,4-6,0 2,0 0,0-3,0 6,0-6,0 3,0 8,0-5,-4 15,-1-7,-4 4,1 0,-1 0,0 1,0-1,0 0,1-4,3-1,-3 0,7 0,-3-3,4 7,0-8,0 5,0 4,0-5,4 1,-3 3,6-7,-6 2,2-7,-3 2,0-3,0 0,0-1,0-1,0-1,4 5,0-6,3 2,1 1,-4-3,2 3,-1-3,2 2,-3-2,-1 12,-3-11,4 7,-4-5,7 2,-6 3,6-4,-6 3,2-2,-3 3,0-4,0 0,0-1,0-3,0 7,0-7,0 3,0 0,-3-3,2 6,-2-6,3 3,0 3,0-5,0 5,0-3,0-3,0 7,0-3,0 0,0 3,0-2,0 7,0-2,0 3,3-5,-2 0,3-4,-4 0,0 2,3-4,-2 4,6-6,-3 2,0-1,2 1,-5 1,3-3,-1 6,1-2,0 0,3-1,-6-3,-14-1,5-3,-13 0,14-1,-1-2,-6 2,5 0,-14-2,5 6,-4-2,-3 0,7 2,-7-6,8 3,-4-4,4 0,-3 0,-2 0,0-4,1 3,4-3,-3 0,2 3,-7-3,3 4,-5 0,-4 5,3-1,-3 2,5-3,-1-3,1 4,-1 1,1 0,4 3,1-8,9 7,-3-6,6 6,-1-6,-1 5,-2-5,-7 6,-2-2,-4 4,-1-1,5 1,-8 0,7-1,-9 1,11 0,4-4,5-2,5 1,-4-4,-9 8,-3-8,-6 4,-3 0,5-2,-5 6,6-7,-1 6,1-6,4 7,5-7,6 6,3-7,-3 4,-1-4,-3-4,-1 3,0-6,3 6,2-6,3 6,-3-9,3 8,-3-8,0 6,3-3,-3 2,3-1,1 1,-4-5,6 1,-2-2,1 0,1 3,-7-7,8-2,0-5,4 0,4-3,1 3,0-4,3-1,-7 1,7 0,-4-1,1 1,3 4,-7 1,2 8,1 2,-4 3,7-2,-6-2,2 0,-3 1,3 0,2-1,-1 0,3-8,-6 2,3-8,0 0,-3 4,3 1,-4 8,3 2,1 0,1 3,-2-3</inkml:trace>
-</inkml:ink>
-</file>
-
-<file path=ppt/ink/ink69.xml><?xml version="1.0" encoding="utf-8"?>
+<file path=ppt/ink/ink70.xml><?xml version="1.0" encoding="utf-8"?>
 <inkml:ink xmlns:inkml="http://www.w3.org/2003/InkML">
   <inkml:definitions>
     <inkml:context xml:id="ctx0">
@@ -4402,7 +5426,259 @@
 </inkml:ink>
 </file>
 
-<file path=ppt/ink/ink7.xml><?xml version="1.0" encoding="utf-8"?>
+<file path=ppt/ink/ink71.xml><?xml version="1.0" encoding="utf-8"?>
+<inkml:ink xmlns:inkml="http://www.w3.org/2003/InkML">
+  <inkml:definitions>
+    <inkml:context xml:id="ctx0">
+      <inkml:inkSource xml:id="inkSrc0">
+        <inkml:traceFormat>
+          <inkml:channel name="X" type="integer" min="-2.14748E9" max="2.14748E9" units="cm"/>
+          <inkml:channel name="Y" type="integer" min="-2.14748E9" max="2.14748E9" units="cm"/>
+        </inkml:traceFormat>
+        <inkml:channelProperties>
+          <inkml:channelProperty channel="X" name="resolution" value="1000" units="1/cm"/>
+          <inkml:channelProperty channel="Y" name="resolution" value="1000" units="1/cm"/>
+        </inkml:channelProperties>
+      </inkml:inkSource>
+      <inkml:timestamp xml:id="ts0" timeString="2024-11-21T17:27:49.230"/>
+    </inkml:context>
+    <inkml:brush xml:id="br0">
+      <inkml:brushProperty name="width" value="0.2" units="cm"/>
+      <inkml:brushProperty name="height" value="0.4" units="cm"/>
+      <inkml:brushProperty name="color" value="#FF8517"/>
+      <inkml:brushProperty name="tip" value="rectangle"/>
+      <inkml:brushProperty name="rasterOp" value="maskPen"/>
+    </inkml:brush>
+  </inkml:definitions>
+  <inkml:trace contextRef="#ctx0" brushRef="#br0">1 5,'28'4,"-1"3,-14-3,-1 1,-1 2,-3-7,3 4,11 0,1-3,4 3,-10-4,-6 0,-4 0,4 0,5 0,-4 0,3 0,-8 0,4 3,1 2,0-1,-1 0,0-4,-3 3,6-2,-6 2,3-3,0 0,1 0,3 0,6-4,1 3,4-7,1 7,-6-3,5 0,-5 3,1-6,-5 6,-6-3,-3 4,3-3,8 2,4-2,6 3,-3 0,6-5,-9 4,2-7,-12 4,-2 0,-3 0,2 8,2 3,-1 1,0 3,-4-4,1 1,3-1,-3 1,3-4,-4 2,4 2,-3 0,3 3,-7-4,3 9,-2 2,0 4,2-2,-3-7,4-2,-1-4,1 1,-1-1,1 1,-1-1,-3 4,3-2,-6 2,5 0,-2-3,0 3,0 0,-4-2,0 9,0-9,3 6,-2-4,2-2,-3 9,0-5,0 7,0-4,0 1,0 3,0-6,0 10,0-15,0 11,0-8,0 5,0-1,0 0,0 1,0-1,0 0,0 0,0-3,0 2,-3-7,2 7,-6-7,6 3,-2 0,3 1,0 3,0 6,0-7,-4 5,3-6,-2 3,3 0,0-4,0 4,0-8,0 7,0-6,0 2,0 0,0-2,0 6,3-6,1 2,0 0,3-3,-6 6,2-2,-3 0,0 3,0-7,0 4,0-2,0-1,0 5,0-5,0 2,0 0,0-3,0 7,0-7,0 7,0-6,0 2,-4 0,3-2,-6 2,7 0,-7-2,6 2,-6 0,6-2,-3 2,1 0,2 1,-5 0,5 3,-6-3,2 1,-3 2,4-3,0 1,0 6,3-9,-2 10,-1-8,3 4,-3-3,4-2,0 0,0-2,-3 9,2-9,-6 6,7-8,-4 4,1 5,-2 0,-3 4,4-8,-3 3,2-2,0 7,2-2,-1 2,3-3,-3-1,4 0,0 0,0-3,0-2,0 0,0-3,0 6,0-6,4 7,-3-7,6 7,-6-2,6 3,-6 5,6-4,-6 8,7-3,-3 4,0 1,2-1,-6 0,7 1,-3-1,0-4,-1 3,-1-8,-2 4,6-5,-6-3,3-2,-1 0,-2-3,2 10,-3-9,0 14,4-5,-3 4,3-1,-4-1,4-2,-4 7,4-3,-4 0,4 3,-3-3,3 4,-4 0,0-8,0 2,0-12,0 4,0-2,0-2,0 6,0-5,0 10,0-1,0 8,-4 0,3 1,-3-1,4 0,0 1,0-1,0 0,0 0,4-4,-3-1,2-5,-3 0,0 1,0-5,0-1,-3 0,2-3,-6 3,3 4,-1 2,-2 4,2 4,1-3,-4 4,7 1,-7-1,7 0,-3 1,4-6,0 5,0-9,0 0,0-6,0-4,0 4,-3 1,2-1,-3 0,4 0,-3-3,-1 3,-4 4,4 3,-4 9,3-1,-4 0,0 0,0 1,4-1,-3 0,7 1,-6-6,6 0,-6-8,6 2,-2-7,3 4,0-2,0 2,0 0,3-1,-2 0,2-3,-3 11,0-9,0 10,0-8,0 9,0 1,0-4,0 1,0-10,0 2,3 0,2-3,3 11,-4-9,0 5,-4 0,0-6,0 14,0-5,4 8,-3-4,6-1,-6-5,3-3,-4-2,3-4,-2 4,2 1,0-1,-2 0,2 0,-3-3,4 6,-4-6,7 3,-3-1,0-1,3 1,-3 1,0-3,-1 6,-3-5,0 1,4 1,-3-3,5 6,-5-6,6 3,-7 0,7-3,-6 6,5-6,-5 3,-1 0,-1-3,-2 6,0-6,2 3,-6 0,6-3,-2 6,3-6,-3 3,2-1,-3-1,1 9,-2-1,-3 4,3-4,-2-2,6-3,-3 1,1-2,2-4,-2 4,3 1,0-1,3 0,2 0,-1-2,-1 2,4-4,-2 1,6-1,-4 1,1 3,-1-3,-3 4,3-5,-3 0</inkml:trace>
+</inkml:ink>
+</file>
+
+<file path=ppt/ink/ink72.xml><?xml version="1.0" encoding="utf-8"?>
+<inkml:ink xmlns:inkml="http://www.w3.org/2003/InkML">
+  <inkml:definitions>
+    <inkml:context xml:id="ctx0">
+      <inkml:inkSource xml:id="inkSrc0">
+        <inkml:traceFormat>
+          <inkml:channel name="X" type="integer" min="-2.14748E9" max="2.14748E9" units="cm"/>
+          <inkml:channel name="Y" type="integer" min="-2.14748E9" max="2.14748E9" units="cm"/>
+        </inkml:traceFormat>
+        <inkml:channelProperties>
+          <inkml:channelProperty channel="X" name="resolution" value="1000" units="1/cm"/>
+          <inkml:channelProperty channel="Y" name="resolution" value="1000" units="1/cm"/>
+        </inkml:channelProperties>
+      </inkml:inkSource>
+      <inkml:timestamp xml:id="ts0" timeString="2024-11-21T17:28:26.305"/>
+    </inkml:context>
+    <inkml:brush xml:id="br0">
+      <inkml:brushProperty name="width" value="0.2" units="cm"/>
+      <inkml:brushProperty name="height" value="0.4" units="cm"/>
+      <inkml:brushProperty name="color" value="#FF8517"/>
+      <inkml:brushProperty name="tip" value="rectangle"/>
+      <inkml:brushProperty name="rasterOp" value="maskPen"/>
+    </inkml:brush>
+  </inkml:definitions>
+  <inkml:trace contextRef="#ctx0" brushRef="#br0">12087 0,'20'16,"0"-6,-16-6,3-1,7-2,-4 2,4-3,-4 0,-2 0,6 3,-5 5,-2 0,-4 6,-3-6,0 3,4 0,-3 10,2 2,1 8,1-5,-1-4,4 3,-7-7,7 7,-4-8,1 4,-1-5,-1-3,-2-2,2 0,-3-3,4 6,-4-6,7 3,-3 0,4-3,-4 6,-1-5,-3 6,0-3,0 5,0-1,0 5,4-4,-4 8,4-7,-4 7,0-8,0 8,0-7,0-2,-3-4,2-1,-6-2,6 2,-6 0,3 2,-1 7,-2 2,2 16,-4-9,0 5,0-9,5-8,0 4,4-9,0 0,3-1,-2 1,2-1,1 1,-4 4,7-3,-6 8,7-1,-7-2,6 2,-6-7,6 2,-6-7,3 4,-4-1,0-3,0 6,0-6,0 3,0-1,0-1,3 9,-2-9,3 9,-4-5,0-1,3 3,-2-7,2 3,-6 0,2 6,-3 0,4 4,0 0,-4-4,4 4,-4-1,0-2,3 2,-2 1,3-3,0 7,-4-8,3 4,-6-9,6 3,-6-6,7 2,-10 0,8-3,-5 3,4 0,2-3,-2 6,-1-5,0 6,0-3,-4 9,7 1,-7 4,7-4,-7 3,7-7,-7 7,4-8,-1 4,-2-9,6 0,-2-5,-1 4,4 0,-4 1,4-2,-3 1,2 1,-6 0,6-1,-6 1,7 0,-7 0,6 8,-7-2,3 13,-4-3,0 8,0-8,0 3,0-5,0 1,0-1,1 0,-1 0,4 1,-3-1,3-4,0-1,-2-5,2 5,1-4,-4 8,7-3,-3 4,4 1,0-1,0 0,0 0,0-4,-4 15,3-12,-3 13,4-12,0 1,0-6,0 5,0-9,3 0,-2-2,6-3,-6 1,6 1,-6-5,2 1,0 1,-2-3,6 6,-7-6,7 3,-3 4,4-6,-4 10,4 2,-3 7,4 10,-3-1,2 1,-3 0,0-1,-1 1,-4-10,0-3,0-12,0-2,-7 4,6 2,-11 13,11 3,-3 5,4-1,-4-4,3-2,-7-5,7 0,-3 1,4-9,0-3,0-7,0 3,0 0,0 1,0-2,0 2,0-4,0 7,0-6,0 2,-4 5,4 2,-8 8,7 5,-3-3,-1 14,0-8,-9 14,2 3,-3 13,4 2,5-2,2-14,4-12,0-6,0-10,0-6,-4-8,0 6,0-8,-3 9,6-5,-2-1,3 5,0-6,0 3,0-1,3-1,2 9,3-1,0 13,2 3,-1-1,0 0,-1-11,-3 5,2-4,-6 4,7 0,-7-4,3 3,-4-3,4 4,-3-4,3-1,-4-9,3-1,-2 0,2-3,-3 15,0-9,0 10,0-8,-4 12,3-9,-2 14,-1-20,4 3,-4-5,4 6,0 1,0 2,0-7,0-2,0 0,4-3,-4 6,7-2,-3 0,1-1,1-3,-5 7,3-5,-4 6,3-5,-2-3,6 7,-6-7,2 3,0 0,-2-3,-7 3,-4-7,-5-1,4 0,-5 6,3 0,-8 3,9-7,0 2,5-7,-4 4,-1-4,-4 0,5 3,-1-2,1 2,3 0,-6-2,-14 7,-1-7,-9 3,2 1,3 0,0 0,2-1,5 0,-1-3,5 3,1-4,9 0,0 0,-2 0,0-4,-10 3,7-6,-9 2,-1-4,0 4,-5-3,6 3,4 0,-3 1,7 4,-3 0,5 0,0 0,3 0,2 0,0-3,2 2,-5-6,6 7,-3-4,0 4,-11-4,0-1,-10 0,1-3,-2 7,1-4,5 5,6-3,8 2,2-3,0 4,3 0,-7 0,7 0,-11 4,1 1,-9 4,1-1,-1 1,-4-4,3 3,1-7,2 6,8-6,0 7,5-8,5 4,-4 2,-6 0,-15 6,-13-3,-7 1,1 0,8 0,10-1,6-4,11 2,4-6,5 2,-4-3,-1 0,0 0,-7 0,1-4,-13 3,-8-7,-11 7,-8-3,0 4,2 0,16 3,8-2,11 3,9-4,0 4,-4 0,-7 5,-21-4,3 3,-20-2,21 3,-9-3,16-2,2-4,13 0,2 0,8 0,-3 0,-1 0,-13 4,-4-3,-8 3,-13-4,10 0,-21 0,9 0,-6 0,7 0,8-4,11 3,0-7,10 7,5-3,2 4,6 0,-2 0,0-3,3 2,-7-3,7 4,-7 0,-2-4,0 3,-8-2,3 3,0-4,1 3,4-3,5 4,1-3,0 2,2-2,-5 3,6 0,-3-4,-10 4,-15-9,-30 3,-8-5,-19 4,5 2,0 5,2-5,19 4,10-4,23 1,9 3,4 2,-12 4,-12 0,-13 4,-6-3,6 4,2-4,6 3,10-8,-2 3,19-4,1 0,11 0,3 0,-6 3,-4 2,-12-1,-3 0,-5 0,1-2,-1 2,-5 0,4-3,-5 8,12-8,0 7,10-7,6 3,4-4,5 0,-14 4,-29-3,-20-2,-25-6,0-5,14 1,-4-1,13 1,0 0,1 0,19 5,3 1,16 5,6 0,6 0,9 0,-3 0,-2 0,-5 0,-5 4,-4-3,-2 7,-5-7,1 4,4-5,2 0,4 0,1 0,4 0,1 3,9-2,-4 3,4-1,-9-2,-1 7,0-4,-3 1,3 3,-5-4,-4 5,-2 0,-10-3,-8 2,-17-6,13 2,0-4,24 0,5-4,8 3,-2-3,11 1,-2 2,-1-6,0 6,-9-2,-6-2,-6 4,-4-3,-1 0,-11-5,13-1,-7 1,21 1,1 7,9-3,0 1,5-1,-5 0,4 0,-12 4,2-4,-14-1,0 0,-23-7,13 10,-7-11,13 8,8 0,-3-3,4 7,9-6,-6 6,6-6,-4 6,-3-3,-2-1,-12 4,-46-3,18 4,14 2,1 1,-14 3,-4 5,17-1,9-1,13-3,13-3,2-3,8 0,-3 0,-9 4,-7-3,-4 7,-11-7,8 7,-15-2,15-1,-8 3,19-7,-7 7,8-7,4 7,2-8,8 4,-8 0,-2-4,-8 8,0-7,-1 3,1-4,-1 0,1 0,4 0,5-3,6 2,3-2,-3 3,-6 0,-5 0,-10 0,0 4,-6 1,0 4,1 1,-1-5,0 3,6-3,-5 0,14 3,1-8,11 4,7-1,-17 2,-5 4,-25 1,-6 0,4 0,-8 1,21-2,-9-3,16-2,10-4,7 0,8 3,-2-2,1 6,-6-3,-1 4,-11 1,-6 0,0 0,-3-4,8-1,-3-4,4 4,9-3,2 3,9-4,-4 0,-1 0,-3 0,3 0,0-4,1 4,-6-8,-1 4,-2-5,7 4,2-2,3 7,-3-7,0 6,2-6,-4 7,8-7,-6 3,3-4,-3 0,2 1,-10-2,5 1,-7 0,5 0,-1-4,-12-10,5-2,-12-8,8 4,0 0,0 4,9 3,3 8,8 1,1 8,-7 4,4 4,-12 4,8 0,-3 0,2 0,2 0,1 0,-8 0,-4 10,-21-2,-22 16,0-5,-11 7,20-3,13-6,12-6,16-11,6-4,3-7,-2-8,1 2,-2-2,7 4,-6-1,2 3,-4-1,-3-1,7 2,-4-7,5 8,-1-2,-3 5,3-6,-6 6,5-2,-2 3,-8 0,5 0,-10-4,7 3,1-6,3 6,-2-6,6 6,-2-6,3 3</inkml:trace>
+</inkml:ink>
+</file>
+
+<file path=ppt/ink/ink73.xml><?xml version="1.0" encoding="utf-8"?>
+<inkml:ink xmlns:inkml="http://www.w3.org/2003/InkML">
+  <inkml:definitions>
+    <inkml:context xml:id="ctx0">
+      <inkml:inkSource xml:id="inkSrc0">
+        <inkml:traceFormat>
+          <inkml:channel name="X" type="integer" min="-2.14748E9" max="2.14748E9" units="cm"/>
+          <inkml:channel name="Y" type="integer" min="-2.14748E9" max="2.14748E9" units="cm"/>
+        </inkml:traceFormat>
+        <inkml:channelProperties>
+          <inkml:channelProperty channel="X" name="resolution" value="1000" units="1/cm"/>
+          <inkml:channelProperty channel="Y" name="resolution" value="1000" units="1/cm"/>
+        </inkml:channelProperties>
+      </inkml:inkSource>
+      <inkml:timestamp xml:id="ts0" timeString="2024-11-21T17:28:32.767"/>
+    </inkml:context>
+    <inkml:brush xml:id="br0">
+      <inkml:brushProperty name="width" value="0.2" units="cm"/>
+      <inkml:brushProperty name="height" value="0.4" units="cm"/>
+      <inkml:brushProperty name="color" value="#FF8517"/>
+      <inkml:brushProperty name="tip" value="rectangle"/>
+      <inkml:brushProperty name="rasterOp" value="maskPen"/>
+    </inkml:brush>
+  </inkml:definitions>
+  <inkml:trace contextRef="#ctx0" brushRef="#br0">6085 29,'-33'0,"7"0,7 0,1 0,-9 0,5 3,1-2,5 3,-5 0,-1-3,-4 3,8-4,-2 0,3 3,-1-2,-7 7,8-7,-4 3,4 0,1-3,0 2,-1-3,5 0,-3 3,3-2,-4 3,0-4,-1 0,1 0,-1 0,-3 0,-2 0,-5-4,5 3,1-3,-11 4,7 0,-18 0,15 4,-3-3,4 6,1-6,4 3,1 0,-5-3,3 6,-8-6,4 3,1-4,4 0,1 0,5-4,-1 3,1-2,0-1,3 3,-2-2,2 3,-3-4,3 3,2-3,0 4,-6 0,-1 0,-12-4,7 3,-21-7,10 7,-22-8,21 8,-9-4,18 5,0 0,4 0,1-3,0 2,-11-3,2 0,-18 3,27-3,-7 4,21 0,-1 0,-11 0,-17 5,-28 1,-3 0,-11 4,14-4,0 0,12 3,3-8,11 3,0-4,6 0,9 0,7 0,8 0,-3 0,-9 7,-19-5,-5 10,-12-11,6 3,0-4,5 0,7-4,6-1,6 0,8-2,2 3,8 0,-3-3,3 6,-4-6,1 2,-6 1,-5-4,-10 3,-12 0,3 1,-19-1,7 4,-16-8,21 4,0 0,21 1,9 1,2 2,9-2,-9 10,-19 0,-6 6,-15-3,6 0,5 0,2 0,10-5,2-1,13-4,2 0,9 0,-4 0,-23 0,-2 0,-20 0,6 0,0 0,5 0,2 0,10 0,7 0,9-3,5 2,5-6,-20 6,-4-2,-14 3,2 0,6-4,4 3,2-4,9 2,5 2,5-3,5 4,-13 0,-15 0,-10 0,-17 0,16 4,-3-3,11 3,5-4,10 0,8 0,7 0,-7 0,2 4,-7-3,8 6,0-6,5 2,-4-3,-1 0,0 3,-4-2,4 2,-1 1,2-3,0 5,-2-5,-8 7,-1-7,-9 3,3 0,-3-3,4 2,5-3,5 0,6 0,4 0,-13 0,10-3,-13 2,10-2,1 0,0 2,1-6,3 6,-7-2,7 3,-8 0,4-4,-9 3,3-2,-7-1,3 3,-4-7,-1 7,5-7,2 7,7-2,2-1,3 3,-11-2,0 3,-11 0,12 0,2 0,9 0,-13-4,6 3,-10-3,3 4,-1 0,4-3,2 2,9-2,-4 3,-1-4,0 4,1-4,4 4</inkml:trace>
+</inkml:ink>
+</file>
+
+<file path=ppt/ink/ink74.xml><?xml version="1.0" encoding="utf-8"?>
+<inkml:ink xmlns:inkml="http://www.w3.org/2003/InkML">
+  <inkml:definitions>
+    <inkml:context xml:id="ctx0">
+      <inkml:inkSource xml:id="inkSrc0">
+        <inkml:traceFormat>
+          <inkml:channel name="X" type="integer" min="-2.14748E9" max="2.14748E9" units="cm"/>
+          <inkml:channel name="Y" type="integer" min="-2.14748E9" max="2.14748E9" units="cm"/>
+        </inkml:traceFormat>
+        <inkml:channelProperties>
+          <inkml:channelProperty channel="X" name="resolution" value="1000" units="1/cm"/>
+          <inkml:channelProperty channel="Y" name="resolution" value="1000" units="1/cm"/>
+        </inkml:channelProperties>
+      </inkml:inkSource>
+      <inkml:timestamp xml:id="ts0" timeString="2024-11-21T17:28:41.643"/>
+    </inkml:context>
+    <inkml:brush xml:id="br0">
+      <inkml:brushProperty name="width" value="0.2" units="cm"/>
+      <inkml:brushProperty name="height" value="0.4" units="cm"/>
+      <inkml:brushProperty name="color" value="#FF8517"/>
+      <inkml:brushProperty name="tip" value="rectangle"/>
+      <inkml:brushProperty name="rasterOp" value="maskPen"/>
+    </inkml:brush>
+  </inkml:definitions>
+  <inkml:trace contextRef="#ctx0" brushRef="#br0">347 1,'-12'24,"4"-4,5-12,-1 3,-1 16,-4-2,0 11,0-9,0-1,0 0,1-8,3 6,-1-14,5 6,-3-9,1 4,-1-3,0 3,0 0,4 1,-3-1,2 1,-6-2,3 3,0-2,0 1,1-5,-1 4,-1-3,2 10,3-9,0 10,0-7,4 4,-4-3,4-2,-4 0,3-3,5 6,0-9,-1 5,3-6,-5 3,6 1,-4-1,1 9,1 2,-1 4,0-2,1 1,-1-4,-3 4,-2-8,1-2,-4-4,7 4,-6 6,2-1,-3 1,0-2,0-2,0 3,0 0,0 1,0-5,0-1,0 0,-3-3,2 6,-2-6,-1 3,0 0,-3-3,-1 7,0 1,-1 2,4-1,-2-2,6-3,-6 9,2-8,0 7,2-3,-1 0,4 4,-4-5,0 0,-4 8,3-9,-6 8,6-11,0 0,-2 0,7-5,-7 4,6 0,-2 1,3-1,-4-1,3 3,-2 7,3 1,-4 6,3-5,-7 3,4-8,-1 8,-2-7,6 2,-3-7,4-2,0 0,0-3,7 6,-6-6,6 7,-7-7,0 8,0-8,0 7,0-6,0 2,0 4,-4-2,0 6,-1-6,1-2,1 0,2-2,-7 6,7-7,-6 8,2 0,-3 6,3 8,1-3,4 3,0-4,0 0,0-4,0-1,0-9,0-1,0 0,3-3,-2 6,6-5,-7 1,7 1,-6-3,6 7,-6-7,2 4,0-2,2-1,-1 5,3 3,-2 5,3 4,1 0,-4 1,3-1,-4-4,5 3,-4-8,2 9,-6-9,10 3,-10-8,6-1,-7 0,3-3,2 10,-1-9,3 14,-6-5,3 4,0 3,-3-8,7 9,-7-9,3 0,-4-6,0-4,3 13,-2-10,6 13,-6-11,6 1,-7-2,4-4,-8 9,3-2,-3 11,0-3,3 4,-3 0,4 0,-4 6,-1 0,-5 6,5-6,-3 0,7-6,-7-4,7 3,-2-12,-1 3,3-8,1 2,4 2,4-1,-1 0,-3-3,6 2,-8-2,5 3,-1 0,-4 1,8 4,-9 4,3-6,-4 6,0-12,3 3,-2 4,2-6,1 14,0-9,5 6,-5-3,0-1,-4-4,0 0,0-2,-4 2,-1 9,1 0,-4 6,3 4,-4 1,-1 6,1 0,-1-6,1-1,0-4,1-9,0 6,0-15,3 7,-2-5,2 2,-3 3,0-4,0 4,0-4,-4 9,3-4,-4 4,5-5,0-4,0 0,1-5,-1 1,-3 2,6-2,-5 12,5-7,-4 8,1-5,0 5,-1-4,1 8,-1-7,1-2,4-4,0-5,4 4,0 0,3 1,-2-1,9-1,-5-1,6 1,-7 2,3 0,-3 0,0 0,3-5,-6 4,5-2,-1 2,2-3,0-1,1 4,0-2,-1 2,1 0,0-2,3 6,2-3,-1 5,0-1,-4-4,-1 0,1-5,-4 0,-1 7,-3-5,0 5,-6-3,0 1,-1 0,0-1,6 5,-6-2,2 11,-4-3,1 4,-1 0,0 0,4 1,-3-1,7 0,-7 1,7-1,-6-4,2-1,0-5,2-4,3-1,0 0,0-3,3 6,-2-5,6 1,-7 2,7-4,-3 7,4-6,0 6,0 2,0 0,1 8,-1-3,1 0,-1-1,0-5,0 0,0-3,-3-2,1-4,-2 4,4-3,-1 3,1-4,-1 1,0-1,1 5,4-4,-4 4,8-4,-8-1,3 1,-3-1,-1 1,1-1</inkml:trace>
+</inkml:ink>
+</file>
+
+<file path=ppt/ink/ink75.xml><?xml version="1.0" encoding="utf-8"?>
+<inkml:ink xmlns:inkml="http://www.w3.org/2003/InkML">
+  <inkml:definitions>
+    <inkml:context xml:id="ctx0">
+      <inkml:inkSource xml:id="inkSrc0">
+        <inkml:traceFormat>
+          <inkml:channel name="X" type="integer" min="-2.14748E9" max="2.14748E9" units="cm"/>
+          <inkml:channel name="Y" type="integer" min="-2.14748E9" max="2.14748E9" units="cm"/>
+        </inkml:traceFormat>
+        <inkml:channelProperties>
+          <inkml:channelProperty channel="X" name="resolution" value="1000" units="1/cm"/>
+          <inkml:channelProperty channel="Y" name="resolution" value="1000" units="1/cm"/>
+        </inkml:channelProperties>
+      </inkml:inkSource>
+      <inkml:timestamp xml:id="ts0" timeString="2024-11-21T17:28:58.246"/>
+    </inkml:context>
+    <inkml:brush xml:id="br0">
+      <inkml:brushProperty name="width" value="0.2" units="cm"/>
+      <inkml:brushProperty name="height" value="0.4" units="cm"/>
+      <inkml:brushProperty name="color" value="#FF8517"/>
+      <inkml:brushProperty name="tip" value="rectangle"/>
+      <inkml:brushProperty name="rasterOp" value="maskPen"/>
+    </inkml:brush>
+  </inkml:definitions>
+  <inkml:trace contextRef="#ctx0" brushRef="#br0">1464 8,'-28'-5,"3"2,18 3,-1 0,-10 0,0 0,-11 0,7 0,-3 0,7 0,-7 0,7 0,1 0,6 0,3 0,-2 0,-11 0,-1 0,-7 4,2-3,1 3,8-4,2 0,8 0,-3 0,-1 0,0 3,1-2,0 2,-1 1,0-3,-4 2,4 1,-1 0,-6 1,9-2,-10 0,3 2,4 0,-3-1,8-4,1 3,-18 2,-5 4,-13 0,5 0,11 0,10-4,6 2,3-6,-3 2,-5 1,-6 1,-4 3,4 1,1-4,9 2,0-7,5 4,-4-1,-5 1,-1 1,-2 2,2-3,1 4,0-3,-1-1,5-4,0 0,8 13,1 8,-1 8,-1 3,-4-11,1 5,-1-9,4 0,-2-2,2-3,-3 5,0-1,0 0,-1 0,1 1,0-1,0 0,0-4,0 4,0-8,0 3,4-3,-3-1,3 5,-4 4,-1 2,4 2,-2 1,2 1,-4 4,0-4,5-1,-4-5,3 5,1-4,-4 16,3-5,0 7,-3 1,7-8,-3 3,4-5,-4 1,3-5,-3-6,4-4,0-5,6 4,-1-3,6 0,-7 1,3-4,0 9,1-5,3 1,-3-2,-4-1,6 1,-5-1,9-3,-6 3,2-7,1 7,-3-3,3 0,0 6,-3-5,3 6,-7-4,2 1,2 6,1-1,2 7,-6-4,2-3,-6 2,2-3,-3 4,0 5,0-3,3-2,-2 0,6-4,-2 9,3-4,0 4,-3-5,2-4,-7 0,7-5,-6 4,5-3,-5 6,3-6,-4 3,3 8,-2 0,2 10,-3-2,0-1,0 0,0-4,0-1,3-9,-2 3,2-6,-3 2,0 0,0-3,-4 11,3-1,-7 13,7 2,-3 4,0-4,3-2,-3-9,4-1,-3-9,2 0,-2-2,3 2,-4 8,3 2,-3 0,1-5,2-6,-3-3,1 2,2 2,-2-1,-1 0,4 0,-8 6,3 5,-3 4,3 1,-3-1,3 0,-4-4,4 3,-2-7,3-2,-4-4,4-5,-3 1,6 2,-2 3,3-2,-3 1,-2-2,-2-1,3 5,0-5,1 2,2 0,-2-2,3 6,0 2,0-4,-4 3,4-9,-7 1,3 6,0-5,0 5,1-7,2 4,-2 0,3 1,3-1,4-1,2-1,1 1,-2-2,0 3,-1 1,1 1,0 2,0-3,0 5,0-5,-4-1,3-3,-3-1,3 4,4-3,-6 3,5-4,-9 4,2 0,-3 1,3-1,2-1,-1-1,2 1,-5 1,2-3,-3 6,0-6,0 3,4 0,-4-3,4 7,-4-7,0 3,0 0,0-3,0 7,3-7,-2 8,2-4,-3 0,0 4,0-4,0 0,0 0,0-1,0 6,0 0,0 4,0 0,0-4,0 4,0-2,0-2,0 3,0-8,0 0,0-2,0 2,0 0,-3-1,-1 0,-1-3,2 6,3-5,-3 1,2 1,-2-3,-1 6,3-6,-2 7,3-6,0 10,0-5,0 2,-4 0,3-4,-2 4,3 1,0-5,0 3,0-2,-4 3,3-4,-2 3,3-6,0 11,0-7,0 8,0-9,3 7,-2-10,2 5,-3-3,0-3,-3 6,2-1,-6 2,6 1,-3 1,4 3,0 2,0 0,0-1,0-5,0-4,4 4,-3-4,2 0,-3 0,4-5,-4 4,4 0,-4 1,3-1,-2-1,2-2,-3 6,0-1,3-2,-2 5,3-4,-1 4,-2-4,7 8,-4-6,5 11,-1-8,0 4,-3-9,2 0,-3-5,3 4,-3-3,0 11,-1-5,-2 2,7 0,-8-4,8 4,-7 0,2-3,1 2,-3-7,6 8,-3-8,1 7,1-2,-1 7,3-2,1 2,-1-3,0 3,1-2,-1 3,-4-5,0-4,-4 3,0-6,0 2,3 0,-2-3,2 6,-3-6,0 3,0 0,0 1,0 8,0 2,0 4,0 0,0 1,0-1,4 0,-3 1,7-1,-7 0,6-8,-6 2,2-12,-3 4,0-2,0-1,0 5,-3-6,2 2,-6 5,6 3,-2 2,3 1,0-5,0 1,0-1,0-4,0 0,0-2,0-1,0 5,0-6,0 2,0 1,-4-3,3 6,-2-5,3 1,-3 5,2-6,-3 6,4-4,-3 1,2 1,-3-2,4 5,-3-7,2 7,-2-8,-4-1,25 12,9-7,17 8,16-10,-19 0,14 0,-16-1,4-3,-11 2,-1-7,-4 3,-9-4,-3 0,-7 0,-1-7,5 2,0-7,4 4,-3 0,-2 0,-7 1,6-1,-5 1,9-1,-9 1,13-1,2 3,12 1,1 4,-10 0,56-6,-28-1,5-1,34 0,7 0,-3-3,0 0,0 6,-5 2,-25-1,-6 1,-3 3,-7 0,-1 4,-12-3,-20 3,-7-4,3 0,10-4,2-1,8 0,-9 1,-5 0,-6 4,-4-4,4 1,1 2,0-6,-1 6,5-6,2 6,13-3,-3 0,3-1,-9 1,-1 0,-9 0,-1 3,5-2,7 3,21 5,-3 0,8 5,-6-1,-4 1,-1-1,-7 0,-5 0,1 0,-5-1,-6-3,-4 2,-5-3,0 3,4 1,-3-1,7-3,2 3,15-1,8-1,10 4,6-4,-5 5,0 0,-8 0,-11-5,-9-1,-7-4,-9 0,18-7,-5 1,19-7,-11 4,3 0,-9 1,3-1,-8 4,0 1,-2 4,-6 0,13 0,-8-3,14 2,-6-3,4 0,1 3,-1-3,0 4,6 0,-5-4,5 3,-6-3,0 4,-4 0,-5 0,-6 0,-3 0,7 0,3-4,14 3,-5-3,9 4,-8 0,3 0,-5 0,1 4,6 1,-5 0,6-2,-8-3,-4 0,-1 0,-5 0,-4 0,0 4,7-4,0 4,10-4,2 0,8 0,-1 0,5 4,-5-3,-5 3,-11-1,-2-2,-4 2,-3-3,2 0,-4 0,1 0,5 0,3 0,2 0,4 0,1 0,4-4,-3 3,3-3,-5 4,0 0,1 0,-5 0,3 0,-8 0,4-4,-9 3,8-2,-2 3,8 0,5 0,2 0,10 0,-4 4,9-3,-9 7,-1-7,10 7,-12-6,4 2,-19-4,-5 0,-8 0,3 0,1 0,5 0,4 0,11-5,0 4,11-7,8 2,6 0,1-3,-7 8,-13-4,-7 5,-9 0,10-3,-13 2,14-3,-16 4,4 0,0 0,5 0,7 0,5 0,-1 0,1 0,-6 0,11 0,-14 0,5 0,-13 0,-1-4,2 3,4-7,6 3,0 0,17-4,-8 3,8 1,-11-4,-1 8,-4-3,-2 4,-5 0,6 0,0 0,6 0,-1 0,-4 0,3 0,-3 0,-1 4,-1-3,-4 3,-1-4,5 0,14 0,-5 0,9 0,-11 0,-1 0,-4 0,3 0,-8 0,3 0,-9 0,3 0,-8 0,0 0,-6 0,-3 3,3-2,9 5,7-5,8 3,3 0,-1 1,1 4,0 1,-1-1,1 0,-6-4,-1 3,-4-7,-5 3,-2-4,-3 0,-1 0,5 0,0 0,11 4,0-3,11 8,8-3,13 4,1 1,6 0,-13-1,-2 0,-12-4,-1 2,-5-7,-1 3,1-4,-1 5,6-4,-4 3,10-4,-10 0,-1 4,-2-3,-8 2,3-3,-5 4,1-3,4 3,1-4,6 0,11 0,-8 4,8-3,-12 8,1-8,-1 7,1-3,-1 4,1-3,16-2,-12 0,7 1,-18 0,-9-1,3-4,-7 0,7 0,-3 0,21 0,4 0,5-4,-3 3,-16-4,-2 5,-9 0,-6 0,0 0,-8 0,3 0,0-3,-3 2,15-2,-13 3,13 0,-10 0,3 0,4 0,2 0,26-4,-5-2,24-4,-21 0,3 0,-12 1,1-1,-5 1,-2 0,-5 0,0 0,-4 1,3-1,-7 1,7-1,-3 0,16-3,-9 6,9-6,-16 11,3-3,-8 0,9 0,-5-1,6 1,-5 0,-2 0,1-1,-4-2,4 6,-5-3,-3 4,2 0,-3 0,14 0,2 0,26 0,-12 0,18 0,-21 0,4 4,-11-3,0 4,-6-2,7-2,-9 7,0-7,-13 2,-3-3,6 0,4 0,7 0,-3 0,3 0,-3 0,9 5,2-4,4 3,-4-4,-6 0,-7-4,-7 3,-2-3,0 4,-3 0,10-3,-9 2,14-3,-5 4,8 0,1-4,-1 3,5-7,2 3,-1-4,0 0,-6 0,0 0,-4 0,-1 1,0-1,-4 1,4-1,-1 5,-2-3,7 2,-8-4,9 1,-5-1,6 0,-1 0,0 4,22-3,-16 7,21-3,-26 0,10 3,-10-3,5 4,-6 0,-4 0,3 0,-8-3,9 2,3-3,-10 4,4 0,-15 0,3 4,6 4,5 2,4 2,-8-4,2 1,-8-1,0-1,4 1,-8 0,3 0,-3-4,3 3,1-6,9 6,1-2,9 4,-3 0,8-4,-13-1,7-4,-12 3,-2-2,-4 3,-1-1,-3-2,6 6,3-6,5 6,4-2,1 0,-6 2,0-2,-5-1,1 4,-1-7,5 6,1-6,15 3,-2-4,9 0,-7 0,7 0,-6 0,6 0,-7 0,1 0,-6 0,-1 0,-4 0,-1 0,5 0,2 0,-1 0,0 0,-6 0,12 0,-9 0,14 0,-10 0,-1 0,5 0,-10 0,4 0,-4 0,-5 0,3 0,-3 0,4 0,0 0,0 0,-4 0,3 0,-3 0,5 0,-6 4,5-4,-9 4,8-4,0 3,2-2,-5 6,2-3,-11 1,12-1,-3-4,10 4,0-3,1 7,3-7,-9 7,5-8,-10 4,-2-4,1 0,-4 0,9 0,-9 0,8-4,9-4,-5-2,9-3,-12 4,1 0,-1 4,0 1,0 1,1 2,4-3,2 4,10 0,7 4,8-3,5 4,1-5,-6 0,4 0,-16 0,3 0,-11 0,-6-4,-5 0,-10-5,-2 1,2 0,0 3,4-2,-5 2,0 1,5 0,-7 4,1-3,-7 2,3-3,0 4,1 0,2 0,-5 0,6 0,-3 0,5 0,-1 0,-4 4,-1-4,4 4,-2-4,7 0,-4 0,0-4,5 3,-4-2,9 3,-5 0,6 0,-1 3,17 6,-13 1,13 3,-16-8,-5-1,-6-4,0 0,-8 0,3 0,0 0,-3 0,6 0,-5 0,1-4,1 4,-3-7,3 3,-4-4,1 1,2 2,-1-1,1 5,5-6,-2 3,7-1,-8-2,3 7,-2-7,3 6,0-7,0 7,-3-6,2 3,-3-4,1 0,-2 4,4-3,-6 3,14-4,-10 3,13-3,-9 7,8-3,-3 1,4 2,-4-3,-5 0,-6 3,-3-5,2 5,2-2,4 3,0 3,1-2,-1 6,-4-6,0 3,-2-4,-2 3,7-14,-2 0,0-11,-1-4,-3 4,0-9,-4 3,-1-8,-4 3,0-4,-4 4,3 2,-7 4,7 9,-7-2,4 8,-5-5,1 1,0 4,4 0,-6 5,5-1,-6 1,3-1,1 1,-1-1,1 0,-1-2,4 1,-3-2,6 0,-5 3,5-6,-6 6,6-3,-2 0,3 2,0-10,0 6,0-13,0 4,4-4,-3-1,7 1,-3 0,3-1,1 5,-4-3,-2 11,-3-2,0 9,0-8,4 2,-3-3,2 1,-3 2,4-8,-3 4,7-4,-8 0,4 4,-1 0,-2 5,3 5,-4-8,3 6,-2-10,2 2,-3-5,0 0,4 1,-4 9,4 0,-4 1,0-2,3 1,-2-3,2 2,-3-3,0-1,0 5,0 0,-16 15,8-5,-13 12,14-9,-5 6,-5 1,-5 2,0 2,6-4,4 0,5-4,-4 3,2-6,-5 2,6-3,-3 0,-8 0,4 0,-9 0,8 0,3 0,-2 0,6 0,-2 0,-4 3,2 2,-7 3,-1 0,4 1,-4-1,8 0,2 0,3-4,-3-1,3 0,-6-5,6 4,-3-8,0 5,-2-3,-7 4,-2-4,0 3,-3-6,8 2,-9-4,4 5,0-4,-3 3,11 0,-1-2,7 6,0-2,-6 0,5 2,-5-3</inkml:trace>
+</inkml:ink>
+</file>
+
+<file path=ppt/ink/ink76.xml><?xml version="1.0" encoding="utf-8"?>
+<inkml:ink xmlns:inkml="http://www.w3.org/2003/InkML">
+  <inkml:definitions>
+    <inkml:context xml:id="ctx0">
+      <inkml:inkSource xml:id="inkSrc0">
+        <inkml:traceFormat>
+          <inkml:channel name="X" type="integer" min="-2.14748E9" max="2.14748E9" units="cm"/>
+          <inkml:channel name="Y" type="integer" min="-2.14748E9" max="2.14748E9" units="cm"/>
+        </inkml:traceFormat>
+        <inkml:channelProperties>
+          <inkml:channelProperty channel="X" name="resolution" value="1000" units="1/cm"/>
+          <inkml:channelProperty channel="Y" name="resolution" value="1000" units="1/cm"/>
+        </inkml:channelProperties>
+      </inkml:inkSource>
+      <inkml:timestamp xml:id="ts0" timeString="2024-11-21T17:29:16.589"/>
+    </inkml:context>
+    <inkml:brush xml:id="br0">
+      <inkml:brushProperty name="width" value="0.2" units="cm"/>
+      <inkml:brushProperty name="height" value="0.4" units="cm"/>
+      <inkml:brushProperty name="color" value="#0069AF"/>
+      <inkml:brushProperty name="tip" value="rectangle"/>
+      <inkml:brushProperty name="rasterOp" value="maskPen"/>
+    </inkml:brush>
+  </inkml:definitions>
+  <inkml:trace contextRef="#ctx0" brushRef="#br0">4255 144,'-24'-9,"3"3,13 6,-3 0,-6 0,-1 0,-7 4,3-3,-4 2,-1 1,5-3,-3 3,7 0,-2-3,3 2,1-3,3 0,-2 0,-2 4,0-3,-9 3,5-4,-5 0,1 0,-25 0,13 0,-6 0,22 0,14 0,-1 0,-8 0,-7-4,-15 3,4-3,2 4,6 3,4-2,-9 3,8 0,1-3,10 2,5-3,-4 0,-22 0,-23 0,-6 0,-14-4,12 2,-8-7,-1 3,3-1,18-1,7 3,14-5,9 6,5-4,6 7,-1-2,-8 3,-2 0,-12-4,1 3,-10-8,-2 4,-11-6,-2 6,0-5,2 9,12-3,1 4,11-4,9 3,8-2,8 3,-5 0,0 0,-9 0,-6 0,-5-5,-1 4,-4-3,10 0,-5 3,1-3,8 4,-8 0,14 0,-4 0,9 0,0 0,1 0,-2 0,-8 0,0 0,-1 0,-9 0,3 0,-10 0,6-4,-5 3,5-3,-1 4,6-3,2 2,7-3,-3 1,1 2,-2-3,0 4,-9 0,8 0,-8 0,4 0,1 0,0 0,-1 0,1 0,-1 4,5-3,-10 6,16-2,-11-1,19-1,-4 1,1-4,-2 7,-3-6,0 3,-5 0,3-3,-7 3,0-4,6 3,0-2,11 2,0 0,-2 1,1 4,-6-4,7 2,-4-5,2 6,1-3,-2 0,0 3,-1-6,0 2,1 0,0-2,3 2,-7 1,7-4,-3 4,0-4,-1 0,1 3,0-2,-1 2,0-3,0 3,0-2,1 2,-1-3,0 0,1 0,0 0,2 0,-5 4,2-3,-4 5,-5-5,4 3,-4-4,8 0,-2 0,6 0,-2 0,0-3,3 2,-6-3,5 4,-6 4,3-3,-1 3,2-4,-4 0,9 3,-4 1</inkml:trace>
+</inkml:ink>
+</file>
+
+<file path=ppt/ink/ink77.xml><?xml version="1.0" encoding="utf-8"?>
+<inkml:ink xmlns:inkml="http://www.w3.org/2003/InkML">
+  <inkml:definitions>
+    <inkml:context xml:id="ctx0">
+      <inkml:inkSource xml:id="inkSrc0">
+        <inkml:traceFormat>
+          <inkml:channel name="X" type="integer" min="-2.14748E9" max="2.14748E9" units="cm"/>
+          <inkml:channel name="Y" type="integer" min="-2.14748E9" max="2.14748E9" units="cm"/>
+        </inkml:traceFormat>
+        <inkml:channelProperties>
+          <inkml:channelProperty channel="X" name="resolution" value="1000" units="1/cm"/>
+          <inkml:channelProperty channel="Y" name="resolution" value="1000" units="1/cm"/>
+        </inkml:channelProperties>
+      </inkml:inkSource>
+      <inkml:timestamp xml:id="ts0" timeString="2024-11-21T17:30:25.053"/>
+    </inkml:context>
+    <inkml:brush xml:id="br0">
+      <inkml:brushProperty name="width" value="0.2" units="cm"/>
+      <inkml:brushProperty name="height" value="0.4" units="cm"/>
+      <inkml:brushProperty name="color" value="#FF8517"/>
+      <inkml:brushProperty name="tip" value="rectangle"/>
+      <inkml:brushProperty name="rasterOp" value="maskPen"/>
+    </inkml:brush>
+  </inkml:definitions>
+  <inkml:trace contextRef="#ctx0" brushRef="#br0">7982 3145,'24'13,"-4"-4,-12-9,-1 0,12-4,-4 0,9-5,-8 5,-4-3,0 6,-5-6,4 6,0 1,1 1,-1 2,-1 1,-2 0,6 3,-5-3,1 0,-8-35,4 11,-3-21,5 16,1 3,-5-4,0-1,0 1,-3 0,3 8,-4 2,0 8,0-3,-7-1,2 1,-6 0,3-5,0-2,3 0,-2 2,6 8,-2 1,-1-7,0 5,-4-10,0 2,4 4,0-3,0 8,3-3,-6-9,6 1,-3-1,4 0,-4 2,3-4,-3 1,8 9,0-3,4 2,-4 1,0 0,-1 5,1-4,4 2,-4-1,3 2,-3-3,0 3,2-3,-1 3,2-2,-3-7,3-5,-6 4,7-1,-7 6,2-8,-3-1,0-4,4 4,-3-3,2 7,-3-7,0 11,0-2,0 9,0-4,0-1,0 0,0-2,0 5,0-2,0-4,0 6,0-6,0-1,0 2,-3-3,2-3,-6 2,6-8,-7 0,3 4,1 1,0 4,4-3,0 2,0 1,0 6,3 3,-2-3,2 0,-3-1,4 1,-4 0,4-1,-4-8,0 6,0-6,0 3,0-5,0 0,0-3,0 3,-4-4,3-1,-3 1,4-6,4 5,-3-5,3 6,-4-1,0 6,0 4,0 5,0 5,0-4,3-1,-2-4,2 1,-3 2,0 2,-4-9,-1 2,0-12,-2 8,6-3,-7 3,7-5,-7 1,7 4,-6 1,2 9,1-4,-3 4,2-9,-4-1,5 0,0-3,4 7,0-7,0 11,0-17,0 15,0-8,0 9,4-7,-3 3,3-11,-4 12,0-3,0 9,4-3,-4-2,4-1,-4-3,0 9,0-4,0 5,0-2,0 2,0 0,0 2,0-5,0 5,0-2,0 1,3 1,2-6,2 7,1-4,-1 5,1-1,-1 1,1-5,3 4,-2-4,2 4,-3 1,-1-1,1-3,-4 3,2-3,-12 0,-2 3,-5 0,-1 5,7 3,-4 0,-1 0,0 0,-2 0,-8-4,-2-1,-7-1,9 3,1-1,0-1,4 0,-4-2,9 6,0-3,1 4,-16 0,-2-4,-14 3,5-7,1 6,4-2,1 4,14 0,-1-3,6 2,1-3,0 4,1 0,-1 0,-8 0,-7 0,-6 4,-10 2,4-1,-16-1,15 0,-10-3,18 4,0-2,6-2,-1 3,5-4,5 4,2-4,7 4,-8-4,8 0,-8 0,4 3,-14 2,3 4,-14 0,5-4,-11 4,4-8,-32 3,14 1,-11-4,19 8,5-8,5 7,-4-7,6 7,4-6,2 2,4-4,-4 4,-2-3,-5 3,-5-4,-7 0,3 0,-7 0,15-4,-5-1,7-1,-1-2,0 7,1-3,-1 4,5-4,2 3,5-7,-1 7,5-3,-3 0,3-1,-4 0,-1-3,5 7,-3-7,3 8,0-4,-8 4,7-4,-14-2,4-3,-4 0,-1-1,0 1,6 4,-5-4,5 8,-1-3,-3 4,3 0,-5 0,6 0,0 0,6 0,-1 0,5 0,6 0,0 4,-1-3,-5 2,-4 1,-1 1,1 4,0-1,-1 1,-4-4,3-1,-3-4,4 0,1 0,-1-4,-4 3,-2-3,-10 4,-7 5,3-4,-13 8,7-8,-10 9,5-5,7 1,8 3,5-4,6 4,0-4,6-1,4-1,5-2,5 3,5-4,-4 0,-6 0,-4 0,-6-4,6 3,-5-3,4 4,-4 0,-1 0,1 0,0 0,-1 0,5 4,1-3,9 2,0-3,1 0,3 0,-7 0,2 0,-2 0,-6 0,3 0,-7 0,3 0,-4 0,-6 0,5 0,-5 0,6 4,-1 1,-4 4,-2 0,-4 0,4-3,1 2,6-7,0 6,-13-2,10 4,-9-4,16-1,5-4,2 0,6 0,-6 0,-2 0,-1 0,-7 0,3 3,0-2,-3 3,7-4,-12 0,7 4,-14-3,-17 7,10-3,-16 5,23-1,-1 0,0 1,1-5,4 3,-3-7,8 7,-3-7,4 2,5-3,-3 0,7 4,-7-3,3 3,-4-4,4 0,1-4,9 3,0-3,1 4,3 0,-6-3,5 2,-2-6,-8 3,5-4,-15 3,7-3,0 4,-3-1,11 1,-2 4,9-3,-4 2,-1-6,1 6,0-5,-1 5,-5-6,-5 2,-4-4,-1 0,-4 0,3 0,-3 0,5 0,-1 0,1 0,-6 4,0-3,-6 7,0-3,6 4,5-4,6 3,8-2,2 3,0 0,3 3,-7-2,2 6,-7-2,-2 3,-5 1,1-1,-6 1,5 0,-5 0,6 0,0-4,-1 3,1-4,-1 5,5-4,5 2,6-6,3 2,-2-3,-6-3,-1 2,-7-3,2 4,-4-4,-1-1,5-3,1-1,9 4,1-2,-1 3,4-4,-8 0,8 1,-8-2,8 2,-4 2,1-2,2 3,-2-4,3 1,1-1,-4 1,-1-1,-4 0,-5-1,4 1,-9-1,13 5,-12-4,16 7,-7-7,8 8,-3-7,-2 6,1-3,-4 4,8 0,-3 0,0 0,2 0,-5 0,2 4,0-3,0 2,5-3</inkml:trace>
+</inkml:ink>
+</file>
+
+<file path=ppt/ink/ink78.xml><?xml version="1.0" encoding="utf-8"?>
+<inkml:ink xmlns:inkml="http://www.w3.org/2003/InkML">
+  <inkml:definitions>
+    <inkml:context xml:id="ctx0">
+      <inkml:inkSource xml:id="inkSrc0">
+        <inkml:traceFormat>
+          <inkml:channel name="X" type="integer" min="-2.14748E9" max="2.14748E9" units="cm"/>
+          <inkml:channel name="Y" type="integer" min="-2.14748E9" max="2.14748E9" units="cm"/>
+        </inkml:traceFormat>
+        <inkml:channelProperties>
+          <inkml:channelProperty channel="X" name="resolution" value="1000" units="1/cm"/>
+          <inkml:channelProperty channel="Y" name="resolution" value="1000" units="1/cm"/>
+        </inkml:channelProperties>
+      </inkml:inkSource>
+      <inkml:timestamp xml:id="ts0" timeString="2024-11-21T17:30:35.131"/>
+    </inkml:context>
+    <inkml:brush xml:id="br0">
+      <inkml:brushProperty name="width" value="0.2" units="cm"/>
+      <inkml:brushProperty name="height" value="0.4" units="cm"/>
+      <inkml:brushProperty name="color" value="#FF8517"/>
+      <inkml:brushProperty name="tip" value="rectangle"/>
+      <inkml:brushProperty name="rasterOp" value="maskPen"/>
+    </inkml:brush>
+  </inkml:definitions>
+  <inkml:trace contextRef="#ctx0" brushRef="#br0">6756 192,'-51'-4,"-3"3,10-3,-6 4,-7 0,0 0,-14-5,-1 3,0-3,1 5,13 0,8 0,7 0,10 0,2 0,9 0,5 0,5 0,5 0,-4 0,-5-3,-5 2,0-7,-4 3,3 1,-15-5,8 4,-8-4,11 0,-1 0,5 4,1-2,1 2,-2-4,0 1,-4-1,4 0,0 1,6 0,4 3,5-2,-8 7,5-4,-8 4,9 0,-2 0,0 0,2 0,-5 0,6 0,-3 0,-5 4,-2-3,-8 3,-1 0,1-3,-17 7,7-6,-13 6,11-2,6-1,-5-1,9-4,-8 0,8 0,-3 4,5-3,8 3,2-1,8-2,-3 2,-1-3,1 0,0-3,0 2,3-3,-7 4,7 0,-3 0,0-3,-5 2,-1-2,-4 3,8 0,2-3,-1 2,4-3,-7 4,7 0,-3-3,0 2,-1-6,-4 6,-1-6,1 2,-10 1,3-4,-8 7,9-6,1 6,8-6,-2 6,6-2,-2 3,0-4,3 3,-6-2,-20 3,-8 5,-22-4,12 4,3-5,11 0,5 0,6 0,11 0,4 0,1 3,-11-2,-12 7,0-7,-3 4,11-5,8 0,2 0,8 0,-3 0,-6 0,-4 0,-5 0,-6 0,0 0,-1 0,-3 4,8-3,-4 3,10-4,2 0,7 0,2 0,-9 0,-3 0,-13 4,-8-3,10 7,-8-7,15 3,-5 0,6-3,0 3,7-4,4 0,7 0,-13 4,-21 2,-6 4,-10 0,15-1,6-3,8 1,4-6,12 3,2-4,-22 8,-12-1,-28 7,1-3,2 0,6-1,6 1,12-2,18-3,-1 2,4-7,-7 3,-5-4,10 4,-5-3,6 3,8-1,2-2,8 2,-3-3,-9-3,-7 2,-9-3,3 4,-3 0,13 0,1 0,10 0,5 0,-9 0,-7-4,-10 3,-10-7,4 2,-4 1,10-3,2 7,4-7,9 7,2-3,9 4,-1-4,-6 4,5-7,-9 6,1-2,-1 3,-2-4,-1-1,-6-4,-1 4,-8-3,8 7,-3-3,9 0,5 3,5-2,5 3,-9 0,-13 0,-10 0,8 0,0 0,23 0,-4 0,-9 4,-3 1,-39 0,7 4,-10-8,17 4,20-5,8 0,9 0,5-4,-9 0,2-1,-3-2,6 6,3-6,-3 7,3-7,-6 6,5-2,-2-1,1 4,1-4,-5 4,6 0,-3 0,-4 0,6 0,-6 0,3 0,4 0,-7 0,7 0,-3 0,0 0,2 0,13 23,-1 0,13 16,-7-8,0-4,-1-1,1 5,-4-3,3 3,-3-9,0-5,1-6,-5-3,6 3,-3-3,4 12,-4-7,4 13,-3-5,0 1,-1-5,-1-2,-2-6,3 6,-4-7,0 8,0-8,0 3,0 1,0 0,0 4,-4 5,3 13,-3-5,0 4,3-7,-2-9,-1 8,-1-8,-3 4,0-8,3 2,-2-7,3 7,-4-2,3 3,-2-4,3 0,0-5,-6 4,8-3,-8 3,9-1,-5-1,5 10,-2-1,3 8,0 0,0 1,0-6,0 5,0-13,3 7,-2-12,3 4,-4-2,3 2,-2 0,3-1,-1 1,-2 0,3 9,-4-4,4 8,-3-11,3 6,-4-8,0 4,0 5,0-4,0 8,-4-3,3 0,-3-1,0-5,3 5,-6-4,6 4,-3-5,4 5,-3-4,2 8,-3-7,4 3,-4-5,3-4,-2-1,-1 0,4-3,-4 6,4-5,0 5,0-5,-4 10,3-1,-7 9,4-1,-1 0,-3 0,3 1,-4-1,0 0,1-4,-1 3,0-3,0 5,1-1,3-4,1-2,0-3,3-5,-3-1,4 5,4-2,-3 11,6 4,-6-1,3 5,-4-6,-4-1,-1 0,-3 1,3-1,-3 5,7-3,-4 8,5-3,0-1,0-1,0-4,0-1,0-8,0 2,4-1,0-5,1 5,1-12,-5 1,6 2,-7 6,4 0,-1 0,-2-1,2 2,-3 5,0 4,0 0,0-4,0 4,0-9,0 4,0-1,0 2,0 4,0 1,0-1,0 12,0-13,0 3,0-12,0-4,0 9,0-4,0 0,0-6,0-3,-3 2,-1 2,-1-1,2 4,3-3,-4 4,3 5,-6 6,1 6,-8 10,3 1,-3 1,4-2,1-6,0-4,4-2,-3-5,7-4,-3-1,0-9,4-1,-4 4,4-2,0 11,0-6,0 7,0-3,0 4,0 0,4 1,-3 4,3-4,0 5,-3-6,3-4,-1-1,2-9,2-1,1-3,-1-1,0 0,1 1,-1-1,1 1,-1-1,1 1,-1-1,0 0,1 5,0 0,0 0,-1 0,1-2,0 3,-4-2,-1 5,1-4,-3 4,3 12,-4-4,0 14,0-10,0-1,-4-2,3-8,-3 4,0-5,3 0,-6 1,6-5,-3-1,4 1,0-4,0 7,0 7,-4 1,-1 20,-4-14,1 9,-1-6,4-5,0 5,1-6,3 0,-3 0,1-4,2 3,-3-7,4 3,0-9,0 3,0-6,0 2,4 5,0-7,4 7,-3-9,1 1,-2 3,0-3,3 2,-6 2,2 0,1 9,1 1,0 4,3 5,-3 2,4 4,0 1,1-1,-5-4,3-2,-7-9,3-1,-4-5,0-4,0 0,-4 2,4-4,-8 13,3-5,1 8,-4 0,3 0,-4 1,0-1,0 5,0-3,0 3,0-5,0 6,0-5,0 0,0-2,1-3,-1 4,1 0,3-9,2 2,-1-11,3 3,-2 0,3-3,0 7,-4-3,4 5,-8-1,7 5,-2 5,3 2,0 3,-5 1,4-5,-7 4,7-9,-3-1,4-9,0 0,0-2,0-1,0 9,0-5,0 2,0-3,4-5,0 4,3 0,-3 1,0-1,-4-1,0-2,0 10,0-4,0 5,0 2,0-4,3 8,2-3,4 10,0-5,0 4,0-4,-1-9,0-3,-1-7,1-1,-1 1,1-1,-1 4,1-2,0 6,-1-7,1 7,-4-7,-1 3,1 0,-3-3,2 10,-3-5,3 3,-2-5,2-4,-3 4,0 1,0 8,-3-4,2 9,-7-3,7-4,-6-2,3-9,-1 1,2-1</inkml:trace>
+</inkml:ink>
+</file>
+
+<file path=ppt/ink/ink79.xml><?xml version="1.0" encoding="utf-8"?>
+<inkml:ink xmlns:inkml="http://www.w3.org/2003/InkML">
+  <inkml:definitions>
+    <inkml:context xml:id="ctx0">
+      <inkml:inkSource xml:id="inkSrc0">
+        <inkml:traceFormat>
+          <inkml:channel name="X" type="integer" min="-2.14748E9" max="2.14748E9" units="cm"/>
+          <inkml:channel name="Y" type="integer" min="-2.14748E9" max="2.14748E9" units="cm"/>
+        </inkml:traceFormat>
+        <inkml:channelProperties>
+          <inkml:channelProperty channel="X" name="resolution" value="1000" units="1/cm"/>
+          <inkml:channelProperty channel="Y" name="resolution" value="1000" units="1/cm"/>
+        </inkml:channelProperties>
+      </inkml:inkSource>
+      <inkml:timestamp xml:id="ts0" timeString="2024-11-21T17:30:55.635"/>
+    </inkml:context>
+    <inkml:brush xml:id="br0">
+      <inkml:brushProperty name="width" value="0.2" units="cm"/>
+      <inkml:brushProperty name="height" value="0.4" units="cm"/>
+      <inkml:brushProperty name="color" value="#969696"/>
+      <inkml:brushProperty name="tip" value="rectangle"/>
+      <inkml:brushProperty name="rasterOp" value="maskPen"/>
+    </inkml:brush>
+  </inkml:definitions>
+  <inkml:trace contextRef="#ctx0" brushRef="#br0">1 43,'28'3,"-3"-2,-18 2,9-3,-2 0,6 0,1 4,1-3,0 3,3-4,-3 0,4 0,-4 0,-1 0,-5 0,-4 0,3-4,-6 3,2-2,0 3,-3 0,16 0,-5 0,18 0,-10 0,9 0,-8-4,-1 3,-2-7,-12 4,7-5,-11 5,2 0,8 0,-9 0,18-1,-19 2,7 3,-8 0,3 0,5 0,-3 0,1 0,-6 0,2 0,2 0</inkml:trace>
+</inkml:ink>
+</file>
+
+<file path=ppt/ink/ink8.xml><?xml version="1.0" encoding="utf-8"?>
 <inkml:ink xmlns:inkml="http://www.w3.org/2003/InkML">
   <inkml:definitions>
     <inkml:context xml:id="ctx0">
@@ -4430,259 +5706,7 @@
 </inkml:ink>
 </file>
 
-<file path=ppt/ink/ink70.xml><?xml version="1.0" encoding="utf-8"?>
-<inkml:ink xmlns:inkml="http://www.w3.org/2003/InkML">
-  <inkml:definitions>
-    <inkml:context xml:id="ctx0">
-      <inkml:inkSource xml:id="inkSrc0">
-        <inkml:traceFormat>
-          <inkml:channel name="X" type="integer" min="-2.14748E9" max="2.14748E9" units="cm"/>
-          <inkml:channel name="Y" type="integer" min="-2.14748E9" max="2.14748E9" units="cm"/>
-        </inkml:traceFormat>
-        <inkml:channelProperties>
-          <inkml:channelProperty channel="X" name="resolution" value="1000" units="1/cm"/>
-          <inkml:channelProperty channel="Y" name="resolution" value="1000" units="1/cm"/>
-        </inkml:channelProperties>
-      </inkml:inkSource>
-      <inkml:timestamp xml:id="ts0" timeString="2024-11-21T17:27:49.230"/>
-    </inkml:context>
-    <inkml:brush xml:id="br0">
-      <inkml:brushProperty name="width" value="0.2" units="cm"/>
-      <inkml:brushProperty name="height" value="0.4" units="cm"/>
-      <inkml:brushProperty name="color" value="#FF8517"/>
-      <inkml:brushProperty name="tip" value="rectangle"/>
-      <inkml:brushProperty name="rasterOp" value="maskPen"/>
-    </inkml:brush>
-  </inkml:definitions>
-  <inkml:trace contextRef="#ctx0" brushRef="#br0">1 5,'28'4,"-1"3,-14-3,-1 1,-1 2,-3-7,3 4,11 0,1-3,4 3,-10-4,-6 0,-4 0,4 0,5 0,-4 0,3 0,-8 0,4 3,1 2,0-1,-1 0,0-4,-3 3,6-2,-6 2,3-3,0 0,1 0,3 0,6-4,1 3,4-7,1 7,-6-3,5 0,-5 3,1-6,-5 6,-6-3,-3 4,3-3,8 2,4-2,6 3,-3 0,6-5,-9 4,2-7,-12 4,-2 0,-3 0,2 8,2 3,-1 1,0 3,-4-4,1 1,3-1,-3 1,3-4,-4 2,4 2,-3 0,3 3,-7-4,3 9,-2 2,0 4,2-2,-3-7,4-2,-1-4,1 1,-1-1,1 1,-1-1,-3 4,3-2,-6 2,5 0,-2-3,0 3,0 0,-4-2,0 9,0-9,3 6,-2-4,2-2,-3 9,0-5,0 7,0-4,0 1,0 3,0-6,0 10,0-15,0 11,0-8,0 5,0-1,0 0,0 1,0-1,0 0,0 0,0-3,0 2,-3-7,2 7,-6-7,6 3,-2 0,3 1,0 3,0 6,0-7,-4 5,3-6,-2 3,3 0,0-4,0 4,0-8,0 7,0-6,0 2,0 0,0-2,0 6,3-6,1 2,0 0,3-3,-6 6,2-2,-3 0,0 3,0-7,0 4,0-2,0-1,0 5,0-5,0 2,0 0,0-3,0 7,0-7,0 7,0-6,0 2,-4 0,3-2,-6 2,7 0,-7-2,6 2,-6 0,6-2,-3 2,1 0,2 1,-5 0,5 3,-6-3,2 1,-3 2,4-3,0 1,0 6,3-9,-2 10,-1-8,3 4,-3-3,4-2,0 0,0-2,-3 9,2-9,-6 6,7-8,-4 4,1 5,-2 0,-3 4,4-8,-3 3,2-2,0 7,2-2,-1 2,3-3,-3-1,4 0,0 0,0-3,0-2,0 0,0-3,0 6,0-6,4 7,-3-7,6 7,-6-2,6 3,-6 5,6-4,-6 8,7-3,-3 4,0 1,2-1,-6 0,7 1,-3-1,0-4,-1 3,-1-8,-2 4,6-5,-6-3,3-2,-1 0,-2-3,2 10,-3-9,0 14,4-5,-3 4,3-1,-4-1,4-2,-4 7,4-3,-4 0,4 3,-3-3,3 4,-4 0,0-8,0 2,0-12,0 4,0-2,0-2,0 6,0-5,0 10,0-1,0 8,-4 0,3 1,-3-1,4 0,0 1,0-1,0 0,0 0,4-4,-3-1,2-5,-3 0,0 1,0-5,0-1,-3 0,2-3,-6 3,3 4,-1 2,-2 4,2 4,1-3,-4 4,7 1,-7-1,7 0,-3 1,4-6,0 5,0-9,0 0,0-6,0-4,0 4,-3 1,2-1,-3 0,4 0,-3-3,-1 3,-4 4,4 3,-4 9,3-1,-4 0,0 0,0 1,4-1,-3 0,7 1,-6-6,6 0,-6-8,6 2,-2-7,3 4,0-2,0 2,0 0,3-1,-2 0,2-3,-3 11,0-9,0 10,0-8,0 9,0 1,0-4,0 1,0-10,0 2,3 0,2-3,3 11,-4-9,0 5,-4 0,0-6,0 14,0-5,4 8,-3-4,6-1,-6-5,3-3,-4-2,3-4,-2 4,2 1,0-1,-2 0,2 0,-3-3,4 6,-4-6,7 3,-3-1,0-1,3 1,-3 1,0-3,-1 6,-3-5,0 1,4 1,-3-3,5 6,-5-6,6 3,-7 0,7-3,-6 6,5-6,-5 3,-1 0,-1-3,-2 6,0-6,2 3,-6 0,6-3,-2 6,3-6,-3 3,2-1,-3-1,1 9,-2-1,-3 4,3-4,-2-2,6-3,-3 1,1-2,2-4,-2 4,3 1,0-1,3 0,2 0,-1-2,-1 2,4-4,-2 1,6-1,-4 1,1 3,-1-3,-3 4,3-5,-3 0</inkml:trace>
-</inkml:ink>
-</file>
-
-<file path=ppt/ink/ink71.xml><?xml version="1.0" encoding="utf-8"?>
-<inkml:ink xmlns:inkml="http://www.w3.org/2003/InkML">
-  <inkml:definitions>
-    <inkml:context xml:id="ctx0">
-      <inkml:inkSource xml:id="inkSrc0">
-        <inkml:traceFormat>
-          <inkml:channel name="X" type="integer" min="-2.14748E9" max="2.14748E9" units="cm"/>
-          <inkml:channel name="Y" type="integer" min="-2.14748E9" max="2.14748E9" units="cm"/>
-        </inkml:traceFormat>
-        <inkml:channelProperties>
-          <inkml:channelProperty channel="X" name="resolution" value="1000" units="1/cm"/>
-          <inkml:channelProperty channel="Y" name="resolution" value="1000" units="1/cm"/>
-        </inkml:channelProperties>
-      </inkml:inkSource>
-      <inkml:timestamp xml:id="ts0" timeString="2024-11-21T17:28:26.305"/>
-    </inkml:context>
-    <inkml:brush xml:id="br0">
-      <inkml:brushProperty name="width" value="0.2" units="cm"/>
-      <inkml:brushProperty name="height" value="0.4" units="cm"/>
-      <inkml:brushProperty name="color" value="#FF8517"/>
-      <inkml:brushProperty name="tip" value="rectangle"/>
-      <inkml:brushProperty name="rasterOp" value="maskPen"/>
-    </inkml:brush>
-  </inkml:definitions>
-  <inkml:trace contextRef="#ctx0" brushRef="#br0">12087 0,'20'16,"0"-6,-16-6,3-1,7-2,-4 2,4-3,-4 0,-2 0,6 3,-5 5,-2 0,-4 6,-3-6,0 3,4 0,-3 10,2 2,1 8,1-5,-1-4,4 3,-7-7,7 7,-4-8,1 4,-1-5,-1-3,-2-2,2 0,-3-3,4 6,-4-6,7 3,-3 0,4-3,-4 6,-1-5,-3 6,0-3,0 5,0-1,0 5,4-4,-4 8,4-7,-4 7,0-8,0 8,0-7,0-2,-3-4,2-1,-6-2,6 2,-6 0,3 2,-1 7,-2 2,2 16,-4-9,0 5,0-9,5-8,0 4,4-9,0 0,3-1,-2 1,2-1,1 1,-4 4,7-3,-6 8,7-1,-7-2,6 2,-6-7,6 2,-6-7,3 4,-4-1,0-3,0 6,0-6,0 3,0-1,0-1,3 9,-2-9,3 9,-4-5,0-1,3 3,-2-7,2 3,-6 0,2 6,-3 0,4 4,0 0,-4-4,4 4,-4-1,0-2,3 2,-2 1,3-3,0 7,-4-8,3 4,-6-9,6 3,-6-6,7 2,-10 0,8-3,-5 3,4 0,2-3,-2 6,-1-5,0 6,0-3,-4 9,7 1,-7 4,7-4,-7 3,7-7,-7 7,4-8,-1 4,-2-9,6 0,-2-5,-1 4,4 0,-4 1,4-2,-3 1,2 1,-6 0,6-1,-6 1,7 0,-7 0,6 8,-7-2,3 13,-4-3,0 8,0-8,0 3,0-5,0 1,0-1,1 0,-1 0,4 1,-3-1,3-4,0-1,-2-5,2 5,1-4,-4 8,7-3,-3 4,4 1,0-1,0 0,0 0,0-4,-4 15,3-12,-3 13,4-12,0 1,0-6,0 5,0-9,3 0,-2-2,6-3,-6 1,6 1,-6-5,2 1,0 1,-2-3,6 6,-7-6,7 3,-3 4,4-6,-4 10,4 2,-3 7,4 10,-3-1,2 1,-3 0,0-1,-1 1,-4-10,0-3,0-12,0-2,-7 4,6 2,-11 13,11 3,-3 5,4-1,-4-4,3-2,-7-5,7 0,-3 1,4-9,0-3,0-7,0 3,0 0,0 1,0-2,0 2,0-4,0 7,0-6,0 2,-4 5,4 2,-8 8,7 5,-3-3,-1 14,0-8,-9 14,2 3,-3 13,4 2,5-2,2-14,4-12,0-6,0-10,0-6,-4-8,0 6,0-8,-3 9,6-5,-2-1,3 5,0-6,0 3,0-1,3-1,2 9,3-1,0 13,2 3,-1-1,0 0,-1-11,-3 5,2-4,-6 4,7 0,-7-4,3 3,-4-3,4 4,-3-4,3-1,-4-9,3-1,-2 0,2-3,-3 15,0-9,0 10,0-8,-4 12,3-9,-2 14,-1-20,4 3,-4-5,4 6,0 1,0 2,0-7,0-2,0 0,4-3,-4 6,7-2,-3 0,1-1,1-3,-5 7,3-5,-4 6,3-5,-2-3,6 7,-6-7,2 3,0 0,-2-3,-7 3,-4-7,-5-1,4 0,-5 6,3 0,-8 3,9-7,0 2,5-7,-4 4,-1-4,-4 0,5 3,-1-2,1 2,3 0,-6-2,-14 7,-1-7,-9 3,2 1,3 0,0 0,2-1,5 0,-1-3,5 3,1-4,9 0,0 0,-2 0,0-4,-10 3,7-6,-9 2,-1-4,0 4,-5-3,6 3,4 0,-3 1,7 4,-3 0,5 0,0 0,3 0,2 0,0-3,2 2,-5-6,6 7,-3-4,0 4,-11-4,0-1,-10 0,1-3,-2 7,1-4,5 5,6-3,8 2,2-3,0 4,3 0,-7 0,7 0,-11 4,1 1,-9 4,1-1,-1 1,-4-4,3 3,1-7,2 6,8-6,0 7,5-8,5 4,-4 2,-6 0,-15 6,-13-3,-7 1,1 0,8 0,10-1,6-4,11 2,4-6,5 2,-4-3,-1 0,0 0,-7 0,1-4,-13 3,-8-7,-11 7,-8-3,0 4,2 0,16 3,8-2,11 3,9-4,0 4,-4 0,-7 5,-21-4,3 3,-20-2,21 3,-9-3,16-2,2-4,13 0,2 0,8 0,-3 0,-1 0,-13 4,-4-3,-8 3,-13-4,10 0,-21 0,9 0,-6 0,7 0,8-4,11 3,0-7,10 7,5-3,2 4,6 0,-2 0,0-3,3 2,-7-3,7 4,-7 0,-2-4,0 3,-8-2,3 3,0-4,1 3,4-3,5 4,1-3,0 2,2-2,-5 3,6 0,-3-4,-10 4,-15-9,-30 3,-8-5,-19 4,5 2,0 5,2-5,19 4,10-4,23 1,9 3,4 2,-12 4,-12 0,-13 4,-6-3,6 4,2-4,6 3,10-8,-2 3,19-4,1 0,11 0,3 0,-6 3,-4 2,-12-1,-3 0,-5 0,1-2,-1 2,-5 0,4-3,-5 8,12-8,0 7,10-7,6 3,4-4,5 0,-14 4,-29-3,-20-2,-25-6,0-5,14 1,-4-1,13 1,0 0,1 0,19 5,3 1,16 5,6 0,6 0,9 0,-3 0,-2 0,-5 0,-5 4,-4-3,-2 7,-5-7,1 4,4-5,2 0,4 0,1 0,4 0,1 3,9-2,-4 3,4-1,-9-2,-1 7,0-4,-3 1,3 3,-5-4,-4 5,-2 0,-10-3,-8 2,-17-6,13 2,0-4,24 0,5-4,8 3,-2-3,11 1,-2 2,-1-6,0 6,-9-2,-6-2,-6 4,-4-3,-1 0,-11-5,13-1,-7 1,21 1,1 7,9-3,0 1,5-1,-5 0,4 0,-12 4,2-4,-14-1,0 0,-23-7,13 10,-7-11,13 8,8 0,-3-3,4 7,9-6,-6 6,6-6,-4 6,-3-3,-2-1,-12 4,-46-3,18 4,14 2,1 1,-14 3,-4 5,17-1,9-1,13-3,13-3,2-3,8 0,-3 0,-9 4,-7-3,-4 7,-11-7,8 7,-15-2,15-1,-8 3,19-7,-7 7,8-7,4 7,2-8,8 4,-8 0,-2-4,-8 8,0-7,-1 3,1-4,-1 0,1 0,4 0,5-3,6 2,3-2,-3 3,-6 0,-5 0,-10 0,0 4,-6 1,0 4,1 1,-1-5,0 3,6-3,-5 0,14 3,1-8,11 4,7-1,-17 2,-5 4,-25 1,-6 0,4 0,-8 1,21-2,-9-3,16-2,10-4,7 0,8 3,-2-2,1 6,-6-3,-1 4,-11 1,-6 0,0 0,-3-4,8-1,-3-4,4 4,9-3,2 3,9-4,-4 0,-1 0,-3 0,3 0,0-4,1 4,-6-8,-1 4,-2-5,7 4,2-2,3 7,-3-7,0 6,2-6,-4 7,8-7,-6 3,3-4,-3 0,2 1,-10-2,5 1,-7 0,5 0,-1-4,-12-10,5-2,-12-8,8 4,0 0,0 4,9 3,3 8,8 1,1 8,-7 4,4 4,-12 4,8 0,-3 0,2 0,2 0,1 0,-8 0,-4 10,-21-2,-22 16,0-5,-11 7,20-3,13-6,12-6,16-11,6-4,3-7,-2-8,1 2,-2-2,7 4,-6-1,2 3,-4-1,-3-1,7 2,-4-7,5 8,-1-2,-3 5,3-6,-6 6,5-2,-2 3,-8 0,5 0,-10-4,7 3,1-6,3 6,-2-6,6 6,-2-6,3 3</inkml:trace>
-</inkml:ink>
-</file>
-
-<file path=ppt/ink/ink72.xml><?xml version="1.0" encoding="utf-8"?>
-<inkml:ink xmlns:inkml="http://www.w3.org/2003/InkML">
-  <inkml:definitions>
-    <inkml:context xml:id="ctx0">
-      <inkml:inkSource xml:id="inkSrc0">
-        <inkml:traceFormat>
-          <inkml:channel name="X" type="integer" min="-2.14748E9" max="2.14748E9" units="cm"/>
-          <inkml:channel name="Y" type="integer" min="-2.14748E9" max="2.14748E9" units="cm"/>
-        </inkml:traceFormat>
-        <inkml:channelProperties>
-          <inkml:channelProperty channel="X" name="resolution" value="1000" units="1/cm"/>
-          <inkml:channelProperty channel="Y" name="resolution" value="1000" units="1/cm"/>
-        </inkml:channelProperties>
-      </inkml:inkSource>
-      <inkml:timestamp xml:id="ts0" timeString="2024-11-21T17:28:32.767"/>
-    </inkml:context>
-    <inkml:brush xml:id="br0">
-      <inkml:brushProperty name="width" value="0.2" units="cm"/>
-      <inkml:brushProperty name="height" value="0.4" units="cm"/>
-      <inkml:brushProperty name="color" value="#FF8517"/>
-      <inkml:brushProperty name="tip" value="rectangle"/>
-      <inkml:brushProperty name="rasterOp" value="maskPen"/>
-    </inkml:brush>
-  </inkml:definitions>
-  <inkml:trace contextRef="#ctx0" brushRef="#br0">6085 29,'-33'0,"7"0,7 0,1 0,-9 0,5 3,1-2,5 3,-5 0,-1-3,-4 3,8-4,-2 0,3 3,-1-2,-7 7,8-7,-4 3,4 0,1-3,0 2,-1-3,5 0,-3 3,3-2,-4 3,0-4,-1 0,1 0,-1 0,-3 0,-2 0,-5-4,5 3,1-3,-11 4,7 0,-18 0,15 4,-3-3,4 6,1-6,4 3,1 0,-5-3,3 6,-8-6,4 3,1-4,4 0,1 0,5-4,-1 3,1-2,0-1,3 3,-2-2,2 3,-3-4,3 3,2-3,0 4,-6 0,-1 0,-12-4,7 3,-21-7,10 7,-22-8,21 8,-9-4,18 5,0 0,4 0,1-3,0 2,-11-3,2 0,-18 3,27-3,-7 4,21 0,-1 0,-11 0,-17 5,-28 1,-3 0,-11 4,14-4,0 0,12 3,3-8,11 3,0-4,6 0,9 0,7 0,8 0,-3 0,-9 7,-19-5,-5 10,-12-11,6 3,0-4,5 0,7-4,6-1,6 0,8-2,2 3,8 0,-3-3,3 6,-4-6,1 2,-6 1,-5-4,-10 3,-12 0,3 1,-19-1,7 4,-16-8,21 4,0 0,21 1,9 1,2 2,9-2,-9 10,-19 0,-6 6,-15-3,6 0,5 0,2 0,10-5,2-1,13-4,2 0,9 0,-4 0,-23 0,-2 0,-20 0,6 0,0 0,5 0,2 0,10 0,7 0,9-3,5 2,5-6,-20 6,-4-2,-14 3,2 0,6-4,4 3,2-4,9 2,5 2,5-3,5 4,-13 0,-15 0,-10 0,-17 0,16 4,-3-3,11 3,5-4,10 0,8 0,7 0,-7 0,2 4,-7-3,8 6,0-6,5 2,-4-3,-1 0,0 3,-4-2,4 2,-1 1,2-3,0 5,-2-5,-8 7,-1-7,-9 3,3 0,-3-3,4 2,5-3,5 0,6 0,4 0,-13 0,10-3,-13 2,10-2,1 0,0 2,1-6,3 6,-7-2,7 3,-8 0,4-4,-9 3,3-2,-7-1,3 3,-4-7,-1 7,5-7,2 7,7-2,2-1,3 3,-11-2,0 3,-11 0,12 0,2 0,9 0,-13-4,6 3,-10-3,3 4,-1 0,4-3,2 2,9-2,-4 3,-1-4,0 4,1-4,4 4</inkml:trace>
-</inkml:ink>
-</file>
-
-<file path=ppt/ink/ink73.xml><?xml version="1.0" encoding="utf-8"?>
-<inkml:ink xmlns:inkml="http://www.w3.org/2003/InkML">
-  <inkml:definitions>
-    <inkml:context xml:id="ctx0">
-      <inkml:inkSource xml:id="inkSrc0">
-        <inkml:traceFormat>
-          <inkml:channel name="X" type="integer" min="-2.14748E9" max="2.14748E9" units="cm"/>
-          <inkml:channel name="Y" type="integer" min="-2.14748E9" max="2.14748E9" units="cm"/>
-        </inkml:traceFormat>
-        <inkml:channelProperties>
-          <inkml:channelProperty channel="X" name="resolution" value="1000" units="1/cm"/>
-          <inkml:channelProperty channel="Y" name="resolution" value="1000" units="1/cm"/>
-        </inkml:channelProperties>
-      </inkml:inkSource>
-      <inkml:timestamp xml:id="ts0" timeString="2024-11-21T17:28:41.643"/>
-    </inkml:context>
-    <inkml:brush xml:id="br0">
-      <inkml:brushProperty name="width" value="0.2" units="cm"/>
-      <inkml:brushProperty name="height" value="0.4" units="cm"/>
-      <inkml:brushProperty name="color" value="#FF8517"/>
-      <inkml:brushProperty name="tip" value="rectangle"/>
-      <inkml:brushProperty name="rasterOp" value="maskPen"/>
-    </inkml:brush>
-  </inkml:definitions>
-  <inkml:trace contextRef="#ctx0" brushRef="#br0">347 1,'-12'24,"4"-4,5-12,-1 3,-1 16,-4-2,0 11,0-9,0-1,0 0,1-8,3 6,-1-14,5 6,-3-9,1 4,-1-3,0 3,0 0,4 1,-3-1,2 1,-6-2,3 3,0-2,0 1,1-5,-1 4,-1-3,2 10,3-9,0 10,0-7,4 4,-4-3,4-2,-4 0,3-3,5 6,0-9,-1 5,3-6,-5 3,6 1,-4-1,1 9,1 2,-1 4,0-2,1 1,-1-4,-3 4,-2-8,1-2,-4-4,7 4,-6 6,2-1,-3 1,0-2,0-2,0 3,0 0,0 1,0-5,0-1,0 0,-3-3,2 6,-2-6,-1 3,0 0,-3-3,-1 7,0 1,-1 2,4-1,-2-2,6-3,-6 9,2-8,0 7,2-3,-1 0,4 4,-4-5,0 0,-4 8,3-9,-6 8,6-11,0 0,-2 0,7-5,-7 4,6 0,-2 1,3-1,-4-1,3 3,-2 7,3 1,-4 6,3-5,-7 3,4-8,-1 8,-2-7,6 2,-3-7,4-2,0 0,0-3,7 6,-6-6,6 7,-7-7,0 8,0-8,0 7,0-6,0 2,0 4,-4-2,0 6,-1-6,1-2,1 0,2-2,-7 6,7-7,-6 8,2 0,-3 6,3 8,1-3,4 3,0-4,0 0,0-4,0-1,0-9,0-1,0 0,3-3,-2 6,6-5,-7 1,7 1,-6-3,6 7,-6-7,2 4,0-2,2-1,-1 5,3 3,-2 5,3 4,1 0,-4 1,3-1,-4-4,5 3,-4-8,2 9,-6-9,10 3,-10-8,6-1,-7 0,3-3,2 10,-1-9,3 14,-6-5,3 4,0 3,-3-8,7 9,-7-9,3 0,-4-6,0-4,3 13,-2-10,6 13,-6-11,6 1,-7-2,4-4,-8 9,3-2,-3 11,0-3,3 4,-3 0,4 0,-4 6,-1 0,-5 6,5-6,-3 0,7-6,-7-4,7 3,-2-12,-1 3,3-8,1 2,4 2,4-1,-1 0,-3-3,6 2,-8-2,5 3,-1 0,-4 1,8 4,-9 4,3-6,-4 6,0-12,3 3,-2 4,2-6,1 14,0-9,5 6,-5-3,0-1,-4-4,0 0,0-2,-4 2,-1 9,1 0,-4 6,3 4,-4 1,-1 6,1 0,-1-6,1-1,0-4,1-9,0 6,0-15,3 7,-2-5,2 2,-3 3,0-4,0 4,0-4,-4 9,3-4,-4 4,5-5,0-4,0 0,1-5,-1 1,-3 2,6-2,-5 12,5-7,-4 8,1-5,0 5,-1-4,1 8,-1-7,1-2,4-4,0-5,4 4,0 0,3 1,-2-1,9-1,-5-1,6 1,-7 2,3 0,-3 0,0 0,3-5,-6 4,5-2,-1 2,2-3,0-1,1 4,0-2,-1 2,1 0,0-2,3 6,2-3,-1 5,0-1,-4-4,-1 0,1-5,-4 0,-1 7,-3-5,0 5,-6-3,0 1,-1 0,0-1,6 5,-6-2,2 11,-4-3,1 4,-1 0,0 0,4 1,-3-1,7 0,-7 1,7-1,-6-4,2-1,0-5,2-4,3-1,0 0,0-3,3 6,-2-5,6 1,-7 2,7-4,-3 7,4-6,0 6,0 2,0 0,1 8,-1-3,1 0,-1-1,0-5,0 0,0-3,-3-2,1-4,-2 4,4-3,-1 3,1-4,-1 1,0-1,1 5,4-4,-4 4,8-4,-8-1,3 1,-3-1,-1 1,1-1</inkml:trace>
-</inkml:ink>
-</file>
-
-<file path=ppt/ink/ink74.xml><?xml version="1.0" encoding="utf-8"?>
-<inkml:ink xmlns:inkml="http://www.w3.org/2003/InkML">
-  <inkml:definitions>
-    <inkml:context xml:id="ctx0">
-      <inkml:inkSource xml:id="inkSrc0">
-        <inkml:traceFormat>
-          <inkml:channel name="X" type="integer" min="-2.14748E9" max="2.14748E9" units="cm"/>
-          <inkml:channel name="Y" type="integer" min="-2.14748E9" max="2.14748E9" units="cm"/>
-        </inkml:traceFormat>
-        <inkml:channelProperties>
-          <inkml:channelProperty channel="X" name="resolution" value="1000" units="1/cm"/>
-          <inkml:channelProperty channel="Y" name="resolution" value="1000" units="1/cm"/>
-        </inkml:channelProperties>
-      </inkml:inkSource>
-      <inkml:timestamp xml:id="ts0" timeString="2024-11-21T17:28:58.246"/>
-    </inkml:context>
-    <inkml:brush xml:id="br0">
-      <inkml:brushProperty name="width" value="0.2" units="cm"/>
-      <inkml:brushProperty name="height" value="0.4" units="cm"/>
-      <inkml:brushProperty name="color" value="#FF8517"/>
-      <inkml:brushProperty name="tip" value="rectangle"/>
-      <inkml:brushProperty name="rasterOp" value="maskPen"/>
-    </inkml:brush>
-  </inkml:definitions>
-  <inkml:trace contextRef="#ctx0" brushRef="#br0">1464 8,'-28'-5,"3"2,18 3,-1 0,-10 0,0 0,-11 0,7 0,-3 0,7 0,-7 0,7 0,1 0,6 0,3 0,-2 0,-11 0,-1 0,-7 4,2-3,1 3,8-4,2 0,8 0,-3 0,-1 0,0 3,1-2,0 2,-1 1,0-3,-4 2,4 1,-1 0,-6 1,9-2,-10 0,3 2,4 0,-3-1,8-4,1 3,-18 2,-5 4,-13 0,5 0,11 0,10-4,6 2,3-6,-3 2,-5 1,-6 1,-4 3,4 1,1-4,9 2,0-7,5 4,-4-1,-5 1,-1 1,-2 2,2-3,1 4,0-3,-1-1,5-4,0 0,8 13,1 8,-1 8,-1 3,-4-11,1 5,-1-9,4 0,-2-2,2-3,-3 5,0-1,0 0,-1 0,1 1,0-1,0 0,0-4,0 4,0-8,0 3,4-3,-3-1,3 5,-4 4,-1 2,4 2,-2 1,2 1,-4 4,0-4,5-1,-4-5,3 5,1-4,-4 16,3-5,0 7,-3 1,7-8,-3 3,4-5,-4 1,3-5,-3-6,4-4,0-5,6 4,-1-3,6 0,-7 1,3-4,0 9,1-5,3 1,-3-2,-4-1,6 1,-5-1,9-3,-6 3,2-7,1 7,-3-3,3 0,0 6,-3-5,3 6,-7-4,2 1,2 6,1-1,2 7,-6-4,2-3,-6 2,2-3,-3 4,0 5,0-3,3-2,-2 0,6-4,-2 9,3-4,0 4,-3-5,2-4,-7 0,7-5,-6 4,5-3,-5 6,3-6,-4 3,3 8,-2 0,2 10,-3-2,0-1,0 0,0-4,0-1,3-9,-2 3,2-6,-3 2,0 0,0-3,-4 11,3-1,-7 13,7 2,-3 4,0-4,3-2,-3-9,4-1,-3-9,2 0,-2-2,3 2,-4 8,3 2,-3 0,1-5,2-6,-3-3,1 2,2 2,-2-1,-1 0,4 0,-8 6,3 5,-3 4,3 1,-3-1,3 0,-4-4,4 3,-2-7,3-2,-4-4,4-5,-3 1,6 2,-2 3,3-2,-3 1,-2-2,-2-1,3 5,0-5,1 2,2 0,-2-2,3 6,0 2,0-4,-4 3,4-9,-7 1,3 6,0-5,0 5,1-7,2 4,-2 0,3 1,3-1,4-1,2-1,1 1,-2-2,0 3,-1 1,1 1,0 2,0-3,0 5,0-5,-4-1,3-3,-3-1,3 4,4-3,-6 3,5-4,-9 4,2 0,-3 1,3-1,2-1,-1-1,2 1,-5 1,2-3,-3 6,0-6,0 3,4 0,-4-3,4 7,-4-7,0 3,0 0,0-3,0 7,3-7,-2 8,2-4,-3 0,0 4,0-4,0 0,0 0,0-1,0 6,0 0,0 4,0 0,0-4,0 4,0-2,0-2,0 3,0-8,0 0,0-2,0 2,0 0,-3-1,-1 0,-1-3,2 6,3-5,-3 1,2 1,-2-3,-1 6,3-6,-2 7,3-6,0 10,0-5,0 2,-4 0,3-4,-2 4,3 1,0-5,0 3,0-2,-4 3,3-4,-2 3,3-6,0 11,0-7,0 8,0-9,3 7,-2-10,2 5,-3-3,0-3,-3 6,2-1,-6 2,6 1,-3 1,4 3,0 2,0 0,0-1,0-5,0-4,4 4,-3-4,2 0,-3 0,4-5,-4 4,4 0,-4 1,3-1,-2-1,2-2,-3 6,0-1,3-2,-2 5,3-4,-1 4,-2-4,7 8,-4-6,5 11,-1-8,0 4,-3-9,2 0,-3-5,3 4,-3-3,0 11,-1-5,-2 2,7 0,-8-4,8 4,-7 0,2-3,1 2,-3-7,6 8,-3-8,1 7,1-2,-1 7,3-2,1 2,-1-3,0 3,1-2,-1 3,-4-5,0-4,-4 3,0-6,0 2,3 0,-2-3,2 6,-3-6,0 3,0 0,0 1,0 8,0 2,0 4,0 0,0 1,0-1,4 0,-3 1,7-1,-7 0,6-8,-6 2,2-12,-3 4,0-2,0-1,0 5,-3-6,2 2,-6 5,6 3,-2 2,3 1,0-5,0 1,0-1,0-4,0 0,0-2,0-1,0 5,0-6,0 2,0 1,-4-3,3 6,-2-5,3 1,-3 5,2-6,-3 6,4-4,-3 1,2 1,-3-2,4 5,-3-7,2 7,-2-8,-4-1,25 12,9-7,17 8,16-10,-19 0,14 0,-16-1,4-3,-11 2,-1-7,-4 3,-9-4,-3 0,-7 0,-1-7,5 2,0-7,4 4,-3 0,-2 0,-7 1,6-1,-5 1,9-1,-9 1,13-1,2 3,12 1,1 4,-10 0,56-6,-28-1,5-1,34 0,7 0,-3-3,0 0,0 6,-5 2,-25-1,-6 1,-3 3,-7 0,-1 4,-12-3,-20 3,-7-4,3 0,10-4,2-1,8 0,-9 1,-5 0,-6 4,-4-4,4 1,1 2,0-6,-1 6,5-6,2 6,13-3,-3 0,3-1,-9 1,-1 0,-9 0,-1 3,5-2,7 3,21 5,-3 0,8 5,-6-1,-4 1,-1-1,-7 0,-5 0,1 0,-5-1,-6-3,-4 2,-5-3,0 3,4 1,-3-1,7-3,2 3,15-1,8-1,10 4,6-4,-5 5,0 0,-8 0,-11-5,-9-1,-7-4,-9 0,18-7,-5 1,19-7,-11 4,3 0,-9 1,3-1,-8 4,0 1,-2 4,-6 0,13 0,-8-3,14 2,-6-3,4 0,1 3,-1-3,0 4,6 0,-5-4,5 3,-6-3,0 4,-4 0,-5 0,-6 0,-3 0,7 0,3-4,14 3,-5-3,9 4,-8 0,3 0,-5 0,1 4,6 1,-5 0,6-2,-8-3,-4 0,-1 0,-5 0,-4 0,0 4,7-4,0 4,10-4,2 0,8 0,-1 0,5 4,-5-3,-5 3,-11-1,-2-2,-4 2,-3-3,2 0,-4 0,1 0,5 0,3 0,2 0,4 0,1 0,4-4,-3 3,3-3,-5 4,0 0,1 0,-5 0,3 0,-8 0,4-4,-9 3,8-2,-2 3,8 0,5 0,2 0,10 0,-4 4,9-3,-9 7,-1-7,10 7,-12-6,4 2,-19-4,-5 0,-8 0,3 0,1 0,5 0,4 0,11-5,0 4,11-7,8 2,6 0,1-3,-7 8,-13-4,-7 5,-9 0,10-3,-13 2,14-3,-16 4,4 0,0 0,5 0,7 0,5 0,-1 0,1 0,-6 0,11 0,-14 0,5 0,-13 0,-1-4,2 3,4-7,6 3,0 0,17-4,-8 3,8 1,-11-4,-1 8,-4-3,-2 4,-5 0,6 0,0 0,6 0,-1 0,-4 0,3 0,-3 0,-1 4,-1-3,-4 3,-1-4,5 0,14 0,-5 0,9 0,-11 0,-1 0,-4 0,3 0,-8 0,3 0,-9 0,3 0,-8 0,0 0,-6 0,-3 3,3-2,9 5,7-5,8 3,3 0,-1 1,1 4,0 1,-1-1,1 0,-6-4,-1 3,-4-7,-5 3,-2-4,-3 0,-1 0,5 0,0 0,11 4,0-3,11 8,8-3,13 4,1 1,6 0,-13-1,-2 0,-12-4,-1 2,-5-7,-1 3,1-4,-1 5,6-4,-4 3,10-4,-10 0,-1 4,-2-3,-8 2,3-3,-5 4,1-3,4 3,1-4,6 0,11 0,-8 4,8-3,-12 8,1-8,-1 7,1-3,-1 4,1-3,16-2,-12 0,7 1,-18 0,-9-1,3-4,-7 0,7 0,-3 0,21 0,4 0,5-4,-3 3,-16-4,-2 5,-9 0,-6 0,0 0,-8 0,3 0,0-3,-3 2,15-2,-13 3,13 0,-10 0,3 0,4 0,2 0,26-4,-5-2,24-4,-21 0,3 0,-12 1,1-1,-5 1,-2 0,-5 0,0 0,-4 1,3-1,-7 1,7-1,-3 0,16-3,-9 6,9-6,-16 11,3-3,-8 0,9 0,-5-1,6 1,-5 0,-2 0,1-1,-4-2,4 6,-5-3,-3 4,2 0,-3 0,14 0,2 0,26 0,-12 0,18 0,-21 0,4 4,-11-3,0 4,-6-2,7-2,-9 7,0-7,-13 2,-3-3,6 0,4 0,7 0,-3 0,3 0,-3 0,9 5,2-4,4 3,-4-4,-6 0,-7-4,-7 3,-2-3,0 4,-3 0,10-3,-9 2,14-3,-5 4,8 0,1-4,-1 3,5-7,2 3,-1-4,0 0,-6 0,0 0,-4 0,-1 1,0-1,-4 1,4-1,-1 5,-2-3,7 2,-8-4,9 1,-5-1,6 0,-1 0,0 4,22-3,-16 7,21-3,-26 0,10 3,-10-3,5 4,-6 0,-4 0,3 0,-8-3,9 2,3-3,-10 4,4 0,-15 0,3 4,6 4,5 2,4 2,-8-4,2 1,-8-1,0-1,4 1,-8 0,3 0,-3-4,3 3,1-6,9 6,1-2,9 4,-3 0,8-4,-13-1,7-4,-12 3,-2-2,-4 3,-1-1,-3-2,6 6,3-6,5 6,4-2,1 0,-6 2,0-2,-5-1,1 4,-1-7,5 6,1-6,15 3,-2-4,9 0,-7 0,7 0,-6 0,6 0,-7 0,1 0,-6 0,-1 0,-4 0,-1 0,5 0,2 0,-1 0,0 0,-6 0,12 0,-9 0,14 0,-10 0,-1 0,5 0,-10 0,4 0,-4 0,-5 0,3 0,-3 0,4 0,0 0,0 0,-4 0,3 0,-3 0,5 0,-6 4,5-4,-9 4,8-4,0 3,2-2,-5 6,2-3,-11 1,12-1,-3-4,10 4,0-3,1 7,3-7,-9 7,5-8,-10 4,-2-4,1 0,-4 0,9 0,-9 0,8-4,9-4,-5-2,9-3,-12 4,1 0,-1 4,0 1,0 1,1 2,4-3,2 4,10 0,7 4,8-3,5 4,1-5,-6 0,4 0,-16 0,3 0,-11 0,-6-4,-5 0,-10-5,-2 1,2 0,0 3,4-2,-5 2,0 1,5 0,-7 4,1-3,-7 2,3-3,0 4,1 0,2 0,-5 0,6 0,-3 0,5 0,-1 0,-4 4,-1-4,4 4,-2-4,7 0,-4 0,0-4,5 3,-4-2,9 3,-5 0,6 0,-1 3,17 6,-13 1,13 3,-16-8,-5-1,-6-4,0 0,-8 0,3 0,0 0,-3 0,6 0,-5 0,1-4,1 4,-3-7,3 3,-4-4,1 1,2 2,-1-1,1 5,5-6,-2 3,7-1,-8-2,3 7,-2-7,3 6,0-7,0 7,-3-6,2 3,-3-4,1 0,-2 4,4-3,-6 3,14-4,-10 3,13-3,-9 7,8-3,-3 1,4 2,-4-3,-5 0,-6 3,-3-5,2 5,2-2,4 3,0 3,1-2,-1 6,-4-6,0 3,-2-4,-2 3,7-14,-2 0,0-11,-1-4,-3 4,0-9,-4 3,-1-8,-4 3,0-4,-4 4,3 2,-7 4,7 9,-7-2,4 8,-5-5,1 1,0 4,4 0,-6 5,5-1,-6 1,3-1,1 1,-1-1,1 0,-1-2,4 1,-3-2,6 0,-5 3,5-6,-6 6,6-3,-2 0,3 2,0-10,0 6,0-13,0 4,4-4,-3-1,7 1,-3 0,3-1,1 5,-4-3,-2 11,-3-2,0 9,0-8,4 2,-3-3,2 1,-3 2,4-8,-3 4,7-4,-8 0,4 4,-1 0,-2 5,3 5,-4-8,3 6,-2-10,2 2,-3-5,0 0,4 1,-4 9,4 0,-4 1,0-2,3 1,-2-3,2 2,-3-3,0-1,0 5,0 0,-16 15,8-5,-13 12,14-9,-5 6,-5 1,-5 2,0 2,6-4,4 0,5-4,-4 3,2-6,-5 2,6-3,-3 0,-8 0,4 0,-9 0,8 0,3 0,-2 0,6 0,-2 0,-4 3,2 2,-7 3,-1 0,4 1,-4-1,8 0,2 0,3-4,-3-1,3 0,-6-5,6 4,-3-8,0 5,-2-3,-7 4,-2-4,0 3,-3-6,8 2,-9-4,4 5,0-4,-3 3,11 0,-1-2,7 6,0-2,-6 0,5 2,-5-3</inkml:trace>
-</inkml:ink>
-</file>
-
-<file path=ppt/ink/ink75.xml><?xml version="1.0" encoding="utf-8"?>
-<inkml:ink xmlns:inkml="http://www.w3.org/2003/InkML">
-  <inkml:definitions>
-    <inkml:context xml:id="ctx0">
-      <inkml:inkSource xml:id="inkSrc0">
-        <inkml:traceFormat>
-          <inkml:channel name="X" type="integer" min="-2.14748E9" max="2.14748E9" units="cm"/>
-          <inkml:channel name="Y" type="integer" min="-2.14748E9" max="2.14748E9" units="cm"/>
-        </inkml:traceFormat>
-        <inkml:channelProperties>
-          <inkml:channelProperty channel="X" name="resolution" value="1000" units="1/cm"/>
-          <inkml:channelProperty channel="Y" name="resolution" value="1000" units="1/cm"/>
-        </inkml:channelProperties>
-      </inkml:inkSource>
-      <inkml:timestamp xml:id="ts0" timeString="2024-11-21T17:29:16.589"/>
-    </inkml:context>
-    <inkml:brush xml:id="br0">
-      <inkml:brushProperty name="width" value="0.2" units="cm"/>
-      <inkml:brushProperty name="height" value="0.4" units="cm"/>
-      <inkml:brushProperty name="color" value="#0069AF"/>
-      <inkml:brushProperty name="tip" value="rectangle"/>
-      <inkml:brushProperty name="rasterOp" value="maskPen"/>
-    </inkml:brush>
-  </inkml:definitions>
-  <inkml:trace contextRef="#ctx0" brushRef="#br0">4255 144,'-24'-9,"3"3,13 6,-3 0,-6 0,-1 0,-7 4,3-3,-4 2,-1 1,5-3,-3 3,7 0,-2-3,3 2,1-3,3 0,-2 0,-2 4,0-3,-9 3,5-4,-5 0,1 0,-25 0,13 0,-6 0,22 0,14 0,-1 0,-8 0,-7-4,-15 3,4-3,2 4,6 3,4-2,-9 3,8 0,1-3,10 2,5-3,-4 0,-22 0,-23 0,-6 0,-14-4,12 2,-8-7,-1 3,3-1,18-1,7 3,14-5,9 6,5-4,6 7,-1-2,-8 3,-2 0,-12-4,1 3,-10-8,-2 4,-11-6,-2 6,0-5,2 9,12-3,1 4,11-4,9 3,8-2,8 3,-5 0,0 0,-9 0,-6 0,-5-5,-1 4,-4-3,10 0,-5 3,1-3,8 4,-8 0,14 0,-4 0,9 0,0 0,1 0,-2 0,-8 0,0 0,-1 0,-9 0,3 0,-10 0,6-4,-5 3,5-3,-1 4,6-3,2 2,7-3,-3 1,1 2,-2-3,0 4,-9 0,8 0,-8 0,4 0,1 0,0 0,-1 0,1 0,-1 4,5-3,-10 6,16-2,-11-1,19-1,-4 1,1-4,-2 7,-3-6,0 3,-5 0,3-3,-7 3,0-4,6 3,0-2,11 2,0 0,-2 1,1 4,-6-4,7 2,-4-5,2 6,1-3,-2 0,0 3,-1-6,0 2,1 0,0-2,3 2,-7 1,7-4,-3 4,0-4,-1 0,1 3,0-2,-1 2,0-3,0 3,0-2,1 2,-1-3,0 0,1 0,0 0,2 0,-5 4,2-3,-4 5,-5-5,4 3,-4-4,8 0,-2 0,6 0,-2 0,0-3,3 2,-6-3,5 4,-6 4,3-3,-1 3,2-4,-4 0,9 3,-4 1</inkml:trace>
-</inkml:ink>
-</file>
-
-<file path=ppt/ink/ink76.xml><?xml version="1.0" encoding="utf-8"?>
-<inkml:ink xmlns:inkml="http://www.w3.org/2003/InkML">
-  <inkml:definitions>
-    <inkml:context xml:id="ctx0">
-      <inkml:inkSource xml:id="inkSrc0">
-        <inkml:traceFormat>
-          <inkml:channel name="X" type="integer" min="-2.14748E9" max="2.14748E9" units="cm"/>
-          <inkml:channel name="Y" type="integer" min="-2.14748E9" max="2.14748E9" units="cm"/>
-        </inkml:traceFormat>
-        <inkml:channelProperties>
-          <inkml:channelProperty channel="X" name="resolution" value="1000" units="1/cm"/>
-          <inkml:channelProperty channel="Y" name="resolution" value="1000" units="1/cm"/>
-        </inkml:channelProperties>
-      </inkml:inkSource>
-      <inkml:timestamp xml:id="ts0" timeString="2024-11-21T17:30:25.053"/>
-    </inkml:context>
-    <inkml:brush xml:id="br0">
-      <inkml:brushProperty name="width" value="0.2" units="cm"/>
-      <inkml:brushProperty name="height" value="0.4" units="cm"/>
-      <inkml:brushProperty name="color" value="#FF8517"/>
-      <inkml:brushProperty name="tip" value="rectangle"/>
-      <inkml:brushProperty name="rasterOp" value="maskPen"/>
-    </inkml:brush>
-  </inkml:definitions>
-  <inkml:trace contextRef="#ctx0" brushRef="#br0">7982 3145,'24'13,"-4"-4,-12-9,-1 0,12-4,-4 0,9-5,-8 5,-4-3,0 6,-5-6,4 6,0 1,1 1,-1 2,-1 1,-2 0,6 3,-5-3,1 0,-8-35,4 11,-3-21,5 16,1 3,-5-4,0-1,0 1,-3 0,3 8,-4 2,0 8,0-3,-7-1,2 1,-6 0,3-5,0-2,3 0,-2 2,6 8,-2 1,-1-7,0 5,-4-10,0 2,4 4,0-3,0 8,3-3,-6-9,6 1,-3-1,4 0,-4 2,3-4,-3 1,8 9,0-3,4 2,-4 1,0 0,-1 5,1-4,4 2,-4-1,3 2,-3-3,0 3,2-3,-1 3,2-2,-3-7,3-5,-6 4,7-1,-7 6,2-8,-3-1,0-4,4 4,-3-3,2 7,-3-7,0 11,0-2,0 9,0-4,0-1,0 0,0-2,0 5,0-2,0-4,0 6,0-6,0-1,0 2,-3-3,2-3,-6 2,6-8,-7 0,3 4,1 1,0 4,4-3,0 2,0 1,0 6,3 3,-2-3,2 0,-3-1,4 1,-4 0,4-1,-4-8,0 6,0-6,0 3,0-5,0 0,0-3,0 3,-4-4,3-1,-3 1,4-6,4 5,-3-5,3 6,-4-1,0 6,0 4,0 5,0 5,0-4,3-1,-2-4,2 1,-3 2,0 2,-4-9,-1 2,0-12,-2 8,6-3,-7 3,7-5,-7 1,7 4,-6 1,2 9,1-4,-3 4,2-9,-4-1,5 0,0-3,4 7,0-7,0 11,0-17,0 15,0-8,0 9,4-7,-3 3,3-11,-4 12,0-3,0 9,4-3,-4-2,4-1,-4-3,0 9,0-4,0 5,0-2,0 2,0 0,0 2,0-5,0 5,0-2,0 1,3 1,2-6,2 7,1-4,-1 5,1-1,-1 1,1-5,3 4,-2-4,2 4,-3 1,-1-1,1-3,-4 3,2-3,-12 0,-2 3,-5 0,-1 5,7 3,-4 0,-1 0,0 0,-2 0,-8-4,-2-1,-7-1,9 3,1-1,0-1,4 0,-4-2,9 6,0-3,1 4,-16 0,-2-4,-14 3,5-7,1 6,4-2,1 4,14 0,-1-3,6 2,1-3,0 4,1 0,-1 0,-8 0,-7 0,-6 4,-10 2,4-1,-16-1,15 0,-10-3,18 4,0-2,6-2,-1 3,5-4,5 4,2-4,7 4,-8-4,8 0,-8 0,4 3,-14 2,3 4,-14 0,5-4,-11 4,4-8,-32 3,14 1,-11-4,19 8,5-8,5 7,-4-7,6 7,4-6,2 2,4-4,-4 4,-2-3,-5 3,-5-4,-7 0,3 0,-7 0,15-4,-5-1,7-1,-1-2,0 7,1-3,-1 4,5-4,2 3,5-7,-1 7,5-3,-3 0,3-1,-4 0,-1-3,5 7,-3-7,3 8,0-4,-8 4,7-4,-14-2,4-3,-4 0,-1-1,0 1,6 4,-5-4,5 8,-1-3,-3 4,3 0,-5 0,6 0,0 0,6 0,-1 0,5 0,6 0,0 4,-1-3,-5 2,-4 1,-1 1,1 4,0-1,-1 1,-4-4,3-1,-3-4,4 0,1 0,-1-4,-4 3,-2-3,-10 4,-7 5,3-4,-13 8,7-8,-10 9,5-5,7 1,8 3,5-4,6 4,0-4,6-1,4-1,5-2,5 3,5-4,-4 0,-6 0,-4 0,-6-4,6 3,-5-3,4 4,-4 0,-1 0,1 0,0 0,-1 0,5 4,1-3,9 2,0-3,1 0,3 0,-7 0,2 0,-2 0,-6 0,3 0,-7 0,3 0,-4 0,-6 0,5 0,-5 0,6 4,-1 1,-4 4,-2 0,-4 0,4-3,1 2,6-7,0 6,-13-2,10 4,-9-4,16-1,5-4,2 0,6 0,-6 0,-2 0,-1 0,-7 0,3 3,0-2,-3 3,7-4,-12 0,7 4,-14-3,-17 7,10-3,-16 5,23-1,-1 0,0 1,1-5,4 3,-3-7,8 7,-3-7,4 2,5-3,-3 0,7 4,-7-3,3 3,-4-4,4 0,1-4,9 3,0-3,1 4,3 0,-6-3,5 2,-2-6,-8 3,5-4,-15 3,7-3,0 4,-3-1,11 1,-2 4,9-3,-4 2,-1-6,1 6,0-5,-1 5,-5-6,-5 2,-4-4,-1 0,-4 0,3 0,-3 0,5 0,-1 0,1 0,-6 4,0-3,-6 7,0-3,6 4,5-4,6 3,8-2,2 3,0 0,3 3,-7-2,2 6,-7-2,-2 3,-5 1,1-1,-6 1,5 0,-5 0,6 0,0-4,-1 3,1-4,-1 5,5-4,5 2,6-6,3 2,-2-3,-6-3,-1 2,-7-3,2 4,-4-4,-1-1,5-3,1-1,9 4,1-2,-1 3,4-4,-8 0,8 1,-8-2,8 2,-4 2,1-2,2 3,-2-4,3 1,1-1,-4 1,-1-1,-4 0,-5-1,4 1,-9-1,13 5,-12-4,16 7,-7-7,8 8,-3-7,-2 6,1-3,-4 4,8 0,-3 0,0 0,2 0,-5 0,2 4,0-3,0 2,5-3</inkml:trace>
-</inkml:ink>
-</file>
-
-<file path=ppt/ink/ink77.xml><?xml version="1.0" encoding="utf-8"?>
-<inkml:ink xmlns:inkml="http://www.w3.org/2003/InkML">
-  <inkml:definitions>
-    <inkml:context xml:id="ctx0">
-      <inkml:inkSource xml:id="inkSrc0">
-        <inkml:traceFormat>
-          <inkml:channel name="X" type="integer" min="-2.14748E9" max="2.14748E9" units="cm"/>
-          <inkml:channel name="Y" type="integer" min="-2.14748E9" max="2.14748E9" units="cm"/>
-        </inkml:traceFormat>
-        <inkml:channelProperties>
-          <inkml:channelProperty channel="X" name="resolution" value="1000" units="1/cm"/>
-          <inkml:channelProperty channel="Y" name="resolution" value="1000" units="1/cm"/>
-        </inkml:channelProperties>
-      </inkml:inkSource>
-      <inkml:timestamp xml:id="ts0" timeString="2024-11-21T17:30:35.131"/>
-    </inkml:context>
-    <inkml:brush xml:id="br0">
-      <inkml:brushProperty name="width" value="0.2" units="cm"/>
-      <inkml:brushProperty name="height" value="0.4" units="cm"/>
-      <inkml:brushProperty name="color" value="#FF8517"/>
-      <inkml:brushProperty name="tip" value="rectangle"/>
-      <inkml:brushProperty name="rasterOp" value="maskPen"/>
-    </inkml:brush>
-  </inkml:definitions>
-  <inkml:trace contextRef="#ctx0" brushRef="#br0">6756 192,'-51'-4,"-3"3,10-3,-6 4,-7 0,0 0,-14-5,-1 3,0-3,1 5,13 0,8 0,7 0,10 0,2 0,9 0,5 0,5 0,5 0,-4 0,-5-3,-5 2,0-7,-4 3,3 1,-15-5,8 4,-8-4,11 0,-1 0,5 4,1-2,1 2,-2-4,0 1,-4-1,4 0,0 1,6 0,4 3,5-2,-8 7,5-4,-8 4,9 0,-2 0,0 0,2 0,-5 0,6 0,-3 0,-5 4,-2-3,-8 3,-1 0,1-3,-17 7,7-6,-13 6,11-2,6-1,-5-1,9-4,-8 0,8 0,-3 4,5-3,8 3,2-1,8-2,-3 2,-1-3,1 0,0-3,0 2,3-3,-7 4,7 0,-3 0,0-3,-5 2,-1-2,-4 3,8 0,2-3,-1 2,4-3,-7 4,7 0,-3-3,0 2,-1-6,-4 6,-1-6,1 2,-10 1,3-4,-8 7,9-6,1 6,8-6,-2 6,6-2,-2 3,0-4,3 3,-6-2,-20 3,-8 5,-22-4,12 4,3-5,11 0,5 0,6 0,11 0,4 0,1 3,-11-2,-12 7,0-7,-3 4,11-5,8 0,2 0,8 0,-3 0,-6 0,-4 0,-5 0,-6 0,0 0,-1 0,-3 4,8-3,-4 3,10-4,2 0,7 0,2 0,-9 0,-3 0,-13 4,-8-3,10 7,-8-7,15 3,-5 0,6-3,0 3,7-4,4 0,7 0,-13 4,-21 2,-6 4,-10 0,15-1,6-3,8 1,4-6,12 3,2-4,-22 8,-12-1,-28 7,1-3,2 0,6-1,6 1,12-2,18-3,-1 2,4-7,-7 3,-5-4,10 4,-5-3,6 3,8-1,2-2,8 2,-3-3,-9-3,-7 2,-9-3,3 4,-3 0,13 0,1 0,10 0,5 0,-9 0,-7-4,-10 3,-10-7,4 2,-4 1,10-3,2 7,4-7,9 7,2-3,9 4,-1-4,-6 4,5-7,-9 6,1-2,-1 3,-2-4,-1-1,-6-4,-1 4,-8-3,8 7,-3-3,9 0,5 3,5-2,5 3,-9 0,-13 0,-10 0,8 0,0 0,23 0,-4 0,-9 4,-3 1,-39 0,7 4,-10-8,17 4,20-5,8 0,9 0,5-4,-9 0,2-1,-3-2,6 6,3-6,-3 7,3-7,-6 6,5-2,-2-1,1 4,1-4,-5 4,6 0,-3 0,-4 0,6 0,-6 0,3 0,4 0,-7 0,7 0,-3 0,0 0,2 0,13 23,-1 0,13 16,-7-8,0-4,-1-1,1 5,-4-3,3 3,-3-9,0-5,1-6,-5-3,6 3,-3-3,4 12,-4-7,4 13,-3-5,0 1,-1-5,-1-2,-2-6,3 6,-4-7,0 8,0-8,0 3,0 1,0 0,0 4,-4 5,3 13,-3-5,0 4,3-7,-2-9,-1 8,-1-8,-3 4,0-8,3 2,-2-7,3 7,-4-2,3 3,-2-4,3 0,0-5,-6 4,8-3,-8 3,9-1,-5-1,5 10,-2-1,3 8,0 0,0 1,0-6,0 5,0-13,3 7,-2-12,3 4,-4-2,3 2,-2 0,3-1,-1 1,-2 0,3 9,-4-4,4 8,-3-11,3 6,-4-8,0 4,0 5,0-4,0 8,-4-3,3 0,-3-1,0-5,3 5,-6-4,6 4,-3-5,4 5,-3-4,2 8,-3-7,4 3,-4-5,3-4,-2-1,-1 0,4-3,-4 6,4-5,0 5,0-5,-4 10,3-1,-7 9,4-1,-1 0,-3 0,3 1,-4-1,0 0,1-4,-1 3,0-3,0 5,1-1,3-4,1-2,0-3,3-5,-3-1,4 5,4-2,-3 11,6 4,-6-1,3 5,-4-6,-4-1,-1 0,-3 1,3-1,-3 5,7-3,-4 8,5-3,0-1,0-1,0-4,0-1,0-8,0 2,4-1,0-5,1 5,1-12,-5 1,6 2,-7 6,4 0,-1 0,-2-1,2 2,-3 5,0 4,0 0,0-4,0 4,0-9,0 4,0-1,0 2,0 4,0 1,0-1,0 12,0-13,0 3,0-12,0-4,0 9,0-4,0 0,0-6,0-3,-3 2,-1 2,-1-1,2 4,3-3,-4 4,3 5,-6 6,1 6,-8 10,3 1,-3 1,4-2,1-6,0-4,4-2,-3-5,7-4,-3-1,0-9,4-1,-4 4,4-2,0 11,0-6,0 7,0-3,0 4,0 0,4 1,-3 4,3-4,0 5,-3-6,3-4,-1-1,2-9,2-1,1-3,-1-1,0 0,1 1,-1-1,1 1,-1-1,1 1,-1-1,0 0,1 5,0 0,0 0,-1 0,1-2,0 3,-4-2,-1 5,1-4,-3 4,3 12,-4-4,0 14,0-10,0-1,-4-2,3-8,-3 4,0-5,3 0,-6 1,6-5,-3-1,4 1,0-4,0 7,0 7,-4 1,-1 20,-4-14,1 9,-1-6,4-5,0 5,1-6,3 0,-3 0,1-4,2 3,-3-7,4 3,0-9,0 3,0-6,0 2,4 5,0-7,4 7,-3-9,1 1,-2 3,0-3,3 2,-6 2,2 0,1 9,1 1,0 4,3 5,-3 2,4 4,0 1,1-1,-5-4,3-2,-7-9,3-1,-4-5,0-4,0 0,-4 2,4-4,-8 13,3-5,1 8,-4 0,3 0,-4 1,0-1,0 5,0-3,0 3,0-5,0 6,0-5,0 0,0-2,1-3,-1 4,1 0,3-9,2 2,-1-11,3 3,-2 0,3-3,0 7,-4-3,4 5,-8-1,7 5,-2 5,3 2,0 3,-5 1,4-5,-7 4,7-9,-3-1,4-9,0 0,0-2,0-1,0 9,0-5,0 2,0-3,4-5,0 4,3 0,-3 1,0-1,-4-1,0-2,0 10,0-4,0 5,0 2,0-4,3 8,2-3,4 10,0-5,0 4,0-4,-1-9,0-3,-1-7,1-1,-1 1,1-1,-1 4,1-2,0 6,-1-7,1 7,-4-7,-1 3,1 0,-3-3,2 10,-3-5,3 3,-2-5,2-4,-3 4,0 1,0 8,-3-4,2 9,-7-3,7-4,-6-2,3-9,-1 1,2-1</inkml:trace>
-</inkml:ink>
-</file>
-
-<file path=ppt/ink/ink78.xml><?xml version="1.0" encoding="utf-8"?>
-<inkml:ink xmlns:inkml="http://www.w3.org/2003/InkML">
-  <inkml:definitions>
-    <inkml:context xml:id="ctx0">
-      <inkml:inkSource xml:id="inkSrc0">
-        <inkml:traceFormat>
-          <inkml:channel name="X" type="integer" min="-2.14748E9" max="2.14748E9" units="cm"/>
-          <inkml:channel name="Y" type="integer" min="-2.14748E9" max="2.14748E9" units="cm"/>
-        </inkml:traceFormat>
-        <inkml:channelProperties>
-          <inkml:channelProperty channel="X" name="resolution" value="1000" units="1/cm"/>
-          <inkml:channelProperty channel="Y" name="resolution" value="1000" units="1/cm"/>
-        </inkml:channelProperties>
-      </inkml:inkSource>
-      <inkml:timestamp xml:id="ts0" timeString="2024-11-21T17:30:55.635"/>
-    </inkml:context>
-    <inkml:brush xml:id="br0">
-      <inkml:brushProperty name="width" value="0.2" units="cm"/>
-      <inkml:brushProperty name="height" value="0.4" units="cm"/>
-      <inkml:brushProperty name="color" value="#969696"/>
-      <inkml:brushProperty name="tip" value="rectangle"/>
-      <inkml:brushProperty name="rasterOp" value="maskPen"/>
-    </inkml:brush>
-  </inkml:definitions>
-  <inkml:trace contextRef="#ctx0" brushRef="#br0">1 43,'28'3,"-3"-2,-18 2,9-3,-2 0,6 0,1 4,1-3,0 3,3-4,-3 0,4 0,-4 0,-1 0,-5 0,-4 0,3-4,-6 3,2-2,0 3,-3 0,16 0,-5 0,18 0,-10 0,9 0,-8-4,-1 3,-2-7,-12 4,7-5,-11 5,2 0,8 0,-9 0,18-1,-19 2,7 3,-8 0,3 0,5 0,-3 0,1 0,-6 0,2 0,2 0</inkml:trace>
-</inkml:ink>
-</file>
-
-<file path=ppt/ink/ink79.xml><?xml version="1.0" encoding="utf-8"?>
+<file path=ppt/ink/ink80.xml><?xml version="1.0" encoding="utf-8"?>
 <inkml:ink xmlns:inkml="http://www.w3.org/2003/InkML">
   <inkml:definitions>
     <inkml:context xml:id="ctx0">
@@ -4710,7 +5734,259 @@
 </inkml:ink>
 </file>
 
-<file path=ppt/ink/ink8.xml><?xml version="1.0" encoding="utf-8"?>
+<file path=ppt/ink/ink81.xml><?xml version="1.0" encoding="utf-8"?>
+<inkml:ink xmlns:inkml="http://www.w3.org/2003/InkML">
+  <inkml:definitions>
+    <inkml:context xml:id="ctx0">
+      <inkml:inkSource xml:id="inkSrc0">
+        <inkml:traceFormat>
+          <inkml:channel name="X" type="integer" min="-2.14748E9" max="2.14748E9" units="cm"/>
+          <inkml:channel name="Y" type="integer" min="-2.14748E9" max="2.14748E9" units="cm"/>
+        </inkml:traceFormat>
+        <inkml:channelProperties>
+          <inkml:channelProperty channel="X" name="resolution" value="1000" units="1/cm"/>
+          <inkml:channelProperty channel="Y" name="resolution" value="1000" units="1/cm"/>
+        </inkml:channelProperties>
+      </inkml:inkSource>
+      <inkml:timestamp xml:id="ts0" timeString="2024-11-21T17:31:06.582"/>
+    </inkml:context>
+    <inkml:brush xml:id="br0">
+      <inkml:brushProperty name="width" value="0.2" units="cm"/>
+      <inkml:brushProperty name="height" value="0.4" units="cm"/>
+      <inkml:brushProperty name="color" value="#969696"/>
+      <inkml:brushProperty name="tip" value="rectangle"/>
+      <inkml:brushProperty name="rasterOp" value="maskPen"/>
+    </inkml:brush>
+  </inkml:definitions>
+  <inkml:trace contextRef="#ctx0" brushRef="#br0">91 1,'8'28,"-1"4,-3-14,-3 8,6-4,-6 3,6-7,-6-1,3-2,-4-7,0 4,0-2,0-2,3 6,-2-5,2 1,-3 2,0-4,0 7,0-6,0 2,0 0,0-3,0 6,0-6,-3 3,2 0,-6 2,6 7,-6-2,6 3,-7-5,4 0,-4-4,3 0,2-5,-1 4,0 6,-1-3,1 1,4-7,-3 3,2 1,-3 8,4 1,0-4,0-2,0-4,0 6,4 5,-3 4,3 0,-4-4,-4-1,4-5,-4 0,4-3,0-2,0 0,0 1,0 0,4 7,-3-5,3 3,-1-2,-2-7,3 4,-4-2,0-1,0 5,0-6,3 3,-2 0,2 1,-3 4,0 5,0 1,0-4,-4 2,4-12,-4 3,4 0,0-3,4 10,-4-5,4 7,-4 1,0 0,0-3,0 2,4-8,-3 5,2-1,-3-4,0 0,0-2,0-1,0 13,0-8,0 15,0-2,0 0,0 4,0 1,0-5,0 10,0-10,0 4,0-4,0-9,0 6,0-15,0 7,0-9,0 5,0 3,0 7,0 3,-4 6,-1 2,-5 5,1-1,-1 1,1-6,0-1,1-9,3-5,1-6,1-3,2 2,-6 2,6 13,-2-3,-1 15,3-10,-3 0,4-6,0-5,0-4,0 0,0-2,3-1,1 9,0-9,3 5,-2-2,3 5,1 9,-1 2,1 3,0-4,0-6,-1 0,0-5,0 1,0-5,0 3,0-6,0 9,-1-5,-2 7,-1-4,-1-4,1 0,0-5,-1 4,1 0,-4 1,7-1,-2 3,-1-1,3 3,-7-1,4-6,-4 2,0 0,0-3,0 6,0-6,0 3,0 0,0 6,0 0,0 4,0-8,0-2,0 0,0-3,0 6,0-6,0 7,0-7,0 3,0 0,0-3,0 6,0-5,-4 1,4 1,-4-3,4 6,0-6,20-17,-12 8,16-19,-17 19,-2-2,-2 3</inkml:trace>
+</inkml:ink>
+</file>
+
+<file path=ppt/ink/ink82.xml><?xml version="1.0" encoding="utf-8"?>
+<inkml:ink xmlns:inkml="http://www.w3.org/2003/InkML">
+  <inkml:definitions>
+    <inkml:context xml:id="ctx0">
+      <inkml:inkSource xml:id="inkSrc0">
+        <inkml:traceFormat>
+          <inkml:channel name="X" type="integer" min="-2.14748E9" max="2.14748E9" units="cm"/>
+          <inkml:channel name="Y" type="integer" min="-2.14748E9" max="2.14748E9" units="cm"/>
+        </inkml:traceFormat>
+        <inkml:channelProperties>
+          <inkml:channelProperty channel="X" name="resolution" value="1000" units="1/cm"/>
+          <inkml:channelProperty channel="Y" name="resolution" value="1000" units="1/cm"/>
+        </inkml:channelProperties>
+      </inkml:inkSource>
+      <inkml:timestamp xml:id="ts0" timeString="2024-11-21T17:31:13.732"/>
+    </inkml:context>
+    <inkml:brush xml:id="br0">
+      <inkml:brushProperty name="width" value="0.2" units="cm"/>
+      <inkml:brushProperty name="height" value="0.4" units="cm"/>
+      <inkml:brushProperty name="color" value="#969696"/>
+      <inkml:brushProperty name="tip" value="rectangle"/>
+      <inkml:brushProperty name="rasterOp" value="maskPen"/>
+    </inkml:brush>
+  </inkml:definitions>
+  <inkml:trace contextRef="#ctx0" brushRef="#br0">0 140,'46'-4,"4"-2,-6-4,1 1,-2 3,-11-2,-5 3,-10 0,3-2,-2 6,3-7,5 7,-9-2,0 3,2-4,-5 3,11-3,-8 4,9 0,-5 0,6-4,-5 3,-6-6,-4 6,-5-3,4 4,0-3,1 2,3-6,-7 6,7-6,-6 3,2-1,0 2,-3 3,6 0,-6 0,3 0,0 0,1 0,5 0,-5 0,-1 0,1 0,5 0,4 0,11-4,-5 3,5-4,-6 5,0 0,-4 0,-1 0,-1 0,-2 0,2 0,-3 0,-2 0,1 0,0 0,-4 0,4 0,-4 4,4-3,-3 3,6-1,-5-2,16 7,-2-2,15 3,2-4,-6 4,-2-8,-19 3,-2-4,-9 0,4 0,0 0,1 0,7 0,-10 0,7 0,-8 0</inkml:trace>
+</inkml:ink>
+</file>
+
+<file path=ppt/ink/ink83.xml><?xml version="1.0" encoding="utf-8"?>
+<inkml:ink xmlns:inkml="http://www.w3.org/2003/InkML">
+  <inkml:definitions>
+    <inkml:context xml:id="ctx0">
+      <inkml:inkSource xml:id="inkSrc0">
+        <inkml:traceFormat>
+          <inkml:channel name="X" type="integer" min="-2.14748E9" max="2.14748E9" units="cm"/>
+          <inkml:channel name="Y" type="integer" min="-2.14748E9" max="2.14748E9" units="cm"/>
+        </inkml:traceFormat>
+        <inkml:channelProperties>
+          <inkml:channelProperty channel="X" name="resolution" value="1000" units="1/cm"/>
+          <inkml:channelProperty channel="Y" name="resolution" value="1000" units="1/cm"/>
+        </inkml:channelProperties>
+      </inkml:inkSource>
+      <inkml:timestamp xml:id="ts0" timeString="2024-11-21T17:31:14.979"/>
+    </inkml:context>
+    <inkml:brush xml:id="br0">
+      <inkml:brushProperty name="width" value="0.2" units="cm"/>
+      <inkml:brushProperty name="height" value="0.4" units="cm"/>
+      <inkml:brushProperty name="color" value="#969696"/>
+      <inkml:brushProperty name="tip" value="rectangle"/>
+      <inkml:brushProperty name="rasterOp" value="maskPen"/>
+    </inkml:brush>
+  </inkml:definitions>
+  <inkml:trace contextRef="#ctx0" brushRef="#br0">0 15,'38'17,"-2"1,-10-17,0 3,1-4,4 0,-4-4,5 3,-10-3,-2 4,-7-3,-2 2,0-3,-2 1,5 2,-5-2,5-1,-5 3,2-2,0-1,-3 4,6-4,-6 4,3 0,0-3,-3 2,10-2,-9 3,6 0,-1 0,-1 0,11 0,3 0,1 0,8 0,-8 0,3 0,-13 0,2 0,-8 0,4 0,-4 0,0 0,-1 0,1 0,1 0,-2 0,0 0,-3-4,6 3,-6-2,3 3,-4 0</inkml:trace>
+</inkml:ink>
+</file>
+
+<file path=ppt/ink/ink84.xml><?xml version="1.0" encoding="utf-8"?>
+<inkml:ink xmlns:inkml="http://www.w3.org/2003/InkML">
+  <inkml:definitions>
+    <inkml:context xml:id="ctx0">
+      <inkml:inkSource xml:id="inkSrc0">
+        <inkml:traceFormat>
+          <inkml:channel name="X" type="integer" min="-2.14748E9" max="2.14748E9" units="cm"/>
+          <inkml:channel name="Y" type="integer" min="-2.14748E9" max="2.14748E9" units="cm"/>
+        </inkml:traceFormat>
+        <inkml:channelProperties>
+          <inkml:channelProperty channel="X" name="resolution" value="1000" units="1/cm"/>
+          <inkml:channelProperty channel="Y" name="resolution" value="1000" units="1/cm"/>
+        </inkml:channelProperties>
+      </inkml:inkSource>
+      <inkml:timestamp xml:id="ts0" timeString="2024-11-21T17:31:24.467"/>
+    </inkml:context>
+    <inkml:brush xml:id="br0">
+      <inkml:brushProperty name="width" value="0.2" units="cm"/>
+      <inkml:brushProperty name="height" value="0.4" units="cm"/>
+      <inkml:brushProperty name="color" value="#969696"/>
+      <inkml:brushProperty name="tip" value="rectangle"/>
+      <inkml:brushProperty name="rasterOp" value="maskPen"/>
+    </inkml:brush>
+  </inkml:definitions>
+  <inkml:trace contextRef="#ctx0" brushRef="#br0">5527 1958,'39'12,"-3"-3,-10-6,-4-3,-1 0,-5 0,-4 0,8 0,-10 0,9 0,-10-3,2 2,0-2,-3 3,6-3,-6 2,3-3,0 1,-3-1,3 0,-1-3,-1 6,1-6,1 7,-3-4,6 4,-5 0,1 0,-6-13,0-2,-4-9,0-1,0 3,0 0,4-3,-4 7,8-3,-4 5,1 0,2 3,-3 2,0 3,3-3,-6 3,2-6,-3 5,0-6,0-1,3-2,-2-7,3 11,0-10,0 10,5-6,-1 3,0 5,-4 0,-1 5,1-4,-3-1,2 0,-3 1,0-3,0 0,0-10,0 11,0-3,4 4,-4 4,8-8,-7 8,2-4,-3 2,0 1,0-9,0 9,-4-10,4 10,-7-2,6-1,-6 4,2-12,1 2,-4-4,7-3,-6 7,6 1,-6 2,2 3,-3-5,0 1,3 3,-2-2,3 6,-4-2,0 3,0-3,0-1,0-9,0 3,-1-3,1 9,0-3,0 2,0-3,3 3,-2 2,3-1,-1 4,-2-8,6 4,-2-9,-1 8,3-3,-2 4,3 4,-4-8,3 8,-2-4,3 1,0 2,0-5,0 5,0-2,0 0,0 3,0-7,-4 7,4-4,-4-4,4-2,0 0,0-2,0 8,0 0,0 0,0 1,0 3,0-6,0 5,0-2,-3 0,-1 3,0-3,-3 0,3 3,-4-7,4 3,-3-1,2 2,1 3,1-3,3 0,-4-1,4-3,-7 3,6-1,-3 2,1 0,2 3,-13 0,-8 9,-22 5,-25-1,-12 0,-1-10,11 4,20-4,17 5,9 0,12 0,2 0,-5 0,-2 0,-9 0,1 0,-1 0,1 0,4 0,1-4,0-1,4 1,0-4,-3 8,11-7,-11 6,11-2,-2-1,0 4,2-4,-5 4,2-3,-8-2,-2 0,-5-3,1 7,4-3,5 1,2 2,6-2,-6-1,-7-1,-1-4,-14 4,5 1,-6 0,0 3,1-7,4 7,2-4,4 5,1 0,-1 0,5 0,1 0,5 0,-5 0,-1 0,0 0,-15-4,17 3,-17-3,15 4,-10 0,0 0,-1 0,2 0,4 0,1 4,-8-3,6 7,-6-7,3 7,-2-3,1 0,-5 0,9-5,-3 0,5 3,4-2,1 3,8-4,-2 0,6 0,-2 0,0 0,-1 0,-4 0,-5 0,-1 4,-9-3,-2 7,-5-7,1 3,4 0,6-3,6 3,9-4,-18 0,-8 0,-13 0,-6-4,13 2,6-2,11 4,10 0,5 0,5 0,-5 0,0 0,-9 0,-1 0,-4 0,-6 4,0-3,-12 3,5-4,-4-4,11 3,0-7,6 7,-8-3,10 0,-4 3,12-2,3 3,2 0,-4 0,-3 0,-7 0,-6-4,-2 3,0-4,-3 5,8-4,-3 3,13-2,-2 3,11 0,-2 0,0 0,3 0,-15 0,9 0,-15 0,7-4,-4 3,-1-3,1 4,4 0,-3 0,7 0,-3 0,5 0,0 0,-1 0,1 0,3 0,-2 0,2 0,-10 0,0 0,2 0,1 0,12 0,-4 0,1 0,-1 0,-1 0,-2 0,2 0,-8 0,4 0,0 0,6 0,3 0,-3 0,-1 0,1 0,0 0,-1 3,0-2,-4 6,-1-2,-4 3,-1 1,-4 0,0-1,4 1,1-1,8-3,2 2,0-3,3 0,-3 2,0-5,2 6,-1-3,-6 4,6-1,-10 2,8-1,-1-1,2-2,3-2,-3 0,0-2,-1 6,1-6,0 2,-2 1,-3-4,3 4,-2-4,6 0,-2 0,0 0,-6-4,-4 3,-1-6,5 6,6-3,3 1,-3 2,-2-3,-8 0,-1 4,-4-4,0 0,4 3,1-7,4 7,5-3,-11 1,13-1,-17-1,17 2,-6-1,9 4,-4-4,-1 4,0 0,2 0,-1 0,-2 0,2 0,-5 0,4 0,-5 0,1 0,4 0,0 0,1 0,2 0,-6 0,7 0,-3 0,0 0,2 0,-2 20,2-3,1 17,-1-7,1-1,3-4,-3-1,3-5,-3 0,4 0,-3-3,6-2,-6 0,6-2,-7 10,4-5,-5 11,0-3,1 0,-1-2,5-7,-3-2,6-3,-6 2,6 2,-6 3,6-3,-6 3,6-6,-6 6,6-7,-3 8,4-8,0 3,0 0,0-3,7 6,-2-6,5 3,-2-3,-1-1,1 0,-1 4,-3-3,3 6,-7-5,4 1,-1 1,-2-3,2 6,-3-6,0 3,0 4,0-2,0 3,4-1,-3-3,2 4,-3-3,-4 7,3-11,-3 7,4-9,0 4,0 0,0 1,0-1,0-1,0-1,0 5,0-6,-3 3,2-1,-2-1,3 5,4-2,-4 3,4 2,-4-1,4 0,0 0,4 1,-3-1,2 5,-6-8,3 3,-1-9,-2 5,3-1,-4 5,0-4,0 8,0-2,-4 4,3-2,-6-3,6-1,-7 0,7-4,-2 0,3-2,0-1,0 5,0-2,0 3,-4-2,4-2,-7 0,6-3,-2 6,3-6,-4 7,3-7,-6 4,6-1,-5-3,5 8,-6 0,2 2,-4 7,1-3,3-4,-3 6,7-15,-7 11,7-11,-2 6,-1-7,0 4,0-2,1-1,-1 1,3 2,-5-4,5 3,-3 1,1 0,2 4,-3-3,4-2,0 0,0-3,0 6,4-2,-3 8,2 2,1 9,-2 2,2-1,-4 0,0-6,0-4,0-2,0-7,0-2,0 0,-4-3,3 6,-2-6,3 3,-3 0,2-3,-2 6,3-6,-4 3,3 0,-2-3,6 6,-2-6,2 3,-3-1,0-1,0 5,4-6,-3 3,5 3,-5-4,6 8,-6-10,2 4,1-1,0 1,4 3,-4 6,4 6,-3 0,4 5,-4-6,3 0,-7 1,6-1,-6 0,3-4,0 3,1-3,4 0,-1 3,0-8,1 9,-4-5,2 1,-2 3,-1-11,0 2,-4-9,-3 4,2 1,-6 0,3-1,0-4,-3 5,6-4,-3 4,1-2,-1-2,0 3,-3 0,3-3,-4 3,1 0,-1 2,-1 7,0 7,0 6,0-1,0-1,-4-4,3-1,-2-4,3 3,1-8,-1 0,5-2,-3-6,6 2,-5 0,5-3,-2 6,3-6,3 3,-2 0,5-3,-2 6,1-6,1 3,-2-4,4 4,-4 1,2 0,-5-1,6-3,0 2,5 2,-1-1,0-3,-4-2,1 2,-1 0,1 3,-1-4,0 4,1-3,-1 3,-3-4,3 4,-3-3,0 3,3 0,-3-3,3 3,1-4,-1 0,0 4,1-3,-1 3,1-4,-4 4,-1 1,1 3,-3 5,-2 2,-4 4,-3-4,3-5,1-6,11-3,1-1,4-3,-2 0,1-1,-3 1,6 3,-2-2,4 1,0-5,1 3,3-4,2 0,4 0,-4 0,4 0,-9 0,4 0,-5 0,-4 0,0 0,-5 0</inkml:trace>
+</inkml:ink>
+</file>
+
+<file path=ppt/ink/ink85.xml><?xml version="1.0" encoding="utf-8"?>
+<inkml:ink xmlns:inkml="http://www.w3.org/2003/InkML">
+  <inkml:definitions>
+    <inkml:context xml:id="ctx0">
+      <inkml:inkSource xml:id="inkSrc0">
+        <inkml:traceFormat>
+          <inkml:channel name="X" type="integer" min="-2.14748E9" max="2.14748E9" units="cm"/>
+          <inkml:channel name="Y" type="integer" min="-2.14748E9" max="2.14748E9" units="cm"/>
+        </inkml:traceFormat>
+        <inkml:channelProperties>
+          <inkml:channelProperty channel="X" name="resolution" value="1000" units="1/cm"/>
+          <inkml:channelProperty channel="Y" name="resolution" value="1000" units="1/cm"/>
+        </inkml:channelProperties>
+      </inkml:inkSource>
+      <inkml:timestamp xml:id="ts0" timeString="2024-11-21T17:42:17.802"/>
+    </inkml:context>
+    <inkml:brush xml:id="br0">
+      <inkml:brushProperty name="width" value="0.2" units="cm"/>
+      <inkml:brushProperty name="height" value="0.4" units="cm"/>
+      <inkml:brushProperty name="color" value="#FF8517"/>
+      <inkml:brushProperty name="tip" value="rectangle"/>
+      <inkml:brushProperty name="rasterOp" value="maskPen"/>
+    </inkml:brush>
+  </inkml:definitions>
+  <inkml:trace contextRef="#ctx0" brushRef="#br0">8548 10,'-32'0,"-3"0,10 0,-4 0,4-4,-3 3,13-3,-3 4,9 0,1 0,-4 0,-2 0,-4 0,4 0,1 0,0 0,4 0,-4 0,1 0,2 0,-2 0,0 0,-2 0,1 0,-4 4,3-3,0 7,-3-7,3 2,0 1,1-3,4 3,-3-4,3 0,-3 0,-10 0,1 0,-13 0,10 0,-5 0,14 0,-7 0,12 0,-3 0,5-4,-4 3,2-3,-6 4,-3 5,-6-4,-4 7,-1-7,0 8,10-8,-2 4,8-1,0-3,1 3,5-4,-20 4,11 2,-21 4,23-2,-3 1,10-4,3 2,-15 2,13-3,-14 6,13-7,0-1,-1 7,4-5,-3 15,3-1,-5 10,0-6,1 0,-1-6,5-4,-3 3,7-3,-7-1,7 5,-3 0,4 7,0 4,0 1,-4-6,3 5,-7-10,7 9,-3-8,4 3,-4-5,3 1,-3-6,4 0,0-5,0 4,4 2,-3 4,7 5,-7 1,8 6,-8 5,9 14,-5-9,6 8,-6-23,0-2,-2-9,-2-1,7-1,-7-2,7 2,-7-3,6-1,-2 10,4-3,1 19,-4-3,3 11,-8-5,8-2,-8-6,8 1,-8-6,3 0,0-6,-3-4,7-2,-7-3,7 3,-4-2,6 20,-1-8,-4 11,0-5,-5-3,0-1,4 4,-3-3,3 4,-4-4,0 3,0-3,0 4,0 6,0-4,0 4,-4-5,3-1,-8 1,8-1,-3-4,4-7,-5 0,4-9,-3 8,0-3,3 4,-7 5,2-3,1 8,-4-3,4 4,-5 1,-5 18,4-14,-3 14,4-18,0-6,0 4,5-12,-4 11,4-7,-1 4,-3 5,4-10,-4 4,-1 0,-4 15,3-5,1 9,1-12,8-6,-3 0,0-6,3 0,-7-4,7-1,-3-5,4 4,-17-15,0 9,-22-19,8 7,-10 1,10 0,-4 5,10 0,-3 0,8 0,1 0,6 0,5-4,-4 3,-2-2,-4 7,-11 1,3 1,-15 3,5-8,-7 4,1-1,0-3,10 4,-2-5,19 0,-7 0,12 0,1-4,-2 3,1 2,-18 0,1 7,-20-2,9 4,-10 1,6-5,-1 3,7-3,-13 8,16-7,-9 6,17-12,2 3,9 0,1-3,4 3,-3-4,-2 0,-3 0,-12 4,-3 2,-10 4,0-4,-7-1,-1 0,0-4,2 4,-1-5,6 0,0 0,7 0,7 0,-1 0,10-4,2 3,10-2,-10-2,-8-1,-24-4,-24-14,25 16,-2 0,-2-11,-3 0,-6 11,0-1,7-9,1-1,4 8,0 1,-37-16,15 9,14 6,8 0,20 1,11 4,6 2,5 4,-4 0,2 0,-2 4,-10 1,1 0,-12-1,3-4,6 0,0 0,-5 0,3 0,-21 0,15 0,-10 0,13-4,8 3,3-4,10 5,0 0,-5 0,-11 0,-1 0,-16 5,-9-4,-24 4,-2-5,-4 0,10 5,18-4,3 9,14-9,14 3,0-4,15 4,-5-3,-2 11,-7-6,-8 7,-8-3,-13 1,-10 0,1 0,2-4,14-3,0-4,15 4,3-3,16 3,-1-4,-12 4,-6-3,-26 3,1-9,-5 4,9-4,11 5,7-4,11 3,1-7,-12 2,-17-5,-10 0,-6-1,0 1,11 0,-3-1,18 2,11 1,8 3,10 2,-1 4,-9 0,-14 0,-12 0,-19 0,11 0,-3-4,18 3,7-4,11 5,6 0,5 0,-9-4,7 3,-11-3,7 4,-10-5,0 4,-1-7,-3 2,8 1,1 0,6 5,5 0,-14 0,1 0,-12 0,8 0,-3 5,3-4,1 7,0-7,6 7,-1-7,1 8,0-4,-1 0,-10 3,3-2,-9 4,5 0,1 0,4-1,2 0,9-3,1 1,5-6,-1 3,-9 0,3 1,-8 1,9 2,-9-3,-2 4,-6 1,5 0,3-1,14-4,-8 3,7-7,-3 3,5-1,-1-2,-3 3,3-4,-3 0,-1 4,0-3,-10 2,8-3,-3 0,5 0,3 0,-2 0,3 4,-9-3,-2 7,-21-2,2 0,-3 3,11-4,12 0,7-1,7-4,1 0</inkml:trace>
+</inkml:ink>
+</file>
+
+<file path=ppt/ink/ink86.xml><?xml version="1.0" encoding="utf-8"?>
+<inkml:ink xmlns:inkml="http://www.w3.org/2003/InkML">
+  <inkml:definitions>
+    <inkml:context xml:id="ctx0">
+      <inkml:inkSource xml:id="inkSrc0">
+        <inkml:traceFormat>
+          <inkml:channel name="X" type="integer" min="-2.14748E9" max="2.14748E9" units="cm"/>
+          <inkml:channel name="Y" type="integer" min="-2.14748E9" max="2.14748E9" units="cm"/>
+        </inkml:traceFormat>
+        <inkml:channelProperties>
+          <inkml:channelProperty channel="X" name="resolution" value="1000" units="1/cm"/>
+          <inkml:channelProperty channel="Y" name="resolution" value="1000" units="1/cm"/>
+        </inkml:channelProperties>
+      </inkml:inkSource>
+      <inkml:timestamp xml:id="ts0" timeString="2024-11-21T17:42:22.605"/>
+    </inkml:context>
+    <inkml:brush xml:id="br0">
+      <inkml:brushProperty name="width" value="0.2" units="cm"/>
+      <inkml:brushProperty name="height" value="0.4" units="cm"/>
+      <inkml:brushProperty name="color" value="#FF8517"/>
+      <inkml:brushProperty name="tip" value="rectangle"/>
+      <inkml:brushProperty name="rasterOp" value="maskPen"/>
+    </inkml:brush>
+  </inkml:definitions>
+  <inkml:trace contextRef="#ctx0" brushRef="#br0">121 5735,'0'-37,"0"1,0 6,0 0,-5 1,0-1,-1 6,2-5,-1 4,0-4,-1 9,2 2,4 9,0 1,0-4,0 2,0-2,-4 0,3-2,-3 1,4-4,0 7,0-7,0 3,0 0,0-3,0 7,0-3,0-3,4 5,-3-10,3 11,-1-2,2-1,4-1,0 0,0-3,-1 7,-3-7,3 3,-3 0,4-8,0 6,1-12,-1 3,1-4,0-1,0-5,0 4,0-4,-5-1,4-8,-8 6,3-5,-4 23,0-3,0 14,5-13,-4 11,3-7,-4 9,0 1,0-4,0 2,0-2,-8-9,6 9,-10-14,6 12,-3-10,-1 0,0-6,1 6,-1 0,1 1,-1 3,0-8,1 8,0-3,-1 4,5 5,1 2,-3-1,1 4,-7-13,4 12,4-8,1 9,1 1,-2-4,0 2,-3-11,3 5,-5-7,5 9,-3 1,7 5,-2-5,-2-6,0 4,0-3,1 6,4 2,0-6,0-3,0-11,0-1,0-5,0 7,0-1,0 5,4 6,-3 7,3 3,-4-3,0 3,0-8,4-8,-3-1,8-9,-8 0,8 4,-3-10,4 10,0-4,0 5,-5 5,-1-3,0 8,-3-3,4 5,-5 4,0 1,0 4,0-3,0 3,0-3,0-1,0 4,0-13,0 12,0-8,0 9,-4 1,3-9,-7-3,7 1,-4-3,5 13,-4-14,-1 8,-1-8,2 9,4 1,0 4,0-3,0 3,0-3,-4 0,3 2,-2-2,3 0,0 2,0-11,0 10,0-7,0 10,0-1,0-12,0-1,0-2,0-3,0 12,0-4,0 6,0 5,0-14,0 1,0-7,0-1,0 5,0-1,0 6,0 6,0 5,0-5,0 4,0-3,0 0,0 2,0-2,0 0,0-7,4-5,-3-1,3-3,1 3,-4-4,7-1,-6 6,2 0,-4 10,0-8,0 11,0-7,0 5,0 4,0-4,0 1,4-2,-3 1,3 0,-4 4,0-3,0 3,0-3,0-1,0 4,4-8,-3-2,3-5,-4-6,0 1,0-1,0 0,0 6,0 5,0-4,0 8,0-4,0 6,0 5,0-4,0 2,0-2,0 0,0 3,0-4,0-8,0 9,0-10,0 10,0-7,0-6,0 0,0-3,0 8,4-3,-3 0,7 3,-7 1,3 6,-4 5,0-5,0 4,0-3,0 0,0 2,0-11,-4 5,3-7,-3 5,0-1,3-4,-7 8,7-3,-3 9,4 1,-3-4,2 2,-3-2,0 4,3-4,-2 2,3-2,0-1,-4 4,3-4,-3 4,0 1,3-4,-6-2,1-4,1 4,1 1,4 5,0-4,-4 2,3-2,-2 0,3 3,0-4,0 1,0 3,0-3,0-1,0 4,0-3,0 0,0 2,0-2,0 0,0 2,0-2,3 0,-2 3,3-8,0-2,-3 4,7-3,-7 9,7 1,-7-9,2-2,-3-10,4 5,-3-5,8 5,-8-1,3-3,-4 8,0-3,0 4,4 1,-3-1,3 5,-4 2,0 3,0 1</inkml:trace>
+</inkml:ink>
+</file>
+
+<file path=ppt/ink/ink87.xml><?xml version="1.0" encoding="utf-8"?>
+<inkml:ink xmlns:inkml="http://www.w3.org/2003/InkML">
+  <inkml:definitions>
+    <inkml:context xml:id="ctx0">
+      <inkml:inkSource xml:id="inkSrc0">
+        <inkml:traceFormat>
+          <inkml:channel name="X" type="integer" min="-2.14748E9" max="2.14748E9" units="cm"/>
+          <inkml:channel name="Y" type="integer" min="-2.14748E9" max="2.14748E9" units="cm"/>
+        </inkml:traceFormat>
+        <inkml:channelProperties>
+          <inkml:channelProperty channel="X" name="resolution" value="1000" units="1/cm"/>
+          <inkml:channelProperty channel="Y" name="resolution" value="1000" units="1/cm"/>
+        </inkml:channelProperties>
+      </inkml:inkSource>
+      <inkml:timestamp xml:id="ts0" timeString="2024-11-21T17:42:24.536"/>
+    </inkml:context>
+    <inkml:brush xml:id="br0">
+      <inkml:brushProperty name="width" value="0.2" units="cm"/>
+      <inkml:brushProperty name="height" value="0.4" units="cm"/>
+      <inkml:brushProperty name="color" value="#FF8517"/>
+      <inkml:brushProperty name="tip" value="rectangle"/>
+      <inkml:brushProperty name="rasterOp" value="maskPen"/>
+    </inkml:brush>
+  </inkml:definitions>
+  <inkml:trace contextRef="#ctx0" brushRef="#br0">876 2,'-29'0,"-1"0,20 0,-2 0,3 3,-9-2,-2 3,-15-4,-2 0,1-4,0 3,7-4,-1 5,0 0,10 0,2 0,10 0,-1 0,-3 0,3 0,-3 0,-1 0,4 0,-13 0,-3 0,-6 0,-5 0,12 0,5 0,6 0,4 0,-3 0,3 0,-13 0,2 0,-10 0,1 0,-1 0,6 0,5 0,6 0,4 0,1 0</inkml:trace>
+</inkml:ink>
+</file>
+
+<file path=ppt/ink/ink88.xml><?xml version="1.0" encoding="utf-8"?>
+<inkml:ink xmlns:inkml="http://www.w3.org/2003/InkML">
+  <inkml:definitions>
+    <inkml:context xml:id="ctx0">
+      <inkml:inkSource xml:id="inkSrc0">
+        <inkml:traceFormat>
+          <inkml:channel name="X" type="integer" min="-2.14748E9" max="2.14748E9" units="cm"/>
+          <inkml:channel name="Y" type="integer" min="-2.14748E9" max="2.14748E9" units="cm"/>
+          <inkml:channel name="F" type="integer" max="32767" units="dev"/>
+        </inkml:traceFormat>
+        <inkml:channelProperties>
+          <inkml:channelProperty channel="X" name="resolution" value="1000" units="1/cm"/>
+          <inkml:channelProperty channel="Y" name="resolution" value="1000" units="1/cm"/>
+          <inkml:channelProperty channel="F" name="resolution" value="0" units="1/dev"/>
+        </inkml:channelProperties>
+      </inkml:inkSource>
+      <inkml:timestamp xml:id="ts0" timeString="2024-11-21T17:45:07.907"/>
+    </inkml:context>
+    <inkml:brush xml:id="br0">
+      <inkml:brushProperty name="width" value="0.05" units="cm"/>
+      <inkml:brushProperty name="height" value="0.05" units="cm"/>
+      <inkml:brushProperty name="color" value="#24AEE2"/>
+    </inkml:brush>
+  </inkml:definitions>
+  <inkml:trace contextRef="#ctx0" brushRef="#br0">168 9 24575,'-7'0'0,"1"0"0,2 0 0,0 0 0,0 0 0,0 0 0,0 0 0,-1 0 0,1 0 0,0 0 0,0-2 0,0 2 0,0-2 0,0 0 0,-1 2 0,1-2 0,0 2 0,0 0 0,0 0 0,0 0 0,0 0 0,-1 0 0,-1 2 0,1-2 0,-1 4 0,2-3 0,0 0 0,0-1 0,0 0 0,-1 0 0,1 0 0,0 0 0,0 0 0,-2 2 0,1-1 0,-1 1 0,3-2 0,2 0 0</inkml:trace>
+</inkml:ink>
+</file>
+
+<file path=ppt/ink/ink89.xml><?xml version="1.0" encoding="utf-8"?>
+<inkml:ink xmlns:inkml="http://www.w3.org/2003/InkML">
+  <inkml:definitions>
+    <inkml:context xml:id="ctx0">
+      <inkml:inkSource xml:id="inkSrc0">
+        <inkml:traceFormat>
+          <inkml:channel name="X" type="integer" min="-2.14748E9" max="2.14748E9" units="cm"/>
+          <inkml:channel name="Y" type="integer" min="-2.14748E9" max="2.14748E9" units="cm"/>
+        </inkml:traceFormat>
+        <inkml:channelProperties>
+          <inkml:channelProperty channel="X" name="resolution" value="1000" units="1/cm"/>
+          <inkml:channelProperty channel="Y" name="resolution" value="1000" units="1/cm"/>
+        </inkml:channelProperties>
+      </inkml:inkSource>
+      <inkml:timestamp xml:id="ts0" timeString="2024-11-21T17:45:43.044"/>
+    </inkml:context>
+    <inkml:brush xml:id="br0">
+      <inkml:brushProperty name="width" value="0.2" units="cm"/>
+      <inkml:brushProperty name="height" value="0.4" units="cm"/>
+      <inkml:brushProperty name="color" value="#0069AF"/>
+      <inkml:brushProperty name="tip" value="rectangle"/>
+      <inkml:brushProperty name="rasterOp" value="maskPen"/>
+    </inkml:brush>
+  </inkml:definitions>
+  <inkml:trace contextRef="#ctx0" brushRef="#br0">0 924,'50'4,"-5"-3,-28 3,6-1,-14-2,7 3,-9-1,3-2,2 2,30-3,1 0,13 0,-8 0,-12 4,0-3,-4 7,-10-7,-7 3,-8-4,3 0,2-4,-1 4,-1-4,4 4,-1 0,6 0,-4 0,1 0,0 0,-1-3,5 2,-7-3,3 4,-9 0,4-3,1 2,3-6,1 6,0-3,-1 4,-3 0,3-3,1 2,10-3,17 4,-4 0,8 0,-10 4,-6-3,-1 7,-12-4,-3 4,-8-4,16-1,1-3,11 4,-5-3,-5 3,-3-1,-6-2,-5 2,-4-3,6 0,-4 0,5-3,-4 2,-2-2,14 3,-4 0,6 0,0 4,-3-3,0 3,4-1,-9-2,4 3,-4-4,0 0,-1-4,1 4,-4-4,-1 4,0-3,1-2,4-3,3 0,7-1,1 1,-1 3,-2 1,-11 4,2 0,-7 0,2 0,2-4,3 4,0-8,1 8,4-8,1 7,5-6,-1 2,0 0,-4 1,-1 1,-4 2,0-3,-1 1,-3 2,-1-6,0 3,-3 0,5 1,-5 3,2-3,9-1,2 0,4 0,-2 4,-7 4,-4-3,-1 5,-1-5,-2 6,11-3,-7 0,13 4,-4-7,4 6,-4-6,-1 6,-8-6,-1 3,-20-27,9 14,-13-19,13 17,0 3,0-6,0 6,0-7,0 7,0-7,0 7,0-7,0 7,0-3,-3 0,2 3,-6-9,6 4,-2-6,3 3,0 0,0-4,-4-1,3 0,-3 1,1 4,2 4,-3-3,1-1,2 3,-3-6,4 6,3 1,-2 1,2 1,-3 2,0-6,4 2,-4 0,7-3,-6 6,3-2,-4 1,0 2,0-6,-4 6,0-2,-6-1,2-1,-3 1,7 0,-6 3,5 1,-5 0,-3-13,-4 0,2-6,-1 9,9 6,6-4,3 1,6-6,-1 8,1-3,-1 7,1-3,-1 4</inkml:trace>
+</inkml:ink>
+</file>
+
+<file path=ppt/ink/ink9.xml><?xml version="1.0" encoding="utf-8"?>
 <inkml:ink xmlns:inkml="http://www.w3.org/2003/InkML">
   <inkml:definitions>
     <inkml:context xml:id="ctx0">
@@ -4738,259 +6014,7 @@
 </inkml:ink>
 </file>
 
-<file path=ppt/ink/ink80.xml><?xml version="1.0" encoding="utf-8"?>
-<inkml:ink xmlns:inkml="http://www.w3.org/2003/InkML">
-  <inkml:definitions>
-    <inkml:context xml:id="ctx0">
-      <inkml:inkSource xml:id="inkSrc0">
-        <inkml:traceFormat>
-          <inkml:channel name="X" type="integer" min="-2.14748E9" max="2.14748E9" units="cm"/>
-          <inkml:channel name="Y" type="integer" min="-2.14748E9" max="2.14748E9" units="cm"/>
-        </inkml:traceFormat>
-        <inkml:channelProperties>
-          <inkml:channelProperty channel="X" name="resolution" value="1000" units="1/cm"/>
-          <inkml:channelProperty channel="Y" name="resolution" value="1000" units="1/cm"/>
-        </inkml:channelProperties>
-      </inkml:inkSource>
-      <inkml:timestamp xml:id="ts0" timeString="2024-11-21T17:31:06.582"/>
-    </inkml:context>
-    <inkml:brush xml:id="br0">
-      <inkml:brushProperty name="width" value="0.2" units="cm"/>
-      <inkml:brushProperty name="height" value="0.4" units="cm"/>
-      <inkml:brushProperty name="color" value="#969696"/>
-      <inkml:brushProperty name="tip" value="rectangle"/>
-      <inkml:brushProperty name="rasterOp" value="maskPen"/>
-    </inkml:brush>
-  </inkml:definitions>
-  <inkml:trace contextRef="#ctx0" brushRef="#br0">91 1,'8'28,"-1"4,-3-14,-3 8,6-4,-6 3,6-7,-6-1,3-2,-4-7,0 4,0-2,0-2,3 6,-2-5,2 1,-3 2,0-4,0 7,0-6,0 2,0 0,0-3,0 6,0-6,-3 3,2 0,-6 2,6 7,-6-2,6 3,-7-5,4 0,-4-4,3 0,2-5,-1 4,0 6,-1-3,1 1,4-7,-3 3,2 1,-3 8,4 1,0-4,0-2,0-4,0 6,4 5,-3 4,3 0,-4-4,-4-1,4-5,-4 0,4-3,0-2,0 0,0 1,0 0,4 7,-3-5,3 3,-1-2,-2-7,3 4,-4-2,0-1,0 5,0-6,3 3,-2 0,2 1,-3 4,0 5,0 1,0-4,-4 2,4-12,-4 3,4 0,0-3,4 10,-4-5,4 7,-4 1,0 0,0-3,0 2,4-8,-3 5,2-1,-3-4,0 0,0-2,0-1,0 13,0-8,0 15,0-2,0 0,0 4,0 1,0-5,0 10,0-10,0 4,0-4,0-9,0 6,0-15,0 7,0-9,0 5,0 3,0 7,0 3,-4 6,-1 2,-5 5,1-1,-1 1,1-6,0-1,1-9,3-5,1-6,1-3,2 2,-6 2,6 13,-2-3,-1 15,3-10,-3 0,4-6,0-5,0-4,0 0,0-2,3-1,1 9,0-9,3 5,-2-2,3 5,1 9,-1 2,1 3,0-4,0-6,-1 0,0-5,0 1,0-5,0 3,0-6,0 9,-1-5,-2 7,-1-4,-1-4,1 0,0-5,-1 4,1 0,-4 1,7-1,-2 3,-1-1,3 3,-7-1,4-6,-4 2,0 0,0-3,0 6,0-6,0 3,0 0,0 6,0 0,0 4,0-8,0-2,0 0,0-3,0 6,0-6,0 7,0-7,0 3,0 0,0-3,0 6,0-5,-4 1,4 1,-4-3,4 6,0-6,20-17,-12 8,16-19,-17 19,-2-2,-2 3</inkml:trace>
-</inkml:ink>
-</file>
-
-<file path=ppt/ink/ink81.xml><?xml version="1.0" encoding="utf-8"?>
-<inkml:ink xmlns:inkml="http://www.w3.org/2003/InkML">
-  <inkml:definitions>
-    <inkml:context xml:id="ctx0">
-      <inkml:inkSource xml:id="inkSrc0">
-        <inkml:traceFormat>
-          <inkml:channel name="X" type="integer" min="-2.14748E9" max="2.14748E9" units="cm"/>
-          <inkml:channel name="Y" type="integer" min="-2.14748E9" max="2.14748E9" units="cm"/>
-        </inkml:traceFormat>
-        <inkml:channelProperties>
-          <inkml:channelProperty channel="X" name="resolution" value="1000" units="1/cm"/>
-          <inkml:channelProperty channel="Y" name="resolution" value="1000" units="1/cm"/>
-        </inkml:channelProperties>
-      </inkml:inkSource>
-      <inkml:timestamp xml:id="ts0" timeString="2024-11-21T17:31:13.732"/>
-    </inkml:context>
-    <inkml:brush xml:id="br0">
-      <inkml:brushProperty name="width" value="0.2" units="cm"/>
-      <inkml:brushProperty name="height" value="0.4" units="cm"/>
-      <inkml:brushProperty name="color" value="#969696"/>
-      <inkml:brushProperty name="tip" value="rectangle"/>
-      <inkml:brushProperty name="rasterOp" value="maskPen"/>
-    </inkml:brush>
-  </inkml:definitions>
-  <inkml:trace contextRef="#ctx0" brushRef="#br0">0 140,'46'-4,"4"-2,-6-4,1 1,-2 3,-11-2,-5 3,-10 0,3-2,-2 6,3-7,5 7,-9-2,0 3,2-4,-5 3,11-3,-8 4,9 0,-5 0,6-4,-5 3,-6-6,-4 6,-5-3,4 4,0-3,1 2,3-6,-7 6,7-6,-6 3,2-1,0 2,-3 3,6 0,-6 0,3 0,0 0,1 0,5 0,-5 0,-1 0,1 0,5 0,4 0,11-4,-5 3,5-4,-6 5,0 0,-4 0,-1 0,-1 0,-2 0,2 0,-3 0,-2 0,1 0,0 0,-4 0,4 0,-4 4,4-3,-3 3,6-1,-5-2,16 7,-2-2,15 3,2-4,-6 4,-2-8,-19 3,-2-4,-9 0,4 0,0 0,1 0,7 0,-10 0,7 0,-8 0</inkml:trace>
-</inkml:ink>
-</file>
-
-<file path=ppt/ink/ink82.xml><?xml version="1.0" encoding="utf-8"?>
-<inkml:ink xmlns:inkml="http://www.w3.org/2003/InkML">
-  <inkml:definitions>
-    <inkml:context xml:id="ctx0">
-      <inkml:inkSource xml:id="inkSrc0">
-        <inkml:traceFormat>
-          <inkml:channel name="X" type="integer" min="-2.14748E9" max="2.14748E9" units="cm"/>
-          <inkml:channel name="Y" type="integer" min="-2.14748E9" max="2.14748E9" units="cm"/>
-        </inkml:traceFormat>
-        <inkml:channelProperties>
-          <inkml:channelProperty channel="X" name="resolution" value="1000" units="1/cm"/>
-          <inkml:channelProperty channel="Y" name="resolution" value="1000" units="1/cm"/>
-        </inkml:channelProperties>
-      </inkml:inkSource>
-      <inkml:timestamp xml:id="ts0" timeString="2024-11-21T17:31:14.979"/>
-    </inkml:context>
-    <inkml:brush xml:id="br0">
-      <inkml:brushProperty name="width" value="0.2" units="cm"/>
-      <inkml:brushProperty name="height" value="0.4" units="cm"/>
-      <inkml:brushProperty name="color" value="#969696"/>
-      <inkml:brushProperty name="tip" value="rectangle"/>
-      <inkml:brushProperty name="rasterOp" value="maskPen"/>
-    </inkml:brush>
-  </inkml:definitions>
-  <inkml:trace contextRef="#ctx0" brushRef="#br0">0 15,'38'17,"-2"1,-10-17,0 3,1-4,4 0,-4-4,5 3,-10-3,-2 4,-7-3,-2 2,0-3,-2 1,5 2,-5-2,5-1,-5 3,2-2,0-1,-3 4,6-4,-6 4,3 0,0-3,-3 2,10-2,-9 3,6 0,-1 0,-1 0,11 0,3 0,1 0,8 0,-8 0,3 0,-13 0,2 0,-8 0,4 0,-4 0,0 0,-1 0,1 0,1 0,-2 0,0 0,-3-4,6 3,-6-2,3 3,-4 0</inkml:trace>
-</inkml:ink>
-</file>
-
-<file path=ppt/ink/ink83.xml><?xml version="1.0" encoding="utf-8"?>
-<inkml:ink xmlns:inkml="http://www.w3.org/2003/InkML">
-  <inkml:definitions>
-    <inkml:context xml:id="ctx0">
-      <inkml:inkSource xml:id="inkSrc0">
-        <inkml:traceFormat>
-          <inkml:channel name="X" type="integer" min="-2.14748E9" max="2.14748E9" units="cm"/>
-          <inkml:channel name="Y" type="integer" min="-2.14748E9" max="2.14748E9" units="cm"/>
-        </inkml:traceFormat>
-        <inkml:channelProperties>
-          <inkml:channelProperty channel="X" name="resolution" value="1000" units="1/cm"/>
-          <inkml:channelProperty channel="Y" name="resolution" value="1000" units="1/cm"/>
-        </inkml:channelProperties>
-      </inkml:inkSource>
-      <inkml:timestamp xml:id="ts0" timeString="2024-11-21T17:31:24.467"/>
-    </inkml:context>
-    <inkml:brush xml:id="br0">
-      <inkml:brushProperty name="width" value="0.2" units="cm"/>
-      <inkml:brushProperty name="height" value="0.4" units="cm"/>
-      <inkml:brushProperty name="color" value="#969696"/>
-      <inkml:brushProperty name="tip" value="rectangle"/>
-      <inkml:brushProperty name="rasterOp" value="maskPen"/>
-    </inkml:brush>
-  </inkml:definitions>
-  <inkml:trace contextRef="#ctx0" brushRef="#br0">5527 1958,'39'12,"-3"-3,-10-6,-4-3,-1 0,-5 0,-4 0,8 0,-10 0,9 0,-10-3,2 2,0-2,-3 3,6-3,-6 2,3-3,0 1,-3-1,3 0,-1-3,-1 6,1-6,1 7,-3-4,6 4,-5 0,1 0,-6-13,0-2,-4-9,0-1,0 3,0 0,4-3,-4 7,8-3,-4 5,1 0,2 3,-3 2,0 3,3-3,-6 3,2-6,-3 5,0-6,0-1,3-2,-2-7,3 11,0-10,0 10,5-6,-1 3,0 5,-4 0,-1 5,1-4,-3-1,2 0,-3 1,0-3,0 0,0-10,0 11,0-3,4 4,-4 4,8-8,-7 8,2-4,-3 2,0 1,0-9,0 9,-4-10,4 10,-7-2,6-1,-6 4,2-12,1 2,-4-4,7-3,-6 7,6 1,-6 2,2 3,-3-5,0 1,3 3,-2-2,3 6,-4-2,0 3,0-3,0-1,0-9,0 3,-1-3,1 9,0-3,0 2,0-3,3 3,-2 2,3-1,-1 4,-2-8,6 4,-2-9,-1 8,3-3,-2 4,3 4,-4-8,3 8,-2-4,3 1,0 2,0-5,0 5,0-2,0 0,0 3,0-7,-4 7,4-4,-4-4,4-2,0 0,0-2,0 8,0 0,0 0,0 1,0 3,0-6,0 5,0-2,-3 0,-1 3,0-3,-3 0,3 3,-4-7,4 3,-3-1,2 2,1 3,1-3,3 0,-4-1,4-3,-7 3,6-1,-3 2,1 0,2 3,-13 0,-8 9,-22 5,-25-1,-12 0,-1-10,11 4,20-4,17 5,9 0,12 0,2 0,-5 0,-2 0,-9 0,1 0,-1 0,1 0,4 0,1-4,0-1,4 1,0-4,-3 8,11-7,-11 6,11-2,-2-1,0 4,2-4,-5 4,2-3,-8-2,-2 0,-5-3,1 7,4-3,5 1,2 2,6-2,-6-1,-7-1,-1-4,-14 4,5 1,-6 0,0 3,1-7,4 7,2-4,4 5,1 0,-1 0,5 0,1 0,5 0,-5 0,-1 0,0 0,-15-4,17 3,-17-3,15 4,-10 0,0 0,-1 0,2 0,4 0,1 4,-8-3,6 7,-6-7,3 7,-2-3,1 0,-5 0,9-5,-3 0,5 3,4-2,1 3,8-4,-2 0,6 0,-2 0,0 0,-1 0,-4 0,-5 0,-1 4,-9-3,-2 7,-5-7,1 3,4 0,6-3,6 3,9-4,-18 0,-8 0,-13 0,-6-4,13 2,6-2,11 4,10 0,5 0,5 0,-5 0,0 0,-9 0,-1 0,-4 0,-6 4,0-3,-12 3,5-4,-4-4,11 3,0-7,6 7,-8-3,10 0,-4 3,12-2,3 3,2 0,-4 0,-3 0,-7 0,-6-4,-2 3,0-4,-3 5,8-4,-3 3,13-2,-2 3,11 0,-2 0,0 0,3 0,-15 0,9 0,-15 0,7-4,-4 3,-1-3,1 4,4 0,-3 0,7 0,-3 0,5 0,0 0,-1 0,1 0,3 0,-2 0,2 0,-10 0,0 0,2 0,1 0,12 0,-4 0,1 0,-1 0,-1 0,-2 0,2 0,-8 0,4 0,0 0,6 0,3 0,-3 0,-1 0,1 0,0 0,-1 3,0-2,-4 6,-1-2,-4 3,-1 1,-4 0,0-1,4 1,1-1,8-3,2 2,0-3,3 0,-3 2,0-5,2 6,-1-3,-6 4,6-1,-10 2,8-1,-1-1,2-2,3-2,-3 0,0-2,-1 6,1-6,0 2,-2 1,-3-4,3 4,-2-4,6 0,-2 0,0 0,-6-4,-4 3,-1-6,5 6,6-3,3 1,-3 2,-2-3,-8 0,-1 4,-4-4,0 0,4 3,1-7,4 7,5-3,-11 1,13-1,-17-1,17 2,-6-1,9 4,-4-4,-1 4,0 0,2 0,-1 0,-2 0,2 0,-5 0,4 0,-5 0,1 0,4 0,0 0,1 0,2 0,-6 0,7 0,-3 0,0 0,2 0,-2 20,2-3,1 17,-1-7,1-1,3-4,-3-1,3-5,-3 0,4 0,-3-3,6-2,-6 0,6-2,-7 10,4-5,-5 11,0-3,1 0,-1-2,5-7,-3-2,6-3,-6 2,6 2,-6 3,6-3,-6 3,6-6,-6 6,6-7,-3 8,4-8,0 3,0 0,0-3,7 6,-2-6,5 3,-2-3,-1-1,1 0,-1 4,-3-3,3 6,-7-5,4 1,-1 1,-2-3,2 6,-3-6,0 3,0 4,0-2,0 3,4-1,-3-3,2 4,-3-3,-4 7,3-11,-3 7,4-9,0 4,0 0,0 1,0-1,0-1,0-1,0 5,0-6,-3 3,2-1,-2-1,3 5,4-2,-4 3,4 2,-4-1,4 0,0 0,4 1,-3-1,2 5,-6-8,3 3,-1-9,-2 5,3-1,-4 5,0-4,0 8,0-2,-4 4,3-2,-6-3,6-1,-7 0,7-4,-2 0,3-2,0-1,0 5,0-2,0 3,-4-2,4-2,-7 0,6-3,-2 6,3-6,-4 7,3-7,-6 4,6-1,-5-3,5 8,-6 0,2 2,-4 7,1-3,3-4,-3 6,7-15,-7 11,7-11,-2 6,-1-7,0 4,0-2,1-1,-1 1,3 2,-5-4,5 3,-3 1,1 0,2 4,-3-3,4-2,0 0,0-3,0 6,4-2,-3 8,2 2,1 9,-2 2,2-1,-4 0,0-6,0-4,0-2,0-7,0-2,0 0,-4-3,3 6,-2-6,3 3,-3 0,2-3,-2 6,3-6,-4 3,3 0,-2-3,6 6,-2-6,2 3,-3-1,0-1,0 5,4-6,-3 3,5 3,-5-4,6 8,-6-10,2 4,1-1,0 1,4 3,-4 6,4 6,-3 0,4 5,-4-6,3 0,-7 1,6-1,-6 0,3-4,0 3,1-3,4 0,-1 3,0-8,1 9,-4-5,2 1,-2 3,-1-11,0 2,-4-9,-3 4,2 1,-6 0,3-1,0-4,-3 5,6-4,-3 4,1-2,-1-2,0 3,-3 0,3-3,-4 3,1 0,-1 2,-1 7,0 7,0 6,0-1,0-1,-4-4,3-1,-2-4,3 3,1-8,-1 0,5-2,-3-6,6 2,-5 0,5-3,-2 6,3-6,3 3,-2 0,5-3,-2 6,1-6,1 3,-2-4,4 4,-4 1,2 0,-5-1,6-3,0 2,5 2,-1-1,0-3,-4-2,1 2,-1 0,1 3,-1-4,0 4,1-3,-1 3,-3-4,3 4,-3-3,0 3,3 0,-3-3,3 3,1-4,-1 0,0 4,1-3,-1 3,1-4,-4 4,-1 1,1 3,-3 5,-2 2,-4 4,-3-4,3-5,1-6,11-3,1-1,4-3,-2 0,1-1,-3 1,6 3,-2-2,4 1,0-5,1 3,3-4,2 0,4 0,-4 0,4 0,-9 0,4 0,-5 0,-4 0,0 0,-5 0</inkml:trace>
-</inkml:ink>
-</file>
-
-<file path=ppt/ink/ink84.xml><?xml version="1.0" encoding="utf-8"?>
-<inkml:ink xmlns:inkml="http://www.w3.org/2003/InkML">
-  <inkml:definitions>
-    <inkml:context xml:id="ctx0">
-      <inkml:inkSource xml:id="inkSrc0">
-        <inkml:traceFormat>
-          <inkml:channel name="X" type="integer" min="-2.14748E9" max="2.14748E9" units="cm"/>
-          <inkml:channel name="Y" type="integer" min="-2.14748E9" max="2.14748E9" units="cm"/>
-        </inkml:traceFormat>
-        <inkml:channelProperties>
-          <inkml:channelProperty channel="X" name="resolution" value="1000" units="1/cm"/>
-          <inkml:channelProperty channel="Y" name="resolution" value="1000" units="1/cm"/>
-        </inkml:channelProperties>
-      </inkml:inkSource>
-      <inkml:timestamp xml:id="ts0" timeString="2024-11-21T17:42:17.802"/>
-    </inkml:context>
-    <inkml:brush xml:id="br0">
-      <inkml:brushProperty name="width" value="0.2" units="cm"/>
-      <inkml:brushProperty name="height" value="0.4" units="cm"/>
-      <inkml:brushProperty name="color" value="#FF8517"/>
-      <inkml:brushProperty name="tip" value="rectangle"/>
-      <inkml:brushProperty name="rasterOp" value="maskPen"/>
-    </inkml:brush>
-  </inkml:definitions>
-  <inkml:trace contextRef="#ctx0" brushRef="#br0">8548 10,'-32'0,"-3"0,10 0,-4 0,4-4,-3 3,13-3,-3 4,9 0,1 0,-4 0,-2 0,-4 0,4 0,1 0,0 0,4 0,-4 0,1 0,2 0,-2 0,0 0,-2 0,1 0,-4 4,3-3,0 7,-3-7,3 2,0 1,1-3,4 3,-3-4,3 0,-3 0,-10 0,1 0,-13 0,10 0,-5 0,14 0,-7 0,12 0,-3 0,5-4,-4 3,2-3,-6 4,-3 5,-6-4,-4 7,-1-7,0 8,10-8,-2 4,8-1,0-3,1 3,5-4,-20 4,11 2,-21 4,23-2,-3 1,10-4,3 2,-15 2,13-3,-14 6,13-7,0-1,-1 7,4-5,-3 15,3-1,-5 10,0-6,1 0,-1-6,5-4,-3 3,7-3,-7-1,7 5,-3 0,4 7,0 4,0 1,-4-6,3 5,-7-10,7 9,-3-8,4 3,-4-5,3 1,-3-6,4 0,0-5,0 4,4 2,-3 4,7 5,-7 1,8 6,-8 5,9 14,-5-9,6 8,-6-23,0-2,-2-9,-2-1,7-1,-7-2,7 2,-7-3,6-1,-2 10,4-3,1 19,-4-3,3 11,-8-5,8-2,-8-6,8 1,-8-6,3 0,0-6,-3-4,7-2,-7-3,7 3,-4-2,6 20,-1-8,-4 11,0-5,-5-3,0-1,4 4,-3-3,3 4,-4-4,0 3,0-3,0 4,0 6,0-4,0 4,-4-5,3-1,-8 1,8-1,-3-4,4-7,-5 0,4-9,-3 8,0-3,3 4,-7 5,2-3,1 8,-4-3,4 4,-5 1,-5 18,4-14,-3 14,4-18,0-6,0 4,5-12,-4 11,4-7,-1 4,-3 5,4-10,-4 4,-1 0,-4 15,3-5,1 9,1-12,8-6,-3 0,0-6,3 0,-7-4,7-1,-3-5,4 4,-17-15,0 9,-22-19,8 7,-10 1,10 0,-4 5,10 0,-3 0,8 0,1 0,6 0,5-4,-4 3,-2-2,-4 7,-11 1,3 1,-15 3,5-8,-7 4,1-1,0-3,10 4,-2-5,19 0,-7 0,12 0,1-4,-2 3,1 2,-18 0,1 7,-20-2,9 4,-10 1,6-5,-1 3,7-3,-13 8,16-7,-9 6,17-12,2 3,9 0,1-3,4 3,-3-4,-2 0,-3 0,-12 4,-3 2,-10 4,0-4,-7-1,-1 0,0-4,2 4,-1-5,6 0,0 0,7 0,7 0,-1 0,10-4,2 3,10-2,-10-2,-8-1,-24-4,-24-14,25 16,-2 0,-2-11,-3 0,-6 11,0-1,7-9,1-1,4 8,0 1,-37-16,15 9,14 6,8 0,20 1,11 4,6 2,5 4,-4 0,2 0,-2 4,-10 1,1 0,-12-1,3-4,6 0,0 0,-5 0,3 0,-21 0,15 0,-10 0,13-4,8 3,3-4,10 5,0 0,-5 0,-11 0,-1 0,-16 5,-9-4,-24 4,-2-5,-4 0,10 5,18-4,3 9,14-9,14 3,0-4,15 4,-5-3,-2 11,-7-6,-8 7,-8-3,-13 1,-10 0,1 0,2-4,14-3,0-4,15 4,3-3,16 3,-1-4,-12 4,-6-3,-26 3,1-9,-5 4,9-4,11 5,7-4,11 3,1-7,-12 2,-17-5,-10 0,-6-1,0 1,11 0,-3-1,18 2,11 1,8 3,10 2,-1 4,-9 0,-14 0,-12 0,-19 0,11 0,-3-4,18 3,7-4,11 5,6 0,5 0,-9-4,7 3,-11-3,7 4,-10-5,0 4,-1-7,-3 2,8 1,1 0,6 5,5 0,-14 0,1 0,-12 0,8 0,-3 5,3-4,1 7,0-7,6 7,-1-7,1 8,0-4,-1 0,-10 3,3-2,-9 4,5 0,1 0,4-1,2 0,9-3,1 1,5-6,-1 3,-9 0,3 1,-8 1,9 2,-9-3,-2 4,-6 1,5 0,3-1,14-4,-8 3,7-7,-3 3,5-1,-1-2,-3 3,3-4,-3 0,-1 4,0-3,-10 2,8-3,-3 0,5 0,3 0,-2 0,3 4,-9-3,-2 7,-21-2,2 0,-3 3,11-4,12 0,7-1,7-4,1 0</inkml:trace>
-</inkml:ink>
-</file>
-
-<file path=ppt/ink/ink85.xml><?xml version="1.0" encoding="utf-8"?>
-<inkml:ink xmlns:inkml="http://www.w3.org/2003/InkML">
-  <inkml:definitions>
-    <inkml:context xml:id="ctx0">
-      <inkml:inkSource xml:id="inkSrc0">
-        <inkml:traceFormat>
-          <inkml:channel name="X" type="integer" min="-2.14748E9" max="2.14748E9" units="cm"/>
-          <inkml:channel name="Y" type="integer" min="-2.14748E9" max="2.14748E9" units="cm"/>
-        </inkml:traceFormat>
-        <inkml:channelProperties>
-          <inkml:channelProperty channel="X" name="resolution" value="1000" units="1/cm"/>
-          <inkml:channelProperty channel="Y" name="resolution" value="1000" units="1/cm"/>
-        </inkml:channelProperties>
-      </inkml:inkSource>
-      <inkml:timestamp xml:id="ts0" timeString="2024-11-21T17:42:22.605"/>
-    </inkml:context>
-    <inkml:brush xml:id="br0">
-      <inkml:brushProperty name="width" value="0.2" units="cm"/>
-      <inkml:brushProperty name="height" value="0.4" units="cm"/>
-      <inkml:brushProperty name="color" value="#FF8517"/>
-      <inkml:brushProperty name="tip" value="rectangle"/>
-      <inkml:brushProperty name="rasterOp" value="maskPen"/>
-    </inkml:brush>
-  </inkml:definitions>
-  <inkml:trace contextRef="#ctx0" brushRef="#br0">121 5735,'0'-37,"0"1,0 6,0 0,-5 1,0-1,-1 6,2-5,-1 4,0-4,-1 9,2 2,4 9,0 1,0-4,0 2,0-2,-4 0,3-2,-3 1,4-4,0 7,0-7,0 3,0 0,0-3,0 7,0-3,0-3,4 5,-3-10,3 11,-1-2,2-1,4-1,0 0,0-3,-1 7,-3-7,3 3,-3 0,4-8,0 6,1-12,-1 3,1-4,0-1,0-5,0 4,0-4,-5-1,4-8,-8 6,3-5,-4 23,0-3,0 14,5-13,-4 11,3-7,-4 9,0 1,0-4,0 2,0-2,-8-9,6 9,-10-14,6 12,-3-10,-1 0,0-6,1 6,-1 0,1 1,-1 3,0-8,1 8,0-3,-1 4,5 5,1 2,-3-1,1 4,-7-13,4 12,4-8,1 9,1 1,-2-4,0 2,-3-11,3 5,-5-7,5 9,-3 1,7 5,-2-5,-2-6,0 4,0-3,1 6,4 2,0-6,0-3,0-11,0-1,0-5,0 7,0-1,0 5,4 6,-3 7,3 3,-4-3,0 3,0-8,4-8,-3-1,8-9,-8 0,8 4,-3-10,4 10,0-4,0 5,-5 5,-1-3,0 8,-3-3,4 5,-5 4,0 1,0 4,0-3,0 3,0-3,0-1,0 4,0-13,0 12,0-8,0 9,-4 1,3-9,-7-3,7 1,-4-3,5 13,-4-14,-1 8,-1-8,2 9,4 1,0 4,0-3,0 3,0-3,-4 0,3 2,-2-2,3 0,0 2,0-11,0 10,0-7,0 10,0-1,0-12,0-1,0-2,0-3,0 12,0-4,0 6,0 5,0-14,0 1,0-7,0-1,0 5,0-1,0 6,0 6,0 5,0-5,0 4,0-3,0 0,0 2,0-2,0 0,0-7,4-5,-3-1,3-3,1 3,-4-4,7-1,-6 6,2 0,-4 10,0-8,0 11,0-7,0 5,0 4,0-4,0 1,4-2,-3 1,3 0,-4 4,0-3,0 3,0-3,0-1,0 4,4-8,-3-2,3-5,-4-6,0 1,0-1,0 0,0 6,0 5,0-4,0 8,0-4,0 6,0 5,0-4,0 2,0-2,0 0,0 3,0-4,0-8,0 9,0-10,0 10,0-7,0-6,0 0,0-3,0 8,4-3,-3 0,7 3,-7 1,3 6,-4 5,0-5,0 4,0-3,0 0,0 2,0-11,-4 5,3-7,-3 5,0-1,3-4,-7 8,7-3,-3 9,4 1,-3-4,2 2,-3-2,0 4,3-4,-2 2,3-2,0-1,-4 4,3-4,-3 4,0 1,3-4,-6-2,1-4,1 4,1 1,4 5,0-4,-4 2,3-2,-2 0,3 3,0-4,0 1,0 3,0-3,0-1,0 4,0-3,0 0,0 2,0-2,0 0,0 2,0-2,3 0,-2 3,3-8,0-2,-3 4,7-3,-7 9,7 1,-7-9,2-2,-3-10,4 5,-3-5,8 5,-8-1,3-3,-4 8,0-3,0 4,4 1,-3-1,3 5,-4 2,0 3,0 1</inkml:trace>
-</inkml:ink>
-</file>
-
-<file path=ppt/ink/ink86.xml><?xml version="1.0" encoding="utf-8"?>
-<inkml:ink xmlns:inkml="http://www.w3.org/2003/InkML">
-  <inkml:definitions>
-    <inkml:context xml:id="ctx0">
-      <inkml:inkSource xml:id="inkSrc0">
-        <inkml:traceFormat>
-          <inkml:channel name="X" type="integer" min="-2.14748E9" max="2.14748E9" units="cm"/>
-          <inkml:channel name="Y" type="integer" min="-2.14748E9" max="2.14748E9" units="cm"/>
-        </inkml:traceFormat>
-        <inkml:channelProperties>
-          <inkml:channelProperty channel="X" name="resolution" value="1000" units="1/cm"/>
-          <inkml:channelProperty channel="Y" name="resolution" value="1000" units="1/cm"/>
-        </inkml:channelProperties>
-      </inkml:inkSource>
-      <inkml:timestamp xml:id="ts0" timeString="2024-11-21T17:42:24.536"/>
-    </inkml:context>
-    <inkml:brush xml:id="br0">
-      <inkml:brushProperty name="width" value="0.2" units="cm"/>
-      <inkml:brushProperty name="height" value="0.4" units="cm"/>
-      <inkml:brushProperty name="color" value="#FF8517"/>
-      <inkml:brushProperty name="tip" value="rectangle"/>
-      <inkml:brushProperty name="rasterOp" value="maskPen"/>
-    </inkml:brush>
-  </inkml:definitions>
-  <inkml:trace contextRef="#ctx0" brushRef="#br0">876 2,'-29'0,"-1"0,20 0,-2 0,3 3,-9-2,-2 3,-15-4,-2 0,1-4,0 3,7-4,-1 5,0 0,10 0,2 0,10 0,-1 0,-3 0,3 0,-3 0,-1 0,4 0,-13 0,-3 0,-6 0,-5 0,12 0,5 0,6 0,4 0,-3 0,3 0,-13 0,2 0,-10 0,1 0,-1 0,6 0,5 0,6 0,4 0,1 0</inkml:trace>
-</inkml:ink>
-</file>
-
-<file path=ppt/ink/ink87.xml><?xml version="1.0" encoding="utf-8"?>
-<inkml:ink xmlns:inkml="http://www.w3.org/2003/InkML">
-  <inkml:definitions>
-    <inkml:context xml:id="ctx0">
-      <inkml:inkSource xml:id="inkSrc0">
-        <inkml:traceFormat>
-          <inkml:channel name="X" type="integer" min="-2.14748E9" max="2.14748E9" units="cm"/>
-          <inkml:channel name="Y" type="integer" min="-2.14748E9" max="2.14748E9" units="cm"/>
-          <inkml:channel name="F" type="integer" max="32767" units="dev"/>
-        </inkml:traceFormat>
-        <inkml:channelProperties>
-          <inkml:channelProperty channel="X" name="resolution" value="1000" units="1/cm"/>
-          <inkml:channelProperty channel="Y" name="resolution" value="1000" units="1/cm"/>
-          <inkml:channelProperty channel="F" name="resolution" value="0" units="1/dev"/>
-        </inkml:channelProperties>
-      </inkml:inkSource>
-      <inkml:timestamp xml:id="ts0" timeString="2024-11-21T17:45:07.907"/>
-    </inkml:context>
-    <inkml:brush xml:id="br0">
-      <inkml:brushProperty name="width" value="0.05" units="cm"/>
-      <inkml:brushProperty name="height" value="0.05" units="cm"/>
-      <inkml:brushProperty name="color" value="#24AEE2"/>
-    </inkml:brush>
-  </inkml:definitions>
-  <inkml:trace contextRef="#ctx0" brushRef="#br0">168 9 24575,'-7'0'0,"1"0"0,2 0 0,0 0 0,0 0 0,0 0 0,0 0 0,-1 0 0,1 0 0,0 0 0,0-2 0,0 2 0,0-2 0,0 0 0,-1 2 0,1-2 0,0 2 0,0 0 0,0 0 0,0 0 0,0 0 0,-1 0 0,-1 2 0,1-2 0,-1 4 0,2-3 0,0 0 0,0-1 0,0 0 0,-1 0 0,1 0 0,0 0 0,0 0 0,-2 2 0,1-1 0,-1 1 0,3-2 0,2 0 0</inkml:trace>
-</inkml:ink>
-</file>
-
-<file path=ppt/ink/ink88.xml><?xml version="1.0" encoding="utf-8"?>
-<inkml:ink xmlns:inkml="http://www.w3.org/2003/InkML">
-  <inkml:definitions>
-    <inkml:context xml:id="ctx0">
-      <inkml:inkSource xml:id="inkSrc0">
-        <inkml:traceFormat>
-          <inkml:channel name="X" type="integer" min="-2.14748E9" max="2.14748E9" units="cm"/>
-          <inkml:channel name="Y" type="integer" min="-2.14748E9" max="2.14748E9" units="cm"/>
-        </inkml:traceFormat>
-        <inkml:channelProperties>
-          <inkml:channelProperty channel="X" name="resolution" value="1000" units="1/cm"/>
-          <inkml:channelProperty channel="Y" name="resolution" value="1000" units="1/cm"/>
-        </inkml:channelProperties>
-      </inkml:inkSource>
-      <inkml:timestamp xml:id="ts0" timeString="2024-11-21T17:45:43.044"/>
-    </inkml:context>
-    <inkml:brush xml:id="br0">
-      <inkml:brushProperty name="width" value="0.2" units="cm"/>
-      <inkml:brushProperty name="height" value="0.4" units="cm"/>
-      <inkml:brushProperty name="color" value="#0069AF"/>
-      <inkml:brushProperty name="tip" value="rectangle"/>
-      <inkml:brushProperty name="rasterOp" value="maskPen"/>
-    </inkml:brush>
-  </inkml:definitions>
-  <inkml:trace contextRef="#ctx0" brushRef="#br0">0 924,'50'4,"-5"-3,-28 3,6-1,-14-2,7 3,-9-1,3-2,2 2,30-3,1 0,13 0,-8 0,-12 4,0-3,-4 7,-10-7,-7 3,-8-4,3 0,2-4,-1 4,-1-4,4 4,-1 0,6 0,-4 0,1 0,0 0,-1-3,5 2,-7-3,3 4,-9 0,4-3,1 2,3-6,1 6,0-3,-1 4,-3 0,3-3,1 2,10-3,17 4,-4 0,8 0,-10 4,-6-3,-1 7,-12-4,-3 4,-8-4,16-1,1-3,11 4,-5-3,-5 3,-3-1,-6-2,-5 2,-4-3,6 0,-4 0,5-3,-4 2,-2-2,14 3,-4 0,6 0,0 4,-3-3,0 3,4-1,-9-2,4 3,-4-4,0 0,-1-4,1 4,-4-4,-1 4,0-3,1-2,4-3,3 0,7-1,1 1,-1 3,-2 1,-11 4,2 0,-7 0,2 0,2-4,3 4,0-8,1 8,4-8,1 7,5-6,-1 2,0 0,-4 1,-1 1,-4 2,0-3,-1 1,-3 2,-1-6,0 3,-3 0,5 1,-5 3,2-3,9-1,2 0,4 0,-2 4,-7 4,-4-3,-1 5,-1-5,-2 6,11-3,-7 0,13 4,-4-7,4 6,-4-6,-1 6,-8-6,-1 3,-20-27,9 14,-13-19,13 17,0 3,0-6,0 6,0-7,0 7,0-7,0 7,0-7,0 7,0-3,-3 0,2 3,-6-9,6 4,-2-6,3 3,0 0,0-4,-4-1,3 0,-3 1,1 4,2 4,-3-3,1-1,2 3,-3-6,4 6,3 1,-2 1,2 1,-3 2,0-6,4 2,-4 0,7-3,-6 6,3-2,-4 1,0 2,0-6,-4 6,0-2,-6-1,2-1,-3 1,7 0,-6 3,5 1,-5 0,-3-13,-4 0,2-6,-1 9,9 6,6-4,3 1,6-6,-1 8,1-3,-1 7,1-3,-1 4</inkml:trace>
-</inkml:ink>
-</file>
-
-<file path=ppt/ink/ink89.xml><?xml version="1.0" encoding="utf-8"?>
+<file path=ppt/ink/ink90.xml><?xml version="1.0" encoding="utf-8"?>
 <inkml:ink xmlns:inkml="http://www.w3.org/2003/InkML">
   <inkml:definitions>
     <inkml:context xml:id="ctx0">
@@ -5018,35 +6042,7 @@
 </inkml:ink>
 </file>
 
-<file path=ppt/ink/ink9.xml><?xml version="1.0" encoding="utf-8"?>
-<inkml:ink xmlns:inkml="http://www.w3.org/2003/InkML">
-  <inkml:definitions>
-    <inkml:context xml:id="ctx0">
-      <inkml:inkSource xml:id="inkSrc0">
-        <inkml:traceFormat>
-          <inkml:channel name="X" type="integer" min="-2.14748E9" max="2.14748E9" units="cm"/>
-          <inkml:channel name="Y" type="integer" min="-2.14748E9" max="2.14748E9" units="cm"/>
-        </inkml:traceFormat>
-        <inkml:channelProperties>
-          <inkml:channelProperty channel="X" name="resolution" value="1000" units="1/cm"/>
-          <inkml:channelProperty channel="Y" name="resolution" value="1000" units="1/cm"/>
-        </inkml:channelProperties>
-      </inkml:inkSource>
-      <inkml:timestamp xml:id="ts0" timeString="2024-11-09T18:26:59.514"/>
-    </inkml:context>
-    <inkml:brush xml:id="br0">
-      <inkml:brushProperty name="width" value="0.2" units="cm"/>
-      <inkml:brushProperty name="height" value="0.4" units="cm"/>
-      <inkml:brushProperty name="color" value="#00B44B"/>
-      <inkml:brushProperty name="tip" value="rectangle"/>
-      <inkml:brushProperty name="rasterOp" value="maskPen"/>
-    </inkml:brush>
-  </inkml:definitions>
-  <inkml:trace contextRef="#ctx0" brushRef="#br0">73 1,'0'41,"0"0,0-8,0 4,0 7,0-2,0 2,0 3,0 0,0 0,0-2,0-7,0-4,0-4,0-5,0 2,0-1,0 0,0-1,0-3,0-1,0-1,-2-2,0 1,0 2,-1 2,0 1,0-4,0-1,-2 0,2 0,-2 0,0-2,3-1,0-1,2 1,0 0,0 2,0 0,0 3,0 3,0 4,0 0,0 3,0-4,0-1,-2 3,-1 0,0 2,-2-5,2-2,1-2,-1-3,3 0,0-1,0-1,0 1,-2 5,-1 4,0 2,1 2,1 0,1 2,-1 2,1-1,0-2,0-5,0-4,0 1,0 3,0 2,0 5,0 1,0 2,0 1,0 0,0 0,2-1,2 2,2-3,2 5,-1 2,-2-3,0 0,-1-4,-1 0,2-1,-2-1,2-4,0 2,-1 2,4 0,-2 4,3-2,-3 0,0-1,2-2,-2-2,-1-1,-1-4,-2 1,2-3,1-2,-1 2,-2 0,1 2,0-1,0-1,-1 0,-2 0,0 0,0 2,0-1,0 2,0 4,0 1,0 3,0 0,0 0,0 0,0-4,0-4,0-3,0-3,0-1,0-3,0-4,0-2,0-1,0 4,0-5,0 5,0-1,0 3,0 4,-2 1,-3 0,0 1,-2-4,2-2,2-4,-1-4,10 3,2-2,4-2,1-2,-3-5,-1 0,3 0,-2 0,2 0,-3 0,0 0,5 0,2 0,9 0,7 0,5 0,8 0,5 0,2 0,2 0,0 0,-7 0,-3 0,-1 0,-4 0,0 0,-6 0,-6 0,-4 0,-4 2,-3 1,-4-1,-3 2,3-2,-2 1,1-1,1-2,0 0,6 0,0 0,3 0,3 0,3 0,4 0,-1 0,-3 0,0-2,0-1,4 0,4-2,0 2,0-1,4 2,-1 1,-1 1,5 0,0 0,6 0,9 0,2 0,6 0,0 3,-5 3,0 3,-8 3,-2 0,-8-1,-11-1,-3 0,-6-3,0 1,-2-2,-2-2,1 1,0-2,1 0,0-1,1-2,2 2,5 0,3 3,3 0,1 1,4 3,3-3,2 3,1-1,-5 0,-1 3,4-3,2 1,2 0,-3-2,-4 1,-6-2,-2-2,-4-1,-3-3,-4 0,-5 0,-2 0,-3 0,-1 0,0 0,0 0,4 0,-5 0,4 0,-4 0,0 0,7 0,0 0,4 0,0 0,1-2,4-1,7 1,4-1,6 0,0-1,1 1,0 0,-5 3,-6 0,-8 0,-5 0,-5 0,-1 0,-2 0,-1 0,3 0,-4 0,4 0,-3 0,4 0,4 0,2 0,5 0,2 0,4 2,-2 1,-2 1,-1 0,1-1,6-1,1 1,-2-3,0 1,-3-1,-4 0,-1 0,-7 0,-2 0,-2 0,0 0,4 0,1 0,5 0,2 0,0 0,-1 0,0 0,-1 0,-2 0,0 0,-3 0,3 0,0 0,1 0,-1 0,1 0,-1 0,0 0,-3 0,0 0,0 0,0 0,3 0,0 0,3 0,1 0,1-3,1 1,-3-1,0 0,0 3,-3 0,3 0,1 0,0 0,0 0,-5 0,-1 0,-4 0,0 0,1 0,-1 0,3 0,1-1,1-2,2 0,2-2,1 2,0-3,-4 1,-3 0,-4 0,-3 2,0-1,-3 2,6-1,-4 1,4 1,-4-1,-1-1,3 1,-2 0,3 2,-4 0,0 0,6 0,-4 0,7 0,-5-2,0 0,0-1,-3 1,0 2,3 0,-3-1,2 1,0 0,-2 0,4 0,-2 0,0-2,3 0,3-1,-2 1,2 0,0 0,-2-1,2-1,1 0,-3 1,0-1,-4 1,-2 0,0 1,0 0,1 0,0-3,2 0,2 0,3-2,2 1,1 1,0 1,0 2,-1-1,-1 1,-2-1,-3 0,-2 1,-2-1</inkml:trace>
-</inkml:ink>
-</file>
-
-<file path=ppt/ink/ink90.xml><?xml version="1.0" encoding="utf-8"?>
+<file path=ppt/ink/ink91.xml><?xml version="1.0" encoding="utf-8"?>
 <inkml:ink xmlns:inkml="http://www.w3.org/2003/InkML">
   <inkml:definitions>
     <inkml:context xml:id="ctx0">
@@ -5074,7 +6070,7 @@
 </inkml:ink>
 </file>
 
-<file path=ppt/ink/ink91.xml><?xml version="1.0" encoding="utf-8"?>
+<file path=ppt/ink/ink92.xml><?xml version="1.0" encoding="utf-8"?>
 <inkml:ink xmlns:inkml="http://www.w3.org/2003/InkML">
   <inkml:definitions>
     <inkml:context xml:id="ctx0">
@@ -5102,7 +6098,7 @@
 </inkml:ink>
 </file>
 
-<file path=ppt/ink/ink92.xml><?xml version="1.0" encoding="utf-8"?>
+<file path=ppt/ink/ink93.xml><?xml version="1.0" encoding="utf-8"?>
 <inkml:ink xmlns:inkml="http://www.w3.org/2003/InkML">
   <inkml:definitions>
     <inkml:context xml:id="ctx0">
@@ -5130,7 +6126,7 @@
 </inkml:ink>
 </file>
 
-<file path=ppt/ink/ink93.xml><?xml version="1.0" encoding="utf-8"?>
+<file path=ppt/ink/ink94.xml><?xml version="1.0" encoding="utf-8"?>
 <inkml:ink xmlns:inkml="http://www.w3.org/2003/InkML">
   <inkml:definitions>
     <inkml:context xml:id="ctx0">
@@ -5158,7 +6154,7 @@
 </inkml:ink>
 </file>
 
-<file path=ppt/ink/ink94.xml><?xml version="1.0" encoding="utf-8"?>
+<file path=ppt/ink/ink95.xml><?xml version="1.0" encoding="utf-8"?>
 <inkml:ink xmlns:inkml="http://www.w3.org/2003/InkML">
   <inkml:definitions>
     <inkml:context xml:id="ctx0">
@@ -5186,7 +6182,7 @@
 </inkml:ink>
 </file>
 
-<file path=ppt/ink/ink95.xml><?xml version="1.0" encoding="utf-8"?>
+<file path=ppt/ink/ink96.xml><?xml version="1.0" encoding="utf-8"?>
 <inkml:ink xmlns:inkml="http://www.w3.org/2003/InkML">
   <inkml:definitions>
     <inkml:context xml:id="ctx0">
@@ -5214,7 +6210,7 @@
 </inkml:ink>
 </file>
 
-<file path=ppt/ink/ink96.xml><?xml version="1.0" encoding="utf-8"?>
+<file path=ppt/ink/ink97.xml><?xml version="1.0" encoding="utf-8"?>
 <inkml:ink xmlns:inkml="http://www.w3.org/2003/InkML">
   <inkml:definitions>
     <inkml:context xml:id="ctx0">
@@ -5242,7 +6238,7 @@
 </inkml:ink>
 </file>
 
-<file path=ppt/ink/ink97.xml><?xml version="1.0" encoding="utf-8"?>
+<file path=ppt/ink/ink98.xml><?xml version="1.0" encoding="utf-8"?>
 <inkml:ink xmlns:inkml="http://www.w3.org/2003/InkML">
   <inkml:definitions>
     <inkml:context xml:id="ctx0">
@@ -5270,7 +6266,7 @@
 </inkml:ink>
 </file>
 
-<file path=ppt/ink/ink98.xml><?xml version="1.0" encoding="utf-8"?>
+<file path=ppt/ink/ink99.xml><?xml version="1.0" encoding="utf-8"?>
 <inkml:ink xmlns:inkml="http://www.w3.org/2003/InkML">
   <inkml:definitions>
     <inkml:context xml:id="ctx0">
@@ -5295,34 +6291,6 @@
     </inkml:brush>
   </inkml:definitions>
   <inkml:trace contextRef="#ctx0" brushRef="#br0">4082 173,'-36'5,"0"-2,7-7,0-1,-4-5,6 1,-1-1,-5 1,4-1,-4 1,10 0,-4 0,9 0,-9 0,9 0,-4 0,0 4,8-2,-12 6,12-3,-4 1,2 2,3-2,0 3,-3-4,7 3,-3-3,0 4,3 0,-3-4,0 3,-11-2,7 3,-6 0,14 0,-4 0,-6 0,-5 0,-5 0,-5-4,4 2,-4-2,0 0,4 3,-16-4,14 5,-9 0,12 0,1 0,-19 0,14 0,-13 0,17 0,5 0,-21 0,16 0,-12 0,13 0,4 0,-5 0,1 0,-1 0,-5 0,4 0,-4 0,5 0,5 0,-4 0,4 0,-4 0,-1 4,0-3,0 3,-5 1,-1 0,-23 5,13-5,-13 0,22-1,-3-3,4 3,-6-4,1 4,4 1,2 1,6 2,-1-3,0 4,0 0,-12 5,10-4,-11 3,14-4,8 0,2-1,9-4,0 0,-3-4,-12 4,-1-3,-14 8,-9-8,5 3,-10-4,12 0,6 0,1-4,10 3,1-3,9 4,-3 0,7 0,-3 0,0-3,4 2,-4-6,-5 6,-1-7,-10 3,-5 0,4-3,-4 7,5-4,9 5,-2 0,8 0,0 0,1 0,4 0,-3 0,-2 0,1 0,1-3,3 2,-8-2,6-1,-19 3,13-2,-7 3,11 0,0 0,3 0,-3 0,-4 0,7 0,-7 0,8 0,-3 0,-21-5,14 4,-22-8,30 8,-7-3,9 4,0 0,-3-4,2 3,-2-2,-1-1,3 3,-3-6,-4 6,6-3,-5 1,7 2,0-3,-3 1,2 2,-3-3,-3 8,-4 1,-7 0,-2 3,5-7,5 7,6-7,4 2</inkml:trace>
-</inkml:ink>
-</file>
-
-<file path=ppt/ink/ink99.xml><?xml version="1.0" encoding="utf-8"?>
-<inkml:ink xmlns:inkml="http://www.w3.org/2003/InkML">
-  <inkml:definitions>
-    <inkml:context xml:id="ctx0">
-      <inkml:inkSource xml:id="inkSrc0">
-        <inkml:traceFormat>
-          <inkml:channel name="X" type="integer" min="-2.14748E9" max="2.14748E9" units="cm"/>
-          <inkml:channel name="Y" type="integer" min="-2.14748E9" max="2.14748E9" units="cm"/>
-        </inkml:traceFormat>
-        <inkml:channelProperties>
-          <inkml:channelProperty channel="X" name="resolution" value="1000" units="1/cm"/>
-          <inkml:channelProperty channel="Y" name="resolution" value="1000" units="1/cm"/>
-        </inkml:channelProperties>
-      </inkml:inkSource>
-      <inkml:timestamp xml:id="ts0" timeString="2024-11-21T17:50:35.305"/>
-    </inkml:context>
-    <inkml:brush xml:id="br0">
-      <inkml:brushProperty name="width" value="0.2" units="cm"/>
-      <inkml:brushProperty name="height" value="0.4" units="cm"/>
-      <inkml:brushProperty name="color" value="#FF40FF"/>
-      <inkml:brushProperty name="tip" value="rectangle"/>
-      <inkml:brushProperty name="rasterOp" value="maskPen"/>
-    </inkml:brush>
-  </inkml:definitions>
-  <inkml:trace contextRef="#ctx0" brushRef="#br0">0 1,'9'37,"-4"-5,2-15,-2-4,-1-1,3-4,-2 0,-1 3,3-2,-3 2,4-3,0 8,0-6,1 7,-5-9,3 0,-6 4,2-4,1 4,0 0,0-4,3 3,-6 1,3-4,-4 7,0-6,3 2,-2 0,2-2,-3 11,0-10,-3 7,2-10,-2 1,23-11,-7 1,13-9,-5 2,-11 1,7-1,-10 5,1-3,3 2,-2 1,2 1,6 3,2 0,0-4,1 3,-11-2,3 3,-1 0,-2 0,16 4,-5-3,9 7,-8-7,-8 3,3-4,-10 3,8-2,-1 7,14-3,1 4,0 0,-10-4,-3 2,-6-2,2 2,1-2,6 2,4-2,6 4,-5 0,-5 0,-6-1,-5-4,1 3,3-6,-2 6,11-2,-6 3,13 1,1 5,-8-8,6 7,-17-12,3 2,-1 1,-2-3,2 2</inkml:trace>
 </inkml:ink>
 </file>
 
@@ -9323,6 +10291,57 @@
           </a:p>
         </p:txBody>
       </p:sp>
+      <mc:AlternateContent xmlns:mc="http://schemas.openxmlformats.org/markup-compatibility/2006">
+        <mc:Choice xmlns:p14="http://schemas.microsoft.com/office/powerpoint/2010/main" Requires="p14">
+          <p:contentPart p14:bwMode="auto" r:id="rId12">
+            <p14:nvContentPartPr>
+              <p14:cNvPr id="4" name="Ink 3">
+                <a:extLst>
+                  <a:ext uri="{FF2B5EF4-FFF2-40B4-BE49-F238E27FC236}">
+                    <a16:creationId xmlns:a16="http://schemas.microsoft.com/office/drawing/2014/main" id="{3BDFA1EF-2106-A741-1485-E84897EE8462}"/>
+                  </a:ext>
+                </a:extLst>
+              </p14:cNvPr>
+              <p14:cNvContentPartPr/>
+              <p14:nvPr/>
+            </p14:nvContentPartPr>
+            <p14:xfrm>
+              <a:off x="5714853" y="5393240"/>
+              <a:ext cx="360" cy="360"/>
+            </p14:xfrm>
+          </p:contentPart>
+        </mc:Choice>
+        <mc:Fallback>
+          <p:pic>
+            <p:nvPicPr>
+              <p:cNvPr id="4" name="Ink 3">
+                <a:extLst>
+                  <a:ext uri="{FF2B5EF4-FFF2-40B4-BE49-F238E27FC236}">
+                    <a16:creationId xmlns:a16="http://schemas.microsoft.com/office/drawing/2014/main" id="{3BDFA1EF-2106-A741-1485-E84897EE8462}"/>
+                  </a:ext>
+                </a:extLst>
+              </p:cNvPr>
+              <p:cNvPicPr/>
+              <p:nvPr/>
+            </p:nvPicPr>
+            <p:blipFill>
+              <a:blip r:embed="rId13"/>
+              <a:stretch>
+                <a:fillRect/>
+              </a:stretch>
+            </p:blipFill>
+            <p:spPr>
+              <a:xfrm>
+                <a:off x="5678853" y="5321600"/>
+                <a:ext cx="72000" cy="144000"/>
+              </a:xfrm>
+              <a:prstGeom prst="rect">
+                <a:avLst/>
+              </a:prstGeom>
+            </p:spPr>
+          </p:pic>
+        </mc:Fallback>
+      </mc:AlternateContent>
     </p:spTree>
     <p:extLst>
       <p:ext uri="{BB962C8B-B14F-4D97-AF65-F5344CB8AC3E}">
@@ -18896,8 +19915,8 @@
           </a:prstGeom>
         </p:spPr>
       </p:pic>
-      <mc:AlternateContent xmlns:mc="http://schemas.openxmlformats.org/markup-compatibility/2006">
-        <mc:Choice xmlns:p14="http://schemas.microsoft.com/office/powerpoint/2010/main" Requires="p14">
+      <mc:AlternateContent xmlns:mc="http://schemas.openxmlformats.org/markup-compatibility/2006" xmlns:p14="http://schemas.microsoft.com/office/powerpoint/2010/main">
+        <mc:Choice Requires="p14">
           <p:contentPart p14:bwMode="auto" r:id="rId9">
             <p14:nvContentPartPr>
               <p14:cNvPr id="7" name="Ink 6">
@@ -18916,7 +19935,7 @@
             </p14:xfrm>
           </p:contentPart>
         </mc:Choice>
-        <mc:Fallback>
+        <mc:Fallback xmlns="">
           <p:pic>
             <p:nvPicPr>
               <p:cNvPr id="7" name="Ink 6">
@@ -18947,8 +19966,8 @@
           </p:pic>
         </mc:Fallback>
       </mc:AlternateContent>
-      <mc:AlternateContent xmlns:mc="http://schemas.openxmlformats.org/markup-compatibility/2006">
-        <mc:Choice xmlns:p14="http://schemas.microsoft.com/office/powerpoint/2010/main" Requires="p14">
+      <mc:AlternateContent xmlns:mc="http://schemas.openxmlformats.org/markup-compatibility/2006" xmlns:p14="http://schemas.microsoft.com/office/powerpoint/2010/main">
+        <mc:Choice Requires="p14">
           <p:contentPart p14:bwMode="auto" r:id="rId11">
             <p14:nvContentPartPr>
               <p14:cNvPr id="9" name="Ink 8">
@@ -18967,7 +19986,7 @@
             </p14:xfrm>
           </p:contentPart>
         </mc:Choice>
-        <mc:Fallback>
+        <mc:Fallback xmlns="">
           <p:pic>
             <p:nvPicPr>
               <p:cNvPr id="9" name="Ink 8">
@@ -18998,8 +20017,8 @@
           </p:pic>
         </mc:Fallback>
       </mc:AlternateContent>
-      <mc:AlternateContent xmlns:mc="http://schemas.openxmlformats.org/markup-compatibility/2006">
-        <mc:Choice xmlns:p14="http://schemas.microsoft.com/office/powerpoint/2010/main" Requires="p14">
+      <mc:AlternateContent xmlns:mc="http://schemas.openxmlformats.org/markup-compatibility/2006" xmlns:p14="http://schemas.microsoft.com/office/powerpoint/2010/main">
+        <mc:Choice Requires="p14">
           <p:contentPart p14:bwMode="auto" r:id="rId13">
             <p14:nvContentPartPr>
               <p14:cNvPr id="10" name="Ink 9">
@@ -19018,7 +20037,7 @@
             </p14:xfrm>
           </p:contentPart>
         </mc:Choice>
-        <mc:Fallback>
+        <mc:Fallback xmlns="">
           <p:pic>
             <p:nvPicPr>
               <p:cNvPr id="10" name="Ink 9">
@@ -19049,8 +20068,8 @@
           </p:pic>
         </mc:Fallback>
       </mc:AlternateContent>
-      <mc:AlternateContent xmlns:mc="http://schemas.openxmlformats.org/markup-compatibility/2006">
-        <mc:Choice xmlns:p14="http://schemas.microsoft.com/office/powerpoint/2010/main" Requires="p14">
+      <mc:AlternateContent xmlns:mc="http://schemas.openxmlformats.org/markup-compatibility/2006" xmlns:p14="http://schemas.microsoft.com/office/powerpoint/2010/main">
+        <mc:Choice Requires="p14">
           <p:contentPart p14:bwMode="auto" r:id="rId15">
             <p14:nvContentPartPr>
               <p14:cNvPr id="14" name="Ink 13">
@@ -19069,7 +20088,7 @@
             </p14:xfrm>
           </p:contentPart>
         </mc:Choice>
-        <mc:Fallback>
+        <mc:Fallback xmlns="">
           <p:pic>
             <p:nvPicPr>
               <p:cNvPr id="14" name="Ink 13">
@@ -19100,8 +20119,8 @@
           </p:pic>
         </mc:Fallback>
       </mc:AlternateContent>
-      <mc:AlternateContent xmlns:mc="http://schemas.openxmlformats.org/markup-compatibility/2006">
-        <mc:Choice xmlns:p14="http://schemas.microsoft.com/office/powerpoint/2010/main" Requires="p14">
+      <mc:AlternateContent xmlns:mc="http://schemas.openxmlformats.org/markup-compatibility/2006" xmlns:p14="http://schemas.microsoft.com/office/powerpoint/2010/main">
+        <mc:Choice Requires="p14">
           <p:contentPart p14:bwMode="auto" r:id="rId17">
             <p14:nvContentPartPr>
               <p14:cNvPr id="16" name="Ink 15">
@@ -19120,7 +20139,7 @@
             </p14:xfrm>
           </p:contentPart>
         </mc:Choice>
-        <mc:Fallback>
+        <mc:Fallback xmlns="">
           <p:pic>
             <p:nvPicPr>
               <p:cNvPr id="16" name="Ink 15">
@@ -19151,8 +20170,8 @@
           </p:pic>
         </mc:Fallback>
       </mc:AlternateContent>
-      <mc:AlternateContent xmlns:mc="http://schemas.openxmlformats.org/markup-compatibility/2006">
-        <mc:Choice xmlns:p14="http://schemas.microsoft.com/office/powerpoint/2010/main" Requires="p14">
+      <mc:AlternateContent xmlns:mc="http://schemas.openxmlformats.org/markup-compatibility/2006" xmlns:p14="http://schemas.microsoft.com/office/powerpoint/2010/main">
+        <mc:Choice Requires="p14">
           <p:contentPart p14:bwMode="auto" r:id="rId19">
             <p14:nvContentPartPr>
               <p14:cNvPr id="17" name="Ink 16">
@@ -19171,7 +20190,7 @@
             </p14:xfrm>
           </p:contentPart>
         </mc:Choice>
-        <mc:Fallback>
+        <mc:Fallback xmlns="">
           <p:pic>
             <p:nvPicPr>
               <p:cNvPr id="17" name="Ink 16">
@@ -19202,8 +20221,8 @@
           </p:pic>
         </mc:Fallback>
       </mc:AlternateContent>
-      <mc:AlternateContent xmlns:mc="http://schemas.openxmlformats.org/markup-compatibility/2006">
-        <mc:Choice xmlns:p14="http://schemas.microsoft.com/office/powerpoint/2010/main" Requires="p14">
+      <mc:AlternateContent xmlns:mc="http://schemas.openxmlformats.org/markup-compatibility/2006" xmlns:p14="http://schemas.microsoft.com/office/powerpoint/2010/main">
+        <mc:Choice Requires="p14">
           <p:contentPart p14:bwMode="auto" r:id="rId21">
             <p14:nvContentPartPr>
               <p14:cNvPr id="19" name="Ink 18">
@@ -19222,7 +20241,7 @@
             </p14:xfrm>
           </p:contentPart>
         </mc:Choice>
-        <mc:Fallback>
+        <mc:Fallback xmlns="">
           <p:pic>
             <p:nvPicPr>
               <p:cNvPr id="19" name="Ink 18">
@@ -19253,8 +20272,8 @@
           </p:pic>
         </mc:Fallback>
       </mc:AlternateContent>
-      <mc:AlternateContent xmlns:mc="http://schemas.openxmlformats.org/markup-compatibility/2006">
-        <mc:Choice xmlns:p14="http://schemas.microsoft.com/office/powerpoint/2010/main" Requires="p14">
+      <mc:AlternateContent xmlns:mc="http://schemas.openxmlformats.org/markup-compatibility/2006" xmlns:p14="http://schemas.microsoft.com/office/powerpoint/2010/main">
+        <mc:Choice Requires="p14">
           <p:contentPart p14:bwMode="auto" r:id="rId23">
             <p14:nvContentPartPr>
               <p14:cNvPr id="20" name="Ink 19">
@@ -19273,7 +20292,7 @@
             </p14:xfrm>
           </p:contentPart>
         </mc:Choice>
-        <mc:Fallback>
+        <mc:Fallback xmlns="">
           <p:pic>
             <p:nvPicPr>
               <p:cNvPr id="20" name="Ink 19">
@@ -19304,8 +20323,8 @@
           </p:pic>
         </mc:Fallback>
       </mc:AlternateContent>
-      <mc:AlternateContent xmlns:mc="http://schemas.openxmlformats.org/markup-compatibility/2006">
-        <mc:Choice xmlns:p14="http://schemas.microsoft.com/office/powerpoint/2010/main" Requires="p14">
+      <mc:AlternateContent xmlns:mc="http://schemas.openxmlformats.org/markup-compatibility/2006" xmlns:p14="http://schemas.microsoft.com/office/powerpoint/2010/main">
+        <mc:Choice Requires="p14">
           <p:contentPart p14:bwMode="auto" r:id="rId25">
             <p14:nvContentPartPr>
               <p14:cNvPr id="21" name="Ink 20">
@@ -19324,7 +20343,7 @@
             </p14:xfrm>
           </p:contentPart>
         </mc:Choice>
-        <mc:Fallback>
+        <mc:Fallback xmlns="">
           <p:pic>
             <p:nvPicPr>
               <p:cNvPr id="21" name="Ink 20">
@@ -19355,8 +20374,8 @@
           </p:pic>
         </mc:Fallback>
       </mc:AlternateContent>
-      <mc:AlternateContent xmlns:mc="http://schemas.openxmlformats.org/markup-compatibility/2006">
-        <mc:Choice xmlns:p14="http://schemas.microsoft.com/office/powerpoint/2010/main" Requires="p14">
+      <mc:AlternateContent xmlns:mc="http://schemas.openxmlformats.org/markup-compatibility/2006" xmlns:p14="http://schemas.microsoft.com/office/powerpoint/2010/main">
+        <mc:Choice Requires="p14">
           <p:contentPart p14:bwMode="auto" r:id="rId27">
             <p14:nvContentPartPr>
               <p14:cNvPr id="22" name="Ink 21">
@@ -19375,7 +20394,7 @@
             </p14:xfrm>
           </p:contentPart>
         </mc:Choice>
-        <mc:Fallback>
+        <mc:Fallback xmlns="">
           <p:pic>
             <p:nvPicPr>
               <p:cNvPr id="22" name="Ink 21">
@@ -19406,8 +20425,8 @@
           </p:pic>
         </mc:Fallback>
       </mc:AlternateContent>
-      <mc:AlternateContent xmlns:mc="http://schemas.openxmlformats.org/markup-compatibility/2006">
-        <mc:Choice xmlns:p14="http://schemas.microsoft.com/office/powerpoint/2010/main" Requires="p14">
+      <mc:AlternateContent xmlns:mc="http://schemas.openxmlformats.org/markup-compatibility/2006" xmlns:p14="http://schemas.microsoft.com/office/powerpoint/2010/main">
+        <mc:Choice Requires="p14">
           <p:contentPart p14:bwMode="auto" r:id="rId29">
             <p14:nvContentPartPr>
               <p14:cNvPr id="23" name="Ink 22">
@@ -19426,7 +20445,7 @@
             </p14:xfrm>
           </p:contentPart>
         </mc:Choice>
-        <mc:Fallback>
+        <mc:Fallback xmlns="">
           <p:pic>
             <p:nvPicPr>
               <p:cNvPr id="23" name="Ink 22">
@@ -19457,8 +20476,8 @@
           </p:pic>
         </mc:Fallback>
       </mc:AlternateContent>
-      <mc:AlternateContent xmlns:mc="http://schemas.openxmlformats.org/markup-compatibility/2006">
-        <mc:Choice xmlns:p14="http://schemas.microsoft.com/office/powerpoint/2010/main" Requires="p14">
+      <mc:AlternateContent xmlns:mc="http://schemas.openxmlformats.org/markup-compatibility/2006" xmlns:p14="http://schemas.microsoft.com/office/powerpoint/2010/main">
+        <mc:Choice Requires="p14">
           <p:contentPart p14:bwMode="auto" r:id="rId31">
             <p14:nvContentPartPr>
               <p14:cNvPr id="24" name="Ink 23">
@@ -19477,7 +20496,7 @@
             </p14:xfrm>
           </p:contentPart>
         </mc:Choice>
-        <mc:Fallback>
+        <mc:Fallback xmlns="">
           <p:pic>
             <p:nvPicPr>
               <p:cNvPr id="24" name="Ink 23">
@@ -19508,8 +20527,8 @@
           </p:pic>
         </mc:Fallback>
       </mc:AlternateContent>
-      <mc:AlternateContent xmlns:mc="http://schemas.openxmlformats.org/markup-compatibility/2006">
-        <mc:Choice xmlns:p14="http://schemas.microsoft.com/office/powerpoint/2010/main" Requires="p14">
+      <mc:AlternateContent xmlns:mc="http://schemas.openxmlformats.org/markup-compatibility/2006" xmlns:p14="http://schemas.microsoft.com/office/powerpoint/2010/main">
+        <mc:Choice Requires="p14">
           <p:contentPart p14:bwMode="auto" r:id="rId33">
             <p14:nvContentPartPr>
               <p14:cNvPr id="25" name="Ink 24">
@@ -19528,7 +20547,7 @@
             </p14:xfrm>
           </p:contentPart>
         </mc:Choice>
-        <mc:Fallback>
+        <mc:Fallback xmlns="">
           <p:pic>
             <p:nvPicPr>
               <p:cNvPr id="25" name="Ink 24">
@@ -19559,8 +20578,8 @@
           </p:pic>
         </mc:Fallback>
       </mc:AlternateContent>
-      <mc:AlternateContent xmlns:mc="http://schemas.openxmlformats.org/markup-compatibility/2006">
-        <mc:Choice xmlns:p14="http://schemas.microsoft.com/office/powerpoint/2010/main" Requires="p14">
+      <mc:AlternateContent xmlns:mc="http://schemas.openxmlformats.org/markup-compatibility/2006" xmlns:p14="http://schemas.microsoft.com/office/powerpoint/2010/main">
+        <mc:Choice Requires="p14">
           <p:contentPart p14:bwMode="auto" r:id="rId35">
             <p14:nvContentPartPr>
               <p14:cNvPr id="26" name="Ink 25">
@@ -19579,7 +20598,7 @@
             </p14:xfrm>
           </p:contentPart>
         </mc:Choice>
-        <mc:Fallback>
+        <mc:Fallback xmlns="">
           <p:pic>
             <p:nvPicPr>
               <p:cNvPr id="26" name="Ink 25">
@@ -19610,8 +20629,8 @@
           </p:pic>
         </mc:Fallback>
       </mc:AlternateContent>
-      <mc:AlternateContent xmlns:mc="http://schemas.openxmlformats.org/markup-compatibility/2006">
-        <mc:Choice xmlns:p14="http://schemas.microsoft.com/office/powerpoint/2010/main" Requires="p14">
+      <mc:AlternateContent xmlns:mc="http://schemas.openxmlformats.org/markup-compatibility/2006" xmlns:p14="http://schemas.microsoft.com/office/powerpoint/2010/main">
+        <mc:Choice Requires="p14">
           <p:contentPart p14:bwMode="auto" r:id="rId37">
             <p14:nvContentPartPr>
               <p14:cNvPr id="27" name="Ink 26">
@@ -19630,7 +20649,7 @@
             </p14:xfrm>
           </p:contentPart>
         </mc:Choice>
-        <mc:Fallback>
+        <mc:Fallback xmlns="">
           <p:pic>
             <p:nvPicPr>
               <p:cNvPr id="27" name="Ink 26">
@@ -19661,8 +20680,8 @@
           </p:pic>
         </mc:Fallback>
       </mc:AlternateContent>
-      <mc:AlternateContent xmlns:mc="http://schemas.openxmlformats.org/markup-compatibility/2006">
-        <mc:Choice xmlns:p14="http://schemas.microsoft.com/office/powerpoint/2010/main" Requires="p14">
+      <mc:AlternateContent xmlns:mc="http://schemas.openxmlformats.org/markup-compatibility/2006" xmlns:p14="http://schemas.microsoft.com/office/powerpoint/2010/main">
+        <mc:Choice Requires="p14">
           <p:contentPart p14:bwMode="auto" r:id="rId39">
             <p14:nvContentPartPr>
               <p14:cNvPr id="28" name="Ink 27">
@@ -19681,7 +20700,7 @@
             </p14:xfrm>
           </p:contentPart>
         </mc:Choice>
-        <mc:Fallback>
+        <mc:Fallback xmlns="">
           <p:pic>
             <p:nvPicPr>
               <p:cNvPr id="28" name="Ink 27">
@@ -19712,8 +20731,8 @@
           </p:pic>
         </mc:Fallback>
       </mc:AlternateContent>
-      <mc:AlternateContent xmlns:mc="http://schemas.openxmlformats.org/markup-compatibility/2006">
-        <mc:Choice xmlns:p14="http://schemas.microsoft.com/office/powerpoint/2010/main" Requires="p14">
+      <mc:AlternateContent xmlns:mc="http://schemas.openxmlformats.org/markup-compatibility/2006" xmlns:p14="http://schemas.microsoft.com/office/powerpoint/2010/main">
+        <mc:Choice Requires="p14">
           <p:contentPart p14:bwMode="auto" r:id="rId41">
             <p14:nvContentPartPr>
               <p14:cNvPr id="29" name="Ink 28">
@@ -19732,7 +20751,7 @@
             </p14:xfrm>
           </p:contentPart>
         </mc:Choice>
-        <mc:Fallback>
+        <mc:Fallback xmlns="">
           <p:pic>
             <p:nvPicPr>
               <p:cNvPr id="29" name="Ink 28">
@@ -19763,8 +20782,8 @@
           </p:pic>
         </mc:Fallback>
       </mc:AlternateContent>
-      <mc:AlternateContent xmlns:mc="http://schemas.openxmlformats.org/markup-compatibility/2006">
-        <mc:Choice xmlns:p14="http://schemas.microsoft.com/office/powerpoint/2010/main" Requires="p14">
+      <mc:AlternateContent xmlns:mc="http://schemas.openxmlformats.org/markup-compatibility/2006" xmlns:p14="http://schemas.microsoft.com/office/powerpoint/2010/main">
+        <mc:Choice Requires="p14">
           <p:contentPart p14:bwMode="auto" r:id="rId43">
             <p14:nvContentPartPr>
               <p14:cNvPr id="30" name="Ink 29">
@@ -19783,7 +20802,7 @@
             </p14:xfrm>
           </p:contentPart>
         </mc:Choice>
-        <mc:Fallback>
+        <mc:Fallback xmlns="">
           <p:pic>
             <p:nvPicPr>
               <p:cNvPr id="30" name="Ink 29">
@@ -19814,8 +20833,8 @@
           </p:pic>
         </mc:Fallback>
       </mc:AlternateContent>
-      <mc:AlternateContent xmlns:mc="http://schemas.openxmlformats.org/markup-compatibility/2006">
-        <mc:Choice xmlns:p14="http://schemas.microsoft.com/office/powerpoint/2010/main" Requires="p14">
+      <mc:AlternateContent xmlns:mc="http://schemas.openxmlformats.org/markup-compatibility/2006" xmlns:p14="http://schemas.microsoft.com/office/powerpoint/2010/main">
+        <mc:Choice Requires="p14">
           <p:contentPart p14:bwMode="auto" r:id="rId45">
             <p14:nvContentPartPr>
               <p14:cNvPr id="33" name="Ink 32">
@@ -19834,7 +20853,7 @@
             </p14:xfrm>
           </p:contentPart>
         </mc:Choice>
-        <mc:Fallback>
+        <mc:Fallback xmlns="">
           <p:pic>
             <p:nvPicPr>
               <p:cNvPr id="33" name="Ink 32">
@@ -19865,8 +20884,8 @@
           </p:pic>
         </mc:Fallback>
       </mc:AlternateContent>
-      <mc:AlternateContent xmlns:mc="http://schemas.openxmlformats.org/markup-compatibility/2006">
-        <mc:Choice xmlns:p14="http://schemas.microsoft.com/office/powerpoint/2010/main" Requires="p14">
+      <mc:AlternateContent xmlns:mc="http://schemas.openxmlformats.org/markup-compatibility/2006" xmlns:p14="http://schemas.microsoft.com/office/powerpoint/2010/main">
+        <mc:Choice Requires="p14">
           <p:contentPart p14:bwMode="auto" r:id="rId47">
             <p14:nvContentPartPr>
               <p14:cNvPr id="34" name="Ink 33">
@@ -19885,7 +20904,7 @@
             </p14:xfrm>
           </p:contentPart>
         </mc:Choice>
-        <mc:Fallback>
+        <mc:Fallback xmlns="">
           <p:pic>
             <p:nvPicPr>
               <p:cNvPr id="34" name="Ink 33">
@@ -19916,8 +20935,8 @@
           </p:pic>
         </mc:Fallback>
       </mc:AlternateContent>
-      <mc:AlternateContent xmlns:mc="http://schemas.openxmlformats.org/markup-compatibility/2006">
-        <mc:Choice xmlns:p14="http://schemas.microsoft.com/office/powerpoint/2010/main" Requires="p14">
+      <mc:AlternateContent xmlns:mc="http://schemas.openxmlformats.org/markup-compatibility/2006" xmlns:p14="http://schemas.microsoft.com/office/powerpoint/2010/main">
+        <mc:Choice Requires="p14">
           <p:contentPart p14:bwMode="auto" r:id="rId49">
             <p14:nvContentPartPr>
               <p14:cNvPr id="35" name="Ink 34">
@@ -19936,7 +20955,7 @@
             </p14:xfrm>
           </p:contentPart>
         </mc:Choice>
-        <mc:Fallback>
+        <mc:Fallback xmlns="">
           <p:pic>
             <p:nvPicPr>
               <p:cNvPr id="35" name="Ink 34">
@@ -19967,8 +20986,8 @@
           </p:pic>
         </mc:Fallback>
       </mc:AlternateContent>
-      <mc:AlternateContent xmlns:mc="http://schemas.openxmlformats.org/markup-compatibility/2006">
-        <mc:Choice xmlns:p14="http://schemas.microsoft.com/office/powerpoint/2010/main" Requires="p14">
+      <mc:AlternateContent xmlns:mc="http://schemas.openxmlformats.org/markup-compatibility/2006" xmlns:p14="http://schemas.microsoft.com/office/powerpoint/2010/main">
+        <mc:Choice Requires="p14">
           <p:contentPart p14:bwMode="auto" r:id="rId51">
             <p14:nvContentPartPr>
               <p14:cNvPr id="36" name="Ink 35">
@@ -19987,7 +21006,7 @@
             </p14:xfrm>
           </p:contentPart>
         </mc:Choice>
-        <mc:Fallback>
+        <mc:Fallback xmlns="">
           <p:pic>
             <p:nvPicPr>
               <p:cNvPr id="36" name="Ink 35">
@@ -20018,8 +21037,8 @@
           </p:pic>
         </mc:Fallback>
       </mc:AlternateContent>
-      <mc:AlternateContent xmlns:mc="http://schemas.openxmlformats.org/markup-compatibility/2006">
-        <mc:Choice xmlns:p14="http://schemas.microsoft.com/office/powerpoint/2010/main" Requires="p14">
+      <mc:AlternateContent xmlns:mc="http://schemas.openxmlformats.org/markup-compatibility/2006" xmlns:p14="http://schemas.microsoft.com/office/powerpoint/2010/main">
+        <mc:Choice Requires="p14">
           <p:contentPart p14:bwMode="auto" r:id="rId53">
             <p14:nvContentPartPr>
               <p14:cNvPr id="38" name="Ink 37">
@@ -20038,7 +21057,7 @@
             </p14:xfrm>
           </p:contentPart>
         </mc:Choice>
-        <mc:Fallback>
+        <mc:Fallback xmlns="">
           <p:pic>
             <p:nvPicPr>
               <p:cNvPr id="38" name="Ink 37">
@@ -20069,8 +21088,8 @@
           </p:pic>
         </mc:Fallback>
       </mc:AlternateContent>
-      <mc:AlternateContent xmlns:mc="http://schemas.openxmlformats.org/markup-compatibility/2006">
-        <mc:Choice xmlns:p14="http://schemas.microsoft.com/office/powerpoint/2010/main" Requires="p14">
+      <mc:AlternateContent xmlns:mc="http://schemas.openxmlformats.org/markup-compatibility/2006" xmlns:p14="http://schemas.microsoft.com/office/powerpoint/2010/main">
+        <mc:Choice Requires="p14">
           <p:contentPart p14:bwMode="auto" r:id="rId55">
             <p14:nvContentPartPr>
               <p14:cNvPr id="40" name="Ink 39">
@@ -20089,7 +21108,7 @@
             </p14:xfrm>
           </p:contentPart>
         </mc:Choice>
-        <mc:Fallback>
+        <mc:Fallback xmlns="">
           <p:pic>
             <p:nvPicPr>
               <p:cNvPr id="40" name="Ink 39">
@@ -20120,8 +21139,8 @@
           </p:pic>
         </mc:Fallback>
       </mc:AlternateContent>
-      <mc:AlternateContent xmlns:mc="http://schemas.openxmlformats.org/markup-compatibility/2006">
-        <mc:Choice xmlns:p14="http://schemas.microsoft.com/office/powerpoint/2010/main" Requires="p14">
+      <mc:AlternateContent xmlns:mc="http://schemas.openxmlformats.org/markup-compatibility/2006" xmlns:p14="http://schemas.microsoft.com/office/powerpoint/2010/main">
+        <mc:Choice Requires="p14">
           <p:contentPart p14:bwMode="auto" r:id="rId57">
             <p14:nvContentPartPr>
               <p14:cNvPr id="41" name="Ink 40">
@@ -20140,7 +21159,7 @@
             </p14:xfrm>
           </p:contentPart>
         </mc:Choice>
-        <mc:Fallback>
+        <mc:Fallback xmlns="">
           <p:pic>
             <p:nvPicPr>
               <p:cNvPr id="41" name="Ink 40">
@@ -20171,8 +21190,8 @@
           </p:pic>
         </mc:Fallback>
       </mc:AlternateContent>
-      <mc:AlternateContent xmlns:mc="http://schemas.openxmlformats.org/markup-compatibility/2006">
-        <mc:Choice xmlns:p14="http://schemas.microsoft.com/office/powerpoint/2010/main" Requires="p14">
+      <mc:AlternateContent xmlns:mc="http://schemas.openxmlformats.org/markup-compatibility/2006" xmlns:p14="http://schemas.microsoft.com/office/powerpoint/2010/main">
+        <mc:Choice Requires="p14">
           <p:contentPart p14:bwMode="auto" r:id="rId59">
             <p14:nvContentPartPr>
               <p14:cNvPr id="44" name="Ink 43">
@@ -20191,7 +21210,7 @@
             </p14:xfrm>
           </p:contentPart>
         </mc:Choice>
-        <mc:Fallback>
+        <mc:Fallback xmlns="">
           <p:pic>
             <p:nvPicPr>
               <p:cNvPr id="44" name="Ink 43">
@@ -20222,8 +21241,8 @@
           </p:pic>
         </mc:Fallback>
       </mc:AlternateContent>
-      <mc:AlternateContent xmlns:mc="http://schemas.openxmlformats.org/markup-compatibility/2006">
-        <mc:Choice xmlns:p14="http://schemas.microsoft.com/office/powerpoint/2010/main" Requires="p14">
+      <mc:AlternateContent xmlns:mc="http://schemas.openxmlformats.org/markup-compatibility/2006" xmlns:p14="http://schemas.microsoft.com/office/powerpoint/2010/main">
+        <mc:Choice Requires="p14">
           <p:contentPart p14:bwMode="auto" r:id="rId61">
             <p14:nvContentPartPr>
               <p14:cNvPr id="46" name="Ink 45">
@@ -20242,7 +21261,7 @@
             </p14:xfrm>
           </p:contentPart>
         </mc:Choice>
-        <mc:Fallback>
+        <mc:Fallback xmlns="">
           <p:pic>
             <p:nvPicPr>
               <p:cNvPr id="46" name="Ink 45">
@@ -20273,8 +21292,8 @@
           </p:pic>
         </mc:Fallback>
       </mc:AlternateContent>
-      <mc:AlternateContent xmlns:mc="http://schemas.openxmlformats.org/markup-compatibility/2006">
-        <mc:Choice xmlns:p14="http://schemas.microsoft.com/office/powerpoint/2010/main" Requires="p14">
+      <mc:AlternateContent xmlns:mc="http://schemas.openxmlformats.org/markup-compatibility/2006" xmlns:p14="http://schemas.microsoft.com/office/powerpoint/2010/main">
+        <mc:Choice Requires="p14">
           <p:contentPart p14:bwMode="auto" r:id="rId63">
             <p14:nvContentPartPr>
               <p14:cNvPr id="47" name="Ink 46">
@@ -20293,7 +21312,7 @@
             </p14:xfrm>
           </p:contentPart>
         </mc:Choice>
-        <mc:Fallback>
+        <mc:Fallback xmlns="">
           <p:pic>
             <p:nvPicPr>
               <p:cNvPr id="47" name="Ink 46">
@@ -20324,8 +21343,8 @@
           </p:pic>
         </mc:Fallback>
       </mc:AlternateContent>
-      <mc:AlternateContent xmlns:mc="http://schemas.openxmlformats.org/markup-compatibility/2006">
-        <mc:Choice xmlns:p14="http://schemas.microsoft.com/office/powerpoint/2010/main" Requires="p14">
+      <mc:AlternateContent xmlns:mc="http://schemas.openxmlformats.org/markup-compatibility/2006" xmlns:p14="http://schemas.microsoft.com/office/powerpoint/2010/main">
+        <mc:Choice Requires="p14">
           <p:contentPart p14:bwMode="auto" r:id="rId65">
             <p14:nvContentPartPr>
               <p14:cNvPr id="48" name="Ink 47">
@@ -20344,7 +21363,7 @@
             </p14:xfrm>
           </p:contentPart>
         </mc:Choice>
-        <mc:Fallback>
+        <mc:Fallback xmlns="">
           <p:pic>
             <p:nvPicPr>
               <p:cNvPr id="48" name="Ink 47">
@@ -20375,8 +21394,8 @@
           </p:pic>
         </mc:Fallback>
       </mc:AlternateContent>
-      <mc:AlternateContent xmlns:mc="http://schemas.openxmlformats.org/markup-compatibility/2006">
-        <mc:Choice xmlns:p14="http://schemas.microsoft.com/office/powerpoint/2010/main" Requires="p14">
+      <mc:AlternateContent xmlns:mc="http://schemas.openxmlformats.org/markup-compatibility/2006" xmlns:p14="http://schemas.microsoft.com/office/powerpoint/2010/main">
+        <mc:Choice Requires="p14">
           <p:contentPart p14:bwMode="auto" r:id="rId67">
             <p14:nvContentPartPr>
               <p14:cNvPr id="49" name="Ink 48">
@@ -20395,7 +21414,7 @@
             </p14:xfrm>
           </p:contentPart>
         </mc:Choice>
-        <mc:Fallback>
+        <mc:Fallback xmlns="">
           <p:pic>
             <p:nvPicPr>
               <p:cNvPr id="49" name="Ink 48">
@@ -20426,8 +21445,8 @@
           </p:pic>
         </mc:Fallback>
       </mc:AlternateContent>
-      <mc:AlternateContent xmlns:mc="http://schemas.openxmlformats.org/markup-compatibility/2006">
-        <mc:Choice xmlns:p14="http://schemas.microsoft.com/office/powerpoint/2010/main" Requires="p14">
+      <mc:AlternateContent xmlns:mc="http://schemas.openxmlformats.org/markup-compatibility/2006" xmlns:p14="http://schemas.microsoft.com/office/powerpoint/2010/main">
+        <mc:Choice Requires="p14">
           <p:contentPart p14:bwMode="auto" r:id="rId69">
             <p14:nvContentPartPr>
               <p14:cNvPr id="50" name="Ink 49">
@@ -20446,7 +21465,7 @@
             </p14:xfrm>
           </p:contentPart>
         </mc:Choice>
-        <mc:Fallback>
+        <mc:Fallback xmlns="">
           <p:pic>
             <p:nvPicPr>
               <p:cNvPr id="50" name="Ink 49">
@@ -20477,8 +21496,8 @@
           </p:pic>
         </mc:Fallback>
       </mc:AlternateContent>
-      <mc:AlternateContent xmlns:mc="http://schemas.openxmlformats.org/markup-compatibility/2006">
-        <mc:Choice xmlns:p14="http://schemas.microsoft.com/office/powerpoint/2010/main" Requires="p14">
+      <mc:AlternateContent xmlns:mc="http://schemas.openxmlformats.org/markup-compatibility/2006" xmlns:p14="http://schemas.microsoft.com/office/powerpoint/2010/main">
+        <mc:Choice Requires="p14">
           <p:contentPart p14:bwMode="auto" r:id="rId71">
             <p14:nvContentPartPr>
               <p14:cNvPr id="52" name="Ink 51">
@@ -20497,7 +21516,7 @@
             </p14:xfrm>
           </p:contentPart>
         </mc:Choice>
-        <mc:Fallback>
+        <mc:Fallback xmlns="">
           <p:pic>
             <p:nvPicPr>
               <p:cNvPr id="52" name="Ink 51">
@@ -20528,8 +21547,8 @@
           </p:pic>
         </mc:Fallback>
       </mc:AlternateContent>
-      <mc:AlternateContent xmlns:mc="http://schemas.openxmlformats.org/markup-compatibility/2006">
-        <mc:Choice xmlns:p14="http://schemas.microsoft.com/office/powerpoint/2010/main" Requires="p14">
+      <mc:AlternateContent xmlns:mc="http://schemas.openxmlformats.org/markup-compatibility/2006" xmlns:p14="http://schemas.microsoft.com/office/powerpoint/2010/main">
+        <mc:Choice Requires="p14">
           <p:contentPart p14:bwMode="auto" r:id="rId73">
             <p14:nvContentPartPr>
               <p14:cNvPr id="53" name="Ink 52">
@@ -20548,7 +21567,7 @@
             </p14:xfrm>
           </p:contentPart>
         </mc:Choice>
-        <mc:Fallback>
+        <mc:Fallback xmlns="">
           <p:pic>
             <p:nvPicPr>
               <p:cNvPr id="53" name="Ink 52">
@@ -20579,8 +21598,8 @@
           </p:pic>
         </mc:Fallback>
       </mc:AlternateContent>
-      <mc:AlternateContent xmlns:mc="http://schemas.openxmlformats.org/markup-compatibility/2006">
-        <mc:Choice xmlns:p14="http://schemas.microsoft.com/office/powerpoint/2010/main" Requires="p14">
+      <mc:AlternateContent xmlns:mc="http://schemas.openxmlformats.org/markup-compatibility/2006" xmlns:p14="http://schemas.microsoft.com/office/powerpoint/2010/main">
+        <mc:Choice Requires="p14">
           <p:contentPart p14:bwMode="auto" r:id="rId75">
             <p14:nvContentPartPr>
               <p14:cNvPr id="54" name="Ink 53">
@@ -20599,7 +21618,7 @@
             </p14:xfrm>
           </p:contentPart>
         </mc:Choice>
-        <mc:Fallback>
+        <mc:Fallback xmlns="">
           <p:pic>
             <p:nvPicPr>
               <p:cNvPr id="54" name="Ink 53">
@@ -20630,8 +21649,8 @@
           </p:pic>
         </mc:Fallback>
       </mc:AlternateContent>
-      <mc:AlternateContent xmlns:mc="http://schemas.openxmlformats.org/markup-compatibility/2006">
-        <mc:Choice xmlns:p14="http://schemas.microsoft.com/office/powerpoint/2010/main" Requires="p14">
+      <mc:AlternateContent xmlns:mc="http://schemas.openxmlformats.org/markup-compatibility/2006" xmlns:p14="http://schemas.microsoft.com/office/powerpoint/2010/main">
+        <mc:Choice Requires="p14">
           <p:contentPart p14:bwMode="auto" r:id="rId77">
             <p14:nvContentPartPr>
               <p14:cNvPr id="55" name="Ink 54">
@@ -20650,7 +21669,7 @@
             </p14:xfrm>
           </p:contentPart>
         </mc:Choice>
-        <mc:Fallback>
+        <mc:Fallback xmlns="">
           <p:pic>
             <p:nvPicPr>
               <p:cNvPr id="55" name="Ink 54">
@@ -20681,8 +21700,8 @@
           </p:pic>
         </mc:Fallback>
       </mc:AlternateContent>
-      <mc:AlternateContent xmlns:mc="http://schemas.openxmlformats.org/markup-compatibility/2006">
-        <mc:Choice xmlns:p14="http://schemas.microsoft.com/office/powerpoint/2010/main" Requires="p14">
+      <mc:AlternateContent xmlns:mc="http://schemas.openxmlformats.org/markup-compatibility/2006" xmlns:p14="http://schemas.microsoft.com/office/powerpoint/2010/main">
+        <mc:Choice Requires="p14">
           <p:contentPart p14:bwMode="auto" r:id="rId79">
             <p14:nvContentPartPr>
               <p14:cNvPr id="56" name="Ink 55">
@@ -20701,7 +21720,7 @@
             </p14:xfrm>
           </p:contentPart>
         </mc:Choice>
-        <mc:Fallback>
+        <mc:Fallback xmlns="">
           <p:pic>
             <p:nvPicPr>
               <p:cNvPr id="56" name="Ink 55">
@@ -20732,8 +21751,8 @@
           </p:pic>
         </mc:Fallback>
       </mc:AlternateContent>
-      <mc:AlternateContent xmlns:mc="http://schemas.openxmlformats.org/markup-compatibility/2006">
-        <mc:Choice xmlns:p14="http://schemas.microsoft.com/office/powerpoint/2010/main" Requires="p14">
+      <mc:AlternateContent xmlns:mc="http://schemas.openxmlformats.org/markup-compatibility/2006" xmlns:p14="http://schemas.microsoft.com/office/powerpoint/2010/main">
+        <mc:Choice Requires="p14">
           <p:contentPart p14:bwMode="auto" r:id="rId81">
             <p14:nvContentPartPr>
               <p14:cNvPr id="57" name="Ink 56">
@@ -20752,7 +21771,7 @@
             </p14:xfrm>
           </p:contentPart>
         </mc:Choice>
-        <mc:Fallback>
+        <mc:Fallback xmlns="">
           <p:pic>
             <p:nvPicPr>
               <p:cNvPr id="57" name="Ink 56">
@@ -20783,8 +21802,8 @@
           </p:pic>
         </mc:Fallback>
       </mc:AlternateContent>
-      <mc:AlternateContent xmlns:mc="http://schemas.openxmlformats.org/markup-compatibility/2006">
-        <mc:Choice xmlns:p14="http://schemas.microsoft.com/office/powerpoint/2010/main" Requires="p14">
+      <mc:AlternateContent xmlns:mc="http://schemas.openxmlformats.org/markup-compatibility/2006" xmlns:p14="http://schemas.microsoft.com/office/powerpoint/2010/main">
+        <mc:Choice Requires="p14">
           <p:contentPart p14:bwMode="auto" r:id="rId83">
             <p14:nvContentPartPr>
               <p14:cNvPr id="58" name="Ink 57">
@@ -20803,7 +21822,7 @@
             </p14:xfrm>
           </p:contentPart>
         </mc:Choice>
-        <mc:Fallback>
+        <mc:Fallback xmlns="">
           <p:pic>
             <p:nvPicPr>
               <p:cNvPr id="58" name="Ink 57">
@@ -20873,8 +21892,8 @@
           </a:p>
         </p:txBody>
       </p:sp>
-      <mc:AlternateContent xmlns:mc="http://schemas.openxmlformats.org/markup-compatibility/2006">
-        <mc:Choice xmlns:p14="http://schemas.microsoft.com/office/powerpoint/2010/main" Requires="p14">
+      <mc:AlternateContent xmlns:mc="http://schemas.openxmlformats.org/markup-compatibility/2006" xmlns:p14="http://schemas.microsoft.com/office/powerpoint/2010/main">
+        <mc:Choice Requires="p14">
           <p:contentPart p14:bwMode="auto" r:id="rId85">
             <p14:nvContentPartPr>
               <p14:cNvPr id="60" name="Ink 59">
@@ -20893,7 +21912,7 @@
             </p14:xfrm>
           </p:contentPart>
         </mc:Choice>
-        <mc:Fallback>
+        <mc:Fallback xmlns="">
           <p:pic>
             <p:nvPicPr>
               <p:cNvPr id="60" name="Ink 59">
@@ -20998,45 +22017,6 @@
                 </a:solidFill>
               </a:rPr>
               <a:t>rs2</a:t>
-            </a:r>
-          </a:p>
-        </p:txBody>
-      </p:sp>
-      <p:sp>
-        <p:nvSpPr>
-          <p:cNvPr id="67" name="TextBox 66">
-            <a:extLst>
-              <a:ext uri="{FF2B5EF4-FFF2-40B4-BE49-F238E27FC236}">
-                <a16:creationId xmlns:a16="http://schemas.microsoft.com/office/drawing/2014/main" id="{C931A38C-1AED-84B0-6CB3-8E95A6EDCE9E}"/>
-              </a:ext>
-            </a:extLst>
-          </p:cNvPr>
-          <p:cNvSpPr txBox="1"/>
-          <p:nvPr/>
-        </p:nvSpPr>
-        <p:spPr>
-          <a:xfrm>
-            <a:off x="3579117" y="3333674"/>
-            <a:ext cx="582482" cy="369332"/>
-          </a:xfrm>
-          <a:prstGeom prst="rect">
-            <a:avLst/>
-          </a:prstGeom>
-          <a:noFill/>
-        </p:spPr>
-        <p:txBody>
-          <a:bodyPr wrap="square" rtlCol="0">
-            <a:spAutoFit/>
-          </a:bodyPr>
-          <a:lstStyle/>
-          <a:p>
-            <a:r>
-              <a:rPr lang="en-US" dirty="0">
-                <a:solidFill>
-                  <a:srgbClr val="FF0000"/>
-                </a:solidFill>
-              </a:rPr>
-              <a:t>rs1</a:t>
             </a:r>
           </a:p>
         </p:txBody>
@@ -21171,8 +22151,8 @@
           </a:p>
         </p:txBody>
       </p:sp>
-      <mc:AlternateContent xmlns:mc="http://schemas.openxmlformats.org/markup-compatibility/2006">
-        <mc:Choice xmlns:p14="http://schemas.microsoft.com/office/powerpoint/2010/main" Requires="p14">
+      <mc:AlternateContent xmlns:mc="http://schemas.openxmlformats.org/markup-compatibility/2006" xmlns:p14="http://schemas.microsoft.com/office/powerpoint/2010/main">
+        <mc:Choice Requires="p14">
           <p:contentPart p14:bwMode="auto" r:id="rId87">
             <p14:nvContentPartPr>
               <p14:cNvPr id="71" name="Ink 70">
@@ -21191,7 +22171,7 @@
             </p14:xfrm>
           </p:contentPart>
         </mc:Choice>
-        <mc:Fallback>
+        <mc:Fallback xmlns="">
           <p:pic>
             <p:nvPicPr>
               <p:cNvPr id="71" name="Ink 70">
@@ -21302,10 +22282,10 @@
       </p:sp>
       <p:sp>
         <p:nvSpPr>
-          <p:cNvPr id="88" name="TextBox 87">
+          <p:cNvPr id="2" name="TextBox 1">
             <a:extLst>
               <a:ext uri="{FF2B5EF4-FFF2-40B4-BE49-F238E27FC236}">
-                <a16:creationId xmlns:a16="http://schemas.microsoft.com/office/drawing/2014/main" id="{54A20940-52D6-0374-F4A1-C8FC7232A0A8}"/>
+                <a16:creationId xmlns:a16="http://schemas.microsoft.com/office/drawing/2014/main" id="{492C3F89-E4F5-A5A0-B16A-BA4EC0CD953C}"/>
               </a:ext>
             </a:extLst>
           </p:cNvPr>
@@ -21314,8 +22294,8 @@
         </p:nvSpPr>
         <p:spPr>
           <a:xfrm>
-            <a:off x="10136772" y="3820062"/>
-            <a:ext cx="308098" cy="369332"/>
+            <a:off x="4212974" y="4763117"/>
+            <a:ext cx="841497" cy="369332"/>
           </a:xfrm>
           <a:prstGeom prst="rect">
             <a:avLst/>
@@ -21323,7 +22303,51 @@
           <a:noFill/>
         </p:spPr>
         <p:txBody>
-          <a:bodyPr wrap="none" rtlCol="0">
+          <a:bodyPr wrap="square" rtlCol="0">
+            <a:spAutoFit/>
+          </a:bodyPr>
+          <a:lstStyle/>
+          <a:p>
+            <a:r>
+              <a:rPr lang="en-US" dirty="0" err="1">
+                <a:solidFill>
+                  <a:srgbClr val="FF0000"/>
+                </a:solidFill>
+              </a:rPr>
+              <a:t>imm</a:t>
+            </a:r>
+            <a:endParaRPr lang="en-US" dirty="0">
+              <a:solidFill>
+                <a:srgbClr val="FF0000"/>
+              </a:solidFill>
+            </a:endParaRPr>
+          </a:p>
+        </p:txBody>
+      </p:sp>
+      <p:sp>
+        <p:nvSpPr>
+          <p:cNvPr id="4" name="TextBox 3">
+            <a:extLst>
+              <a:ext uri="{FF2B5EF4-FFF2-40B4-BE49-F238E27FC236}">
+                <a16:creationId xmlns:a16="http://schemas.microsoft.com/office/drawing/2014/main" id="{B4416899-51A4-C18F-28AD-99D10D7998A0}"/>
+              </a:ext>
+            </a:extLst>
+          </p:cNvPr>
+          <p:cNvSpPr txBox="1"/>
+          <p:nvPr/>
+        </p:nvSpPr>
+        <p:spPr>
+          <a:xfrm>
+            <a:off x="3731517" y="3486074"/>
+            <a:ext cx="582482" cy="369332"/>
+          </a:xfrm>
+          <a:prstGeom prst="rect">
+            <a:avLst/>
+          </a:prstGeom>
+          <a:noFill/>
+        </p:spPr>
+        <p:txBody>
+          <a:bodyPr wrap="square" rtlCol="0">
             <a:spAutoFit/>
           </a:bodyPr>
           <a:lstStyle/>
@@ -21334,8 +22358,130 @@
                   <a:srgbClr val="FF0000"/>
                 </a:solidFill>
               </a:rPr>
-              <a:t>0</a:t>
+              <a:t>rs1</a:t>
             </a:r>
+          </a:p>
+        </p:txBody>
+      </p:sp>
+      <p:sp>
+        <p:nvSpPr>
+          <p:cNvPr id="6" name="TextBox 5">
+            <a:extLst>
+              <a:ext uri="{FF2B5EF4-FFF2-40B4-BE49-F238E27FC236}">
+                <a16:creationId xmlns:a16="http://schemas.microsoft.com/office/drawing/2014/main" id="{8DAAF071-69AF-8798-2ECA-21592388133C}"/>
+              </a:ext>
+            </a:extLst>
+          </p:cNvPr>
+          <p:cNvSpPr txBox="1"/>
+          <p:nvPr/>
+        </p:nvSpPr>
+        <p:spPr>
+          <a:xfrm>
+            <a:off x="6887050" y="4373179"/>
+            <a:ext cx="582482" cy="369332"/>
+          </a:xfrm>
+          <a:prstGeom prst="rect">
+            <a:avLst/>
+          </a:prstGeom>
+          <a:noFill/>
+        </p:spPr>
+        <p:txBody>
+          <a:bodyPr wrap="square" rtlCol="0">
+            <a:spAutoFit/>
+          </a:bodyPr>
+          <a:lstStyle/>
+          <a:p>
+            <a:r>
+              <a:rPr lang="en-US" dirty="0">
+                <a:solidFill>
+                  <a:srgbClr val="FF0000"/>
+                </a:solidFill>
+              </a:rPr>
+              <a:t>+</a:t>
+            </a:r>
+          </a:p>
+        </p:txBody>
+      </p:sp>
+      <p:sp>
+        <p:nvSpPr>
+          <p:cNvPr id="11" name="TextBox 10">
+            <a:extLst>
+              <a:ext uri="{FF2B5EF4-FFF2-40B4-BE49-F238E27FC236}">
+                <a16:creationId xmlns:a16="http://schemas.microsoft.com/office/drawing/2014/main" id="{F4A999AA-71CD-15D1-E3D5-F0439B11B42D}"/>
+              </a:ext>
+            </a:extLst>
+          </p:cNvPr>
+          <p:cNvSpPr txBox="1"/>
+          <p:nvPr/>
+        </p:nvSpPr>
+        <p:spPr>
+          <a:xfrm>
+            <a:off x="6400083" y="3503092"/>
+            <a:ext cx="582482" cy="369332"/>
+          </a:xfrm>
+          <a:prstGeom prst="rect">
+            <a:avLst/>
+          </a:prstGeom>
+          <a:noFill/>
+        </p:spPr>
+        <p:txBody>
+          <a:bodyPr wrap="square" rtlCol="0">
+            <a:spAutoFit/>
+          </a:bodyPr>
+          <a:lstStyle/>
+          <a:p>
+            <a:r>
+              <a:rPr lang="en-US" dirty="0">
+                <a:solidFill>
+                  <a:srgbClr val="FF0000"/>
+                </a:solidFill>
+              </a:rPr>
+              <a:t>rs1</a:t>
+            </a:r>
+          </a:p>
+        </p:txBody>
+      </p:sp>
+      <p:sp>
+        <p:nvSpPr>
+          <p:cNvPr id="12" name="TextBox 11">
+            <a:extLst>
+              <a:ext uri="{FF2B5EF4-FFF2-40B4-BE49-F238E27FC236}">
+                <a16:creationId xmlns:a16="http://schemas.microsoft.com/office/drawing/2014/main" id="{49B64648-62F2-CB58-1FF2-4881E76108CA}"/>
+              </a:ext>
+            </a:extLst>
+          </p:cNvPr>
+          <p:cNvSpPr txBox="1"/>
+          <p:nvPr/>
+        </p:nvSpPr>
+        <p:spPr>
+          <a:xfrm>
+            <a:off x="6413205" y="4052704"/>
+            <a:ext cx="841497" cy="369332"/>
+          </a:xfrm>
+          <a:prstGeom prst="rect">
+            <a:avLst/>
+          </a:prstGeom>
+          <a:noFill/>
+        </p:spPr>
+        <p:txBody>
+          <a:bodyPr wrap="square" rtlCol="0">
+            <a:spAutoFit/>
+          </a:bodyPr>
+          <a:lstStyle/>
+          <a:p>
+            <a:r>
+              <a:rPr lang="en-US" dirty="0" err="1">
+                <a:solidFill>
+                  <a:srgbClr val="FF0000"/>
+                </a:solidFill>
+              </a:rPr>
+              <a:t>imm</a:t>
+            </a:r>
+            <a:endParaRPr lang="en-US" dirty="0">
+              <a:solidFill>
+                <a:srgbClr val="FF0000"/>
+              </a:solidFill>
+            </a:endParaRPr>
           </a:p>
         </p:txBody>
       </p:sp>
@@ -21360,7 +22506,7 @@
         <p:cNvPr id="1" name="">
           <a:extLst>
             <a:ext uri="{FF2B5EF4-FFF2-40B4-BE49-F238E27FC236}">
-              <a16:creationId xmlns:a16="http://schemas.microsoft.com/office/drawing/2014/main" id="{339C09FB-B661-4B35-CFEA-51DD87680F12}"/>
+              <a16:creationId xmlns:a16="http://schemas.microsoft.com/office/drawing/2014/main" id="{9F2BA10B-F932-E728-35A9-592461A5FDEC}"/>
             </a:ext>
           </a:extLst>
         </p:cNvPr>
@@ -21375,14 +22521,14 @@
           <a:chExt cx="0" cy="0"/>
         </a:xfrm>
       </p:grpSpPr>
-      <mc:AlternateContent xmlns:mc="http://schemas.openxmlformats.org/markup-compatibility/2006" xmlns:p14="http://schemas.microsoft.com/office/powerpoint/2010/main">
-        <mc:Choice Requires="p14">
+      <mc:AlternateContent xmlns:mc="http://schemas.openxmlformats.org/markup-compatibility/2006">
+        <mc:Choice xmlns:p14="http://schemas.microsoft.com/office/powerpoint/2010/main" Requires="p14">
           <p:contentPart p14:bwMode="auto" r:id="rId2">
             <p14:nvContentPartPr>
               <p14:cNvPr id="126" name="Ink 125">
                 <a:extLst>
                   <a:ext uri="{FF2B5EF4-FFF2-40B4-BE49-F238E27FC236}">
-                    <a16:creationId xmlns:a16="http://schemas.microsoft.com/office/drawing/2014/main" id="{899D2471-7016-ED70-63D9-33DDE369C667}"/>
+                    <a16:creationId xmlns:a16="http://schemas.microsoft.com/office/drawing/2014/main" id="{0C904DB4-D21F-C997-E5BE-93E969E62ED2}"/>
                   </a:ext>
                 </a:extLst>
               </p14:cNvPr>
@@ -21395,13 +22541,13 @@
             </p14:xfrm>
           </p:contentPart>
         </mc:Choice>
-        <mc:Fallback xmlns="">
+        <mc:Fallback>
           <p:pic>
             <p:nvPicPr>
               <p:cNvPr id="126" name="Ink 125">
                 <a:extLst>
                   <a:ext uri="{FF2B5EF4-FFF2-40B4-BE49-F238E27FC236}">
-                    <a16:creationId xmlns:a16="http://schemas.microsoft.com/office/drawing/2014/main" id="{899D2471-7016-ED70-63D9-33DDE369C667}"/>
+                    <a16:creationId xmlns:a16="http://schemas.microsoft.com/office/drawing/2014/main" id="{0C904DB4-D21F-C997-E5BE-93E969E62ED2}"/>
                   </a:ext>
                 </a:extLst>
               </p:cNvPr>
@@ -21426,14 +22572,14 @@
           </p:pic>
         </mc:Fallback>
       </mc:AlternateContent>
-      <mc:AlternateContent xmlns:mc="http://schemas.openxmlformats.org/markup-compatibility/2006" xmlns:p14="http://schemas.microsoft.com/office/powerpoint/2010/main">
-        <mc:Choice Requires="p14">
+      <mc:AlternateContent xmlns:mc="http://schemas.openxmlformats.org/markup-compatibility/2006">
+        <mc:Choice xmlns:p14="http://schemas.microsoft.com/office/powerpoint/2010/main" Requires="p14">
           <p:contentPart p14:bwMode="auto" r:id="rId4">
             <p14:nvContentPartPr>
               <p14:cNvPr id="144" name="Ink 143">
                 <a:extLst>
                   <a:ext uri="{FF2B5EF4-FFF2-40B4-BE49-F238E27FC236}">
-                    <a16:creationId xmlns:a16="http://schemas.microsoft.com/office/drawing/2014/main" id="{DDD0C4E1-FF0A-133D-FF5C-E39B40F1F0D0}"/>
+                    <a16:creationId xmlns:a16="http://schemas.microsoft.com/office/drawing/2014/main" id="{2B710279-0CC5-DBC2-83F4-2E344D9D8990}"/>
                   </a:ext>
                 </a:extLst>
               </p14:cNvPr>
@@ -21446,13 +22592,13 @@
             </p14:xfrm>
           </p:contentPart>
         </mc:Choice>
-        <mc:Fallback xmlns="">
+        <mc:Fallback>
           <p:pic>
             <p:nvPicPr>
               <p:cNvPr id="144" name="Ink 143">
                 <a:extLst>
                   <a:ext uri="{FF2B5EF4-FFF2-40B4-BE49-F238E27FC236}">
-                    <a16:creationId xmlns:a16="http://schemas.microsoft.com/office/drawing/2014/main" id="{DDD0C4E1-FF0A-133D-FF5C-E39B40F1F0D0}"/>
+                    <a16:creationId xmlns:a16="http://schemas.microsoft.com/office/drawing/2014/main" id="{2B710279-0CC5-DBC2-83F4-2E344D9D8990}"/>
                   </a:ext>
                 </a:extLst>
               </p:cNvPr>
@@ -21482,7 +22628,7 @@
           <p:cNvPr id="8" name="Graphic 7">
             <a:extLst>
               <a:ext uri="{FF2B5EF4-FFF2-40B4-BE49-F238E27FC236}">
-                <a16:creationId xmlns:a16="http://schemas.microsoft.com/office/drawing/2014/main" id="{CD706DA6-D4D3-DACD-5B7A-D2FDE76D04B0}"/>
+                <a16:creationId xmlns:a16="http://schemas.microsoft.com/office/drawing/2014/main" id="{F2EA5289-70A8-927D-9441-9BCD0DF42A1F}"/>
               </a:ext>
             </a:extLst>
           </p:cNvPr>
@@ -21515,10 +22661,10 @@
       </p:pic>
       <p:sp>
         <p:nvSpPr>
-          <p:cNvPr id="2" name="TextBox 1">
+          <p:cNvPr id="4" name="TextBox 3">
             <a:extLst>
               <a:ext uri="{FF2B5EF4-FFF2-40B4-BE49-F238E27FC236}">
-                <a16:creationId xmlns:a16="http://schemas.microsoft.com/office/drawing/2014/main" id="{1C6B0EC4-7146-9FD0-31DF-35DD5CAE3B62}"/>
+                <a16:creationId xmlns:a16="http://schemas.microsoft.com/office/drawing/2014/main" id="{0DEECD42-9815-DE0D-A162-B622242CD574}"/>
               </a:ext>
             </a:extLst>
           </p:cNvPr>
@@ -21527,8 +22673,8 @@
         </p:nvSpPr>
         <p:spPr>
           <a:xfrm>
-            <a:off x="10649316" y="127000"/>
-            <a:ext cx="1172116" cy="1200329"/>
+            <a:off x="10337800" y="141383"/>
+            <a:ext cx="1716198" cy="1200329"/>
           </a:xfrm>
           <a:prstGeom prst="rect">
             <a:avLst/>
@@ -21536,7 +22682,7 @@
           <a:noFill/>
         </p:spPr>
         <p:txBody>
-          <a:bodyPr wrap="none" rtlCol="0">
+          <a:bodyPr wrap="square" rtlCol="0">
             <a:spAutoFit/>
           </a:bodyPr>
           <a:lstStyle/>
@@ -21573,88 +22719,10 @@
           </a:p>
         </p:txBody>
       </p:sp>
-      <p:sp>
-        <p:nvSpPr>
-          <p:cNvPr id="3" name="TextBox 2">
-            <a:extLst>
-              <a:ext uri="{FF2B5EF4-FFF2-40B4-BE49-F238E27FC236}">
-                <a16:creationId xmlns:a16="http://schemas.microsoft.com/office/drawing/2014/main" id="{91E31947-3148-ABCF-D41F-3BB54C985305}"/>
-              </a:ext>
-            </a:extLst>
-          </p:cNvPr>
-          <p:cNvSpPr txBox="1"/>
-          <p:nvPr/>
-        </p:nvSpPr>
-        <p:spPr>
-          <a:xfrm>
-            <a:off x="10608937" y="1357523"/>
-            <a:ext cx="1239698" cy="646331"/>
-          </a:xfrm>
-          <a:prstGeom prst="rect">
-            <a:avLst/>
-          </a:prstGeom>
-          <a:noFill/>
-        </p:spPr>
-        <p:txBody>
-          <a:bodyPr wrap="none" rtlCol="0">
-            <a:spAutoFit/>
-          </a:bodyPr>
-          <a:lstStyle/>
-          <a:p>
-            <a:r>
-              <a:rPr lang="en-US" sz="1200" dirty="0"/>
-              <a:t>Hint, modify</a:t>
-            </a:r>
-            <a:br>
-              <a:rPr lang="en-US" sz="1200" dirty="0"/>
-            </a:br>
-            <a:r>
-              <a:rPr lang="en-US" sz="1200" dirty="0" err="1"/>
-              <a:t>jr</a:t>
-            </a:r>
-            <a:r>
-              <a:rPr lang="en-US" sz="1200" dirty="0"/>
-              <a:t> solution </a:t>
-            </a:r>
-            <a:r>
-              <a:rPr lang="en-US" sz="1200" dirty="0" err="1"/>
-              <a:t>jal</a:t>
-            </a:r>
-            <a:r>
-              <a:rPr lang="en-US" sz="1200" dirty="0"/>
-              <a:t> = </a:t>
-            </a:r>
-            <a:br>
-              <a:rPr lang="en-US" sz="1200" dirty="0"/>
-            </a:br>
-            <a:r>
-              <a:rPr lang="en-US" sz="1200" dirty="0" err="1"/>
-              <a:t>jalr</a:t>
-            </a:r>
-            <a:r>
-              <a:rPr lang="en-US" sz="1200" dirty="0"/>
-              <a:t>, </a:t>
-            </a:r>
-            <a:r>
-              <a:rPr lang="en-US" sz="1200" dirty="0" err="1"/>
-              <a:t>ra</a:t>
-            </a:r>
-            <a:r>
-              <a:rPr lang="en-US" sz="1200" dirty="0"/>
-              <a:t>, Rs, </a:t>
-            </a:r>
-            <a:r>
-              <a:rPr lang="en-US" sz="1200" dirty="0" err="1"/>
-              <a:t>imm</a:t>
-            </a:r>
-            <a:endParaRPr lang="en-US" sz="1200" dirty="0"/>
-          </a:p>
-        </p:txBody>
-      </p:sp>
     </p:spTree>
     <p:extLst>
       <p:ext uri="{BB962C8B-B14F-4D97-AF65-F5344CB8AC3E}">
-        <p14:creationId xmlns:p14="http://schemas.microsoft.com/office/powerpoint/2010/main" val="3056448567"/>
+        <p14:creationId xmlns:p14="http://schemas.microsoft.com/office/powerpoint/2010/main" val="2211522977"/>
       </p:ext>
     </p:extLst>
   </p:cSld>

--- a/Homework/Homework 7/HW-7.pptx
+++ b/Homework/Homework 7/HW-7.pptx
@@ -3745,6 +3745,298 @@
 </inkml:ink>
 </file>
 
+<file path=ppt/ink/ink160.xml><?xml version="1.0" encoding="utf-8"?>
+<inkml:ink xmlns:inkml="http://www.w3.org/2003/InkML">
+  <inkml:definitions>
+    <inkml:context xml:id="ctx0">
+      <inkml:inkSource xml:id="inkSrc0">
+        <inkml:traceFormat>
+          <inkml:channel name="X" type="integer" min="-2.14748E9" max="2.14748E9" units="cm"/>
+          <inkml:channel name="Y" type="integer" min="-2.14748E9" max="2.14748E9" units="cm"/>
+        </inkml:traceFormat>
+        <inkml:channelProperties>
+          <inkml:channelProperty channel="X" name="resolution" value="1000" units="1/cm"/>
+          <inkml:channelProperty channel="Y" name="resolution" value="1000" units="1/cm"/>
+        </inkml:channelProperties>
+      </inkml:inkSource>
+      <inkml:timestamp xml:id="ts0" timeString="2025-06-03T12:05:37.921"/>
+    </inkml:context>
+    <inkml:brush xml:id="br0">
+      <inkml:brushProperty name="width" value="0.2" units="cm"/>
+      <inkml:brushProperty name="height" value="0.4" units="cm"/>
+      <inkml:brushProperty name="color" value="#969696"/>
+      <inkml:brushProperty name="tip" value="rectangle"/>
+      <inkml:brushProperty name="rasterOp" value="maskPen"/>
+      <inkml:brushProperty name="ignorePressure" value="1"/>
+    </inkml:brush>
+  </inkml:definitions>
+  <inkml:trace contextRef="#ctx0" brushRef="#br0">0 24,'63'0,"-22"2,1-2,0-3,73-12,-95 12,-1 1,0 0,1 2,-1 0,1 1,-1 1,0 1,1 1,34 11,28 5,-62-17</inkml:trace>
+</inkml:ink>
+</file>
+
+<file path=ppt/ink/ink161.xml><?xml version="1.0" encoding="utf-8"?>
+<inkml:ink xmlns:inkml="http://www.w3.org/2003/InkML">
+  <inkml:definitions>
+    <inkml:context xml:id="ctx0">
+      <inkml:inkSource xml:id="inkSrc0">
+        <inkml:traceFormat>
+          <inkml:channel name="X" type="integer" min="-2.14748E9" max="2.14748E9" units="cm"/>
+          <inkml:channel name="Y" type="integer" min="-2.14748E9" max="2.14748E9" units="cm"/>
+        </inkml:traceFormat>
+        <inkml:channelProperties>
+          <inkml:channelProperty channel="X" name="resolution" value="1000" units="1/cm"/>
+          <inkml:channelProperty channel="Y" name="resolution" value="1000" units="1/cm"/>
+        </inkml:channelProperties>
+      </inkml:inkSource>
+      <inkml:timestamp xml:id="ts0" timeString="2025-06-03T12:05:42.739"/>
+    </inkml:context>
+    <inkml:brush xml:id="br0">
+      <inkml:brushProperty name="width" value="0.2" units="cm"/>
+      <inkml:brushProperty name="height" value="0.4" units="cm"/>
+      <inkml:brushProperty name="color" value="#969696"/>
+      <inkml:brushProperty name="tip" value="rectangle"/>
+      <inkml:brushProperty name="rasterOp" value="maskPen"/>
+      <inkml:brushProperty name="ignorePressure" value="1"/>
+    </inkml:brush>
+  </inkml:definitions>
+  <inkml:trace contextRef="#ctx0" brushRef="#br0">0 2866,'1'-20,"1"0,8-35,-5 34,-1-1,1-25,-4-495,-3 262,3 264,1 0,0-1,6-20,6-36,2-28,-5 44,-7 39,0-1,2 2,7-18,11-36,-15 36,-2-1,-1 0,1-67,-8-533,0 621,-1-1,0 1,-1 0,-1 0,-11-27,9 26,1 1,0-1,2 1,-1-1,0-25,3 11,4-178,-3 205,1 0,0 0,-1 0,1 1,0-1,0 0,1 1,-1-1,0 1,1-1,0 1,-1 0,1 0,0 0,0 0,1 0,-1 0,0 0,0 1,1-1,-1 1,1-1,0 1,-1 0,1 0,0 1,-1-1,1 0,0 1,5-1,12-1,-1 2,1 0,31 4,-14-2,844 2,-465-6,-395 3,-1 1,34 8,-32-5,0-2,24 2,112-5,-135 0</inkml:trace>
+</inkml:ink>
+</file>
+
+<file path=ppt/ink/ink162.xml><?xml version="1.0" encoding="utf-8"?>
+<inkml:ink xmlns:inkml="http://www.w3.org/2003/InkML">
+  <inkml:definitions>
+    <inkml:context xml:id="ctx0">
+      <inkml:inkSource xml:id="inkSrc0">
+        <inkml:traceFormat>
+          <inkml:channel name="X" type="integer" min="-2.14748E9" max="2.14748E9" units="cm"/>
+          <inkml:channel name="Y" type="integer" min="-2.14748E9" max="2.14748E9" units="cm"/>
+        </inkml:traceFormat>
+        <inkml:channelProperties>
+          <inkml:channelProperty channel="X" name="resolution" value="1000" units="1/cm"/>
+          <inkml:channelProperty channel="Y" name="resolution" value="1000" units="1/cm"/>
+        </inkml:channelProperties>
+      </inkml:inkSource>
+      <inkml:timestamp xml:id="ts0" timeString="2025-06-03T12:05:43.941"/>
+    </inkml:context>
+    <inkml:brush xml:id="br0">
+      <inkml:brushProperty name="width" value="0.2" units="cm"/>
+      <inkml:brushProperty name="height" value="0.4" units="cm"/>
+      <inkml:brushProperty name="color" value="#969696"/>
+      <inkml:brushProperty name="tip" value="rectangle"/>
+      <inkml:brushProperty name="rasterOp" value="maskPen"/>
+      <inkml:brushProperty name="ignorePressure" value="1"/>
+    </inkml:brush>
+  </inkml:definitions>
+  <inkml:trace contextRef="#ctx0" brushRef="#br0">0 108,'1'-4,"0"0,0 0,0 0,1 0,-1 0,1 0,0 1,0-1,0 1,1-1,-1 1,1 0,0 0,0 0,0 0,0 1,0-1,1 1,-1 0,1-1,-1 2,6-3,3-2,0 1,0 0,0 1,1 1,-1 0,15-2,169 3,-102 4,-71-2</inkml:trace>
+</inkml:ink>
+</file>
+
+<file path=ppt/ink/ink163.xml><?xml version="1.0" encoding="utf-8"?>
+<inkml:ink xmlns:inkml="http://www.w3.org/2003/InkML">
+  <inkml:definitions>
+    <inkml:context xml:id="ctx0">
+      <inkml:inkSource xml:id="inkSrc0">
+        <inkml:traceFormat>
+          <inkml:channel name="X" type="integer" min="-2.14748E9" max="2.14748E9" units="cm"/>
+          <inkml:channel name="Y" type="integer" min="-2.14748E9" max="2.14748E9" units="cm"/>
+        </inkml:traceFormat>
+        <inkml:channelProperties>
+          <inkml:channelProperty channel="X" name="resolution" value="1000" units="1/cm"/>
+          <inkml:channelProperty channel="Y" name="resolution" value="1000" units="1/cm"/>
+        </inkml:channelProperties>
+      </inkml:inkSource>
+      <inkml:timestamp xml:id="ts0" timeString="2025-06-03T12:05:50.356"/>
+    </inkml:context>
+    <inkml:brush xml:id="br0">
+      <inkml:brushProperty name="width" value="0.2" units="cm"/>
+      <inkml:brushProperty name="height" value="0.4" units="cm"/>
+      <inkml:brushProperty name="color" value="#969696"/>
+      <inkml:brushProperty name="tip" value="rectangle"/>
+      <inkml:brushProperty name="rasterOp" value="maskPen"/>
+      <inkml:brushProperty name="ignorePressure" value="1"/>
+    </inkml:brush>
+  </inkml:definitions>
+  <inkml:trace contextRef="#ctx0" brushRef="#br0">5692 2014,'58'1,"67"-3,-122 2,0-1,0 0,0 1,0-1,-1 0,1 0,0 0,-1-1,1 1,-1-1,1 0,-1 1,0-1,0 0,1 0,-1 0,-1-1,1 1,0 0,-1-1,1 1,-1-1,1 1,-1-1,0 0,0 0,-1 1,1-1,0 0,-1-5,2-11,-1 0,-1 0,-4-35,2 17,-1-22,5-253,10 241,-7 51,-1 0,1-28,-4 10,-4-267,-21 171,20 102,-2 1,-15-53,-1-5,-4 9,20 67,1-1,0 0,1 0,1 0,-3-23,7-73,-2-18,1 125,0 0,-1 1,0-1,1 1,-1-1,0 1,0-1,0 1,-1-1,1 1,-1 0,1 0,-1-1,0 1,0 0,0 1,0-1,-2-2,-2 1,1-1,-1 1,0 0,0 1,-1-1,1 1,-8-1,-11-1,-1 0,-47 1,68 3,-1002 2,988-3,0-1,-37-9,35 6,0 1,-27-1,-299 4,164 3,163-3,0-2,-35-7,33 6,1 0,-26-1,-670 3,349 5,333-3,-23-1,1 2,-84 14,105-9,-44 0,49-5,-1 2,-38 8,39-5,0-2,-1-1,-46-3,46 0,1 0,-1 2,-45 9,48-5,-47 2,46-6,-46 9,30-3,0-3,-1-2,0-2,-47-5,-13 2,-369 2,456 1,0 1,-35 8,33-5,1-2,-26 2,-33-7,42 1,-43 2,71 0,-1 0,1 1,1 0,-1 0,0 1,1 1,-1-1,1 2,-11 5,12-2,0 0,0 0,1 1,0 0,0 1,1-1,0 1,1 0,-6 15,-11 18,9-17,2 0,0 1,2 1,1-1,2 1,-7 56,9 204,6-154,-1-115,1 1,9 36,-6-35,-2 0,3 26,-6-38,1 0,1 0,0 0,0 0,1-1,0 1,0-1,6 10,5 14,-8-11,-1 0,-2 0,0 1,-1-1,-1 1,-1 0,-4 36,1 12,3 353,1-402,1-1,8 34,-5-32,-1 0,1 24,-7 107,4 64,10-145,-7-53,-2 1,3 28,-6 317,-1-174,0-170,-1-1,-8 34,5-32,1 0,-1 24,-8 77,7-82,-1 59,9-64,13 66,-4-28,-9-67,0 1,0-1,1 0,0 1,0-1,0 0,1-1,0 1,9 10,-8-11,0 1,-1-1,0 1,0 0,-1 0,0 0,0 0,0 0,1 11,-3-7,1 0,0 0,1-1,0 1,0-1,8 15,-9-21,1 1,1-1,-1 0,1 0,-1 0,1 0,0-1,1 1,-1-1,1 0,-1 0,1-1,0 1,0-1,5 1,6 2,0-2,0 0,0 0,1-2,-1 0,29-3,-26 1,0 1,0 1,0 0,31 7,-10 4,1-2,0-2,83 6,-101-14</inkml:trace>
+</inkml:ink>
+</file>
+
+<file path=ppt/ink/ink164.xml><?xml version="1.0" encoding="utf-8"?>
+<inkml:ink xmlns:inkml="http://www.w3.org/2003/InkML">
+  <inkml:definitions>
+    <inkml:context xml:id="ctx0">
+      <inkml:inkSource xml:id="inkSrc0">
+        <inkml:traceFormat>
+          <inkml:channel name="X" type="integer" min="-2.14748E9" max="2.14748E9" units="cm"/>
+          <inkml:channel name="Y" type="integer" min="-2.14748E9" max="2.14748E9" units="cm"/>
+        </inkml:traceFormat>
+        <inkml:channelProperties>
+          <inkml:channelProperty channel="X" name="resolution" value="1000" units="1/cm"/>
+          <inkml:channelProperty channel="Y" name="resolution" value="1000" units="1/cm"/>
+        </inkml:channelProperties>
+      </inkml:inkSource>
+      <inkml:timestamp xml:id="ts0" timeString="2025-06-03T12:05:56.353"/>
+    </inkml:context>
+    <inkml:brush xml:id="br0">
+      <inkml:brushProperty name="width" value="0.2" units="cm"/>
+      <inkml:brushProperty name="height" value="0.4" units="cm"/>
+      <inkml:brushProperty name="color" value="#969696"/>
+      <inkml:brushProperty name="tip" value="rectangle"/>
+      <inkml:brushProperty name="rasterOp" value="maskPen"/>
+      <inkml:brushProperty name="ignorePressure" value="1"/>
+    </inkml:brush>
+  </inkml:definitions>
+  <inkml:trace contextRef="#ctx0" brushRef="#br0">0 2,'85'-2,"95"4,-108 11,-52-9,0 0,27 1,95-6,60 2,-191 1,-1 0,0 1,0-1,0 2,0 0,0 0,0 1,-1 0,0 0,0 1,-1 0,0 1,13 12,-2 2,0 0,-2 2,28 44,-42-61,0 1,-1-1,0 0,0 1,0-1,-1 1,1 6,-2-8,0-1,1 0,-1 0,1 0,0 0,0 0,1 0,-1 0,1 0,0 0,0-1,0 1,0 0,1-1,-1 0,1 0,0 0,4 4,9 4,0-1,35 17,-34-21</inkml:trace>
+</inkml:ink>
+</file>
+
+<file path=ppt/ink/ink165.xml><?xml version="1.0" encoding="utf-8"?>
+<inkml:ink xmlns:inkml="http://www.w3.org/2003/InkML">
+  <inkml:definitions>
+    <inkml:context xml:id="ctx0">
+      <inkml:inkSource xml:id="inkSrc0">
+        <inkml:traceFormat>
+          <inkml:channel name="X" type="integer" min="-2.14748E9" max="2.14748E9" units="cm"/>
+          <inkml:channel name="Y" type="integer" min="-2.14748E9" max="2.14748E9" units="cm"/>
+        </inkml:traceFormat>
+        <inkml:channelProperties>
+          <inkml:channelProperty channel="X" name="resolution" value="1000" units="1/cm"/>
+          <inkml:channelProperty channel="Y" name="resolution" value="1000" units="1/cm"/>
+        </inkml:channelProperties>
+      </inkml:inkSource>
+      <inkml:timestamp xml:id="ts0" timeString="2025-06-03T12:06:16.508"/>
+    </inkml:context>
+    <inkml:brush xml:id="br0">
+      <inkml:brushProperty name="width" value="0.2" units="cm"/>
+      <inkml:brushProperty name="height" value="0.4" units="cm"/>
+      <inkml:brushProperty name="color" value="#969696"/>
+      <inkml:brushProperty name="tip" value="rectangle"/>
+      <inkml:brushProperty name="rasterOp" value="maskPen"/>
+      <inkml:brushProperty name="ignorePressure" value="1"/>
+    </inkml:brush>
+  </inkml:definitions>
+  <inkml:trace contextRef="#ctx0" brushRef="#br0">0 1,'9'1,"0"0,0 1,0 0,0 0,-1 1,1 0,14 8,-13-6,0 0,1-1,-1 0,0-1,14 2,50 0,104-6,-60-1,-96 2</inkml:trace>
+</inkml:ink>
+</file>
+
+<file path=ppt/ink/ink166.xml><?xml version="1.0" encoding="utf-8"?>
+<inkml:ink xmlns:inkml="http://www.w3.org/2003/InkML">
+  <inkml:definitions>
+    <inkml:context xml:id="ctx0">
+      <inkml:inkSource xml:id="inkSrc0">
+        <inkml:traceFormat>
+          <inkml:channel name="X" type="integer" min="-2.14748E9" max="2.14748E9" units="cm"/>
+          <inkml:channel name="Y" type="integer" min="-2.14748E9" max="2.14748E9" units="cm"/>
+        </inkml:traceFormat>
+        <inkml:channelProperties>
+          <inkml:channelProperty channel="X" name="resolution" value="1000" units="1/cm"/>
+          <inkml:channelProperty channel="Y" name="resolution" value="1000" units="1/cm"/>
+        </inkml:channelProperties>
+      </inkml:inkSource>
+      <inkml:timestamp xml:id="ts0" timeString="2025-06-03T12:06:37.362"/>
+    </inkml:context>
+    <inkml:brush xml:id="br0">
+      <inkml:brushProperty name="width" value="0.2" units="cm"/>
+      <inkml:brushProperty name="height" value="0.4" units="cm"/>
+      <inkml:brushProperty name="color" value="#00F900"/>
+      <inkml:brushProperty name="tip" value="rectangle"/>
+      <inkml:brushProperty name="rasterOp" value="maskPen"/>
+      <inkml:brushProperty name="ignorePressure" value="1"/>
+    </inkml:brush>
+  </inkml:definitions>
+  <inkml:trace contextRef="#ctx0" brushRef="#br0">0 1,'28'1,"0"2,0 0,0 3,50 15,-45-12,1-3,0-1,1-1,-1-3,1 0,36-5,20 1,-68 3</inkml:trace>
+</inkml:ink>
+</file>
+
+<file path=ppt/ink/ink167.xml><?xml version="1.0" encoding="utf-8"?>
+<inkml:ink xmlns:inkml="http://www.w3.org/2003/InkML">
+  <inkml:definitions>
+    <inkml:context xml:id="ctx0">
+      <inkml:inkSource xml:id="inkSrc0">
+        <inkml:traceFormat>
+          <inkml:channel name="X" type="integer" min="-2.14748E9" max="2.14748E9" units="cm"/>
+          <inkml:channel name="Y" type="integer" min="-2.14748E9" max="2.14748E9" units="cm"/>
+          <inkml:channel name="F" type="integer" max="32767" units="dev"/>
+        </inkml:traceFormat>
+        <inkml:channelProperties>
+          <inkml:channelProperty channel="X" name="resolution" value="1000" units="1/cm"/>
+          <inkml:channelProperty channel="Y" name="resolution" value="1000" units="1/cm"/>
+          <inkml:channelProperty channel="F" name="resolution" value="0" units="1/dev"/>
+        </inkml:channelProperties>
+      </inkml:inkSource>
+      <inkml:timestamp xml:id="ts0" timeString="2025-06-03T12:06:40.360"/>
+    </inkml:context>
+    <inkml:brush xml:id="br0">
+      <inkml:brushProperty name="width" value="0.2" units="cm"/>
+      <inkml:brushProperty name="height" value="0.4" units="cm"/>
+      <inkml:brushProperty name="color" value="#00F900"/>
+      <inkml:brushProperty name="tip" value="rectangle"/>
+      <inkml:brushProperty name="rasterOp" value="maskPen"/>
+      <inkml:brushProperty name="ignorePressure" value="1"/>
+    </inkml:brush>
+  </inkml:definitions>
+  <inkml:trace contextRef="#ctx0" brushRef="#br0">0 0 0,'0'4923'0</inkml:trace>
+</inkml:ink>
+</file>
+
+<file path=ppt/ink/ink168.xml><?xml version="1.0" encoding="utf-8"?>
+<inkml:ink xmlns:inkml="http://www.w3.org/2003/InkML">
+  <inkml:definitions>
+    <inkml:context xml:id="ctx0">
+      <inkml:inkSource xml:id="inkSrc0">
+        <inkml:traceFormat>
+          <inkml:channel name="X" type="integer" min="-2.14748E9" max="2.14748E9" units="cm"/>
+          <inkml:channel name="Y" type="integer" min="-2.14748E9" max="2.14748E9" units="cm"/>
+        </inkml:traceFormat>
+        <inkml:channelProperties>
+          <inkml:channelProperty channel="X" name="resolution" value="1000" units="1/cm"/>
+          <inkml:channelProperty channel="Y" name="resolution" value="1000" units="1/cm"/>
+        </inkml:channelProperties>
+      </inkml:inkSource>
+      <inkml:timestamp xml:id="ts0" timeString="2025-06-03T12:06:45.586"/>
+    </inkml:context>
+    <inkml:brush xml:id="br0">
+      <inkml:brushProperty name="width" value="0.2" units="cm"/>
+      <inkml:brushProperty name="height" value="0.4" units="cm"/>
+      <inkml:brushProperty name="color" value="#00F900"/>
+      <inkml:brushProperty name="tip" value="rectangle"/>
+      <inkml:brushProperty name="rasterOp" value="maskPen"/>
+      <inkml:brushProperty name="ignorePressure" value="1"/>
+    </inkml:brush>
+  </inkml:definitions>
+  <inkml:trace contextRef="#ctx0" brushRef="#br0">0 1,'3'0,"0"1,0 0,0 1,0-1,0 0,0 1,-1-1,1 1,0 0,-1 0,5 5,18 10,-4-11,0-1,0-1,1-1,-1-1,1-1,0-1,39-4,11 1,880 3,-932 1,1 1,33 8,-32-5,0-2,24 2,-17-4,0 1,56 11,-54-8,-1-1,1-1,61-4,-60 0,0 1,0 1,48 9,108 20,-138-23,0-2,0-3,52-4,66 3,-97 12,-51-9,0 0,28 1,263-4,-145-2,-147 2,1 1,35 8,-34-5,0-1,27 1,128-7,71 4,-175 11,-52-9,0 0,27 1,106-7,65 4,-147 11,-51-9,0 0,27 1,494-3,-261-4,-259 1,-1-2,34-7,-32 6,0 0,24-1,15 6,-43 1,0-2,0 0,0-1,29-5,-30 0</inkml:trace>
+</inkml:ink>
+</file>
+
+<file path=ppt/ink/ink169.xml><?xml version="1.0" encoding="utf-8"?>
+<inkml:ink xmlns:inkml="http://www.w3.org/2003/InkML">
+  <inkml:definitions>
+    <inkml:context xml:id="ctx0">
+      <inkml:inkSource xml:id="inkSrc0">
+        <inkml:traceFormat>
+          <inkml:channel name="X" type="integer" min="-2.14748E9" max="2.14748E9" units="cm"/>
+          <inkml:channel name="Y" type="integer" min="-2.14748E9" max="2.14748E9" units="cm"/>
+        </inkml:traceFormat>
+        <inkml:channelProperties>
+          <inkml:channelProperty channel="X" name="resolution" value="1000" units="1/cm"/>
+          <inkml:channelProperty channel="Y" name="resolution" value="1000" units="1/cm"/>
+        </inkml:channelProperties>
+      </inkml:inkSource>
+      <inkml:timestamp xml:id="ts0" timeString="2025-06-03T12:07:23.874"/>
+    </inkml:context>
+    <inkml:brush xml:id="br0">
+      <inkml:brushProperty name="width" value="0.2" units="cm"/>
+      <inkml:brushProperty name="height" value="0.4" units="cm"/>
+      <inkml:brushProperty name="color" value="#00F900"/>
+      <inkml:brushProperty name="tip" value="rectangle"/>
+      <inkml:brushProperty name="rasterOp" value="maskPen"/>
+      <inkml:brushProperty name="ignorePressure" value="1"/>
+    </inkml:brush>
+  </inkml:definitions>
+  <inkml:trace contextRef="#ctx0" brushRef="#br0">0 1,'2673'0,"-2653"1,-1 1,37 8,-35-5,0-1,27 1,-17-4,-1 1,52 11,-64-9,24 6,0-1,0-3,67 3,104-10,-190 1</inkml:trace>
+</inkml:ink>
+</file>
+
 <file path=ppt/ink/ink17.xml><?xml version="1.0" encoding="utf-8"?>
 <inkml:ink xmlns:inkml="http://www.w3.org/2003/InkML">
   <inkml:definitions>
@@ -3770,6 +4062,296 @@
     </inkml:brush>
   </inkml:definitions>
   <inkml:trace contextRef="#ctx0" brushRef="#br0">2995 155,'-32'0,"2"0,9 0,-3 0,-1 0,-3 0,0 0,0 0,3 0,1 0,-2 0,0 0,-4 0,0 0,-3 0,-2 0,0 0,0 0,1 0,4 0,-3 0,0 0,-2 0,-5 0,1-2,-5-1,1 0,-1 0,1 3,8-2,3 0,2-1,2-2,-3 2,-14-3,10 1,-16-1,16 0,-2 0,7 0,0 1,-1-2,-3 0,-4-2,-1 0,5 1,2 1,2-1,5 3,1 1,5 1,1 0,0 1,-3-1,-4 2,1 1,-1-1,3 1,-3-2,0-2,0 1,4 1,3 2,0 0,-1 0,0 0,1 0,-1 0,0 0,-2 0,2 0,1 0,3 0,-1 0,0 0,0 0,-2 0,0 0,-3 0,-1 0,-2 0,-1 0,0 0,2 0,2 0,0 0,-3 0,-1 2,-1 0,1 1,3-1,0 1,0 0,1-1,1 2,-1-2,0 1,-1 0,0 0,0 0,0-1,1 1,-1-3,1 0,0 0,2 0,1 0,2 0,0 0,-2 0,0 0,-3 0,2 0,2 0,5 0,2 0,-3 2,16 14,-6-6,12 7,-7-13</inkml:trace>
+</inkml:ink>
+</file>
+
+<file path=ppt/ink/ink170.xml><?xml version="1.0" encoding="utf-8"?>
+<inkml:ink xmlns:inkml="http://www.w3.org/2003/InkML">
+  <inkml:definitions>
+    <inkml:context xml:id="ctx0">
+      <inkml:inkSource xml:id="inkSrc0">
+        <inkml:traceFormat>
+          <inkml:channel name="X" type="integer" min="-2.14748E9" max="2.14748E9" units="cm"/>
+          <inkml:channel name="Y" type="integer" min="-2.14748E9" max="2.14748E9" units="cm"/>
+        </inkml:traceFormat>
+        <inkml:channelProperties>
+          <inkml:channelProperty channel="X" name="resolution" value="1000" units="1/cm"/>
+          <inkml:channelProperty channel="Y" name="resolution" value="1000" units="1/cm"/>
+        </inkml:channelProperties>
+      </inkml:inkSource>
+      <inkml:timestamp xml:id="ts0" timeString="2025-06-03T12:07:25.742"/>
+    </inkml:context>
+    <inkml:brush xml:id="br0">
+      <inkml:brushProperty name="width" value="0.2" units="cm"/>
+      <inkml:brushProperty name="height" value="0.4" units="cm"/>
+      <inkml:brushProperty name="color" value="#00F900"/>
+      <inkml:brushProperty name="tip" value="rectangle"/>
+      <inkml:brushProperty name="rasterOp" value="maskPen"/>
+      <inkml:brushProperty name="ignorePressure" value="1"/>
+    </inkml:brush>
+  </inkml:definitions>
+  <inkml:trace contextRef="#ctx0" brushRef="#br0">0 32,'8'-1,"1"0,-1 0,0-1,0 0,9-4,30-6,59 6,117 7,-74 2,168-3,-294 0</inkml:trace>
+</inkml:ink>
+</file>
+
+<file path=ppt/ink/ink171.xml><?xml version="1.0" encoding="utf-8"?>
+<inkml:ink xmlns:inkml="http://www.w3.org/2003/InkML">
+  <inkml:definitions>
+    <inkml:context xml:id="ctx0">
+      <inkml:inkSource xml:id="inkSrc0">
+        <inkml:traceFormat>
+          <inkml:channel name="X" type="integer" min="-2.14748E9" max="2.14748E9" units="cm"/>
+          <inkml:channel name="Y" type="integer" min="-2.14748E9" max="2.14748E9" units="cm"/>
+        </inkml:traceFormat>
+        <inkml:channelProperties>
+          <inkml:channelProperty channel="X" name="resolution" value="1000" units="1/cm"/>
+          <inkml:channelProperty channel="Y" name="resolution" value="1000" units="1/cm"/>
+        </inkml:channelProperties>
+      </inkml:inkSource>
+      <inkml:timestamp xml:id="ts0" timeString="2025-06-03T12:08:28.716"/>
+    </inkml:context>
+    <inkml:brush xml:id="br0">
+      <inkml:brushProperty name="width" value="0.2" units="cm"/>
+      <inkml:brushProperty name="height" value="0.4" units="cm"/>
+      <inkml:brushProperty name="color" value="#00F900"/>
+      <inkml:brushProperty name="tip" value="rectangle"/>
+      <inkml:brushProperty name="rasterOp" value="maskPen"/>
+      <inkml:brushProperty name="ignorePressure" value="1"/>
+    </inkml:brush>
+  </inkml:definitions>
+  <inkml:trace contextRef="#ctx0" brushRef="#br0">138 1434,'1'-1,"0"1,1-1,-1 1,0-1,0 1,0-1,0 0,0 1,0-1,0 0,0 0,0 0,0 0,-1 0,1 0,0 0,0 0,-1 0,1 0,-1 0,1-1,-1 1,0 0,1 0,-1 0,0-1,0-1,5-41,-4 39,2-63,-7-106,-21 41,21 108,0 0,-1 1,-13-37,-4-14,-6-58,4 21,15 81,3 0,0 0,-2-54,6 22,0 34,2 1,0 0,2-1,6-29,-7 52,1 0,-1 0,1 1,1-1,-1 0,1 1,0 0,0-1,1 1,0 1,-1-1,2 0,-1 1,0 0,1 0,0 0,0 1,0-1,0 1,1 0,-1 1,1-1,-1 1,1 0,0 1,0-1,0 1,0 1,0-1,0 1,0 0,7 0,19 0,150 5,-111 7,-52-7,1-1,29 1,-9-4,-9-1,0 2,0 0,32 8,-16-2,-1-3,1-2,93-6,-33 1,368 2,-452 0</inkml:trace>
+</inkml:ink>
+</file>
+
+<file path=ppt/ink/ink172.xml><?xml version="1.0" encoding="utf-8"?>
+<inkml:ink xmlns:inkml="http://www.w3.org/2003/InkML">
+  <inkml:definitions>
+    <inkml:context xml:id="ctx0">
+      <inkml:inkSource xml:id="inkSrc0">
+        <inkml:traceFormat>
+          <inkml:channel name="X" type="integer" min="-2.14748E9" max="2.14748E9" units="cm"/>
+          <inkml:channel name="Y" type="integer" min="-2.14748E9" max="2.14748E9" units="cm"/>
+        </inkml:traceFormat>
+        <inkml:channelProperties>
+          <inkml:channelProperty channel="X" name="resolution" value="1000" units="1/cm"/>
+          <inkml:channelProperty channel="Y" name="resolution" value="1000" units="1/cm"/>
+        </inkml:channelProperties>
+      </inkml:inkSource>
+      <inkml:timestamp xml:id="ts0" timeString="2025-06-03T12:08:30.242"/>
+    </inkml:context>
+    <inkml:brush xml:id="br0">
+      <inkml:brushProperty name="width" value="0.2" units="cm"/>
+      <inkml:brushProperty name="height" value="0.4" units="cm"/>
+      <inkml:brushProperty name="color" value="#00F900"/>
+      <inkml:brushProperty name="tip" value="rectangle"/>
+      <inkml:brushProperty name="rasterOp" value="maskPen"/>
+      <inkml:brushProperty name="ignorePressure" value="1"/>
+    </inkml:brush>
+  </inkml:definitions>
+  <inkml:trace contextRef="#ctx0" brushRef="#br0">0 1,'1'1,"0"1,-1 0,1 0,0-1,0 1,1-1,-1 1,0-1,0 0,1 1,-1-1,1 0,-1 0,1 0,-1 0,1 0,2 1,31 14,-2-6,-1-1,1-2,0-2,0-1,61 0,-74-3,0 1,37 8,-36-5,2-1,22 0,325-4,-347 0</inkml:trace>
+</inkml:ink>
+</file>
+
+<file path=ppt/ink/ink173.xml><?xml version="1.0" encoding="utf-8"?>
+<inkml:ink xmlns:inkml="http://www.w3.org/2003/InkML">
+  <inkml:definitions>
+    <inkml:context xml:id="ctx0">
+      <inkml:inkSource xml:id="inkSrc0">
+        <inkml:traceFormat>
+          <inkml:channel name="X" type="integer" min="-2.14748E9" max="2.14748E9" units="cm"/>
+          <inkml:channel name="Y" type="integer" min="-2.14748E9" max="2.14748E9" units="cm"/>
+        </inkml:traceFormat>
+        <inkml:channelProperties>
+          <inkml:channelProperty channel="X" name="resolution" value="1000" units="1/cm"/>
+          <inkml:channelProperty channel="Y" name="resolution" value="1000" units="1/cm"/>
+        </inkml:channelProperties>
+      </inkml:inkSource>
+      <inkml:timestamp xml:id="ts0" timeString="2025-06-03T12:09:36.600"/>
+    </inkml:context>
+    <inkml:brush xml:id="br0">
+      <inkml:brushProperty name="width" value="0.2" units="cm"/>
+      <inkml:brushProperty name="height" value="0.4" units="cm"/>
+      <inkml:brushProperty name="color" value="#00F900"/>
+      <inkml:brushProperty name="tip" value="rectangle"/>
+      <inkml:brushProperty name="rasterOp" value="maskPen"/>
+      <inkml:brushProperty name="ignorePressure" value="1"/>
+    </inkml:brush>
+  </inkml:definitions>
+  <inkml:trace contextRef="#ctx0" brushRef="#br0">29 5668,'2'-1,"0"1,0-1,0 1,0-1,1 0,-2 1,1-1,0 0,0-1,0 1,0 0,-1 0,1-1,-1 1,1-1,-1 1,1-1,-1 0,0 0,0 1,0-1,0 0,0 0,0 0,0 0,-1 0,1-3,2-5,0-1,-1 1,2-21,-1-37,-8-106,3 162,-1-1,0 1,-1 0,0 1,-1-1,-12-20,11 20,0 1,0-1,1 0,1 0,0 0,-4-26,5-246,5 145,0 113,1-1,1 0,2 1,9-28,9-49,0-3,-16 78,-1 0,-1 0,2-47,-6 54,1-1,0 1,2 0,9-25,-8 25,0 0,-1 0,-1 0,1-28,-3 20,9-44,-6 44,3-52,-7-1254,-3 605,4 702,2-1,1 0,1 1,1 0,14-33,13-54,2-9,-26 96,-1 0,-1-1,-2 0,-1 0,3-46,-7-30,-5-134,-21 105,11 49,9 61,1-1,-1-25,6-19,1 47,-2-1,0 1,-2-1,0 1,-7-25,9 45,-1 0,0 0,1 1,-1-1,1 0,-1 0,1 0,0 0,0 0,0 0,0 1,0-1,0 0,1 0,-1 0,1 0,-1 0,1 1,0-1,-1 0,1 0,0 1,0-1,0 1,1-1,-1 1,0-1,0 1,1 0,-1-1,1 1,2-1,1 0,0 0,0 0,0 1,0 0,0 0,1 0,-1 1,0 0,1 0,9 1,60 14,-57-10,0-1,36 3,-12-5,4-1,78 11,-57-3,-1-4,127-6,-69-1,1516 2,-1619-1,-1-2,34-7,-32 6,0 0,24-1,337 4,-184 3,-176-2</inkml:trace>
+</inkml:ink>
+</file>
+
+<file path=ppt/ink/ink174.xml><?xml version="1.0" encoding="utf-8"?>
+<inkml:ink xmlns:inkml="http://www.w3.org/2003/InkML">
+  <inkml:definitions>
+    <inkml:context xml:id="ctx0">
+      <inkml:inkSource xml:id="inkSrc0">
+        <inkml:traceFormat>
+          <inkml:channel name="X" type="integer" min="-2.14748E9" max="2.14748E9" units="cm"/>
+          <inkml:channel name="Y" type="integer" min="-2.14748E9" max="2.14748E9" units="cm"/>
+        </inkml:traceFormat>
+        <inkml:channelProperties>
+          <inkml:channelProperty channel="X" name="resolution" value="1000" units="1/cm"/>
+          <inkml:channelProperty channel="Y" name="resolution" value="1000" units="1/cm"/>
+        </inkml:channelProperties>
+      </inkml:inkSource>
+      <inkml:timestamp xml:id="ts0" timeString="2025-06-03T12:09:39.193"/>
+    </inkml:context>
+    <inkml:brush xml:id="br0">
+      <inkml:brushProperty name="width" value="0.2" units="cm"/>
+      <inkml:brushProperty name="height" value="0.4" units="cm"/>
+      <inkml:brushProperty name="color" value="#00F900"/>
+      <inkml:brushProperty name="tip" value="rectangle"/>
+      <inkml:brushProperty name="rasterOp" value="maskPen"/>
+      <inkml:brushProperty name="ignorePressure" value="1"/>
+    </inkml:brush>
+  </inkml:definitions>
+  <inkml:trace contextRef="#ctx0" brushRef="#br0">0 1,'11'1,"1"0,-1 1,0 0,12 4,40 7,224-11,-148-3,-118 0,-1-2,34-7,-32 6,0 0,24-1,112 5,-135 1</inkml:trace>
+</inkml:ink>
+</file>
+
+<file path=ppt/ink/ink175.xml><?xml version="1.0" encoding="utf-8"?>
+<inkml:ink xmlns:inkml="http://www.w3.org/2003/InkML">
+  <inkml:definitions>
+    <inkml:context xml:id="ctx0">
+      <inkml:inkSource xml:id="inkSrc0">
+        <inkml:traceFormat>
+          <inkml:channel name="X" type="integer" min="-2.14748E9" max="2.14748E9" units="cm"/>
+          <inkml:channel name="Y" type="integer" min="-2.14748E9" max="2.14748E9" units="cm"/>
+        </inkml:traceFormat>
+        <inkml:channelProperties>
+          <inkml:channelProperty channel="X" name="resolution" value="1000" units="1/cm"/>
+          <inkml:channelProperty channel="Y" name="resolution" value="1000" units="1/cm"/>
+        </inkml:channelProperties>
+      </inkml:inkSource>
+      <inkml:timestamp xml:id="ts0" timeString="2025-06-03T12:12:08.934"/>
+    </inkml:context>
+    <inkml:brush xml:id="br0">
+      <inkml:brushProperty name="width" value="0.2" units="cm"/>
+      <inkml:brushProperty name="height" value="0.4" units="cm"/>
+      <inkml:brushProperty name="color" value="#FF40FF"/>
+      <inkml:brushProperty name="tip" value="rectangle"/>
+      <inkml:brushProperty name="rasterOp" value="maskPen"/>
+      <inkml:brushProperty name="ignorePressure" value="1"/>
+    </inkml:brush>
+  </inkml:definitions>
+  <inkml:trace contextRef="#ctx0" brushRef="#br0">0 1,'0'1,"1"0,-1 0,1 0,0 0,-1 1,1-1,0 0,-1 0,1 0,0-1,0 1,0 0,0 0,0 0,0-1,0 1,0 0,0-1,1 1,-1-1,0 1,0-1,0 0,1 1,-1-1,0 0,2 0,41 5,-39-5,12 2,-1 1,1 1,-1 0,25 10,-25-8,0 0,0-2,1 0,27 3,51 7,-67-9,1-1,29 1,1134-6,-1172 0,-1-1,37-9,-35 6,0 1,27-1,269 6,-294-1</inkml:trace>
+</inkml:ink>
+</file>
+
+<file path=ppt/ink/ink176.xml><?xml version="1.0" encoding="utf-8"?>
+<inkml:ink xmlns:inkml="http://www.w3.org/2003/InkML">
+  <inkml:definitions>
+    <inkml:context xml:id="ctx0">
+      <inkml:inkSource xml:id="inkSrc0">
+        <inkml:traceFormat>
+          <inkml:channel name="X" type="integer" min="-2.14748E9" max="2.14748E9" units="cm"/>
+          <inkml:channel name="Y" type="integer" min="-2.14748E9" max="2.14748E9" units="cm"/>
+        </inkml:traceFormat>
+        <inkml:channelProperties>
+          <inkml:channelProperty channel="X" name="resolution" value="1000" units="1/cm"/>
+          <inkml:channelProperty channel="Y" name="resolution" value="1000" units="1/cm"/>
+        </inkml:channelProperties>
+      </inkml:inkSource>
+      <inkml:timestamp xml:id="ts0" timeString="2025-06-03T12:12:10.804"/>
+    </inkml:context>
+    <inkml:brush xml:id="br0">
+      <inkml:brushProperty name="width" value="0.2" units="cm"/>
+      <inkml:brushProperty name="height" value="0.4" units="cm"/>
+      <inkml:brushProperty name="color" value="#FF40FF"/>
+      <inkml:brushProperty name="tip" value="rectangle"/>
+      <inkml:brushProperty name="rasterOp" value="maskPen"/>
+      <inkml:brushProperty name="ignorePressure" value="1"/>
+    </inkml:brush>
+  </inkml:definitions>
+  <inkml:trace contextRef="#ctx0" brushRef="#br0">0 1,'5'0,"5"0,6 0,5 0,3 0,2 0,1 0,-4 0</inkml:trace>
+</inkml:ink>
+</file>
+
+<file path=ppt/ink/ink177.xml><?xml version="1.0" encoding="utf-8"?>
+<inkml:ink xmlns:inkml="http://www.w3.org/2003/InkML">
+  <inkml:definitions>
+    <inkml:context xml:id="ctx0">
+      <inkml:inkSource xml:id="inkSrc0">
+        <inkml:traceFormat>
+          <inkml:channel name="X" type="integer" min="-2.14748E9" max="2.14748E9" units="cm"/>
+          <inkml:channel name="Y" type="integer" min="-2.14748E9" max="2.14748E9" units="cm"/>
+        </inkml:traceFormat>
+        <inkml:channelProperties>
+          <inkml:channelProperty channel="X" name="resolution" value="1000" units="1/cm"/>
+          <inkml:channelProperty channel="Y" name="resolution" value="1000" units="1/cm"/>
+        </inkml:channelProperties>
+      </inkml:inkSource>
+      <inkml:timestamp xml:id="ts0" timeString="2025-06-03T12:12:15.962"/>
+    </inkml:context>
+    <inkml:brush xml:id="br0">
+      <inkml:brushProperty name="width" value="0.2" units="cm"/>
+      <inkml:brushProperty name="height" value="0.4" units="cm"/>
+      <inkml:brushProperty name="color" value="#FF40FF"/>
+      <inkml:brushProperty name="tip" value="rectangle"/>
+      <inkml:brushProperty name="rasterOp" value="maskPen"/>
+      <inkml:brushProperty name="ignorePressure" value="1"/>
+    </inkml:brush>
+  </inkml:definitions>
+  <inkml:trace contextRef="#ctx0" brushRef="#br0">0 22,'0'-2,"1"1,-1 0,1 0,-1 0,1 0,0 0,-1 0,1 0,0 0,0 0,0 0,0 0,-1 0,1 1,0-1,0 0,1 1,-1-1,0 0,0 1,0 0,0-1,0 1,1 0,-1-1,0 1,0 0,1 0,1 0,38 0,51 12,1-5,132-5,-123-2,-80 0</inkml:trace>
+</inkml:ink>
+</file>
+
+<file path=ppt/ink/ink178.xml><?xml version="1.0" encoding="utf-8"?>
+<inkml:ink xmlns:inkml="http://www.w3.org/2003/InkML">
+  <inkml:definitions>
+    <inkml:context xml:id="ctx0">
+      <inkml:inkSource xml:id="inkSrc0">
+        <inkml:traceFormat>
+          <inkml:channel name="X" type="integer" min="-2.14748E9" max="2.14748E9" units="cm"/>
+          <inkml:channel name="Y" type="integer" min="-2.14748E9" max="2.14748E9" units="cm"/>
+        </inkml:traceFormat>
+        <inkml:channelProperties>
+          <inkml:channelProperty channel="X" name="resolution" value="1000" units="1/cm"/>
+          <inkml:channelProperty channel="Y" name="resolution" value="1000" units="1/cm"/>
+        </inkml:channelProperties>
+      </inkml:inkSource>
+      <inkml:timestamp xml:id="ts0" timeString="2025-06-03T12:12:58.299"/>
+    </inkml:context>
+    <inkml:brush xml:id="br0">
+      <inkml:brushProperty name="width" value="0.2" units="cm"/>
+      <inkml:brushProperty name="height" value="0.4" units="cm"/>
+      <inkml:brushProperty name="color" value="#FF40FF"/>
+      <inkml:brushProperty name="tip" value="rectangle"/>
+      <inkml:brushProperty name="rasterOp" value="maskPen"/>
+      <inkml:brushProperty name="ignorePressure" value="1"/>
+    </inkml:brush>
+  </inkml:definitions>
+  <inkml:trace contextRef="#ctx0" brushRef="#br0">0 2908,'48'0,"54"-7,-84 4,-1 0,0-1,0-1,0-1,-1 0,25-13,85-40,-108 48,-1 0,1-1,-2 0,0-2,0 0,-1 0,-1-2,0 0,-1 0,-1-1,-1-1,0 0,-2 0,0-1,0 0,7-31,12-30,-21 65,-1 0,-1 0,0-1,-2 0,5-29,5-52,-7 69,-2-1,0-29,-5-2006,1 2041</inkml:trace>
+</inkml:ink>
+</file>
+
+<file path=ppt/ink/ink179.xml><?xml version="1.0" encoding="utf-8"?>
+<inkml:ink xmlns:inkml="http://www.w3.org/2003/InkML">
+  <inkml:definitions>
+    <inkml:context xml:id="ctx0">
+      <inkml:inkSource xml:id="inkSrc0">
+        <inkml:traceFormat>
+          <inkml:channel name="X" type="integer" min="-2.14748E9" max="2.14748E9" units="cm"/>
+          <inkml:channel name="Y" type="integer" min="-2.14748E9" max="2.14748E9" units="cm"/>
+        </inkml:traceFormat>
+        <inkml:channelProperties>
+          <inkml:channelProperty channel="X" name="resolution" value="1000" units="1/cm"/>
+          <inkml:channelProperty channel="Y" name="resolution" value="1000" units="1/cm"/>
+        </inkml:channelProperties>
+      </inkml:inkSource>
+      <inkml:timestamp xml:id="ts0" timeString="2025-06-03T12:13:06.132"/>
+    </inkml:context>
+    <inkml:brush xml:id="br0">
+      <inkml:brushProperty name="width" value="0.2" units="cm"/>
+      <inkml:brushProperty name="height" value="0.4" units="cm"/>
+      <inkml:brushProperty name="color" value="#FF40FF"/>
+      <inkml:brushProperty name="tip" value="rectangle"/>
+      <inkml:brushProperty name="rasterOp" value="maskPen"/>
+      <inkml:brushProperty name="ignorePressure" value="1"/>
+    </inkml:brush>
+  </inkml:definitions>
+  <inkml:trace contextRef="#ctx0" brushRef="#br0">1849 10457,'0'10,"0"-1,0 1,1 0,0 0,1 0,6 17,-7-24,1 0,-1 0,1 0,0 0,0-1,0 1,0-1,1 1,-1-1,1 0,-1 0,1 0,0 0,0 0,0 0,0-1,0 0,0 1,0-1,1 0,-1-1,0 1,6 0,41 3,1-2,58-6,1 1,-60 2,-11 0,-1 1,0 2,72 14,-76-7,-4-1,1-1,0-1,43 2,-52-7,1 2,25 6,-25-4,46 3,55 5,-83-7,59 2,-52-8,-7 1,0-2,0-1,64-13,-28 2,-56 11,0-2,-1 0,39-13,-34 10,0 0,1 2,-1 1,1 1,0 1,-1 2,51 4,-31-2,55-4,-93 1,0-1,0 0,-1 0,1 0,-1-1,1 0,-1 0,0-1,0 0,0 0,-1 0,1-1,-1 1,0-1,-1-1,1 1,-1-1,5-7,-3 4,0-2,0 1,-1-1,-1 0,0 0,0 0,-1-1,0 1,-1-1,1-12,-6-268,1 278,-1 1,0-1,-1 1,-10-23,9 24,0 0,1 0,0-1,1 0,-3-21,4-369,5 197,-3-270,1 456,1 0,8-35,-5 34,-1-1,1-24,-3 23,0 0,7-23,-4 23,-1 0,1-24,-4 18,2 0,1 0,2 1,0 0,2 0,1 0,15-30,-19 39,1-1,-2 0,-1 0,0 0,-2 0,0 0,-1 0,-6-40,-7-10,9 51,0-1,-2-31,6 23,-2-1,-1 0,-8-28,6 26,1-1,2 0,1-1,3-37,-3-65,-11 64,7 51,2 0,-3-28,8-82,-4-57,-1 165,-1 0,-1 0,-9-21,8 25,0-1,1 1,1-1,-2-35,6-403,1 198,0 239,1 0,8-35,-5 33,-1 0,1-24,-3 23,9-45,-6 45,-1 0,1-25,-5-5,0 21,1 0,2 0,8-42,-4 29,-2-1,-1-1,-3 1,-5-50,1-10,3-1376,-1 1462,-1 0,-8-35,5 34,1-1,-1-24,5 30,-1 1,-1-1,0 1,-1 0,-1 0,0 0,-1 1,-8-17,7 13,0-1,0 0,2-1,-3-27,1 5,-20-129,19 128,2 0,2 0,2-1,5-44,-2-11,-2-1065,2 1134,10-59,-6 58,2-57,-9-494,0 562,-1 1,-9-37,7 35,0 0,-2-27,6 37,0 3,0 0,0 0,-1 1,-1-1,-2-10,3 15,-1-1,1 1,-1 0,0 0,0 1,0-1,0 0,-1 1,1-1,-1 1,0 0,1-1,-1 1,0 1,-4-3,-18-10,0 2,-1 0,-1 2,0 1,-35-7,42 12,0-2,0 0,1-1,-1-1,-33-19,44 22,0 1,0 1,0-1,0 2,-1-1,1 1,-1 1,-15-2,-86 6,51-1,-364-1,404 0,1 1,-37 8,35-5,0-1,-27 1,-650-3,337-4,-909 2,1251-1,-1-1,-36-9,36 6,-1 1,-27-1,-243 6,268-1</inkml:trace>
 </inkml:ink>
 </file>
 
@@ -3801,6 +4383,296 @@
 </inkml:ink>
 </file>
 
+<file path=ppt/ink/ink180.xml><?xml version="1.0" encoding="utf-8"?>
+<inkml:ink xmlns:inkml="http://www.w3.org/2003/InkML">
+  <inkml:definitions>
+    <inkml:context xml:id="ctx0">
+      <inkml:inkSource xml:id="inkSrc0">
+        <inkml:traceFormat>
+          <inkml:channel name="X" type="integer" min="-2.14748E9" max="2.14748E9" units="cm"/>
+          <inkml:channel name="Y" type="integer" min="-2.14748E9" max="2.14748E9" units="cm"/>
+        </inkml:traceFormat>
+        <inkml:channelProperties>
+          <inkml:channelProperty channel="X" name="resolution" value="1000" units="1/cm"/>
+          <inkml:channelProperty channel="Y" name="resolution" value="1000" units="1/cm"/>
+        </inkml:channelProperties>
+      </inkml:inkSource>
+      <inkml:timestamp xml:id="ts0" timeString="2025-06-03T12:13:13.833"/>
+    </inkml:context>
+    <inkml:brush xml:id="br0">
+      <inkml:brushProperty name="width" value="0.2" units="cm"/>
+      <inkml:brushProperty name="height" value="0.4" units="cm"/>
+      <inkml:brushProperty name="color" value="#FF40FF"/>
+      <inkml:brushProperty name="tip" value="rectangle"/>
+      <inkml:brushProperty name="rasterOp" value="maskPen"/>
+      <inkml:brushProperty name="ignorePressure" value="1"/>
+    </inkml:brush>
+  </inkml:definitions>
+  <inkml:trace contextRef="#ctx0" brushRef="#br0">1188 5298,'0'-610,"-2"586,0 0,-2 0,-1 0,-9-27,7 27,1-1,1 0,-4-44,11-36,-4-55,-11 88,9 53,0 0,-2-30,7-375,0 408,1-1,1 1,0 0,1 1,12-30,9-41,-24 81,0 1,0 0,1-1,-1 1,1 0,0 0,0 0,0 0,0 0,1 1,0-1,-1 1,1-1,1 1,-1 0,6-4,3 0,-1 0,1 2,1-1,14-4,4-1,-17 6,0 2,0 0,0 0,0 1,0 1,18 0,-14 1,-1-1,1 0,24-7,3 0,0 2,0 1,1 3,76 5,-17 0,1086-3,-1160-2,57-10,-55 7,53-3,-23 8,-27 1,-1-1,0-2,1-1,34-9,-59 10,1-1,-1 0,0-1,0-1,-1 0,1 0,-1-1,13-9,13-14,62-66,-69 65,-23 23,0 0,-1-1,0 1,0-1,-1 0,0 0,-1 0,4-12,16-77,-15 60,4-8,-3-1,-2 0,2-72,-10-306,0 409,-1-1,0 1,-1 0,-1 0,-11-28,9 28,1 0,0-1,2 0,-1 0,0-24,2 17,-1 0,-5-24,3 23,-4-45,9-366,1 208,-2 204,-2 0,0 0,-2 1,-13-41,-3 18,17 38,0 0,0-1,1 0,0 1,0-1,-2-14,-25-160,18 110,7 46,1-1,-1-34,7-25,-4-66,2 148,-1 0,1 1,-1-1,0 0,0 1,-1-1,1 1,-1 0,0-1,0 1,0 0,0 0,0 0,-1 0,1 1,-1-1,0 1,0-1,0 1,0 0,0 0,0 0,-1 1,1-1,-1 1,1 0,-1-1,1 2,-7-2,-10-1,-1 1,0 1,1 0,-26 4,13-1,-605 0,349-3,269 2,1 1,-37 8,35-5,0-1,-27 1,-43 8,67-8,-46 3,-735-6,392-4,411 2,-33 0,0-1,0-1,-54-11,44 6,-1 1,0 3,0 2,-50 5,-11-1,-342-3,426 0</inkml:trace>
+</inkml:ink>
+</file>
+
+<file path=ppt/ink/ink181.xml><?xml version="1.0" encoding="utf-8"?>
+<inkml:ink xmlns:inkml="http://www.w3.org/2003/InkML">
+  <inkml:definitions>
+    <inkml:context xml:id="ctx0">
+      <inkml:inkSource xml:id="inkSrc0">
+        <inkml:traceFormat>
+          <inkml:channel name="X" type="integer" min="-2.14748E9" max="2.14748E9" units="cm"/>
+          <inkml:channel name="Y" type="integer" min="-2.14748E9" max="2.14748E9" units="cm"/>
+        </inkml:traceFormat>
+        <inkml:channelProperties>
+          <inkml:channelProperty channel="X" name="resolution" value="1000" units="1/cm"/>
+          <inkml:channelProperty channel="Y" name="resolution" value="1000" units="1/cm"/>
+        </inkml:channelProperties>
+      </inkml:inkSource>
+      <inkml:timestamp xml:id="ts0" timeString="2025-06-03T12:13:51.016"/>
+    </inkml:context>
+    <inkml:brush xml:id="br0">
+      <inkml:brushProperty name="width" value="0.2" units="cm"/>
+      <inkml:brushProperty name="height" value="0.4" units="cm"/>
+      <inkml:brushProperty name="color" value="#FF40FF"/>
+      <inkml:brushProperty name="tip" value="rectangle"/>
+      <inkml:brushProperty name="rasterOp" value="maskPen"/>
+      <inkml:brushProperty name="ignorePressure" value="1"/>
+    </inkml:brush>
+  </inkml:definitions>
+  <inkml:trace contextRef="#ctx0" brushRef="#br0">0 32,'32'-2,"-1"0,37-9,-35 5,33 0,1 1,95 8,-38 0,988-3,-1081 1,57 11,-56-6,55 2,-48-8,-8-1,1 2,0 1,56 11,-47-6,1-2,0-2,0-1,54-6,1 2,1675 2,-1751 1,-1 1,34 8,-32-5,0-2,24 2,325-5,-349 0</inkml:trace>
+</inkml:ink>
+</file>
+
+<file path=ppt/ink/ink182.xml><?xml version="1.0" encoding="utf-8"?>
+<inkml:ink xmlns:inkml="http://www.w3.org/2003/InkML">
+  <inkml:definitions>
+    <inkml:context xml:id="ctx0">
+      <inkml:inkSource xml:id="inkSrc0">
+        <inkml:traceFormat>
+          <inkml:channel name="X" type="integer" min="-2.14748E9" max="2.14748E9" units="cm"/>
+          <inkml:channel name="Y" type="integer" min="-2.14748E9" max="2.14748E9" units="cm"/>
+        </inkml:traceFormat>
+        <inkml:channelProperties>
+          <inkml:channelProperty channel="X" name="resolution" value="1000" units="1/cm"/>
+          <inkml:channelProperty channel="Y" name="resolution" value="1000" units="1/cm"/>
+        </inkml:channelProperties>
+      </inkml:inkSource>
+      <inkml:timestamp xml:id="ts0" timeString="2025-06-03T12:14:29.700"/>
+    </inkml:context>
+    <inkml:brush xml:id="br0">
+      <inkml:brushProperty name="width" value="0.2" units="cm"/>
+      <inkml:brushProperty name="height" value="0.4" units="cm"/>
+      <inkml:brushProperty name="color" value="#FF40FF"/>
+      <inkml:brushProperty name="tip" value="rectangle"/>
+      <inkml:brushProperty name="rasterOp" value="maskPen"/>
+      <inkml:brushProperty name="ignorePressure" value="1"/>
+    </inkml:brush>
+  </inkml:definitions>
+  <inkml:trace contextRef="#ctx0" brushRef="#br0">0 108,'8'-1,"1"0,-1 0,0-1,0 0,9-4,31-6,25 7,-43 4,1-2,32-6,-45 4,24-5,0 2,0 1,67-2,660 11,-749-3,0-2,35-7,-34 6,1 0,24-1,336 4,-181 3,-174-1,-1 2,1 1,50 15,-51-12,1 0,-1-2,54 3,-49-8,-1 0,1 3,48 8,78 17,-127-23,1-1,-1-1,38-2,-37-2,-1 2,1 1,37 8,-22-2,0-3,0-2,0-2,50-5,10 2,5 0,122 4,-144 11,-57-7,59 3,-49-11,0-1,42-9,-78 11,0 1,0 0,0 0,1 0,-1 1,0-1,-1 2,1-1,0 0,0 1,0 0,-1 1,1-1,-1 1,0 0,0 1,7 4,4 6,-1 1,0 1,19 25,-15-17,10 3,-26-24,1-1,-1 1,0-1,0 1,0 0,-1 0,1 0,-1 1,0-1,1 1,-2-1,1 1,0 0,-1-1,1 1,0 7,0 5,-1 1,-1-1,-3 25,2-29,0 0,0 1,1-1,1 0,0 0,1 0,4 18,-5-28,1 1,0-1,-1 1,1-1,0 0,0 1,0-1,1 0,-1 0,0-1,1 1,-1 0,1-1,0 0,-1 1,1-1,0 0,0 0,0-1,0 1,0-1,0 1,4-1,12 1,1-1,30-3,-22 1,25 0,-29 2</inkml:trace>
+</inkml:ink>
+</file>
+
+<file path=ppt/ink/ink183.xml><?xml version="1.0" encoding="utf-8"?>
+<inkml:ink xmlns:inkml="http://www.w3.org/2003/InkML">
+  <inkml:definitions>
+    <inkml:context xml:id="ctx0">
+      <inkml:inkSource xml:id="inkSrc0">
+        <inkml:traceFormat>
+          <inkml:channel name="X" type="integer" min="-2.14748E9" max="2.14748E9" units="cm"/>
+          <inkml:channel name="Y" type="integer" min="-2.14748E9" max="2.14748E9" units="cm"/>
+        </inkml:traceFormat>
+        <inkml:channelProperties>
+          <inkml:channelProperty channel="X" name="resolution" value="1000" units="1/cm"/>
+          <inkml:channelProperty channel="Y" name="resolution" value="1000" units="1/cm"/>
+        </inkml:channelProperties>
+      </inkml:inkSource>
+      <inkml:timestamp xml:id="ts0" timeString="2025-06-03T12:14:35.369"/>
+    </inkml:context>
+    <inkml:brush xml:id="br0">
+      <inkml:brushProperty name="width" value="0.2" units="cm"/>
+      <inkml:brushProperty name="height" value="0.4" units="cm"/>
+      <inkml:brushProperty name="color" value="#0069AF"/>
+      <inkml:brushProperty name="tip" value="rectangle"/>
+      <inkml:brushProperty name="rasterOp" value="maskPen"/>
+      <inkml:brushProperty name="ignorePressure" value="1"/>
+    </inkml:brush>
+  </inkml:definitions>
+  <inkml:trace contextRef="#ctx0" brushRef="#br0">0 1,'5'1,"0"0,-1 1,1-1,-1 1,1 0,-1 1,0-1,7 5,11 6,-7-7,0-2,1 0,-1-1,1 0,0-1,0-1,0 0,20-3,-13 2,0 0,0 2,24 4,21 4,0-3,0-3,101-7,-39 1,849 2,-959 1,0 1,35 8,-34-5,1-2,24 2,45-4,-42-2,1 3,78 12,-65-6,0-2,0-3,74-7,-13 2,696 2,-815-1,0 1,0 1,0-1,0 1,0-1,0 1,-1 1,1-1,0 1,-1 0,1 0,-1 0,1 0,-1 1,0 0,0 0,0 0,6 7,-5-3,-1 0,0 0,0 0,-1 1,1-1,-2 1,1 0,-1 0,0 0,1 15,2 51,-5 123,-3-73,3-117,0 0,0 0,0 0,1 0,0 0,1 0,0 0,0-1,0 1,3 6,-2-9,0-1,0 0,0 1,0-1,0 0,0 0,1-1,0 1,-1-1,1 0,0 0,0 0,0 0,0-1,1 1,-1-1,6 1,15 2,46 2,23 5,-59-6,0-1,1-2,46-2,-43-1,-16 1</inkml:trace>
+</inkml:ink>
+</file>
+
+<file path=ppt/ink/ink184.xml><?xml version="1.0" encoding="utf-8"?>
+<inkml:ink xmlns:inkml="http://www.w3.org/2003/InkML">
+  <inkml:definitions>
+    <inkml:context xml:id="ctx0">
+      <inkml:inkSource xml:id="inkSrc0">
+        <inkml:traceFormat>
+          <inkml:channel name="X" type="integer" min="-2.14748E9" max="2.14748E9" units="cm"/>
+          <inkml:channel name="Y" type="integer" min="-2.14748E9" max="2.14748E9" units="cm"/>
+        </inkml:traceFormat>
+        <inkml:channelProperties>
+          <inkml:channelProperty channel="X" name="resolution" value="1000" units="1/cm"/>
+          <inkml:channelProperty channel="Y" name="resolution" value="1000" units="1/cm"/>
+        </inkml:channelProperties>
+      </inkml:inkSource>
+      <inkml:timestamp xml:id="ts0" timeString="2025-06-03T12:14:44.661"/>
+    </inkml:context>
+    <inkml:brush xml:id="br0">
+      <inkml:brushProperty name="width" value="0.2" units="cm"/>
+      <inkml:brushProperty name="height" value="0.4" units="cm"/>
+      <inkml:brushProperty name="color" value="#FF8517"/>
+      <inkml:brushProperty name="tip" value="rectangle"/>
+      <inkml:brushProperty name="rasterOp" value="maskPen"/>
+      <inkml:brushProperty name="ignorePressure" value="1"/>
+    </inkml:brush>
+  </inkml:definitions>
+  <inkml:trace contextRef="#ctx0" brushRef="#br0">0 1,'30'0,"0"1,0 1,49 11,-51-8,1-1,35 1,-34-4,-1 1,31 8,-30-5,44 3,-44-6,47 9,-50-6,0-2,0-1,47-2,25 2,-95-1,1 0,-1 0,0 1,0-1,0 1,1 0,-2 0,1 1,0-1,0 1,-1 0,0 0,1 0,-1 0,0 1,-1-1,1 1,-1 0,1 0,-1 0,0 0,-1 0,1 0,-1 1,2 7,4 12,-2 1,-1 0,2 30,-6-55,3 20,1 1,0-1,14 34,-10-31,10 48,9 62,-17-75,-4-30,-2 1,2 41,-6-41,-1 1,-1 0,-12 51,1-22,6-21,-20 56,16-60,2 2,1-1,1 1,3 0,0 1,3 49,0-65,-1-1,-8 36,-2 33,10 629,4-351,-2-353,1 15,-1 1,-1 0,-2-1,-1 0,-1 1,-14 44,8-38,2 1,-8 63,10-56,1 20,2-1,6 85,1-32,-4-73,0-28,0 0,1 0,0 0,2-1,-1 1,2 0,0 0,0-1,2 0,0 0,7 16,-6-18,-1 1,0 0,-1 1,-1-1,0 1,2 24,4 17,-2-7,-2 1,-2-1,-6 87,0-27,3 500,1-592,1 0,1-1,0 1,1-1,10 26,7 30,-17-52</inkml:trace>
+</inkml:ink>
+</file>
+
+<file path=ppt/ink/ink185.xml><?xml version="1.0" encoding="utf-8"?>
+<inkml:ink xmlns:inkml="http://www.w3.org/2003/InkML">
+  <inkml:definitions>
+    <inkml:context xml:id="ctx0">
+      <inkml:inkSource xml:id="inkSrc0">
+        <inkml:traceFormat>
+          <inkml:channel name="X" type="integer" min="-2.14748E9" max="2.14748E9" units="cm"/>
+          <inkml:channel name="Y" type="integer" min="-2.14748E9" max="2.14748E9" units="cm"/>
+        </inkml:traceFormat>
+        <inkml:channelProperties>
+          <inkml:channelProperty channel="X" name="resolution" value="1000" units="1/cm"/>
+          <inkml:channelProperty channel="Y" name="resolution" value="1000" units="1/cm"/>
+        </inkml:channelProperties>
+      </inkml:inkSource>
+      <inkml:timestamp xml:id="ts0" timeString="2025-06-03T12:17:13.698"/>
+    </inkml:context>
+    <inkml:brush xml:id="br0">
+      <inkml:brushProperty name="width" value="0.2" units="cm"/>
+      <inkml:brushProperty name="height" value="0.4" units="cm"/>
+      <inkml:brushProperty name="color" value="#00F900"/>
+      <inkml:brushProperty name="tip" value="rectangle"/>
+      <inkml:brushProperty name="rasterOp" value="maskPen"/>
+      <inkml:brushProperty name="ignorePressure" value="1"/>
+    </inkml:brush>
+  </inkml:definitions>
+  <inkml:trace contextRef="#ctx0" brushRef="#br0">0 1,'848'0,"-826"0</inkml:trace>
+</inkml:ink>
+</file>
+
+<file path=ppt/ink/ink186.xml><?xml version="1.0" encoding="utf-8"?>
+<inkml:ink xmlns:inkml="http://www.w3.org/2003/InkML">
+  <inkml:definitions>
+    <inkml:context xml:id="ctx0">
+      <inkml:inkSource xml:id="inkSrc0">
+        <inkml:traceFormat>
+          <inkml:channel name="X" type="integer" min="-2.14748E9" max="2.14748E9" units="cm"/>
+          <inkml:channel name="Y" type="integer" min="-2.14748E9" max="2.14748E9" units="cm"/>
+        </inkml:traceFormat>
+        <inkml:channelProperties>
+          <inkml:channelProperty channel="X" name="resolution" value="1000" units="1/cm"/>
+          <inkml:channelProperty channel="Y" name="resolution" value="1000" units="1/cm"/>
+        </inkml:channelProperties>
+      </inkml:inkSource>
+      <inkml:timestamp xml:id="ts0" timeString="2025-06-03T12:17:27.719"/>
+    </inkml:context>
+    <inkml:brush xml:id="br0">
+      <inkml:brushProperty name="width" value="0.2" units="cm"/>
+      <inkml:brushProperty name="height" value="0.4" units="cm"/>
+      <inkml:brushProperty name="color" value="#0069AF"/>
+      <inkml:brushProperty name="tip" value="rectangle"/>
+      <inkml:brushProperty name="rasterOp" value="maskPen"/>
+      <inkml:brushProperty name="ignorePressure" value="1"/>
+    </inkml:brush>
+  </inkml:definitions>
+  <inkml:trace contextRef="#ctx0" brushRef="#br0">0 28,'28'-2,"1"0,32-9,-39 7,1 0,0 1,-1 1,35 2,-55 0,1 1,-1-1,1 1,-1-1,1 1,-1 0,0 0,1 0,-1 0,0 0,0 1,0-1,0 1,0-1,0 1,0 0,0 0,-1 0,3 4,-1-2,-1 1,0-1,0 1,0 0,-1 0,0 0,0 0,0 0,0 8,-1 2,-1 1,0 0,-1 0,-1-1,-7 25,2-4,1 1,2 0,2-1,2 1,5 66,-2-7,-2 804,-1-869,-11 58,6-57,-2 54,9 390,-2-456,-1-1,-9 37,7-35,0 0,-2 27,6-31,2 151,-2-165,0 1,1-1,0 1,-1-1,1 0,1 1,-1-1,0 0,1 0,-1 0,1 0,0 0,0 0,0 0,1-1,-1 1,1-1,-1 1,1-1,0 0,0 0,0 0,0-1,0 1,0-1,0 0,1 1,3-1,10 3,0-2,0 0,0-1,31-3,-32 2,0-1,0 2,17 2,47 9,1-3,0-4,119-8,-55 1,305 2,-419 1,58 12,-58-8,56 4,1233-9,-602-1,-699 0,1-1,36-9,-36 6,1 1,27-1,-17 4,0-1,51-10,-54 7,0 1,1 2,32 2,-38 0</inkml:trace>
+</inkml:ink>
+</file>
+
+<file path=ppt/ink/ink187.xml><?xml version="1.0" encoding="utf-8"?>
+<inkml:ink xmlns:inkml="http://www.w3.org/2003/InkML">
+  <inkml:definitions>
+    <inkml:context xml:id="ctx0">
+      <inkml:inkSource xml:id="inkSrc0">
+        <inkml:traceFormat>
+          <inkml:channel name="X" type="integer" min="-2.14748E9" max="2.14748E9" units="cm"/>
+          <inkml:channel name="Y" type="integer" min="-2.14748E9" max="2.14748E9" units="cm"/>
+        </inkml:traceFormat>
+        <inkml:channelProperties>
+          <inkml:channelProperty channel="X" name="resolution" value="1000" units="1/cm"/>
+          <inkml:channelProperty channel="Y" name="resolution" value="1000" units="1/cm"/>
+        </inkml:channelProperties>
+      </inkml:inkSource>
+      <inkml:timestamp xml:id="ts0" timeString="2025-06-03T12:18:03.917"/>
+    </inkml:context>
+    <inkml:brush xml:id="br0">
+      <inkml:brushProperty name="width" value="0.2" units="cm"/>
+      <inkml:brushProperty name="height" value="0.4" units="cm"/>
+      <inkml:brushProperty name="color" value="#FF8517"/>
+      <inkml:brushProperty name="tip" value="rectangle"/>
+      <inkml:brushProperty name="rasterOp" value="maskPen"/>
+      <inkml:brushProperty name="ignorePressure" value="1"/>
+    </inkml:brush>
+  </inkml:definitions>
+  <inkml:trace contextRef="#ctx0" brushRef="#br0">16820 2008,'43'1,"-25"1,0-2,0 0,0-1,31-5,-45 5,0 0,0 0,0-1,-1 1,1-1,-1 0,1 0,-1 0,0 0,1 0,-1-1,0 0,-1 1,1-1,0 0,-1-1,0 1,1 0,-1-1,0 1,-1-1,1 1,-1-1,0 0,0 0,1-6,3-33,-2-1,-7-83,1 24,3-876,-1 965,-1 0,0 0,-7-24,6 30,0-1,0 0,1 1,1-1,0 0,0 0,1 0,0 0,0 0,1 0,0 0,3-10,-3 17,0 0,0-1,1 1,-1 0,1 0,-1 0,1 0,0 0,0 0,0 0,0 1,0-1,0 1,1 0,-1-1,0 1,1 0,-1 0,1 1,-1-1,1 0,-1 1,1-1,0 1,-1 0,1 0,3 1,10 0,0 1,-1 0,25 8,-9-3,-5-2,1-2,0-1,-1-1,1-1,0-1,0-2,-1 0,0-2,0-1,0-1,0-1,47-24,-50 22,-16 8,0-1,1-1,-2 0,1 0,0 0,-1 0,0-1,0 0,9-10,14-16,52-45,-17 34,-50 34,0-1,0-1,20-16,-24 18,0 0,1 1,1 0,-1 1,1 0,0 1,0 1,0 0,1 0,13-1,39-14,-59 16,1 1,-1 0,1 0,0 1,-1 0,1 0,0 1,0 0,13 1,-16 0,0 0,0 0,0 1,0-1,0 1,0 0,-1 0,1 0,-1 1,1 0,-1-1,0 1,0 0,0 0,-1 0,1 1,2 3,6 11,-1 0,0 0,-2 1,0 0,-1 0,0 1,-2 0,-1 0,0 1,-1-1,-2 1,-1 40,2-30,9 61,-5-59,1 51,-7 937,-1-455,0-546,-1 0,-8 35,5-33,1-1,-1 26,4 670,3-349,-2 187,-1-533,-2 0,0-1,-2 0,-10 32,8-30,1 0,1 1,-3 32,-6 32,9-65,1 1,-1 26,6 427,0-458,1 1,9 36,-6-36,-2 2,3 25,-8 129,4 71,10-175,-7-52,-1 0,1 27,-6-4,-12 79,6-76,0 61,7-99,1-1,-2 0,1 0,-1 0,0 0,0 0,-1 0,-5 13,5-16,0-1,-1 0,0 0,0 0,0 0,0 0,0 0,0-1,-1 0,1 1,-1-1,0-1,1 1,-1 0,0-1,0 0,-4 1,-26 5,-1-2,1-1,-1-2,1-1,-49-5,-11 1,-6 1,-117 4,146 11,51-9,0 0,-28 1,-616-3,322-4,314 3,-1 3,1 0,-48 14,47-10,0-2,-1 0,-38 1,42-5,1 1,-27 7,-4 0,-104 23,80-14,36-8,28-6,-1-1,0-1,-19 2,-69 11,52-6,20-3,1 1,-39 16,49-15,-2-1,1-1,-1-1,0-1,-40 2,35-5,-46 9,47-6,-52 3,-662-9,722 0,0-2,-35-7,33 6,1 0,-26-1,30 5,-13-1,0 0,0-2,-32-8,33 6,-50-4,-25-4,70 8,-65-4,60 7,-43-8,43 5,0 1,-41 2,54 2,0 0,0-1,0-2,1-1,-1-1,-48-15,55 13,1 2,-2 0,-37-4,-7-1,-122-16,140 18,0 3,-1 2,1 2,-49 5,-12-1,-1004-3,1081 1,-60 12,59-8,-56 4,-866-10,922 2,-57 11,56-6,-55 2,-987-8,481-1,574 2,-1 1,-36 8,36-5,-1-1,-27 1,-634-3,331-4,302 2,10 1,-1-1,1-3,-69-12,74 10,0 1,0 1,0 2,-43 3,-69-2,74-13,53 9,-1 0,-28-1,-510 4,269 3,269-3,1-1,-37-9,35 6,0 1,-27-1,-31 5,44 1,0-2,1-1,-59-11,-38-15,90 21,-1 3,0 0,0 3,-52 5,-6-1,-66-1,-180-5,257-10,60 8,-55-3,-1345 9,1409-2,0-2,-35-7,33 6,1 0,-26-1,-669 3,347 5,-292-3,655 0,-1 0,1 0,0-1,0 0,0 0,0 0,0 0,0-1,0 0,1-1,-1 1,-7-5,1-4</inkml:trace>
+</inkml:ink>
+</file>
+
+<file path=ppt/ink/ink188.xml><?xml version="1.0" encoding="utf-8"?>
+<inkml:ink xmlns:inkml="http://www.w3.org/2003/InkML">
+  <inkml:definitions>
+    <inkml:context xml:id="ctx0">
+      <inkml:inkSource xml:id="inkSrc0">
+        <inkml:traceFormat>
+          <inkml:channel name="X" type="integer" min="-2.14748E9" max="2.14748E9" units="cm"/>
+          <inkml:channel name="Y" type="integer" min="-2.14748E9" max="2.14748E9" units="cm"/>
+        </inkml:traceFormat>
+        <inkml:channelProperties>
+          <inkml:channelProperty channel="X" name="resolution" value="1000" units="1/cm"/>
+          <inkml:channelProperty channel="Y" name="resolution" value="1000" units="1/cm"/>
+        </inkml:channelProperties>
+      </inkml:inkSource>
+      <inkml:timestamp xml:id="ts0" timeString="2025-06-03T12:18:09.233"/>
+    </inkml:context>
+    <inkml:brush xml:id="br0">
+      <inkml:brushProperty name="width" value="0.2" units="cm"/>
+      <inkml:brushProperty name="height" value="0.4" units="cm"/>
+      <inkml:brushProperty name="color" value="#FF8517"/>
+      <inkml:brushProperty name="tip" value="rectangle"/>
+      <inkml:brushProperty name="rasterOp" value="maskPen"/>
+      <inkml:brushProperty name="ignorePressure" value="1"/>
+    </inkml:brush>
+  </inkml:definitions>
+  <inkml:trace contextRef="#ctx0" brushRef="#br0">0 5691,'1'-1,"0"1,1-1,-1 1,0-1,0 1,0-1,0 0,0 0,0 1,0-1,0 0,0 0,0 0,-1 0,1 0,0 0,0 0,-1 0,1 0,-1-1,1 1,-1 0,0 0,1-1,-1 1,0 0,0-2,5-41,-4 39,1-87,-1 48,6-54,-4 83,0-1,1 0,1 1,0 0,1 0,1 0,8-14,-10 20,-2 0,1 0,-1-1,0 1,-1-1,0 1,-1-1,0 0,-1-12,9-49,23-83,-25 111,-3 0,-1 0,-2-1,-4-44,0-12,3 61,1 2,-1 0,-3 0,-11-61,9 62,0 1,2-1,2 0,5-48,-2 34,-5-59,0 87,-1 0,-1 0,-9-21,8 25,0-1,1 1,1-1,-2-36,8-79,-4-76,-11 139,9 52,0-1,-2-29,5-633,3 332,-2-127,1 463,1 0,0 0,1 0,1 1,0-1,9-20,10-35,-14 35,-2-1,-1 0,1-70,-8-532,-1 613,0 0,-2 1,-1-1,-9-27,7 26,1 1,1-1,-4-45,8 27,4-178,-3 218,1 0,-1 0,1 0,0 1,0-1,0 0,1 1,-1-1,0 1,1-1,0 1,-1 0,1 0,0 0,0 0,0 0,1 0,-1 0,0 1,1-1,-1 1,1 0,-1-1,1 1,0 0,0 1,-1-1,1 0,0 1,5-1,12-1,-1 2,1 0,31 4,-14-2,-16-1,1-2,-1 0,1-1,36-9,-32 6,0 1,0 2,42 1,-45 1</inkml:trace>
+</inkml:ink>
+</file>
+
+<file path=ppt/ink/ink189.xml><?xml version="1.0" encoding="utf-8"?>
+<inkml:ink xmlns:inkml="http://www.w3.org/2003/InkML">
+  <inkml:definitions>
+    <inkml:context xml:id="ctx0">
+      <inkml:inkSource xml:id="inkSrc0">
+        <inkml:traceFormat>
+          <inkml:channel name="X" type="integer" min="-2.14748E9" max="2.14748E9" units="cm"/>
+          <inkml:channel name="Y" type="integer" min="-2.14748E9" max="2.14748E9" units="cm"/>
+        </inkml:traceFormat>
+        <inkml:channelProperties>
+          <inkml:channelProperty channel="X" name="resolution" value="1000" units="1/cm"/>
+          <inkml:channelProperty channel="Y" name="resolution" value="1000" units="1/cm"/>
+        </inkml:channelProperties>
+      </inkml:inkSource>
+      <inkml:timestamp xml:id="ts0" timeString="2025-06-03T12:19:35.295"/>
+    </inkml:context>
+    <inkml:brush xml:id="br0">
+      <inkml:brushProperty name="width" value="0.2" units="cm"/>
+      <inkml:brushProperty name="height" value="0.4" units="cm"/>
+      <inkml:brushProperty name="color" value="#0069AF"/>
+      <inkml:brushProperty name="tip" value="rectangle"/>
+      <inkml:brushProperty name="rasterOp" value="maskPen"/>
+      <inkml:brushProperty name="ignorePressure" value="1"/>
+    </inkml:brush>
+  </inkml:definitions>
+  <inkml:trace contextRef="#ctx0" brushRef="#br0">0 88,'30'-2,"0"-1,30-6,-29 3,57-2,-44 7,7 2,-1-3,70-11,-64 6,0 2,107 5,-67 2,-76-1,0 1,35 8,-34-5,1-2,24 2,478-3,-253-4,-241 3,59 12,-58-8,57 4,758-10,-826 0,-1-1,37-9,-35 6,0 1,27-1,-23 5,0-2,-1 0,1-2,-1 0,0-2,32-11,-31 10,1 1,1 1,-1 2,1 1,0 0,-1 2,35 5,21-2,526-3,-586 0</inkml:trace>
+</inkml:ink>
+</file>
+
 <file path=ppt/ink/ink19.xml><?xml version="1.0" encoding="utf-8"?>
 <inkml:ink xmlns:inkml="http://www.w3.org/2003/InkML">
   <inkml:definitions>
@@ -3826,6 +4698,292 @@
     </inkml:brush>
   </inkml:definitions>
   <inkml:trace contextRef="#ctx0" brushRef="#br0">6220 118,'-35'0,"2"0,8 0,0 0,-6 0,1 0,-8 0,-8 0,-10 0,-13 0,-4 0,2 0,-3 0,-1 0,-5 0,-6 0,9 0,5 0,3 0,1 0,-6 0,0 0,2-3,1-1,5 1,1 0,7 2,0-2,3 0,0-3,-12-3,-4-1,-5-3,-1-1,6 3,3 1,0 3,12 1,11 0,5 3,7 0,1 3,-1 0,1 0,0 0,-4 0,-2 0,-5 0,-3 0,2 0,-2 0,-4 0,-6 0,-9 0,-6 0,-4 0,0 0,0 0,6 0,5 0,13 2,8 0,7 1,1-1,0 1,2 0,3 0,1 2,-3-2,0 0,-1 2,2-2,2 0,-3 0,-3-3,-6 0,-8 0,-3 0,0 0,1 0,4 0,7 0,3 0,5 0,2 0,-4 2,-1 0,-1 1,0 0,4-3,0 0,1 3,2 0,2 0,3-1,1-2,-5 0,-3 0,-6 3,-6 0,-4 0,-7 0,-1-3,-3 0,3 0,4 0,0 0,2 0,0 2,2 1,2 0,0-1,2 1,0 0,-2 1,4-1,-2 0,0 0,-2 0,-2-2,3-1,7 0,6 0,5 0,5 0,0 0,2 0,3 0,1 0,-1 0,-3 0,-1 0,-2 0,3 0,1 0,2 0,3 0,2 0,2 0,-1 2,23 22,-2-5,11 7,-10-13</inkml:trace>
+</inkml:ink>
+</file>
+
+<file path=ppt/ink/ink190.xml><?xml version="1.0" encoding="utf-8"?>
+<inkml:ink xmlns:inkml="http://www.w3.org/2003/InkML">
+  <inkml:definitions>
+    <inkml:context xml:id="ctx0">
+      <inkml:inkSource xml:id="inkSrc0">
+        <inkml:traceFormat>
+          <inkml:channel name="X" type="integer" min="-2.14748E9" max="2.14748E9" units="cm"/>
+          <inkml:channel name="Y" type="integer" min="-2.14748E9" max="2.14748E9" units="cm"/>
+        </inkml:traceFormat>
+        <inkml:channelProperties>
+          <inkml:channelProperty channel="X" name="resolution" value="1000" units="1/cm"/>
+          <inkml:channelProperty channel="Y" name="resolution" value="1000" units="1/cm"/>
+        </inkml:channelProperties>
+      </inkml:inkSource>
+      <inkml:timestamp xml:id="ts0" timeString="2025-06-03T12:19:49.163"/>
+    </inkml:context>
+    <inkml:brush xml:id="br0">
+      <inkml:brushProperty name="width" value="0.2" units="cm"/>
+      <inkml:brushProperty name="height" value="0.4" units="cm"/>
+      <inkml:brushProperty name="color" value="#FF8517"/>
+      <inkml:brushProperty name="tip" value="rectangle"/>
+      <inkml:brushProperty name="rasterOp" value="maskPen"/>
+      <inkml:brushProperty name="ignorePressure" value="1"/>
+    </inkml:brush>
+  </inkml:definitions>
+  <inkml:trace contextRef="#ctx0" brushRef="#br0">17309 4631,'716'0,"-702"1,0 1,0 0,0 1,0 0,-1 1,21 10,35 9,-65-22,0 0,0 1,-1-1,1 1,0 0,-1 0,1 0,-1 0,1 1,-1-1,0 1,0 0,0 0,0 0,-1 0,1 1,-1-1,0 1,2 4,2 6,-1 2,0-1,5 29,-8-32,0 0,1 0,1 0,0 0,0 0,11 18,-3-10,-1 0,-1 0,0 1,-2 0,0 1,-2 0,0 0,-1 0,2 31,-2 28,-6 106,-2-68,3-105,1 10,-2-1,0 1,-9 41,9-58,-2 0,1 0,-1-1,1 1,-2-1,1 1,-1-1,0 0,0 0,-1-1,0 1,0-1,0 0,0-1,-1 1,-11 6,5-5,0 0,0-1,-1 0,0-1,0-1,0 0,0 0,-19 0,-17-1,-48-5,14 0,-1108 3,1161 1,-59 12,58-8,-57 4,-573-10,640 2,1 1,-34 8,32-5,0-2,-24 2,-2-3,-84 12,81-4,7 0,-2-3,-82 4,98-10,0 2,-32 6,31-3,-55 2,45-6,-46 9,48-5,-58 1,57-8,-14 0,1 3,-92 13,94-8,1-3,-1-1,-70-6,-82 3,132 13,51-9,0 0,-28 1,-669-3,349-4,-346 2,693-1,1-2,-34-7,32 6,0 0,-24-1,-33 4,32 1,-1-1,-70-13,82 9,0 1,-36 2,39 1,0-1,-58-10,59 6,1 2,-57 0,65 4,-1-1,1-1,-1 0,1-2,0-1,-36-12,42 12,0 0,0 1,-1 1,1 1,-1 0,-35 2,28 0,1 0,-44-8,-74-10,19 3,86 11,0 1,-58 2,-26-1,48-11,54 8,0 2,-29-3,-75-7,82 7,-60-1,-455 8,536 0,-1 1,-33 8,32-5,0-2,-24 2,-32-4,45-2,-1 1,0 2,-63 12,56-7,0-2,-1-2,1-1,-56-6,0 2,-803 2,880 1,0 1,-35 8,33-5,1-2,-26 2,-670-3,349-4,-320 2,668-1,0-2,-35-7,33 6,1 0,-26-1,-173 7,-89-4,221-11,56 7,-60-2,65 7,0 0,1-2,-37-7,37 5,0 2,-51 0,50 3,0-1,-43-8,2-1,1 3,-1 2,-103 8,41 0,-2436-3,2546-1,0-2,-35-7,33 6,1 0,-26-1,-440 4,233 3,251-2,0 1,0-1,0 0,0 0,0 0,0-1,0 1,0 0,0-1,0 0,0 0,0 0,0 0,1 0,-1-1,0 1,1-1,-1 0,1 0,0 0,-1 0,1 0,0 0,0 0,0-1,1 1,-1-1,0 0,1 1,0-1,0 0,0 0,0 0,0 0,0 0,1 1,-1-2,1 1,0 0,1-6,0-152,2 53,-2 88,1 1,9-37,-6 35,-1 0,1-26,-7-96,4-58,23 67,-17 88,0-3,3-93,-11 93,-2-7,3 1,15-103,12 15,-22 106,-2-1,-1 0,-5-75,0 32,1 61,-1-1,-8-32,5 31,1 0,-1-24,5-21,1 35,-2 0,-1 0,-11-55,8 59,1 0,1 0,1-35,2 34,-1-1,-11-55,5 39,2 0,2-1,5-94,1 35,-3-582,2 657,10-58,-7 57,3-54,-6 62,0 1,10-37,-2 8,0-2,-4 26,-1 0,1-46,-8 32,-10-61,6 61,-2-63,9 42,1 24,-2-1,-2 1,-2 0,-8-43,5 41,2-1,1 1,3-1,5-54,-2-2,-3 13,3-93,-2 169,1-1,1 1,0 1,0-1,0 0,1 0,0 1,8-13,-9 17,0 1,1 0,-1 0,1 0,0 0,0 1,0-1,0 1,1 0,-1-1,1 2,-1-1,1 0,0 1,0-1,-1 1,1 0,0 1,0-1,0 1,4-1,153 4,-105 0,74-6,-59-10,-52 8,1 2,29-3,375 7,-415-1,1 0,0 1,-1 1,1 0,10 3,-3 1</inkml:trace>
+</inkml:ink>
+</file>
+
+<file path=ppt/ink/ink191.xml><?xml version="1.0" encoding="utf-8"?>
+<inkml:ink xmlns:inkml="http://www.w3.org/2003/InkML">
+  <inkml:definitions>
+    <inkml:context xml:id="ctx0">
+      <inkml:inkSource xml:id="inkSrc0">
+        <inkml:traceFormat>
+          <inkml:channel name="X" type="integer" min="-2.14748E9" max="2.14748E9" units="cm"/>
+          <inkml:channel name="Y" type="integer" min="-2.14748E9" max="2.14748E9" units="cm"/>
+          <inkml:channel name="F" type="integer" max="32767" units="dev"/>
+        </inkml:traceFormat>
+        <inkml:channelProperties>
+          <inkml:channelProperty channel="X" name="resolution" value="1000" units="1/cm"/>
+          <inkml:channelProperty channel="Y" name="resolution" value="1000" units="1/cm"/>
+          <inkml:channelProperty channel="F" name="resolution" value="0" units="1/dev"/>
+        </inkml:channelProperties>
+      </inkml:inkSource>
+      <inkml:timestamp xml:id="ts0" timeString="2025-06-03T12:25:50.446"/>
+    </inkml:context>
+    <inkml:brush xml:id="br0">
+      <inkml:brushProperty name="width" value="0.1" units="cm"/>
+      <inkml:brushProperty name="height" value="0.1" units="cm"/>
+      <inkml:brushProperty name="color" value="#E71224"/>
+    </inkml:brush>
+  </inkml:definitions>
+  <inkml:trace contextRef="#ctx0" brushRef="#br0">0 218 24575,'2'0'0,"0"1"0,0-1 0,-1 1 0,1 0 0,0 0 0,-1 0 0,1 0 0,0 0 0,-1 0 0,1 0 0,-1 1 0,0-1 0,1 0 0,-1 1 0,0-1 0,0 1 0,0 0 0,0-1 0,0 1 0,0 0 0,0-1 0,0 4 0,14 40 0,-11-18 0,0 0 0,-1 29 0,-3-29 0,2-1 0,8 38 0,-3-5 0,-6-43 0,1-1 0,1 1 0,4 17 0,-6-29 0,1 0 0,-1 0 0,1-1 0,0 1 0,0-1 0,0 1 0,0-1 0,1 0 0,-1 1 0,1-1 0,0 0 0,0-1 0,0 1 0,0 0 0,0-1 0,7 4 0,4 0 0,1 0 0,-1-1 0,1-1 0,0 0 0,1-1 0,-1 0 0,17 0 0,114-5 0,-61 0 0,37 4 0,126-5 0,-225-1 0,0-1 0,0-1 0,0-1 0,-1 0 0,0-2 0,-1-1 0,1-1 0,28-19 0,-43 23 0,0 0 0,0 0 0,0-1 0,-1 1 0,0-1 0,-1-1 0,0 1 0,0-1 0,-1 0 0,7-18 0,-6 13 0,2 0 0,0 1 0,14-21 0,-1 4 0,-1 0 0,-2-1 0,16-40 0,15-27 0,-40 81 27,-1 0 0,0 0-1,-2-1 1,6-26 0,14-44-1526,-18 72-5327</inkml:trace>
+</inkml:ink>
+</file>
+
+<file path=ppt/ink/ink192.xml><?xml version="1.0" encoding="utf-8"?>
+<inkml:ink xmlns:inkml="http://www.w3.org/2003/InkML">
+  <inkml:definitions>
+    <inkml:context xml:id="ctx0">
+      <inkml:inkSource xml:id="inkSrc0">
+        <inkml:traceFormat>
+          <inkml:channel name="X" type="integer" min="-2.14748E9" max="2.14748E9" units="cm"/>
+          <inkml:channel name="Y" type="integer" min="-2.14748E9" max="2.14748E9" units="cm"/>
+          <inkml:channel name="F" type="integer" max="32767" units="dev"/>
+        </inkml:traceFormat>
+        <inkml:channelProperties>
+          <inkml:channelProperty channel="X" name="resolution" value="1000" units="1/cm"/>
+          <inkml:channelProperty channel="Y" name="resolution" value="1000" units="1/cm"/>
+          <inkml:channelProperty channel="F" name="resolution" value="0" units="1/dev"/>
+        </inkml:channelProperties>
+      </inkml:inkSource>
+      <inkml:timestamp xml:id="ts0" timeString="2025-06-03T12:25:58.890"/>
+    </inkml:context>
+    <inkml:brush xml:id="br0">
+      <inkml:brushProperty name="width" value="0.1" units="cm"/>
+      <inkml:brushProperty name="height" value="0.1" units="cm"/>
+      <inkml:brushProperty name="color" value="#E71224"/>
+    </inkml:brush>
+  </inkml:definitions>
+  <inkml:trace contextRef="#ctx0" brushRef="#br0">0 2 24575,'8'-1'0,"0"1"0,0 0 0,0 0 0,0 1 0,0 0 0,0 0 0,0 1 0,-1 0 0,1 1 0,-1 0 0,1 0 0,-1 0 0,0 1 0,0 0 0,0 0 0,11 10 0,87 68 0,-86-66 0,1-1 0,33 19 0,-32-21 0,0 0 0,31 28 0,-44-35 0,0 0 0,0-1 0,1 0 0,-1 0 0,1-1 0,0 0 0,1-1 0,-1 0 0,0 0 0,13 1 0,7 1 0,0-2 0,35 1 0,-53-4 0,40 1 0,67-8 0,-100 5 0,-1-1 0,0-1 0,0-1 0,0 0 0,-1-1 0,0-1 0,25-15 0,-9 4 0,-12 7 0,-1 0 0,0-1 0,-1-1 0,0 0 0,-1-2 0,0 0 0,20-25 0,-34 34-124,0 0 0,0 0 0,0 0 0,-1-1 0,0 1 0,0-1-1,-1 0 1,0 0 0,0 1 0,-1-13 0,1-3-6702</inkml:trace>
+</inkml:ink>
+</file>
+
+<file path=ppt/ink/ink193.xml><?xml version="1.0" encoding="utf-8"?>
+<inkml:ink xmlns:inkml="http://www.w3.org/2003/InkML">
+  <inkml:definitions>
+    <inkml:context xml:id="ctx0">
+      <inkml:inkSource xml:id="inkSrc0">
+        <inkml:traceFormat>
+          <inkml:channel name="X" type="integer" min="-2.14748E9" max="2.14748E9" units="cm"/>
+          <inkml:channel name="Y" type="integer" min="-2.14748E9" max="2.14748E9" units="cm"/>
+          <inkml:channel name="F" type="integer" max="32767" units="dev"/>
+        </inkml:traceFormat>
+        <inkml:channelProperties>
+          <inkml:channelProperty channel="X" name="resolution" value="1000" units="1/cm"/>
+          <inkml:channelProperty channel="Y" name="resolution" value="1000" units="1/cm"/>
+          <inkml:channelProperty channel="F" name="resolution" value="0" units="1/dev"/>
+        </inkml:channelProperties>
+      </inkml:inkSource>
+      <inkml:timestamp xml:id="ts0" timeString="2025-06-03T12:26:18.445"/>
+    </inkml:context>
+    <inkml:brush xml:id="br0">
+      <inkml:brushProperty name="width" value="0.1" units="cm"/>
+      <inkml:brushProperty name="height" value="0.1" units="cm"/>
+      <inkml:brushProperty name="color" value="#E71224"/>
+    </inkml:brush>
+  </inkml:definitions>
+  <inkml:trace contextRef="#ctx0" brushRef="#br0">1298 847 24575,'-1'-8'0,"-1"0"0,-1 0 0,1 0 0,-1 0 0,-1 1 0,1-1 0,-1 1 0,0 0 0,-9-10 0,-9-20 0,16 26 0,-1-1 0,-1 1 0,0 1 0,-1-1 0,-11-9 0,10 10 0,1-1 0,0 1 0,0-1 0,-12-23 0,13 22 0,-1 0 0,0 0 0,-1 1 0,0 0 0,-12-9 0,2 1 0,16 15 0,0 1 0,-1 0 0,0 0 0,1 0 0,-1 1 0,0-1 0,0 1 0,0 0 0,-1 1 0,1-1 0,0 1 0,-1 0 0,-8 0 0,-80 2 0,55 2 0,-465-2 0,482-3 0,1-1 0,-1-1 0,1-1 0,-1 0 0,2-2 0,-1 0 0,1-2 0,0 0 0,1-1 0,-28-19 0,43 25 0,-1-1 0,1 0 0,-1 0 0,1-1 0,1 1 0,-1-1 0,1 1 0,0-1 0,0-1 0,1 1 0,0 0 0,0 0 0,0-1 0,-1-7 0,-1-13 0,0 0 0,0-28 0,3 46 0,1 0 0,0-1 0,0 1 0,1 0 0,0 0 0,1 0 0,5-15 0,-6 21 0,1 0 0,-1 0 0,1 1 0,0-1 0,0 0 0,0 1 0,0-1 0,0 1 0,1 0 0,-1-1 0,1 1 0,0 0 0,-1 1 0,1-1 0,0 0 0,0 1 0,0 0 0,0-1 0,1 1 0,-1 1 0,0-1 0,0 0 0,1 1 0,3-1 0,22 0 0,48 3 0,-58-1 0,1 0 0,0-1 0,-1 0 0,1-2 0,33-7 0,12-5-1365,-44 12-5461</inkml:trace>
+</inkml:ink>
+</file>
+
+<file path=ppt/ink/ink194.xml><?xml version="1.0" encoding="utf-8"?>
+<inkml:ink xmlns:inkml="http://www.w3.org/2003/InkML">
+  <inkml:definitions>
+    <inkml:context xml:id="ctx0">
+      <inkml:inkSource xml:id="inkSrc0">
+        <inkml:traceFormat>
+          <inkml:channel name="X" type="integer" min="-2.14748E9" max="2.14748E9" units="cm"/>
+          <inkml:channel name="Y" type="integer" min="-2.14748E9" max="2.14748E9" units="cm"/>
+        </inkml:traceFormat>
+        <inkml:channelProperties>
+          <inkml:channelProperty channel="X" name="resolution" value="1000" units="1/cm"/>
+          <inkml:channelProperty channel="Y" name="resolution" value="1000" units="1/cm"/>
+        </inkml:channelProperties>
+      </inkml:inkSource>
+      <inkml:timestamp xml:id="ts0" timeString="2025-06-03T12:26:40.407"/>
+    </inkml:context>
+    <inkml:brush xml:id="br0">
+      <inkml:brushProperty name="width" value="0.1" units="cm"/>
+      <inkml:brushProperty name="height" value="0.2" units="cm"/>
+      <inkml:brushProperty name="color" value="#FF40FF"/>
+      <inkml:brushProperty name="tip" value="rectangle"/>
+      <inkml:brushProperty name="rasterOp" value="maskPen"/>
+      <inkml:brushProperty name="ignorePressure" value="1"/>
+    </inkml:brush>
+  </inkml:definitions>
+  <inkml:trace contextRef="#ctx0" brushRef="#br0">0 1,'13'2,"0"0,-1 1,1 1,-1 0,1 1,-1 0,-1 1,19 12,9 3,-18-9,0 2,-1 0,-1 1,-1 1,0 1,23 27,-25-25,0-1,2-1,0-1,1-1,0 0,34 19,-28-24,-1 0,2-1,-1-2,1 0,52 5,135-6,-161-6,-46 0,0-1,0 1,-1-1,1 0,0-1,0 1,-1-1,1-1,-1 1,1 0,-1-1,0 0,0-1,0 1,-1-1,1 0,-1 0,0 0,0-1,0 1,-1-1,1 0,-1 0,4-9,-1 0,0-1,-1 0,-1 0,0 0,-1-1,0 0,-2 1,1-21,2-16,1 29</inkml:trace>
+</inkml:ink>
+</file>
+
+<file path=ppt/ink/ink195.xml><?xml version="1.0" encoding="utf-8"?>
+<inkml:ink xmlns:inkml="http://www.w3.org/2003/InkML">
+  <inkml:definitions>
+    <inkml:context xml:id="ctx0">
+      <inkml:inkSource xml:id="inkSrc0">
+        <inkml:traceFormat>
+          <inkml:channel name="X" type="integer" min="-2.14748E9" max="2.14748E9" units="cm"/>
+          <inkml:channel name="Y" type="integer" min="-2.14748E9" max="2.14748E9" units="cm"/>
+        </inkml:traceFormat>
+        <inkml:channelProperties>
+          <inkml:channelProperty channel="X" name="resolution" value="1000" units="1/cm"/>
+          <inkml:channelProperty channel="Y" name="resolution" value="1000" units="1/cm"/>
+        </inkml:channelProperties>
+      </inkml:inkSource>
+      <inkml:timestamp xml:id="ts0" timeString="2025-06-03T12:26:54.410"/>
+    </inkml:context>
+    <inkml:brush xml:id="br0">
+      <inkml:brushProperty name="width" value="0.2" units="cm"/>
+      <inkml:brushProperty name="height" value="0.4" units="cm"/>
+      <inkml:brushProperty name="color" value="#FF40FF"/>
+      <inkml:brushProperty name="tip" value="rectangle"/>
+      <inkml:brushProperty name="rasterOp" value="maskPen"/>
+      <inkml:brushProperty name="ignorePressure" value="1"/>
+    </inkml:brush>
+  </inkml:definitions>
+  <inkml:trace contextRef="#ctx0" brushRef="#br0">1407 792,'0'-2,"-1"1,1 0,-1 0,0 0,1 0,-1-1,0 1,0 0,0 0,0 0,0 1,0-1,0 0,0 0,0 0,0 1,0-1,-1 1,1-1,-2 0,-33-13,27 11,-3-3,0 0,0-1,1 0,0-1,-19-17,20 16,0 0,-1 1,0 0,0 1,0 0,-14-5,-57-38,-92-15,124 44,42 17,-1-1,-1 2,1-1,0 1,-1 1,0-1,-12 0,-83-13,51 6,-4-2,37 7,0 1,-37-2,40 4,0 0,1-2,0 1,0-2,-18-7,-54-14,73 24,0-1,1 0,-1-1,1-1,0-1,0 0,1-1,0 0,0-1,-23-19,32 23,0 0,1 0,0-1,0 0,0 0,0 0,1 0,-1 0,1-1,1 0,-1 1,1-1,0 0,0 0,1 0,0-1,0 1,0 0,1 0,0-1,0 1,1 0,-1 0,1-1,1 1,-1 0,1 0,0 0,1 0,-1 1,6-10,-3 7,1-1,0 2,0-1,0 1,10-9,-11 13,-1 0,0 1,0-1,1 1,0 0,-1 1,1-1,0 1,0 0,0 0,0 1,7-1,37-1,-22 2,-1-2,44-7,-49 4,-2 2</inkml:trace>
+</inkml:ink>
+</file>
+
+<file path=ppt/ink/ink196.xml><?xml version="1.0" encoding="utf-8"?>
+<inkml:ink xmlns:inkml="http://www.w3.org/2003/InkML">
+  <inkml:definitions>
+    <inkml:context xml:id="ctx0">
+      <inkml:inkSource xml:id="inkSrc0">
+        <inkml:traceFormat>
+          <inkml:channel name="X" type="integer" min="-2.14748E9" max="2.14748E9" units="cm"/>
+          <inkml:channel name="Y" type="integer" min="-2.14748E9" max="2.14748E9" units="cm"/>
+        </inkml:traceFormat>
+        <inkml:channelProperties>
+          <inkml:channelProperty channel="X" name="resolution" value="1000" units="1/cm"/>
+          <inkml:channelProperty channel="Y" name="resolution" value="1000" units="1/cm"/>
+        </inkml:channelProperties>
+      </inkml:inkSource>
+      <inkml:timestamp xml:id="ts0" timeString="2025-06-03T12:26:57.501"/>
+    </inkml:context>
+    <inkml:brush xml:id="br0">
+      <inkml:brushProperty name="width" value="0.2" units="cm"/>
+      <inkml:brushProperty name="height" value="0.4" units="cm"/>
+      <inkml:brushProperty name="color" value="#FF40FF"/>
+      <inkml:brushProperty name="tip" value="rectangle"/>
+      <inkml:brushProperty name="rasterOp" value="maskPen"/>
+      <inkml:brushProperty name="ignorePressure" value="1"/>
+    </inkml:brush>
+  </inkml:definitions>
+  <inkml:trace contextRef="#ctx0" brushRef="#br0">0 1,'5'1,"0"0,-1 0,1 1,-1 0,1 0,-1 0,0 1,7 4,10 6,2 0,-1 0,0 2,34 31,-33-26,1-2,38 24,-33-29,1 0,1-2,-1-2,44 9,58 18,-113-30,-1-2,1 0,-1-1,1-1,24 0,95-8,-123 4,-1-1,0-1,0 0,-1-1,1-1,-1 0,0 0,-1-1,1-1,-2 0,1-1,-1 0,0-1,-1 0,0-1,15-21,1 0,-21 26,-1 1,1-1,-1 1,0-1,0 0,-1-1,0 1,0-1,2-7,2-5,-1 4</inkml:trace>
+</inkml:ink>
+</file>
+
+<file path=ppt/ink/ink197.xml><?xml version="1.0" encoding="utf-8"?>
+<inkml:ink xmlns:inkml="http://www.w3.org/2003/InkML">
+  <inkml:definitions>
+    <inkml:context xml:id="ctx0">
+      <inkml:inkSource xml:id="inkSrc0">
+        <inkml:traceFormat>
+          <inkml:channel name="X" type="integer" min="-2.14748E9" max="2.14748E9" units="cm"/>
+          <inkml:channel name="Y" type="integer" min="-2.14748E9" max="2.14748E9" units="cm"/>
+        </inkml:traceFormat>
+        <inkml:channelProperties>
+          <inkml:channelProperty channel="X" name="resolution" value="1000" units="1/cm"/>
+          <inkml:channelProperty channel="Y" name="resolution" value="1000" units="1/cm"/>
+        </inkml:channelProperties>
+      </inkml:inkSource>
+      <inkml:timestamp xml:id="ts0" timeString="2025-06-03T12:27:09.141"/>
+    </inkml:context>
+    <inkml:brush xml:id="br0">
+      <inkml:brushProperty name="width" value="0.2" units="cm"/>
+      <inkml:brushProperty name="height" value="0.4" units="cm"/>
+      <inkml:brushProperty name="color" value="#FF40FF"/>
+      <inkml:brushProperty name="tip" value="rectangle"/>
+      <inkml:brushProperty name="rasterOp" value="maskPen"/>
+      <inkml:brushProperty name="ignorePressure" value="1"/>
+    </inkml:brush>
+  </inkml:definitions>
+  <inkml:trace contextRef="#ctx0" brushRef="#br0">0 109,'56'-21,"48"11,-76 9,1-1,31-7,-40 5,1 2,0 0,28 2,-29 1,0-1,0-2,31-5,0-14,-43 16,-1 2,0-1,1 1,0 0,0 1,8-2,14 1,53 2,-68 1,9 1</inkml:trace>
+</inkml:ink>
+</file>
+
+<file path=ppt/ink/ink198.xml><?xml version="1.0" encoding="utf-8"?>
+<inkml:ink xmlns:inkml="http://www.w3.org/2003/InkML">
+  <inkml:definitions>
+    <inkml:context xml:id="ctx0">
+      <inkml:inkSource xml:id="inkSrc0">
+        <inkml:traceFormat>
+          <inkml:channel name="X" type="integer" min="-2.14748E9" max="2.14748E9" units="cm"/>
+          <inkml:channel name="Y" type="integer" min="-2.14748E9" max="2.14748E9" units="cm"/>
+          <inkml:channel name="F" type="integer" max="32767" units="dev"/>
+        </inkml:traceFormat>
+        <inkml:channelProperties>
+          <inkml:channelProperty channel="X" name="resolution" value="1000" units="1/cm"/>
+          <inkml:channelProperty channel="Y" name="resolution" value="1000" units="1/cm"/>
+          <inkml:channelProperty channel="F" name="resolution" value="0" units="1/dev"/>
+        </inkml:channelProperties>
+      </inkml:inkSource>
+      <inkml:timestamp xml:id="ts0" timeString="2025-06-03T12:27:31.088"/>
+    </inkml:context>
+    <inkml:brush xml:id="br0">
+      <inkml:brushProperty name="width" value="0.1" units="cm"/>
+      <inkml:brushProperty name="height" value="0.1" units="cm"/>
+      <inkml:brushProperty name="color" value="#5B2D90"/>
+    </inkml:brush>
+  </inkml:definitions>
+  <inkml:trace contextRef="#ctx0" brushRef="#br0">2403 7862 24575,'68'1'0,"76"-3"0,-141 2 0,-1-1 0,1 0 0,0 1 0,0-1 0,0 0 0,-1 0 0,1-1 0,-1 1 0,1 0 0,-1-1 0,1 0 0,-1 1 0,0-1 0,0 0 0,0 0 0,0 0 0,0-1 0,0 1 0,0 0 0,-1-1 0,1 1 0,-1-1 0,0 0 0,0 1 0,0-1 0,0 0 0,0 0 0,-1 1 0,1-1 0,0-6 0,0-10 0,0 0 0,-1 0 0,-4-34 0,1 16 0,4-127 0,-4-69 0,-22 100 0,-29-104 0,27 104 0,18 87 0,6 33 0,0 0 0,1-1 0,0 1 0,1-23 0,1 31 0,1 0 0,0 0 0,0 0 0,0 1 0,0-1 0,1 0 0,0 1 0,0-1 0,0 1 0,1 0 0,-1 0 0,1 0 0,0 0 0,0 0 0,1 0 0,-1 1 0,5-4 0,29-28 0,-2-2 0,39-50 0,18-21 0,-77 90 0,0-1 0,22-37 0,-25 35 0,1 1 0,27-31 0,66-81 0,-94 118 0,0 0 0,-1-1 0,-1 0 0,0-1 0,-1 1 0,8-21 0,-2-1 0,18-69 0,-7-53 0,0-27 0,-18 139 0,-3-2 0,-2 1 0,-6-87 0,0 27 0,3-1294 0,0 1390 0,-1-1 0,0 1 0,-1 0 0,0 0 0,-1 0 0,0 0 0,-1 0 0,0 1 0,-1-1 0,0 1 0,-1 0 0,0 1 0,-1-1 0,0 1 0,-9-9 0,-16-21 0,26 32 0,0-1 0,-1 2 0,0-1 0,0 1 0,-15-13 0,-3 4 0,-1 0 0,0 2 0,-1 0 0,0 2 0,-1 1 0,-29-7 0,29 10 0,-1 1 0,0 1 0,0 2 0,-1 1 0,-32 0 0,46 2 0,0 0 0,0-2 0,0 0 0,0-1 0,1 0 0,0-2 0,-29-13 0,-25-8 0,-15 2 0,50 17 0,1-3 0,0-1 0,-47-23 0,39 13 0,12 7 0,1-1 0,-49-37 0,49 33 0,0 0 0,-49-25 0,-4-1 0,72 41 0,-1-1 0,1 0 0,0-1 0,1 0 0,-1 0 0,1-1 0,1 0 0,-1 0 0,2-1 0,-1 0 0,-8-16 0,1 1 0,1 0 0,1-1 0,2-1 0,0 0 0,-8-36 0,-61-254 0,68 269 0,6 28 0,1 1 0,-3-33 0,-7-36 0,9 64 0,1-1 0,-1-25 0,4 25 0,-10-44 0,6 44 0,-4-46 0,8 46 0,-10-44 0,6 45 0,-4-47 0,9 55 0,0-16 0,-2 1 0,-1 0 0,-7-34 0,2 19 0,3 0 0,2 0 0,1 0 0,6-55 0,-1-6 0,0 30 0,-1 47 0,-1-1 0,-1 1 0,-2 0 0,-7-38 0,8 62 0,-1 0 0,1 0 0,-2 0 0,1 0 0,0 0 0,-1 0 0,0 1 0,0 0 0,0-1 0,-1 1 0,1 0 0,-1 0 0,0 1 0,-7-6 0,-4-1 0,-1 2 0,0-1 0,-18-6 0,18 9 0,1-1 0,0-1 0,-22-14 0,23 12 0,-1 1 0,-30-14 0,-2 0 0,19 8 0,-28-18 0,-17-14 0,50 34 0,-40-32 0,53 38 0,-1 1 0,1 0 0,-1 1 0,0 0 0,0 1 0,-22-6 0,-21-8 0,-49-27 0,71 30 0,0 2 0,0 1 0,-1 2 0,-1 1 0,0 1 0,0 2 0,-36-1 0,54 4 0,1 0 0,0-1 0,-28-12 0,30 11 0,0 0 0,0 1 0,-1 0 0,1 1 0,-19-2 0,-19 4-1365,28 1-5461</inkml:trace>
+</inkml:ink>
+</file>
+
+<file path=ppt/ink/ink199.xml><?xml version="1.0" encoding="utf-8"?>
+<inkml:ink xmlns:inkml="http://www.w3.org/2003/InkML">
+  <inkml:definitions>
+    <inkml:context xml:id="ctx0">
+      <inkml:inkSource xml:id="inkSrc0">
+        <inkml:traceFormat>
+          <inkml:channel name="X" type="integer" min="-2.14748E9" max="2.14748E9" units="cm"/>
+          <inkml:channel name="Y" type="integer" min="-2.14748E9" max="2.14748E9" units="cm"/>
+        </inkml:traceFormat>
+        <inkml:channelProperties>
+          <inkml:channelProperty channel="X" name="resolution" value="1000" units="1/cm"/>
+          <inkml:channelProperty channel="Y" name="resolution" value="1000" units="1/cm"/>
+        </inkml:channelProperties>
+      </inkml:inkSource>
+      <inkml:timestamp xml:id="ts0" timeString="2025-06-03T12:27:44.540"/>
+    </inkml:context>
+    <inkml:brush xml:id="br0">
+      <inkml:brushProperty name="width" value="0.2" units="cm"/>
+      <inkml:brushProperty name="height" value="0.4" units="cm"/>
+      <inkml:brushProperty name="color" value="#FF40FF"/>
+      <inkml:brushProperty name="tip" value="rectangle"/>
+      <inkml:brushProperty name="rasterOp" value="maskPen"/>
+      <inkml:brushProperty name="ignorePressure" value="1"/>
+    </inkml:brush>
+  </inkml:definitions>
+  <inkml:trace contextRef="#ctx0" brushRef="#br0">0 2,'19'-1,"-1"0,1 2,0 1,-1 0,1 1,-1 1,0 0,0 2,0 0,-1 1,23 12,-28-12,1-1,0-1,1 0,20 4,-22-6,-1 0,1 0,-1 1,0 0,0 1,-1 1,15 9,8 8,2-2,46 23,23 12,28 24,-9-18,66 61,-183-117,1-1,-1 1,0 1,-1-1,1 1,-1 0,-1 0,1 0,-1 1,-1 0,5 13,1 7,-2 1,3 32,-6-36,0 0,17 48,-8-39,-4-10,0-1,15 25,-18-35,0 0,-1 1,-1 0,0 0,3 27,0-3,-1 8,-1 1,-3 0,-4 74,-1-20,2-81,-1 0,-8 35,5-34,1 1,-1 24,4 425,3-227,-2-233,1 0,0 0,1-1,0 1,0-1,1 1,1-1,0 0,0 0,1-1,0 1,1-1,0 0,0-1,1 1,0-1,0 0,17 12,19 26,-38-39,0 0,1 0,0-1,0 0,1 0,-1-1,1 1,9 4,43 19,-18-9,0 2,71 50,-103-66,1 0,0-1,0 0,0-1,0 0,1 0,0-1,17 2,-16-3,0 1,0 0,-1 1,1 0,-1 1,22 11,-15-3,1-1,1 0,0-2,0 0,1-2,41 12,-49-17,1 1,-1 1,-1 0,1 1,-1 1,0 0,0 0,20 18,-11-10,44 20,-26-15,3 0,-32-16,0 0,0 1,0 1,0 0,-1 0,9 8,-9-7,0-1,0 0,0 0,1-1,-1-1,19 7,-15-7,-2 1,1 1,0-1,14 12,-11-7,1-1,0 0,0-1,27 8,-26-10,-1 1,1 1,-1 0,24 16,37 28,-47-33,34 28,-55-40,0 1,-1 1,0-1,-1 1,0 1,0-1,10 21,-5-5,-1 1,-1 0,-2 1,0 0,-1 0,-2 1,-1-1,-1 1,-2 31,-1-36,1 0,-1 1,-1 0,-1-1,-1 1,-2-1,0 0,-10 28,12-44,-18 42,2 0,-15 61,25-67,-3 0,-28 72,35-102,1-1,0 1,1 0,0 0,1 0,0 19,4 86,1-45,-1 23,-5 125,-10-150,9-52,0 1,-2 29,6 6,0-23,-1-1,-2 1,-8 41,1-16,9-44,-1 0,0-1,-1 1,-1-1,0 0,-1 0,-6 13,-18 48,24-58,0-1,0 0,-1-1,-11 18,-106 148,104-156,-1-1,0 0,-26 19,24-22,1 2,0 0,-18 26,-10 35,42-72,1-1,0 1,0 0,1 0,0 1,1 0,0-1,-3 17,-2 11,2 1,1-1,0 58,5 2,4 96,3-153,22 74,-14-60,18 78,-22-77,-4-27,-1 1,0 40,-5-65,2 16,-2 0,-1 0,0 0,-1 0,-2 0,0 0,-1-1,-15 39,8-33,8-15,-1 0,-1 0,0-1,-13 18,15-24,0 0,0-1,0 0,0 1,0-1,-1-1,0 1,1-1,-1 1,0-1,0-1,0 1,-1-1,-7 1,-56 8,52-5</inkml:trace>
 </inkml:ink>
 </file>
 
@@ -6441,7 +7599,7 @@
           <a:p>
             <a:fld id="{B69F3855-FAAB-644B-8ADA-70CE7E74BA7E}" type="datetimeFigureOut">
               <a:rPr lang="en-US" smtClean="0"/>
-              <a:t>6/2/2025</a:t>
+              <a:t>6/3/2025</a:t>
             </a:fld>
             <a:endParaRPr lang="en-US"/>
           </a:p>
@@ -6639,7 +7797,7 @@
           <a:p>
             <a:fld id="{B69F3855-FAAB-644B-8ADA-70CE7E74BA7E}" type="datetimeFigureOut">
               <a:rPr lang="en-US" smtClean="0"/>
-              <a:t>6/2/2025</a:t>
+              <a:t>6/3/2025</a:t>
             </a:fld>
             <a:endParaRPr lang="en-US"/>
           </a:p>
@@ -6847,7 +8005,7 @@
           <a:p>
             <a:fld id="{B69F3855-FAAB-644B-8ADA-70CE7E74BA7E}" type="datetimeFigureOut">
               <a:rPr lang="en-US" smtClean="0"/>
-              <a:t>6/2/2025</a:t>
+              <a:t>6/3/2025</a:t>
             </a:fld>
             <a:endParaRPr lang="en-US"/>
           </a:p>
@@ -7045,7 +8203,7 @@
           <a:p>
             <a:fld id="{B69F3855-FAAB-644B-8ADA-70CE7E74BA7E}" type="datetimeFigureOut">
               <a:rPr lang="en-US" smtClean="0"/>
-              <a:t>6/2/2025</a:t>
+              <a:t>6/3/2025</a:t>
             </a:fld>
             <a:endParaRPr lang="en-US"/>
           </a:p>
@@ -7320,7 +8478,7 @@
           <a:p>
             <a:fld id="{B69F3855-FAAB-644B-8ADA-70CE7E74BA7E}" type="datetimeFigureOut">
               <a:rPr lang="en-US" smtClean="0"/>
-              <a:t>6/2/2025</a:t>
+              <a:t>6/3/2025</a:t>
             </a:fld>
             <a:endParaRPr lang="en-US"/>
           </a:p>
@@ -7585,7 +8743,7 @@
           <a:p>
             <a:fld id="{B69F3855-FAAB-644B-8ADA-70CE7E74BA7E}" type="datetimeFigureOut">
               <a:rPr lang="en-US" smtClean="0"/>
-              <a:t>6/2/2025</a:t>
+              <a:t>6/3/2025</a:t>
             </a:fld>
             <a:endParaRPr lang="en-US"/>
           </a:p>
@@ -7997,7 +9155,7 @@
           <a:p>
             <a:fld id="{B69F3855-FAAB-644B-8ADA-70CE7E74BA7E}" type="datetimeFigureOut">
               <a:rPr lang="en-US" smtClean="0"/>
-              <a:t>6/2/2025</a:t>
+              <a:t>6/3/2025</a:t>
             </a:fld>
             <a:endParaRPr lang="en-US"/>
           </a:p>
@@ -8138,7 +9296,7 @@
           <a:p>
             <a:fld id="{B69F3855-FAAB-644B-8ADA-70CE7E74BA7E}" type="datetimeFigureOut">
               <a:rPr lang="en-US" smtClean="0"/>
-              <a:t>6/2/2025</a:t>
+              <a:t>6/3/2025</a:t>
             </a:fld>
             <a:endParaRPr lang="en-US"/>
           </a:p>
@@ -8251,7 +9409,7 @@
           <a:p>
             <a:fld id="{B69F3855-FAAB-644B-8ADA-70CE7E74BA7E}" type="datetimeFigureOut">
               <a:rPr lang="en-US" smtClean="0"/>
-              <a:t>6/2/2025</a:t>
+              <a:t>6/3/2025</a:t>
             </a:fld>
             <a:endParaRPr lang="en-US"/>
           </a:p>
@@ -8562,7 +9720,7 @@
           <a:p>
             <a:fld id="{B69F3855-FAAB-644B-8ADA-70CE7E74BA7E}" type="datetimeFigureOut">
               <a:rPr lang="en-US" smtClean="0"/>
-              <a:t>6/2/2025</a:t>
+              <a:t>6/3/2025</a:t>
             </a:fld>
             <a:endParaRPr lang="en-US"/>
           </a:p>
@@ -8850,7 +10008,7 @@
           <a:p>
             <a:fld id="{B69F3855-FAAB-644B-8ADA-70CE7E74BA7E}" type="datetimeFigureOut">
               <a:rPr lang="en-US" smtClean="0"/>
-              <a:t>6/2/2025</a:t>
+              <a:t>6/3/2025</a:t>
             </a:fld>
             <a:endParaRPr lang="en-US"/>
           </a:p>
@@ -9091,7 +10249,7 @@
           <a:p>
             <a:fld id="{B69F3855-FAAB-644B-8ADA-70CE7E74BA7E}" type="datetimeFigureOut">
               <a:rPr lang="en-US" smtClean="0"/>
-              <a:t>6/2/2025</a:t>
+              <a:t>6/3/2025</a:t>
             </a:fld>
             <a:endParaRPr lang="en-US"/>
           </a:p>
@@ -10291,8 +11449,8 @@
           </a:p>
         </p:txBody>
       </p:sp>
-      <mc:AlternateContent xmlns:mc="http://schemas.openxmlformats.org/markup-compatibility/2006">
-        <mc:Choice xmlns:p14="http://schemas.microsoft.com/office/powerpoint/2010/main" Requires="p14">
+      <mc:AlternateContent xmlns:mc="http://schemas.openxmlformats.org/markup-compatibility/2006" xmlns:p14="http://schemas.microsoft.com/office/powerpoint/2010/main">
+        <mc:Choice Requires="p14">
           <p:contentPart p14:bwMode="auto" r:id="rId12">
             <p14:nvContentPartPr>
               <p14:cNvPr id="4" name="Ink 3">
@@ -10311,7 +11469,7 @@
             </p14:xfrm>
           </p:contentPart>
         </mc:Choice>
-        <mc:Fallback>
+        <mc:Fallback xmlns="">
           <p:pic>
             <p:nvPicPr>
               <p:cNvPr id="4" name="Ink 3">
@@ -19907,8 +21065,8 @@
         </p:blipFill>
         <p:spPr>
           <a:xfrm>
-            <a:off x="-147810" y="5376815"/>
-            <a:ext cx="3003052" cy="1310423"/>
+            <a:off x="124378" y="5433120"/>
+            <a:ext cx="2621852" cy="1144081"/>
           </a:xfrm>
           <a:prstGeom prst="rect">
             <a:avLst/>
@@ -22521,8 +23679,8 @@
           <a:chExt cx="0" cy="0"/>
         </a:xfrm>
       </p:grpSpPr>
-      <mc:AlternateContent xmlns:mc="http://schemas.openxmlformats.org/markup-compatibility/2006">
-        <mc:Choice xmlns:p14="http://schemas.microsoft.com/office/powerpoint/2010/main" Requires="p14">
+      <mc:AlternateContent xmlns:mc="http://schemas.openxmlformats.org/markup-compatibility/2006" xmlns:p14="http://schemas.microsoft.com/office/powerpoint/2010/main">
+        <mc:Choice Requires="p14">
           <p:contentPart p14:bwMode="auto" r:id="rId2">
             <p14:nvContentPartPr>
               <p14:cNvPr id="126" name="Ink 125">
@@ -22541,7 +23699,7 @@
             </p14:xfrm>
           </p:contentPart>
         </mc:Choice>
-        <mc:Fallback>
+        <mc:Fallback xmlns="">
           <p:pic>
             <p:nvPicPr>
               <p:cNvPr id="126" name="Ink 125">
@@ -22572,8 +23730,8 @@
           </p:pic>
         </mc:Fallback>
       </mc:AlternateContent>
-      <mc:AlternateContent xmlns:mc="http://schemas.openxmlformats.org/markup-compatibility/2006">
-        <mc:Choice xmlns:p14="http://schemas.microsoft.com/office/powerpoint/2010/main" Requires="p14">
+      <mc:AlternateContent xmlns:mc="http://schemas.openxmlformats.org/markup-compatibility/2006" xmlns:p14="http://schemas.microsoft.com/office/powerpoint/2010/main">
+        <mc:Choice Requires="p14">
           <p:contentPart p14:bwMode="auto" r:id="rId4">
             <p14:nvContentPartPr>
               <p14:cNvPr id="144" name="Ink 143">
@@ -22592,7 +23750,7 @@
             </p14:xfrm>
           </p:contentPart>
         </mc:Choice>
-        <mc:Fallback>
+        <mc:Fallback xmlns="">
           <p:pic>
             <p:nvPicPr>
               <p:cNvPr id="144" name="Ink 143">
@@ -22957,6 +24115,3286 @@
           </a:p>
         </p:txBody>
       </p:sp>
+      <p:pic>
+        <p:nvPicPr>
+          <p:cNvPr id="2" name="Picture 1">
+            <a:extLst>
+              <a:ext uri="{FF2B5EF4-FFF2-40B4-BE49-F238E27FC236}">
+                <a16:creationId xmlns:a16="http://schemas.microsoft.com/office/drawing/2014/main" id="{556E9CE9-46BC-2264-A7B5-93D71D583573}"/>
+              </a:ext>
+            </a:extLst>
+          </p:cNvPr>
+          <p:cNvPicPr>
+            <a:picLocks noChangeAspect="1"/>
+          </p:cNvPicPr>
+          <p:nvPr/>
+        </p:nvPicPr>
+        <p:blipFill>
+          <a:blip r:embed="rId8"/>
+          <a:stretch>
+            <a:fillRect/>
+          </a:stretch>
+        </p:blipFill>
+        <p:spPr>
+          <a:xfrm>
+            <a:off x="71443" y="5419671"/>
+            <a:ext cx="2662382" cy="1161767"/>
+          </a:xfrm>
+          <a:prstGeom prst="rect">
+            <a:avLst/>
+          </a:prstGeom>
+        </p:spPr>
+      </p:pic>
+      <p:sp>
+        <p:nvSpPr>
+          <p:cNvPr id="3" name="TextBox 2">
+            <a:extLst>
+              <a:ext uri="{FF2B5EF4-FFF2-40B4-BE49-F238E27FC236}">
+                <a16:creationId xmlns:a16="http://schemas.microsoft.com/office/drawing/2014/main" id="{27C6219B-3B3D-BEE3-2789-532FBCF8834C}"/>
+              </a:ext>
+            </a:extLst>
+          </p:cNvPr>
+          <p:cNvSpPr txBox="1"/>
+          <p:nvPr/>
+        </p:nvSpPr>
+        <p:spPr>
+          <a:xfrm>
+            <a:off x="133350" y="4972050"/>
+            <a:ext cx="3003052" cy="369332"/>
+          </a:xfrm>
+          <a:prstGeom prst="rect">
+            <a:avLst/>
+          </a:prstGeom>
+          <a:noFill/>
+        </p:spPr>
+        <p:txBody>
+          <a:bodyPr wrap="square" rtlCol="0">
+            <a:spAutoFit/>
+          </a:bodyPr>
+          <a:lstStyle/>
+          <a:p>
+            <a:r>
+              <a:rPr lang="en-US" b="0" i="0" dirty="0" err="1">
+                <a:solidFill>
+                  <a:srgbClr val="FF0000"/>
+                </a:solidFill>
+                <a:effectLst/>
+                <a:latin typeface="ui-monospace"/>
+              </a:rPr>
+              <a:t>lui</a:t>
+            </a:r>
+            <a:r>
+              <a:rPr lang="en-US" b="0" i="0" dirty="0">
+                <a:solidFill>
+                  <a:srgbClr val="FF0000"/>
+                </a:solidFill>
+                <a:effectLst/>
+                <a:latin typeface="ui-monospace"/>
+              </a:rPr>
+              <a:t> </a:t>
+            </a:r>
+            <a:r>
+              <a:rPr lang="en-US" b="0" i="0" dirty="0" err="1">
+                <a:solidFill>
+                  <a:srgbClr val="FF0000"/>
+                </a:solidFill>
+                <a:effectLst/>
+                <a:latin typeface="ui-monospace"/>
+              </a:rPr>
+              <a:t>rd</a:t>
+            </a:r>
+            <a:r>
+              <a:rPr lang="en-US" b="0" i="0" dirty="0">
+                <a:solidFill>
+                  <a:srgbClr val="FF0000"/>
+                </a:solidFill>
+                <a:effectLst/>
+                <a:latin typeface="ui-monospace"/>
+              </a:rPr>
+              <a:t>, </a:t>
+            </a:r>
+            <a:r>
+              <a:rPr lang="en-US" b="0" i="0" dirty="0" err="1">
+                <a:solidFill>
+                  <a:srgbClr val="FF0000"/>
+                </a:solidFill>
+                <a:effectLst/>
+                <a:latin typeface="ui-monospace"/>
+              </a:rPr>
+              <a:t>imm</a:t>
+            </a:r>
+            <a:r>
+              <a:rPr lang="en-US" b="0" i="0" dirty="0">
+                <a:solidFill>
+                  <a:srgbClr val="FF0000"/>
+                </a:solidFill>
+                <a:effectLst/>
+                <a:latin typeface="ui-monospace"/>
+              </a:rPr>
+              <a:t>  # </a:t>
+            </a:r>
+            <a:r>
+              <a:rPr lang="en-US" b="0" i="0" dirty="0" err="1">
+                <a:solidFill>
+                  <a:srgbClr val="FF0000"/>
+                </a:solidFill>
+                <a:effectLst/>
+                <a:latin typeface="ui-monospace"/>
+              </a:rPr>
+              <a:t>rd</a:t>
+            </a:r>
+            <a:r>
+              <a:rPr lang="en-US" b="0" i="0" dirty="0">
+                <a:solidFill>
+                  <a:srgbClr val="FF0000"/>
+                </a:solidFill>
+                <a:effectLst/>
+                <a:latin typeface="ui-monospace"/>
+              </a:rPr>
+              <a:t> = </a:t>
+            </a:r>
+            <a:r>
+              <a:rPr lang="en-US" b="0" i="0" dirty="0" err="1">
+                <a:solidFill>
+                  <a:srgbClr val="FF0000"/>
+                </a:solidFill>
+                <a:effectLst/>
+                <a:latin typeface="ui-monospace"/>
+              </a:rPr>
+              <a:t>imm</a:t>
+            </a:r>
+            <a:r>
+              <a:rPr lang="en-US" b="0" i="0" dirty="0">
+                <a:solidFill>
+                  <a:srgbClr val="FF0000"/>
+                </a:solidFill>
+                <a:effectLst/>
+                <a:latin typeface="ui-monospace"/>
+              </a:rPr>
+              <a:t> &lt;&lt; 12</a:t>
+            </a:r>
+            <a:endParaRPr lang="en-US" dirty="0">
+              <a:solidFill>
+                <a:srgbClr val="FF0000"/>
+              </a:solidFill>
+            </a:endParaRPr>
+          </a:p>
+        </p:txBody>
+      </p:sp>
+      <p:sp>
+        <p:nvSpPr>
+          <p:cNvPr id="5" name="TextBox 4">
+            <a:extLst>
+              <a:ext uri="{FF2B5EF4-FFF2-40B4-BE49-F238E27FC236}">
+                <a16:creationId xmlns:a16="http://schemas.microsoft.com/office/drawing/2014/main" id="{CD98990B-2EE7-AC3B-2F2D-5DF70B7DC71A}"/>
+              </a:ext>
+            </a:extLst>
+          </p:cNvPr>
+          <p:cNvSpPr txBox="1"/>
+          <p:nvPr/>
+        </p:nvSpPr>
+        <p:spPr>
+          <a:xfrm>
+            <a:off x="4398267" y="5662694"/>
+            <a:ext cx="582482" cy="369332"/>
+          </a:xfrm>
+          <a:prstGeom prst="rect">
+            <a:avLst/>
+          </a:prstGeom>
+          <a:noFill/>
+        </p:spPr>
+        <p:txBody>
+          <a:bodyPr wrap="square" rtlCol="0">
+            <a:spAutoFit/>
+          </a:bodyPr>
+          <a:lstStyle/>
+          <a:p>
+            <a:r>
+              <a:rPr lang="en-US" dirty="0" err="1">
+                <a:solidFill>
+                  <a:srgbClr val="FF0000"/>
+                </a:solidFill>
+              </a:rPr>
+              <a:t>rd</a:t>
+            </a:r>
+            <a:endParaRPr lang="en-US" dirty="0">
+              <a:solidFill>
+                <a:srgbClr val="FF0000"/>
+              </a:solidFill>
+            </a:endParaRPr>
+          </a:p>
+        </p:txBody>
+      </p:sp>
+      <mc:AlternateContent xmlns:mc="http://schemas.openxmlformats.org/markup-compatibility/2006">
+        <mc:Choice xmlns:p14="http://schemas.microsoft.com/office/powerpoint/2010/main" Requires="p14">
+          <p:contentPart p14:bwMode="auto" r:id="rId9">
+            <p14:nvContentPartPr>
+              <p14:cNvPr id="6" name="Ink 5">
+                <a:extLst>
+                  <a:ext uri="{FF2B5EF4-FFF2-40B4-BE49-F238E27FC236}">
+                    <a16:creationId xmlns:a16="http://schemas.microsoft.com/office/drawing/2014/main" id="{1950A3DD-A41E-0B8E-A2D5-C41F576CE1A8}"/>
+                  </a:ext>
+                </a:extLst>
+              </p14:cNvPr>
+              <p14:cNvContentPartPr/>
+              <p14:nvPr/>
+            </p14:nvContentPartPr>
+            <p14:xfrm>
+              <a:off x="1247745" y="3734715"/>
+              <a:ext cx="228240" cy="17640"/>
+            </p14:xfrm>
+          </p:contentPart>
+        </mc:Choice>
+        <mc:Fallback>
+          <p:pic>
+            <p:nvPicPr>
+              <p:cNvPr id="6" name="Ink 5">
+                <a:extLst>
+                  <a:ext uri="{FF2B5EF4-FFF2-40B4-BE49-F238E27FC236}">
+                    <a16:creationId xmlns:a16="http://schemas.microsoft.com/office/drawing/2014/main" id="{1950A3DD-A41E-0B8E-A2D5-C41F576CE1A8}"/>
+                  </a:ext>
+                </a:extLst>
+              </p:cNvPr>
+              <p:cNvPicPr/>
+              <p:nvPr/>
+            </p:nvPicPr>
+            <p:blipFill>
+              <a:blip r:embed="rId10"/>
+              <a:stretch>
+                <a:fillRect/>
+              </a:stretch>
+            </p:blipFill>
+            <p:spPr>
+              <a:xfrm>
+                <a:off x="1211745" y="3663075"/>
+                <a:ext cx="299880" cy="161280"/>
+              </a:xfrm>
+              <a:prstGeom prst="rect">
+                <a:avLst/>
+              </a:prstGeom>
+            </p:spPr>
+          </p:pic>
+        </mc:Fallback>
+      </mc:AlternateContent>
+      <mc:AlternateContent xmlns:mc="http://schemas.openxmlformats.org/markup-compatibility/2006">
+        <mc:Choice xmlns:p14="http://schemas.microsoft.com/office/powerpoint/2010/main" Requires="p14">
+          <p:contentPart p14:bwMode="auto" r:id="rId11">
+            <p14:nvContentPartPr>
+              <p14:cNvPr id="7" name="Ink 6">
+                <a:extLst>
+                  <a:ext uri="{FF2B5EF4-FFF2-40B4-BE49-F238E27FC236}">
+                    <a16:creationId xmlns:a16="http://schemas.microsoft.com/office/drawing/2014/main" id="{5E32F4E2-5AA3-62C5-171A-0F023299CB3F}"/>
+                  </a:ext>
+                </a:extLst>
+              </p14:cNvPr>
+              <p14:cNvContentPartPr/>
+              <p14:nvPr/>
+            </p14:nvContentPartPr>
+            <p14:xfrm>
+              <a:off x="1285905" y="2606835"/>
+              <a:ext cx="713520" cy="1031760"/>
+            </p14:xfrm>
+          </p:contentPart>
+        </mc:Choice>
+        <mc:Fallback>
+          <p:pic>
+            <p:nvPicPr>
+              <p:cNvPr id="7" name="Ink 6">
+                <a:extLst>
+                  <a:ext uri="{FF2B5EF4-FFF2-40B4-BE49-F238E27FC236}">
+                    <a16:creationId xmlns:a16="http://schemas.microsoft.com/office/drawing/2014/main" id="{5E32F4E2-5AA3-62C5-171A-0F023299CB3F}"/>
+                  </a:ext>
+                </a:extLst>
+              </p:cNvPr>
+              <p:cNvPicPr/>
+              <p:nvPr/>
+            </p:nvPicPr>
+            <p:blipFill>
+              <a:blip r:embed="rId12"/>
+              <a:stretch>
+                <a:fillRect/>
+              </a:stretch>
+            </p:blipFill>
+            <p:spPr>
+              <a:xfrm>
+                <a:off x="1249905" y="2535195"/>
+                <a:ext cx="785160" cy="1175400"/>
+              </a:xfrm>
+              <a:prstGeom prst="rect">
+                <a:avLst/>
+              </a:prstGeom>
+            </p:spPr>
+          </p:pic>
+        </mc:Fallback>
+      </mc:AlternateContent>
+      <mc:AlternateContent xmlns:mc="http://schemas.openxmlformats.org/markup-compatibility/2006">
+        <mc:Choice xmlns:p14="http://schemas.microsoft.com/office/powerpoint/2010/main" Requires="p14">
+          <p:contentPart p14:bwMode="auto" r:id="rId13">
+            <p14:nvContentPartPr>
+              <p14:cNvPr id="9" name="Ink 8">
+                <a:extLst>
+                  <a:ext uri="{FF2B5EF4-FFF2-40B4-BE49-F238E27FC236}">
+                    <a16:creationId xmlns:a16="http://schemas.microsoft.com/office/drawing/2014/main" id="{A9FEDD55-FB90-2FFC-CC6B-8187E93BDC54}"/>
+                  </a:ext>
+                </a:extLst>
+              </p14:cNvPr>
+              <p14:cNvContentPartPr/>
+              <p14:nvPr/>
+            </p14:nvContentPartPr>
+            <p14:xfrm>
+              <a:off x="1838145" y="2999595"/>
+              <a:ext cx="171000" cy="38880"/>
+            </p14:xfrm>
+          </p:contentPart>
+        </mc:Choice>
+        <mc:Fallback>
+          <p:pic>
+            <p:nvPicPr>
+              <p:cNvPr id="9" name="Ink 8">
+                <a:extLst>
+                  <a:ext uri="{FF2B5EF4-FFF2-40B4-BE49-F238E27FC236}">
+                    <a16:creationId xmlns:a16="http://schemas.microsoft.com/office/drawing/2014/main" id="{A9FEDD55-FB90-2FFC-CC6B-8187E93BDC54}"/>
+                  </a:ext>
+                </a:extLst>
+              </p:cNvPr>
+              <p:cNvPicPr/>
+              <p:nvPr/>
+            </p:nvPicPr>
+            <p:blipFill>
+              <a:blip r:embed="rId14"/>
+              <a:stretch>
+                <a:fillRect/>
+              </a:stretch>
+            </p:blipFill>
+            <p:spPr>
+              <a:xfrm>
+                <a:off x="1802145" y="2927955"/>
+                <a:ext cx="242640" cy="182520"/>
+              </a:xfrm>
+              <a:prstGeom prst="rect">
+                <a:avLst/>
+              </a:prstGeom>
+            </p:spPr>
+          </p:pic>
+        </mc:Fallback>
+      </mc:AlternateContent>
+      <mc:AlternateContent xmlns:mc="http://schemas.openxmlformats.org/markup-compatibility/2006">
+        <mc:Choice xmlns:p14="http://schemas.microsoft.com/office/powerpoint/2010/main" Requires="p14">
+          <p:contentPart p14:bwMode="auto" r:id="rId15">
+            <p14:nvContentPartPr>
+              <p14:cNvPr id="10" name="Ink 9">
+                <a:extLst>
+                  <a:ext uri="{FF2B5EF4-FFF2-40B4-BE49-F238E27FC236}">
+                    <a16:creationId xmlns:a16="http://schemas.microsoft.com/office/drawing/2014/main" id="{74EF2565-D6A2-BE8D-B751-8D820B42974D}"/>
+                  </a:ext>
+                </a:extLst>
+              </p14:cNvPr>
+              <p14:cNvContentPartPr/>
+              <p14:nvPr/>
+            </p14:nvContentPartPr>
+            <p14:xfrm>
+              <a:off x="417945" y="2047035"/>
+              <a:ext cx="2144880" cy="1544760"/>
+            </p14:xfrm>
+          </p:contentPart>
+        </mc:Choice>
+        <mc:Fallback>
+          <p:pic>
+            <p:nvPicPr>
+              <p:cNvPr id="10" name="Ink 9">
+                <a:extLst>
+                  <a:ext uri="{FF2B5EF4-FFF2-40B4-BE49-F238E27FC236}">
+                    <a16:creationId xmlns:a16="http://schemas.microsoft.com/office/drawing/2014/main" id="{74EF2565-D6A2-BE8D-B751-8D820B42974D}"/>
+                  </a:ext>
+                </a:extLst>
+              </p:cNvPr>
+              <p:cNvPicPr/>
+              <p:nvPr/>
+            </p:nvPicPr>
+            <p:blipFill>
+              <a:blip r:embed="rId16"/>
+              <a:stretch>
+                <a:fillRect/>
+              </a:stretch>
+            </p:blipFill>
+            <p:spPr>
+              <a:xfrm>
+                <a:off x="382305" y="1975035"/>
+                <a:ext cx="2216520" cy="1688400"/>
+              </a:xfrm>
+              <a:prstGeom prst="rect">
+                <a:avLst/>
+              </a:prstGeom>
+            </p:spPr>
+          </p:pic>
+        </mc:Fallback>
+      </mc:AlternateContent>
+      <mc:AlternateContent xmlns:mc="http://schemas.openxmlformats.org/markup-compatibility/2006">
+        <mc:Choice xmlns:p14="http://schemas.microsoft.com/office/powerpoint/2010/main" Requires="p14">
+          <p:contentPart p14:bwMode="auto" r:id="rId17">
+            <p14:nvContentPartPr>
+              <p14:cNvPr id="12" name="Ink 11">
+                <a:extLst>
+                  <a:ext uri="{FF2B5EF4-FFF2-40B4-BE49-F238E27FC236}">
+                    <a16:creationId xmlns:a16="http://schemas.microsoft.com/office/drawing/2014/main" id="{407DE8A6-68DF-1A80-BF45-21CEE1F2D3F9}"/>
+                  </a:ext>
+                </a:extLst>
+              </p14:cNvPr>
+              <p14:cNvContentPartPr/>
+              <p14:nvPr/>
+            </p14:nvContentPartPr>
+            <p14:xfrm>
+              <a:off x="542865" y="3590355"/>
+              <a:ext cx="419760" cy="151920"/>
+            </p14:xfrm>
+          </p:contentPart>
+        </mc:Choice>
+        <mc:Fallback>
+          <p:pic>
+            <p:nvPicPr>
+              <p:cNvPr id="12" name="Ink 11">
+                <a:extLst>
+                  <a:ext uri="{FF2B5EF4-FFF2-40B4-BE49-F238E27FC236}">
+                    <a16:creationId xmlns:a16="http://schemas.microsoft.com/office/drawing/2014/main" id="{407DE8A6-68DF-1A80-BF45-21CEE1F2D3F9}"/>
+                  </a:ext>
+                </a:extLst>
+              </p:cNvPr>
+              <p:cNvPicPr/>
+              <p:nvPr/>
+            </p:nvPicPr>
+            <p:blipFill>
+              <a:blip r:embed="rId18"/>
+              <a:stretch>
+                <a:fillRect/>
+              </a:stretch>
+            </p:blipFill>
+            <p:spPr>
+              <a:xfrm>
+                <a:off x="506865" y="3518355"/>
+                <a:ext cx="491400" cy="295560"/>
+              </a:xfrm>
+              <a:prstGeom prst="rect">
+                <a:avLst/>
+              </a:prstGeom>
+            </p:spPr>
+          </p:pic>
+        </mc:Fallback>
+      </mc:AlternateContent>
+      <p:sp>
+        <p:nvSpPr>
+          <p:cNvPr id="13" name="TextBox 12">
+            <a:extLst>
+              <a:ext uri="{FF2B5EF4-FFF2-40B4-BE49-F238E27FC236}">
+                <a16:creationId xmlns:a16="http://schemas.microsoft.com/office/drawing/2014/main" id="{2F997C2C-7998-9054-DCDA-2A1DF5C28FD8}"/>
+              </a:ext>
+            </a:extLst>
+          </p:cNvPr>
+          <p:cNvSpPr txBox="1"/>
+          <p:nvPr/>
+        </p:nvSpPr>
+        <p:spPr>
+          <a:xfrm>
+            <a:off x="649841" y="3055514"/>
+            <a:ext cx="582482" cy="369332"/>
+          </a:xfrm>
+          <a:prstGeom prst="rect">
+            <a:avLst/>
+          </a:prstGeom>
+          <a:noFill/>
+        </p:spPr>
+        <p:txBody>
+          <a:bodyPr wrap="square" rtlCol="0">
+            <a:spAutoFit/>
+          </a:bodyPr>
+          <a:lstStyle/>
+          <a:p>
+            <a:r>
+              <a:rPr lang="en-US" dirty="0">
+                <a:solidFill>
+                  <a:srgbClr val="FF0000"/>
+                </a:solidFill>
+              </a:rPr>
+              <a:t>0</a:t>
+            </a:r>
+          </a:p>
+        </p:txBody>
+      </p:sp>
+      <mc:AlternateContent xmlns:mc="http://schemas.openxmlformats.org/markup-compatibility/2006">
+        <mc:Choice xmlns:p14="http://schemas.microsoft.com/office/powerpoint/2010/main" Requires="p14">
+          <p:contentPart p14:bwMode="auto" r:id="rId19">
+            <p14:nvContentPartPr>
+              <p14:cNvPr id="14" name="Ink 13">
+                <a:extLst>
+                  <a:ext uri="{FF2B5EF4-FFF2-40B4-BE49-F238E27FC236}">
+                    <a16:creationId xmlns:a16="http://schemas.microsoft.com/office/drawing/2014/main" id="{7945A606-7B30-1579-1D5B-752C16F7BF91}"/>
+                  </a:ext>
+                </a:extLst>
+              </p14:cNvPr>
+              <p14:cNvContentPartPr/>
+              <p14:nvPr/>
+            </p14:nvContentPartPr>
+            <p14:xfrm>
+              <a:off x="2733825" y="4209915"/>
+              <a:ext cx="199080" cy="20520"/>
+            </p14:xfrm>
+          </p:contentPart>
+        </mc:Choice>
+        <mc:Fallback>
+          <p:pic>
+            <p:nvPicPr>
+              <p:cNvPr id="14" name="Ink 13">
+                <a:extLst>
+                  <a:ext uri="{FF2B5EF4-FFF2-40B4-BE49-F238E27FC236}">
+                    <a16:creationId xmlns:a16="http://schemas.microsoft.com/office/drawing/2014/main" id="{7945A606-7B30-1579-1D5B-752C16F7BF91}"/>
+                  </a:ext>
+                </a:extLst>
+              </p:cNvPr>
+              <p:cNvPicPr/>
+              <p:nvPr/>
+            </p:nvPicPr>
+            <p:blipFill>
+              <a:blip r:embed="rId20"/>
+              <a:stretch>
+                <a:fillRect/>
+              </a:stretch>
+            </p:blipFill>
+            <p:spPr>
+              <a:xfrm>
+                <a:off x="2697825" y="4138275"/>
+                <a:ext cx="270720" cy="164160"/>
+              </a:xfrm>
+              <a:prstGeom prst="rect">
+                <a:avLst/>
+              </a:prstGeom>
+            </p:spPr>
+          </p:pic>
+        </mc:Fallback>
+      </mc:AlternateContent>
+      <mc:AlternateContent xmlns:mc="http://schemas.openxmlformats.org/markup-compatibility/2006">
+        <mc:Choice xmlns:p14="http://schemas.microsoft.com/office/powerpoint/2010/main" Requires="p14">
+          <p:contentPart p14:bwMode="auto" r:id="rId21">
+            <p14:nvContentPartPr>
+              <p14:cNvPr id="15" name="Ink 14">
+                <a:extLst>
+                  <a:ext uri="{FF2B5EF4-FFF2-40B4-BE49-F238E27FC236}">
+                    <a16:creationId xmlns:a16="http://schemas.microsoft.com/office/drawing/2014/main" id="{BD3E86A7-3CAA-F6BB-BF97-B4EF52ABF037}"/>
+                  </a:ext>
+                </a:extLst>
+              </p14:cNvPr>
+              <p14:cNvContentPartPr/>
+              <p14:nvPr/>
+            </p14:nvContentPartPr>
+            <p14:xfrm>
+              <a:off x="3266985" y="4238355"/>
+              <a:ext cx="208800" cy="21960"/>
+            </p14:xfrm>
+          </p:contentPart>
+        </mc:Choice>
+        <mc:Fallback>
+          <p:pic>
+            <p:nvPicPr>
+              <p:cNvPr id="15" name="Ink 14">
+                <a:extLst>
+                  <a:ext uri="{FF2B5EF4-FFF2-40B4-BE49-F238E27FC236}">
+                    <a16:creationId xmlns:a16="http://schemas.microsoft.com/office/drawing/2014/main" id="{BD3E86A7-3CAA-F6BB-BF97-B4EF52ABF037}"/>
+                  </a:ext>
+                </a:extLst>
+              </p:cNvPr>
+              <p:cNvPicPr/>
+              <p:nvPr/>
+            </p:nvPicPr>
+            <p:blipFill>
+              <a:blip r:embed="rId22"/>
+              <a:stretch>
+                <a:fillRect/>
+              </a:stretch>
+            </p:blipFill>
+            <p:spPr>
+              <a:xfrm>
+                <a:off x="3230985" y="4166715"/>
+                <a:ext cx="280440" cy="165600"/>
+              </a:xfrm>
+              <a:prstGeom prst="rect">
+                <a:avLst/>
+              </a:prstGeom>
+            </p:spPr>
+          </p:pic>
+        </mc:Fallback>
+      </mc:AlternateContent>
+      <mc:AlternateContent xmlns:mc="http://schemas.openxmlformats.org/markup-compatibility/2006">
+        <mc:Choice xmlns:p14="http://schemas.microsoft.com/office/powerpoint/2010/main" Requires="p14">
+          <p:contentPart p14:bwMode="auto" r:id="rId23">
+            <p14:nvContentPartPr>
+              <p14:cNvPr id="17" name="Ink 16">
+                <a:extLst>
+                  <a:ext uri="{FF2B5EF4-FFF2-40B4-BE49-F238E27FC236}">
+                    <a16:creationId xmlns:a16="http://schemas.microsoft.com/office/drawing/2014/main" id="{3F4D5F2B-5AB2-329B-47EC-B86E233C63FF}"/>
+                  </a:ext>
+                </a:extLst>
+              </p14:cNvPr>
+              <p14:cNvContentPartPr/>
+              <p14:nvPr/>
+            </p14:nvContentPartPr>
+            <p14:xfrm>
+              <a:off x="3495585" y="4248075"/>
+              <a:ext cx="720" cy="1772640"/>
+            </p14:xfrm>
+          </p:contentPart>
+        </mc:Choice>
+        <mc:Fallback>
+          <p:pic>
+            <p:nvPicPr>
+              <p:cNvPr id="17" name="Ink 16">
+                <a:extLst>
+                  <a:ext uri="{FF2B5EF4-FFF2-40B4-BE49-F238E27FC236}">
+                    <a16:creationId xmlns:a16="http://schemas.microsoft.com/office/drawing/2014/main" id="{3F4D5F2B-5AB2-329B-47EC-B86E233C63FF}"/>
+                  </a:ext>
+                </a:extLst>
+              </p:cNvPr>
+              <p:cNvPicPr/>
+              <p:nvPr/>
+            </p:nvPicPr>
+            <p:blipFill>
+              <a:blip r:embed="rId24"/>
+              <a:stretch>
+                <a:fillRect/>
+              </a:stretch>
+            </p:blipFill>
+            <p:spPr>
+              <a:xfrm>
+                <a:off x="3423585" y="4176075"/>
+                <a:ext cx="144000" cy="1916280"/>
+              </a:xfrm>
+              <a:prstGeom prst="rect">
+                <a:avLst/>
+              </a:prstGeom>
+            </p:spPr>
+          </p:pic>
+        </mc:Fallback>
+      </mc:AlternateContent>
+      <mc:AlternateContent xmlns:mc="http://schemas.openxmlformats.org/markup-compatibility/2006">
+        <mc:Choice xmlns:p14="http://schemas.microsoft.com/office/powerpoint/2010/main" Requires="p14">
+          <p:contentPart p14:bwMode="auto" r:id="rId25">
+            <p14:nvContentPartPr>
+              <p14:cNvPr id="18" name="Ink 17">
+                <a:extLst>
+                  <a:ext uri="{FF2B5EF4-FFF2-40B4-BE49-F238E27FC236}">
+                    <a16:creationId xmlns:a16="http://schemas.microsoft.com/office/drawing/2014/main" id="{683A9FB8-1739-B81A-13B1-0AEA3CD964FE}"/>
+                  </a:ext>
+                </a:extLst>
+              </p14:cNvPr>
+              <p14:cNvContentPartPr/>
+              <p14:nvPr/>
+            </p14:nvContentPartPr>
+            <p14:xfrm>
+              <a:off x="3514665" y="6000555"/>
+              <a:ext cx="2062440" cy="96120"/>
+            </p14:xfrm>
+          </p:contentPart>
+        </mc:Choice>
+        <mc:Fallback>
+          <p:pic>
+            <p:nvPicPr>
+              <p:cNvPr id="18" name="Ink 17">
+                <a:extLst>
+                  <a:ext uri="{FF2B5EF4-FFF2-40B4-BE49-F238E27FC236}">
+                    <a16:creationId xmlns:a16="http://schemas.microsoft.com/office/drawing/2014/main" id="{683A9FB8-1739-B81A-13B1-0AEA3CD964FE}"/>
+                  </a:ext>
+                </a:extLst>
+              </p:cNvPr>
+              <p:cNvPicPr/>
+              <p:nvPr/>
+            </p:nvPicPr>
+            <p:blipFill>
+              <a:blip r:embed="rId26"/>
+              <a:stretch>
+                <a:fillRect/>
+              </a:stretch>
+            </p:blipFill>
+            <p:spPr>
+              <a:xfrm>
+                <a:off x="3478665" y="5928915"/>
+                <a:ext cx="2134080" cy="239760"/>
+              </a:xfrm>
+              <a:prstGeom prst="rect">
+                <a:avLst/>
+              </a:prstGeom>
+            </p:spPr>
+          </p:pic>
+        </mc:Fallback>
+      </mc:AlternateContent>
+      <mc:AlternateContent xmlns:mc="http://schemas.openxmlformats.org/markup-compatibility/2006">
+        <mc:Choice xmlns:p14="http://schemas.microsoft.com/office/powerpoint/2010/main" Requires="p14">
+          <p:contentPart p14:bwMode="auto" r:id="rId27">
+            <p14:nvContentPartPr>
+              <p14:cNvPr id="19" name="Ink 18">
+                <a:extLst>
+                  <a:ext uri="{FF2B5EF4-FFF2-40B4-BE49-F238E27FC236}">
+                    <a16:creationId xmlns:a16="http://schemas.microsoft.com/office/drawing/2014/main" id="{9CFFD0AC-1799-8460-CCF7-024F9927F43D}"/>
+                  </a:ext>
+                </a:extLst>
+              </p14:cNvPr>
+              <p14:cNvContentPartPr/>
+              <p14:nvPr/>
+            </p14:nvContentPartPr>
+            <p14:xfrm>
+              <a:off x="3505305" y="5238435"/>
+              <a:ext cx="1256400" cy="29520"/>
+            </p14:xfrm>
+          </p:contentPart>
+        </mc:Choice>
+        <mc:Fallback>
+          <p:pic>
+            <p:nvPicPr>
+              <p:cNvPr id="19" name="Ink 18">
+                <a:extLst>
+                  <a:ext uri="{FF2B5EF4-FFF2-40B4-BE49-F238E27FC236}">
+                    <a16:creationId xmlns:a16="http://schemas.microsoft.com/office/drawing/2014/main" id="{9CFFD0AC-1799-8460-CCF7-024F9927F43D}"/>
+                  </a:ext>
+                </a:extLst>
+              </p:cNvPr>
+              <p:cNvPicPr/>
+              <p:nvPr/>
+            </p:nvPicPr>
+            <p:blipFill>
+              <a:blip r:embed="rId28"/>
+              <a:stretch>
+                <a:fillRect/>
+              </a:stretch>
+            </p:blipFill>
+            <p:spPr>
+              <a:xfrm>
+                <a:off x="3469305" y="5166795"/>
+                <a:ext cx="1328040" cy="173160"/>
+              </a:xfrm>
+              <a:prstGeom prst="rect">
+                <a:avLst/>
+              </a:prstGeom>
+            </p:spPr>
+          </p:pic>
+        </mc:Fallback>
+      </mc:AlternateContent>
+      <mc:AlternateContent xmlns:mc="http://schemas.openxmlformats.org/markup-compatibility/2006">
+        <mc:Choice xmlns:p14="http://schemas.microsoft.com/office/powerpoint/2010/main" Requires="p14">
+          <p:contentPart p14:bwMode="auto" r:id="rId29">
+            <p14:nvContentPartPr>
+              <p14:cNvPr id="20" name="Ink 19">
+                <a:extLst>
+                  <a:ext uri="{FF2B5EF4-FFF2-40B4-BE49-F238E27FC236}">
+                    <a16:creationId xmlns:a16="http://schemas.microsoft.com/office/drawing/2014/main" id="{F3E6EC43-BB03-630D-A54F-1F228A7ACB5A}"/>
+                  </a:ext>
+                </a:extLst>
+              </p14:cNvPr>
+              <p14:cNvContentPartPr/>
+              <p14:nvPr/>
+            </p14:nvContentPartPr>
+            <p14:xfrm>
+              <a:off x="5210265" y="5275155"/>
+              <a:ext cx="332640" cy="11520"/>
+            </p14:xfrm>
+          </p:contentPart>
+        </mc:Choice>
+        <mc:Fallback>
+          <p:pic>
+            <p:nvPicPr>
+              <p:cNvPr id="20" name="Ink 19">
+                <a:extLst>
+                  <a:ext uri="{FF2B5EF4-FFF2-40B4-BE49-F238E27FC236}">
+                    <a16:creationId xmlns:a16="http://schemas.microsoft.com/office/drawing/2014/main" id="{F3E6EC43-BB03-630D-A54F-1F228A7ACB5A}"/>
+                  </a:ext>
+                </a:extLst>
+              </p:cNvPr>
+              <p:cNvPicPr/>
+              <p:nvPr/>
+            </p:nvPicPr>
+            <p:blipFill>
+              <a:blip r:embed="rId30"/>
+              <a:stretch>
+                <a:fillRect/>
+              </a:stretch>
+            </p:blipFill>
+            <p:spPr>
+              <a:xfrm>
+                <a:off x="5174265" y="5203515"/>
+                <a:ext cx="404280" cy="155160"/>
+              </a:xfrm>
+              <a:prstGeom prst="rect">
+                <a:avLst/>
+              </a:prstGeom>
+            </p:spPr>
+          </p:pic>
+        </mc:Fallback>
+      </mc:AlternateContent>
+      <mc:AlternateContent xmlns:mc="http://schemas.openxmlformats.org/markup-compatibility/2006">
+        <mc:Choice xmlns:p14="http://schemas.microsoft.com/office/powerpoint/2010/main" Requires="p14">
+          <p:contentPart p14:bwMode="auto" r:id="rId31">
+            <p14:nvContentPartPr>
+              <p14:cNvPr id="21" name="Ink 20">
+                <a:extLst>
+                  <a:ext uri="{FF2B5EF4-FFF2-40B4-BE49-F238E27FC236}">
+                    <a16:creationId xmlns:a16="http://schemas.microsoft.com/office/drawing/2014/main" id="{8B0772D3-C3A3-4F1E-6F3D-F051378F58A8}"/>
+                  </a:ext>
+                </a:extLst>
+              </p14:cNvPr>
+              <p14:cNvContentPartPr/>
+              <p14:nvPr/>
+            </p14:nvContentPartPr>
+            <p14:xfrm>
+              <a:off x="3445905" y="3741555"/>
+              <a:ext cx="582120" cy="516240"/>
+            </p14:xfrm>
+          </p:contentPart>
+        </mc:Choice>
+        <mc:Fallback>
+          <p:pic>
+            <p:nvPicPr>
+              <p:cNvPr id="21" name="Ink 20">
+                <a:extLst>
+                  <a:ext uri="{FF2B5EF4-FFF2-40B4-BE49-F238E27FC236}">
+                    <a16:creationId xmlns:a16="http://schemas.microsoft.com/office/drawing/2014/main" id="{8B0772D3-C3A3-4F1E-6F3D-F051378F58A8}"/>
+                  </a:ext>
+                </a:extLst>
+              </p:cNvPr>
+              <p:cNvPicPr/>
+              <p:nvPr/>
+            </p:nvPicPr>
+            <p:blipFill>
+              <a:blip r:embed="rId32"/>
+              <a:stretch>
+                <a:fillRect/>
+              </a:stretch>
+            </p:blipFill>
+            <p:spPr>
+              <a:xfrm>
+                <a:off x="3410265" y="3669915"/>
+                <a:ext cx="653760" cy="659880"/>
+              </a:xfrm>
+              <a:prstGeom prst="rect">
+                <a:avLst/>
+              </a:prstGeom>
+            </p:spPr>
+          </p:pic>
+        </mc:Fallback>
+      </mc:AlternateContent>
+      <mc:AlternateContent xmlns:mc="http://schemas.openxmlformats.org/markup-compatibility/2006">
+        <mc:Choice xmlns:p14="http://schemas.microsoft.com/office/powerpoint/2010/main" Requires="p14">
+          <p:contentPart p14:bwMode="auto" r:id="rId33">
+            <p14:nvContentPartPr>
+              <p14:cNvPr id="22" name="Ink 21">
+                <a:extLst>
+                  <a:ext uri="{FF2B5EF4-FFF2-40B4-BE49-F238E27FC236}">
+                    <a16:creationId xmlns:a16="http://schemas.microsoft.com/office/drawing/2014/main" id="{41B3B1D5-E712-947C-96A1-C0556F888249}"/>
+                  </a:ext>
+                </a:extLst>
+              </p14:cNvPr>
+              <p14:cNvContentPartPr/>
+              <p14:nvPr/>
+            </p14:nvContentPartPr>
+            <p14:xfrm>
+              <a:off x="5238705" y="3876555"/>
+              <a:ext cx="323280" cy="38880"/>
+            </p14:xfrm>
+          </p:contentPart>
+        </mc:Choice>
+        <mc:Fallback>
+          <p:pic>
+            <p:nvPicPr>
+              <p:cNvPr id="22" name="Ink 21">
+                <a:extLst>
+                  <a:ext uri="{FF2B5EF4-FFF2-40B4-BE49-F238E27FC236}">
+                    <a16:creationId xmlns:a16="http://schemas.microsoft.com/office/drawing/2014/main" id="{41B3B1D5-E712-947C-96A1-C0556F888249}"/>
+                  </a:ext>
+                </a:extLst>
+              </p:cNvPr>
+              <p:cNvPicPr/>
+              <p:nvPr/>
+            </p:nvPicPr>
+            <p:blipFill>
+              <a:blip r:embed="rId34"/>
+              <a:stretch>
+                <a:fillRect/>
+              </a:stretch>
+            </p:blipFill>
+            <p:spPr>
+              <a:xfrm>
+                <a:off x="5202705" y="3804915"/>
+                <a:ext cx="394920" cy="182520"/>
+              </a:xfrm>
+              <a:prstGeom prst="rect">
+                <a:avLst/>
+              </a:prstGeom>
+            </p:spPr>
+          </p:pic>
+        </mc:Fallback>
+      </mc:AlternateContent>
+      <p:sp>
+        <p:nvSpPr>
+          <p:cNvPr id="24" name="TextBox 23">
+            <a:extLst>
+              <a:ext uri="{FF2B5EF4-FFF2-40B4-BE49-F238E27FC236}">
+                <a16:creationId xmlns:a16="http://schemas.microsoft.com/office/drawing/2014/main" id="{BFFE971A-ADA9-E6EF-FAD9-3F42610679AC}"/>
+              </a:ext>
+            </a:extLst>
+          </p:cNvPr>
+          <p:cNvSpPr txBox="1"/>
+          <p:nvPr/>
+        </p:nvSpPr>
+        <p:spPr>
+          <a:xfrm>
+            <a:off x="3520015" y="3456438"/>
+            <a:ext cx="1268551" cy="246221"/>
+          </a:xfrm>
+          <a:prstGeom prst="rect">
+            <a:avLst/>
+          </a:prstGeom>
+          <a:noFill/>
+        </p:spPr>
+        <p:txBody>
+          <a:bodyPr wrap="square" rtlCol="0">
+            <a:spAutoFit/>
+          </a:bodyPr>
+          <a:lstStyle/>
+          <a:p>
+            <a:r>
+              <a:rPr lang="en-US" sz="1000" dirty="0">
+                <a:solidFill>
+                  <a:srgbClr val="FF0000"/>
+                </a:solidFill>
+              </a:rPr>
+              <a:t>Zero register</a:t>
+            </a:r>
+          </a:p>
+        </p:txBody>
+      </p:sp>
+      <p:sp>
+        <p:nvSpPr>
+          <p:cNvPr id="25" name="TextBox 24">
+            <a:extLst>
+              <a:ext uri="{FF2B5EF4-FFF2-40B4-BE49-F238E27FC236}">
+                <a16:creationId xmlns:a16="http://schemas.microsoft.com/office/drawing/2014/main" id="{50866E4E-85DE-1A56-2B09-AE3C93FCE9E3}"/>
+              </a:ext>
+            </a:extLst>
+          </p:cNvPr>
+          <p:cNvSpPr txBox="1"/>
+          <p:nvPr/>
+        </p:nvSpPr>
+        <p:spPr>
+          <a:xfrm>
+            <a:off x="4639961" y="3329808"/>
+            <a:ext cx="582482" cy="369332"/>
+          </a:xfrm>
+          <a:prstGeom prst="rect">
+            <a:avLst/>
+          </a:prstGeom>
+          <a:noFill/>
+        </p:spPr>
+        <p:txBody>
+          <a:bodyPr wrap="square" rtlCol="0">
+            <a:spAutoFit/>
+          </a:bodyPr>
+          <a:lstStyle/>
+          <a:p>
+            <a:r>
+              <a:rPr lang="en-US" dirty="0">
+                <a:solidFill>
+                  <a:srgbClr val="FF0000"/>
+                </a:solidFill>
+              </a:rPr>
+              <a:t>1</a:t>
+            </a:r>
+          </a:p>
+        </p:txBody>
+      </p:sp>
+      <mc:AlternateContent xmlns:mc="http://schemas.openxmlformats.org/markup-compatibility/2006">
+        <mc:Choice xmlns:p14="http://schemas.microsoft.com/office/powerpoint/2010/main" Requires="p14">
+          <p:contentPart p14:bwMode="auto" r:id="rId35">
+            <p14:nvContentPartPr>
+              <p14:cNvPr id="26" name="Ink 25">
+                <a:extLst>
+                  <a:ext uri="{FF2B5EF4-FFF2-40B4-BE49-F238E27FC236}">
+                    <a16:creationId xmlns:a16="http://schemas.microsoft.com/office/drawing/2014/main" id="{AF4A6C5C-5BEE-1E77-519E-0AD88A4F4EE8}"/>
+                  </a:ext>
+                </a:extLst>
+              </p14:cNvPr>
+              <p14:cNvContentPartPr/>
+              <p14:nvPr/>
+            </p14:nvContentPartPr>
+            <p14:xfrm>
+              <a:off x="3466065" y="1664715"/>
+              <a:ext cx="1305000" cy="2040480"/>
+            </p14:xfrm>
+          </p:contentPart>
+        </mc:Choice>
+        <mc:Fallback>
+          <p:pic>
+            <p:nvPicPr>
+              <p:cNvPr id="26" name="Ink 25">
+                <a:extLst>
+                  <a:ext uri="{FF2B5EF4-FFF2-40B4-BE49-F238E27FC236}">
+                    <a16:creationId xmlns:a16="http://schemas.microsoft.com/office/drawing/2014/main" id="{AF4A6C5C-5BEE-1E77-519E-0AD88A4F4EE8}"/>
+                  </a:ext>
+                </a:extLst>
+              </p:cNvPr>
+              <p:cNvPicPr/>
+              <p:nvPr/>
+            </p:nvPicPr>
+            <p:blipFill>
+              <a:blip r:embed="rId36"/>
+              <a:stretch>
+                <a:fillRect/>
+              </a:stretch>
+            </p:blipFill>
+            <p:spPr>
+              <a:xfrm>
+                <a:off x="3430425" y="1593075"/>
+                <a:ext cx="1376640" cy="2184120"/>
+              </a:xfrm>
+              <a:prstGeom prst="rect">
+                <a:avLst/>
+              </a:prstGeom>
+            </p:spPr>
+          </p:pic>
+        </mc:Fallback>
+      </mc:AlternateContent>
+      <mc:AlternateContent xmlns:mc="http://schemas.openxmlformats.org/markup-compatibility/2006">
+        <mc:Choice xmlns:p14="http://schemas.microsoft.com/office/powerpoint/2010/main" Requires="p14">
+          <p:contentPart p14:bwMode="auto" r:id="rId37">
+            <p14:nvContentPartPr>
+              <p14:cNvPr id="27" name="Ink 26">
+                <a:extLst>
+                  <a:ext uri="{FF2B5EF4-FFF2-40B4-BE49-F238E27FC236}">
+                    <a16:creationId xmlns:a16="http://schemas.microsoft.com/office/drawing/2014/main" id="{5CF90B46-E1F2-1C93-EC13-EAB5C76ABE51}"/>
+                  </a:ext>
+                </a:extLst>
+              </p14:cNvPr>
+              <p14:cNvContentPartPr/>
+              <p14:nvPr/>
+            </p14:nvContentPartPr>
+            <p14:xfrm>
+              <a:off x="5219625" y="1285635"/>
+              <a:ext cx="332640" cy="10440"/>
+            </p14:xfrm>
+          </p:contentPart>
+        </mc:Choice>
+        <mc:Fallback>
+          <p:pic>
+            <p:nvPicPr>
+              <p:cNvPr id="27" name="Ink 26">
+                <a:extLst>
+                  <a:ext uri="{FF2B5EF4-FFF2-40B4-BE49-F238E27FC236}">
+                    <a16:creationId xmlns:a16="http://schemas.microsoft.com/office/drawing/2014/main" id="{5CF90B46-E1F2-1C93-EC13-EAB5C76ABE51}"/>
+                  </a:ext>
+                </a:extLst>
+              </p:cNvPr>
+              <p:cNvPicPr/>
+              <p:nvPr/>
+            </p:nvPicPr>
+            <p:blipFill>
+              <a:blip r:embed="rId38"/>
+              <a:stretch>
+                <a:fillRect/>
+              </a:stretch>
+            </p:blipFill>
+            <p:spPr>
+              <a:xfrm>
+                <a:off x="5183625" y="1213635"/>
+                <a:ext cx="404280" cy="154080"/>
+              </a:xfrm>
+              <a:prstGeom prst="rect">
+                <a:avLst/>
+              </a:prstGeom>
+            </p:spPr>
+          </p:pic>
+        </mc:Fallback>
+      </mc:AlternateContent>
+      <p:sp>
+        <p:nvSpPr>
+          <p:cNvPr id="28" name="Rounded Rectangle 4">
+            <a:extLst>
+              <a:ext uri="{FF2B5EF4-FFF2-40B4-BE49-F238E27FC236}">
+                <a16:creationId xmlns:a16="http://schemas.microsoft.com/office/drawing/2014/main" id="{B9943194-C9B7-605F-EFAA-D1FDB7188A3A}"/>
+              </a:ext>
+            </a:extLst>
+          </p:cNvPr>
+          <p:cNvSpPr/>
+          <p:nvPr/>
+        </p:nvSpPr>
+        <p:spPr>
+          <a:xfrm>
+            <a:off x="5966746" y="4933643"/>
+            <a:ext cx="256335" cy="401503"/>
+          </a:xfrm>
+          <a:prstGeom prst="roundRect">
+            <a:avLst/>
+          </a:prstGeom>
+          <a:solidFill>
+            <a:srgbClr val="002060"/>
+          </a:solidFill>
+          <a:ln>
+            <a:solidFill>
+              <a:srgbClr val="002060"/>
+            </a:solidFill>
+          </a:ln>
+        </p:spPr>
+        <p:style>
+          <a:lnRef idx="2">
+            <a:schemeClr val="accent1">
+              <a:shade val="15000"/>
+            </a:schemeClr>
+          </a:lnRef>
+          <a:fillRef idx="1">
+            <a:schemeClr val="accent1"/>
+          </a:fillRef>
+          <a:effectRef idx="0">
+            <a:schemeClr val="accent1"/>
+          </a:effectRef>
+          <a:fontRef idx="minor">
+            <a:schemeClr val="lt1"/>
+          </a:fontRef>
+        </p:style>
+        <p:txBody>
+          <a:bodyPr rtlCol="0" anchor="ctr"/>
+          <a:lstStyle/>
+          <a:p>
+            <a:pPr algn="ctr"/>
+            <a:endParaRPr lang="en-US" dirty="0"/>
+          </a:p>
+        </p:txBody>
+      </p:sp>
+      <p:sp>
+        <p:nvSpPr>
+          <p:cNvPr id="29" name="TextBox 28">
+            <a:extLst>
+              <a:ext uri="{FF2B5EF4-FFF2-40B4-BE49-F238E27FC236}">
+                <a16:creationId xmlns:a16="http://schemas.microsoft.com/office/drawing/2014/main" id="{1A4C1E89-C765-D5AF-C26B-A9BCD52F47F0}"/>
+              </a:ext>
+            </a:extLst>
+          </p:cNvPr>
+          <p:cNvSpPr txBox="1"/>
+          <p:nvPr/>
+        </p:nvSpPr>
+        <p:spPr>
+          <a:xfrm>
+            <a:off x="5896711" y="4976970"/>
+            <a:ext cx="453783" cy="307777"/>
+          </a:xfrm>
+          <a:prstGeom prst="rect">
+            <a:avLst/>
+          </a:prstGeom>
+          <a:noFill/>
+        </p:spPr>
+        <p:txBody>
+          <a:bodyPr wrap="square" rtlCol="0">
+            <a:spAutoFit/>
+          </a:bodyPr>
+          <a:lstStyle/>
+          <a:p>
+            <a:r>
+              <a:rPr lang="en-US" sz="700" dirty="0">
+                <a:solidFill>
+                  <a:schemeClr val="bg1"/>
+                </a:solidFill>
+              </a:rPr>
+              <a:t>Shift left 12</a:t>
+            </a:r>
+          </a:p>
+        </p:txBody>
+      </p:sp>
+      <mc:AlternateContent xmlns:mc="http://schemas.openxmlformats.org/markup-compatibility/2006">
+        <mc:Choice xmlns:p14="http://schemas.microsoft.com/office/powerpoint/2010/main" Requires="p14">
+          <p:contentPart p14:bwMode="auto" r:id="rId39">
+            <p14:nvContentPartPr>
+              <p14:cNvPr id="31" name="Ink 30">
+                <a:extLst>
+                  <a:ext uri="{FF2B5EF4-FFF2-40B4-BE49-F238E27FC236}">
+                    <a16:creationId xmlns:a16="http://schemas.microsoft.com/office/drawing/2014/main" id="{C7F0171C-B686-18D2-2695-8538F1535A99}"/>
+                  </a:ext>
+                </a:extLst>
+              </p14:cNvPr>
+              <p14:cNvContentPartPr/>
+              <p14:nvPr/>
+            </p14:nvContentPartPr>
+            <p14:xfrm>
+              <a:off x="5905425" y="3857475"/>
+              <a:ext cx="799560" cy="38880"/>
+            </p14:xfrm>
+          </p:contentPart>
+        </mc:Choice>
+        <mc:Fallback>
+          <p:pic>
+            <p:nvPicPr>
+              <p:cNvPr id="31" name="Ink 30">
+                <a:extLst>
+                  <a:ext uri="{FF2B5EF4-FFF2-40B4-BE49-F238E27FC236}">
+                    <a16:creationId xmlns:a16="http://schemas.microsoft.com/office/drawing/2014/main" id="{C7F0171C-B686-18D2-2695-8538F1535A99}"/>
+                  </a:ext>
+                </a:extLst>
+              </p:cNvPr>
+              <p:cNvPicPr/>
+              <p:nvPr/>
+            </p:nvPicPr>
+            <p:blipFill>
+              <a:blip r:embed="rId40"/>
+              <a:stretch>
+                <a:fillRect/>
+              </a:stretch>
+            </p:blipFill>
+            <p:spPr>
+              <a:xfrm>
+                <a:off x="5869425" y="3785835"/>
+                <a:ext cx="871200" cy="182520"/>
+              </a:xfrm>
+              <a:prstGeom prst="rect">
+                <a:avLst/>
+              </a:prstGeom>
+            </p:spPr>
+          </p:pic>
+        </mc:Fallback>
+      </mc:AlternateContent>
+      <mc:AlternateContent xmlns:mc="http://schemas.openxmlformats.org/markup-compatibility/2006">
+        <mc:Choice xmlns:p14="http://schemas.microsoft.com/office/powerpoint/2010/main" Requires="p14">
+          <p:contentPart p14:bwMode="auto" r:id="rId41">
+            <p14:nvContentPartPr>
+              <p14:cNvPr id="32" name="Ink 31">
+                <a:extLst>
+                  <a:ext uri="{FF2B5EF4-FFF2-40B4-BE49-F238E27FC236}">
+                    <a16:creationId xmlns:a16="http://schemas.microsoft.com/office/drawing/2014/main" id="{B21EBFF5-5B04-E55C-9B7D-C258DE3ED135}"/>
+                  </a:ext>
+                </a:extLst>
+              </p14:cNvPr>
+              <p14:cNvContentPartPr/>
+              <p14:nvPr/>
+            </p14:nvContentPartPr>
+            <p14:xfrm>
+              <a:off x="5876985" y="5257515"/>
+              <a:ext cx="55080" cy="360"/>
+            </p14:xfrm>
+          </p:contentPart>
+        </mc:Choice>
+        <mc:Fallback>
+          <p:pic>
+            <p:nvPicPr>
+              <p:cNvPr id="32" name="Ink 31">
+                <a:extLst>
+                  <a:ext uri="{FF2B5EF4-FFF2-40B4-BE49-F238E27FC236}">
+                    <a16:creationId xmlns:a16="http://schemas.microsoft.com/office/drawing/2014/main" id="{B21EBFF5-5B04-E55C-9B7D-C258DE3ED135}"/>
+                  </a:ext>
+                </a:extLst>
+              </p:cNvPr>
+              <p:cNvPicPr/>
+              <p:nvPr/>
+            </p:nvPicPr>
+            <p:blipFill>
+              <a:blip r:embed="rId42"/>
+              <a:stretch>
+                <a:fillRect/>
+              </a:stretch>
+            </p:blipFill>
+            <p:spPr>
+              <a:xfrm>
+                <a:off x="5840985" y="5185875"/>
+                <a:ext cx="126720" cy="144000"/>
+              </a:xfrm>
+              <a:prstGeom prst="rect">
+                <a:avLst/>
+              </a:prstGeom>
+            </p:spPr>
+          </p:pic>
+        </mc:Fallback>
+      </mc:AlternateContent>
+      <mc:AlternateContent xmlns:mc="http://schemas.openxmlformats.org/markup-compatibility/2006">
+        <mc:Choice xmlns:p14="http://schemas.microsoft.com/office/powerpoint/2010/main" Requires="p14">
+          <p:contentPart p14:bwMode="auto" r:id="rId43">
+            <p14:nvContentPartPr>
+              <p14:cNvPr id="34" name="Ink 33">
+                <a:extLst>
+                  <a:ext uri="{FF2B5EF4-FFF2-40B4-BE49-F238E27FC236}">
+                    <a16:creationId xmlns:a16="http://schemas.microsoft.com/office/drawing/2014/main" id="{C4F73C69-ED98-BFC1-927B-24797753B4B2}"/>
+                  </a:ext>
+                </a:extLst>
+              </p14:cNvPr>
+              <p14:cNvContentPartPr/>
+              <p14:nvPr/>
+            </p14:nvContentPartPr>
+            <p14:xfrm>
+              <a:off x="7391505" y="4211715"/>
+              <a:ext cx="218160" cy="8280"/>
+            </p14:xfrm>
+          </p:contentPart>
+        </mc:Choice>
+        <mc:Fallback>
+          <p:pic>
+            <p:nvPicPr>
+              <p:cNvPr id="34" name="Ink 33">
+                <a:extLst>
+                  <a:ext uri="{FF2B5EF4-FFF2-40B4-BE49-F238E27FC236}">
+                    <a16:creationId xmlns:a16="http://schemas.microsoft.com/office/drawing/2014/main" id="{C4F73C69-ED98-BFC1-927B-24797753B4B2}"/>
+                  </a:ext>
+                </a:extLst>
+              </p:cNvPr>
+              <p:cNvPicPr/>
+              <p:nvPr/>
+            </p:nvPicPr>
+            <p:blipFill>
+              <a:blip r:embed="rId44"/>
+              <a:stretch>
+                <a:fillRect/>
+              </a:stretch>
+            </p:blipFill>
+            <p:spPr>
+              <a:xfrm>
+                <a:off x="7355505" y="4140075"/>
+                <a:ext cx="289800" cy="151920"/>
+              </a:xfrm>
+              <a:prstGeom prst="rect">
+                <a:avLst/>
+              </a:prstGeom>
+            </p:spPr>
+          </p:pic>
+        </mc:Fallback>
+      </mc:AlternateContent>
+      <mc:AlternateContent xmlns:mc="http://schemas.openxmlformats.org/markup-compatibility/2006">
+        <mc:Choice xmlns:p14="http://schemas.microsoft.com/office/powerpoint/2010/main" Requires="p14">
+          <p:contentPart p14:bwMode="auto" r:id="rId45">
+            <p14:nvContentPartPr>
+              <p14:cNvPr id="35" name="Ink 34">
+                <a:extLst>
+                  <a:ext uri="{FF2B5EF4-FFF2-40B4-BE49-F238E27FC236}">
+                    <a16:creationId xmlns:a16="http://schemas.microsoft.com/office/drawing/2014/main" id="{BB186574-7E5C-42A7-1B23-BBFC5B22BDA4}"/>
+                  </a:ext>
+                </a:extLst>
+              </p14:cNvPr>
+              <p14:cNvContentPartPr/>
+              <p14:nvPr/>
+            </p14:nvContentPartPr>
+            <p14:xfrm>
+              <a:off x="6877065" y="4420515"/>
+              <a:ext cx="267480" cy="1046880"/>
+            </p14:xfrm>
+          </p:contentPart>
+        </mc:Choice>
+        <mc:Fallback>
+          <p:pic>
+            <p:nvPicPr>
+              <p:cNvPr id="35" name="Ink 34">
+                <a:extLst>
+                  <a:ext uri="{FF2B5EF4-FFF2-40B4-BE49-F238E27FC236}">
+                    <a16:creationId xmlns:a16="http://schemas.microsoft.com/office/drawing/2014/main" id="{BB186574-7E5C-42A7-1B23-BBFC5B22BDA4}"/>
+                  </a:ext>
+                </a:extLst>
+              </p:cNvPr>
+              <p:cNvPicPr/>
+              <p:nvPr/>
+            </p:nvPicPr>
+            <p:blipFill>
+              <a:blip r:embed="rId46"/>
+              <a:stretch>
+                <a:fillRect/>
+              </a:stretch>
+            </p:blipFill>
+            <p:spPr>
+              <a:xfrm>
+                <a:off x="6841065" y="4348515"/>
+                <a:ext cx="339120" cy="1190520"/>
+              </a:xfrm>
+              <a:prstGeom prst="rect">
+                <a:avLst/>
+              </a:prstGeom>
+            </p:spPr>
+          </p:pic>
+        </mc:Fallback>
+      </mc:AlternateContent>
+      <mc:AlternateContent xmlns:mc="http://schemas.openxmlformats.org/markup-compatibility/2006">
+        <mc:Choice xmlns:p14="http://schemas.microsoft.com/office/powerpoint/2010/main" Requires="p14">
+          <p:contentPart p14:bwMode="auto" r:id="rId47">
+            <p14:nvContentPartPr>
+              <p14:cNvPr id="36" name="Ink 35">
+                <a:extLst>
+                  <a:ext uri="{FF2B5EF4-FFF2-40B4-BE49-F238E27FC236}">
+                    <a16:creationId xmlns:a16="http://schemas.microsoft.com/office/drawing/2014/main" id="{632C0CE9-9942-F6CD-3A61-EBD49E38986E}"/>
+                  </a:ext>
+                </a:extLst>
+              </p14:cNvPr>
+              <p14:cNvContentPartPr/>
+              <p14:nvPr/>
+            </p14:nvContentPartPr>
+            <p14:xfrm>
+              <a:off x="5925585" y="2074395"/>
+              <a:ext cx="1544400" cy="3850920"/>
+            </p14:xfrm>
+          </p:contentPart>
+        </mc:Choice>
+        <mc:Fallback>
+          <p:pic>
+            <p:nvPicPr>
+              <p:cNvPr id="36" name="Ink 35">
+                <a:extLst>
+                  <a:ext uri="{FF2B5EF4-FFF2-40B4-BE49-F238E27FC236}">
+                    <a16:creationId xmlns:a16="http://schemas.microsoft.com/office/drawing/2014/main" id="{632C0CE9-9942-F6CD-3A61-EBD49E38986E}"/>
+                  </a:ext>
+                </a:extLst>
+              </p:cNvPr>
+              <p:cNvPicPr/>
+              <p:nvPr/>
+            </p:nvPicPr>
+            <p:blipFill>
+              <a:blip r:embed="rId48"/>
+              <a:stretch>
+                <a:fillRect/>
+              </a:stretch>
+            </p:blipFill>
+            <p:spPr>
+              <a:xfrm>
+                <a:off x="5889585" y="2002395"/>
+                <a:ext cx="1616040" cy="3994560"/>
+              </a:xfrm>
+              <a:prstGeom prst="rect">
+                <a:avLst/>
+              </a:prstGeom>
+            </p:spPr>
+          </p:pic>
+        </mc:Fallback>
+      </mc:AlternateContent>
+      <mc:AlternateContent xmlns:mc="http://schemas.openxmlformats.org/markup-compatibility/2006">
+        <mc:Choice xmlns:p14="http://schemas.microsoft.com/office/powerpoint/2010/main" Requires="p14">
+          <p:contentPart p14:bwMode="auto" r:id="rId49">
+            <p14:nvContentPartPr>
+              <p14:cNvPr id="37" name="Ink 36">
+                <a:extLst>
+                  <a:ext uri="{FF2B5EF4-FFF2-40B4-BE49-F238E27FC236}">
+                    <a16:creationId xmlns:a16="http://schemas.microsoft.com/office/drawing/2014/main" id="{78A5017F-595E-F138-3AF1-63698B8FB732}"/>
+                  </a:ext>
+                </a:extLst>
+              </p14:cNvPr>
+              <p14:cNvContentPartPr/>
+              <p14:nvPr/>
+            </p14:nvContentPartPr>
+            <p14:xfrm>
+              <a:off x="5906505" y="2226675"/>
+              <a:ext cx="1447560" cy="1907280"/>
+            </p14:xfrm>
+          </p:contentPart>
+        </mc:Choice>
+        <mc:Fallback>
+          <p:pic>
+            <p:nvPicPr>
+              <p:cNvPr id="37" name="Ink 36">
+                <a:extLst>
+                  <a:ext uri="{FF2B5EF4-FFF2-40B4-BE49-F238E27FC236}">
+                    <a16:creationId xmlns:a16="http://schemas.microsoft.com/office/drawing/2014/main" id="{78A5017F-595E-F138-3AF1-63698B8FB732}"/>
+                  </a:ext>
+                </a:extLst>
+              </p:cNvPr>
+              <p:cNvPicPr/>
+              <p:nvPr/>
+            </p:nvPicPr>
+            <p:blipFill>
+              <a:blip r:embed="rId50"/>
+              <a:stretch>
+                <a:fillRect/>
+              </a:stretch>
+            </p:blipFill>
+            <p:spPr>
+              <a:xfrm>
+                <a:off x="5870505" y="2154675"/>
+                <a:ext cx="1519200" cy="2050920"/>
+              </a:xfrm>
+              <a:prstGeom prst="rect">
+                <a:avLst/>
+              </a:prstGeom>
+            </p:spPr>
+          </p:pic>
+        </mc:Fallback>
+      </mc:AlternateContent>
+      <p:sp>
+        <p:nvSpPr>
+          <p:cNvPr id="38" name="TextBox 37">
+            <a:extLst>
+              <a:ext uri="{FF2B5EF4-FFF2-40B4-BE49-F238E27FC236}">
+                <a16:creationId xmlns:a16="http://schemas.microsoft.com/office/drawing/2014/main" id="{91C9C766-8361-E8CB-A20E-0C26F7168FC3}"/>
+              </a:ext>
+            </a:extLst>
+          </p:cNvPr>
+          <p:cNvSpPr txBox="1"/>
+          <p:nvPr/>
+        </p:nvSpPr>
+        <p:spPr>
+          <a:xfrm>
+            <a:off x="6294583" y="3919702"/>
+            <a:ext cx="582482" cy="369332"/>
+          </a:xfrm>
+          <a:prstGeom prst="rect">
+            <a:avLst/>
+          </a:prstGeom>
+          <a:noFill/>
+        </p:spPr>
+        <p:txBody>
+          <a:bodyPr wrap="square" rtlCol="0">
+            <a:spAutoFit/>
+          </a:bodyPr>
+          <a:lstStyle/>
+          <a:p>
+            <a:r>
+              <a:rPr lang="en-US" dirty="0">
+                <a:solidFill>
+                  <a:srgbClr val="FF0000"/>
+                </a:solidFill>
+              </a:rPr>
+              <a:t>1</a:t>
+            </a:r>
+          </a:p>
+        </p:txBody>
+      </p:sp>
+      <mc:AlternateContent xmlns:mc="http://schemas.openxmlformats.org/markup-compatibility/2006">
+        <mc:Choice xmlns:p14="http://schemas.microsoft.com/office/powerpoint/2010/main" Requires="p14">
+          <p:contentPart p14:bwMode="auto" r:id="rId51">
+            <p14:nvContentPartPr>
+              <p14:cNvPr id="39" name="Ink 38">
+                <a:extLst>
+                  <a:ext uri="{FF2B5EF4-FFF2-40B4-BE49-F238E27FC236}">
+                    <a16:creationId xmlns:a16="http://schemas.microsoft.com/office/drawing/2014/main" id="{78F0020E-8F5A-5C92-CDC0-5EA11B9D5E50}"/>
+                  </a:ext>
+                </a:extLst>
+              </p14:cNvPr>
+              <p14:cNvContentPartPr/>
+              <p14:nvPr/>
+            </p14:nvContentPartPr>
+            <p14:xfrm>
+              <a:off x="5896065" y="6036915"/>
+              <a:ext cx="1751760" cy="30960"/>
+            </p14:xfrm>
+          </p:contentPart>
+        </mc:Choice>
+        <mc:Fallback>
+          <p:pic>
+            <p:nvPicPr>
+              <p:cNvPr id="39" name="Ink 38">
+                <a:extLst>
+                  <a:ext uri="{FF2B5EF4-FFF2-40B4-BE49-F238E27FC236}">
+                    <a16:creationId xmlns:a16="http://schemas.microsoft.com/office/drawing/2014/main" id="{78F0020E-8F5A-5C92-CDC0-5EA11B9D5E50}"/>
+                  </a:ext>
+                </a:extLst>
+              </p:cNvPr>
+              <p:cNvPicPr/>
+              <p:nvPr/>
+            </p:nvPicPr>
+            <p:blipFill>
+              <a:blip r:embed="rId52"/>
+              <a:stretch>
+                <a:fillRect/>
+              </a:stretch>
+            </p:blipFill>
+            <p:spPr>
+              <a:xfrm>
+                <a:off x="5860065" y="5964915"/>
+                <a:ext cx="1823400" cy="174600"/>
+              </a:xfrm>
+              <a:prstGeom prst="rect">
+                <a:avLst/>
+              </a:prstGeom>
+            </p:spPr>
+          </p:pic>
+        </mc:Fallback>
+      </mc:AlternateContent>
+      <p:sp>
+        <p:nvSpPr>
+          <p:cNvPr id="40" name="TextBox 39">
+            <a:extLst>
+              <a:ext uri="{FF2B5EF4-FFF2-40B4-BE49-F238E27FC236}">
+                <a16:creationId xmlns:a16="http://schemas.microsoft.com/office/drawing/2014/main" id="{4EA41665-0678-0C11-481C-DFDC758673EA}"/>
+              </a:ext>
+            </a:extLst>
+          </p:cNvPr>
+          <p:cNvSpPr txBox="1"/>
+          <p:nvPr/>
+        </p:nvSpPr>
+        <p:spPr>
+          <a:xfrm>
+            <a:off x="6013964" y="5662694"/>
+            <a:ext cx="582482" cy="369332"/>
+          </a:xfrm>
+          <a:prstGeom prst="rect">
+            <a:avLst/>
+          </a:prstGeom>
+          <a:noFill/>
+        </p:spPr>
+        <p:txBody>
+          <a:bodyPr wrap="square" rtlCol="0">
+            <a:spAutoFit/>
+          </a:bodyPr>
+          <a:lstStyle/>
+          <a:p>
+            <a:r>
+              <a:rPr lang="en-US" dirty="0" err="1">
+                <a:solidFill>
+                  <a:srgbClr val="FF0000"/>
+                </a:solidFill>
+              </a:rPr>
+              <a:t>rd</a:t>
+            </a:r>
+            <a:endParaRPr lang="en-US" dirty="0">
+              <a:solidFill>
+                <a:srgbClr val="FF0000"/>
+              </a:solidFill>
+            </a:endParaRPr>
+          </a:p>
+        </p:txBody>
+      </p:sp>
+      <p:sp>
+        <p:nvSpPr>
+          <p:cNvPr id="41" name="TextBox 40">
+            <a:extLst>
+              <a:ext uri="{FF2B5EF4-FFF2-40B4-BE49-F238E27FC236}">
+                <a16:creationId xmlns:a16="http://schemas.microsoft.com/office/drawing/2014/main" id="{A945F976-038D-CFE7-7ED2-9813A4017EF1}"/>
+              </a:ext>
+            </a:extLst>
+          </p:cNvPr>
+          <p:cNvSpPr txBox="1"/>
+          <p:nvPr/>
+        </p:nvSpPr>
+        <p:spPr>
+          <a:xfrm>
+            <a:off x="4272162" y="4773329"/>
+            <a:ext cx="797702" cy="369332"/>
+          </a:xfrm>
+          <a:prstGeom prst="rect">
+            <a:avLst/>
+          </a:prstGeom>
+          <a:noFill/>
+        </p:spPr>
+        <p:txBody>
+          <a:bodyPr wrap="square" rtlCol="0">
+            <a:spAutoFit/>
+          </a:bodyPr>
+          <a:lstStyle/>
+          <a:p>
+            <a:r>
+              <a:rPr lang="en-US" dirty="0" err="1">
+                <a:solidFill>
+                  <a:srgbClr val="FF0000"/>
+                </a:solidFill>
+              </a:rPr>
+              <a:t>imm</a:t>
+            </a:r>
+            <a:endParaRPr lang="en-US" dirty="0">
+              <a:solidFill>
+                <a:srgbClr val="FF0000"/>
+              </a:solidFill>
+            </a:endParaRPr>
+          </a:p>
+        </p:txBody>
+      </p:sp>
+      <mc:AlternateContent xmlns:mc="http://schemas.openxmlformats.org/markup-compatibility/2006">
+        <mc:Choice xmlns:p14="http://schemas.microsoft.com/office/powerpoint/2010/main" Requires="p14">
+          <p:contentPart p14:bwMode="auto" r:id="rId53">
+            <p14:nvContentPartPr>
+              <p14:cNvPr id="42" name="Ink 41">
+                <a:extLst>
+                  <a:ext uri="{FF2B5EF4-FFF2-40B4-BE49-F238E27FC236}">
+                    <a16:creationId xmlns:a16="http://schemas.microsoft.com/office/drawing/2014/main" id="{99231FB7-4DF0-BB36-56F1-A454F2F595F0}"/>
+                  </a:ext>
+                </a:extLst>
+              </p14:cNvPr>
+              <p14:cNvContentPartPr/>
+              <p14:nvPr/>
+            </p14:nvContentPartPr>
+            <p14:xfrm>
+              <a:off x="5924505" y="1285275"/>
+              <a:ext cx="1694880" cy="222840"/>
+            </p14:xfrm>
+          </p:contentPart>
+        </mc:Choice>
+        <mc:Fallback>
+          <p:pic>
+            <p:nvPicPr>
+              <p:cNvPr id="42" name="Ink 41">
+                <a:extLst>
+                  <a:ext uri="{FF2B5EF4-FFF2-40B4-BE49-F238E27FC236}">
+                    <a16:creationId xmlns:a16="http://schemas.microsoft.com/office/drawing/2014/main" id="{99231FB7-4DF0-BB36-56F1-A454F2F595F0}"/>
+                  </a:ext>
+                </a:extLst>
+              </p:cNvPr>
+              <p:cNvPicPr/>
+              <p:nvPr/>
+            </p:nvPicPr>
+            <p:blipFill>
+              <a:blip r:embed="rId54"/>
+              <a:stretch>
+                <a:fillRect/>
+              </a:stretch>
+            </p:blipFill>
+            <p:spPr>
+              <a:xfrm>
+                <a:off x="5888505" y="1213275"/>
+                <a:ext cx="1766520" cy="366480"/>
+              </a:xfrm>
+              <a:prstGeom prst="rect">
+                <a:avLst/>
+              </a:prstGeom>
+            </p:spPr>
+          </p:pic>
+        </mc:Fallback>
+      </mc:AlternateContent>
+      <mc:AlternateContent xmlns:mc="http://schemas.openxmlformats.org/markup-compatibility/2006">
+        <mc:Choice xmlns:p14="http://schemas.microsoft.com/office/powerpoint/2010/main" Requires="p14">
+          <p:contentPart p14:bwMode="auto" r:id="rId55">
+            <p14:nvContentPartPr>
+              <p14:cNvPr id="43" name="Ink 42">
+                <a:extLst>
+                  <a:ext uri="{FF2B5EF4-FFF2-40B4-BE49-F238E27FC236}">
+                    <a16:creationId xmlns:a16="http://schemas.microsoft.com/office/drawing/2014/main" id="{675B5505-63F4-415D-F2D0-B549E3ACA5D0}"/>
+                  </a:ext>
+                </a:extLst>
+              </p14:cNvPr>
+              <p14:cNvContentPartPr/>
+              <p14:nvPr/>
+            </p14:nvContentPartPr>
+            <p14:xfrm>
+              <a:off x="8010345" y="1685595"/>
+              <a:ext cx="1532880" cy="296280"/>
+            </p14:xfrm>
+          </p:contentPart>
+        </mc:Choice>
+        <mc:Fallback>
+          <p:pic>
+            <p:nvPicPr>
+              <p:cNvPr id="43" name="Ink 42">
+                <a:extLst>
+                  <a:ext uri="{FF2B5EF4-FFF2-40B4-BE49-F238E27FC236}">
+                    <a16:creationId xmlns:a16="http://schemas.microsoft.com/office/drawing/2014/main" id="{675B5505-63F4-415D-F2D0-B549E3ACA5D0}"/>
+                  </a:ext>
+                </a:extLst>
+              </p:cNvPr>
+              <p:cNvPicPr/>
+              <p:nvPr/>
+            </p:nvPicPr>
+            <p:blipFill>
+              <a:blip r:embed="rId56"/>
+              <a:stretch>
+                <a:fillRect/>
+              </a:stretch>
+            </p:blipFill>
+            <p:spPr>
+              <a:xfrm>
+                <a:off x="7974345" y="1613955"/>
+                <a:ext cx="1604520" cy="439920"/>
+              </a:xfrm>
+              <a:prstGeom prst="rect">
+                <a:avLst/>
+              </a:prstGeom>
+            </p:spPr>
+          </p:pic>
+        </mc:Fallback>
+      </mc:AlternateContent>
+      <mc:AlternateContent xmlns:mc="http://schemas.openxmlformats.org/markup-compatibility/2006">
+        <mc:Choice xmlns:p14="http://schemas.microsoft.com/office/powerpoint/2010/main" Requires="p14">
+          <p:contentPart p14:bwMode="auto" r:id="rId57">
+            <p14:nvContentPartPr>
+              <p14:cNvPr id="45" name="Ink 44">
+                <a:extLst>
+                  <a:ext uri="{FF2B5EF4-FFF2-40B4-BE49-F238E27FC236}">
+                    <a16:creationId xmlns:a16="http://schemas.microsoft.com/office/drawing/2014/main" id="{CD31FB29-81F1-9AA5-1391-6ADCCC2EA5F4}"/>
+                  </a:ext>
+                </a:extLst>
+              </p14:cNvPr>
+              <p14:cNvContentPartPr/>
+              <p14:nvPr/>
+            </p14:nvContentPartPr>
+            <p14:xfrm>
+              <a:off x="9877305" y="2247555"/>
+              <a:ext cx="391320" cy="1886040"/>
+            </p14:xfrm>
+          </p:contentPart>
+        </mc:Choice>
+        <mc:Fallback>
+          <p:pic>
+            <p:nvPicPr>
+              <p:cNvPr id="45" name="Ink 44">
+                <a:extLst>
+                  <a:ext uri="{FF2B5EF4-FFF2-40B4-BE49-F238E27FC236}">
+                    <a16:creationId xmlns:a16="http://schemas.microsoft.com/office/drawing/2014/main" id="{CD31FB29-81F1-9AA5-1391-6ADCCC2EA5F4}"/>
+                  </a:ext>
+                </a:extLst>
+              </p:cNvPr>
+              <p:cNvPicPr/>
+              <p:nvPr/>
+            </p:nvPicPr>
+            <p:blipFill>
+              <a:blip r:embed="rId58"/>
+              <a:stretch>
+                <a:fillRect/>
+              </a:stretch>
+            </p:blipFill>
+            <p:spPr>
+              <a:xfrm>
+                <a:off x="9841305" y="2175915"/>
+                <a:ext cx="462960" cy="2029680"/>
+              </a:xfrm>
+              <a:prstGeom prst="rect">
+                <a:avLst/>
+              </a:prstGeom>
+            </p:spPr>
+          </p:pic>
+        </mc:Fallback>
+      </mc:AlternateContent>
+      <p:sp>
+        <p:nvSpPr>
+          <p:cNvPr id="46" name="TextBox 45">
+            <a:extLst>
+              <a:ext uri="{FF2B5EF4-FFF2-40B4-BE49-F238E27FC236}">
+                <a16:creationId xmlns:a16="http://schemas.microsoft.com/office/drawing/2014/main" id="{161EC432-3B23-C08A-B486-1F31840CE342}"/>
+              </a:ext>
+            </a:extLst>
+          </p:cNvPr>
+          <p:cNvSpPr txBox="1"/>
+          <p:nvPr/>
+        </p:nvSpPr>
+        <p:spPr>
+          <a:xfrm>
+            <a:off x="10268625" y="3830368"/>
+            <a:ext cx="582482" cy="369332"/>
+          </a:xfrm>
+          <a:prstGeom prst="rect">
+            <a:avLst/>
+          </a:prstGeom>
+          <a:noFill/>
+        </p:spPr>
+        <p:txBody>
+          <a:bodyPr wrap="square" rtlCol="0">
+            <a:spAutoFit/>
+          </a:bodyPr>
+          <a:lstStyle/>
+          <a:p>
+            <a:r>
+              <a:rPr lang="en-US" dirty="0">
+                <a:solidFill>
+                  <a:srgbClr val="FF0000"/>
+                </a:solidFill>
+              </a:rPr>
+              <a:t>0</a:t>
+            </a:r>
+          </a:p>
+        </p:txBody>
+      </p:sp>
+      <p:sp>
+        <p:nvSpPr>
+          <p:cNvPr id="47" name="TextBox 46">
+            <a:extLst>
+              <a:ext uri="{FF2B5EF4-FFF2-40B4-BE49-F238E27FC236}">
+                <a16:creationId xmlns:a16="http://schemas.microsoft.com/office/drawing/2014/main" id="{F2C9B79D-6E26-67A1-8520-752FB838BB9D}"/>
+              </a:ext>
+            </a:extLst>
+          </p:cNvPr>
+          <p:cNvSpPr txBox="1"/>
+          <p:nvPr/>
+        </p:nvSpPr>
+        <p:spPr>
+          <a:xfrm>
+            <a:off x="8807922" y="3672809"/>
+            <a:ext cx="582482" cy="369332"/>
+          </a:xfrm>
+          <a:prstGeom prst="rect">
+            <a:avLst/>
+          </a:prstGeom>
+          <a:noFill/>
+        </p:spPr>
+        <p:txBody>
+          <a:bodyPr wrap="square" rtlCol="0">
+            <a:spAutoFit/>
+          </a:bodyPr>
+          <a:lstStyle/>
+          <a:p>
+            <a:r>
+              <a:rPr lang="en-US" dirty="0">
+                <a:solidFill>
+                  <a:srgbClr val="FF0000"/>
+                </a:solidFill>
+              </a:rPr>
+              <a:t>0</a:t>
+            </a:r>
+          </a:p>
+        </p:txBody>
+      </p:sp>
+      <p:sp>
+        <p:nvSpPr>
+          <p:cNvPr id="48" name="TextBox 47">
+            <a:extLst>
+              <a:ext uri="{FF2B5EF4-FFF2-40B4-BE49-F238E27FC236}">
+                <a16:creationId xmlns:a16="http://schemas.microsoft.com/office/drawing/2014/main" id="{45D66C02-BF97-0D13-C2B9-07D280CBAA78}"/>
+              </a:ext>
+            </a:extLst>
+          </p:cNvPr>
+          <p:cNvSpPr txBox="1"/>
+          <p:nvPr/>
+        </p:nvSpPr>
+        <p:spPr>
+          <a:xfrm>
+            <a:off x="8613734" y="5111403"/>
+            <a:ext cx="582482" cy="369332"/>
+          </a:xfrm>
+          <a:prstGeom prst="rect">
+            <a:avLst/>
+          </a:prstGeom>
+          <a:noFill/>
+        </p:spPr>
+        <p:txBody>
+          <a:bodyPr wrap="square" rtlCol="0">
+            <a:spAutoFit/>
+          </a:bodyPr>
+          <a:lstStyle/>
+          <a:p>
+            <a:r>
+              <a:rPr lang="en-US" dirty="0">
+                <a:solidFill>
+                  <a:srgbClr val="FF0000"/>
+                </a:solidFill>
+              </a:rPr>
+              <a:t>0</a:t>
+            </a:r>
+          </a:p>
+        </p:txBody>
+      </p:sp>
+      <mc:AlternateContent xmlns:mc="http://schemas.openxmlformats.org/markup-compatibility/2006">
+        <mc:Choice xmlns:p14="http://schemas.microsoft.com/office/powerpoint/2010/main" Requires="p14">
+          <p:contentPart p14:bwMode="auto" r:id="rId59">
+            <p14:nvContentPartPr>
+              <p14:cNvPr id="49" name="Ink 48">
+                <a:extLst>
+                  <a:ext uri="{FF2B5EF4-FFF2-40B4-BE49-F238E27FC236}">
+                    <a16:creationId xmlns:a16="http://schemas.microsoft.com/office/drawing/2014/main" id="{EE53F62A-F3C5-56F6-2259-5A09C222F1E8}"/>
+                  </a:ext>
+                </a:extLst>
+              </p14:cNvPr>
+              <p14:cNvContentPartPr/>
+              <p14:nvPr/>
+            </p14:nvContentPartPr>
+            <p14:xfrm>
+              <a:off x="5257785" y="2142795"/>
+              <a:ext cx="313560" cy="360"/>
+            </p14:xfrm>
+          </p:contentPart>
+        </mc:Choice>
+        <mc:Fallback>
+          <p:pic>
+            <p:nvPicPr>
+              <p:cNvPr id="49" name="Ink 48">
+                <a:extLst>
+                  <a:ext uri="{FF2B5EF4-FFF2-40B4-BE49-F238E27FC236}">
+                    <a16:creationId xmlns:a16="http://schemas.microsoft.com/office/drawing/2014/main" id="{EE53F62A-F3C5-56F6-2259-5A09C222F1E8}"/>
+                  </a:ext>
+                </a:extLst>
+              </p:cNvPr>
+              <p:cNvPicPr/>
+              <p:nvPr/>
+            </p:nvPicPr>
+            <p:blipFill>
+              <a:blip r:embed="rId60"/>
+              <a:stretch>
+                <a:fillRect/>
+              </a:stretch>
+            </p:blipFill>
+            <p:spPr>
+              <a:xfrm>
+                <a:off x="5221785" y="2071155"/>
+                <a:ext cx="385200" cy="144000"/>
+              </a:xfrm>
+              <a:prstGeom prst="rect">
+                <a:avLst/>
+              </a:prstGeom>
+            </p:spPr>
+          </p:pic>
+        </mc:Fallback>
+      </mc:AlternateContent>
+      <mc:AlternateContent xmlns:mc="http://schemas.openxmlformats.org/markup-compatibility/2006">
+        <mc:Choice xmlns:p14="http://schemas.microsoft.com/office/powerpoint/2010/main" Requires="p14">
+          <p:contentPart p14:bwMode="auto" r:id="rId61">
+            <p14:nvContentPartPr>
+              <p14:cNvPr id="50" name="Ink 49">
+                <a:extLst>
+                  <a:ext uri="{FF2B5EF4-FFF2-40B4-BE49-F238E27FC236}">
+                    <a16:creationId xmlns:a16="http://schemas.microsoft.com/office/drawing/2014/main" id="{5816BB5F-4891-E3D0-F863-5B64BFA34E85}"/>
+                  </a:ext>
+                </a:extLst>
+              </p14:cNvPr>
+              <p14:cNvContentPartPr/>
+              <p14:nvPr/>
+            </p14:nvContentPartPr>
+            <p14:xfrm>
+              <a:off x="7962825" y="4238355"/>
+              <a:ext cx="1551600" cy="972720"/>
+            </p14:xfrm>
+          </p:contentPart>
+        </mc:Choice>
+        <mc:Fallback>
+          <p:pic>
+            <p:nvPicPr>
+              <p:cNvPr id="50" name="Ink 49">
+                <a:extLst>
+                  <a:ext uri="{FF2B5EF4-FFF2-40B4-BE49-F238E27FC236}">
+                    <a16:creationId xmlns:a16="http://schemas.microsoft.com/office/drawing/2014/main" id="{5816BB5F-4891-E3D0-F863-5B64BFA34E85}"/>
+                  </a:ext>
+                </a:extLst>
+              </p:cNvPr>
+              <p:cNvPicPr/>
+              <p:nvPr/>
+            </p:nvPicPr>
+            <p:blipFill>
+              <a:blip r:embed="rId62"/>
+              <a:stretch>
+                <a:fillRect/>
+              </a:stretch>
+            </p:blipFill>
+            <p:spPr>
+              <a:xfrm>
+                <a:off x="7926825" y="4166355"/>
+                <a:ext cx="1623240" cy="1116360"/>
+              </a:xfrm>
+              <a:prstGeom prst="rect">
+                <a:avLst/>
+              </a:prstGeom>
+            </p:spPr>
+          </p:pic>
+        </mc:Fallback>
+      </mc:AlternateContent>
+      <mc:AlternateContent xmlns:mc="http://schemas.openxmlformats.org/markup-compatibility/2006">
+        <mc:Choice xmlns:p14="http://schemas.microsoft.com/office/powerpoint/2010/main" Requires="p14">
+          <p:contentPart p14:bwMode="auto" r:id="rId63">
+            <p14:nvContentPartPr>
+              <p14:cNvPr id="52" name="Ink 51">
+                <a:extLst>
+                  <a:ext uri="{FF2B5EF4-FFF2-40B4-BE49-F238E27FC236}">
+                    <a16:creationId xmlns:a16="http://schemas.microsoft.com/office/drawing/2014/main" id="{1903695F-9872-10C6-8AB3-2D5125EB558E}"/>
+                  </a:ext>
+                </a:extLst>
+              </p14:cNvPr>
+              <p14:cNvContentPartPr/>
+              <p14:nvPr/>
+            </p14:nvContentPartPr>
+            <p14:xfrm>
+              <a:off x="3812745" y="4449315"/>
+              <a:ext cx="6627240" cy="2323440"/>
+            </p14:xfrm>
+          </p:contentPart>
+        </mc:Choice>
+        <mc:Fallback>
+          <p:pic>
+            <p:nvPicPr>
+              <p:cNvPr id="52" name="Ink 51">
+                <a:extLst>
+                  <a:ext uri="{FF2B5EF4-FFF2-40B4-BE49-F238E27FC236}">
+                    <a16:creationId xmlns:a16="http://schemas.microsoft.com/office/drawing/2014/main" id="{1903695F-9872-10C6-8AB3-2D5125EB558E}"/>
+                  </a:ext>
+                </a:extLst>
+              </p:cNvPr>
+              <p:cNvPicPr/>
+              <p:nvPr/>
+            </p:nvPicPr>
+            <p:blipFill>
+              <a:blip r:embed="rId64"/>
+              <a:stretch>
+                <a:fillRect/>
+              </a:stretch>
+            </p:blipFill>
+            <p:spPr>
+              <a:xfrm>
+                <a:off x="3776745" y="4377675"/>
+                <a:ext cx="6698880" cy="2467080"/>
+              </a:xfrm>
+              <a:prstGeom prst="rect">
+                <a:avLst/>
+              </a:prstGeom>
+            </p:spPr>
+          </p:pic>
+        </mc:Fallback>
+      </mc:AlternateContent>
+      <mc:AlternateContent xmlns:mc="http://schemas.openxmlformats.org/markup-compatibility/2006">
+        <mc:Choice xmlns:p14="http://schemas.microsoft.com/office/powerpoint/2010/main" Requires="p14">
+          <p:contentPart p14:bwMode="auto" r:id="rId65">
+            <p14:nvContentPartPr>
+              <p14:cNvPr id="54" name="Ink 53">
+                <a:extLst>
+                  <a:ext uri="{FF2B5EF4-FFF2-40B4-BE49-F238E27FC236}">
+                    <a16:creationId xmlns:a16="http://schemas.microsoft.com/office/drawing/2014/main" id="{DEB0EF48-8220-E9B6-99AC-B324CE6F0269}"/>
+                  </a:ext>
+                </a:extLst>
+              </p14:cNvPr>
+              <p14:cNvContentPartPr/>
+              <p14:nvPr/>
+            </p14:nvContentPartPr>
+            <p14:xfrm>
+              <a:off x="3809865" y="4580820"/>
+              <a:ext cx="218160" cy="2048760"/>
+            </p14:xfrm>
+          </p:contentPart>
+        </mc:Choice>
+        <mc:Fallback>
+          <p:pic>
+            <p:nvPicPr>
+              <p:cNvPr id="54" name="Ink 53">
+                <a:extLst>
+                  <a:ext uri="{FF2B5EF4-FFF2-40B4-BE49-F238E27FC236}">
+                    <a16:creationId xmlns:a16="http://schemas.microsoft.com/office/drawing/2014/main" id="{DEB0EF48-8220-E9B6-99AC-B324CE6F0269}"/>
+                  </a:ext>
+                </a:extLst>
+              </p:cNvPr>
+              <p:cNvPicPr/>
+              <p:nvPr/>
+            </p:nvPicPr>
+            <p:blipFill>
+              <a:blip r:embed="rId66"/>
+              <a:stretch>
+                <a:fillRect/>
+              </a:stretch>
+            </p:blipFill>
+            <p:spPr>
+              <a:xfrm>
+                <a:off x="3773865" y="4509180"/>
+                <a:ext cx="289800" cy="2192400"/>
+              </a:xfrm>
+              <a:prstGeom prst="rect">
+                <a:avLst/>
+              </a:prstGeom>
+            </p:spPr>
+          </p:pic>
+        </mc:Fallback>
+      </mc:AlternateContent>
+      <p:sp>
+        <p:nvSpPr>
+          <p:cNvPr id="55" name="TextBox 54">
+            <a:extLst>
+              <a:ext uri="{FF2B5EF4-FFF2-40B4-BE49-F238E27FC236}">
+                <a16:creationId xmlns:a16="http://schemas.microsoft.com/office/drawing/2014/main" id="{49184293-F71D-75CD-F603-0B7F3EE3509E}"/>
+              </a:ext>
+            </a:extLst>
+          </p:cNvPr>
+          <p:cNvSpPr txBox="1"/>
+          <p:nvPr/>
+        </p:nvSpPr>
+        <p:spPr>
+          <a:xfrm>
+            <a:off x="3712889" y="4101929"/>
+            <a:ext cx="582482" cy="369332"/>
+          </a:xfrm>
+          <a:prstGeom prst="rect">
+            <a:avLst/>
+          </a:prstGeom>
+          <a:noFill/>
+        </p:spPr>
+        <p:txBody>
+          <a:bodyPr wrap="square" rtlCol="0">
+            <a:spAutoFit/>
+          </a:bodyPr>
+          <a:lstStyle/>
+          <a:p>
+            <a:r>
+              <a:rPr lang="en-US" dirty="0" err="1">
+                <a:solidFill>
+                  <a:srgbClr val="FF0000"/>
+                </a:solidFill>
+              </a:rPr>
+              <a:t>rd</a:t>
+            </a:r>
+            <a:endParaRPr lang="en-US" dirty="0">
+              <a:solidFill>
+                <a:srgbClr val="FF0000"/>
+              </a:solidFill>
+            </a:endParaRPr>
+          </a:p>
+        </p:txBody>
+      </p:sp>
+      <p:sp>
+        <p:nvSpPr>
+          <p:cNvPr id="56" name="TextBox 55">
+            <a:extLst>
+              <a:ext uri="{FF2B5EF4-FFF2-40B4-BE49-F238E27FC236}">
+                <a16:creationId xmlns:a16="http://schemas.microsoft.com/office/drawing/2014/main" id="{881DCFD3-1A2B-D288-F834-6F937C9D72A4}"/>
+              </a:ext>
+            </a:extLst>
+          </p:cNvPr>
+          <p:cNvSpPr txBox="1"/>
+          <p:nvPr/>
+        </p:nvSpPr>
+        <p:spPr>
+          <a:xfrm>
+            <a:off x="7683191" y="3951931"/>
+            <a:ext cx="1154536" cy="215444"/>
+          </a:xfrm>
+          <a:prstGeom prst="rect">
+            <a:avLst/>
+          </a:prstGeom>
+          <a:noFill/>
+        </p:spPr>
+        <p:txBody>
+          <a:bodyPr wrap="square" rtlCol="0">
+            <a:spAutoFit/>
+          </a:bodyPr>
+          <a:lstStyle/>
+          <a:p>
+            <a:r>
+              <a:rPr lang="en-US" sz="800" dirty="0">
+                <a:solidFill>
+                  <a:srgbClr val="FF0000"/>
+                </a:solidFill>
+              </a:rPr>
+              <a:t>Imm &lt;&lt; 12</a:t>
+            </a:r>
+          </a:p>
+        </p:txBody>
+      </p:sp>
+      <p:sp>
+        <p:nvSpPr>
+          <p:cNvPr id="57" name="TextBox 56">
+            <a:extLst>
+              <a:ext uri="{FF2B5EF4-FFF2-40B4-BE49-F238E27FC236}">
+                <a16:creationId xmlns:a16="http://schemas.microsoft.com/office/drawing/2014/main" id="{8BA46CAD-FBD3-FF1C-DBF1-5D143FDA65A0}"/>
+              </a:ext>
+            </a:extLst>
+          </p:cNvPr>
+          <p:cNvSpPr txBox="1"/>
+          <p:nvPr/>
+        </p:nvSpPr>
+        <p:spPr>
+          <a:xfrm>
+            <a:off x="8485544" y="5701120"/>
+            <a:ext cx="582482" cy="369332"/>
+          </a:xfrm>
+          <a:prstGeom prst="rect">
+            <a:avLst/>
+          </a:prstGeom>
+          <a:noFill/>
+        </p:spPr>
+        <p:txBody>
+          <a:bodyPr wrap="square" rtlCol="0">
+            <a:spAutoFit/>
+          </a:bodyPr>
+          <a:lstStyle/>
+          <a:p>
+            <a:r>
+              <a:rPr lang="en-US" dirty="0" err="1">
+                <a:solidFill>
+                  <a:srgbClr val="FF0000"/>
+                </a:solidFill>
+              </a:rPr>
+              <a:t>rd</a:t>
+            </a:r>
+            <a:endParaRPr lang="en-US" dirty="0">
+              <a:solidFill>
+                <a:srgbClr val="FF0000"/>
+              </a:solidFill>
+            </a:endParaRPr>
+          </a:p>
+        </p:txBody>
+      </p:sp>
+      <p:sp>
+        <p:nvSpPr>
+          <p:cNvPr id="58" name="TextBox 57">
+            <a:extLst>
+              <a:ext uri="{FF2B5EF4-FFF2-40B4-BE49-F238E27FC236}">
+                <a16:creationId xmlns:a16="http://schemas.microsoft.com/office/drawing/2014/main" id="{A7141076-781C-D754-99C9-DCF2B5087BDB}"/>
+              </a:ext>
+            </a:extLst>
+          </p:cNvPr>
+          <p:cNvSpPr txBox="1"/>
+          <p:nvPr/>
+        </p:nvSpPr>
+        <p:spPr>
+          <a:xfrm>
+            <a:off x="3980921" y="6587817"/>
+            <a:ext cx="582482" cy="369332"/>
+          </a:xfrm>
+          <a:prstGeom prst="rect">
+            <a:avLst/>
+          </a:prstGeom>
+          <a:noFill/>
+        </p:spPr>
+        <p:txBody>
+          <a:bodyPr wrap="square" rtlCol="0">
+            <a:spAutoFit/>
+          </a:bodyPr>
+          <a:lstStyle/>
+          <a:p>
+            <a:r>
+              <a:rPr lang="en-US" dirty="0" err="1">
+                <a:solidFill>
+                  <a:srgbClr val="FF0000"/>
+                </a:solidFill>
+              </a:rPr>
+              <a:t>rd</a:t>
+            </a:r>
+            <a:endParaRPr lang="en-US" dirty="0">
+              <a:solidFill>
+                <a:srgbClr val="FF0000"/>
+              </a:solidFill>
+            </a:endParaRPr>
+          </a:p>
+        </p:txBody>
+      </p:sp>
+      <mc:AlternateContent xmlns:mc="http://schemas.openxmlformats.org/markup-compatibility/2006">
+        <mc:Choice xmlns:p14="http://schemas.microsoft.com/office/powerpoint/2010/main" Requires="p14">
+          <p:contentPart p14:bwMode="auto" r:id="rId67">
+            <p14:nvContentPartPr>
+              <p14:cNvPr id="59" name="Ink 58">
+                <a:extLst>
+                  <a:ext uri="{FF2B5EF4-FFF2-40B4-BE49-F238E27FC236}">
+                    <a16:creationId xmlns:a16="http://schemas.microsoft.com/office/drawing/2014/main" id="{4666F2BA-3C10-73BE-4864-5D324844CA37}"/>
+                  </a:ext>
+                </a:extLst>
+              </p14:cNvPr>
+              <p14:cNvContentPartPr/>
+              <p14:nvPr/>
+            </p14:nvContentPartPr>
+            <p14:xfrm>
+              <a:off x="7981905" y="6035940"/>
+              <a:ext cx="1542240" cy="32040"/>
+            </p14:xfrm>
+          </p:contentPart>
+        </mc:Choice>
+        <mc:Fallback>
+          <p:pic>
+            <p:nvPicPr>
+              <p:cNvPr id="59" name="Ink 58">
+                <a:extLst>
+                  <a:ext uri="{FF2B5EF4-FFF2-40B4-BE49-F238E27FC236}">
+                    <a16:creationId xmlns:a16="http://schemas.microsoft.com/office/drawing/2014/main" id="{4666F2BA-3C10-73BE-4864-5D324844CA37}"/>
+                  </a:ext>
+                </a:extLst>
+              </p:cNvPr>
+              <p:cNvPicPr/>
+              <p:nvPr/>
+            </p:nvPicPr>
+            <p:blipFill>
+              <a:blip r:embed="rId68"/>
+              <a:stretch>
+                <a:fillRect/>
+              </a:stretch>
+            </p:blipFill>
+            <p:spPr>
+              <a:xfrm>
+                <a:off x="7945905" y="5963940"/>
+                <a:ext cx="1613880" cy="175680"/>
+              </a:xfrm>
+              <a:prstGeom prst="rect">
+                <a:avLst/>
+              </a:prstGeom>
+            </p:spPr>
+          </p:pic>
+        </mc:Fallback>
+      </mc:AlternateContent>
+      <mc:AlternateContent xmlns:mc="http://schemas.openxmlformats.org/markup-compatibility/2006">
+        <mc:Choice xmlns:p14="http://schemas.microsoft.com/office/powerpoint/2010/main" Requires="p14">
+          <p:contentPart p14:bwMode="auto" r:id="rId69">
+            <p14:nvContentPartPr>
+              <p14:cNvPr id="60" name="Ink 59">
+                <a:extLst>
+                  <a:ext uri="{FF2B5EF4-FFF2-40B4-BE49-F238E27FC236}">
+                    <a16:creationId xmlns:a16="http://schemas.microsoft.com/office/drawing/2014/main" id="{7B6F1408-1215-E69F-406D-D574ACF13B26}"/>
+                  </a:ext>
+                </a:extLst>
+              </p14:cNvPr>
+              <p14:cNvContentPartPr/>
+              <p14:nvPr/>
+            </p14:nvContentPartPr>
+            <p14:xfrm>
+              <a:off x="3636705" y="4409820"/>
+              <a:ext cx="6633000" cy="2182680"/>
+            </p14:xfrm>
+          </p:contentPart>
+        </mc:Choice>
+        <mc:Fallback>
+          <p:pic>
+            <p:nvPicPr>
+              <p:cNvPr id="60" name="Ink 59">
+                <a:extLst>
+                  <a:ext uri="{FF2B5EF4-FFF2-40B4-BE49-F238E27FC236}">
+                    <a16:creationId xmlns:a16="http://schemas.microsoft.com/office/drawing/2014/main" id="{7B6F1408-1215-E69F-406D-D574ACF13B26}"/>
+                  </a:ext>
+                </a:extLst>
+              </p:cNvPr>
+              <p:cNvPicPr/>
+              <p:nvPr/>
+            </p:nvPicPr>
+            <p:blipFill>
+              <a:blip r:embed="rId70"/>
+              <a:stretch>
+                <a:fillRect/>
+              </a:stretch>
+            </p:blipFill>
+            <p:spPr>
+              <a:xfrm>
+                <a:off x="3600705" y="4337820"/>
+                <a:ext cx="6704640" cy="2326320"/>
+              </a:xfrm>
+              <a:prstGeom prst="rect">
+                <a:avLst/>
+              </a:prstGeom>
+            </p:spPr>
+          </p:pic>
+        </mc:Fallback>
+      </mc:AlternateContent>
+      <p:sp>
+        <p:nvSpPr>
+          <p:cNvPr id="61" name="TextBox 60">
+            <a:extLst>
+              <a:ext uri="{FF2B5EF4-FFF2-40B4-BE49-F238E27FC236}">
+                <a16:creationId xmlns:a16="http://schemas.microsoft.com/office/drawing/2014/main" id="{228C1D00-5C61-54DE-7DAF-15CF5747DE6B}"/>
+              </a:ext>
+            </a:extLst>
+          </p:cNvPr>
+          <p:cNvSpPr txBox="1"/>
+          <p:nvPr/>
+        </p:nvSpPr>
+        <p:spPr>
+          <a:xfrm>
+            <a:off x="6328964" y="3563325"/>
+            <a:ext cx="1268551" cy="215444"/>
+          </a:xfrm>
+          <a:prstGeom prst="rect">
+            <a:avLst/>
+          </a:prstGeom>
+          <a:noFill/>
+        </p:spPr>
+        <p:txBody>
+          <a:bodyPr wrap="square" rtlCol="0">
+            <a:spAutoFit/>
+          </a:bodyPr>
+          <a:lstStyle/>
+          <a:p>
+            <a:r>
+              <a:rPr lang="en-US" sz="800" dirty="0">
+                <a:solidFill>
+                  <a:srgbClr val="FF0000"/>
+                </a:solidFill>
+              </a:rPr>
+              <a:t>Zero register</a:t>
+            </a:r>
+          </a:p>
+        </p:txBody>
+      </p:sp>
+      <p:sp>
+        <p:nvSpPr>
+          <p:cNvPr id="62" name="TextBox 61">
+            <a:extLst>
+              <a:ext uri="{FF2B5EF4-FFF2-40B4-BE49-F238E27FC236}">
+                <a16:creationId xmlns:a16="http://schemas.microsoft.com/office/drawing/2014/main" id="{872143FF-59BE-4DAA-FF37-F3E9A4BB2499}"/>
+              </a:ext>
+            </a:extLst>
+          </p:cNvPr>
+          <p:cNvSpPr txBox="1"/>
+          <p:nvPr/>
+        </p:nvSpPr>
+        <p:spPr>
+          <a:xfrm>
+            <a:off x="6394492" y="4197256"/>
+            <a:ext cx="1154536" cy="215444"/>
+          </a:xfrm>
+          <a:prstGeom prst="rect">
+            <a:avLst/>
+          </a:prstGeom>
+          <a:noFill/>
+        </p:spPr>
+        <p:txBody>
+          <a:bodyPr wrap="square" rtlCol="0">
+            <a:spAutoFit/>
+          </a:bodyPr>
+          <a:lstStyle/>
+          <a:p>
+            <a:r>
+              <a:rPr lang="en-US" sz="800" dirty="0">
+                <a:solidFill>
+                  <a:srgbClr val="FF0000"/>
+                </a:solidFill>
+              </a:rPr>
+              <a:t>Imm &lt;&lt; 12</a:t>
+            </a:r>
+          </a:p>
+        </p:txBody>
+      </p:sp>
+      <p:sp>
+        <p:nvSpPr>
+          <p:cNvPr id="63" name="TextBox 62">
+            <a:extLst>
+              <a:ext uri="{FF2B5EF4-FFF2-40B4-BE49-F238E27FC236}">
+                <a16:creationId xmlns:a16="http://schemas.microsoft.com/office/drawing/2014/main" id="{280B980A-BBC2-4574-6257-806C1379718B}"/>
+              </a:ext>
+            </a:extLst>
+          </p:cNvPr>
+          <p:cNvSpPr txBox="1"/>
+          <p:nvPr/>
+        </p:nvSpPr>
+        <p:spPr>
+          <a:xfrm>
+            <a:off x="6920580" y="4416209"/>
+            <a:ext cx="1154536" cy="215444"/>
+          </a:xfrm>
+          <a:prstGeom prst="rect">
+            <a:avLst/>
+          </a:prstGeom>
+          <a:noFill/>
+        </p:spPr>
+        <p:txBody>
+          <a:bodyPr wrap="square" rtlCol="0">
+            <a:spAutoFit/>
+          </a:bodyPr>
+          <a:lstStyle/>
+          <a:p>
+            <a:r>
+              <a:rPr lang="en-US" sz="800" dirty="0">
+                <a:solidFill>
+                  <a:srgbClr val="FF0000"/>
+                </a:solidFill>
+              </a:rPr>
+              <a:t>+</a:t>
+            </a:r>
+          </a:p>
+        </p:txBody>
+      </p:sp>
+      <p:sp>
+        <p:nvSpPr>
+          <p:cNvPr id="64" name="TextBox 63">
+            <a:extLst>
+              <a:ext uri="{FF2B5EF4-FFF2-40B4-BE49-F238E27FC236}">
+                <a16:creationId xmlns:a16="http://schemas.microsoft.com/office/drawing/2014/main" id="{74ACD875-2D47-C31C-F2A8-35211450FBC0}"/>
+              </a:ext>
+            </a:extLst>
+          </p:cNvPr>
+          <p:cNvSpPr txBox="1"/>
+          <p:nvPr/>
+        </p:nvSpPr>
+        <p:spPr>
+          <a:xfrm>
+            <a:off x="3634030" y="4445354"/>
+            <a:ext cx="1154536" cy="215444"/>
+          </a:xfrm>
+          <a:prstGeom prst="rect">
+            <a:avLst/>
+          </a:prstGeom>
+          <a:noFill/>
+        </p:spPr>
+        <p:txBody>
+          <a:bodyPr wrap="square" rtlCol="0">
+            <a:spAutoFit/>
+          </a:bodyPr>
+          <a:lstStyle/>
+          <a:p>
+            <a:r>
+              <a:rPr lang="en-US" sz="800" dirty="0">
+                <a:solidFill>
+                  <a:srgbClr val="FF0000"/>
+                </a:solidFill>
+              </a:rPr>
+              <a:t>Imm &lt;&lt; 12</a:t>
+            </a:r>
+          </a:p>
+        </p:txBody>
+      </p:sp>
+      <p:sp>
+        <p:nvSpPr>
+          <p:cNvPr id="65" name="Rounded Rectangle 4">
+            <a:extLst>
+              <a:ext uri="{FF2B5EF4-FFF2-40B4-BE49-F238E27FC236}">
+                <a16:creationId xmlns:a16="http://schemas.microsoft.com/office/drawing/2014/main" id="{A152BE70-6EB9-C3A6-B3C8-8FE6B2CB42C7}"/>
+              </a:ext>
+            </a:extLst>
+          </p:cNvPr>
+          <p:cNvSpPr/>
+          <p:nvPr/>
+        </p:nvSpPr>
+        <p:spPr>
+          <a:xfrm>
+            <a:off x="6328964" y="4986483"/>
+            <a:ext cx="435327" cy="166377"/>
+          </a:xfrm>
+          <a:prstGeom prst="roundRect">
+            <a:avLst/>
+          </a:prstGeom>
+          <a:solidFill>
+            <a:srgbClr val="002060"/>
+          </a:solidFill>
+          <a:ln>
+            <a:solidFill>
+              <a:srgbClr val="002060"/>
+            </a:solidFill>
+          </a:ln>
+        </p:spPr>
+        <p:style>
+          <a:lnRef idx="2">
+            <a:schemeClr val="accent1">
+              <a:shade val="15000"/>
+            </a:schemeClr>
+          </a:lnRef>
+          <a:fillRef idx="1">
+            <a:schemeClr val="accent1"/>
+          </a:fillRef>
+          <a:effectRef idx="0">
+            <a:schemeClr val="accent1"/>
+          </a:effectRef>
+          <a:fontRef idx="minor">
+            <a:schemeClr val="lt1"/>
+          </a:fontRef>
+        </p:style>
+        <p:txBody>
+          <a:bodyPr rtlCol="0" anchor="ctr"/>
+          <a:lstStyle/>
+          <a:p>
+            <a:pPr algn="ctr"/>
+            <a:endParaRPr lang="en-US" dirty="0"/>
+          </a:p>
+        </p:txBody>
+      </p:sp>
+      <p:sp>
+        <p:nvSpPr>
+          <p:cNvPr id="67" name="TextBox 66">
+            <a:extLst>
+              <a:ext uri="{FF2B5EF4-FFF2-40B4-BE49-F238E27FC236}">
+                <a16:creationId xmlns:a16="http://schemas.microsoft.com/office/drawing/2014/main" id="{3F805921-D99C-0F0E-40DC-62D6CFAC01A0}"/>
+              </a:ext>
+            </a:extLst>
+          </p:cNvPr>
+          <p:cNvSpPr txBox="1"/>
+          <p:nvPr/>
+        </p:nvSpPr>
+        <p:spPr>
+          <a:xfrm>
+            <a:off x="6504148" y="4939862"/>
+            <a:ext cx="582482" cy="253916"/>
+          </a:xfrm>
+          <a:prstGeom prst="rect">
+            <a:avLst/>
+          </a:prstGeom>
+          <a:noFill/>
+        </p:spPr>
+        <p:txBody>
+          <a:bodyPr wrap="square" rtlCol="0">
+            <a:spAutoFit/>
+          </a:bodyPr>
+          <a:lstStyle/>
+          <a:p>
+            <a:r>
+              <a:rPr lang="en-US" sz="1050" dirty="0">
+                <a:solidFill>
+                  <a:schemeClr val="bg1"/>
+                </a:solidFill>
+              </a:rPr>
+              <a:t>1</a:t>
+            </a:r>
+          </a:p>
+        </p:txBody>
+      </p:sp>
+      <p:sp>
+        <p:nvSpPr>
+          <p:cNvPr id="68" name="TextBox 67">
+            <a:extLst>
+              <a:ext uri="{FF2B5EF4-FFF2-40B4-BE49-F238E27FC236}">
+                <a16:creationId xmlns:a16="http://schemas.microsoft.com/office/drawing/2014/main" id="{4705762B-3DF4-984A-D629-A1F041F55607}"/>
+              </a:ext>
+            </a:extLst>
+          </p:cNvPr>
+          <p:cNvSpPr txBox="1"/>
+          <p:nvPr/>
+        </p:nvSpPr>
+        <p:spPr>
+          <a:xfrm>
+            <a:off x="6304756" y="4939862"/>
+            <a:ext cx="582482" cy="253916"/>
+          </a:xfrm>
+          <a:prstGeom prst="rect">
+            <a:avLst/>
+          </a:prstGeom>
+          <a:noFill/>
+        </p:spPr>
+        <p:txBody>
+          <a:bodyPr wrap="square" rtlCol="0">
+            <a:spAutoFit/>
+          </a:bodyPr>
+          <a:lstStyle/>
+          <a:p>
+            <a:r>
+              <a:rPr lang="en-US" sz="1050" dirty="0">
+                <a:solidFill>
+                  <a:schemeClr val="bg1"/>
+                </a:solidFill>
+              </a:rPr>
+              <a:t>0</a:t>
+            </a:r>
+          </a:p>
+        </p:txBody>
+      </p:sp>
+      <mc:AlternateContent xmlns:mc="http://schemas.openxmlformats.org/markup-compatibility/2006">
+        <mc:Choice xmlns:p14="http://schemas.microsoft.com/office/powerpoint/2010/main" Requires="p14">
+          <p:contentPart p14:bwMode="auto" r:id="rId71">
+            <p14:nvContentPartPr>
+              <p14:cNvPr id="70" name="Ink 69">
+                <a:extLst>
+                  <a:ext uri="{FF2B5EF4-FFF2-40B4-BE49-F238E27FC236}">
+                    <a16:creationId xmlns:a16="http://schemas.microsoft.com/office/drawing/2014/main" id="{B826E7D5-FF4F-138B-52F1-7A785C3B0D19}"/>
+                  </a:ext>
+                </a:extLst>
+              </p14:cNvPr>
+              <p14:cNvContentPartPr/>
+              <p14:nvPr/>
+            </p14:nvContentPartPr>
+            <p14:xfrm>
+              <a:off x="5905425" y="5169780"/>
+              <a:ext cx="511560" cy="270720"/>
+            </p14:xfrm>
+          </p:contentPart>
+        </mc:Choice>
+        <mc:Fallback>
+          <p:pic>
+            <p:nvPicPr>
+              <p:cNvPr id="70" name="Ink 69">
+                <a:extLst>
+                  <a:ext uri="{FF2B5EF4-FFF2-40B4-BE49-F238E27FC236}">
+                    <a16:creationId xmlns:a16="http://schemas.microsoft.com/office/drawing/2014/main" id="{B826E7D5-FF4F-138B-52F1-7A785C3B0D19}"/>
+                  </a:ext>
+                </a:extLst>
+              </p:cNvPr>
+              <p:cNvPicPr/>
+              <p:nvPr/>
+            </p:nvPicPr>
+            <p:blipFill>
+              <a:blip r:embed="rId72"/>
+              <a:stretch>
+                <a:fillRect/>
+              </a:stretch>
+            </p:blipFill>
+            <p:spPr>
+              <a:xfrm>
+                <a:off x="5887425" y="5151780"/>
+                <a:ext cx="547200" cy="306360"/>
+              </a:xfrm>
+              <a:prstGeom prst="rect">
+                <a:avLst/>
+              </a:prstGeom>
+            </p:spPr>
+          </p:pic>
+        </mc:Fallback>
+      </mc:AlternateContent>
+      <mc:AlternateContent xmlns:mc="http://schemas.openxmlformats.org/markup-compatibility/2006">
+        <mc:Choice xmlns:p14="http://schemas.microsoft.com/office/powerpoint/2010/main" Requires="p14">
+          <p:contentPart p14:bwMode="auto" r:id="rId73">
+            <p14:nvContentPartPr>
+              <p14:cNvPr id="71" name="Ink 70">
+                <a:extLst>
+                  <a:ext uri="{FF2B5EF4-FFF2-40B4-BE49-F238E27FC236}">
+                    <a16:creationId xmlns:a16="http://schemas.microsoft.com/office/drawing/2014/main" id="{73B17C6E-894E-C9BF-C1FF-DE14B6E0194B}"/>
+                  </a:ext>
+                </a:extLst>
+              </p14:cNvPr>
+              <p14:cNvContentPartPr/>
+              <p14:nvPr/>
+            </p14:nvContentPartPr>
+            <p14:xfrm>
+              <a:off x="6229425" y="5171580"/>
+              <a:ext cx="439560" cy="115560"/>
+            </p14:xfrm>
+          </p:contentPart>
+        </mc:Choice>
+        <mc:Fallback>
+          <p:pic>
+            <p:nvPicPr>
+              <p:cNvPr id="71" name="Ink 70">
+                <a:extLst>
+                  <a:ext uri="{FF2B5EF4-FFF2-40B4-BE49-F238E27FC236}">
+                    <a16:creationId xmlns:a16="http://schemas.microsoft.com/office/drawing/2014/main" id="{73B17C6E-894E-C9BF-C1FF-DE14B6E0194B}"/>
+                  </a:ext>
+                </a:extLst>
+              </p:cNvPr>
+              <p:cNvPicPr/>
+              <p:nvPr/>
+            </p:nvPicPr>
+            <p:blipFill>
+              <a:blip r:embed="rId74"/>
+              <a:stretch>
+                <a:fillRect/>
+              </a:stretch>
+            </p:blipFill>
+            <p:spPr>
+              <a:xfrm>
+                <a:off x="6211425" y="5153940"/>
+                <a:ext cx="475200" cy="151200"/>
+              </a:xfrm>
+              <a:prstGeom prst="rect">
+                <a:avLst/>
+              </a:prstGeom>
+            </p:spPr>
+          </p:pic>
+        </mc:Fallback>
+      </mc:AlternateContent>
+      <mc:AlternateContent xmlns:mc="http://schemas.openxmlformats.org/markup-compatibility/2006">
+        <mc:Choice xmlns:p14="http://schemas.microsoft.com/office/powerpoint/2010/main" Requires="p14">
+          <p:contentPart p14:bwMode="auto" r:id="rId75">
+            <p14:nvContentPartPr>
+              <p14:cNvPr id="73" name="Ink 72">
+                <a:extLst>
+                  <a:ext uri="{FF2B5EF4-FFF2-40B4-BE49-F238E27FC236}">
+                    <a16:creationId xmlns:a16="http://schemas.microsoft.com/office/drawing/2014/main" id="{8D917EA1-0436-0A02-FB72-C633E7CFC007}"/>
+                  </a:ext>
+                </a:extLst>
+              </p14:cNvPr>
+              <p14:cNvContentPartPr/>
+              <p14:nvPr/>
+            </p14:nvContentPartPr>
+            <p14:xfrm>
+              <a:off x="6047625" y="4667220"/>
+              <a:ext cx="467280" cy="305280"/>
+            </p14:xfrm>
+          </p:contentPart>
+        </mc:Choice>
+        <mc:Fallback>
+          <p:pic>
+            <p:nvPicPr>
+              <p:cNvPr id="73" name="Ink 72">
+                <a:extLst>
+                  <a:ext uri="{FF2B5EF4-FFF2-40B4-BE49-F238E27FC236}">
+                    <a16:creationId xmlns:a16="http://schemas.microsoft.com/office/drawing/2014/main" id="{8D917EA1-0436-0A02-FB72-C633E7CFC007}"/>
+                  </a:ext>
+                </a:extLst>
+              </p:cNvPr>
+              <p:cNvPicPr/>
+              <p:nvPr/>
+            </p:nvPicPr>
+            <p:blipFill>
+              <a:blip r:embed="rId76"/>
+              <a:stretch>
+                <a:fillRect/>
+              </a:stretch>
+            </p:blipFill>
+            <p:spPr>
+              <a:xfrm>
+                <a:off x="6029985" y="4649220"/>
+                <a:ext cx="502920" cy="340920"/>
+              </a:xfrm>
+              <a:prstGeom prst="rect">
+                <a:avLst/>
+              </a:prstGeom>
+            </p:spPr>
+          </p:pic>
+        </mc:Fallback>
+      </mc:AlternateContent>
+      <mc:AlternateContent xmlns:mc="http://schemas.openxmlformats.org/markup-compatibility/2006">
+        <mc:Choice xmlns:p14="http://schemas.microsoft.com/office/powerpoint/2010/main" Requires="p14">
+          <p:contentPart p14:bwMode="auto" r:id="rId77">
+            <p14:nvContentPartPr>
+              <p14:cNvPr id="74" name="Ink 73">
+                <a:extLst>
+                  <a:ext uri="{FF2B5EF4-FFF2-40B4-BE49-F238E27FC236}">
+                    <a16:creationId xmlns:a16="http://schemas.microsoft.com/office/drawing/2014/main" id="{1333C062-BB58-007A-CCD2-45C2A92F750B}"/>
+                  </a:ext>
+                </a:extLst>
+              </p14:cNvPr>
+              <p14:cNvContentPartPr/>
+              <p14:nvPr/>
+            </p14:nvContentPartPr>
+            <p14:xfrm>
+              <a:off x="6248505" y="5171940"/>
+              <a:ext cx="404280" cy="143280"/>
+            </p14:xfrm>
+          </p:contentPart>
+        </mc:Choice>
+        <mc:Fallback>
+          <p:pic>
+            <p:nvPicPr>
+              <p:cNvPr id="74" name="Ink 73">
+                <a:extLst>
+                  <a:ext uri="{FF2B5EF4-FFF2-40B4-BE49-F238E27FC236}">
+                    <a16:creationId xmlns:a16="http://schemas.microsoft.com/office/drawing/2014/main" id="{1333C062-BB58-007A-CCD2-45C2A92F750B}"/>
+                  </a:ext>
+                </a:extLst>
+              </p:cNvPr>
+              <p:cNvPicPr/>
+              <p:nvPr/>
+            </p:nvPicPr>
+            <p:blipFill>
+              <a:blip r:embed="rId78"/>
+              <a:stretch>
+                <a:fillRect/>
+              </a:stretch>
+            </p:blipFill>
+            <p:spPr>
+              <a:xfrm>
+                <a:off x="6230505" y="5136300"/>
+                <a:ext cx="439920" cy="214920"/>
+              </a:xfrm>
+              <a:prstGeom prst="rect">
+                <a:avLst/>
+              </a:prstGeom>
+            </p:spPr>
+          </p:pic>
+        </mc:Fallback>
+      </mc:AlternateContent>
+      <mc:AlternateContent xmlns:mc="http://schemas.openxmlformats.org/markup-compatibility/2006">
+        <mc:Choice xmlns:p14="http://schemas.microsoft.com/office/powerpoint/2010/main" Requires="p14">
+          <p:contentPart p14:bwMode="auto" r:id="rId79">
+            <p14:nvContentPartPr>
+              <p14:cNvPr id="77" name="Ink 76">
+                <a:extLst>
+                  <a:ext uri="{FF2B5EF4-FFF2-40B4-BE49-F238E27FC236}">
+                    <a16:creationId xmlns:a16="http://schemas.microsoft.com/office/drawing/2014/main" id="{46C4BCC4-6AF5-0318-BC16-2C8B8B827A0B}"/>
+                  </a:ext>
+                </a:extLst>
+              </p14:cNvPr>
+              <p14:cNvContentPartPr/>
+              <p14:nvPr/>
+            </p14:nvContentPartPr>
+            <p14:xfrm>
+              <a:off x="6056265" y="4658580"/>
+              <a:ext cx="506520" cy="285480"/>
+            </p14:xfrm>
+          </p:contentPart>
+        </mc:Choice>
+        <mc:Fallback>
+          <p:pic>
+            <p:nvPicPr>
+              <p:cNvPr id="77" name="Ink 76">
+                <a:extLst>
+                  <a:ext uri="{FF2B5EF4-FFF2-40B4-BE49-F238E27FC236}">
+                    <a16:creationId xmlns:a16="http://schemas.microsoft.com/office/drawing/2014/main" id="{46C4BCC4-6AF5-0318-BC16-2C8B8B827A0B}"/>
+                  </a:ext>
+                </a:extLst>
+              </p:cNvPr>
+              <p:cNvPicPr/>
+              <p:nvPr/>
+            </p:nvPicPr>
+            <p:blipFill>
+              <a:blip r:embed="rId80"/>
+              <a:stretch>
+                <a:fillRect/>
+              </a:stretch>
+            </p:blipFill>
+            <p:spPr>
+              <a:xfrm>
+                <a:off x="6020625" y="4586580"/>
+                <a:ext cx="578160" cy="429120"/>
+              </a:xfrm>
+              <a:prstGeom prst="rect">
+                <a:avLst/>
+              </a:prstGeom>
+            </p:spPr>
+          </p:pic>
+        </mc:Fallback>
+      </mc:AlternateContent>
+      <mc:AlternateContent xmlns:mc="http://schemas.openxmlformats.org/markup-compatibility/2006">
+        <mc:Choice xmlns:p14="http://schemas.microsoft.com/office/powerpoint/2010/main" Requires="p14">
+          <p:contentPart p14:bwMode="auto" r:id="rId81">
+            <p14:nvContentPartPr>
+              <p14:cNvPr id="78" name="Ink 77">
+                <a:extLst>
+                  <a:ext uri="{FF2B5EF4-FFF2-40B4-BE49-F238E27FC236}">
+                    <a16:creationId xmlns:a16="http://schemas.microsoft.com/office/drawing/2014/main" id="{D7A43F16-BFCF-940E-99CD-AFBA8CA434E6}"/>
+                  </a:ext>
+                </a:extLst>
+              </p14:cNvPr>
+              <p14:cNvContentPartPr/>
+              <p14:nvPr/>
+            </p14:nvContentPartPr>
+            <p14:xfrm>
+              <a:off x="6257865" y="5191020"/>
+              <a:ext cx="433800" cy="116640"/>
+            </p14:xfrm>
+          </p:contentPart>
+        </mc:Choice>
+        <mc:Fallback>
+          <p:pic>
+            <p:nvPicPr>
+              <p:cNvPr id="78" name="Ink 77">
+                <a:extLst>
+                  <a:ext uri="{FF2B5EF4-FFF2-40B4-BE49-F238E27FC236}">
+                    <a16:creationId xmlns:a16="http://schemas.microsoft.com/office/drawing/2014/main" id="{D7A43F16-BFCF-940E-99CD-AFBA8CA434E6}"/>
+                  </a:ext>
+                </a:extLst>
+              </p:cNvPr>
+              <p:cNvPicPr/>
+              <p:nvPr/>
+            </p:nvPicPr>
+            <p:blipFill>
+              <a:blip r:embed="rId82"/>
+              <a:stretch>
+                <a:fillRect/>
+              </a:stretch>
+            </p:blipFill>
+            <p:spPr>
+              <a:xfrm>
+                <a:off x="6221865" y="5119380"/>
+                <a:ext cx="505440" cy="260280"/>
+              </a:xfrm>
+              <a:prstGeom prst="rect">
+                <a:avLst/>
+              </a:prstGeom>
+            </p:spPr>
+          </p:pic>
+        </mc:Fallback>
+      </mc:AlternateContent>
+      <mc:AlternateContent xmlns:mc="http://schemas.openxmlformats.org/markup-compatibility/2006">
+        <mc:Choice xmlns:p14="http://schemas.microsoft.com/office/powerpoint/2010/main" Requires="p14">
+          <p:contentPart p14:bwMode="auto" r:id="rId83">
+            <p14:nvContentPartPr>
+              <p14:cNvPr id="79" name="Ink 78">
+                <a:extLst>
+                  <a:ext uri="{FF2B5EF4-FFF2-40B4-BE49-F238E27FC236}">
+                    <a16:creationId xmlns:a16="http://schemas.microsoft.com/office/drawing/2014/main" id="{398D3F24-E2BE-E396-36B9-6CDC3FDDB42B}"/>
+                  </a:ext>
+                </a:extLst>
+              </p14:cNvPr>
+              <p14:cNvContentPartPr/>
+              <p14:nvPr/>
+            </p14:nvContentPartPr>
+            <p14:xfrm>
+              <a:off x="6467385" y="4466340"/>
+              <a:ext cx="275400" cy="39240"/>
+            </p14:xfrm>
+          </p:contentPart>
+        </mc:Choice>
+        <mc:Fallback>
+          <p:pic>
+            <p:nvPicPr>
+              <p:cNvPr id="79" name="Ink 78">
+                <a:extLst>
+                  <a:ext uri="{FF2B5EF4-FFF2-40B4-BE49-F238E27FC236}">
+                    <a16:creationId xmlns:a16="http://schemas.microsoft.com/office/drawing/2014/main" id="{398D3F24-E2BE-E396-36B9-6CDC3FDDB42B}"/>
+                  </a:ext>
+                </a:extLst>
+              </p:cNvPr>
+              <p:cNvPicPr/>
+              <p:nvPr/>
+            </p:nvPicPr>
+            <p:blipFill>
+              <a:blip r:embed="rId84"/>
+              <a:stretch>
+                <a:fillRect/>
+              </a:stretch>
+            </p:blipFill>
+            <p:spPr>
+              <a:xfrm>
+                <a:off x="6431385" y="4394700"/>
+                <a:ext cx="347040" cy="182880"/>
+              </a:xfrm>
+              <a:prstGeom prst="rect">
+                <a:avLst/>
+              </a:prstGeom>
+            </p:spPr>
+          </p:pic>
+        </mc:Fallback>
+      </mc:AlternateContent>
+      <mc:AlternateContent xmlns:mc="http://schemas.openxmlformats.org/markup-compatibility/2006">
+        <mc:Choice xmlns:p14="http://schemas.microsoft.com/office/powerpoint/2010/main" Requires="p14">
+          <p:contentPart p14:bwMode="auto" r:id="rId85">
+            <p14:nvContentPartPr>
+              <p14:cNvPr id="80" name="Ink 79">
+                <a:extLst>
+                  <a:ext uri="{FF2B5EF4-FFF2-40B4-BE49-F238E27FC236}">
+                    <a16:creationId xmlns:a16="http://schemas.microsoft.com/office/drawing/2014/main" id="{6EF5C18D-BA92-2757-2F24-A5B1A414EEF4}"/>
+                  </a:ext>
+                </a:extLst>
+              </p14:cNvPr>
+              <p14:cNvContentPartPr/>
+              <p14:nvPr/>
+            </p14:nvContentPartPr>
+            <p14:xfrm>
+              <a:off x="5878425" y="2256300"/>
+              <a:ext cx="1172160" cy="2830680"/>
+            </p14:xfrm>
+          </p:contentPart>
+        </mc:Choice>
+        <mc:Fallback>
+          <p:pic>
+            <p:nvPicPr>
+              <p:cNvPr id="80" name="Ink 79">
+                <a:extLst>
+                  <a:ext uri="{FF2B5EF4-FFF2-40B4-BE49-F238E27FC236}">
+                    <a16:creationId xmlns:a16="http://schemas.microsoft.com/office/drawing/2014/main" id="{6EF5C18D-BA92-2757-2F24-A5B1A414EEF4}"/>
+                  </a:ext>
+                </a:extLst>
+              </p:cNvPr>
+              <p:cNvPicPr/>
+              <p:nvPr/>
+            </p:nvPicPr>
+            <p:blipFill>
+              <a:blip r:embed="rId86"/>
+              <a:stretch>
+                <a:fillRect/>
+              </a:stretch>
+            </p:blipFill>
+            <p:spPr>
+              <a:xfrm>
+                <a:off x="5860425" y="2238660"/>
+                <a:ext cx="1207800" cy="2866320"/>
+              </a:xfrm>
+              <a:prstGeom prst="rect">
+                <a:avLst/>
+              </a:prstGeom>
+            </p:spPr>
+          </p:pic>
+        </mc:Fallback>
+      </mc:AlternateContent>
+      <mc:AlternateContent xmlns:mc="http://schemas.openxmlformats.org/markup-compatibility/2006">
+        <mc:Choice xmlns:p14="http://schemas.microsoft.com/office/powerpoint/2010/main" Requires="p14">
+          <p:contentPart p14:bwMode="auto" r:id="rId87">
+            <p14:nvContentPartPr>
+              <p14:cNvPr id="81" name="Ink 80">
+                <a:extLst>
+                  <a:ext uri="{FF2B5EF4-FFF2-40B4-BE49-F238E27FC236}">
+                    <a16:creationId xmlns:a16="http://schemas.microsoft.com/office/drawing/2014/main" id="{D640970B-6848-9889-FA96-5DB3CE6AAC81}"/>
+                  </a:ext>
+                </a:extLst>
+              </p14:cNvPr>
+              <p14:cNvContentPartPr/>
+              <p14:nvPr/>
+            </p14:nvContentPartPr>
+            <p14:xfrm>
+              <a:off x="5943585" y="2256660"/>
+              <a:ext cx="1163160" cy="2844000"/>
+            </p14:xfrm>
+          </p:contentPart>
+        </mc:Choice>
+        <mc:Fallback>
+          <p:pic>
+            <p:nvPicPr>
+              <p:cNvPr id="81" name="Ink 80">
+                <a:extLst>
+                  <a:ext uri="{FF2B5EF4-FFF2-40B4-BE49-F238E27FC236}">
+                    <a16:creationId xmlns:a16="http://schemas.microsoft.com/office/drawing/2014/main" id="{D640970B-6848-9889-FA96-5DB3CE6AAC81}"/>
+                  </a:ext>
+                </a:extLst>
+              </p:cNvPr>
+              <p:cNvPicPr/>
+              <p:nvPr/>
+            </p:nvPicPr>
+            <p:blipFill>
+              <a:blip r:embed="rId88"/>
+              <a:stretch>
+                <a:fillRect/>
+              </a:stretch>
+            </p:blipFill>
+            <p:spPr>
+              <a:xfrm>
+                <a:off x="5907585" y="2184660"/>
+                <a:ext cx="1234800" cy="2987640"/>
+              </a:xfrm>
+              <a:prstGeom prst="rect">
+                <a:avLst/>
+              </a:prstGeom>
+            </p:spPr>
+          </p:pic>
+        </mc:Fallback>
+      </mc:AlternateContent>
+      <p:sp>
+        <p:nvSpPr>
+          <p:cNvPr id="82" name="TextBox 81">
+            <a:extLst>
+              <a:ext uri="{FF2B5EF4-FFF2-40B4-BE49-F238E27FC236}">
+                <a16:creationId xmlns:a16="http://schemas.microsoft.com/office/drawing/2014/main" id="{036B8B2B-AE2F-B3E9-35AB-08B878259B41}"/>
+              </a:ext>
+            </a:extLst>
+          </p:cNvPr>
+          <p:cNvSpPr txBox="1"/>
+          <p:nvPr/>
+        </p:nvSpPr>
+        <p:spPr>
+          <a:xfrm>
+            <a:off x="6829052" y="4902314"/>
+            <a:ext cx="582482" cy="369332"/>
+          </a:xfrm>
+          <a:prstGeom prst="rect">
+            <a:avLst/>
+          </a:prstGeom>
+          <a:noFill/>
+        </p:spPr>
+        <p:txBody>
+          <a:bodyPr wrap="square" rtlCol="0">
+            <a:spAutoFit/>
+          </a:bodyPr>
+          <a:lstStyle/>
+          <a:p>
+            <a:r>
+              <a:rPr lang="en-US" dirty="0">
+                <a:solidFill>
+                  <a:srgbClr val="FF0000"/>
+                </a:solidFill>
+              </a:rPr>
+              <a:t>1</a:t>
+            </a:r>
+          </a:p>
+        </p:txBody>
+      </p:sp>
+      <p:sp>
+        <p:nvSpPr>
+          <p:cNvPr id="83" name="TextBox 82">
+            <a:extLst>
+              <a:ext uri="{FF2B5EF4-FFF2-40B4-BE49-F238E27FC236}">
+                <a16:creationId xmlns:a16="http://schemas.microsoft.com/office/drawing/2014/main" id="{DED6AA90-9C6A-50C4-B71D-5D545F19C848}"/>
+              </a:ext>
+            </a:extLst>
+          </p:cNvPr>
+          <p:cNvSpPr txBox="1"/>
+          <p:nvPr/>
+        </p:nvSpPr>
+        <p:spPr>
+          <a:xfrm>
+            <a:off x="10873756" y="3971956"/>
+            <a:ext cx="1178185" cy="1546577"/>
+          </a:xfrm>
+          <a:prstGeom prst="rect">
+            <a:avLst/>
+          </a:prstGeom>
+          <a:noFill/>
+        </p:spPr>
+        <p:txBody>
+          <a:bodyPr wrap="square" rtlCol="0">
+            <a:spAutoFit/>
+          </a:bodyPr>
+          <a:lstStyle/>
+          <a:p>
+            <a:r>
+              <a:rPr lang="en-US" sz="1050" dirty="0">
+                <a:solidFill>
+                  <a:schemeClr val="accent5"/>
+                </a:solidFill>
+              </a:rPr>
+              <a:t>Added new control signal, shifter and mux to choose between shifting the immediate by 12 bits in the execute phase of the pipeline.</a:t>
+            </a:r>
+          </a:p>
+        </p:txBody>
+      </p:sp>
+      <p:cxnSp>
+        <p:nvCxnSpPr>
+          <p:cNvPr id="85" name="Straight Arrow Connector 84">
+            <a:extLst>
+              <a:ext uri="{FF2B5EF4-FFF2-40B4-BE49-F238E27FC236}">
+                <a16:creationId xmlns:a16="http://schemas.microsoft.com/office/drawing/2014/main" id="{E348AD59-2DC8-7341-1109-80960444FEA6}"/>
+              </a:ext>
+            </a:extLst>
+          </p:cNvPr>
+          <p:cNvCxnSpPr/>
+          <p:nvPr/>
+        </p:nvCxnSpPr>
+        <p:spPr>
+          <a:xfrm flipH="1">
+            <a:off x="6829052" y="4902314"/>
+            <a:ext cx="4022055" cy="308761"/>
+          </a:xfrm>
+          <a:prstGeom prst="straightConnector1">
+            <a:avLst/>
+          </a:prstGeom>
+          <a:ln>
+            <a:tailEnd type="triangle"/>
+          </a:ln>
+        </p:spPr>
+        <p:style>
+          <a:lnRef idx="2">
+            <a:schemeClr val="accent5"/>
+          </a:lnRef>
+          <a:fillRef idx="0">
+            <a:schemeClr val="accent5"/>
+          </a:fillRef>
+          <a:effectRef idx="1">
+            <a:schemeClr val="accent5"/>
+          </a:effectRef>
+          <a:fontRef idx="minor">
+            <a:schemeClr val="tx1"/>
+          </a:fontRef>
+        </p:style>
+      </p:cxnSp>
     </p:spTree>
     <p:extLst>
       <p:ext uri="{BB962C8B-B14F-4D97-AF65-F5344CB8AC3E}">

--- a/Homework/Homework 7/HW-7.pptx
+++ b/Homework/Homework 7/HW-7.pptx
@@ -3613,23 +3613,24 @@
         <inkml:traceFormat>
           <inkml:channel name="X" type="integer" min="-2.14748E9" max="2.14748E9" units="cm"/>
           <inkml:channel name="Y" type="integer" min="-2.14748E9" max="2.14748E9" units="cm"/>
-          <inkml:channel name="F" type="integer" max="32767" units="dev"/>
         </inkml:traceFormat>
         <inkml:channelProperties>
           <inkml:channelProperty channel="X" name="resolution" value="1000" units="1/cm"/>
           <inkml:channelProperty channel="Y" name="resolution" value="1000" units="1/cm"/>
-          <inkml:channelProperty channel="F" name="resolution" value="0" units="1/dev"/>
         </inkml:channelProperties>
       </inkml:inkSource>
-      <inkml:timestamp xml:id="ts0" timeString="2024-11-11T20:34:12.247"/>
+      <inkml:timestamp xml:id="ts0" timeString="2025-06-03T13:17:51.926"/>
     </inkml:context>
     <inkml:brush xml:id="br0">
-      <inkml:brushProperty name="width" value="0.05" units="cm"/>
-      <inkml:brushProperty name="height" value="0.05" units="cm"/>
-      <inkml:brushProperty name="color" value="#E71224"/>
+      <inkml:brushProperty name="width" value="0.1" units="cm"/>
+      <inkml:brushProperty name="height" value="0.2" units="cm"/>
+      <inkml:brushProperty name="color" value="#0069AF"/>
+      <inkml:brushProperty name="tip" value="rectangle"/>
+      <inkml:brushProperty name="rasterOp" value="maskPen"/>
+      <inkml:brushProperty name="ignorePressure" value="1"/>
     </inkml:brush>
   </inkml:definitions>
-  <inkml:trace contextRef="#ctx0" brushRef="#br0">0 1 24575,'0'0'0</inkml:trace>
+  <inkml:trace contextRef="#ctx0" brushRef="#br0">0 1589,'5'0,"0"0,-1 0,1 0,0-1,0 0,-1 0,1 0,-1 0,1-1,-1 1,1-1,-1 0,0-1,0 1,7-6,-8 4,0 0,0 0,0 0,-1 0,1 0,-1-1,0 1,-1-1,1 1,-1-1,0 0,0 0,0 0,-1 0,1-6,3-29,18-75,-3 23,3-72,-15 117,-1 0,-3 0,-6-92,0 32,3-369,0 465,0 0,1 1,0-1,1 0,0 1,0-1,1 1,1 0,9-19,-10 24,0 0,0 1,0 0,1 0,0 0,0 0,0 0,0 1,1 0,-1 0,1 0,0 1,0-1,0 1,0 0,0 0,0 1,0 0,1 0,-1 0,8 0,91-11,-51 5,54 1,-84 6</inkml:trace>
 </inkml:ink>
 </file>
 
@@ -3641,23 +3642,24 @@
         <inkml:traceFormat>
           <inkml:channel name="X" type="integer" min="-2.14748E9" max="2.14748E9" units="cm"/>
           <inkml:channel name="Y" type="integer" min="-2.14748E9" max="2.14748E9" units="cm"/>
-          <inkml:channel name="F" type="integer" max="32767" units="dev"/>
         </inkml:traceFormat>
         <inkml:channelProperties>
           <inkml:channelProperty channel="X" name="resolution" value="1000" units="1/cm"/>
           <inkml:channelProperty channel="Y" name="resolution" value="1000" units="1/cm"/>
-          <inkml:channelProperty channel="F" name="resolution" value="0" units="1/dev"/>
         </inkml:channelProperties>
       </inkml:inkSource>
-      <inkml:timestamp xml:id="ts0" timeString="2024-11-11T20:34:49.962"/>
+      <inkml:timestamp xml:id="ts0" timeString="2025-06-03T13:17:55.181"/>
     </inkml:context>
     <inkml:brush xml:id="br0">
-      <inkml:brushProperty name="width" value="0.05" units="cm"/>
-      <inkml:brushProperty name="height" value="0.05" units="cm"/>
-      <inkml:brushProperty name="color" value="#E71224"/>
+      <inkml:brushProperty name="width" value="0.1" units="cm"/>
+      <inkml:brushProperty name="height" value="0.2" units="cm"/>
+      <inkml:brushProperty name="color" value="#0069AF"/>
+      <inkml:brushProperty name="tip" value="rectangle"/>
+      <inkml:brushProperty name="rasterOp" value="maskPen"/>
+      <inkml:brushProperty name="ignorePressure" value="1"/>
     </inkml:brush>
   </inkml:definitions>
-  <inkml:trace contextRef="#ctx0" brushRef="#br0">28 1 24575,'-8'1'0,"-2"4"0,6-2 0,-2 1 0</inkml:trace>
+  <inkml:trace contextRef="#ctx0" brushRef="#br0">0 3,'46'-1,"-12"0,43 4,-67-2,-1 0,1 1,-1 1,1-1,-1 1,0 1,0 0,-1 0,10 6,-14-6,0 0,-1 0,1 0,-1 0,0 1,0-1,0 1,0 0,-1 0,0 0,0 0,2 10,12 69,-16-81,4 37,-2 50,-2-59,1 0,1 0,9 44,-6-48,-1 2,0 45,-3-45,0-1,11 49,-5-32,-2 0,-2 1,-1 0,-6 52,1 8,3 318,-1-405,-1 1,-9 36,7-36,0 2,-2 25,5 530,3-280,-3-274,-2 0,-9 40,2-13,-15 40,18-72,1 1,1-1,1 1,-3 27,4 29,8 89,20-31,-22-118,0 1,0-1,1 0,12 25,-15-36,1-1,0 1,1 0,-1-1,1 0,-1 1,1-1,0 0,0 0,0-1,1 1,-1-1,1 1,-1-1,1 0,0 0,0-1,0 1,0-1,0 0,0 0,4 0,51 3,90-6,-38-1,-88 3</inkml:trace>
 </inkml:ink>
 </file>
 
@@ -3669,23 +3671,24 @@
         <inkml:traceFormat>
           <inkml:channel name="X" type="integer" min="-2.14748E9" max="2.14748E9" units="cm"/>
           <inkml:channel name="Y" type="integer" min="-2.14748E9" max="2.14748E9" units="cm"/>
-          <inkml:channel name="F" type="integer" max="32767" units="dev"/>
         </inkml:traceFormat>
         <inkml:channelProperties>
           <inkml:channelProperty channel="X" name="resolution" value="1000" units="1/cm"/>
           <inkml:channelProperty channel="Y" name="resolution" value="1000" units="1/cm"/>
-          <inkml:channelProperty channel="F" name="resolution" value="0" units="1/dev"/>
         </inkml:channelProperties>
       </inkml:inkSource>
-      <inkml:timestamp xml:id="ts0" timeString="2024-11-11T20:34:12.247"/>
+      <inkml:timestamp xml:id="ts0" timeString="2025-06-03T13:18:05.604"/>
     </inkml:context>
     <inkml:brush xml:id="br0">
-      <inkml:brushProperty name="width" value="0.05" units="cm"/>
-      <inkml:brushProperty name="height" value="0.05" units="cm"/>
-      <inkml:brushProperty name="color" value="#E71224"/>
+      <inkml:brushProperty name="width" value="0.2" units="cm"/>
+      <inkml:brushProperty name="height" value="0.4" units="cm"/>
+      <inkml:brushProperty name="color" value="#0069AF"/>
+      <inkml:brushProperty name="tip" value="rectangle"/>
+      <inkml:brushProperty name="rasterOp" value="maskPen"/>
+      <inkml:brushProperty name="ignorePressure" value="1"/>
     </inkml:brush>
   </inkml:definitions>
-  <inkml:trace contextRef="#ctx0" brushRef="#br0">0 1 24575,'0'0'0</inkml:trace>
+  <inkml:trace contextRef="#ctx0" brushRef="#br0">22072 7783,'43'0,"-27"2,-1-1,0-1,1-1,-1 0,1-1,-1 0,0-2,0 1,0-2,25-11,-34 12,1 0,-1-1,0 0,0 0,-1 0,1-1,-1 0,0 0,-1 0,1 0,-1-1,5-13,1-4,-2 0,8-40,11-32,-15 64,-2-1,-1-1,-1 0,-2 0,-1-1,-2 1,-2-42,-3-1012,3 588,0 480,1 0,8-35,-5 34,-1-1,1-25,-5 30,1-13,0 0,2 0,8-32,20-92,-27 118,0-60,-5 66,2 0,1 0,9-44,-5 46,-2-1,-2 1,0-34,-2 32,2 1,9-56,-4 39,-2-1,-1 0,-3 1,-5-48,1-13,3-1401,-1 1477,-11-57,6 56,-2-55,11-75,-6-125,-10 216,9 52,0 0,-2-31,5-631,3 330,-1 275,-3-86,2 160,-1-1,1 0,-1 0,0 1,0-1,0 0,0 1,-1-1,1 1,-1-1,0 1,1 0,-1 0,0 0,0 0,0 0,-1 0,1 0,0 1,-1-1,1 1,-1-1,1 1,-1 0,0 0,0 0,1 1,-1-1,0 1,-5-1,-12-1,0 2,1 0,-33 4,16-2,20-2,0-2,0 0,0-1,1 0,-1-2,-16-6,14 5,0 1,0 0,0 1,-22-2,-86-11,68 7,-4-1,35 6,-1 0,-41 0,-2260 6,2299-3,-59-10,58 6,-57-2,64 7,-8 2,1-2,-1-2,-45-8,48 6,0 1,-57 0,57 4,0-2,0 0,-31-8,16 3,-1 2,0 1,-1 3,-54 5,-6-1,-64-1,-183-5,259-10,59 8,-55-3,52 8,6 0,0 0,0-3,-55-10,45 6,0 2,0 2,0 2,-53 4,-2 0,-1835-3,1893 2,-57 9,-28 3,-700-12,399-4,-1083 2,1489-1,-1-1,-36-9,35 6,0 1,-26-1,-354 4,192 3,189-3,0-2,-35-7,34 6,-1 0,-24-1,-68-8,78 7,-53-1,-1 7,32 2,1-3,-109-16,129 12,-1 1,1 2,-40 3,-49-2,52-12,54 9,0 0,-26-1,14 4,-13 0,-90-13,92 8,-49-2,-38-4,60 3,-1 4,-131 6,69 2,-740-3,846 1,1 2,-31 6,28-4,-44 3,49-6,0 2,0 0,-39 13,38-10,0-1,0-1,-29 3,45-7,-1 0,1 1,0 0,0 1,0-1,1 2,-14 6,-12 5,13-8,1-1,-30 4,13-3,-96 19,90-19,1-2,-1-2,0-2,-48-5,-8 2,-5299 2,5374 1,0 2,0 1,1 0,-29 11,28-8,-1-1,0-1,-44 4,32-7,-41 9,42-6,-52 3,67-7,0 1,-31 8,30-5,0-1,-25 0,-31-3,43-2,0 1,0 2,-57 11,56-7,1-1,-1-3,0-1,-48-4,34 1,-59 4,100-1,0 0,0 0,0 1,0 0,0 1,1 0,-1 0,-12 7,18-8,0 1,-1-1,1 1,1 0,-1 0,0 0,1 0,-1 0,1 1,0-1,0 0,0 1,1 0,-1 0,1-1,0 1,0 0,0 0,0 0,1 8,0 3,1 0,0 0,2 0,6 26,-4-23,-1 1,3 31,6 71,-7-80,2 61,-7-10,-4 107,-1-169,-2-1,-10 33,9-38,1 0,1 0,-4 48,-4 66,6-90,0 58,5 4,6 123,0-204,2 1,10 31,-9-37,-1 0,-1 1,4 46,-8 426,-3-226,1-239,-11 56,6-56,-2 55,8 1053,1-534,0-586,1 0,8 35,-5-34,-1 1,1 24,-7 118,4 69,11-161,-9-53,0 0,2 30,-5 405,-3-219,1-216,-1 1,-9 36,7-36,0 2,-2 25,8 118,-4 67,-10-161,7-51,2 0,-3 28,5 2,1-5,-2 0,-10 54,3-36,4 0,2 1,6 72,0-13,-5-57,0-42,1 0,1 0,2 1,0-1,10 43,-6-50</inkml:trace>
 </inkml:ink>
 </file>
 
@@ -3697,23 +3700,24 @@
         <inkml:traceFormat>
           <inkml:channel name="X" type="integer" min="-2.14748E9" max="2.14748E9" units="cm"/>
           <inkml:channel name="Y" type="integer" min="-2.14748E9" max="2.14748E9" units="cm"/>
-          <inkml:channel name="F" type="integer" max="32767" units="dev"/>
         </inkml:traceFormat>
         <inkml:channelProperties>
           <inkml:channelProperty channel="X" name="resolution" value="1000" units="1/cm"/>
           <inkml:channelProperty channel="Y" name="resolution" value="1000" units="1/cm"/>
-          <inkml:channelProperty channel="F" name="resolution" value="0" units="1/dev"/>
         </inkml:channelProperties>
       </inkml:inkSource>
-      <inkml:timestamp xml:id="ts0" timeString="2024-11-11T20:34:49.962"/>
+      <inkml:timestamp xml:id="ts0" timeString="2025-06-03T13:18:13.130"/>
     </inkml:context>
     <inkml:brush xml:id="br0">
-      <inkml:brushProperty name="width" value="0.05" units="cm"/>
-      <inkml:brushProperty name="height" value="0.05" units="cm"/>
-      <inkml:brushProperty name="color" value="#E71224"/>
+      <inkml:brushProperty name="width" value="0.2" units="cm"/>
+      <inkml:brushProperty name="height" value="0.4" units="cm"/>
+      <inkml:brushProperty name="color" value="#FF40FF"/>
+      <inkml:brushProperty name="tip" value="rectangle"/>
+      <inkml:brushProperty name="rasterOp" value="maskPen"/>
+      <inkml:brushProperty name="ignorePressure" value="1"/>
     </inkml:brush>
   </inkml:definitions>
-  <inkml:trace contextRef="#ctx0" brushRef="#br0">28 1 24575,'-8'1'0,"-2"4"0,6-2 0,-2 1 0</inkml:trace>
+  <inkml:trace contextRef="#ctx0" brushRef="#br0">0 1,'32'1,"-1"2,37 7,-35-4,77 2,-81-7,1 1,46 9,-40-3,8 3,49 5,-70-14</inkml:trace>
 </inkml:ink>
 </file>
 
@@ -3753,24 +3757,23 @@
         <inkml:traceFormat>
           <inkml:channel name="X" type="integer" min="-2.14748E9" max="2.14748E9" units="cm"/>
           <inkml:channel name="Y" type="integer" min="-2.14748E9" max="2.14748E9" units="cm"/>
+          <inkml:channel name="F" type="integer" max="32767" units="dev"/>
         </inkml:traceFormat>
         <inkml:channelProperties>
           <inkml:channelProperty channel="X" name="resolution" value="1000" units="1/cm"/>
           <inkml:channelProperty channel="Y" name="resolution" value="1000" units="1/cm"/>
+          <inkml:channelProperty channel="F" name="resolution" value="0" units="1/dev"/>
         </inkml:channelProperties>
       </inkml:inkSource>
-      <inkml:timestamp xml:id="ts0" timeString="2025-06-03T12:05:37.921"/>
+      <inkml:timestamp xml:id="ts0" timeString="2024-11-11T20:34:12.247"/>
     </inkml:context>
     <inkml:brush xml:id="br0">
-      <inkml:brushProperty name="width" value="0.2" units="cm"/>
-      <inkml:brushProperty name="height" value="0.4" units="cm"/>
-      <inkml:brushProperty name="color" value="#969696"/>
-      <inkml:brushProperty name="tip" value="rectangle"/>
-      <inkml:brushProperty name="rasterOp" value="maskPen"/>
-      <inkml:brushProperty name="ignorePressure" value="1"/>
+      <inkml:brushProperty name="width" value="0.05" units="cm"/>
+      <inkml:brushProperty name="height" value="0.05" units="cm"/>
+      <inkml:brushProperty name="color" value="#E71224"/>
     </inkml:brush>
   </inkml:definitions>
-  <inkml:trace contextRef="#ctx0" brushRef="#br0">0 24,'63'0,"-22"2,1-2,0-3,73-12,-95 12,-1 1,0 0,1 2,-1 0,1 1,-1 1,0 1,1 1,34 11,28 5,-62-17</inkml:trace>
+  <inkml:trace contextRef="#ctx0" brushRef="#br0">0 1 24575,'0'0'0</inkml:trace>
 </inkml:ink>
 </file>
 
@@ -3782,24 +3785,23 @@
         <inkml:traceFormat>
           <inkml:channel name="X" type="integer" min="-2.14748E9" max="2.14748E9" units="cm"/>
           <inkml:channel name="Y" type="integer" min="-2.14748E9" max="2.14748E9" units="cm"/>
+          <inkml:channel name="F" type="integer" max="32767" units="dev"/>
         </inkml:traceFormat>
         <inkml:channelProperties>
           <inkml:channelProperty channel="X" name="resolution" value="1000" units="1/cm"/>
           <inkml:channelProperty channel="Y" name="resolution" value="1000" units="1/cm"/>
+          <inkml:channelProperty channel="F" name="resolution" value="0" units="1/dev"/>
         </inkml:channelProperties>
       </inkml:inkSource>
-      <inkml:timestamp xml:id="ts0" timeString="2025-06-03T12:05:42.739"/>
+      <inkml:timestamp xml:id="ts0" timeString="2024-11-11T20:34:49.962"/>
     </inkml:context>
     <inkml:brush xml:id="br0">
-      <inkml:brushProperty name="width" value="0.2" units="cm"/>
-      <inkml:brushProperty name="height" value="0.4" units="cm"/>
-      <inkml:brushProperty name="color" value="#969696"/>
-      <inkml:brushProperty name="tip" value="rectangle"/>
-      <inkml:brushProperty name="rasterOp" value="maskPen"/>
-      <inkml:brushProperty name="ignorePressure" value="1"/>
+      <inkml:brushProperty name="width" value="0.05" units="cm"/>
+      <inkml:brushProperty name="height" value="0.05" units="cm"/>
+      <inkml:brushProperty name="color" value="#E71224"/>
     </inkml:brush>
   </inkml:definitions>
-  <inkml:trace contextRef="#ctx0" brushRef="#br0">0 2866,'1'-20,"1"0,8-35,-5 34,-1-1,1-25,-4-495,-3 262,3 264,1 0,0-1,6-20,6-36,2-28,-5 44,-7 39,0-1,2 2,7-18,11-36,-15 36,-2-1,-1 0,1-67,-8-533,0 621,-1-1,0 1,-1 0,-1 0,-11-27,9 26,1 1,0-1,2 1,-1-1,0-25,3 11,4-178,-3 205,1 0,0 0,-1 0,1 1,0-1,0 0,1 1,-1-1,0 1,1-1,0 1,-1 0,1 0,0 0,0 0,1 0,-1 0,0 0,0 1,1-1,-1 1,1-1,0 1,-1 0,1 0,0 1,-1-1,1 0,0 1,5-1,12-1,-1 2,1 0,31 4,-14-2,844 2,-465-6,-395 3,-1 1,34 8,-32-5,0-2,24 2,112-5,-135 0</inkml:trace>
+  <inkml:trace contextRef="#ctx0" brushRef="#br0">28 1 24575,'-8'1'0,"-2"4"0,6-2 0,-2 1 0</inkml:trace>
 </inkml:ink>
 </file>
 
@@ -3817,18 +3819,18 @@
           <inkml:channelProperty channel="Y" name="resolution" value="1000" units="1/cm"/>
         </inkml:channelProperties>
       </inkml:inkSource>
-      <inkml:timestamp xml:id="ts0" timeString="2025-06-03T12:05:43.941"/>
+      <inkml:timestamp xml:id="ts0" timeString="2025-06-03T12:36:08.155"/>
     </inkml:context>
     <inkml:brush xml:id="br0">
       <inkml:brushProperty name="width" value="0.2" units="cm"/>
       <inkml:brushProperty name="height" value="0.4" units="cm"/>
-      <inkml:brushProperty name="color" value="#969696"/>
+      <inkml:brushProperty name="color" value="#00F900"/>
       <inkml:brushProperty name="tip" value="rectangle"/>
       <inkml:brushProperty name="rasterOp" value="maskPen"/>
       <inkml:brushProperty name="ignorePressure" value="1"/>
     </inkml:brush>
   </inkml:definitions>
-  <inkml:trace contextRef="#ctx0" brushRef="#br0">0 108,'1'-4,"0"0,0 0,0 0,1 0,-1 0,1 0,0 1,0-1,0 1,1-1,-1 1,1 0,0 0,0 0,0 0,0 1,0-1,1 1,-1 0,1-1,-1 2,6-3,3-2,0 1,0 0,0 1,1 1,-1 0,15-2,169 3,-102 4,-71-2</inkml:trace>
+  <inkml:trace contextRef="#ctx0" brushRef="#br0">0 1,'6404'0,"-6381"0</inkml:trace>
 </inkml:ink>
 </file>
 
@@ -3846,18 +3848,18 @@
           <inkml:channelProperty channel="Y" name="resolution" value="1000" units="1/cm"/>
         </inkml:channelProperties>
       </inkml:inkSource>
-      <inkml:timestamp xml:id="ts0" timeString="2025-06-03T12:05:50.356"/>
+      <inkml:timestamp xml:id="ts0" timeString="2025-06-03T12:36:36.309"/>
     </inkml:context>
     <inkml:brush xml:id="br0">
       <inkml:brushProperty name="width" value="0.2" units="cm"/>
       <inkml:brushProperty name="height" value="0.4" units="cm"/>
-      <inkml:brushProperty name="color" value="#969696"/>
+      <inkml:brushProperty name="color" value="#0069AF"/>
       <inkml:brushProperty name="tip" value="rectangle"/>
       <inkml:brushProperty name="rasterOp" value="maskPen"/>
       <inkml:brushProperty name="ignorePressure" value="1"/>
     </inkml:brush>
   </inkml:definitions>
-  <inkml:trace contextRef="#ctx0" brushRef="#br0">5692 2014,'58'1,"67"-3,-122 2,0-1,0 0,0 1,0-1,-1 0,1 0,0 0,-1-1,1 1,-1-1,1 0,-1 1,0-1,0 0,1 0,-1 0,-1-1,1 1,0 0,-1-1,1 1,-1-1,1 1,-1-1,0 0,0 0,-1 1,1-1,0 0,-1-5,2-11,-1 0,-1 0,-4-35,2 17,-1-22,5-253,10 241,-7 51,-1 0,1-28,-4 10,-4-267,-21 171,20 102,-2 1,-15-53,-1-5,-4 9,20 67,1-1,0 0,1 0,1 0,-3-23,7-73,-2-18,1 125,0 0,-1 1,0-1,1 1,-1-1,0 1,0-1,0 1,-1-1,1 1,-1 0,1 0,-1-1,0 1,0 0,0 1,0-1,-2-2,-2 1,1-1,-1 1,0 0,0 1,-1-1,1 1,-8-1,-11-1,-1 0,-47 1,68 3,-1002 2,988-3,0-1,-37-9,35 6,0 1,-27-1,-299 4,164 3,163-3,0-2,-35-7,33 6,1 0,-26-1,-670 3,349 5,333-3,-23-1,1 2,-84 14,105-9,-44 0,49-5,-1 2,-38 8,39-5,0-2,-1-1,-46-3,46 0,1 0,-1 2,-45 9,48-5,-47 2,46-6,-46 9,30-3,0-3,-1-2,0-2,-47-5,-13 2,-369 2,456 1,0 1,-35 8,33-5,1-2,-26 2,-33-7,42 1,-43 2,71 0,-1 0,1 1,1 0,-1 0,0 1,1 1,-1-1,1 2,-11 5,12-2,0 0,0 0,1 1,0 0,0 1,1-1,0 1,1 0,-6 15,-11 18,9-17,2 0,0 1,2 1,1-1,2 1,-7 56,9 204,6-154,-1-115,1 1,9 36,-6-35,-2 0,3 26,-6-38,1 0,1 0,0 0,0 0,1-1,0 1,0-1,6 10,5 14,-8-11,-1 0,-2 0,0 1,-1-1,-1 1,-1 0,-4 36,1 12,3 353,1-402,1-1,8 34,-5-32,-1 0,1 24,-7 107,4 64,10-145,-7-53,-2 1,3 28,-6 317,-1-174,0-170,-1-1,-8 34,5-32,1 0,-1 24,-8 77,7-82,-1 59,9-64,13 66,-4-28,-9-67,0 1,0-1,1 0,0 1,0-1,0 0,1-1,0 1,9 10,-8-11,0 1,-1-1,0 1,0 0,-1 0,0 0,0 0,0 0,1 11,-3-7,1 0,0 0,1-1,0 1,0-1,8 15,-9-21,1 1,1-1,-1 0,1 0,-1 0,1 0,0-1,1 1,-1-1,1 0,-1 0,1-1,0 1,0-1,5 1,6 2,0-2,0 0,0 0,1-2,-1 0,29-3,-26 1,0 1,0 1,0 0,31 7,-10 4,1-2,0-2,83 6,-101-14</inkml:trace>
+  <inkml:trace contextRef="#ctx0" brushRef="#br0">15650 6277,'663'0,"-643"-1,-1-1,37-9,-35 6,0 1,27-1,323 6,-352 0,1 1,36 8,-35-5,0-1,26 1,-9-3,-22 0,0-1,0 0,0-1,0-1,0-1,31-7,-45 8,1-1,-1 0,1 0,-1 0,1 0,-1 0,0 0,0 0,0-1,-1 1,1-1,0 0,-1 1,0-1,1 0,-1 0,0 0,-1 0,1 0,0 0,-1 0,0-6,1-10,0-1,-4-29,0 21,3 10,0-1,-2 1,0 0,-1 1,-1-1,-1 0,0 1,-10-20,9 22,1 0,1 0,1-1,0 1,1-1,-1-18,-6-43,1 28,3-1,3 0,4-81,1 24,-3 56,-2 12,3 0,1 0,13-68,-8 62,-2-1,-1 1,-3-1,-5-52,1-8,3 55,2 12,-3-1,-1 1,-13-67,10 78,1 0,0-35,3 34,-2 1,-6-34,4 34,1 0,2-1,1-44,2 44,-1-1,-2 0,-6-31,1 25,1 0,2-1,2-70,3 86,1 1,0 0,2 0,1 0,0 1,1 0,1 0,16-31,-11 28,-1-1,-1-1,-1 0,-1 0,-1 0,-1-1,3-30,-3-18,-4-85,-2 108,-2 32,0 1,-1-1,-1 0,-1 1,0 0,-8-17,-11-38,-19-119,11-13,27 178,0 0,-11-28,9 34,2 1,0-2,1 1,-2-33,7-372,1 393,1 0,9-36,-3 16,3-8,-7 34,0-1,1-45,-8-49,4-102,10 151,-7 53,-2-1,3-28,-6 10,0 8,2 0,0 0,9-38,-4 33,-3 0,-1 0,-1 0,-2 0,-5-44,4 76,1 1,-1-1,0 0,0 0,0 1,0-1,0 0,-1 1,1-1,-1 1,0-1,1 1,-1 0,0 0,0 0,-1 0,1 0,0 0,-1 1,1-1,-1 1,1 0,-1-1,0 1,1 0,-1 1,0-1,0 0,0 1,-4-1,-13 0,1 0,-1 1,-32 3,16 0,-336-1,213-2,128-2,-57-10,56 7,-55-3,69 6,0 0,-31-7,-25-3,-12-2,63 9,0 1,-29-1,-63-8,80 7,-54-1,22 7,14 1,0-2,-91-15,111 12,-1 0,-58 3,-13-1,32-11,54 9,-1 0,-27-1,-671 3,351 5,-2835-3,3182 1,0 1,-35 8,33-5,1-2,-26 2,-669-3,347-4,214 4,-166-5,233-9,54 6,-56-2,-72 11,-125-6,258-1,-1-2,-31-10,37 9,0 0,0 2,-48-3,23 7,18 2,0-2,0-1,-50-11,54 8,-1 1,-51 0,50 3,0-1,-44-8,27 3,-1 1,0 3,-93 6,34 0,-1429-3,1515 1,0 1,-35 8,33-5,1-2,-26 2,23-3,0 2,1 0,-40 13,39-10,-1-1,0-1,-31 3,-41 6,69-9,0-1,-30 1,36-4,0 1,-29 7,-40 4,-33 1,85-8,-62 2,80-7,0 1,-33 7,-36 4,-645-11,358-4,-707 2,1079-1,0 1,0 0,0 0,0 1,0 0,0 0,1 0,-1 0,0 1,1-1,-1 1,1 0,-1 1,1-1,0 1,0 0,0 0,1 0,-1 0,1 1,-1-1,1 1,0 0,1 0,-1 0,1 1,-1-1,1 0,-1 6,-16 27,5-11,1 1,2 0,0 0,2 1,-9 40,11-30,-23 66,20-76,2 1,0 0,2 1,-2 32,-5 34,7-67,-2 56,6 19,6 163,2-235,1 1,1-1,2 0,1-1,2-1,23 42,-13-25,-17-30,-1-1,0 1,-2 0,0 0,2 30,2 15,31 150,-27-143,-6-41,-1 0,1 32,-6 417,0-460,-1 0,0 0,-6 18,-4 38,7-35,-1 0,-2-1,-1 0,-2-1,-22 51,26-70,-1 0,0-1,-1 0,-1-1,-20 24,25-33,0-1,0 0,-1 0,0-1,0 0,0 0,-1 0,1 0,-1-1,0-1,0 1,0-1,0 0,0 0,-1-1,-11 1,-375-2,177-2,188 2,0-1,0-1,-53-12,-102-13,135 20,1 2,0 2,-87 6,27 0,-151-3,242 0</inkml:trace>
 </inkml:ink>
 </file>
 
@@ -3875,18 +3877,18 @@
           <inkml:channelProperty channel="Y" name="resolution" value="1000" units="1/cm"/>
         </inkml:channelProperties>
       </inkml:inkSource>
-      <inkml:timestamp xml:id="ts0" timeString="2025-06-03T12:05:56.353"/>
+      <inkml:timestamp xml:id="ts0" timeString="2025-06-03T12:36:49.495"/>
     </inkml:context>
     <inkml:brush xml:id="br0">
       <inkml:brushProperty name="width" value="0.2" units="cm"/>
       <inkml:brushProperty name="height" value="0.4" units="cm"/>
-      <inkml:brushProperty name="color" value="#969696"/>
+      <inkml:brushProperty name="color" value="#0069AF"/>
       <inkml:brushProperty name="tip" value="rectangle"/>
       <inkml:brushProperty name="rasterOp" value="maskPen"/>
       <inkml:brushProperty name="ignorePressure" value="1"/>
     </inkml:brush>
   </inkml:definitions>
-  <inkml:trace contextRef="#ctx0" brushRef="#br0">0 2,'85'-2,"95"4,-108 11,-52-9,0 0,27 1,95-6,60 2,-191 1,-1 0,0 1,0-1,0 2,0 0,0 0,0 1,-1 0,0 0,0 1,-1 0,0 1,13 12,-2 2,0 0,-2 2,28 44,-42-61,0 1,-1-1,0 0,0 1,0-1,-1 1,1 6,-2-8,0-1,1 0,-1 0,1 0,0 0,0 0,1 0,-1 0,1 0,0 0,0-1,0 1,0 0,1-1,-1 0,1 0,0 0,4 4,9 4,0-1,35 17,-34-21</inkml:trace>
+  <inkml:trace contextRef="#ctx0" brushRef="#br0">5718 27,'-94'1,"-104"-3,127-11,51 9,0 0,-28-1,-296 6,327 0,0 0,1 2,-20 5,-37 4,-13 2,63-9,-1-1,-27 1,-90 12,70-7,56-7,0 0,0 1,-27 12,29-11,0 0,0-1,0 0,0-1,-20 2,-62-3,63-3,-1 1,1 2,-52 10,38-4,1-3,-1-2,0-2,-51-5,-10 2,-3069 2,3156-1,1-1,-36-9,34 7,-1 0,-24-1,19 5,0-2,0-1,-35-7,44 5</inkml:trace>
 </inkml:ink>
 </file>
 
@@ -3904,18 +3906,18 @@
           <inkml:channelProperty channel="Y" name="resolution" value="1000" units="1/cm"/>
         </inkml:channelProperties>
       </inkml:inkSource>
-      <inkml:timestamp xml:id="ts0" timeString="2025-06-03T12:06:16.508"/>
+      <inkml:timestamp xml:id="ts0" timeString="2025-06-03T12:36:53.841"/>
     </inkml:context>
     <inkml:brush xml:id="br0">
       <inkml:brushProperty name="width" value="0.2" units="cm"/>
       <inkml:brushProperty name="height" value="0.4" units="cm"/>
-      <inkml:brushProperty name="color" value="#969696"/>
+      <inkml:brushProperty name="color" value="#0069AF"/>
       <inkml:brushProperty name="tip" value="rectangle"/>
       <inkml:brushProperty name="rasterOp" value="maskPen"/>
       <inkml:brushProperty name="ignorePressure" value="1"/>
     </inkml:brush>
   </inkml:definitions>
-  <inkml:trace contextRef="#ctx0" brushRef="#br0">0 1,'9'1,"0"0,0 1,0 0,0 0,-1 1,1 0,14 8,-13-6,0 0,1-1,-1 0,0-1,14 2,50 0,104-6,-60-1,-96 2</inkml:trace>
+  <inkml:trace contextRef="#ctx0" brushRef="#br0">0 1,'2'31,"10"58,-7-58,3 56,-11 66,6 118,10-200,-9-52,0 1,2 29,-4-22,1 0,2-1,1 1,11 31,-8-28,-3 3,-1 0,-1 0,-2 1,-2-1,-4 44,1 15,3 834,1-906,1 0,8 35,-5-34,-1 1,1 24,-4 583,-3-305,1-303,-1-1,-8 34,5-32,1 0,-1 24,4 407,3-218,-1-218,1 0,0 0,6 18,5 39,-10-46,1 1,2-1,12 40,4-18,-17-42,-1 1,0 0,-1-1,0 1,0 1,-1-1,2 16,8 84,-5-61,0 59,-8 317,1-419,0-1,0 0,0 1,1-1,0 0,0 0,0 1,0-1,1 0,-1 0,1 0,0 0,0-1,0 1,1 0,0-1,-1 1,1-1,0 0,1 0,-1 0,0-1,1 1,0-1,-1 0,1 0,0 0,0 0,0-1,0 1,0-1,1 0,-1-1,0 1,1-1,-1 1,5-2,162 2,-76-3,-88 2,0-1,0 1,0-1,0-1,0 1,0-1,-1 0,1-1,-1 1,1-1,-1 0,0-1,9-7,-1-1,0-1,-2-1,20-24,6-9,-7 17,0 3,2 0,1 2,1 2,1 1,63-28,-89 45,0-1,-1-1,0 0,13-13,25-18,-10 15,0 2,59-23,-76 38,0 0,1 2,0 0,-1 2,1 0,25 2,-20 0,0-2,0 0,33-8,-41 5</inkml:trace>
 </inkml:ink>
 </file>
 
@@ -3933,7 +3935,7 @@
           <inkml:channelProperty channel="Y" name="resolution" value="1000" units="1/cm"/>
         </inkml:channelProperties>
       </inkml:inkSource>
-      <inkml:timestamp xml:id="ts0" timeString="2025-06-03T12:06:37.362"/>
+      <inkml:timestamp xml:id="ts0" timeString="2025-06-03T12:37:08.222"/>
     </inkml:context>
     <inkml:brush xml:id="br0">
       <inkml:brushProperty name="width" value="0.2" units="cm"/>
@@ -3944,7 +3946,7 @@
       <inkml:brushProperty name="ignorePressure" value="1"/>
     </inkml:brush>
   </inkml:definitions>
-  <inkml:trace contextRef="#ctx0" brushRef="#br0">0 1,'28'1,"0"2,0 0,0 3,50 15,-45-12,1-3,0-1,1-1,-1-3,1 0,36-5,20 1,-68 3</inkml:trace>
+  <inkml:trace contextRef="#ctx0" brushRef="#br0">0 82,'0'-1,"1"0,-1 0,0 0,1 0,-1 0,1 0,0 0,-1 0,1 0,0 0,-1 0,1 0,0 1,0-1,0 0,0 1,-1-1,1 1,0-1,0 1,0-1,0 1,1-1,-1 1,0 0,0 0,2-1,37-4,-28 3,11-2,-1-2,24-9,-30 8,0 2,1 0,-1 1,1 1,26-2,-38 5,1 0,-1 0,0 0,1 1,-1 0,0 0,1 0,-1 1,0-1,0 1,0 1,0-1,0 1,-1-1,1 1,6 6,-2 1,-1 1,0-1,-1 1,0 0,8 17,-6-12,12 22,-7-15,18 45,5 14,-27-65,-2 1,0-1,-1 1,-1 0,0 1,-2-1,0 1,2 29,-5-9,-2-1,-1 1,-14 69,-11 23,1 54,20-145,1 0,3-1,1 1,5 41,-2-26,-5 63,0-99,0-1,-2 1,-10 26,9-28,1-1,0 1,1 0,-3 26,5 361,5-198,-2-186,1 1,8 33,-5-32,-1 0,1 24,-6 298,-1-319,1-21,0 0,1 1,0-1,0 0,0 0,0 0,2 6,-2-9,1 0,-1 0,1 1,0-1,-1 0,1 0,0 0,0 0,0 0,0 0,0 0,0-1,0 1,0 0,0 0,0-1,1 1,-1-1,0 1,0-1,1 0,-1 1,0-1,1 0,-1 0,0 0,3 0,32 2,-1-2,1-1,-1-3,1 0,34-10,114-13,-25 0,-130 22,49-3,-48 6,45-8,-27 2,0 3,0 2,88 6,-29 0,1454-3,-1535-2,-1 0,34-8,-32 4,48-2,16-5,-68 8,47-3,195 9,-243-1</inkml:trace>
 </inkml:ink>
 </file>
 
@@ -3956,15 +3958,13 @@
         <inkml:traceFormat>
           <inkml:channel name="X" type="integer" min="-2.14748E9" max="2.14748E9" units="cm"/>
           <inkml:channel name="Y" type="integer" min="-2.14748E9" max="2.14748E9" units="cm"/>
-          <inkml:channel name="F" type="integer" max="32767" units="dev"/>
         </inkml:traceFormat>
         <inkml:channelProperties>
           <inkml:channelProperty channel="X" name="resolution" value="1000" units="1/cm"/>
           <inkml:channelProperty channel="Y" name="resolution" value="1000" units="1/cm"/>
-          <inkml:channelProperty channel="F" name="resolution" value="0" units="1/dev"/>
         </inkml:channelProperties>
       </inkml:inkSource>
-      <inkml:timestamp xml:id="ts0" timeString="2025-06-03T12:06:40.360"/>
+      <inkml:timestamp xml:id="ts0" timeString="2025-06-03T12:37:10.095"/>
     </inkml:context>
     <inkml:brush xml:id="br0">
       <inkml:brushProperty name="width" value="0.2" units="cm"/>
@@ -3975,7 +3975,7 @@
       <inkml:brushProperty name="ignorePressure" value="1"/>
     </inkml:brush>
   </inkml:definitions>
-  <inkml:trace contextRef="#ctx0" brushRef="#br0">0 0 0,'0'4923'0</inkml:trace>
+  <inkml:trace contextRef="#ctx0" brushRef="#br0">0 28,'425'0,"-406"-1,1-1,36-9,-35 6,0 1,27-1,163 6,-188-1</inkml:trace>
 </inkml:ink>
 </file>
 
@@ -3993,7 +3993,7 @@
           <inkml:channelProperty channel="Y" name="resolution" value="1000" units="1/cm"/>
         </inkml:channelProperties>
       </inkml:inkSource>
-      <inkml:timestamp xml:id="ts0" timeString="2025-06-03T12:06:45.586"/>
+      <inkml:timestamp xml:id="ts0" timeString="2025-06-03T12:39:05.234"/>
     </inkml:context>
     <inkml:brush xml:id="br0">
       <inkml:brushProperty name="width" value="0.2" units="cm"/>
@@ -4004,7 +4004,7 @@
       <inkml:brushProperty name="ignorePressure" value="1"/>
     </inkml:brush>
   </inkml:definitions>
-  <inkml:trace contextRef="#ctx0" brushRef="#br0">0 1,'3'0,"0"1,0 0,0 1,0-1,0 0,0 1,-1-1,1 1,0 0,-1 0,5 5,18 10,-4-11,0-1,0-1,1-1,-1-1,1-1,0-1,39-4,11 1,880 3,-932 1,1 1,33 8,-32-5,0-2,24 2,-17-4,0 1,56 11,-54-8,-1-1,1-1,61-4,-60 0,0 1,0 1,48 9,108 20,-138-23,0-2,0-3,52-4,66 3,-97 12,-51-9,0 0,28 1,263-4,-145-2,-147 2,1 1,35 8,-34-5,0-1,27 1,128-7,71 4,-175 11,-52-9,0 0,27 1,106-7,65 4,-147 11,-51-9,0 0,27 1,494-3,-261-4,-259 1,-1-2,34-7,-32 6,0 0,24-1,15 6,-43 1,0-2,0 0,0-1,29-5,-30 0</inkml:trace>
+  <inkml:trace contextRef="#ctx0" brushRef="#br0">28 1,'0'19,"-1"17,2 1,1-1,12 59,1-23,-11-49,0 1,2-1,0 0,2 0,18 38,-20-49,-1 1,-1 0,0 0,-1 0,-1 0,0 1,1 22,6 37,-1-25,-3 1,-2-1,-6 87,0-27,5 2,-5 123,0-211,-1 0,-2 0,-7 21,7-25,0 1,1-1,1 1,-2 36,4-13,2 1,2-1,15 81,-10-78,-2 0,-1 1,-3 0,-5 51,1 10,2-22,-18 121,10-86,7-78,-9 60,-17 41,23-112,1-1,2 1,1 47,2-48,-2 1,0-1,-11 53,5-42,2 1,1 0,3 0,5 54,-2 1,0 13,-5 123,-9-161,7-52,2 0,-3 27,5 459,3-244,-1-242,1 0,8 35,-5-33,-1-1,1 26,-3-24,0 0,7 22,-4-22,-1 0,1 25,-5 40,-2-51,3 1,1-1,12 65,18-3,-11-40,-15-31,-1 0,-2 0,-1 0,-1 0,-5 57,1-2,1 33,5 137,10-181,-9-53,0 0,2 30,7 43,-9-69,5 47,-10-33,-1 0,-2 0,-10 44,10-62</inkml:trace>
 </inkml:ink>
 </file>
 
@@ -4022,7 +4022,7 @@
           <inkml:channelProperty channel="Y" name="resolution" value="1000" units="1/cm"/>
         </inkml:channelProperties>
       </inkml:inkSource>
-      <inkml:timestamp xml:id="ts0" timeString="2025-06-03T12:07:23.874"/>
+      <inkml:timestamp xml:id="ts0" timeString="2025-06-03T12:39:07.136"/>
     </inkml:context>
     <inkml:brush xml:id="br0">
       <inkml:brushProperty name="width" value="0.2" units="cm"/>
@@ -4033,7 +4033,7 @@
       <inkml:brushProperty name="ignorePressure" value="1"/>
     </inkml:brush>
   </inkml:definitions>
-  <inkml:trace contextRef="#ctx0" brushRef="#br0">0 1,'2673'0,"-2653"1,-1 1,37 8,-35-5,0-1,27 1,-17-4,-1 1,52 11,-64-9,24 6,0-1,0-3,67 3,104-10,-190 1</inkml:trace>
+  <inkml:trace contextRef="#ctx0" brushRef="#br0">0 187,'56'-21,"51"-3,-69 13,1 2,66-6,-7 2,-71 7,1 2,30 0,-24 2,51-9,-51 5,52-1,-66 5,1 0,-1-2,0 0,31-11,-31 9,1 0,0 1,0 1,28-2,409 6,-200 2,-238-1,0 1,35 8,-34-5,1-2,24 2,-8-4,-8-1,1 1,-1 2,37 8,-22-4,0-1,0-3,0-2,56-4,5 0,1031 3,-1114 0</inkml:trace>
 </inkml:ink>
 </file>
 
@@ -4079,18 +4079,18 @@
           <inkml:channelProperty channel="Y" name="resolution" value="1000" units="1/cm"/>
         </inkml:channelProperties>
       </inkml:inkSource>
-      <inkml:timestamp xml:id="ts0" timeString="2025-06-03T12:07:25.742"/>
+      <inkml:timestamp xml:id="ts0" timeString="2025-06-03T12:42:11.286"/>
     </inkml:context>
     <inkml:brush xml:id="br0">
       <inkml:brushProperty name="width" value="0.2" units="cm"/>
       <inkml:brushProperty name="height" value="0.4" units="cm"/>
-      <inkml:brushProperty name="color" value="#00F900"/>
+      <inkml:brushProperty name="color" value="#969696"/>
       <inkml:brushProperty name="tip" value="rectangle"/>
       <inkml:brushProperty name="rasterOp" value="maskPen"/>
       <inkml:brushProperty name="ignorePressure" value="1"/>
     </inkml:brush>
   </inkml:definitions>
-  <inkml:trace contextRef="#ctx0" brushRef="#br0">0 32,'8'-1,"1"0,-1 0,0-1,0 0,9-4,30-6,59 6,117 7,-74 2,168-3,-294 0</inkml:trace>
+  <inkml:trace contextRef="#ctx0" brushRef="#br0">0 3,'112'-2,"121"4,-162 11,-52-8,1-1,29 1,-24-4,-2-1</inkml:trace>
 </inkml:ink>
 </file>
 
@@ -4108,18 +4108,18 @@
           <inkml:channelProperty channel="Y" name="resolution" value="1000" units="1/cm"/>
         </inkml:channelProperties>
       </inkml:inkSource>
-      <inkml:timestamp xml:id="ts0" timeString="2025-06-03T12:08:28.716"/>
+      <inkml:timestamp xml:id="ts0" timeString="2025-06-03T12:42:14.125"/>
     </inkml:context>
     <inkml:brush xml:id="br0">
       <inkml:brushProperty name="width" value="0.2" units="cm"/>
       <inkml:brushProperty name="height" value="0.4" units="cm"/>
-      <inkml:brushProperty name="color" value="#00F900"/>
+      <inkml:brushProperty name="color" value="#969696"/>
       <inkml:brushProperty name="tip" value="rectangle"/>
       <inkml:brushProperty name="rasterOp" value="maskPen"/>
       <inkml:brushProperty name="ignorePressure" value="1"/>
     </inkml:brush>
   </inkml:definitions>
-  <inkml:trace contextRef="#ctx0" brushRef="#br0">138 1434,'1'-1,"0"1,1-1,-1 1,0-1,0 1,0-1,0 0,0 1,0-1,0 0,0 0,0 0,0 0,-1 0,1 0,0 0,0 0,-1 0,1 0,-1 0,1-1,-1 1,0 0,1 0,-1 0,0-1,0-1,5-41,-4 39,2-63,-7-106,-21 41,21 108,0 0,-1 1,-13-37,-4-14,-6-58,4 21,15 81,3 0,0 0,-2-54,6 22,0 34,2 1,0 0,2-1,6-29,-7 52,1 0,-1 0,1 1,1-1,-1 0,1 1,0 0,0-1,1 1,0 1,-1-1,2 0,-1 1,0 0,1 0,0 0,0 1,0-1,0 1,1 0,-1 1,1-1,-1 1,1 0,0 1,0-1,0 1,0 1,0-1,0 1,0 0,7 0,19 0,150 5,-111 7,-52-7,1-1,29 1,-9-4,-9-1,0 2,0 0,32 8,-16-2,-1-3,1-2,93-6,-33 1,368 2,-452 0</inkml:trace>
+  <inkml:trace contextRef="#ctx0" brushRef="#br0">3 3051,'1'-5,"0"0,1 1,0-1,-1 0,2 1,-1 0,0 0,6-7,4-10,-7 6,0 1,-1-1,-1 0,-1 1,0-2,-1 1,0 0,-3-30,1 26,0 0,2-1,0 1,7-34,25-99,-26 109,-3 0,-1-1,-2 1,-4-45,0-12,5-29,-5-138,-9 195,7 53,2-1,-3-28,3 7,-11-52,6 42,4 34,0 1,-1 0,-8-20,7 24,1-1,1-1,0 1,1-1,-3-21,5-314,3 169,-1 159,1 1,8-34,-5 32,-1 0,1-24,-3 0,-2 1,-1-1,-3 0,-10-47,12 86,0-1,1 0,0-1,0 1,1 0,0 0,1-14,0 18,0 0,1 1,-1-1,0 1,1-1,0 1,0 0,0 0,0 0,0 0,1 0,-1 0,1 0,0 1,0-1,0 1,0 0,6-3,11-8,2 1,-1 1,2 1,-1 1,1 1,1 1,-1 1,40-5,13 8,-47 3,-1-1,0-2,33-7,-16 3,0 2,0 1,0 3,56 5,5-1,317-3,-403 1,-1 1,37 8,-35-5,0-1,27 1,-29-4,12-1,1 2,55 11,-18-4,-47-8</inkml:trace>
 </inkml:ink>
 </file>
 
@@ -4137,18 +4137,18 @@
           <inkml:channelProperty channel="Y" name="resolution" value="1000" units="1/cm"/>
         </inkml:channelProperties>
       </inkml:inkSource>
-      <inkml:timestamp xml:id="ts0" timeString="2025-06-03T12:08:30.242"/>
+      <inkml:timestamp xml:id="ts0" timeString="2025-06-03T12:42:14.953"/>
     </inkml:context>
     <inkml:brush xml:id="br0">
       <inkml:brushProperty name="width" value="0.2" units="cm"/>
       <inkml:brushProperty name="height" value="0.4" units="cm"/>
-      <inkml:brushProperty name="color" value="#00F900"/>
+      <inkml:brushProperty name="color" value="#969696"/>
       <inkml:brushProperty name="tip" value="rectangle"/>
       <inkml:brushProperty name="rasterOp" value="maskPen"/>
       <inkml:brushProperty name="ignorePressure" value="1"/>
     </inkml:brush>
   </inkml:definitions>
-  <inkml:trace contextRef="#ctx0" brushRef="#br0">0 1,'1'1,"0"1,-1 0,1 0,0-1,0 1,1-1,-1 1,0-1,0 0,1 1,-1-1,1 0,-1 0,1 0,-1 0,1 0,2 1,31 14,-2-6,-1-1,1-2,0-2,0-1,61 0,-74-3,0 1,37 8,-36-5,2-1,22 0,325-4,-347 0</inkml:trace>
+  <inkml:trace contextRef="#ctx0" brushRef="#br0">0 1,'584'0,"-574"0,0 0,0 2,0-1,18 6,-11-1</inkml:trace>
 </inkml:ink>
 </file>
 
@@ -4166,18 +4166,18 @@
           <inkml:channelProperty channel="Y" name="resolution" value="1000" units="1/cm"/>
         </inkml:channelProperties>
       </inkml:inkSource>
-      <inkml:timestamp xml:id="ts0" timeString="2025-06-03T12:09:36.600"/>
+      <inkml:timestamp xml:id="ts0" timeString="2025-06-03T12:42:19.554"/>
     </inkml:context>
     <inkml:brush xml:id="br0">
       <inkml:brushProperty name="width" value="0.2" units="cm"/>
       <inkml:brushProperty name="height" value="0.4" units="cm"/>
-      <inkml:brushProperty name="color" value="#00F900"/>
+      <inkml:brushProperty name="color" value="#969696"/>
       <inkml:brushProperty name="tip" value="rectangle"/>
       <inkml:brushProperty name="rasterOp" value="maskPen"/>
       <inkml:brushProperty name="ignorePressure" value="1"/>
     </inkml:brush>
   </inkml:definitions>
-  <inkml:trace contextRef="#ctx0" brushRef="#br0">29 5668,'2'-1,"0"1,0-1,0 1,0-1,1 0,-2 1,1-1,0 0,0-1,0 1,0 0,-1 0,1-1,-1 1,1-1,-1 1,1-1,-1 0,0 0,0 1,0-1,0 0,0 0,0 0,0 0,-1 0,1-3,2-5,0-1,-1 1,2-21,-1-37,-8-106,3 162,-1-1,0 1,-1 0,0 1,-1-1,-12-20,11 20,0 1,0-1,1 0,1 0,0 0,-4-26,5-246,5 145,0 113,1-1,1 0,2 1,9-28,9-49,0-3,-16 78,-1 0,-1 0,2-47,-6 54,1-1,0 1,2 0,9-25,-8 25,0 0,-1 0,-1 0,1-28,-3 20,9-44,-6 44,3-52,-7-1254,-3 605,4 702,2-1,1 0,1 1,1 0,14-33,13-54,2-9,-26 96,-1 0,-1-1,-2 0,-1 0,3-46,-7-30,-5-134,-21 105,11 49,9 61,1-1,-1-25,6-19,1 47,-2-1,0 1,-2-1,0 1,-7-25,9 45,-1 0,0 0,1 1,-1-1,1 0,-1 0,1 0,0 0,0 0,0 0,0 1,0-1,0 0,1 0,-1 0,1 0,-1 0,1 1,0-1,-1 0,1 0,0 1,0-1,0 1,1-1,-1 1,0-1,0 1,1 0,-1-1,1 1,2-1,1 0,0 0,0 0,0 1,0 0,0 0,1 0,-1 1,0 0,1 0,9 1,60 14,-57-10,0-1,36 3,-12-5,4-1,78 11,-57-3,-1-4,127-6,-69-1,1516 2,-1619-1,-1-2,34-7,-32 6,0 0,24-1,337 4,-184 3,-176-2</inkml:trace>
+  <inkml:trace contextRef="#ctx0" brushRef="#br0">5509 1953,'11'-1,"-1"-1,1 0,0 0,15-6,10-2,-24 7,3 0,1-1,0 0,-1-1,18-8,-29 11,-1 0,1 0,-1-1,1 1,-1-1,0 1,0-1,0 0,-1 0,1 0,-1-1,1 1,-1 0,0-1,0 0,-1 1,1-1,-1 0,0 0,0 0,1-7,2-53,-7-97,0 41,2 89,-11-58,6 58,-2-55,9-365,0 431,1 0,8-35,-5 33,-1 0,1-24,-5 17,2 0,12-56,-4 12,-9 60,0 1,1-1,0 1,1 0,0 0,1 0,0 0,7-13,-8 20,0 1,-1-1,1 0,-1 0,0 0,-1 0,1 0,-1 0,0-1,0 1,-1 0,0-1,0 1,0 0,0-1,-1 1,0 0,0-1,0 1,-1 0,0 0,0 0,0 0,-1 0,1 1,-1-1,0 1,0 0,-1-1,1 2,-1-1,0 0,0 1,0-1,-1 1,1 0,-1 1,0-1,0 1,1 0,-2 0,1 0,0 1,-6-1,-38-2,0 2,-64 5,4 1,55-4,-1-2,-74-12,96 10,1 0,-46 3,-16-2,21-9,54 7,-1 1,-27-1,-636 3,333 5,-3089-3,3366-11,62 8,-1 1,1 0,-1 0,0 1,1 1,-22 2,30-2,-1 1,1 0,0 1,0-1,0 1,0-1,0 1,0 0,0 0,1 0,-1 0,1 1,-1-1,1 1,0 0,0-1,0 1,0 0,1 0,-1 0,1 0,0 0,0 1,0-1,0 0,0 1,1-1,-1 5,-3 36,1 0,6 83,0-25,-5-69,-1 0,-8 33,-1 13,2-5,3-27,-2 71,10 1443,1-1530,10 58,-7-57,3 54,-8-56,1 0,1 1,10 47,-5-36,-2 0,-1 0,-3 0,-4 53,0 2,3-68,-1 0,-1 0,-11 53,-15 50,2 0,20-96,2 1,1 1,2-1,7 69,-5-96,0 0,1 0,0 0,1-1,0 1,0-1,1 1,0-1,1 0,0-1,0 1,1-1,0 0,1 0,0-1,0 0,0 0,1-1,0 0,0 0,1 0,-1-1,1-1,1 0,-1 0,0 0,1-1,0-1,-1 0,16 2,0-3,-13 0,0 0,0 0,1-1,-1 0,0-2,0 1,0-1,0-1,0 0,18-8,-13 0</inkml:trace>
 </inkml:ink>
 </file>
 
@@ -4195,18 +4195,18 @@
           <inkml:channelProperty channel="Y" name="resolution" value="1000" units="1/cm"/>
         </inkml:channelProperties>
       </inkml:inkSource>
-      <inkml:timestamp xml:id="ts0" timeString="2025-06-03T12:09:39.193"/>
+      <inkml:timestamp xml:id="ts0" timeString="2025-06-03T12:42:23.233"/>
     </inkml:context>
     <inkml:brush xml:id="br0">
       <inkml:brushProperty name="width" value="0.2" units="cm"/>
       <inkml:brushProperty name="height" value="0.4" units="cm"/>
-      <inkml:brushProperty name="color" value="#00F900"/>
+      <inkml:brushProperty name="color" value="#969696"/>
       <inkml:brushProperty name="tip" value="rectangle"/>
       <inkml:brushProperty name="rasterOp" value="maskPen"/>
       <inkml:brushProperty name="ignorePressure" value="1"/>
     </inkml:brush>
   </inkml:definitions>
-  <inkml:trace contextRef="#ctx0" brushRef="#br0">0 1,'11'1,"1"0,-1 1,0 0,12 4,40 7,224-11,-148-3,-118 0,-1-2,34-7,-32 6,0 0,24-1,112 5,-135 1</inkml:trace>
+  <inkml:trace contextRef="#ctx0" brushRef="#br0">0 1621,'1748'0,"-1728"-1,0-2,35-7,-34 6,1 0,24-1,-22 3,44-9,-45 6,0 1,25-1,42 4,-39 2,1-3,73-11,-87 8,-1 2,72 2,24-1,-62-11,-52 8,0 2,30-3,475 5,-253 3,-263-3,0 0,1 0,-1-1,0 1,0-2,0 1,0-1,-1-1,1 1,-1-1,0-1,0 1,0-1,0 0,-1-1,0 0,0 0,-1 0,0 0,0-1,0 0,-1 0,1 0,-2-1,1 1,-1-1,-1 0,1 0,-1 0,-1 0,1-1,-1-13,13-66,-9 58,-1 0,1-32,-5 58,1-33,-2-1,-1 0,-13-68,-13-25,2-28,21 139,2 0,0 0,1 0,1 0,1-1,1 1,0-1,2 1,0 0,2 0,0 0,1 1,9-20,-4 13,-1 0,-2-1,8-34,-11 48,0 1,1 0,0 1,1-1,1 1,-1 0,2 1,0 0,0 1,21-18,-24 24,0-1,1 1,-1 0,1 0,0 1,0 0,0 0,1 1,-1 0,13-1,82 5,-48 0,-1-2,-30-1</inkml:trace>
 </inkml:ink>
 </file>
 
@@ -4218,24 +4218,23 @@
         <inkml:traceFormat>
           <inkml:channel name="X" type="integer" min="-2.14748E9" max="2.14748E9" units="cm"/>
           <inkml:channel name="Y" type="integer" min="-2.14748E9" max="2.14748E9" units="cm"/>
+          <inkml:channel name="F" type="integer" max="32767" units="dev"/>
         </inkml:traceFormat>
         <inkml:channelProperties>
           <inkml:channelProperty channel="X" name="resolution" value="1000" units="1/cm"/>
           <inkml:channelProperty channel="Y" name="resolution" value="1000" units="1/cm"/>
+          <inkml:channelProperty channel="F" name="resolution" value="0" units="1/dev"/>
         </inkml:channelProperties>
       </inkml:inkSource>
-      <inkml:timestamp xml:id="ts0" timeString="2025-06-03T12:12:08.934"/>
+      <inkml:timestamp xml:id="ts0" timeString="2025-06-03T12:45:26.121"/>
     </inkml:context>
     <inkml:brush xml:id="br0">
-      <inkml:brushProperty name="width" value="0.2" units="cm"/>
-      <inkml:brushProperty name="height" value="0.4" units="cm"/>
-      <inkml:brushProperty name="color" value="#FF40FF"/>
-      <inkml:brushProperty name="tip" value="rectangle"/>
-      <inkml:brushProperty name="rasterOp" value="maskPen"/>
-      <inkml:brushProperty name="ignorePressure" value="1"/>
+      <inkml:brushProperty name="width" value="0.1" units="cm"/>
+      <inkml:brushProperty name="height" value="0.1" units="cm"/>
+      <inkml:brushProperty name="color" value="#5B2D90"/>
     </inkml:brush>
   </inkml:definitions>
-  <inkml:trace contextRef="#ctx0" brushRef="#br0">0 1,'0'1,"1"0,-1 0,1 0,0 0,-1 1,1-1,0 0,-1 0,1 0,0-1,0 1,0 0,0 0,0 0,0-1,0 1,0 0,0-1,1 1,-1-1,0 1,0-1,0 0,1 1,-1-1,0 0,2 0,41 5,-39-5,12 2,-1 1,1 1,-1 0,25 10,-25-8,0 0,0-2,1 0,27 3,51 7,-67-9,1-1,29 1,1134-6,-1172 0,-1-1,37-9,-35 6,0 1,27-1,269 6,-294-1</inkml:trace>
+  <inkml:trace contextRef="#ctx0" brushRef="#br0">0 315 24575,'103'1'0,"114"-3"0,-59-25 0,-104 19 0,-6 0 0,88-2 0,711 11 0,-830 0 0,0 0 0,-1 2 0,19 5 0,39 4 0,12 2 0,-63-9 0,0-1 0,29 1 0,-15-4 0,-6-1 0,0 1 0,1 2 0,33 7 0,-36-4 0,48 2 0,-48-6 0,48 9 0,-42-4 0,1-3 0,0-1 0,0-1 0,0-3 0,38-4 0,-68 5 0,0-1 0,-1 0 0,1 0 0,0-1 0,-1 0 0,0 0 0,1 0 0,-1 0 0,0-1 0,0 0 0,0 0 0,-1 0 0,1-1 0,-1 0 0,0 0 0,1 0 0,5-8 0,-5 3 0,0 1 0,0-1 0,-1 0 0,0 0 0,0 0 0,-1 0 0,-1-1 0,0 1 0,2-14 0,6-37-24,-5 28-647,4-62 1,-9 71-6156</inkml:trace>
 </inkml:ink>
 </file>
 
@@ -4253,18 +4252,18 @@
           <inkml:channelProperty channel="Y" name="resolution" value="1000" units="1/cm"/>
         </inkml:channelProperties>
       </inkml:inkSource>
-      <inkml:timestamp xml:id="ts0" timeString="2025-06-03T12:12:10.804"/>
+      <inkml:timestamp xml:id="ts0" timeString="2025-06-03T12:45:38.649"/>
     </inkml:context>
     <inkml:brush xml:id="br0">
       <inkml:brushProperty name="width" value="0.2" units="cm"/>
       <inkml:brushProperty name="height" value="0.4" units="cm"/>
-      <inkml:brushProperty name="color" value="#FF40FF"/>
+      <inkml:brushProperty name="color" value="#0069AF"/>
       <inkml:brushProperty name="tip" value="rectangle"/>
       <inkml:brushProperty name="rasterOp" value="maskPen"/>
       <inkml:brushProperty name="ignorePressure" value="1"/>
     </inkml:brush>
   </inkml:definitions>
-  <inkml:trace contextRef="#ctx0" brushRef="#br0">0 1,'5'0,"5"0,6 0,5 0,3 0,2 0,1 0,-4 0</inkml:trace>
+  <inkml:trace contextRef="#ctx0" brushRef="#br0">0 350,'11'-1,"1"0,-1-1,0-1,12-3,40-7,25-1,-64 9,0 1,28-1,750 3,-387 5,-383-1,-1 1,0 2,-1 1,1 2,36 14,12 2,-5-3,135 19,-7-37,-115-4,-81 1,0-1,0 1,0-1,0 0,0 0,-1-1,1 1,0-1,-1-1,0 1,1-1,-1 0,0 0,0 0,-1-1,1 0,-1 0,0 0,6-7,2 0,2-4,-1 0,0-1,-1 0,14-27,-5 9,18-14,-34 43,1 0,-1 0,-1-1,1 0,-1 0,0 0,0 0,-1-1,0 0,0 0,0 0,-1 0,2-8,9-51,-7 49</inkml:trace>
 </inkml:ink>
 </file>
 
@@ -4282,18 +4281,18 @@
           <inkml:channelProperty channel="Y" name="resolution" value="1000" units="1/cm"/>
         </inkml:channelProperties>
       </inkml:inkSource>
-      <inkml:timestamp xml:id="ts0" timeString="2025-06-03T12:12:15.962"/>
+      <inkml:timestamp xml:id="ts0" timeString="2025-06-03T12:45:56.164"/>
     </inkml:context>
     <inkml:brush xml:id="br0">
       <inkml:brushProperty name="width" value="0.2" units="cm"/>
       <inkml:brushProperty name="height" value="0.4" units="cm"/>
-      <inkml:brushProperty name="color" value="#FF40FF"/>
+      <inkml:brushProperty name="color" value="#0069AF"/>
       <inkml:brushProperty name="tip" value="rectangle"/>
       <inkml:brushProperty name="rasterOp" value="maskPen"/>
       <inkml:brushProperty name="ignorePressure" value="1"/>
     </inkml:brush>
   </inkml:definitions>
-  <inkml:trace contextRef="#ctx0" brushRef="#br0">0 22,'0'-2,"1"1,-1 0,1 0,-1 0,1 0,0 0,-1 0,1 0,0 0,0 0,0 0,0 0,-1 0,1 1,0-1,0 0,1 1,-1-1,0 0,0 1,0 0,0-1,0 1,1 0,-1-1,0 1,0 0,1 0,1 0,38 0,51 12,1-5,132-5,-123-2,-80 0</inkml:trace>
+  <inkml:trace contextRef="#ctx0" brushRef="#br0">22705 3019,'1'-1,"0"1,1-1,-1 1,0-1,0 1,0-1,0 0,0 0,0 0,0 1,0-1,0 0,-1 0,1 0,0 0,0 0,-1 0,1-1,-1 1,1 0,-1 0,0 0,1-1,-1 1,0 0,0 0,0-2,5-41,-4 39,-2-230,3-36,11 199,-9 53,0 0,2-30,-6-31,-1 45,2 1,1-1,11-57,-6 46,-2 1,-1-1,-3 0,-5-51,1-9,1 74,-2 0,-2 1,-17-59,9 38,9 33,-2-7,1-1,1 0,1-1,0-31,2 22,-10-56,7 56,-3-60,9-619,-1 712,0 0,0 0,0 0,-1 1,0-1,0 0,0 0,0 0,0 0,-1 1,0-1,0 1,0-1,0 1,0 0,-1 0,1 0,-5-5,1 4,1 1,-1 0,1-1,-1 2,0-1,0 1,0 0,0 0,-1 0,1 1,-8-1,-41-5,-13-3,-97-1,135 10,0-2,-32-7,31 5,-55-3,84 8,-29 0,0-1,0-2,-44-8,30 4,-1 1,-1 3,1 2,-49 5,-12-1,-3888-3,3975-1,0-2,-35-7,33 6,1 0,-26-1,-670 3,349 5,-2728-3,3076 1,0 1,-35 8,34-5,-1-2,-24 2,-671-3,348-4,-5240 2,5589 1,0 1,-35 8,33-5,1-2,-26 2,31-4,-15-1,1 2,-1 1,-30 7,33-5,0-1,-49 1,48-5,0 2,-45 9,42-6,0-1,-1-2,1-1,-35-3,-70 2,4 27,79-18,14-2,-77 4,85-9,-55 9,54-5,-53 2,46-8,7-1,0 2,0 1,-51 10,39-4,-1-3,0-2,0-2,-50-5,-11 2,-3703 2,3807-1,-1 1,1 0,0 0,0 0,-1 1,1-1,0 1,0 0,0 0,0 0,0 0,0 0,0 1,0-1,0 1,0 0,1 0,-1 0,1 0,-1 0,-2 4,3-1,-1 0,1 1,0-1,0 1,1-1,0 1,0 0,0 0,1-1,-1 1,2 8,4 1605,-4-1599,1-1,9 37,-6-35,-2 0,3 27,-8 128,4 71,10-176,-7-51,-1 0,1 28,-4 510,-3-269,0-264,-1 1,-1-2,-1 1,-2 0,-11 28,-13 59,19-66,-22 60,-8 35,31-99,7-24,-1 0,-2 35,3-14,-2 0,-2 0,-14 42,11-43,1 1,2 0,-3 44,8 374,6-226,-2-211,1-1,9 37,-6-35,-2 0,3 27,-3 15,4-1,25 115,-23-135,-7-29,1 0,0 0,1-1,0 1,1-1,7 13,-7-12,0 0,0 0,-2 0,1 1,-2-1,0 1,1 22,6 35,-4-40,-2 1,0 46,-2-48,0-1,2 1,6 32,-1-18,-3 1,-2 0,-1 0,-6 56,1 6,3 765,0-865,0-1,0 0,0 0,1 0,0 0,0 0,1 0,0 0,0 0,0-1,1 1,4 7,3-1</inkml:trace>
 </inkml:ink>
 </file>
 
@@ -4311,18 +4310,18 @@
           <inkml:channelProperty channel="Y" name="resolution" value="1000" units="1/cm"/>
         </inkml:channelProperties>
       </inkml:inkSource>
-      <inkml:timestamp xml:id="ts0" timeString="2025-06-03T12:12:58.299"/>
+      <inkml:timestamp xml:id="ts0" timeString="2025-06-03T12:47:56.915"/>
     </inkml:context>
     <inkml:brush xml:id="br0">
       <inkml:brushProperty name="width" value="0.2" units="cm"/>
       <inkml:brushProperty name="height" value="0.4" units="cm"/>
-      <inkml:brushProperty name="color" value="#FF40FF"/>
+      <inkml:brushProperty name="color" value="#969696"/>
       <inkml:brushProperty name="tip" value="rectangle"/>
       <inkml:brushProperty name="rasterOp" value="maskPen"/>
       <inkml:brushProperty name="ignorePressure" value="1"/>
     </inkml:brush>
   </inkml:definitions>
-  <inkml:trace contextRef="#ctx0" brushRef="#br0">0 2908,'48'0,"54"-7,-84 4,-1 0,0-1,0-1,0-1,-1 0,25-13,85-40,-108 48,-1 0,1-1,-2 0,0-2,0 0,-1 0,-1-2,0 0,-1 0,-1-1,-1-1,0 0,-2 0,0-1,0 0,7-31,12-30,-21 65,-1 0,-1 0,0-1,-2 0,5-29,5-52,-7 69,-2-1,0-29,-5-2006,1 2041</inkml:trace>
+  <inkml:trace contextRef="#ctx0" brushRef="#br0">0 1,'30'0,"1"1,-1 1,48 11,-32-6,1-1,0-3,0-2,48-5,11 2,-84 2</inkml:trace>
 </inkml:ink>
 </file>
 
@@ -4340,18 +4339,18 @@
           <inkml:channelProperty channel="Y" name="resolution" value="1000" units="1/cm"/>
         </inkml:channelProperties>
       </inkml:inkSource>
-      <inkml:timestamp xml:id="ts0" timeString="2025-06-03T12:13:06.132"/>
+      <inkml:timestamp xml:id="ts0" timeString="2025-06-03T12:50:58.219"/>
     </inkml:context>
     <inkml:brush xml:id="br0">
       <inkml:brushProperty name="width" value="0.2" units="cm"/>
       <inkml:brushProperty name="height" value="0.4" units="cm"/>
-      <inkml:brushProperty name="color" value="#FF40FF"/>
+      <inkml:brushProperty name="color" value="#00F900"/>
       <inkml:brushProperty name="tip" value="rectangle"/>
       <inkml:brushProperty name="rasterOp" value="maskPen"/>
       <inkml:brushProperty name="ignorePressure" value="1"/>
     </inkml:brush>
   </inkml:definitions>
-  <inkml:trace contextRef="#ctx0" brushRef="#br0">1849 10457,'0'10,"0"-1,0 1,1 0,0 0,1 0,6 17,-7-24,1 0,-1 0,1 0,0 0,0-1,0 1,0-1,1 1,-1-1,1 0,-1 0,1 0,0 0,0 0,0 0,0-1,0 0,0 1,0-1,1 0,-1-1,0 1,6 0,41 3,1-2,58-6,1 1,-60 2,-11 0,-1 1,0 2,72 14,-76-7,-4-1,1-1,0-1,43 2,-52-7,1 2,25 6,-25-4,46 3,55 5,-83-7,59 2,-52-8,-7 1,0-2,0-1,64-13,-28 2,-56 11,0-2,-1 0,39-13,-34 10,0 0,1 2,-1 1,1 1,0 1,-1 2,51 4,-31-2,55-4,-93 1,0-1,0 0,-1 0,1 0,-1-1,1 0,-1 0,0-1,0 0,0 0,-1 0,1-1,-1 1,0-1,-1-1,1 1,-1-1,5-7,-3 4,0-2,0 1,-1-1,-1 0,0 0,0 0,-1-1,0 1,-1-1,1-12,-6-268,1 278,-1 1,0-1,-1 1,-10-23,9 24,0 0,1 0,0-1,1 0,-3-21,4-369,5 197,-3-270,1 456,1 0,8-35,-5 34,-1-1,1-24,-3 23,0 0,7-23,-4 23,-1 0,1-24,-4 18,2 0,1 0,2 1,0 0,2 0,1 0,15-30,-19 39,1-1,-2 0,-1 0,0 0,-2 0,0 0,-1 0,-6-40,-7-10,9 51,0-1,-2-31,6 23,-2-1,-1 0,-8-28,6 26,1-1,2 0,1-1,3-37,-3-65,-11 64,7 51,2 0,-3-28,8-82,-4-57,-1 165,-1 0,-1 0,-9-21,8 25,0-1,1 1,1-1,-2-35,6-403,1 198,0 239,1 0,8-35,-5 33,-1 0,1-24,-3 23,9-45,-6 45,-1 0,1-25,-5-5,0 21,1 0,2 0,8-42,-4 29,-2-1,-1-1,-3 1,-5-50,1-10,3-1376,-1 1462,-1 0,-8-35,5 34,1-1,-1-24,5 30,-1 1,-1-1,0 1,-1 0,-1 0,0 0,-1 1,-8-17,7 13,0-1,0 0,2-1,-3-27,1 5,-20-129,19 128,2 0,2 0,2-1,5-44,-2-11,-2-1065,2 1134,10-59,-6 58,2-57,-9-494,0 562,-1 1,-9-37,7 35,0 0,-2-27,6 37,0 3,0 0,0 0,-1 1,-1-1,-2-10,3 15,-1-1,1 1,-1 0,0 0,0 1,0-1,0 0,-1 1,1-1,-1 1,0 0,1-1,-1 1,0 1,-4-3,-18-10,0 2,-1 0,-1 2,0 1,-35-7,42 12,0-2,0 0,1-1,-1-1,-33-19,44 22,0 1,0 1,0-1,0 2,-1-1,1 1,-1 1,-15-2,-86 6,51-1,-364-1,404 0,1 1,-37 8,35-5,0-1,-27 1,-650-3,337-4,-909 2,1251-1,-1-1,-36-9,36 6,-1 1,-27-1,-243 6,268-1</inkml:trace>
+  <inkml:trace contextRef="#ctx0" brushRef="#br0">112 1,'0'51,"2"-11,-3-1,-1 1,-13 67,-12 77,20-138,2 1,1-1,7 95,0-34,-3-85,1 14,-2 0,-1 0,-12 56,9-64,-3 50,6-49,-10 47,5-32,2-1,2 1,2 0,5 44,-2 10,-1-89,0-1,0 1,1 0,0 0,0-1,1 1,0-1,1 0,0 0,0 0,9 11,7 8,41 42,-49-56,29 37,-34-39,2 0,-1-1,1 0,1-1,0 1,19 12,-3-7,1-1,1-2,0-1,0-1,1-1,0-1,54 6,99 8,-100-15,153-6,-102-3,1322 2,-1434 1,-1 1,34 8,-32-5,0-2,24 2,68 9,-80-8,57 2,-53-8,-5-1,0 2,1 1,50 10,100 16,-155-23,49 3,-48-6,45 9,-20 1,1-2,0-3,85 1,970-9,-1091 0,0-2,35-7,-34 6,1 0,24-1,-28 5,14-1,0-1,56-10,44-16,-6-3,-106 28</inkml:trace>
 </inkml:ink>
 </file>
 
@@ -4397,7 +4396,7 @@
           <inkml:channelProperty channel="Y" name="resolution" value="1000" units="1/cm"/>
         </inkml:channelProperties>
       </inkml:inkSource>
-      <inkml:timestamp xml:id="ts0" timeString="2025-06-03T12:13:13.833"/>
+      <inkml:timestamp xml:id="ts0" timeString="2025-06-03T12:51:54.009"/>
     </inkml:context>
     <inkml:brush xml:id="br0">
       <inkml:brushProperty name="width" value="0.2" units="cm"/>
@@ -4408,7 +4407,7 @@
       <inkml:brushProperty name="ignorePressure" value="1"/>
     </inkml:brush>
   </inkml:definitions>
-  <inkml:trace contextRef="#ctx0" brushRef="#br0">1188 5298,'0'-610,"-2"586,0 0,-2 0,-1 0,-9-27,7 27,1-1,1 0,-4-44,11-36,-4-55,-11 88,9 53,0 0,-2-30,7-375,0 408,1-1,1 1,0 0,1 1,12-30,9-41,-24 81,0 1,0 0,1-1,-1 1,1 0,0 0,0 0,0 0,0 0,1 1,0-1,-1 1,1-1,1 1,-1 0,6-4,3 0,-1 0,1 2,1-1,14-4,4-1,-17 6,0 2,0 0,0 0,0 1,0 1,18 0,-14 1,-1-1,1 0,24-7,3 0,0 2,0 1,1 3,76 5,-17 0,1086-3,-1160-2,57-10,-55 7,53-3,-23 8,-27 1,-1-1,0-2,1-1,34-9,-59 10,1-1,-1 0,0-1,0-1,-1 0,1 0,-1-1,13-9,13-14,62-66,-69 65,-23 23,0 0,-1-1,0 1,0-1,-1 0,0 0,-1 0,4-12,16-77,-15 60,4-8,-3-1,-2 0,2-72,-10-306,0 409,-1-1,0 1,-1 0,-1 0,-11-28,9 28,1 0,0-1,2 0,-1 0,0-24,2 17,-1 0,-5-24,3 23,-4-45,9-366,1 208,-2 204,-2 0,0 0,-2 1,-13-41,-3 18,17 38,0 0,0-1,1 0,0 1,0-1,-2-14,-25-160,18 110,7 46,1-1,-1-34,7-25,-4-66,2 148,-1 0,1 1,-1-1,0 0,0 1,-1-1,1 1,-1 0,0-1,0 1,0 0,0 0,0 0,-1 0,1 1,-1-1,0 1,0-1,0 1,0 0,0 0,0 0,-1 1,1-1,-1 1,1 0,-1-1,1 2,-7-2,-10-1,-1 1,0 1,1 0,-26 4,13-1,-605 0,349-3,269 2,1 1,-37 8,35-5,0-1,-27 1,-43 8,67-8,-46 3,-735-6,392-4,411 2,-33 0,0-1,0-1,-54-11,44 6,-1 1,0 3,0 2,-50 5,-11-1,-342-3,426 0</inkml:trace>
+  <inkml:trace contextRef="#ctx0" brushRef="#br0">0 5025,'94'1,"104"-3,-193 1,0 1,0-1,0 0,0-1,0 1,-1-1,1 0,0 0,-1-1,0 1,1-1,-1 0,0 0,0 0,-1-1,1 0,-1 1,5-8,2-4,-1-1,-1 0,12-35,-15 36,1 0,0 0,2 0,12-20,-9 18,-1-1,-1-1,-1 0,0 0,-2 0,0-1,4-31,-2 17,-1-7,-2-1,-2-1,-2 1,-5-50,1-9,3-1143,-1 1225,-1 0,-9-37,7 35,0 0,-2-27,6-20,1 35,-2 0,-2 0,-9-49,8 56,1 1,0-1,2-27,1 26,-1 0,-8-43,-1 3,3-1,3 1,7-104,-1 41,-2-505,1 615,1 1,9-37,-6 35,-2 0,3-27,-5-564,-3 298,2 292</inkml:trace>
 </inkml:ink>
 </file>
 
@@ -4426,7 +4425,7 @@
           <inkml:channelProperty channel="Y" name="resolution" value="1000" units="1/cm"/>
         </inkml:channelProperties>
       </inkml:inkSource>
-      <inkml:timestamp xml:id="ts0" timeString="2025-06-03T12:13:51.016"/>
+      <inkml:timestamp xml:id="ts0" timeString="2025-06-03T12:51:56.673"/>
     </inkml:context>
     <inkml:brush xml:id="br0">
       <inkml:brushProperty name="width" value="0.2" units="cm"/>
@@ -4437,7 +4436,7 @@
       <inkml:brushProperty name="ignorePressure" value="1"/>
     </inkml:brush>
   </inkml:definitions>
-  <inkml:trace contextRef="#ctx0" brushRef="#br0">0 32,'32'-2,"-1"0,37-9,-35 5,33 0,1 1,95 8,-38 0,988-3,-1081 1,57 11,-56-6,55 2,-48-8,-8-1,1 2,0 1,56 11,-47-6,1-2,0-2,0-1,54-6,1 2,1675 2,-1751 1,-1 1,34 8,-32-5,0-2,24 2,325-5,-349 0</inkml:trace>
+  <inkml:trace contextRef="#ctx0" brushRef="#br0">0 1,'8'0,"1"1,-1 1,0-1,0 2,9 2,31 7,2-9,65-4,38 2,-81 12,-52-9,0 0,27 1,67 8,-79-7,54 2,-68-7,0 1,31 8,-29-5,-1-1,24 0,378-4,-402 0</inkml:trace>
 </inkml:ink>
 </file>
 
@@ -4455,7 +4454,7 @@
           <inkml:channelProperty channel="Y" name="resolution" value="1000" units="1/cm"/>
         </inkml:channelProperties>
       </inkml:inkSource>
-      <inkml:timestamp xml:id="ts0" timeString="2025-06-03T12:14:29.700"/>
+      <inkml:timestamp xml:id="ts0" timeString="2025-06-03T12:52:02.519"/>
     </inkml:context>
     <inkml:brush xml:id="br0">
       <inkml:brushProperty name="width" value="0.2" units="cm"/>
@@ -4466,7 +4465,7 @@
       <inkml:brushProperty name="ignorePressure" value="1"/>
     </inkml:brush>
   </inkml:definitions>
-  <inkml:trace contextRef="#ctx0" brushRef="#br0">0 108,'8'-1,"1"0,-1 0,0-1,0 0,9-4,31-6,25 7,-43 4,1-2,32-6,-45 4,24-5,0 2,0 1,67-2,660 11,-749-3,0-2,35-7,-34 6,1 0,24-1,336 4,-181 3,-174-1,-1 2,1 1,50 15,-51-12,1 0,-1-2,54 3,-49-8,-1 0,1 3,48 8,78 17,-127-23,1-1,-1-1,38-2,-37-2,-1 2,1 1,37 8,-22-2,0-3,0-2,0-2,50-5,10 2,5 0,122 4,-144 11,-57-7,59 3,-49-11,0-1,42-9,-78 11,0 1,0 0,0 0,1 0,-1 1,0-1,-1 2,1-1,0 0,0 1,0 0,-1 1,1-1,-1 1,0 0,0 1,7 4,4 6,-1 1,0 1,19 25,-15-17,10 3,-26-24,1-1,-1 1,0-1,0 1,0 0,-1 0,1 0,-1 1,0-1,1 1,-2-1,1 1,0 0,-1-1,1 1,0 7,0 5,-1 1,-1-1,-3 25,2-29,0 0,0 1,1-1,1 0,0 0,1 0,4 18,-5-28,1 1,0-1,-1 1,1-1,0 0,0 1,0-1,1 0,-1 0,0-1,1 1,-1 0,1-1,0 0,-1 1,1-1,0 0,0 0,0-1,0 1,0-1,0 1,4-1,12 1,1-1,30-3,-22 1,25 0,-29 2</inkml:trace>
+  <inkml:trace contextRef="#ctx0" brushRef="#br0">0 29,'795'0,"-775"-1,0-2,35-7,-34 6,1 0,24-1,460 4,-244 3,-241-1,-1 1,34 8,-32-5,0-2,24 2,-29-4,14-1,-1 2,0 1,32 7,-17-3,0-1,1-3,0-2,52-4,8 0,450 3,-536 1,0 1,35 8,-34-5,1-2,24 2,119-7,68 4,-145 11,-56-7,60 3,-1-8,161-4,-181-10,-52 8,1 2,29-3,5 5,-31 2,1-1,0-1,-1-1,1-1,-1-2,0 0,40-14,-48 11</inkml:trace>
 </inkml:ink>
 </file>
 
@@ -4484,18 +4483,18 @@
           <inkml:channelProperty channel="Y" name="resolution" value="1000" units="1/cm"/>
         </inkml:channelProperties>
       </inkml:inkSource>
-      <inkml:timestamp xml:id="ts0" timeString="2025-06-03T12:14:35.369"/>
+      <inkml:timestamp xml:id="ts0" timeString="2025-06-03T12:52:14.308"/>
     </inkml:context>
     <inkml:brush xml:id="br0">
       <inkml:brushProperty name="width" value="0.2" units="cm"/>
       <inkml:brushProperty name="height" value="0.4" units="cm"/>
-      <inkml:brushProperty name="color" value="#0069AF"/>
+      <inkml:brushProperty name="color" value="#FF40FF"/>
       <inkml:brushProperty name="tip" value="rectangle"/>
       <inkml:brushProperty name="rasterOp" value="maskPen"/>
       <inkml:brushProperty name="ignorePressure" value="1"/>
     </inkml:brush>
   </inkml:definitions>
-  <inkml:trace contextRef="#ctx0" brushRef="#br0">0 1,'5'1,"0"0,-1 1,1-1,-1 1,1 0,-1 1,0-1,7 5,11 6,-7-7,0-2,1 0,-1-1,1 0,0-1,0-1,0 0,20-3,-13 2,0 0,0 2,24 4,21 4,0-3,0-3,101-7,-39 1,849 2,-959 1,0 1,35 8,-34-5,1-2,24 2,45-4,-42-2,1 3,78 12,-65-6,0-2,0-3,74-7,-13 2,696 2,-815-1,0 1,0 1,0-1,0 1,0-1,0 1,-1 1,1-1,0 1,-1 0,1 0,-1 0,1 0,-1 1,0 0,0 0,0 0,6 7,-5-3,-1 0,0 0,0 0,-1 1,1-1,-2 1,1 0,-1 0,0 0,1 15,2 51,-5 123,-3-73,3-117,0 0,0 0,0 0,1 0,0 0,1 0,0 0,0-1,0 1,3 6,-2-9,0-1,0 0,0 1,0-1,0 0,0 0,1-1,0 1,-1-1,1 0,0 0,0 0,0 0,0-1,1 1,-1-1,6 1,15 2,46 2,23 5,-59-6,0-1,1-2,46-2,-43-1,-16 1</inkml:trace>
+  <inkml:trace contextRef="#ctx0" brushRef="#br0">0 3,'103'-2,"112"4,-143 11,-52-9,-1 0,29 1,164-5,-190 0</inkml:trace>
 </inkml:ink>
 </file>
 
@@ -4513,18 +4512,18 @@
           <inkml:channelProperty channel="Y" name="resolution" value="1000" units="1/cm"/>
         </inkml:channelProperties>
       </inkml:inkSource>
-      <inkml:timestamp xml:id="ts0" timeString="2025-06-03T12:14:44.661"/>
+      <inkml:timestamp xml:id="ts0" timeString="2025-06-03T12:52:24.401"/>
     </inkml:context>
     <inkml:brush xml:id="br0">
       <inkml:brushProperty name="width" value="0.2" units="cm"/>
       <inkml:brushProperty name="height" value="0.4" units="cm"/>
-      <inkml:brushProperty name="color" value="#FF8517"/>
+      <inkml:brushProperty name="color" value="#0069AF"/>
       <inkml:brushProperty name="tip" value="rectangle"/>
       <inkml:brushProperty name="rasterOp" value="maskPen"/>
       <inkml:brushProperty name="ignorePressure" value="1"/>
     </inkml:brush>
   </inkml:definitions>
-  <inkml:trace contextRef="#ctx0" brushRef="#br0">0 1,'30'0,"0"1,0 1,49 11,-51-8,1-1,35 1,-34-4,-1 1,31 8,-30-5,44 3,-44-6,47 9,-50-6,0-2,0-1,47-2,25 2,-95-1,1 0,-1 0,0 1,0-1,0 1,1 0,-2 0,1 1,0-1,0 1,-1 0,0 0,1 0,-1 0,0 1,-1-1,1 1,-1 0,1 0,-1 0,0 0,-1 0,1 0,-1 1,2 7,4 12,-2 1,-1 0,2 30,-6-55,3 20,1 1,0-1,14 34,-10-31,10 48,9 62,-17-75,-4-30,-2 1,2 41,-6-41,-1 1,-1 0,-12 51,1-22,6-21,-20 56,16-60,2 2,1-1,1 1,3 0,0 1,3 49,0-65,-1-1,-8 36,-2 33,10 629,4-351,-2-353,1 15,-1 1,-1 0,-2-1,-1 0,-1 1,-14 44,8-38,2 1,-8 63,10-56,1 20,2-1,6 85,1-32,-4-73,0-28,0 0,1 0,0 0,2-1,-1 1,2 0,0 0,0-1,2 0,0 0,7 16,-6-18,-1 1,0 0,-1 1,-1-1,0 1,2 24,4 17,-2-7,-2 1,-2-1,-6 87,0-27,3 500,1-592,1 0,1-1,0 1,1-1,10 26,7 30,-17-52</inkml:trace>
+  <inkml:trace contextRef="#ctx0" brushRef="#br0">0 84,'29'1,"0"-2,-1 0,1-2,-1-1,1-1,-1-1,28-11,-35 10,0 2,0 0,0 2,35-2,25-4,-8 1,1 2,122 8,-62 1,527-3,-625 2,63 11,-22-1,1-1,-35-4,74 2,-81-7,66 11,-29-2,-1 1,-41-7,52 4,-50-6,50 10,-15-2,1 1,-43-7,1-1,36 2,20-7,-14 0,-1 3,81 12,-73-5,0-3,119-8,-63 0,449 2,-558 0</inkml:trace>
 </inkml:ink>
 </file>
 
@@ -4542,18 +4541,18 @@
           <inkml:channelProperty channel="Y" name="resolution" value="1000" units="1/cm"/>
         </inkml:channelProperties>
       </inkml:inkSource>
-      <inkml:timestamp xml:id="ts0" timeString="2025-06-03T12:17:13.698"/>
+      <inkml:timestamp xml:id="ts0" timeString="2025-06-03T12:52:28.943"/>
     </inkml:context>
     <inkml:brush xml:id="br0">
       <inkml:brushProperty name="width" value="0.2" units="cm"/>
       <inkml:brushProperty name="height" value="0.4" units="cm"/>
-      <inkml:brushProperty name="color" value="#00F900"/>
+      <inkml:brushProperty name="color" value="#0069AF"/>
       <inkml:brushProperty name="tip" value="rectangle"/>
       <inkml:brushProperty name="rasterOp" value="maskPen"/>
       <inkml:brushProperty name="ignorePressure" value="1"/>
     </inkml:brush>
   </inkml:definitions>
-  <inkml:trace contextRef="#ctx0" brushRef="#br0">0 1,'848'0,"-826"0</inkml:trace>
+  <inkml:trace contextRef="#ctx0" brushRef="#br0">0 6,'51'-2,"-36"0,0 1,1 1,-1 0,0 1,0 1,1 0,27 9,-39-8,0-1,0 1,-1 0,1 0,-1 1,1-1,-1 1,0-1,0 1,-1 0,1 0,-1 1,0-1,0 0,0 1,-1-1,0 1,1 5,3 9,-2 0,0 0,-1 22,-1 266,-3-137,1-151,-1 1,-9 36,7-35,0 0,-2 26,4 15,2-1,4 1,11 72,-6-72,-4 1,-2 0,-6 75,0-14,3 431,1-538,1 0,0-1,6 20,5 37,3 26,-4-40,14 73,-26-127,1 0,0 0,0 0,1 0,-1-1,1 1,0-1,0 1,0-1,1 0,0 1,0-1,0-1,0 1,0 0,8 5,-4-4,0-2,1 1,-1-1,1 0,0 0,-1-1,1 0,0-1,10 1,118 22,-82-12,25 2,8-1,-64-8,1-1,26 1,80-6,58 2,-117 12,-51-9,0 0,28 1,669-3,-349-4,1114 2,-1462-1,0-2,35-7,-34 6,1 0,24-1,100-11,-55 4,-69 8,-5-2</inkml:trace>
 </inkml:ink>
 </file>
 
@@ -4571,18 +4570,18 @@
           <inkml:channelProperty channel="Y" name="resolution" value="1000" units="1/cm"/>
         </inkml:channelProperties>
       </inkml:inkSource>
-      <inkml:timestamp xml:id="ts0" timeString="2025-06-03T12:17:27.719"/>
+      <inkml:timestamp xml:id="ts0" timeString="2025-06-03T12:52:51.931"/>
     </inkml:context>
     <inkml:brush xml:id="br0">
       <inkml:brushProperty name="width" value="0.2" units="cm"/>
       <inkml:brushProperty name="height" value="0.4" units="cm"/>
-      <inkml:brushProperty name="color" value="#0069AF"/>
+      <inkml:brushProperty name="color" value="#FF8517"/>
       <inkml:brushProperty name="tip" value="rectangle"/>
       <inkml:brushProperty name="rasterOp" value="maskPen"/>
       <inkml:brushProperty name="ignorePressure" value="1"/>
     </inkml:brush>
   </inkml:definitions>
-  <inkml:trace contextRef="#ctx0" brushRef="#br0">0 28,'28'-2,"1"0,32-9,-39 7,1 0,0 1,-1 1,35 2,-55 0,1 1,-1-1,1 1,-1-1,1 1,-1 0,0 0,1 0,-1 0,0 0,0 1,0-1,0 1,0-1,0 1,0 0,0 0,-1 0,3 4,-1-2,-1 1,0-1,0 1,0 0,-1 0,0 0,0 0,0 0,0 8,-1 2,-1 1,0 0,-1 0,-1-1,-7 25,2-4,1 1,2 0,2-1,2 1,5 66,-2-7,-2 804,-1-869,-11 58,6-57,-2 54,9 390,-2-456,-1-1,-9 37,7-35,0 0,-2 27,6-31,2 151,-2-165,0 1,1-1,0 1,-1-1,1 0,1 1,-1-1,0 0,1 0,-1 0,1 0,0 0,0 0,0 0,1-1,-1 1,1-1,-1 1,1-1,0 0,0 0,0 0,0-1,0 1,0-1,0 0,1 1,3-1,10 3,0-2,0 0,0-1,31-3,-32 2,0-1,0 2,17 2,47 9,1-3,0-4,119-8,-55 1,305 2,-419 1,58 12,-58-8,56 4,1233-9,-602-1,-699 0,1-1,36-9,-36 6,1 1,27-1,-17 4,0-1,51-10,-54 7,0 1,1 2,32 2,-38 0</inkml:trace>
+  <inkml:trace contextRef="#ctx0" brushRef="#br0">17310 4454,'690'0,"-670"-1,0-2,35-7,-34 6,1 0,24-1,-36 5,-1 0,1 0,0 1,-1 0,1 1,-1 0,0 0,0 1,0 0,0 1,0 0,-1 0,1 1,11 9,-14-9,-1 1,1 0,-1 0,0 0,0 1,-1 0,0-1,0 2,-1-1,1 0,-2 1,1 0,-1-1,0 1,-1 0,1 0,-1 14,-4 270,-22-159,-3-1,18-75,4-29,2 1,-2 42,5-7,4 110,4-132,-5-35,0-1,-1 1,0 0,0 0,-1 0,1 0,-2 9,0-13,0-1,0 1,0-1,0 1,0-1,-1 0,1 1,-1-1,1 0,-1 0,0 0,0 0,0 0,0-1,0 1,0 0,-1-1,1 0,0 1,-1-1,1 0,-1 0,-4 0,-26 9,0-2,-1-1,0-2,-41 2,-141-8,90-1,-3-1,-138 6,134 23,78-15,28-6,0 0,-48 2,-720-8,775 2,0 1,-35 8,33-5,1-2,-26 2,-19-4,34-2,0 2,0 1,-55 11,46-6,-1-2,0-2,0-1,-54-6,-1 2,-1040 2,1117-1,1-1,-37-9,35 6,0 1,-27-1,-651 3,339 5,-460-3,800-1,-1-2,-33-7,32 6,0 0,-24-1,-671 3,349 5,-56-3,405-1,0-1,-37-9,35 6,0 1,-27-1,-652 3,341 5,-276-3,615 1,1 1,-37 8,35-5,0-1,-27 1,-651-3,339-4,-1968 2,2309-1,-1-1,-36-9,35 6,0 1,-27-1,-316 4,172 3,172-3,0-2,-35-7,34 6,-1 0,-24-1,-120 7,-66-4,144-10,55 6,-58-2,-1205 9,1266-3,-60-10,59 6,-56-2,46 5,-46-7,48 4,-58-1,-1438 8,1530-1,0 0,0 0,0-1,0 1,0-1,1 0,-1 0,0-1,1 1,-1-1,1 0,-1-1,1 1,0-1,0 1,0-1,0 0,0-1,-3-3,2 0,1 0,0-1,0 1,1-1,-1 0,2 1,-1-1,1-1,0 1,-1-14,-2-52,5-123,3 73,-1 13,-5-121,-22 99,11 29,8 67,-2-60,9 26,0 31,-1 1,-2-1,-13-71,8 66,2-1,2 0,1 1,6-53,-1-9,-3-475,2 561,0-1,1 1,2-1,9-29,-7 28,0-1,-2 1,3-33,-10-123,4-39,11 146,-9 53,0 0,2-30,-5-579,-3 302,1 307,-1 0,-9-37,7 35,0 0,-2-27,6-20,0 35,0 0,-3 0,-9-49,7 52,1 0,2-1,0-37,3 38,-2-1,-2 1,-7-38,6 49,0-1,1 0,1 0,1-38,1 52,0 1,1-1,-1 1,1 0,1-1,-1 1,1 0,0 0,0 0,0 0,1 0,-1 1,1-1,0 1,1-1,-1 1,1 0,0 0,0 1,0-1,0 1,8-4,-8 4,-1 1,1-1,0 0,-1 0,0 0,0 0,0 0,0-1,-1 1,1-1,-1 0,0 0,0 0,0 0,0 0,-1 0,0-1,0 1,0 0,1-9,-1-11,0 1,-4-45,0 23,1 16,1 17,1 0,-1-1,2 1,3-21,-4 31,1-1,-1 1,1-1,0 1,0-1,0 1,1-1,-1 1,1 0,-1 0,1 0,-1 0,1 0,0 0,0 0,0 1,0-1,1 1,-1-1,0 1,0 0,1 0,-1 0,1 0,-1 0,6 0,24-3,1 2,0 1,45 6,13-1,675-4,-743 0</inkml:trace>
 </inkml:ink>
 </file>
 
@@ -4600,7 +4599,7 @@
           <inkml:channelProperty channel="Y" name="resolution" value="1000" units="1/cm"/>
         </inkml:channelProperties>
       </inkml:inkSource>
-      <inkml:timestamp xml:id="ts0" timeString="2025-06-03T12:18:03.917"/>
+      <inkml:timestamp xml:id="ts0" timeString="2025-06-03T12:53:09.047"/>
     </inkml:context>
     <inkml:brush xml:id="br0">
       <inkml:brushProperty name="width" value="0.2" units="cm"/>
@@ -4611,7 +4610,7 @@
       <inkml:brushProperty name="ignorePressure" value="1"/>
     </inkml:brush>
   </inkml:definitions>
-  <inkml:trace contextRef="#ctx0" brushRef="#br0">16820 2008,'43'1,"-25"1,0-2,0 0,0-1,31-5,-45 5,0 0,0 0,0-1,-1 1,1-1,-1 0,1 0,-1 0,0 0,1 0,-1-1,0 0,-1 1,1-1,0 0,-1-1,0 1,1 0,-1-1,0 1,-1-1,1 1,-1-1,0 0,0 0,1-6,3-33,-2-1,-7-83,1 24,3-876,-1 965,-1 0,0 0,-7-24,6 30,0-1,0 0,1 1,1-1,0 0,0 0,1 0,0 0,0 0,1 0,0 0,3-10,-3 17,0 0,0-1,1 1,-1 0,1 0,-1 0,1 0,0 0,0 0,0 0,0 1,0-1,0 1,1 0,-1-1,0 1,1 0,-1 0,1 1,-1-1,1 0,-1 1,1-1,0 1,-1 0,1 0,3 1,10 0,0 1,-1 0,25 8,-9-3,-5-2,1-2,0-1,-1-1,1-1,0-1,0-2,-1 0,0-2,0-1,0-1,0-1,47-24,-50 22,-16 8,0-1,1-1,-2 0,1 0,0 0,-1 0,0-1,0 0,9-10,14-16,52-45,-17 34,-50 34,0-1,0-1,20-16,-24 18,0 0,1 1,1 0,-1 1,1 0,0 1,0 1,0 0,1 0,13-1,39-14,-59 16,1 1,-1 0,1 0,0 1,-1 0,1 0,0 1,0 0,13 1,-16 0,0 0,0 0,0 1,0-1,0 1,0 0,-1 0,1 0,-1 1,1 0,-1-1,0 1,0 0,0 0,-1 0,1 1,2 3,6 11,-1 0,0 0,-2 1,0 0,-1 0,0 1,-2 0,-1 0,0 1,-1-1,-2 1,-1 40,2-30,9 61,-5-59,1 51,-7 937,-1-455,0-546,-1 0,-8 35,5-33,1-1,-1 26,4 670,3-349,-2 187,-1-533,-2 0,0-1,-2 0,-10 32,8-30,1 0,1 1,-3 32,-6 32,9-65,1 1,-1 26,6 427,0-458,1 1,9 36,-6-36,-2 2,3 25,-8 129,4 71,10-175,-7-52,-1 0,1 27,-6-4,-12 79,6-76,0 61,7-99,1-1,-2 0,1 0,-1 0,0 0,0 0,-1 0,-5 13,5-16,0-1,-1 0,0 0,0 0,0 0,0 0,0 0,0-1,-1 0,1 1,-1-1,0-1,1 1,-1 0,0-1,0 0,-4 1,-26 5,-1-2,1-1,-1-2,1-1,-49-5,-11 1,-6 1,-117 4,146 11,51-9,0 0,-28 1,-616-3,322-4,314 3,-1 3,1 0,-48 14,47-10,0-2,-1 0,-38 1,42-5,1 1,-27 7,-4 0,-104 23,80-14,36-8,28-6,-1-1,0-1,-19 2,-69 11,52-6,20-3,1 1,-39 16,49-15,-2-1,1-1,-1-1,0-1,-40 2,35-5,-46 9,47-6,-52 3,-662-9,722 0,0-2,-35-7,33 6,1 0,-26-1,30 5,-13-1,0 0,0-2,-32-8,33 6,-50-4,-25-4,70 8,-65-4,60 7,-43-8,43 5,0 1,-41 2,54 2,0 0,0-1,0-2,1-1,-1-1,-48-15,55 13,1 2,-2 0,-37-4,-7-1,-122-16,140 18,0 3,-1 2,1 2,-49 5,-12-1,-1004-3,1081 1,-60 12,59-8,-56 4,-866-10,922 2,-57 11,56-6,-55 2,-987-8,481-1,574 2,-1 1,-36 8,36-5,-1-1,-27 1,-634-3,331-4,302 2,10 1,-1-1,1-3,-69-12,74 10,0 1,0 1,0 2,-43 3,-69-2,74-13,53 9,-1 0,-28-1,-510 4,269 3,269-3,1-1,-37-9,35 6,0 1,-27-1,-31 5,44 1,0-2,1-1,-59-11,-38-15,90 21,-1 3,0 0,0 3,-52 5,-6-1,-66-1,-180-5,257-10,60 8,-55-3,-1345 9,1409-2,0-2,-35-7,33 6,1 0,-26-1,-669 3,347 5,-292-3,655 0,-1 0,1 0,0-1,0 0,0 0,0 0,0 0,0-1,0 0,1-1,-1 1,-7-5,1-4</inkml:trace>
+  <inkml:trace contextRef="#ctx0" brushRef="#br0">16861 1902,'9'0,"-1"0,1-1,0 1,-1-2,1 1,-1-1,1-1,-1 1,0-1,9-5,-12 5,-1 0,0 0,0-1,0 1,-1-1,1 0,-1 0,0 0,0 0,-1-1,1 1,-1-1,0 0,0 1,0-1,-1 0,1 0,0-9,3-30,-2-1,-6-82,0 27,3-535,-1 616,-1 0,-9-37,7 35,0 0,-2-27,6 39,-1-12,1 0,0 0,2 0,4-21,-5 36,1 1,0-1,0 0,0 1,1-1,-1 1,1 0,1 0,-1 0,1 0,0 1,0-1,0 1,0 0,1 0,0 1,0-1,8-4,1 2,0 0,0 1,0 0,1 1,0 1,0 0,17 0,107 3,-64 2,-54-1,-1 1,34 8,-32-5,0-2,24 2,-25-4,91-2,-102 0,1 0,-1 0,0-2,0 1,0-1,0 0,-1-1,14-7,-10 0,0-1,0 0,-1 0,-1-1,0-1,-1 0,-1 0,0-1,12-27,-8 18,2-5,-12 21,1-1,0 1,1 0,0 1,0-1,0 1,1 0,0 0,1 1,0-1,9-6,16-12,-26 20,0 0,0 0,1 0,12-6,-9 6,0 1,0 0,1 0,-1 1,1 0,0 1,13-1,-21 3,1 0,-1 0,0 1,0-1,0 1,0-1,0 1,0 0,0 0,0 1,0-1,0 1,-1-1,1 1,0 0,-1 0,1 0,-1 0,0 0,0 1,0-1,0 1,0-1,-1 1,1 0,-1 0,1 0,-1 0,1 5,9 26,-2 0,6 50,-4-21,-5-34,-2-1,1 38,-6 1337,0-1372,-11 58,6-57,-2 54,9 1052,0-1118,1 0,8 35,-5-34,-1 1,1 24,-4 600,-3-312,1-303,-11 58,6-57,-2 54,11 76,-6 125,-10-215,9-53,0 0,-2 30,8 107,-4 59,-1-194,-1-1,-1 1,-12 30,-5 21,19-59,-4 17,0 0,2 0,-1 51,5-69,0 0,0-1,-1 1,0-1,-1 1,-1-1,0 0,0 0,-1 0,0-1,-1 0,0 0,-1 0,0-1,-14 15,17-19,-1-1,1 1,-1-1,-1 0,1 0,0 0,-1 0,0-1,0 0,0-1,0 1,0-1,-1 0,1-1,0 1,-1-1,0-1,1 1,-1-1,-7-1,-492-1,486 1,0-2,-35-7,34 6,-1 0,-24-1,-620 3,326 5,308-2,-56 11,56-6,-55 2,57-9,0 2,0 2,-49 9,51-7,-1-1,1-1,-33-1,31-2,1 1,-57 10,40-3,0-3,-1-2,1-2,-49-5,-11 2,104 2,-32-1,1 2,-1 1,-59 12,30 1,-74 9,-49 2,106-15,35-5,-68 3,82-8,1 2,-30 6,29-3,-55 2,-999-9,1053 2,-56 11,56-6,-54 2,-1396-9,1462 0,-1-2,-33-7,32 6,0 0,-24-1,29 5,-13-1,-1 0,1-2,-32-8,27 4,-43-2,-9-2,53 7,0 1,-39 2,-24-2,68 0,1-3,-37-10,41 8,0 2,0 1,-46-3,51 6,0 0,-27-7,-31-4,-9 0,62 8,0 1,-26-1,23 3,1-2,-1-1,-37-11,38 9,0 1,0 0,-42-1,40 5,1-2,-28-6,5 0,-3-2,35 8,1 0,-28-2,22 3,-1-1,1 0,-33-12,35 9,0 1,-1 1,0 1,-29-2,-617 6,303 2,345-1,1 1,-37 8,35-5,0-1,-27 1,29-4,-12-1,-1 2,-55 11,59-9,-1 0,1-2,-42-2,41-1,0 2,0 1,-36 6,31-2,0-2,-41 1,7-2,-5 9,53-7,-1-1,-24 0,-69 9,78-7,-53 2,-572-9,630 2,-58 12,58-8,-57 4,-1341-10,1399-1,-59-10,58 6,-56-2,-19 10,-79-4,114-11,51 9,0 0,-28-1,-669 3,349 5,275-2,-104-3,125-11,52 9,0 0,-27-1,24 3,-46-9,46 6,0 1,-24-1,-68-8,80 7,-53-1,55 5,-53-10,53 7,-54-3,44 7,-8 2,1-3,-71-11,56 5,0 2,-131 7,72 2,-44-17,111 7,-62 0,-330 8,446-1,0 1,0-1,0 0,0 0,0 0,0-1,0 1,0 0,0-1,0 0,0 0,0 0,0 0,0 0,1-1,-1 1,1-1,-1 0,1 0,-1 0,1 0,0 0,0 0,0 0,0-1,1 1,-1-1,0 1,1-1,0 0,0 0,0 0,0 1,0-1,0 0,1 0,-1 0,1 0,0 0,0 0,0-4,1-155,1 111,-1 1,-3 0,-11-64,4 51,4 1,2-1,6-75,0 14,-5 14,5-123,1 209,0 0,16-44,5-28,-1-13,-16 78,-1-1,-1 0,2-54,-6 62,0 0,10-37,-2 10,1-4,-6 27,0 0,1-46,-7-509,0 563,-1 0,-8-35,5 34,1-1,-1-25,4-18,1 19,-2 0,-10-62,3 45,4 0,2 0,6-74,0 14,-3 92,-1 1,-1 0,-11-49,6 34,2-1,2 0,1 0,6-50,-1-11,-3-1057,1 1141,2 1,0 0,2-1,0 1,8-21,-11 40,-1-1,0 1,1 0,0 0,0-1,0 1,0 1,0-1,1 0,-1 0,1 1,0 0,0-1,-1 1,2 0,-1 0,0 1,0-1,0 1,1-1,-1 1,6-1,6 0,0 0,1 1,-1 1,20 1,40-2,-4-9,0 3,78 3,-126 4</inkml:trace>
 </inkml:ink>
 </file>
 
@@ -4629,18 +4628,18 @@
           <inkml:channelProperty channel="Y" name="resolution" value="1000" units="1/cm"/>
         </inkml:channelProperties>
       </inkml:inkSource>
-      <inkml:timestamp xml:id="ts0" timeString="2025-06-03T12:18:09.233"/>
+      <inkml:timestamp xml:id="ts0" timeString="2025-06-03T12:54:19.575"/>
     </inkml:context>
     <inkml:brush xml:id="br0">
       <inkml:brushProperty name="width" value="0.2" units="cm"/>
       <inkml:brushProperty name="height" value="0.4" units="cm"/>
-      <inkml:brushProperty name="color" value="#FF8517"/>
+      <inkml:brushProperty name="color" value="#00F900"/>
       <inkml:brushProperty name="tip" value="rectangle"/>
       <inkml:brushProperty name="rasterOp" value="maskPen"/>
       <inkml:brushProperty name="ignorePressure" value="1"/>
     </inkml:brush>
   </inkml:definitions>
-  <inkml:trace contextRef="#ctx0" brushRef="#br0">0 5691,'1'-1,"0"1,1-1,-1 1,0-1,0 1,0-1,0 0,0 0,0 1,0-1,0 0,0 0,0 0,-1 0,1 0,0 0,0 0,-1 0,1 0,-1-1,1 1,-1 0,0 0,1-1,-1 1,0 0,0-2,5-41,-4 39,1-87,-1 48,6-54,-4 83,0-1,1 0,1 1,0 0,1 0,1 0,8-14,-10 20,-2 0,1 0,-1-1,0 1,-1-1,0 1,-1-1,0 0,-1-12,9-49,23-83,-25 111,-3 0,-1 0,-2-1,-4-44,0-12,3 61,1 2,-1 0,-3 0,-11-61,9 62,0 1,2-1,2 0,5-48,-2 34,-5-59,0 87,-1 0,-1 0,-9-21,8 25,0-1,1 1,1-1,-2-36,8-79,-4-76,-11 139,9 52,0-1,-2-29,5-633,3 332,-2-127,1 463,1 0,0 0,1 0,1 1,0-1,9-20,10-35,-14 35,-2-1,-1 0,1-70,-8-532,-1 613,0 0,-2 1,-1-1,-9-27,7 26,1 1,1-1,-4-45,8 27,4-178,-3 218,1 0,-1 0,1 0,0 1,0-1,0 0,1 1,-1-1,0 1,1-1,0 1,-1 0,1 0,0 0,0 0,0 0,1 0,-1 0,0 1,1-1,-1 1,1 0,-1-1,1 1,0 0,0 1,-1-1,1 0,0 1,5-1,12-1,-1 2,1 0,31 4,-14-2,-16-1,1-2,-1 0,1-1,36-9,-32 6,0 1,0 2,42 1,-45 1</inkml:trace>
+  <inkml:trace contextRef="#ctx0" brushRef="#br0">0 57,'0'-2,"1"-1,-1 1,1 0,0 0,-1 0,1 0,0 0,0 0,0 1,1-1,-1 0,0 0,1 1,-1-1,1 1,-1-1,1 1,0 0,-1-1,1 1,0 0,0 0,0 1,0-1,0 0,0 0,3 0,5-2,1 1,0 0,19-2,324 2,-175 5,298-3,-458 1,1 1,31 7,-10-1,-18-5</inkml:trace>
 </inkml:ink>
 </file>
 
@@ -4658,18 +4657,18 @@
           <inkml:channelProperty channel="Y" name="resolution" value="1000" units="1/cm"/>
         </inkml:channelProperties>
       </inkml:inkSource>
-      <inkml:timestamp xml:id="ts0" timeString="2025-06-03T12:19:35.295"/>
+      <inkml:timestamp xml:id="ts0" timeString="2025-06-03T12:54:21.215"/>
     </inkml:context>
     <inkml:brush xml:id="br0">
       <inkml:brushProperty name="width" value="0.2" units="cm"/>
       <inkml:brushProperty name="height" value="0.4" units="cm"/>
-      <inkml:brushProperty name="color" value="#0069AF"/>
+      <inkml:brushProperty name="color" value="#00F900"/>
       <inkml:brushProperty name="tip" value="rectangle"/>
       <inkml:brushProperty name="rasterOp" value="maskPen"/>
       <inkml:brushProperty name="ignorePressure" value="1"/>
     </inkml:brush>
   </inkml:definitions>
-  <inkml:trace contextRef="#ctx0" brushRef="#br0">0 88,'30'-2,"0"-1,30-6,-29 3,57-2,-44 7,7 2,-1-3,70-11,-64 6,0 2,107 5,-67 2,-76-1,0 1,35 8,-34-5,1-2,24 2,478-3,-253-4,-241 3,59 12,-58-8,57 4,758-10,-826 0,-1-1,37-9,-35 6,0 1,27-1,-23 5,0-2,-1 0,1-2,-1 0,0-2,32-11,-31 10,1 1,1 1,-1 2,1 1,0 0,-1 2,35 5,21-2,526-3,-586 0</inkml:trace>
+  <inkml:trace contextRef="#ctx0" brushRef="#br0">0 1,'557'0,"-536"1,-1 1,34 8,-32-5,0-2,24 2,-39-5,7 0,-1 1,1 0,0 1,18 5,-14-1</inkml:trace>
 </inkml:ink>
 </file>
 
@@ -4715,18 +4714,18 @@
           <inkml:channelProperty channel="Y" name="resolution" value="1000" units="1/cm"/>
         </inkml:channelProperties>
       </inkml:inkSource>
-      <inkml:timestamp xml:id="ts0" timeString="2025-06-03T12:19:49.163"/>
+      <inkml:timestamp xml:id="ts0" timeString="2025-06-03T12:54:26.854"/>
     </inkml:context>
     <inkml:brush xml:id="br0">
       <inkml:brushProperty name="width" value="0.2" units="cm"/>
       <inkml:brushProperty name="height" value="0.4" units="cm"/>
-      <inkml:brushProperty name="color" value="#FF8517"/>
+      <inkml:brushProperty name="color" value="#FF40FF"/>
       <inkml:brushProperty name="tip" value="rectangle"/>
       <inkml:brushProperty name="rasterOp" value="maskPen"/>
       <inkml:brushProperty name="ignorePressure" value="1"/>
     </inkml:brush>
   </inkml:definitions>
-  <inkml:trace contextRef="#ctx0" brushRef="#br0">17309 4631,'716'0,"-702"1,0 1,0 0,0 1,0 0,-1 1,21 10,35 9,-65-22,0 0,0 1,-1-1,1 1,0 0,-1 0,1 0,-1 0,1 1,-1-1,0 1,0 0,0 0,0 0,-1 0,1 1,-1-1,0 1,2 4,2 6,-1 2,0-1,5 29,-8-32,0 0,1 0,1 0,0 0,0 0,11 18,-3-10,-1 0,-1 0,0 1,-2 0,0 1,-2 0,0 0,-1 0,2 31,-2 28,-6 106,-2-68,3-105,1 10,-2-1,0 1,-9 41,9-58,-2 0,1 0,-1-1,1 1,-2-1,1 1,-1-1,0 0,0 0,-1-1,0 1,0-1,0 0,0-1,-1 1,-11 6,5-5,0 0,0-1,-1 0,0-1,0-1,0 0,0 0,-19 0,-17-1,-48-5,14 0,-1108 3,1161 1,-59 12,58-8,-57 4,-573-10,640 2,1 1,-34 8,32-5,0-2,-24 2,-2-3,-84 12,81-4,7 0,-2-3,-82 4,98-10,0 2,-32 6,31-3,-55 2,45-6,-46 9,48-5,-58 1,57-8,-14 0,1 3,-92 13,94-8,1-3,-1-1,-70-6,-82 3,132 13,51-9,0 0,-28 1,-669-3,349-4,-346 2,693-1,1-2,-34-7,32 6,0 0,-24-1,-33 4,32 1,-1-1,-70-13,82 9,0 1,-36 2,39 1,0-1,-58-10,59 6,1 2,-57 0,65 4,-1-1,1-1,-1 0,1-2,0-1,-36-12,42 12,0 0,0 1,-1 1,1 1,-1 0,-35 2,28 0,1 0,-44-8,-74-10,19 3,86 11,0 1,-58 2,-26-1,48-11,54 8,0 2,-29-3,-75-7,82 7,-60-1,-455 8,536 0,-1 1,-33 8,32-5,0-2,-24 2,-32-4,45-2,-1 1,0 2,-63 12,56-7,0-2,-1-2,1-1,-56-6,0 2,-803 2,880 1,0 1,-35 8,33-5,1-2,-26 2,-670-3,349-4,-320 2,668-1,0-2,-35-7,33 6,1 0,-26-1,-173 7,-89-4,221-11,56 7,-60-2,65 7,0 0,1-2,-37-7,37 5,0 2,-51 0,50 3,0-1,-43-8,2-1,1 3,-1 2,-103 8,41 0,-2436-3,2546-1,0-2,-35-7,33 6,1 0,-26-1,-440 4,233 3,251-2,0 1,0-1,0 0,0 0,0 0,0-1,0 1,0 0,0-1,0 0,0 0,0 0,0 0,1 0,-1-1,0 1,1-1,-1 0,1 0,0 0,-1 0,1 0,0 0,0 0,0-1,1 1,-1-1,0 0,1 1,0-1,0 0,0 0,0 0,0 0,0 0,1 1,-1-2,1 1,0 0,1-6,0-152,2 53,-2 88,1 1,9-37,-6 35,-1 0,1-26,-7-96,4-58,23 67,-17 88,0-3,3-93,-11 93,-2-7,3 1,15-103,12 15,-22 106,-2-1,-1 0,-5-75,0 32,1 61,-1-1,-8-32,5 31,1 0,-1-24,5-21,1 35,-2 0,-1 0,-11-55,8 59,1 0,1 0,1-35,2 34,-1-1,-11-55,5 39,2 0,2-1,5-94,1 35,-3-582,2 657,10-58,-7 57,3-54,-6 62,0 1,10-37,-2 8,0-2,-4 26,-1 0,1-46,-8 32,-10-61,6 61,-2-63,9 42,1 24,-2-1,-2 1,-2 0,-8-43,5 41,2-1,1 1,3-1,5-54,-2-2,-3 13,3-93,-2 169,1-1,1 1,0 1,0-1,0 0,1 0,0 1,8-13,-9 17,0 1,1 0,-1 0,1 0,0 0,0 1,0-1,0 1,1 0,-1-1,1 2,-1-1,1 0,0 1,0-1,-1 1,1 0,0 1,0-1,0 1,4-1,153 4,-105 0,74-6,-59-10,-52 8,1 2,29-3,375 7,-415-1,1 0,0 1,-1 1,1 0,10 3,-3 1</inkml:trace>
+  <inkml:trace contextRef="#ctx0" brushRef="#br0">0 32,'743'0,"-712"-2,57-10,-55 7,53-3,-27 6,-30 0,0 1,-1 2,1 1,30 5,-54-5,0-1,-1 1,1 0,-1 0,0 0,1 0,-1 1,0 0,0 0,-1 0,1 0,0 1,-1-1,0 1,0 0,0 0,3 6,2 6,-2 0,1 0,5 29,3 2,-7-21,2-1,2 0,25 44,-31-58,0 0,-1 0,7 21,-10-24,1 0,0 0,0-1,0 1,1-1,0 0,0 0,1 0,0-1,11 12,21 17,-30-27,1-1,0 1,0-1,1-1,0 1,0-1,0-1,1 0,11 4,7 0,0-2,1-2,-1 0,1-2,0-1,35-2,333-1,-374 1</inkml:trace>
 </inkml:ink>
 </file>
 
@@ -4738,23 +4737,24 @@
         <inkml:traceFormat>
           <inkml:channel name="X" type="integer" min="-2.14748E9" max="2.14748E9" units="cm"/>
           <inkml:channel name="Y" type="integer" min="-2.14748E9" max="2.14748E9" units="cm"/>
-          <inkml:channel name="F" type="integer" max="32767" units="dev"/>
         </inkml:traceFormat>
         <inkml:channelProperties>
           <inkml:channelProperty channel="X" name="resolution" value="1000" units="1/cm"/>
           <inkml:channelProperty channel="Y" name="resolution" value="1000" units="1/cm"/>
-          <inkml:channelProperty channel="F" name="resolution" value="0" units="1/dev"/>
         </inkml:channelProperties>
       </inkml:inkSource>
-      <inkml:timestamp xml:id="ts0" timeString="2025-06-03T12:25:50.446"/>
+      <inkml:timestamp xml:id="ts0" timeString="2025-06-03T12:58:33.703"/>
     </inkml:context>
     <inkml:brush xml:id="br0">
-      <inkml:brushProperty name="width" value="0.1" units="cm"/>
-      <inkml:brushProperty name="height" value="0.1" units="cm"/>
-      <inkml:brushProperty name="color" value="#E71224"/>
+      <inkml:brushProperty name="width" value="0.2" units="cm"/>
+      <inkml:brushProperty name="height" value="0.4" units="cm"/>
+      <inkml:brushProperty name="color" value="#FF40FF"/>
+      <inkml:brushProperty name="tip" value="rectangle"/>
+      <inkml:brushProperty name="rasterOp" value="maskPen"/>
+      <inkml:brushProperty name="ignorePressure" value="1"/>
     </inkml:brush>
   </inkml:definitions>
-  <inkml:trace contextRef="#ctx0" brushRef="#br0">0 218 24575,'2'0'0,"0"1"0,0-1 0,-1 1 0,1 0 0,0 0 0,-1 0 0,1 0 0,0 0 0,-1 0 0,1 0 0,-1 1 0,0-1 0,1 0 0,-1 1 0,0-1 0,0 1 0,0 0 0,0-1 0,0 1 0,0 0 0,0-1 0,0 4 0,14 40 0,-11-18 0,0 0 0,-1 29 0,-3-29 0,2-1 0,8 38 0,-3-5 0,-6-43 0,1-1 0,1 1 0,4 17 0,-6-29 0,1 0 0,-1 0 0,1-1 0,0 1 0,0-1 0,0 1 0,0-1 0,1 0 0,-1 1 0,1-1 0,0 0 0,0-1 0,0 1 0,0 0 0,0-1 0,7 4 0,4 0 0,1 0 0,-1-1 0,1-1 0,0 0 0,1-1 0,-1 0 0,17 0 0,114-5 0,-61 0 0,37 4 0,126-5 0,-225-1 0,0-1 0,0-1 0,0-1 0,-1 0 0,0-2 0,-1-1 0,1-1 0,28-19 0,-43 23 0,0 0 0,0 0 0,0-1 0,-1 1 0,0-1 0,-1-1 0,0 1 0,0-1 0,-1 0 0,7-18 0,-6 13 0,2 0 0,0 1 0,14-21 0,-1 4 0,-1 0 0,-2-1 0,16-40 0,15-27 0,-40 81 27,-1 0 0,0 0-1,-2-1 1,6-26 0,14-44-1526,-18 72-5327</inkml:trace>
+  <inkml:trace contextRef="#ctx0" brushRef="#br0">0 3071,'103'1,"113"-3,-205 0,1-1,-1 0,0-1,0 0,0-1,-1 0,11-7,11-5,-16 8,-1 0,-1-1,1-1,-2 0,0-1,0 0,-1-1,18-24,18-46,-42 71,0 1,-1 0,-1-1,0 0,0 0,-1 0,2-24,5-12,0 6,-2-1,-2 0,-2 0,-1-47,-2 71,1-1,8-37,3-31,-12 65,2 0,6-22,-4 22,-1 0,1-25,-5 17,1-17,13-86,-6 68,-3 0,-5-127,-3 69,3 102,1-14,-2 0,-1 0,-12-57,-29-102,1-1,34 112,6 54,-9-46,4 33,3 0,1 0,5-74,0 29,0 63,1 1,1 0,1 0,14-38,-9 27,-5 17</inkml:trace>
 </inkml:ink>
 </file>
 
@@ -4766,23 +4766,24 @@
         <inkml:traceFormat>
           <inkml:channel name="X" type="integer" min="-2.14748E9" max="2.14748E9" units="cm"/>
           <inkml:channel name="Y" type="integer" min="-2.14748E9" max="2.14748E9" units="cm"/>
-          <inkml:channel name="F" type="integer" max="32767" units="dev"/>
         </inkml:traceFormat>
         <inkml:channelProperties>
           <inkml:channelProperty channel="X" name="resolution" value="1000" units="1/cm"/>
           <inkml:channelProperty channel="Y" name="resolution" value="1000" units="1/cm"/>
-          <inkml:channelProperty channel="F" name="resolution" value="0" units="1/dev"/>
         </inkml:channelProperties>
       </inkml:inkSource>
-      <inkml:timestamp xml:id="ts0" timeString="2025-06-03T12:25:58.890"/>
+      <inkml:timestamp xml:id="ts0" timeString="2025-06-03T12:58:42.680"/>
     </inkml:context>
     <inkml:brush xml:id="br0">
-      <inkml:brushProperty name="width" value="0.1" units="cm"/>
-      <inkml:brushProperty name="height" value="0.1" units="cm"/>
-      <inkml:brushProperty name="color" value="#E71224"/>
+      <inkml:brushProperty name="width" value="0.2" units="cm"/>
+      <inkml:brushProperty name="height" value="0.4" units="cm"/>
+      <inkml:brushProperty name="color" value="#FF40FF"/>
+      <inkml:brushProperty name="tip" value="rectangle"/>
+      <inkml:brushProperty name="rasterOp" value="maskPen"/>
+      <inkml:brushProperty name="ignorePressure" value="1"/>
     </inkml:brush>
   </inkml:definitions>
-  <inkml:trace contextRef="#ctx0" brushRef="#br0">0 2 24575,'8'-1'0,"0"1"0,0 0 0,0 0 0,0 1 0,0 0 0,0 0 0,0 1 0,-1 0 0,1 1 0,-1 0 0,1 0 0,-1 0 0,0 1 0,0 0 0,0 0 0,11 10 0,87 68 0,-86-66 0,1-1 0,33 19 0,-32-21 0,0 0 0,31 28 0,-44-35 0,0 0 0,0-1 0,1 0 0,-1 0 0,1-1 0,0 0 0,1-1 0,-1 0 0,0 0 0,13 1 0,7 1 0,0-2 0,35 1 0,-53-4 0,40 1 0,67-8 0,-100 5 0,-1-1 0,0-1 0,0-1 0,0 0 0,-1-1 0,0-1 0,25-15 0,-9 4 0,-12 7 0,-1 0 0,0-1 0,-1-1 0,0 0 0,-1-2 0,0 0 0,20-25 0,-34 34-124,0 0 0,0 0 0,0 0 0,-1-1 0,0 1 0,0-1-1,-1 0 1,0 0 0,0 1 0,-1-13 0,1-3-6702</inkml:trace>
+  <inkml:trace contextRef="#ctx0" brushRef="#br0">0 60,'451'0,"-432"-1,1-1,36-9,-35 6,0 1,27-1,7 4,-24 2,1-3,0 0,40-9,-26 4,0 1,1 3,-1 2,49 5,12-1,581-3,-668 1,0 1,35 8,-34-5,1-2,24 2,90 9,-88-7,60 0,844-8,-931 2,-1 1,34 8,-32-5,0-2,24 2,-7-4,-8-1,0 2,1 0,31 8,-21-3,-1-2,1-2,80-5,-36 0,-63 2</inkml:trace>
 </inkml:ink>
 </file>
 
@@ -4794,23 +4795,24 @@
         <inkml:traceFormat>
           <inkml:channel name="X" type="integer" min="-2.14748E9" max="2.14748E9" units="cm"/>
           <inkml:channel name="Y" type="integer" min="-2.14748E9" max="2.14748E9" units="cm"/>
-          <inkml:channel name="F" type="integer" max="32767" units="dev"/>
         </inkml:traceFormat>
         <inkml:channelProperties>
           <inkml:channelProperty channel="X" name="resolution" value="1000" units="1/cm"/>
           <inkml:channelProperty channel="Y" name="resolution" value="1000" units="1/cm"/>
-          <inkml:channelProperty channel="F" name="resolution" value="0" units="1/dev"/>
         </inkml:channelProperties>
       </inkml:inkSource>
-      <inkml:timestamp xml:id="ts0" timeString="2025-06-03T12:26:18.445"/>
+      <inkml:timestamp xml:id="ts0" timeString="2025-06-03T12:58:45.183"/>
     </inkml:context>
     <inkml:brush xml:id="br0">
-      <inkml:brushProperty name="width" value="0.1" units="cm"/>
-      <inkml:brushProperty name="height" value="0.1" units="cm"/>
-      <inkml:brushProperty name="color" value="#E71224"/>
+      <inkml:brushProperty name="width" value="0.2" units="cm"/>
+      <inkml:brushProperty name="height" value="0.4" units="cm"/>
+      <inkml:brushProperty name="color" value="#FF40FF"/>
+      <inkml:brushProperty name="tip" value="rectangle"/>
+      <inkml:brushProperty name="rasterOp" value="maskPen"/>
+      <inkml:brushProperty name="ignorePressure" value="1"/>
     </inkml:brush>
   </inkml:definitions>
-  <inkml:trace contextRef="#ctx0" brushRef="#br0">1298 847 24575,'-1'-8'0,"-1"0"0,-1 0 0,1 0 0,-1 0 0,-1 1 0,1-1 0,-1 1 0,0 0 0,-9-10 0,-9-20 0,16 26 0,-1-1 0,-1 1 0,0 1 0,-1-1 0,-11-9 0,10 10 0,1-1 0,0 1 0,0-1 0,-12-23 0,13 22 0,-1 0 0,0 0 0,-1 1 0,0 0 0,-12-9 0,2 1 0,16 15 0,0 1 0,-1 0 0,0 0 0,1 0 0,-1 1 0,0-1 0,0 1 0,0 0 0,-1 1 0,1-1 0,0 1 0,-1 0 0,-8 0 0,-80 2 0,55 2 0,-465-2 0,482-3 0,1-1 0,-1-1 0,1-1 0,-1 0 0,2-2 0,-1 0 0,1-2 0,0 0 0,1-1 0,-28-19 0,43 25 0,-1-1 0,1 0 0,-1 0 0,1-1 0,1 1 0,-1-1 0,1 1 0,0-1 0,0-1 0,1 1 0,0 0 0,0 0 0,0-1 0,-1-7 0,-1-13 0,0 0 0,0-28 0,3 46 0,1 0 0,0-1 0,0 1 0,1 0 0,0 0 0,1 0 0,5-15 0,-6 21 0,1 0 0,-1 0 0,1 1 0,0-1 0,0 0 0,0 1 0,0-1 0,0 1 0,1 0 0,-1-1 0,1 1 0,0 0 0,-1 1 0,1-1 0,0 0 0,0 1 0,0 0 0,0-1 0,1 1 0,-1 1 0,0-1 0,0 0 0,1 1 0,3-1 0,22 0 0,48 3 0,-58-1 0,1 0 0,0-1 0,-1 0 0,1-2 0,33-7 0,12-5-1365,-44 12-5461</inkml:trace>
+  <inkml:trace contextRef="#ctx0" brushRef="#br0">161 1,'1'0,"0"1,1-1,-1 1,0-1,0 1,0 0,0-1,0 1,0 0,0 0,0 0,0 0,-1 0,1 0,0 0,0 0,-1 0,1 0,-1 0,1 0,-1 0,0 1,1-1,-1 0,0 0,0 1,0 1,5 40,-4-38,0 213,-2-113,-1-74,-9 57,5-56,-2 55,9 1077,-2-1145,-1 1,-9 36,7-35,0 0,-2 26,6 46,0-42,-1 0,-13 72,6-58,3 0,5 131,3-72,-3 643,-1-746,-1-1,-8 35,5-34,1 1,-1 24,5-31,1-3,-1-1,-1 0,0 0,0 0,-1 0,-1 0,0 0,0 0,-1 0,-9 18,8-20,1 1,0 0,0 0,2 1,-1-1,1 0,0 1,0 15,5 93,0-50,-5-12,-10 57,5-58,0 61,6-27,4 84,0-152,1 0,2 0,7 22,-6-26,-2 0,0 1,-1 0,2 35,-6 30,-2-48,3 0,0 0,3 0,7 39,-6-50,-1 1,-2 0,-1 43,-1-41,1 0,7 50,-1-31,-2-1,-2 1,-4 62,4 65,16-89,-15-66</inkml:trace>
 </inkml:ink>
 </file>
 
@@ -4828,18 +4830,18 @@
           <inkml:channelProperty channel="Y" name="resolution" value="1000" units="1/cm"/>
         </inkml:channelProperties>
       </inkml:inkSource>
-      <inkml:timestamp xml:id="ts0" timeString="2025-06-03T12:26:40.407"/>
+      <inkml:timestamp xml:id="ts0" timeString="2025-06-03T12:58:48.811"/>
     </inkml:context>
     <inkml:brush xml:id="br0">
-      <inkml:brushProperty name="width" value="0.1" units="cm"/>
-      <inkml:brushProperty name="height" value="0.2" units="cm"/>
+      <inkml:brushProperty name="width" value="0.2" units="cm"/>
+      <inkml:brushProperty name="height" value="0.4" units="cm"/>
       <inkml:brushProperty name="color" value="#FF40FF"/>
       <inkml:brushProperty name="tip" value="rectangle"/>
       <inkml:brushProperty name="rasterOp" value="maskPen"/>
       <inkml:brushProperty name="ignorePressure" value="1"/>
     </inkml:brush>
   </inkml:definitions>
-  <inkml:trace contextRef="#ctx0" brushRef="#br0">0 1,'13'2,"0"0,-1 1,1 1,-1 0,1 1,-1 0,-1 1,19 12,9 3,-18-9,0 2,-1 0,-1 1,-1 1,0 1,23 27,-25-25,0-1,2-1,0-1,1-1,0 0,34 19,-28-24,-1 0,2-1,-1-2,1 0,52 5,135-6,-161-6,-46 0,0-1,0 1,-1-1,1 0,0-1,0 1,-1-1,1-1,-1 1,1 0,-1-1,0 0,0-1,0 1,-1-1,1 0,-1 0,0 0,0-1,0 1,-1-1,1 0,-1 0,4-9,-1 0,0-1,-1 0,-1 0,0 0,-1-1,0 0,-2 1,1-21,2-16,1 29</inkml:trace>
+  <inkml:trace contextRef="#ctx0" brushRef="#br0">2223 1,'0'1324,"-1"-1292,-11 56,6-56,-2 55,9 1209,-2-1276,-1 1,-8 33,5-32,1 0,-1 24,5-8,0-8,-2 0,0 0,-9 38,3-23,3-1,2 2,1-1,6 55,-1 7,-2-77,0-18,0 0,-1 0,-1 0,-3 20,4-29,-1-1,0 1,0-1,0 1,0-1,0 0,0 1,0-1,-1 0,0 0,1 0,-1 0,0 0,0 0,0 0,0-1,0 1,0-1,0 0,-1 1,1-1,0 0,-1 0,1 0,-1-1,-3 2,-27 1,1-1,0-1,-48-5,-10-1,-809 6,878 0,1 1,-34 8,32-5,0-2,-24 2,-150-7,-84 4,219 10,46-8,0-1,0 0,-18 0,28-3,0 0,0-1,0 1,0-1,1 0,-1 0,0-1,0 0,0 1,1-1,-1-1,1 1,-7-6,6 4,0-1,1 0,0 0,0 0,1 0,-1-1,1 0,0 1,0-1,1 0,0 0,0-1,0 1,0-11,0 6,1 1,0-1,1 1,0-1,1 1,0-1,0 1,5-13,0 5</inkml:trace>
 </inkml:ink>
 </file>
 
@@ -4857,18 +4859,18 @@
           <inkml:channelProperty channel="Y" name="resolution" value="1000" units="1/cm"/>
         </inkml:channelProperties>
       </inkml:inkSource>
-      <inkml:timestamp xml:id="ts0" timeString="2025-06-03T12:26:54.410"/>
+      <inkml:timestamp xml:id="ts0" timeString="2025-06-03T12:59:14.383"/>
     </inkml:context>
     <inkml:brush xml:id="br0">
       <inkml:brushProperty name="width" value="0.2" units="cm"/>
       <inkml:brushProperty name="height" value="0.4" units="cm"/>
-      <inkml:brushProperty name="color" value="#FF40FF"/>
+      <inkml:brushProperty name="color" value="#00F900"/>
       <inkml:brushProperty name="tip" value="rectangle"/>
       <inkml:brushProperty name="rasterOp" value="maskPen"/>
       <inkml:brushProperty name="ignorePressure" value="1"/>
     </inkml:brush>
   </inkml:definitions>
-  <inkml:trace contextRef="#ctx0" brushRef="#br0">1407 792,'0'-2,"-1"1,1 0,-1 0,0 0,1 0,-1-1,0 1,0 0,0 0,0 0,0 1,0-1,0 0,0 0,0 0,0 1,0-1,-1 1,1-1,-2 0,-33-13,27 11,-3-3,0 0,0-1,1 0,0-1,-19-17,20 16,0 0,-1 1,0 0,0 1,0 0,-14-5,-57-38,-92-15,124 44,42 17,-1-1,-1 2,1-1,0 1,-1 1,0-1,-12 0,-83-13,51 6,-4-2,37 7,0 1,-37-2,40 4,0 0,1-2,0 1,0-2,-18-7,-54-14,73 24,0-1,1 0,-1-1,1-1,0-1,0 0,1-1,0 0,0-1,-23-19,32 23,0 0,1 0,0-1,0 0,0 0,0 0,1 0,-1 0,1-1,1 0,-1 1,1-1,0 0,0 0,1 0,0-1,0 1,0 0,1 0,0-1,0 1,1 0,-1 0,1-1,1 1,-1 0,1 0,0 0,1 0,-1 1,6-10,-3 7,1-1,0 2,0-1,0 1,10-9,-11 13,-1 0,0 1,0-1,1 1,0 0,-1 1,1-1,0 1,0 0,0 0,0 1,7-1,37-1,-22 2,-1-2,44-7,-49 4,-2 2</inkml:trace>
+  <inkml:trace contextRef="#ctx0" brushRef="#br0">0 1,'689'0,"-667"0</inkml:trace>
 </inkml:ink>
 </file>
 
@@ -4886,18 +4888,18 @@
           <inkml:channelProperty channel="Y" name="resolution" value="1000" units="1/cm"/>
         </inkml:channelProperties>
       </inkml:inkSource>
-      <inkml:timestamp xml:id="ts0" timeString="2025-06-03T12:26:57.501"/>
+      <inkml:timestamp xml:id="ts0" timeString="2025-06-03T12:59:15.792"/>
     </inkml:context>
     <inkml:brush xml:id="br0">
       <inkml:brushProperty name="width" value="0.2" units="cm"/>
       <inkml:brushProperty name="height" value="0.4" units="cm"/>
-      <inkml:brushProperty name="color" value="#FF40FF"/>
+      <inkml:brushProperty name="color" value="#00F900"/>
       <inkml:brushProperty name="tip" value="rectangle"/>
       <inkml:brushProperty name="rasterOp" value="maskPen"/>
       <inkml:brushProperty name="ignorePressure" value="1"/>
     </inkml:brush>
   </inkml:definitions>
-  <inkml:trace contextRef="#ctx0" brushRef="#br0">0 1,'5'1,"0"0,-1 0,1 1,-1 0,1 0,-1 0,0 1,7 4,10 6,2 0,-1 0,0 2,34 31,-33-26,1-2,38 24,-33-29,1 0,1-2,-1-2,44 9,58 18,-113-30,-1-2,1 0,-1-1,1-1,24 0,95-8,-123 4,-1-1,0-1,0 0,-1-1,1-1,-1 0,0 0,-1-1,1-1,-2 0,1-1,-1 0,0-1,-1 0,0-1,15-21,1 0,-21 26,-1 1,1-1,-1 1,0-1,0 0,-1-1,0 1,0-1,2-7,2-5,-1 4</inkml:trace>
+  <inkml:trace contextRef="#ctx0" brushRef="#br0">0 55,'103'1,"112"-3,-82-24,-77 16,-29 4,-1 1,49-2,31 8,-83-1</inkml:trace>
 </inkml:ink>
 </file>
 
@@ -4915,7 +4917,7 @@
           <inkml:channelProperty channel="Y" name="resolution" value="1000" units="1/cm"/>
         </inkml:channelProperties>
       </inkml:inkSource>
-      <inkml:timestamp xml:id="ts0" timeString="2025-06-03T12:27:09.141"/>
+      <inkml:timestamp xml:id="ts0" timeString="2025-06-03T12:59:51.473"/>
     </inkml:context>
     <inkml:brush xml:id="br0">
       <inkml:brushProperty name="width" value="0.2" units="cm"/>
@@ -4926,7 +4928,7 @@
       <inkml:brushProperty name="ignorePressure" value="1"/>
     </inkml:brush>
   </inkml:definitions>
-  <inkml:trace contextRef="#ctx0" brushRef="#br0">0 109,'56'-21,"48"11,-76 9,1-1,31-7,-40 5,1 2,0 0,28 2,-29 1,0-1,0-2,31-5,0-14,-43 16,-1 2,0-1,1 1,0 0,0 1,8-2,14 1,53 2,-68 1,9 1</inkml:trace>
+  <inkml:trace contextRef="#ctx0" brushRef="#br0">0 29,'1377'0,"-1356"-1,-1-2,34-7,-32 6,0 0,24-1,636 3,-331 5,-331-2,0 1,35 8,-34-5,1-2,24 2,68 9,-80-8,56 2,-56-6,51 9,-51-6,52 3,-60-8,-1 1,1 2,40 8,-31-4,43 2,9 2,-47-6,46 1,-60-6,1 2,-1 0,0 2,0 1,31 10,-30-8,0 0,1-2,0-1,0-2,1 0,-1-2,30-3,-9 1,50 4,-96-1,1-1,0 1,-1 0,1 0,-1 0,1 1,-1-1,1 1,-1 0,0 0,0 0,0 0,0 0,0 1,0-1,-1 1,1 0,-1 0,0 0,0 0,0 0,0 0,-1 1,1-1,-1 1,0-1,1 1,-2-1,2 6,1 12,-1-1,-1 1,-1 0,-2 24,0-11,1-12,0-13,1 1,0-1,0 1,1 0,3 12,-3-19,-1-1,1 0,0 1,0-1,0 0,1 0,-1 0,0 0,1 0,0 0,-1 0,1 0,0-1,0 1,0-1,0 1,0-1,0 0,0 0,1 0,-1 0,0 0,1 0,-1 0,5 0,25 2,0-1,1-1,46-5,12-1,-66 5,-2 0</inkml:trace>
 </inkml:ink>
 </file>
 
@@ -4938,23 +4940,24 @@
         <inkml:traceFormat>
           <inkml:channel name="X" type="integer" min="-2.14748E9" max="2.14748E9" units="cm"/>
           <inkml:channel name="Y" type="integer" min="-2.14748E9" max="2.14748E9" units="cm"/>
-          <inkml:channel name="F" type="integer" max="32767" units="dev"/>
         </inkml:traceFormat>
         <inkml:channelProperties>
           <inkml:channelProperty channel="X" name="resolution" value="1000" units="1/cm"/>
           <inkml:channelProperty channel="Y" name="resolution" value="1000" units="1/cm"/>
-          <inkml:channelProperty channel="F" name="resolution" value="0" units="1/dev"/>
         </inkml:channelProperties>
       </inkml:inkSource>
-      <inkml:timestamp xml:id="ts0" timeString="2025-06-03T12:27:31.088"/>
+      <inkml:timestamp xml:id="ts0" timeString="2025-06-03T12:59:57.344"/>
     </inkml:context>
     <inkml:brush xml:id="br0">
-      <inkml:brushProperty name="width" value="0.1" units="cm"/>
-      <inkml:brushProperty name="height" value="0.1" units="cm"/>
-      <inkml:brushProperty name="color" value="#5B2D90"/>
+      <inkml:brushProperty name="width" value="0.2" units="cm"/>
+      <inkml:brushProperty name="height" value="0.4" units="cm"/>
+      <inkml:brushProperty name="color" value="#FF40FF"/>
+      <inkml:brushProperty name="tip" value="rectangle"/>
+      <inkml:brushProperty name="rasterOp" value="maskPen"/>
+      <inkml:brushProperty name="ignorePressure" value="1"/>
     </inkml:brush>
   </inkml:definitions>
-  <inkml:trace contextRef="#ctx0" brushRef="#br0">2403 7862 24575,'68'1'0,"76"-3"0,-141 2 0,-1-1 0,1 0 0,0 1 0,0-1 0,0 0 0,-1 0 0,1-1 0,-1 1 0,1 0 0,-1-1 0,1 0 0,-1 1 0,0-1 0,0 0 0,0 0 0,0 0 0,0-1 0,0 1 0,0 0 0,-1-1 0,1 1 0,-1-1 0,0 0 0,0 1 0,0-1 0,0 0 0,0 0 0,-1 1 0,1-1 0,0-6 0,0-10 0,0 0 0,-1 0 0,-4-34 0,1 16 0,4-127 0,-4-69 0,-22 100 0,-29-104 0,27 104 0,18 87 0,6 33 0,0 0 0,1-1 0,0 1 0,1-23 0,1 31 0,1 0 0,0 0 0,0 0 0,0 1 0,0-1 0,1 0 0,0 1 0,0-1 0,0 1 0,1 0 0,-1 0 0,1 0 0,0 0 0,0 0 0,1 0 0,-1 1 0,5-4 0,29-28 0,-2-2 0,39-50 0,18-21 0,-77 90 0,0-1 0,22-37 0,-25 35 0,1 1 0,27-31 0,66-81 0,-94 118 0,0 0 0,-1-1 0,-1 0 0,0-1 0,-1 1 0,8-21 0,-2-1 0,18-69 0,-7-53 0,0-27 0,-18 139 0,-3-2 0,-2 1 0,-6-87 0,0 27 0,3-1294 0,0 1390 0,-1-1 0,0 1 0,-1 0 0,0 0 0,-1 0 0,0 0 0,-1 0 0,0 1 0,-1-1 0,0 1 0,-1 0 0,0 1 0,-1-1 0,0 1 0,-9-9 0,-16-21 0,26 32 0,0-1 0,-1 2 0,0-1 0,0 1 0,-15-13 0,-3 4 0,-1 0 0,0 2 0,-1 0 0,0 2 0,-1 1 0,-29-7 0,29 10 0,-1 1 0,0 1 0,0 2 0,-1 1 0,-32 0 0,46 2 0,0 0 0,0-2 0,0 0 0,0-1 0,1 0 0,0-2 0,-29-13 0,-25-8 0,-15 2 0,50 17 0,1-3 0,0-1 0,-47-23 0,39 13 0,12 7 0,1-1 0,-49-37 0,49 33 0,0 0 0,-49-25 0,-4-1 0,72 41 0,-1-1 0,1 0 0,0-1 0,1 0 0,-1 0 0,1-1 0,1 0 0,-1 0 0,2-1 0,-1 0 0,-8-16 0,1 1 0,1 0 0,1-1 0,2-1 0,0 0 0,-8-36 0,-61-254 0,68 269 0,6 28 0,1 1 0,-3-33 0,-7-36 0,9 64 0,1-1 0,-1-25 0,4 25 0,-10-44 0,6 44 0,-4-46 0,8 46 0,-10-44 0,6 45 0,-4-47 0,9 55 0,0-16 0,-2 1 0,-1 0 0,-7-34 0,2 19 0,3 0 0,2 0 0,1 0 0,6-55 0,-1-6 0,0 30 0,-1 47 0,-1-1 0,-1 1 0,-2 0 0,-7-38 0,8 62 0,-1 0 0,1 0 0,-2 0 0,1 0 0,0 0 0,-1 0 0,0 1 0,0 0 0,0-1 0,-1 1 0,1 0 0,-1 0 0,0 1 0,-7-6 0,-4-1 0,-1 2 0,0-1 0,-18-6 0,18 9 0,1-1 0,0-1 0,-22-14 0,23 12 0,-1 1 0,-30-14 0,-2 0 0,19 8 0,-28-18 0,-17-14 0,50 34 0,-40-32 0,53 38 0,-1 1 0,1 0 0,-1 1 0,0 0 0,0 1 0,-22-6 0,-21-8 0,-49-27 0,71 30 0,0 2 0,0 1 0,-1 2 0,-1 1 0,0 1 0,0 2 0,-36-1 0,54 4 0,1 0 0,0-1 0,-28-12 0,30 11 0,0 0 0,0 1 0,-1 0 0,1 1 0,-19-2 0,-19 4-1365,28 1-5461</inkml:trace>
+  <inkml:trace contextRef="#ctx0" brushRef="#br0">0 88,'155'-3,"168"6,-235 10,-54-8,56 4,-43-7,48 9,-50-4,59 0,319-8,-403 0,-1-1,37-9,-35 6,0 1,27-1,-8 4,-9 1,0-1,0-2,32-7,-34 5,1 1,-1 2,52 2,-51 1,0-1,0-2,44-7,-38 3,0 2,0 1,38 2,35-2,-37-10,-52 9,0 0,27-1,-18 4,0-1,56-11,-40 6,1 2,0 1,0 3,51 5,9-1,556-3,-643 1,1 1,36 8,-35-5,0-1,27 1,-18-4,1 1,51 11,-53-8,0-2,42 1,-42-3,0 1,48 9,-22-3,-41-7,-1 1,1 0,-1 1,22 8,-31-10,-1 1,1 0,-1 0,0 0,0 0,0 1,0-1,0 1,0-1,-1 1,1 0,-1 0,0 1,0-1,0 0,0 1,-1-1,1 1,-1-1,0 1,1 4,2 20,-1 0,-2 0,-4 54,0-12,-6-6,6-52,0 0,1 1,1-1,0 25,2-34,-1 0,1-1,-1 1,1 0,0 0,0 0,0 0,0-1,1 1,-1 0,1-1,0 1,-1-1,1 0,0 1,1-1,-1 0,0 0,0-1,1 1,-1 0,1-1,0 1,5 1,27 11,56 31,-82-41,0 0,0-1,0 0,1 0,-1-1,1 0,-1-1,1 0,16-1,-4 0</inkml:trace>
 </inkml:ink>
 </file>
 
@@ -4972,18 +4975,18 @@
           <inkml:channelProperty channel="Y" name="resolution" value="1000" units="1/cm"/>
         </inkml:channelProperties>
       </inkml:inkSource>
-      <inkml:timestamp xml:id="ts0" timeString="2025-06-03T12:27:44.540"/>
+      <inkml:timestamp xml:id="ts0" timeString="2025-06-03T13:00:01.081"/>
     </inkml:context>
     <inkml:brush xml:id="br0">
       <inkml:brushProperty name="width" value="0.2" units="cm"/>
       <inkml:brushProperty name="height" value="0.4" units="cm"/>
-      <inkml:brushProperty name="color" value="#FF40FF"/>
+      <inkml:brushProperty name="color" value="#00F900"/>
       <inkml:brushProperty name="tip" value="rectangle"/>
       <inkml:brushProperty name="rasterOp" value="maskPen"/>
       <inkml:brushProperty name="ignorePressure" value="1"/>
     </inkml:brush>
   </inkml:definitions>
-  <inkml:trace contextRef="#ctx0" brushRef="#br0">0 2,'19'-1,"-1"0,1 2,0 1,-1 0,1 1,-1 1,0 0,0 2,0 0,-1 1,23 12,-28-12,1-1,0-1,1 0,20 4,-22-6,-1 0,1 0,-1 1,0 0,0 1,-1 1,15 9,8 8,2-2,46 23,23 12,28 24,-9-18,66 61,-183-117,1-1,-1 1,0 1,-1-1,1 1,-1 0,-1 0,1 0,-1 1,-1 0,5 13,1 7,-2 1,3 32,-6-36,0 0,17 48,-8-39,-4-10,0-1,15 25,-18-35,0 0,-1 1,-1 0,0 0,3 27,0-3,-1 8,-1 1,-3 0,-4 74,-1-20,2-81,-1 0,-8 35,5-34,1 1,-1 24,4 425,3-227,-2-233,1 0,0 0,1-1,0 1,0-1,1 1,1-1,0 0,0 0,1-1,0 1,1-1,0 0,0-1,1 1,0-1,0 0,17 12,19 26,-38-39,0 0,1 0,0-1,0 0,1 0,-1-1,1 1,9 4,43 19,-18-9,0 2,71 50,-103-66,1 0,0-1,0 0,0-1,0 0,1 0,0-1,17 2,-16-3,0 1,0 0,-1 1,1 0,-1 1,22 11,-15-3,1-1,1 0,0-2,0 0,1-2,41 12,-49-17,1 1,-1 1,-1 0,1 1,-1 1,0 0,0 0,20 18,-11-10,44 20,-26-15,3 0,-32-16,0 0,0 1,0 1,0 0,-1 0,9 8,-9-7,0-1,0 0,0 0,1-1,-1-1,19 7,-15-7,-2 1,1 1,0-1,14 12,-11-7,1-1,0 0,0-1,27 8,-26-10,-1 1,1 1,-1 0,24 16,37 28,-47-33,34 28,-55-40,0 1,-1 1,0-1,-1 1,0 1,0-1,10 21,-5-5,-1 1,-1 0,-2 1,0 0,-1 0,-2 1,-1-1,-1 1,-2 31,-1-36,1 0,-1 1,-1 0,-1-1,-1 1,-2-1,0 0,-10 28,12-44,-18 42,2 0,-15 61,25-67,-3 0,-28 72,35-102,1-1,0 1,1 0,0 0,1 0,0 19,4 86,1-45,-1 23,-5 125,-10-150,9-52,0 1,-2 29,6 6,0-23,-1-1,-2 1,-8 41,1-16,9-44,-1 0,0-1,-1 1,-1-1,0 0,-1 0,-6 13,-18 48,24-58,0-1,0 0,-1-1,-11 18,-106 148,104-156,-1-1,0 0,-26 19,24-22,1 2,0 0,-18 26,-10 35,42-72,1-1,0 1,0 0,1 0,0 1,1 0,0-1,-3 17,-2 11,2 1,1-1,0 58,5 2,4 96,3-153,22 74,-14-60,18 78,-22-77,-4-27,-1 1,0 40,-5-65,2 16,-2 0,-1 0,0 0,-1 0,-2 0,0 0,-1-1,-15 39,8-33,8-15,-1 0,-1 0,0-1,-13 18,15-24,0 0,0-1,0 0,0 1,0-1,-1-1,0 1,1-1,-1 1,0-1,0-1,0 1,-1-1,-7 1,-56 8,52-5</inkml:trace>
+  <inkml:trace contextRef="#ctx0" brushRef="#br0">0 1,'5'0,"5"0,6 0,5 0,3 0,2 0,1 0,0 0,1 0,0 0,-1 0,0 0,-5 0</inkml:trace>
 </inkml:ink>
 </file>
 
@@ -5043,6 +5046,291 @@
 </inkml:ink>
 </file>
 
+<file path=ppt/ink/ink200.xml><?xml version="1.0" encoding="utf-8"?>
+<inkml:ink xmlns:inkml="http://www.w3.org/2003/InkML">
+  <inkml:definitions>
+    <inkml:context xml:id="ctx0">
+      <inkml:inkSource xml:id="inkSrc0">
+        <inkml:traceFormat>
+          <inkml:channel name="X" type="integer" min="-2.14748E9" max="2.14748E9" units="cm"/>
+          <inkml:channel name="Y" type="integer" min="-2.14748E9" max="2.14748E9" units="cm"/>
+        </inkml:traceFormat>
+        <inkml:channelProperties>
+          <inkml:channelProperty channel="X" name="resolution" value="1000" units="1/cm"/>
+          <inkml:channelProperty channel="Y" name="resolution" value="1000" units="1/cm"/>
+        </inkml:channelProperties>
+      </inkml:inkSource>
+      <inkml:timestamp xml:id="ts0" timeString="2025-06-03T13:00:08.966"/>
+    </inkml:context>
+    <inkml:brush xml:id="br0">
+      <inkml:brushProperty name="width" value="0.2" units="cm"/>
+      <inkml:brushProperty name="height" value="0.4" units="cm"/>
+      <inkml:brushProperty name="color" value="#0069AF"/>
+      <inkml:brushProperty name="tip" value="rectangle"/>
+      <inkml:brushProperty name="rasterOp" value="maskPen"/>
+      <inkml:brushProperty name="ignorePressure" value="1"/>
+    </inkml:brush>
+  </inkml:definitions>
+  <inkml:trace contextRef="#ctx0" brushRef="#br0">0 2,'20'0,"17"-1,1 2,-1 1,54 11,-44-5,0-3,0-2,93-6,-34 1,-104 2,32-1,-1 2,1 1,59 12,-52-7,1-2,0-2,-1-1,56-6,0 2,458 2,-535-1,-1-1,37-9,-35 6,0 1,27-1,458 4,-244 3,-242-3,0-2,35-7,-33 6,0 0,24-1,389 4,-208 3,-219-2,0 1,0 0,1 1,-1 0,-1 0,1 0,0 1,0 1,-1-1,0 1,13 9,5 7,42 40,-10-8,-49-44,0 0,0 1,-1-1,0 2,-1-1,0 1,-1 0,7 15,1 7,12 50,-22-64,0-1,-1 1,-1 0,-1 0,0 0,-2-1,0 1,-7 27,-2 27,10-67,0 0,1 1,-1-1,1 0,0 1,1-1,0 0,-1 1,2-1,-1 0,1 0,2 6,-3-8,1-1,1 1,-1-1,0 0,0 0,1 0,-1 0,1 0,0 0,0-1,0 1,-1-1,1 0,0 0,1 0,-1 0,0 0,0-1,0 1,0-1,6 0,206-1,-82-2,-110 3</inkml:trace>
+</inkml:ink>
+</file>
+
+<file path=ppt/ink/ink201.xml><?xml version="1.0" encoding="utf-8"?>
+<inkml:ink xmlns:inkml="http://www.w3.org/2003/InkML">
+  <inkml:definitions>
+    <inkml:context xml:id="ctx0">
+      <inkml:inkSource xml:id="inkSrc0">
+        <inkml:traceFormat>
+          <inkml:channel name="X" type="integer" min="-2.14748E9" max="2.14748E9" units="cm"/>
+          <inkml:channel name="Y" type="integer" min="-2.14748E9" max="2.14748E9" units="cm"/>
+        </inkml:traceFormat>
+        <inkml:channelProperties>
+          <inkml:channelProperty channel="X" name="resolution" value="1000" units="1/cm"/>
+          <inkml:channelProperty channel="Y" name="resolution" value="1000" units="1/cm"/>
+        </inkml:channelProperties>
+      </inkml:inkSource>
+      <inkml:timestamp xml:id="ts0" timeString="2025-06-03T13:00:28.316"/>
+    </inkml:context>
+    <inkml:brush xml:id="br0">
+      <inkml:brushProperty name="width" value="0.2" units="cm"/>
+      <inkml:brushProperty name="height" value="0.4" units="cm"/>
+      <inkml:brushProperty name="color" value="#FF8517"/>
+      <inkml:brushProperty name="tip" value="rectangle"/>
+      <inkml:brushProperty name="rasterOp" value="maskPen"/>
+      <inkml:brushProperty name="ignorePressure" value="1"/>
+    </inkml:brush>
+  </inkml:definitions>
+  <inkml:trace contextRef="#ctx0" brushRef="#br0">107 7596,'-1'-26,"-2"0,-7-33,5 32,-4-48,8 58,-2 0,0 0,-1 0,-11-32,9 33,0-1,2 1,0-1,1-1,-1-19,6-166,-4-98,-10 213,6 55,-2-57,9-598,1 659,1 0,1 0,14-45,-10 44,-1 1,-2-2,2-35,-6 18,13-90,-6 71,-2 0,-7-125,-2 68,3-1463,1 1567,1 1,9-37,-6 35,-2 0,3-27,-4-652,-5 341,3-197,-1 537,-1 0,-9-37,7 35,0 0,-2-27,6-299,1 164,-2 152,-11-58,6 57,-2-54,8 54,-2-11,3 0,1 0,14-71,-14 102,1-1,1 1,0 1,0-1,1 1,7-13,-9 20,0 0,1 0,-1 1,1-1,0 1,0 0,0-1,0 2,1-1,-1 0,1 1,0 0,-1 0,1 1,0-1,0 1,10-1,-9 1,66-11,138-5,293 18,-483 0,-1 1,37 8,-35-5,0-1,27 1,-8-4,-9-1,0 2,0 1,32 6,-16-1,-1-3,1-2,93-6,-33 1,3967 2,-4053 1,-1 1,34 8,-32-5,0-2,24 2,671-3,-349-4,2225 2,-2573-1,1-2,33-7,-32 6,0 0,24-1,671 3,-349 5,955-3,-1292 1,58 11,-57-6,54 2,549-9,-619 2,0 0,0 2,21 5,38 5,29 0,-67-7,59 3,539-10,-604-1,58-10,-57 7,54-3,-22 8,-29 1,1-1,-1-2,0-1,35-9,-31 6,-1 1,1 1,-1 3,1 1,48 6,-83-5,-1-1,1 1,0 0,-1 0,1 0,-1 1,1-1,-1 1,1 0,-1 0,0 0,0 0,0 1,0-1,-1 1,1-1,-1 1,1 0,-1 0,0 1,0-1,0 0,-1 0,1 1,-1-1,0 1,0 0,0-1,1 6,1 11,-1 1,-1-1,-1 1,-2 25,0-12,-2 1277,7-690,-3 41,0-654,0 0,0 0,-1 0,0 0,-1 0,0 0,0 0,-1 0,0-1,0 1,0-1,-7 10,6-13,1 0,-1 0,0 0,0 0,0-1,-1 0,1 0,-1 0,0 0,0-1,0 1,0-1,0-1,0 1,-1-1,1 0,0 0,-1 0,-5-1,-204-1,82-1,111 2</inkml:trace>
+</inkml:ink>
+</file>
+
+<file path=ppt/ink/ink202.xml><?xml version="1.0" encoding="utf-8"?>
+<inkml:ink xmlns:inkml="http://www.w3.org/2003/InkML">
+  <inkml:definitions>
+    <inkml:context xml:id="ctx0">
+      <inkml:inkSource xml:id="inkSrc0">
+        <inkml:traceFormat>
+          <inkml:channel name="X" type="integer" min="-2.14748E9" max="2.14748E9" units="cm"/>
+          <inkml:channel name="Y" type="integer" min="-2.14748E9" max="2.14748E9" units="cm"/>
+        </inkml:traceFormat>
+        <inkml:channelProperties>
+          <inkml:channelProperty channel="X" name="resolution" value="1000" units="1/cm"/>
+          <inkml:channelProperty channel="Y" name="resolution" value="1000" units="1/cm"/>
+        </inkml:channelProperties>
+      </inkml:inkSource>
+      <inkml:timestamp xml:id="ts0" timeString="2025-06-03T13:00:53.739"/>
+    </inkml:context>
+    <inkml:brush xml:id="br0">
+      <inkml:brushProperty name="width" value="0.2" units="cm"/>
+      <inkml:brushProperty name="height" value="0.4" units="cm"/>
+      <inkml:brushProperty name="color" value="#FF8517"/>
+      <inkml:brushProperty name="tip" value="rectangle"/>
+      <inkml:brushProperty name="rasterOp" value="maskPen"/>
+      <inkml:brushProperty name="ignorePressure" value="1"/>
+    </inkml:brush>
+  </inkml:definitions>
+  <inkml:trace contextRef="#ctx0" brushRef="#br0">0 3,'138'-3,"148"6,-215 10,-52-8,1-1,29 1,-30-4,13-1,-1 2,57 11,-46-5,-29-6,-1 0,0 0,1 2,-1-1,-1 1,1 1,-1 0,1 1,-1 0,-1 0,1 1,15 15,-14-10,-1 1,0 0,-1 0,0 1,-1 1,-1 0,0 0,-1 0,0 1,3 17,-3-3,-1 0,-1 1,-2 0,-2 51,0-51,2-1,6 31,-3-28,1 51,-8 551,0-615,-1 1,-8 33,5-32,1 0,-1 24,7 63,-4 46,-24-22,-1 0,24-117,-1 1,-1-1,-8 19,7-21,1 0,0 0,1 1,1-1,-2 16,3 14,1-15,-1-1,-9 40,6-38,1 1,2 0,1 35,1-35,-1 0,-2 0,-7 36,-17 90,20-117,2 0,2 0,3 70,1-66,-1 1,-12 76,4-56,3 1,5 129,3-71,-3 379,2-466,2 1,17 72,-12-73,-2 0,4 74,-9-89,0 0,7 29,4 39,-13-24,-1-34,2 0,1 0,11 55,-7-62,3 13,24 63,-26-85</inkml:trace>
+</inkml:ink>
+</file>
+
+<file path=ppt/ink/ink203.xml><?xml version="1.0" encoding="utf-8"?>
+<inkml:ink xmlns:inkml="http://www.w3.org/2003/InkML">
+  <inkml:definitions>
+    <inkml:context xml:id="ctx0">
+      <inkml:inkSource xml:id="inkSrc0">
+        <inkml:traceFormat>
+          <inkml:channel name="X" type="integer" min="-2.14748E9" max="2.14748E9" units="cm"/>
+          <inkml:channel name="Y" type="integer" min="-2.14748E9" max="2.14748E9" units="cm"/>
+          <inkml:channel name="F" type="integer" max="32767" units="dev"/>
+        </inkml:traceFormat>
+        <inkml:channelProperties>
+          <inkml:channelProperty channel="X" name="resolution" value="1000" units="1/cm"/>
+          <inkml:channelProperty channel="Y" name="resolution" value="1000" units="1/cm"/>
+          <inkml:channelProperty channel="F" name="resolution" value="0" units="1/dev"/>
+        </inkml:channelProperties>
+      </inkml:inkSource>
+      <inkml:timestamp xml:id="ts0" timeString="2025-06-03T13:02:25.279"/>
+    </inkml:context>
+    <inkml:brush xml:id="br0">
+      <inkml:brushProperty name="width" value="0.1" units="cm"/>
+      <inkml:brushProperty name="height" value="0.1" units="cm"/>
+      <inkml:brushProperty name="color" value="#E71224"/>
+    </inkml:brush>
+  </inkml:definitions>
+  <inkml:trace contextRef="#ctx0" brushRef="#br0">0 38 24575,'8'0'0,"0"1"0,1 1 0,-1-1 0,0 1 0,8 4 0,32 6 0,58-5 0,117-9 0,-74 0 0,-104 0 0,58-10 0,-57 5 0,51 0 0,-62 5 0,48-9 0,-48 5 0,50-1 0,-48 8-52,-24 0-211,1-1 1,-1 0-1,1-1 1,22-4-1,-18-1-6563</inkml:trace>
+</inkml:ink>
+</file>
+
+<file path=ppt/ink/ink204.xml><?xml version="1.0" encoding="utf-8"?>
+<inkml:ink xmlns:inkml="http://www.w3.org/2003/InkML">
+  <inkml:definitions>
+    <inkml:context xml:id="ctx0">
+      <inkml:inkSource xml:id="inkSrc0">
+        <inkml:traceFormat>
+          <inkml:channel name="X" type="integer" min="-2.14748E9" max="2.14748E9" units="cm"/>
+          <inkml:channel name="Y" type="integer" min="-2.14748E9" max="2.14748E9" units="cm"/>
+          <inkml:channel name="F" type="integer" max="32767" units="dev"/>
+        </inkml:traceFormat>
+        <inkml:channelProperties>
+          <inkml:channelProperty channel="X" name="resolution" value="1000" units="1/cm"/>
+          <inkml:channelProperty channel="Y" name="resolution" value="1000" units="1/cm"/>
+          <inkml:channelProperty channel="F" name="resolution" value="0" units="1/dev"/>
+        </inkml:channelProperties>
+      </inkml:inkSource>
+      <inkml:timestamp xml:id="ts0" timeString="2025-06-03T13:02:28.455"/>
+    </inkml:context>
+    <inkml:brush xml:id="br0">
+      <inkml:brushProperty name="width" value="0.1" units="cm"/>
+      <inkml:brushProperty name="height" value="0.1" units="cm"/>
+      <inkml:brushProperty name="color" value="#E71224"/>
+    </inkml:brush>
+  </inkml:definitions>
+  <inkml:trace contextRef="#ctx0" brushRef="#br0">0 108 24575,'1061'0'0,"-1042"1"0,1 1 0,36 8 0,-36-5 0,1-1 0,27 1 0,95-6 0,58 2 0,-130 12 0,-51-9 0,0 0 0,28 1 0,669-3 0,-349-4 0,1510 2 0,-1851-2 0,0 0 0,29-8 0,-27 5 0,44-3 0,-50 6 0,0-1 0,23-5 0,-24 3 0,1 1 0,25-1 0,-10 4 0,-7 1 0,0-1 0,0-2 0,34-7 0,-30 2 0,-1-1 0,0 1 0,1 2 0,54-2 0,-68 7 0,1-1 0,30-7 0,38-4 0,363 12 0,-217 3 0,-218-3 13,0-1 0,0-1 0,21-6 0,-28 6-155,1 0 1,0 0-1,-1 1 0,1 1 0,0 0 1,0 0-1,0 1 0,0 1 1,20 3-1,-14 2-6684</inkml:trace>
+</inkml:ink>
+</file>
+
+<file path=ppt/ink/ink205.xml><?xml version="1.0" encoding="utf-8"?>
+<inkml:ink xmlns:inkml="http://www.w3.org/2003/InkML">
+  <inkml:definitions>
+    <inkml:context xml:id="ctx0">
+      <inkml:inkSource xml:id="inkSrc0">
+        <inkml:traceFormat>
+          <inkml:channel name="X" type="integer" min="-2.14748E9" max="2.14748E9" units="cm"/>
+          <inkml:channel name="Y" type="integer" min="-2.14748E9" max="2.14748E9" units="cm"/>
+        </inkml:traceFormat>
+        <inkml:channelProperties>
+          <inkml:channelProperty channel="X" name="resolution" value="1000" units="1/cm"/>
+          <inkml:channelProperty channel="Y" name="resolution" value="1000" units="1/cm"/>
+        </inkml:channelProperties>
+      </inkml:inkSource>
+      <inkml:timestamp xml:id="ts0" timeString="2025-06-03T13:02:48.926"/>
+    </inkml:context>
+    <inkml:brush xml:id="br0">
+      <inkml:brushProperty name="width" value="0.2" units="cm"/>
+      <inkml:brushProperty name="height" value="0.4" units="cm"/>
+      <inkml:brushProperty name="color" value="#969696"/>
+      <inkml:brushProperty name="tip" value="rectangle"/>
+      <inkml:brushProperty name="rasterOp" value="maskPen"/>
+      <inkml:brushProperty name="ignorePressure" value="1"/>
+    </inkml:brush>
+  </inkml:definitions>
+  <inkml:trace contextRef="#ctx0" brushRef="#br0">0 1,'1324'0,"-1302"0</inkml:trace>
+</inkml:ink>
+</file>
+
+<file path=ppt/ink/ink206.xml><?xml version="1.0" encoding="utf-8"?>
+<inkml:ink xmlns:inkml="http://www.w3.org/2003/InkML">
+  <inkml:definitions>
+    <inkml:context xml:id="ctx0">
+      <inkml:inkSource xml:id="inkSrc0">
+        <inkml:traceFormat>
+          <inkml:channel name="X" type="integer" min="-2.14748E9" max="2.14748E9" units="cm"/>
+          <inkml:channel name="Y" type="integer" min="-2.14748E9" max="2.14748E9" units="cm"/>
+        </inkml:traceFormat>
+        <inkml:channelProperties>
+          <inkml:channelProperty channel="X" name="resolution" value="1000" units="1/cm"/>
+          <inkml:channelProperty channel="Y" name="resolution" value="1000" units="1/cm"/>
+        </inkml:channelProperties>
+      </inkml:inkSource>
+      <inkml:timestamp xml:id="ts0" timeString="2025-06-03T13:02:53.331"/>
+    </inkml:context>
+    <inkml:brush xml:id="br0">
+      <inkml:brushProperty name="width" value="0.2" units="cm"/>
+      <inkml:brushProperty name="height" value="0.4" units="cm"/>
+      <inkml:brushProperty name="color" value="#00F900"/>
+      <inkml:brushProperty name="tip" value="rectangle"/>
+      <inkml:brushProperty name="rasterOp" value="maskPen"/>
+      <inkml:brushProperty name="ignorePressure" value="1"/>
+    </inkml:brush>
+  </inkml:definitions>
+  <inkml:trace contextRef="#ctx0" brushRef="#br0">0 189,'875'0,"-847"-2,0-1,30-6,-28 3,47-2,-56 8,8 0,0-1,0-1,0-2,0-1,36-11,-40 10,-1 0,1 2,0 0,35 1,-11 0,23-9,-51 7,0 2,24-2,355 4,-192 3,-176-1,57 11,-57-6,54 2,-47-6,51 9,-53-5,61 2,564-9,-642 0,-1-1,37-9,-35 6,0 1,27-1,334 4,-182 3,-179-3,-1-2,35-7,-34 6,1 0,24-1,654 3,-341 5,-343-4,0-1,1 0,20-7,36-4,12 0,-60 8,-1 1,26-1,1 4,-18 2,-1-2,0-2,43-8,-37 5,1 1,-1 2,77 5,-38 0,-62-2,0 1,0 1,19 5,-11-1</inkml:trace>
+</inkml:ink>
+</file>
+
+<file path=ppt/ink/ink207.xml><?xml version="1.0" encoding="utf-8"?>
+<inkml:ink xmlns:inkml="http://www.w3.org/2003/InkML">
+  <inkml:definitions>
+    <inkml:context xml:id="ctx0">
+      <inkml:inkSource xml:id="inkSrc0">
+        <inkml:traceFormat>
+          <inkml:channel name="X" type="integer" min="-2.14748E9" max="2.14748E9" units="cm"/>
+          <inkml:channel name="Y" type="integer" min="-2.14748E9" max="2.14748E9" units="cm"/>
+          <inkml:channel name="F" type="integer" max="32767" units="dev"/>
+        </inkml:traceFormat>
+        <inkml:channelProperties>
+          <inkml:channelProperty channel="X" name="resolution" value="1000" units="1/cm"/>
+          <inkml:channelProperty channel="Y" name="resolution" value="1000" units="1/cm"/>
+          <inkml:channelProperty channel="F" name="resolution" value="0" units="1/dev"/>
+        </inkml:channelProperties>
+      </inkml:inkSource>
+      <inkml:timestamp xml:id="ts0" timeString="2025-06-03T13:04:59.733"/>
+    </inkml:context>
+    <inkml:brush xml:id="br0">
+      <inkml:brushProperty name="width" value="0.1" units="cm"/>
+      <inkml:brushProperty name="height" value="0.1" units="cm"/>
+      <inkml:brushProperty name="color" value="#E71224"/>
+    </inkml:brush>
+  </inkml:definitions>
+  <inkml:trace contextRef="#ctx0" brushRef="#br0">0 28 24575,'94'1'0,"104"-3"0,-127-11 0,-52 8 0,0 2 0,30-3 0,322 7 0,-363-2 0,0 2 0,0-1 0,0 1 0,0 0 0,-1 0 0,1 1 0,0 0 0,-1 1 0,0 0 0,1 0 0,-1 0 0,-1 1 0,1 0 0,0 0 0,-1 1 0,0-1 0,0 2 0,0-1 0,-1 1 0,1-1 0,-1 2 0,-1-1 0,1 0 0,-1 1 0,0 0 0,5 12 0,10 19 0,1 0 0,3-2 0,1-1 0,36 42 0,-51-65 0,0 0 0,-1 0 0,11 24 0,-13-23 0,1 0 0,1-1 0,0 1 0,10 10 0,-8-10 0,-1 0 0,-1 1 0,0 0 0,-1 1 0,0-1 0,-1 1 0,-1 0 0,7 28 0,-7-21 0,2-1 0,0 0 0,20 38 0,-21-46 0,0 1 0,-1-1 0,-1 1 0,-1 0 0,5 27 0,-1-3 0,-3-9 0,3 59 0,-6-59 0,1 0 0,8 36 0,-4-29 0,-2 1 0,-1 0 0,-2 0 0,-5 41 0,2-26 0,5 57 0,1-80 0,2 0 0,10 33 0,-9-38 0,-1 0 0,-1 0 0,4 48 0,-6-35 0,11 57 0,-5-40 0,-3-25 0,14 43 0,-13-52 0,-1 0 0,-1 0 0,-1 1 0,2 35 0,-3-19 0,7 42 0,-4-43 0,1 50 0,-6-64 0,2-1 0,6 31 0,-4-30 0,-1 1 0,1 23 0,-6 42-73,-1-61-89,1 0 1,2 0-1,0 0 1,2 0-1,1-1 1,1 1-1,12 36 1,-9-46-6665</inkml:trace>
+</inkml:ink>
+</file>
+
+<file path=ppt/ink/ink208.xml><?xml version="1.0" encoding="utf-8"?>
+<inkml:ink xmlns:inkml="http://www.w3.org/2003/InkML">
+  <inkml:definitions>
+    <inkml:context xml:id="ctx0">
+      <inkml:inkSource xml:id="inkSrc0">
+        <inkml:traceFormat>
+          <inkml:channel name="X" type="integer" min="-2.14748E9" max="2.14748E9" units="cm"/>
+          <inkml:channel name="Y" type="integer" min="-2.14748E9" max="2.14748E9" units="cm"/>
+          <inkml:channel name="F" type="integer" max="32767" units="dev"/>
+        </inkml:traceFormat>
+        <inkml:channelProperties>
+          <inkml:channelProperty channel="X" name="resolution" value="1000" units="1/cm"/>
+          <inkml:channelProperty channel="Y" name="resolution" value="1000" units="1/cm"/>
+          <inkml:channelProperty channel="F" name="resolution" value="0" units="1/dev"/>
+        </inkml:channelProperties>
+      </inkml:inkSource>
+      <inkml:timestamp xml:id="ts0" timeString="2025-06-03T13:05:04.005"/>
+    </inkml:context>
+    <inkml:brush xml:id="br0">
+      <inkml:brushProperty name="width" value="0.1" units="cm"/>
+      <inkml:brushProperty name="height" value="0.1" units="cm"/>
+      <inkml:brushProperty name="color" value="#E71224"/>
+    </inkml:brush>
+  </inkml:definitions>
+  <inkml:trace contextRef="#ctx0" brushRef="#br0">0 1432 24575,'12'0'0,"0"1"0,0-2 0,0 1 0,0-2 0,0 1 0,0-2 0,-1 0 0,1 0 0,-1-1 0,0 0 0,14-8 0,15-9 0,-12 7 0,-1-2 0,0 0 0,-1-2 0,0 0 0,25-26 0,54-36 0,-92 69 0,0 2 0,0-1 0,26-12 0,-24 15 0,-1-1 0,0-1 0,-1 0 0,13-12 0,5-8 0,52-38 0,49-39 0,-55 49 0,-37 26 0,0 1 0,87-45 0,-120 71 0,0 0 0,-1-1 0,0 0 0,0 0 0,0-1 0,0 1 0,-1-1 0,6-9 0,-4 7 0,-1 0 0,1 1 0,0-1 0,14-10 0,-7 7 0,-1 0 0,0-1 0,-1-1 0,-1 0 0,16-22 0,-15 18 0,2 0 0,-1 1 0,22-18 0,126-79 0,-77 58 0,-62 39 0,6-4 0,1 1 0,1 2 0,33-15 0,2-3 0,-50 26 0,0 0 0,0 2 0,0 0 0,19-6 0,-5 4 0,0 1 0,1 2 0,0 1 0,53-3 0,-69 8 0,-4 0 0,0 0 0,0 0 0,0 1 0,1 0 0,18 5 0,-26-4 0,1 0 0,-1-1 0,1 1 0,-1 0 0,0 1 0,0-1 0,0 1 0,0-1 0,0 1 0,0 0 0,-1 0 0,0 0 0,1 0 0,-1 1 0,0-1 0,-1 1 0,1-1 0,-1 1 0,2 3 0,9 30 0,-6-19 0,1 0 0,12 24 0,-14-32 0,-1 0 0,-1 0 0,0 1 0,0-1 0,-1 1 0,0 0 0,0 0 0,-1 11 0,-1 10 0,-5 46 0,-5-34-1365,4-27-5461</inkml:trace>
+</inkml:ink>
+</file>
+
+<file path=ppt/ink/ink209.xml><?xml version="1.0" encoding="utf-8"?>
+<inkml:ink xmlns:inkml="http://www.w3.org/2003/InkML">
+  <inkml:definitions>
+    <inkml:context xml:id="ctx0">
+      <inkml:inkSource xml:id="inkSrc0">
+        <inkml:traceFormat>
+          <inkml:channel name="X" type="integer" min="-2.14748E9" max="2.14748E9" units="cm"/>
+          <inkml:channel name="Y" type="integer" min="-2.14748E9" max="2.14748E9" units="cm"/>
+          <inkml:channel name="F" type="integer" max="32767" units="dev"/>
+        </inkml:traceFormat>
+        <inkml:channelProperties>
+          <inkml:channelProperty channel="X" name="resolution" value="1000" units="1/cm"/>
+          <inkml:channelProperty channel="Y" name="resolution" value="1000" units="1/cm"/>
+          <inkml:channelProperty channel="F" name="resolution" value="0" units="1/dev"/>
+        </inkml:channelProperties>
+      </inkml:inkSource>
+      <inkml:timestamp xml:id="ts0" timeString="2025-06-03T13:05:07.482"/>
+    </inkml:context>
+    <inkml:brush xml:id="br0">
+      <inkml:brushProperty name="width" value="0.1" units="cm"/>
+      <inkml:brushProperty name="height" value="0.1" units="cm"/>
+      <inkml:brushProperty name="color" value="#E71224"/>
+    </inkml:brush>
+  </inkml:definitions>
+  <inkml:trace contextRef="#ctx0" brushRef="#br0">53 1 24575,'-1'0'0,"0"0"0,0 1 0,-1 0 0,1-1 0,0 1 0,0-1 0,0 1 0,0 0 0,0 0 0,0 0 0,0 0 0,1-1 0,-1 1 0,0 0 0,0 0 0,1 0 0,-1 1 0,1-1 0,-1 0 0,1 0 0,-1 0 0,1 0 0,-1 1 0,1-1 0,0 0 0,0 0 0,0 3 0,-5 39 0,5-38 0,-14 84 0,9-68 0,2 1 0,0-1 0,0 41 0,3-60 0,1 1 0,-1 0 0,1-1 0,0 1 0,0-1 0,-1 1 0,2-1 0,-1 1 0,0-1 0,0 0 0,1 1 0,-1-1 0,1 0 0,0 0 0,0 0 0,-1 0 0,1 0 0,1-1 0,-1 1 0,0-1 0,0 1 0,0-1 0,1 0 0,-1 0 0,1 0 0,-1 0 0,1 0 0,-1 0 0,1-1 0,0 1 0,2-1 0,12 2 0,-1-1 0,1 0 0,33-4 0,-23 1 0,265 0-1365,-269 2-5461</inkml:trace>
+</inkml:ink>
+</file>
+
 <file path=ppt/ink/ink21.xml><?xml version="1.0" encoding="utf-8"?>
 <inkml:ink xmlns:inkml="http://www.w3.org/2003/InkML">
   <inkml:definitions>
@@ -5068,6 +5356,297 @@
     </inkml:brush>
   </inkml:definitions>
   <inkml:trace contextRef="#ctx0" brushRef="#br0">267 1 24575,'0'8'0,"0"-1"0,0-1 0,0 1 0,0-1 0,-3 1 0,-1 1 0,1 3 0,-2 4 0,2 2 0,-3 10 0,-3 4 0,-3 8 0,-2 9 0,-1-2 0,0 7 0,-1 9 0,-4 8 0,-1 13 0,0-2 0,3-3 0,3-1 0,3-5 0,1 0 0,0-9 0,1-7 0,3-10 0,1-8 0,2-6 0,1-6 0,1-1 0,2-5 0,0-3 0,0-1 0,-1 0 0,1 9 0,0 6 0,0 3 0,0 4 0,0 4 0,0 5 0,2 8 0,3 3 0,0 0 0,2-3 0,-2-10 0,-2-10 0,1-8 0,-2-6 0,1-3 0,1-5 0,-1 2 0,2 5 0,4 7 0,4 11 0,3 2 0,3 5 0,2 4 0,4 0 0,-2 0 0,0-2 0,-1-2 0,-2 2 0,1 0 0,-1-3 0,-1-2 0,3 1 0,-1-2 0,0-1 0,0 0 0,-6-9 0,3 4 0,0 1 0,3 2 0,4 7 0,6 8 0,3 3 0,4 7 0,3 3 0,2 2 0,5 7 0,-1-2 0,2 2-703,4 5 703,1 3 0,-2-1 0,-4-6 0,-7-13 0,-7-10 0,-6-7 0,-9-11 0,-6-11 0,-5-10 703,-2-4-703,0-4 0,-1 0 0,0 0 0,-1-1 0,-2 0 0,0 0 0,-2 1 0,0 2 0,0 1 0,0 2 0,3 4 0,3 2 0,4 0 0,4 3 0,0-2 0,2 0 0,0 2 0,0-2 0,-1 0 0,1-1 0,-2-2 0,1-2 0,0 1 0,2 1 0,2 2 0,2 1 0,0 3 0,-2-2 0,-1-1 0,-2 0 0,-2-3 0,-3-2 0,-1 0 0,-2-1 0,0-1 0,1 1 0,1-1 0,0 2 0,-1 1 0,1 1 0,1 0 0,2 0 0,2 2 0,-1-1 0,-2-1 0,0 2 0,0-1 0,0 3 0,0 1 0,0 1 0,-1-1 0,-1-1 0,0-2 0,-5-4 0,0-3 0,-2-2 0,-2-3 0,2 1 0,-1 1 0,2 0 0,0 0 0,2 0 0,2 0 0,3 0 0,0 0 0,2 3 0,-2 1 0,1 4 0,2 2 0,-2 1 0,2-1 0,-3-1 0,1 0 0,-1-3 0,-1-2 0,-1-2 0,0-3 0,0 0 0,3 0 0,0 2 0,0-2 0,-1-1 0,-1-1 0,-3-1 0,0 0 0,-1 0 0,-2 1 0,-1 0 0,0-1 0,0 0 0,1 1 0,0 1 0,3 2 0,9 5 0,8 3 0,10 8 0,5 5 0,0 2 0,-1 1 0,2 4 0,4 6 0,2 2 0,0 5 0,-6-3 0,-6-5 0,-6-2 0,-7-10 0,-6-7 0,-2-3 0,-5-6 0,0-3 0,-2-4 0,0 0 0,-1 2 0,5 13 0,2 11 0,5 7 0,4 7 0,3-3 0,0 0 0,-2-4 0,-2-6 0,-4-6 0,-2-6 0,-3-5 0,-3-4 0,-2-1 0,0-2 0,1 0 0,-1-1 0,-2 0 0,-1-2 0,-2-1 0,2 1 0,2 0 0,0 2 0,2 1 0,0 1 0,1 2 0,2 2 0,1 3 0,3 1 0,0 1 0,0 0 0,-2-2 0,-2-1 0,1-1 0,-2-2 0,-1-1 0,2 1 0,-2 1 0,1 0 0,0 4 0,1 1 0,0 2 0,0 5 0,3 6 0,-2 5 0,2 3 0,1 1 0,0 0 0,3 4 0,2 2 0,1 1 0,-1 0 0,0-5 0,-2-8 0,-4-10 0,-4-8 0,-2-6 0,-3-2 0,1-4 0,-1 0 0,2-1 0,0-1 0,1 0 0,-1 0 0,1-2 0,2 0 0,2 0 0,3 0 0,5 0 0,1 0 0,2 1 0,1 2 0,-2 0 0,2 3 0,-3-2 0,-3 1 0,0 0 0,-2 0 0,1 1 0,-2 2 0,-1-1 0,-1-1 0,-2 0 0,-1-2 0,-2-1 0,0 0 0,-1-1 0,0 1 0,0-2 0,1 3 0,-1 0 0,1 0 0,0 1 0,-1-2 0,0-1 0,-2 1 0,1-2 0,0 1 0,0 1 0,0 0 0,0 2 0,-1 1 0,1 1 0,0-1 0,-1 0 0,-3 0 0,-1 2 0,0 2 0,2 3 0,0 2 0,1 2 0,1-1 0,0 1 0,1 1 0,3 2 0,-3-7 0,1-2 0</inkml:trace>
+</inkml:ink>
+</file>
+
+<file path=ppt/ink/ink210.xml><?xml version="1.0" encoding="utf-8"?>
+<inkml:ink xmlns:inkml="http://www.w3.org/2003/InkML">
+  <inkml:definitions>
+    <inkml:context xml:id="ctx0">
+      <inkml:inkSource xml:id="inkSrc0">
+        <inkml:traceFormat>
+          <inkml:channel name="X" type="integer" min="-2.14748E9" max="2.14748E9" units="cm"/>
+          <inkml:channel name="Y" type="integer" min="-2.14748E9" max="2.14748E9" units="cm"/>
+          <inkml:channel name="F" type="integer" max="32767" units="dev"/>
+        </inkml:traceFormat>
+        <inkml:channelProperties>
+          <inkml:channelProperty channel="X" name="resolution" value="1000" units="1/cm"/>
+          <inkml:channelProperty channel="Y" name="resolution" value="1000" units="1/cm"/>
+          <inkml:channelProperty channel="F" name="resolution" value="0" units="1/dev"/>
+        </inkml:channelProperties>
+      </inkml:inkSource>
+      <inkml:timestamp xml:id="ts0" timeString="2025-06-03T13:05:47.292"/>
+    </inkml:context>
+    <inkml:brush xml:id="br0">
+      <inkml:brushProperty name="width" value="0.1" units="cm"/>
+      <inkml:brushProperty name="height" value="0.1" units="cm"/>
+      <inkml:brushProperty name="color" value="#5B2D90"/>
+    </inkml:brush>
+  </inkml:definitions>
+  <inkml:trace contextRef="#ctx0" brushRef="#br0">0 2 24575,'50'-1'0,"-9"0"0,0 2 0,57 8 0,-84-6 0,-1 0 0,0 0 0,1 2 0,-1-1 0,-1 2 0,1 0 0,-1 0 0,0 1 0,0 1 0,-1 0 0,12 10 0,0 7 0,0 1 0,-2 0 0,21 34 0,-35-49 0,6 9 0,-2 1 0,18 43 0,4 10 0,-7-28 0,-11-20 0,0 1 0,-2 0 0,-1 1 0,-1 0 0,9 38 0,-12-32 0,25 60 0,-23-72 0,-2-1 0,-1 1 0,0 1 0,-2-1 0,0 1 0,2 35 0,-7-11 0,-1-15 0,2 0 0,1-1 0,10 50 0,-2-23 0,-9-45 0,1-1 0,0 0 0,1 1 0,1-1 0,-1 0 0,2 0 0,7 13 0,5 10 0,-2 1 0,-1 1 0,17 69 0,1 5 0,21 75 0,8-19 0,-56-145 0,-1 0 0,-1 1 0,-1-1 0,0 1 0,-2 0 0,-4 35 0,1-34 0,2 0 0,1 0 0,1 0 0,0 0 0,9 39 0,-1-20 0,-3 0 0,-2 0 0,-1 1 0,-6 85 0,0-24 0,3 424 0,1-509 0,1 0 0,8 35 0,-5-33 0,-1-1 0,1 26 0,-4-30 0,2 0 0,0 0 0,1 0 0,1 0 0,7 16 0,-5-11 0,0-1 0,4 29 0,-9-41 0,14 75 0,-14-77 0,0 0 0,1-1 0,0 1 0,0-1 0,0 1 0,1-1 0,0 0 0,0 0 0,8 8 0,26 29 0,-34-36 0,1-1 0,0 1 0,0-1 0,0-1 0,1 1 0,-1-1 0,1 0 0,1 0 0,-1 0 0,1-1 0,-1 0 0,1-1 0,0 1 0,1-1 0,-1-1 0,14 4 0,55-4-1365,-53-2-5461</inkml:trace>
+</inkml:ink>
+</file>
+
+<file path=ppt/ink/ink211.xml><?xml version="1.0" encoding="utf-8"?>
+<inkml:ink xmlns:inkml="http://www.w3.org/2003/InkML">
+  <inkml:definitions>
+    <inkml:context xml:id="ctx0">
+      <inkml:inkSource xml:id="inkSrc0">
+        <inkml:traceFormat>
+          <inkml:channel name="X" type="integer" min="-2.14748E9" max="2.14748E9" units="cm"/>
+          <inkml:channel name="Y" type="integer" min="-2.14748E9" max="2.14748E9" units="cm"/>
+        </inkml:traceFormat>
+        <inkml:channelProperties>
+          <inkml:channelProperty channel="X" name="resolution" value="1000" units="1/cm"/>
+          <inkml:channelProperty channel="Y" name="resolution" value="1000" units="1/cm"/>
+        </inkml:channelProperties>
+      </inkml:inkSource>
+      <inkml:timestamp xml:id="ts0" timeString="2025-06-03T13:06:20.742"/>
+    </inkml:context>
+    <inkml:brush xml:id="br0">
+      <inkml:brushProperty name="width" value="0.1" units="cm"/>
+      <inkml:brushProperty name="height" value="0.2" units="cm"/>
+      <inkml:brushProperty name="color" value="#FF40FF"/>
+      <inkml:brushProperty name="tip" value="rectangle"/>
+      <inkml:brushProperty name="rasterOp" value="maskPen"/>
+      <inkml:brushProperty name="ignorePressure" value="1"/>
+    </inkml:brush>
+  </inkml:definitions>
+  <inkml:trace contextRef="#ctx0" brushRef="#br0">0 3,'112'-2,"122"4,-50 26,-115-17,-42-5,0-2,35 1,-36-5,-4 0</inkml:trace>
+</inkml:ink>
+</file>
+
+<file path=ppt/ink/ink212.xml><?xml version="1.0" encoding="utf-8"?>
+<inkml:ink xmlns:inkml="http://www.w3.org/2003/InkML">
+  <inkml:definitions>
+    <inkml:context xml:id="ctx0">
+      <inkml:inkSource xml:id="inkSrc0">
+        <inkml:traceFormat>
+          <inkml:channel name="X" type="integer" min="-2.14748E9" max="2.14748E9" units="cm"/>
+          <inkml:channel name="Y" type="integer" min="-2.14748E9" max="2.14748E9" units="cm"/>
+          <inkml:channel name="F" type="integer" max="32767" units="dev"/>
+        </inkml:traceFormat>
+        <inkml:channelProperties>
+          <inkml:channelProperty channel="X" name="resolution" value="1000" units="1/cm"/>
+          <inkml:channelProperty channel="Y" name="resolution" value="1000" units="1/cm"/>
+          <inkml:channelProperty channel="F" name="resolution" value="0" units="1/dev"/>
+        </inkml:channelProperties>
+      </inkml:inkSource>
+      <inkml:timestamp xml:id="ts0" timeString="2025-06-03T13:06:23.409"/>
+    </inkml:context>
+    <inkml:brush xml:id="br0">
+      <inkml:brushProperty name="width" value="0.1" units="cm"/>
+      <inkml:brushProperty name="height" value="0.2" units="cm"/>
+      <inkml:brushProperty name="color" value="#FF40FF"/>
+      <inkml:brushProperty name="tip" value="rectangle"/>
+      <inkml:brushProperty name="rasterOp" value="maskPen"/>
+      <inkml:brushProperty name="ignorePressure" value="1"/>
+    </inkml:brush>
+  </inkml:definitions>
+  <inkml:trace contextRef="#ctx0" brushRef="#br0">0 0 0,'1719'26'0</inkml:trace>
+</inkml:ink>
+</file>
+
+<file path=ppt/ink/ink213.xml><?xml version="1.0" encoding="utf-8"?>
+<inkml:ink xmlns:inkml="http://www.w3.org/2003/InkML">
+  <inkml:definitions>
+    <inkml:context xml:id="ctx0">
+      <inkml:inkSource xml:id="inkSrc0">
+        <inkml:traceFormat>
+          <inkml:channel name="X" type="integer" min="-2.14748E9" max="2.14748E9" units="cm"/>
+          <inkml:channel name="Y" type="integer" min="-2.14748E9" max="2.14748E9" units="cm"/>
+        </inkml:traceFormat>
+        <inkml:channelProperties>
+          <inkml:channelProperty channel="X" name="resolution" value="1000" units="1/cm"/>
+          <inkml:channelProperty channel="Y" name="resolution" value="1000" units="1/cm"/>
+        </inkml:channelProperties>
+      </inkml:inkSource>
+      <inkml:timestamp xml:id="ts0" timeString="2025-06-03T13:06:28.195"/>
+    </inkml:context>
+    <inkml:brush xml:id="br0">
+      <inkml:brushProperty name="width" value="0.1" units="cm"/>
+      <inkml:brushProperty name="height" value="0.2" units="cm"/>
+      <inkml:brushProperty name="color" value="#FF40FF"/>
+      <inkml:brushProperty name="tip" value="rectangle"/>
+      <inkml:brushProperty name="rasterOp" value="maskPen"/>
+      <inkml:brushProperty name="ignorePressure" value="1"/>
+    </inkml:brush>
+  </inkml:definitions>
+  <inkml:trace contextRef="#ctx0" brushRef="#br0">0 2,'21'0,"15"-1,0 2,-1 1,60 12,-35-1,-31-8,0 2,-1 0,-1 2,29 13,-49-17,0-1,0 2,0-1,0 1,-1 0,0 0,0 1,-1 0,5 7,42 76,-34-55,11 24,25 71,-26-60,-11-27,-1 0,18 82,-28-102,1 0,0 0,2-1,12 23,-11-27,-1 0,-1 1,-1 0,-1 1,-1-1,4 26,-6 21,-5 66,-1-68,7 69,0-106,1-1,16 50,11-9,-25-54,-1-1,0 1,0 0,-2 0,6 23,-2 9,1 5,-2 0,1 66,-7-96,1 1,8 34,3 33,-13-22,0-34,0 1,2-1,11 55,15 97,-21-136,-2 0,-2 0,-6 87,0-27,3 421,2-506,0 0,2-1,0 1,15 41,-16-55,0 0,1 0,0 0,0-1,1 0,0 1,1-2,-1 1,1 0,1-1,0-1,0 1,0-1,1 0,-1 0,10 4,-9-7,-1 1,0 0,0 0,-1 1,1-1,-1 2,0-1,0 0,-1 1,0 0,0 1,0-1,-1 1,0 0,5 10,8 12,-9-17,1-1,1 0,-1 0,2 0,-1-1,2-1,-1 0,1-1,0 0,1 0,0-1,0-1,26 8,44 14,-53-19,52 23,-67-24</inkml:trace>
+</inkml:ink>
+</file>
+
+<file path=ppt/ink/ink214.xml><?xml version="1.0" encoding="utf-8"?>
+<inkml:ink xmlns:inkml="http://www.w3.org/2003/InkML">
+  <inkml:definitions>
+    <inkml:context xml:id="ctx0">
+      <inkml:inkSource xml:id="inkSrc0">
+        <inkml:traceFormat>
+          <inkml:channel name="X" type="integer" min="-2.14748E9" max="2.14748E9" units="cm"/>
+          <inkml:channel name="Y" type="integer" min="-2.14748E9" max="2.14748E9" units="cm"/>
+        </inkml:traceFormat>
+        <inkml:channelProperties>
+          <inkml:channelProperty channel="X" name="resolution" value="1000" units="1/cm"/>
+          <inkml:channelProperty channel="Y" name="resolution" value="1000" units="1/cm"/>
+        </inkml:channelProperties>
+      </inkml:inkSource>
+      <inkml:timestamp xml:id="ts0" timeString="2025-06-03T13:06:32.502"/>
+    </inkml:context>
+    <inkml:brush xml:id="br0">
+      <inkml:brushProperty name="width" value="0.1" units="cm"/>
+      <inkml:brushProperty name="height" value="0.2" units="cm"/>
+      <inkml:brushProperty name="color" value="#FF40FF"/>
+      <inkml:brushProperty name="tip" value="rectangle"/>
+      <inkml:brushProperty name="rasterOp" value="maskPen"/>
+      <inkml:brushProperty name="ignorePressure" value="1"/>
+    </inkml:brush>
+  </inkml:definitions>
+  <inkml:trace contextRef="#ctx0" brushRef="#br0">0 38,'0'-2,"0"1,0-1,1 0,-1 1,0-1,1 1,-1-1,1 1,-1-1,1 1,0 0,0-1,0 1,0 0,-1 0,2-1,-1 1,0 0,0 0,0 0,0 0,1 0,-1 1,0-1,1 0,-1 0,1 1,-1-1,1 1,1-1,-1 1,0-1,1 1,-1 0,0-1,1 1,-1 0,0 1,1-1,-1 0,0 1,0-1,1 1,-1 0,0-1,0 1,0 0,0 0,0 1,3 1,-2 1,1-1,-1 1,0 0,-1 0,1 1,-1-1,0 1,0-1,2 7,-3-8,0 0,0 0,0 0,0 0,0 0,1 0,-1 0,1-1,0 1,0-1,0 1,0-1,0 0,1 0,-1 1,1-2,-1 1,1 0,0 0,0-1,-1 0,1 1,0-1,5 1,8 0,-1-1,1 0,0-2,0 1,-1-2,1 0,29-8,-22 4,0 2,39-3,-43 9,0 0,0 1,0 0,-1 2,21 7,-16-4,0-2,39 6,-43-9,0 1,0 1,34 13,21 6,-13-10,-2-2,94 34,-148-44,0 1,-1 0,1 0,0 0,-1 1,0-1,0 1,0 0,0 0,-1 1,1-1,4 9,30 69,-13-25,-22-52,6 13,1-1,0 0,1-1,1 0,23 23,-12-17,0 2,-2 1,-1 0,22 36,-38-53,0-1,-1 1,0 0,0 0,-1 0,0 0,-1 0,1 0,-1 9,-5 81,2-79,1 0,0 0,2 0,0 0,4 20,6 0,24 56,-24-72,-2 1,0 0,-2 0,-1 0,0 1,2 44,-7 472,-3-234,1-287,-1-1,-9 37,7-35,0 0,-2 27,4-2,0-16,1 0,2-1,0 1,8 39,-5-57,1 0,1-1,0 1,0-1,1 0,0-1,1 1,17 16,-15-17,-1 0,0 1,-1 0,0 1,-1 0,0 0,7 19,-9-15,-1-6,-1-1,0 1,-1 1,0-1,1 12,-4-5</inkml:trace>
+</inkml:ink>
+</file>
+
+<file path=ppt/ink/ink215.xml><?xml version="1.0" encoding="utf-8"?>
+<inkml:ink xmlns:inkml="http://www.w3.org/2003/InkML">
+  <inkml:definitions>
+    <inkml:context xml:id="ctx0">
+      <inkml:inkSource xml:id="inkSrc0">
+        <inkml:traceFormat>
+          <inkml:channel name="X" type="integer" min="-2.14748E9" max="2.14748E9" units="cm"/>
+          <inkml:channel name="Y" type="integer" min="-2.14748E9" max="2.14748E9" units="cm"/>
+        </inkml:traceFormat>
+        <inkml:channelProperties>
+          <inkml:channelProperty channel="X" name="resolution" value="1000" units="1/cm"/>
+          <inkml:channelProperty channel="Y" name="resolution" value="1000" units="1/cm"/>
+        </inkml:channelProperties>
+      </inkml:inkSource>
+      <inkml:timestamp xml:id="ts0" timeString="2025-06-03T13:06:37.223"/>
+    </inkml:context>
+    <inkml:brush xml:id="br0">
+      <inkml:brushProperty name="width" value="0.1" units="cm"/>
+      <inkml:brushProperty name="height" value="0.2" units="cm"/>
+      <inkml:brushProperty name="color" value="#FF40FF"/>
+      <inkml:brushProperty name="tip" value="rectangle"/>
+      <inkml:brushProperty name="rasterOp" value="maskPen"/>
+      <inkml:brushProperty name="ignorePressure" value="1"/>
+    </inkml:brush>
+  </inkml:definitions>
+  <inkml:trace contextRef="#ctx0" brushRef="#br0">57 1,'-1'0,"0"1,-1-1,1 1,0 0,0-1,0 1,0 0,0 0,0 0,0 0,0 0,0 0,0 0,1 0,-1 0,0 0,1 0,-1 0,0 1,1 0,-14 34,10-26,0 1,0 1,1 0,0-1,1 1,1 0,-1 0,2 1,0-1,0 0,1 0,5 24,-5-34,1 1,-1-1,1 0,-1 0,1 0,0 0,-1 0,1 0,0 0,1-1,-1 1,0 0,0-1,1 0,-1 0,0 0,1 0,-1 0,1 0,4 0,65 6,-21-4,157 28,-172-26,0 0,1-3,68-3,-39 0,-43 1</inkml:trace>
+</inkml:ink>
+</file>
+
+<file path=ppt/ink/ink216.xml><?xml version="1.0" encoding="utf-8"?>
+<inkml:ink xmlns:inkml="http://www.w3.org/2003/InkML">
+  <inkml:definitions>
+    <inkml:context xml:id="ctx0">
+      <inkml:inkSource xml:id="inkSrc0">
+        <inkml:traceFormat>
+          <inkml:channel name="X" type="integer" min="-2.14748E9" max="2.14748E9" units="cm"/>
+          <inkml:channel name="Y" type="integer" min="-2.14748E9" max="2.14748E9" units="cm"/>
+        </inkml:traceFormat>
+        <inkml:channelProperties>
+          <inkml:channelProperty channel="X" name="resolution" value="1000" units="1/cm"/>
+          <inkml:channelProperty channel="Y" name="resolution" value="1000" units="1/cm"/>
+        </inkml:channelProperties>
+      </inkml:inkSource>
+      <inkml:timestamp xml:id="ts0" timeString="2025-06-03T13:07:11.294"/>
+    </inkml:context>
+    <inkml:brush xml:id="br0">
+      <inkml:brushProperty name="width" value="0.1" units="cm"/>
+      <inkml:brushProperty name="height" value="0.2" units="cm"/>
+      <inkml:brushProperty name="color" value="#FF40FF"/>
+      <inkml:brushProperty name="tip" value="rectangle"/>
+      <inkml:brushProperty name="rasterOp" value="maskPen"/>
+      <inkml:brushProperty name="ignorePressure" value="1"/>
+    </inkml:brush>
+  </inkml:definitions>
+  <inkml:trace contextRef="#ctx0" brushRef="#br0">712 5453,'2'-1,"0"1,0-1,1 1,-1-1,0 0,0 0,-1 0,1 0,0 0,0 0,0 0,-1-1,1 1,0-1,-1 1,0-1,1 1,-1-1,0 0,0 0,0 0,0 0,0 0,0 0,0 0,0-4,2-5,0 1,-1-1,2-20,-2-1,-2 0,-1 0,-1 0,-2 0,-8-34,-15-65,22 102,1 0,2 0,1-1,3-37,-3-56,-11 51,7 52,2 0,-2-28,3-422,4 226,-1 223,1 1,8-34,-5 32,-1 0,1-24,-7-74,4-51,-2 166,1 1,-1-1,1 0,1 1,-1-1,1 1,-1-1,1 1,0 0,1-1,-1 1,1 0,0 1,0-1,0 0,0 1,1 0,-1 0,1 0,0 0,4-2,7-2,0 0,0 2,0 0,31-6,21-7,-31 7,0 1,0 2,0 1,57-2,153 9,-109 3,894-3,-1014 1,0 0,0 2,18 5,39 4,12 2,-63-9,0-1,29 1,-16-4,192-3,-220 1,0-1,1 1,-1-1,-1-1,1 0,0 0,-1 0,1-1,-1 0,0-1,-1 1,1-1,-1-1,0 1,0-1,0 0,5-8,0-2,-1 1,0-2,-2 1,0-1,-1-1,8-27,12-88,-20 89,-3-1,-1 0,-5-82,-1 27,3-615,-1 685,-12-59,8 58,-4-57,7 46,-12-60,4 36,-2-3,7 43,0-1,0-37,6-942,-1 1002,0 0,0 1,0-1,0 0,-1 1,0-1,0 0,0 1,0-1,0 1,-1 0,0-1,1 1,-1 0,0 0,-1 0,1 0,0 0,-1 0,-3-2,-1 0,-1 1,0 0,0 0,0 1,0 0,-1 0,-12-2,-13-3,0 1,0 1,-1 2,-38 0,-1483 7,862-4,675 2,-1 1,-36 8,35-5,0-1,-26 1,-45 8,68-8,-46 3,-326-8,373 0</inkml:trace>
+</inkml:ink>
+</file>
+
+<file path=ppt/ink/ink217.xml><?xml version="1.0" encoding="utf-8"?>
+<inkml:ink xmlns:inkml="http://www.w3.org/2003/InkML">
+  <inkml:definitions>
+    <inkml:context xml:id="ctx0">
+      <inkml:inkSource xml:id="inkSrc0">
+        <inkml:traceFormat>
+          <inkml:channel name="X" type="integer" min="-2.14748E9" max="2.14748E9" units="cm"/>
+          <inkml:channel name="Y" type="integer" min="-2.14748E9" max="2.14748E9" units="cm"/>
+        </inkml:traceFormat>
+        <inkml:channelProperties>
+          <inkml:channelProperty channel="X" name="resolution" value="1000" units="1/cm"/>
+          <inkml:channelProperty channel="Y" name="resolution" value="1000" units="1/cm"/>
+        </inkml:channelProperties>
+      </inkml:inkSource>
+      <inkml:timestamp xml:id="ts0" timeString="2025-06-03T13:15:30.532"/>
+    </inkml:context>
+    <inkml:brush xml:id="br0">
+      <inkml:brushProperty name="width" value="0.1" units="cm"/>
+      <inkml:brushProperty name="height" value="0.2" units="cm"/>
+      <inkml:brushProperty name="color" value="#FF40FF"/>
+      <inkml:brushProperty name="tip" value="rectangle"/>
+      <inkml:brushProperty name="rasterOp" value="maskPen"/>
+      <inkml:brushProperty name="ignorePressure" value="1"/>
+    </inkml:brush>
+  </inkml:definitions>
+  <inkml:trace contextRef="#ctx0" brushRef="#br0">11 1,'-5'0,"-1"0</inkml:trace>
+</inkml:ink>
+</file>
+
+<file path=ppt/ink/ink218.xml><?xml version="1.0" encoding="utf-8"?>
+<inkml:ink xmlns:inkml="http://www.w3.org/2003/InkML">
+  <inkml:definitions>
+    <inkml:context xml:id="ctx0">
+      <inkml:inkSource xml:id="inkSrc0">
+        <inkml:traceFormat>
+          <inkml:channel name="X" type="integer" min="-2.14748E9" max="2.14748E9" units="cm"/>
+          <inkml:channel name="Y" type="integer" min="-2.14748E9" max="2.14748E9" units="cm"/>
+        </inkml:traceFormat>
+        <inkml:channelProperties>
+          <inkml:channelProperty channel="X" name="resolution" value="1000" units="1/cm"/>
+          <inkml:channelProperty channel="Y" name="resolution" value="1000" units="1/cm"/>
+        </inkml:channelProperties>
+      </inkml:inkSource>
+      <inkml:timestamp xml:id="ts0" timeString="2025-06-03T13:15:31.404"/>
+    </inkml:context>
+    <inkml:brush xml:id="br0">
+      <inkml:brushProperty name="width" value="0.1" units="cm"/>
+      <inkml:brushProperty name="height" value="0.2" units="cm"/>
+      <inkml:brushProperty name="color" value="#FF40FF"/>
+      <inkml:brushProperty name="tip" value="rectangle"/>
+      <inkml:brushProperty name="rasterOp" value="maskPen"/>
+      <inkml:brushProperty name="ignorePressure" value="1"/>
+    </inkml:brush>
+  </inkml:definitions>
+  <inkml:trace contextRef="#ctx0" brushRef="#br0">0 1,'9'0,"-1"1,1 1,-1 0,16 5,24 4,280-6,-179-7,-17 2,-109 0</inkml:trace>
+</inkml:ink>
+</file>
+
+<file path=ppt/ink/ink219.xml><?xml version="1.0" encoding="utf-8"?>
+<inkml:ink xmlns:inkml="http://www.w3.org/2003/InkML">
+  <inkml:definitions>
+    <inkml:context xml:id="ctx0">
+      <inkml:inkSource xml:id="inkSrc0">
+        <inkml:traceFormat>
+          <inkml:channel name="X" type="integer" min="-2.14748E9" max="2.14748E9" units="cm"/>
+          <inkml:channel name="Y" type="integer" min="-2.14748E9" max="2.14748E9" units="cm"/>
+        </inkml:traceFormat>
+        <inkml:channelProperties>
+          <inkml:channelProperty channel="X" name="resolution" value="1000" units="1/cm"/>
+          <inkml:channelProperty channel="Y" name="resolution" value="1000" units="1/cm"/>
+        </inkml:channelProperties>
+      </inkml:inkSource>
+      <inkml:timestamp xml:id="ts0" timeString="2025-06-03T13:15:40.260"/>
+    </inkml:context>
+    <inkml:brush xml:id="br0">
+      <inkml:brushProperty name="width" value="0.1" units="cm"/>
+      <inkml:brushProperty name="height" value="0.2" units="cm"/>
+      <inkml:brushProperty name="color" value="#0069AF"/>
+      <inkml:brushProperty name="tip" value="rectangle"/>
+      <inkml:brushProperty name="rasterOp" value="maskPen"/>
+      <inkml:brushProperty name="ignorePressure" value="1"/>
+    </inkml:brush>
+  </inkml:definitions>
+  <inkml:trace contextRef="#ctx0" brushRef="#br0">0 3,'112'-2,"121"4,-221-1,0 1,0 0,0 1,-1 0,1 0,19 10,-27-11,-1 0,1 0,0 0,-1 1,1-1,-1 1,0 0,0 0,0 1,0-1,-1 0,1 1,-1 0,0 0,0-1,0 1,-1 0,1 0,-1 1,0-1,1 6,2 55,-7 96,0-41,3-90,-1 0,-1 0,-11 49,3-36,2-14,1 0,2 1,-3 39,6-45,-9 45,6-45,-3 45,-4 14,0-6,10-65,0 0,-1 0,0 0,-1-1,0 1,-7 14,-13 36,3 22,-14 121,23-132,7-48,1 1,-1 35,4 18,4 134,10-142,-9-52,0 0,2 30,7 74,-7-82,1 59,-8 669,1-766,0 0,0 1,0-1,0 0,0 0,1 1,-1-1,1 0,0 0,0 0,0 0,1 0,-1 0,1 0,-1 0,1-1,0 1,0 0,0-1,1 0,2 3,0-2,1-1,-1 1,0-1,1-1,0 1,-1-1,1 0,0 0,-1-1,1 0,9 0,227-6,-219 6</inkml:trace>
 </inkml:ink>
 </file>
 
@@ -5099,6 +5678,294 @@
 </inkml:ink>
 </file>
 
+<file path=ppt/ink/ink220.xml><?xml version="1.0" encoding="utf-8"?>
+<inkml:ink xmlns:inkml="http://www.w3.org/2003/InkML">
+  <inkml:definitions>
+    <inkml:context xml:id="ctx0">
+      <inkml:inkSource xml:id="inkSrc0">
+        <inkml:traceFormat>
+          <inkml:channel name="X" type="integer" min="-2.14748E9" max="2.14748E9" units="cm"/>
+          <inkml:channel name="Y" type="integer" min="-2.14748E9" max="2.14748E9" units="cm"/>
+        </inkml:traceFormat>
+        <inkml:channelProperties>
+          <inkml:channelProperty channel="X" name="resolution" value="1000" units="1/cm"/>
+          <inkml:channelProperty channel="Y" name="resolution" value="1000" units="1/cm"/>
+        </inkml:channelProperties>
+      </inkml:inkSource>
+      <inkml:timestamp xml:id="ts0" timeString="2025-06-03T13:15:44.334"/>
+    </inkml:context>
+    <inkml:brush xml:id="br0">
+      <inkml:brushProperty name="width" value="0.1" units="cm"/>
+      <inkml:brushProperty name="height" value="0.2" units="cm"/>
+      <inkml:brushProperty name="color" value="#0069AF"/>
+      <inkml:brushProperty name="tip" value="rectangle"/>
+      <inkml:brushProperty name="rasterOp" value="maskPen"/>
+      <inkml:brushProperty name="ignorePressure" value="1"/>
+    </inkml:brush>
+  </inkml:definitions>
+  <inkml:trace contextRef="#ctx0" brushRef="#br0">0 1593,'14'-1,"0"1,-1-2,1 0,-1-1,24-7,-31 8,-1 0,0 0,0 0,0-1,0 0,0 0,-1 0,0 0,1-1,-1 0,0 0,0 0,-1 0,1-1,-1 1,4-9,12-27,-13 29,0-1,-1 1,-1-1,0 0,0 0,-1 0,2-22,-6-100,2-23,11 85,-7 53,-2-1,3-28,-5-493,-3 261,2 277,0 0,0 0,0-1,0 1,0 0,1 0,-1-1,1 1,0 0,0 0,0 0,1 0,-1 0,1 0,-1 1,1-1,0 0,0 1,0-1,1 1,2-3,1 2,-1 1,0 0,1 0,-1 0,1 1,-1-1,1 1,0 1,0-1,-1 1,10 1,120 3,-111-3</inkml:trace>
+</inkml:ink>
+</file>
+
+<file path=ppt/ink/ink221.xml><?xml version="1.0" encoding="utf-8"?>
+<inkml:ink xmlns:inkml="http://www.w3.org/2003/InkML">
+  <inkml:definitions>
+    <inkml:context xml:id="ctx0">
+      <inkml:inkSource xml:id="inkSrc0">
+        <inkml:traceFormat>
+          <inkml:channel name="X" type="integer" min="-2.14748E9" max="2.14748E9" units="cm"/>
+          <inkml:channel name="Y" type="integer" min="-2.14748E9" max="2.14748E9" units="cm"/>
+        </inkml:traceFormat>
+        <inkml:channelProperties>
+          <inkml:channelProperty channel="X" name="resolution" value="1000" units="1/cm"/>
+          <inkml:channelProperty channel="Y" name="resolution" value="1000" units="1/cm"/>
+        </inkml:channelProperties>
+      </inkml:inkSource>
+      <inkml:timestamp xml:id="ts0" timeString="2025-06-03T13:15:47.755"/>
+    </inkml:context>
+    <inkml:brush xml:id="br0">
+      <inkml:brushProperty name="width" value="0.1" units="cm"/>
+      <inkml:brushProperty name="height" value="0.2" units="cm"/>
+      <inkml:brushProperty name="color" value="#0069AF"/>
+      <inkml:brushProperty name="tip" value="rectangle"/>
+      <inkml:brushProperty name="rasterOp" value="maskPen"/>
+      <inkml:brushProperty name="ignorePressure" value="1"/>
+    </inkml:brush>
+  </inkml:definitions>
+  <inkml:trace contextRef="#ctx0" brushRef="#br0">0 3729,'94'1,"104"-3,-193 1,1 0,-1-1,0 1,-1-1,1 0,0 0,0-1,-1 0,0 1,1-1,-1-1,0 1,0-1,-1 1,1-1,4-7,6-10,0 0,13-29,-5 10,-10 20,-5 10,0-1,-1 0,0-1,-1 0,7-22,-4 3,-2 0,0-1,1-57,-5 67,0 1,7-32,4-37,-14-308,0 378,-1 0,-8-35,5 34,1-1,-1-24,4 23,-2 0,-6-23,4 23,1 0,-1-24,5 17,-2 0,-11-53,6 35,2 1,2-1,5-89,1 30,-3-846,1 933,1 0,8-35,-5 34,-1-1,1-24,-4-355,-3 193,2 185</inkml:trace>
+</inkml:ink>
+</file>
+
+<file path=ppt/ink/ink222.xml><?xml version="1.0" encoding="utf-8"?>
+<inkml:ink xmlns:inkml="http://www.w3.org/2003/InkML">
+  <inkml:definitions>
+    <inkml:context xml:id="ctx0">
+      <inkml:inkSource xml:id="inkSrc0">
+        <inkml:traceFormat>
+          <inkml:channel name="X" type="integer" min="-2.14748E9" max="2.14748E9" units="cm"/>
+          <inkml:channel name="Y" type="integer" min="-2.14748E9" max="2.14748E9" units="cm"/>
+          <inkml:channel name="F" type="integer" max="32767" units="dev"/>
+        </inkml:traceFormat>
+        <inkml:channelProperties>
+          <inkml:channelProperty channel="X" name="resolution" value="1000" units="1/cm"/>
+          <inkml:channelProperty channel="Y" name="resolution" value="1000" units="1/cm"/>
+          <inkml:channelProperty channel="F" name="resolution" value="0" units="1/dev"/>
+        </inkml:channelProperties>
+      </inkml:inkSource>
+      <inkml:timestamp xml:id="ts0" timeString="2024-11-11T20:34:12.247"/>
+    </inkml:context>
+    <inkml:brush xml:id="br0">
+      <inkml:brushProperty name="width" value="0.05" units="cm"/>
+      <inkml:brushProperty name="height" value="0.05" units="cm"/>
+      <inkml:brushProperty name="color" value="#E71224"/>
+    </inkml:brush>
+  </inkml:definitions>
+  <inkml:trace contextRef="#ctx0" brushRef="#br0">0 1 24575,'0'0'0</inkml:trace>
+</inkml:ink>
+</file>
+
+<file path=ppt/ink/ink223.xml><?xml version="1.0" encoding="utf-8"?>
+<inkml:ink xmlns:inkml="http://www.w3.org/2003/InkML">
+  <inkml:definitions>
+    <inkml:context xml:id="ctx0">
+      <inkml:inkSource xml:id="inkSrc0">
+        <inkml:traceFormat>
+          <inkml:channel name="X" type="integer" min="-2.14748E9" max="2.14748E9" units="cm"/>
+          <inkml:channel name="Y" type="integer" min="-2.14748E9" max="2.14748E9" units="cm"/>
+          <inkml:channel name="F" type="integer" max="32767" units="dev"/>
+        </inkml:traceFormat>
+        <inkml:channelProperties>
+          <inkml:channelProperty channel="X" name="resolution" value="1000" units="1/cm"/>
+          <inkml:channelProperty channel="Y" name="resolution" value="1000" units="1/cm"/>
+          <inkml:channelProperty channel="F" name="resolution" value="0" units="1/dev"/>
+        </inkml:channelProperties>
+      </inkml:inkSource>
+      <inkml:timestamp xml:id="ts0" timeString="2024-11-11T20:34:49.962"/>
+    </inkml:context>
+    <inkml:brush xml:id="br0">
+      <inkml:brushProperty name="width" value="0.05" units="cm"/>
+      <inkml:brushProperty name="height" value="0.05" units="cm"/>
+      <inkml:brushProperty name="color" value="#E71224"/>
+    </inkml:brush>
+  </inkml:definitions>
+  <inkml:trace contextRef="#ctx0" brushRef="#br0">28 1 24575,'-8'1'0,"-2"4"0,6-2 0,-2 1 0</inkml:trace>
+</inkml:ink>
+</file>
+
+<file path=ppt/ink/ink224.xml><?xml version="1.0" encoding="utf-8"?>
+<inkml:ink xmlns:inkml="http://www.w3.org/2003/InkML">
+  <inkml:definitions>
+    <inkml:context xml:id="ctx0">
+      <inkml:inkSource xml:id="inkSrc0">
+        <inkml:traceFormat>
+          <inkml:channel name="X" type="integer" min="-2.14748E9" max="2.14748E9" units="cm"/>
+          <inkml:channel name="Y" type="integer" min="-2.14748E9" max="2.14748E9" units="cm"/>
+        </inkml:traceFormat>
+        <inkml:channelProperties>
+          <inkml:channelProperty channel="X" name="resolution" value="1000" units="1/cm"/>
+          <inkml:channelProperty channel="Y" name="resolution" value="1000" units="1/cm"/>
+        </inkml:channelProperties>
+      </inkml:inkSource>
+      <inkml:timestamp xml:id="ts0" timeString="2025-06-03T12:05:37.921"/>
+    </inkml:context>
+    <inkml:brush xml:id="br0">
+      <inkml:brushProperty name="width" value="0.2" units="cm"/>
+      <inkml:brushProperty name="height" value="0.4" units="cm"/>
+      <inkml:brushProperty name="color" value="#969696"/>
+      <inkml:brushProperty name="tip" value="rectangle"/>
+      <inkml:brushProperty name="rasterOp" value="maskPen"/>
+      <inkml:brushProperty name="ignorePressure" value="1"/>
+    </inkml:brush>
+  </inkml:definitions>
+  <inkml:trace contextRef="#ctx0" brushRef="#br0">0 24,'63'0,"-22"2,1-2,0-3,73-12,-95 12,-1 1,0 0,1 2,-1 0,1 1,-1 1,0 1,1 1,34 11,28 5,-62-17</inkml:trace>
+</inkml:ink>
+</file>
+
+<file path=ppt/ink/ink225.xml><?xml version="1.0" encoding="utf-8"?>
+<inkml:ink xmlns:inkml="http://www.w3.org/2003/InkML">
+  <inkml:definitions>
+    <inkml:context xml:id="ctx0">
+      <inkml:inkSource xml:id="inkSrc0">
+        <inkml:traceFormat>
+          <inkml:channel name="X" type="integer" min="-2.14748E9" max="2.14748E9" units="cm"/>
+          <inkml:channel name="Y" type="integer" min="-2.14748E9" max="2.14748E9" units="cm"/>
+        </inkml:traceFormat>
+        <inkml:channelProperties>
+          <inkml:channelProperty channel="X" name="resolution" value="1000" units="1/cm"/>
+          <inkml:channelProperty channel="Y" name="resolution" value="1000" units="1/cm"/>
+        </inkml:channelProperties>
+      </inkml:inkSource>
+      <inkml:timestamp xml:id="ts0" timeString="2025-06-03T12:05:42.739"/>
+    </inkml:context>
+    <inkml:brush xml:id="br0">
+      <inkml:brushProperty name="width" value="0.2" units="cm"/>
+      <inkml:brushProperty name="height" value="0.4" units="cm"/>
+      <inkml:brushProperty name="color" value="#969696"/>
+      <inkml:brushProperty name="tip" value="rectangle"/>
+      <inkml:brushProperty name="rasterOp" value="maskPen"/>
+      <inkml:brushProperty name="ignorePressure" value="1"/>
+    </inkml:brush>
+  </inkml:definitions>
+  <inkml:trace contextRef="#ctx0" brushRef="#br0">0 2866,'1'-20,"1"0,8-35,-5 34,-1-1,1-25,-4-495,-3 262,3 264,1 0,0-1,6-20,6-36,2-28,-5 44,-7 39,0-1,2 2,7-18,11-36,-15 36,-2-1,-1 0,1-67,-8-533,0 621,-1-1,0 1,-1 0,-1 0,-11-27,9 26,1 1,0-1,2 1,-1-1,0-25,3 11,4-178,-3 205,1 0,0 0,-1 0,1 1,0-1,0 0,1 1,-1-1,0 1,1-1,0 1,-1 0,1 0,0 0,0 0,1 0,-1 0,0 0,0 1,1-1,-1 1,1-1,0 1,-1 0,1 0,0 1,-1-1,1 0,0 1,5-1,12-1,-1 2,1 0,31 4,-14-2,844 2,-465-6,-395 3,-1 1,34 8,-32-5,0-2,24 2,112-5,-135 0</inkml:trace>
+</inkml:ink>
+</file>
+
+<file path=ppt/ink/ink226.xml><?xml version="1.0" encoding="utf-8"?>
+<inkml:ink xmlns:inkml="http://www.w3.org/2003/InkML">
+  <inkml:definitions>
+    <inkml:context xml:id="ctx0">
+      <inkml:inkSource xml:id="inkSrc0">
+        <inkml:traceFormat>
+          <inkml:channel name="X" type="integer" min="-2.14748E9" max="2.14748E9" units="cm"/>
+          <inkml:channel name="Y" type="integer" min="-2.14748E9" max="2.14748E9" units="cm"/>
+        </inkml:traceFormat>
+        <inkml:channelProperties>
+          <inkml:channelProperty channel="X" name="resolution" value="1000" units="1/cm"/>
+          <inkml:channelProperty channel="Y" name="resolution" value="1000" units="1/cm"/>
+        </inkml:channelProperties>
+      </inkml:inkSource>
+      <inkml:timestamp xml:id="ts0" timeString="2025-06-03T12:05:43.941"/>
+    </inkml:context>
+    <inkml:brush xml:id="br0">
+      <inkml:brushProperty name="width" value="0.2" units="cm"/>
+      <inkml:brushProperty name="height" value="0.4" units="cm"/>
+      <inkml:brushProperty name="color" value="#969696"/>
+      <inkml:brushProperty name="tip" value="rectangle"/>
+      <inkml:brushProperty name="rasterOp" value="maskPen"/>
+      <inkml:brushProperty name="ignorePressure" value="1"/>
+    </inkml:brush>
+  </inkml:definitions>
+  <inkml:trace contextRef="#ctx0" brushRef="#br0">0 108,'1'-4,"0"0,0 0,0 0,1 0,-1 0,1 0,0 1,0-1,0 1,1-1,-1 1,1 0,0 0,0 0,0 0,0 1,0-1,1 1,-1 0,1-1,-1 2,6-3,3-2,0 1,0 0,0 1,1 1,-1 0,15-2,169 3,-102 4,-71-2</inkml:trace>
+</inkml:ink>
+</file>
+
+<file path=ppt/ink/ink227.xml><?xml version="1.0" encoding="utf-8"?>
+<inkml:ink xmlns:inkml="http://www.w3.org/2003/InkML">
+  <inkml:definitions>
+    <inkml:context xml:id="ctx0">
+      <inkml:inkSource xml:id="inkSrc0">
+        <inkml:traceFormat>
+          <inkml:channel name="X" type="integer" min="-2.14748E9" max="2.14748E9" units="cm"/>
+          <inkml:channel name="Y" type="integer" min="-2.14748E9" max="2.14748E9" units="cm"/>
+        </inkml:traceFormat>
+        <inkml:channelProperties>
+          <inkml:channelProperty channel="X" name="resolution" value="1000" units="1/cm"/>
+          <inkml:channelProperty channel="Y" name="resolution" value="1000" units="1/cm"/>
+        </inkml:channelProperties>
+      </inkml:inkSource>
+      <inkml:timestamp xml:id="ts0" timeString="2025-06-03T12:05:50.356"/>
+    </inkml:context>
+    <inkml:brush xml:id="br0">
+      <inkml:brushProperty name="width" value="0.2" units="cm"/>
+      <inkml:brushProperty name="height" value="0.4" units="cm"/>
+      <inkml:brushProperty name="color" value="#969696"/>
+      <inkml:brushProperty name="tip" value="rectangle"/>
+      <inkml:brushProperty name="rasterOp" value="maskPen"/>
+      <inkml:brushProperty name="ignorePressure" value="1"/>
+    </inkml:brush>
+  </inkml:definitions>
+  <inkml:trace contextRef="#ctx0" brushRef="#br0">5692 2014,'58'1,"67"-3,-122 2,0-1,0 0,0 1,0-1,-1 0,1 0,0 0,-1-1,1 1,-1-1,1 0,-1 1,0-1,0 0,1 0,-1 0,-1-1,1 1,0 0,-1-1,1 1,-1-1,1 1,-1-1,0 0,0 0,-1 1,1-1,0 0,-1-5,2-11,-1 0,-1 0,-4-35,2 17,-1-22,5-253,10 241,-7 51,-1 0,1-28,-4 10,-4-267,-21 171,20 102,-2 1,-15-53,-1-5,-4 9,20 67,1-1,0 0,1 0,1 0,-3-23,7-73,-2-18,1 125,0 0,-1 1,0-1,1 1,-1-1,0 1,0-1,0 1,-1-1,1 1,-1 0,1 0,-1-1,0 1,0 0,0 1,0-1,-2-2,-2 1,1-1,-1 1,0 0,0 1,-1-1,1 1,-8-1,-11-1,-1 0,-47 1,68 3,-1002 2,988-3,0-1,-37-9,35 6,0 1,-27-1,-299 4,164 3,163-3,0-2,-35-7,33 6,1 0,-26-1,-670 3,349 5,333-3,-23-1,1 2,-84 14,105-9,-44 0,49-5,-1 2,-38 8,39-5,0-2,-1-1,-46-3,46 0,1 0,-1 2,-45 9,48-5,-47 2,46-6,-46 9,30-3,0-3,-1-2,0-2,-47-5,-13 2,-369 2,456 1,0 1,-35 8,33-5,1-2,-26 2,-33-7,42 1,-43 2,71 0,-1 0,1 1,1 0,-1 0,0 1,1 1,-1-1,1 2,-11 5,12-2,0 0,0 0,1 1,0 0,0 1,1-1,0 1,1 0,-6 15,-11 18,9-17,2 0,0 1,2 1,1-1,2 1,-7 56,9 204,6-154,-1-115,1 1,9 36,-6-35,-2 0,3 26,-6-38,1 0,1 0,0 0,0 0,1-1,0 1,0-1,6 10,5 14,-8-11,-1 0,-2 0,0 1,-1-1,-1 1,-1 0,-4 36,1 12,3 353,1-402,1-1,8 34,-5-32,-1 0,1 24,-7 107,4 64,10-145,-7-53,-2 1,3 28,-6 317,-1-174,0-170,-1-1,-8 34,5-32,1 0,-1 24,-8 77,7-82,-1 59,9-64,13 66,-4-28,-9-67,0 1,0-1,1 0,0 1,0-1,0 0,1-1,0 1,9 10,-8-11,0 1,-1-1,0 1,0 0,-1 0,0 0,0 0,0 0,1 11,-3-7,1 0,0 0,1-1,0 1,0-1,8 15,-9-21,1 1,1-1,-1 0,1 0,-1 0,1 0,0-1,1 1,-1-1,1 0,-1 0,1-1,0 1,0-1,5 1,6 2,0-2,0 0,0 0,1-2,-1 0,29-3,-26 1,0 1,0 1,0 0,31 7,-10 4,1-2,0-2,83 6,-101-14</inkml:trace>
+</inkml:ink>
+</file>
+
+<file path=ppt/ink/ink228.xml><?xml version="1.0" encoding="utf-8"?>
+<inkml:ink xmlns:inkml="http://www.w3.org/2003/InkML">
+  <inkml:definitions>
+    <inkml:context xml:id="ctx0">
+      <inkml:inkSource xml:id="inkSrc0">
+        <inkml:traceFormat>
+          <inkml:channel name="X" type="integer" min="-2.14748E9" max="2.14748E9" units="cm"/>
+          <inkml:channel name="Y" type="integer" min="-2.14748E9" max="2.14748E9" units="cm"/>
+        </inkml:traceFormat>
+        <inkml:channelProperties>
+          <inkml:channelProperty channel="X" name="resolution" value="1000" units="1/cm"/>
+          <inkml:channelProperty channel="Y" name="resolution" value="1000" units="1/cm"/>
+        </inkml:channelProperties>
+      </inkml:inkSource>
+      <inkml:timestamp xml:id="ts0" timeString="2025-06-03T12:05:56.353"/>
+    </inkml:context>
+    <inkml:brush xml:id="br0">
+      <inkml:brushProperty name="width" value="0.2" units="cm"/>
+      <inkml:brushProperty name="height" value="0.4" units="cm"/>
+      <inkml:brushProperty name="color" value="#969696"/>
+      <inkml:brushProperty name="tip" value="rectangle"/>
+      <inkml:brushProperty name="rasterOp" value="maskPen"/>
+      <inkml:brushProperty name="ignorePressure" value="1"/>
+    </inkml:brush>
+  </inkml:definitions>
+  <inkml:trace contextRef="#ctx0" brushRef="#br0">0 2,'85'-2,"95"4,-108 11,-52-9,0 0,27 1,95-6,60 2,-191 1,-1 0,0 1,0-1,0 2,0 0,0 0,0 1,-1 0,0 0,0 1,-1 0,0 1,13 12,-2 2,0 0,-2 2,28 44,-42-61,0 1,-1-1,0 0,0 1,0-1,-1 1,1 6,-2-8,0-1,1 0,-1 0,1 0,0 0,0 0,1 0,-1 0,1 0,0 0,0-1,0 1,0 0,1-1,-1 0,1 0,0 0,4 4,9 4,0-1,35 17,-34-21</inkml:trace>
+</inkml:ink>
+</file>
+
+<file path=ppt/ink/ink229.xml><?xml version="1.0" encoding="utf-8"?>
+<inkml:ink xmlns:inkml="http://www.w3.org/2003/InkML">
+  <inkml:definitions>
+    <inkml:context xml:id="ctx0">
+      <inkml:inkSource xml:id="inkSrc0">
+        <inkml:traceFormat>
+          <inkml:channel name="X" type="integer" min="-2.14748E9" max="2.14748E9" units="cm"/>
+          <inkml:channel name="Y" type="integer" min="-2.14748E9" max="2.14748E9" units="cm"/>
+        </inkml:traceFormat>
+        <inkml:channelProperties>
+          <inkml:channelProperty channel="X" name="resolution" value="1000" units="1/cm"/>
+          <inkml:channelProperty channel="Y" name="resolution" value="1000" units="1/cm"/>
+        </inkml:channelProperties>
+      </inkml:inkSource>
+      <inkml:timestamp xml:id="ts0" timeString="2025-06-03T12:06:16.508"/>
+    </inkml:context>
+    <inkml:brush xml:id="br0">
+      <inkml:brushProperty name="width" value="0.2" units="cm"/>
+      <inkml:brushProperty name="height" value="0.4" units="cm"/>
+      <inkml:brushProperty name="color" value="#969696"/>
+      <inkml:brushProperty name="tip" value="rectangle"/>
+      <inkml:brushProperty name="rasterOp" value="maskPen"/>
+      <inkml:brushProperty name="ignorePressure" value="1"/>
+    </inkml:brush>
+  </inkml:definitions>
+  <inkml:trace contextRef="#ctx0" brushRef="#br0">0 1,'9'1,"0"0,0 1,0 0,0 0,-1 1,1 0,14 8,-13-6,0 0,1-1,-1 0,0-1,14 2,50 0,104-6,-60-1,-96 2</inkml:trace>
+</inkml:ink>
+</file>
+
 <file path=ppt/ink/ink23.xml><?xml version="1.0" encoding="utf-8"?>
 <inkml:ink xmlns:inkml="http://www.w3.org/2003/InkML">
   <inkml:definitions>
@@ -5124,6 +5991,298 @@
     </inkml:brush>
   </inkml:definitions>
   <inkml:trace contextRef="#ctx0" brushRef="#br0">303 125 24575,'-14'0'0,"2"0"0,-2 0 0,0 0 0,-2 0 0,-4 0 0,-1 1 0,-3 3 0,0 1 0,0 2 0,1-1 0,2-2 0,3 0 0,3-1 0,3 0 0,4 0 0,2-1 0,2-2 0,3-1 0,6 0 0,1-2 0,5 2 0,-3-1 0,-1 0 0,0 2 0,0 0 0,0 0 0,-1 0 0,0 0 0,1 0 0,4 0 0,6-2 0,4-2 0,3 0 0,-1-2 0,-4 1 0,-3 1 0,-5-2 0,-3 3 0,0 1 0,-3-1 0,-2-1 0,-1-2 0,0-2 0,1 0 0,2 4 0,1-1 0,0 2 0,-1 0 0,-1 0 0,-1-1 0,0 1 0,-1 1 0,-3 1 0,-2 0 0,-3 1 0,0 0 0,0 0 0,-1 0 0,1 0 0,-1 0 0,0 0 0,1 0 0,0 0 0,0 0 0,0 0 0,-2 0 0,-1 0 0,0 0 0,-1 0 0,0 0 0,1 0 0,-2 0 0,2 0 0,1 0 0,0 0 0,2 0 0,0 0 0,0-1 0,2-2 0,1 0 0,1-2 0,-1 2 0,-1 1 0,-2 0 0,-2-2 0,-2-1 0,0 0 0,-2-1 0,1 2 0,2 1 0,0-1 0,3 1 0,0 0 0,1 0 0,2 1 0,1 0 0</inkml:trace>
+</inkml:ink>
+</file>
+
+<file path=ppt/ink/ink230.xml><?xml version="1.0" encoding="utf-8"?>
+<inkml:ink xmlns:inkml="http://www.w3.org/2003/InkML">
+  <inkml:definitions>
+    <inkml:context xml:id="ctx0">
+      <inkml:inkSource xml:id="inkSrc0">
+        <inkml:traceFormat>
+          <inkml:channel name="X" type="integer" min="-2.14748E9" max="2.14748E9" units="cm"/>
+          <inkml:channel name="Y" type="integer" min="-2.14748E9" max="2.14748E9" units="cm"/>
+        </inkml:traceFormat>
+        <inkml:channelProperties>
+          <inkml:channelProperty channel="X" name="resolution" value="1000" units="1/cm"/>
+          <inkml:channelProperty channel="Y" name="resolution" value="1000" units="1/cm"/>
+        </inkml:channelProperties>
+      </inkml:inkSource>
+      <inkml:timestamp xml:id="ts0" timeString="2025-06-03T12:06:37.362"/>
+    </inkml:context>
+    <inkml:brush xml:id="br0">
+      <inkml:brushProperty name="width" value="0.2" units="cm"/>
+      <inkml:brushProperty name="height" value="0.4" units="cm"/>
+      <inkml:brushProperty name="color" value="#00F900"/>
+      <inkml:brushProperty name="tip" value="rectangle"/>
+      <inkml:brushProperty name="rasterOp" value="maskPen"/>
+      <inkml:brushProperty name="ignorePressure" value="1"/>
+    </inkml:brush>
+  </inkml:definitions>
+  <inkml:trace contextRef="#ctx0" brushRef="#br0">0 1,'28'1,"0"2,0 0,0 3,50 15,-45-12,1-3,0-1,1-1,-1-3,1 0,36-5,20 1,-68 3</inkml:trace>
+</inkml:ink>
+</file>
+
+<file path=ppt/ink/ink231.xml><?xml version="1.0" encoding="utf-8"?>
+<inkml:ink xmlns:inkml="http://www.w3.org/2003/InkML">
+  <inkml:definitions>
+    <inkml:context xml:id="ctx0">
+      <inkml:inkSource xml:id="inkSrc0">
+        <inkml:traceFormat>
+          <inkml:channel name="X" type="integer" min="-2.14748E9" max="2.14748E9" units="cm"/>
+          <inkml:channel name="Y" type="integer" min="-2.14748E9" max="2.14748E9" units="cm"/>
+          <inkml:channel name="F" type="integer" max="32767" units="dev"/>
+        </inkml:traceFormat>
+        <inkml:channelProperties>
+          <inkml:channelProperty channel="X" name="resolution" value="1000" units="1/cm"/>
+          <inkml:channelProperty channel="Y" name="resolution" value="1000" units="1/cm"/>
+          <inkml:channelProperty channel="F" name="resolution" value="0" units="1/dev"/>
+        </inkml:channelProperties>
+      </inkml:inkSource>
+      <inkml:timestamp xml:id="ts0" timeString="2025-06-03T12:06:40.360"/>
+    </inkml:context>
+    <inkml:brush xml:id="br0">
+      <inkml:brushProperty name="width" value="0.2" units="cm"/>
+      <inkml:brushProperty name="height" value="0.4" units="cm"/>
+      <inkml:brushProperty name="color" value="#00F900"/>
+      <inkml:brushProperty name="tip" value="rectangle"/>
+      <inkml:brushProperty name="rasterOp" value="maskPen"/>
+      <inkml:brushProperty name="ignorePressure" value="1"/>
+    </inkml:brush>
+  </inkml:definitions>
+  <inkml:trace contextRef="#ctx0" brushRef="#br0">0 0 0,'0'4923'0</inkml:trace>
+</inkml:ink>
+</file>
+
+<file path=ppt/ink/ink232.xml><?xml version="1.0" encoding="utf-8"?>
+<inkml:ink xmlns:inkml="http://www.w3.org/2003/InkML">
+  <inkml:definitions>
+    <inkml:context xml:id="ctx0">
+      <inkml:inkSource xml:id="inkSrc0">
+        <inkml:traceFormat>
+          <inkml:channel name="X" type="integer" min="-2.14748E9" max="2.14748E9" units="cm"/>
+          <inkml:channel name="Y" type="integer" min="-2.14748E9" max="2.14748E9" units="cm"/>
+        </inkml:traceFormat>
+        <inkml:channelProperties>
+          <inkml:channelProperty channel="X" name="resolution" value="1000" units="1/cm"/>
+          <inkml:channelProperty channel="Y" name="resolution" value="1000" units="1/cm"/>
+        </inkml:channelProperties>
+      </inkml:inkSource>
+      <inkml:timestamp xml:id="ts0" timeString="2025-06-03T12:06:45.586"/>
+    </inkml:context>
+    <inkml:brush xml:id="br0">
+      <inkml:brushProperty name="width" value="0.2" units="cm"/>
+      <inkml:brushProperty name="height" value="0.4" units="cm"/>
+      <inkml:brushProperty name="color" value="#00F900"/>
+      <inkml:brushProperty name="tip" value="rectangle"/>
+      <inkml:brushProperty name="rasterOp" value="maskPen"/>
+      <inkml:brushProperty name="ignorePressure" value="1"/>
+    </inkml:brush>
+  </inkml:definitions>
+  <inkml:trace contextRef="#ctx0" brushRef="#br0">0 1,'3'0,"0"1,0 0,0 1,0-1,0 0,0 1,-1-1,1 1,0 0,-1 0,5 5,18 10,-4-11,0-1,0-1,1-1,-1-1,1-1,0-1,39-4,11 1,880 3,-932 1,1 1,33 8,-32-5,0-2,24 2,-17-4,0 1,56 11,-54-8,-1-1,1-1,61-4,-60 0,0 1,0 1,48 9,108 20,-138-23,0-2,0-3,52-4,66 3,-97 12,-51-9,0 0,28 1,263-4,-145-2,-147 2,1 1,35 8,-34-5,0-1,27 1,128-7,71 4,-175 11,-52-9,0 0,27 1,106-7,65 4,-147 11,-51-9,0 0,27 1,494-3,-261-4,-259 1,-1-2,34-7,-32 6,0 0,24-1,15 6,-43 1,0-2,0 0,0-1,29-5,-30 0</inkml:trace>
+</inkml:ink>
+</file>
+
+<file path=ppt/ink/ink233.xml><?xml version="1.0" encoding="utf-8"?>
+<inkml:ink xmlns:inkml="http://www.w3.org/2003/InkML">
+  <inkml:definitions>
+    <inkml:context xml:id="ctx0">
+      <inkml:inkSource xml:id="inkSrc0">
+        <inkml:traceFormat>
+          <inkml:channel name="X" type="integer" min="-2.14748E9" max="2.14748E9" units="cm"/>
+          <inkml:channel name="Y" type="integer" min="-2.14748E9" max="2.14748E9" units="cm"/>
+        </inkml:traceFormat>
+        <inkml:channelProperties>
+          <inkml:channelProperty channel="X" name="resolution" value="1000" units="1/cm"/>
+          <inkml:channelProperty channel="Y" name="resolution" value="1000" units="1/cm"/>
+        </inkml:channelProperties>
+      </inkml:inkSource>
+      <inkml:timestamp xml:id="ts0" timeString="2025-06-03T12:07:23.874"/>
+    </inkml:context>
+    <inkml:brush xml:id="br0">
+      <inkml:brushProperty name="width" value="0.2" units="cm"/>
+      <inkml:brushProperty name="height" value="0.4" units="cm"/>
+      <inkml:brushProperty name="color" value="#00F900"/>
+      <inkml:brushProperty name="tip" value="rectangle"/>
+      <inkml:brushProperty name="rasterOp" value="maskPen"/>
+      <inkml:brushProperty name="ignorePressure" value="1"/>
+    </inkml:brush>
+  </inkml:definitions>
+  <inkml:trace contextRef="#ctx0" brushRef="#br0">0 1,'2673'0,"-2653"1,-1 1,37 8,-35-5,0-1,27 1,-17-4,-1 1,52 11,-64-9,24 6,0-1,0-3,67 3,104-10,-190 1</inkml:trace>
+</inkml:ink>
+</file>
+
+<file path=ppt/ink/ink234.xml><?xml version="1.0" encoding="utf-8"?>
+<inkml:ink xmlns:inkml="http://www.w3.org/2003/InkML">
+  <inkml:definitions>
+    <inkml:context xml:id="ctx0">
+      <inkml:inkSource xml:id="inkSrc0">
+        <inkml:traceFormat>
+          <inkml:channel name="X" type="integer" min="-2.14748E9" max="2.14748E9" units="cm"/>
+          <inkml:channel name="Y" type="integer" min="-2.14748E9" max="2.14748E9" units="cm"/>
+        </inkml:traceFormat>
+        <inkml:channelProperties>
+          <inkml:channelProperty channel="X" name="resolution" value="1000" units="1/cm"/>
+          <inkml:channelProperty channel="Y" name="resolution" value="1000" units="1/cm"/>
+        </inkml:channelProperties>
+      </inkml:inkSource>
+      <inkml:timestamp xml:id="ts0" timeString="2025-06-03T12:07:25.742"/>
+    </inkml:context>
+    <inkml:brush xml:id="br0">
+      <inkml:brushProperty name="width" value="0.2" units="cm"/>
+      <inkml:brushProperty name="height" value="0.4" units="cm"/>
+      <inkml:brushProperty name="color" value="#00F900"/>
+      <inkml:brushProperty name="tip" value="rectangle"/>
+      <inkml:brushProperty name="rasterOp" value="maskPen"/>
+      <inkml:brushProperty name="ignorePressure" value="1"/>
+    </inkml:brush>
+  </inkml:definitions>
+  <inkml:trace contextRef="#ctx0" brushRef="#br0">0 32,'8'-1,"1"0,-1 0,0-1,0 0,9-4,30-6,59 6,117 7,-74 2,168-3,-294 0</inkml:trace>
+</inkml:ink>
+</file>
+
+<file path=ppt/ink/ink235.xml><?xml version="1.0" encoding="utf-8"?>
+<inkml:ink xmlns:inkml="http://www.w3.org/2003/InkML">
+  <inkml:definitions>
+    <inkml:context xml:id="ctx0">
+      <inkml:inkSource xml:id="inkSrc0">
+        <inkml:traceFormat>
+          <inkml:channel name="X" type="integer" min="-2.14748E9" max="2.14748E9" units="cm"/>
+          <inkml:channel name="Y" type="integer" min="-2.14748E9" max="2.14748E9" units="cm"/>
+        </inkml:traceFormat>
+        <inkml:channelProperties>
+          <inkml:channelProperty channel="X" name="resolution" value="1000" units="1/cm"/>
+          <inkml:channelProperty channel="Y" name="resolution" value="1000" units="1/cm"/>
+        </inkml:channelProperties>
+      </inkml:inkSource>
+      <inkml:timestamp xml:id="ts0" timeString="2025-06-03T12:08:28.716"/>
+    </inkml:context>
+    <inkml:brush xml:id="br0">
+      <inkml:brushProperty name="width" value="0.2" units="cm"/>
+      <inkml:brushProperty name="height" value="0.4" units="cm"/>
+      <inkml:brushProperty name="color" value="#00F900"/>
+      <inkml:brushProperty name="tip" value="rectangle"/>
+      <inkml:brushProperty name="rasterOp" value="maskPen"/>
+      <inkml:brushProperty name="ignorePressure" value="1"/>
+    </inkml:brush>
+  </inkml:definitions>
+  <inkml:trace contextRef="#ctx0" brushRef="#br0">138 1434,'1'-1,"0"1,1-1,-1 1,0-1,0 1,0-1,0 0,0 1,0-1,0 0,0 0,0 0,0 0,-1 0,1 0,0 0,0 0,-1 0,1 0,-1 0,1-1,-1 1,0 0,1 0,-1 0,0-1,0-1,5-41,-4 39,2-63,-7-106,-21 41,21 108,0 0,-1 1,-13-37,-4-14,-6-58,4 21,15 81,3 0,0 0,-2-54,6 22,0 34,2 1,0 0,2-1,6-29,-7 52,1 0,-1 0,1 1,1-1,-1 0,1 1,0 0,0-1,1 1,0 1,-1-1,2 0,-1 1,0 0,1 0,0 0,0 1,0-1,0 1,1 0,-1 1,1-1,-1 1,1 0,0 1,0-1,0 1,0 1,0-1,0 1,0 0,7 0,19 0,150 5,-111 7,-52-7,1-1,29 1,-9-4,-9-1,0 2,0 0,32 8,-16-2,-1-3,1-2,93-6,-33 1,368 2,-452 0</inkml:trace>
+</inkml:ink>
+</file>
+
+<file path=ppt/ink/ink236.xml><?xml version="1.0" encoding="utf-8"?>
+<inkml:ink xmlns:inkml="http://www.w3.org/2003/InkML">
+  <inkml:definitions>
+    <inkml:context xml:id="ctx0">
+      <inkml:inkSource xml:id="inkSrc0">
+        <inkml:traceFormat>
+          <inkml:channel name="X" type="integer" min="-2.14748E9" max="2.14748E9" units="cm"/>
+          <inkml:channel name="Y" type="integer" min="-2.14748E9" max="2.14748E9" units="cm"/>
+        </inkml:traceFormat>
+        <inkml:channelProperties>
+          <inkml:channelProperty channel="X" name="resolution" value="1000" units="1/cm"/>
+          <inkml:channelProperty channel="Y" name="resolution" value="1000" units="1/cm"/>
+        </inkml:channelProperties>
+      </inkml:inkSource>
+      <inkml:timestamp xml:id="ts0" timeString="2025-06-03T12:08:30.242"/>
+    </inkml:context>
+    <inkml:brush xml:id="br0">
+      <inkml:brushProperty name="width" value="0.2" units="cm"/>
+      <inkml:brushProperty name="height" value="0.4" units="cm"/>
+      <inkml:brushProperty name="color" value="#00F900"/>
+      <inkml:brushProperty name="tip" value="rectangle"/>
+      <inkml:brushProperty name="rasterOp" value="maskPen"/>
+      <inkml:brushProperty name="ignorePressure" value="1"/>
+    </inkml:brush>
+  </inkml:definitions>
+  <inkml:trace contextRef="#ctx0" brushRef="#br0">0 1,'1'1,"0"1,-1 0,1 0,0-1,0 1,1-1,-1 1,0-1,0 0,1 1,-1-1,1 0,-1 0,1 0,-1 0,1 0,2 1,31 14,-2-6,-1-1,1-2,0-2,0-1,61 0,-74-3,0 1,37 8,-36-5,2-1,22 0,325-4,-347 0</inkml:trace>
+</inkml:ink>
+</file>
+
+<file path=ppt/ink/ink237.xml><?xml version="1.0" encoding="utf-8"?>
+<inkml:ink xmlns:inkml="http://www.w3.org/2003/InkML">
+  <inkml:definitions>
+    <inkml:context xml:id="ctx0">
+      <inkml:inkSource xml:id="inkSrc0">
+        <inkml:traceFormat>
+          <inkml:channel name="X" type="integer" min="-2.14748E9" max="2.14748E9" units="cm"/>
+          <inkml:channel name="Y" type="integer" min="-2.14748E9" max="2.14748E9" units="cm"/>
+        </inkml:traceFormat>
+        <inkml:channelProperties>
+          <inkml:channelProperty channel="X" name="resolution" value="1000" units="1/cm"/>
+          <inkml:channelProperty channel="Y" name="resolution" value="1000" units="1/cm"/>
+        </inkml:channelProperties>
+      </inkml:inkSource>
+      <inkml:timestamp xml:id="ts0" timeString="2025-06-03T12:09:36.600"/>
+    </inkml:context>
+    <inkml:brush xml:id="br0">
+      <inkml:brushProperty name="width" value="0.2" units="cm"/>
+      <inkml:brushProperty name="height" value="0.4" units="cm"/>
+      <inkml:brushProperty name="color" value="#00F900"/>
+      <inkml:brushProperty name="tip" value="rectangle"/>
+      <inkml:brushProperty name="rasterOp" value="maskPen"/>
+      <inkml:brushProperty name="ignorePressure" value="1"/>
+    </inkml:brush>
+  </inkml:definitions>
+  <inkml:trace contextRef="#ctx0" brushRef="#br0">29 5668,'2'-1,"0"1,0-1,0 1,0-1,1 0,-2 1,1-1,0 0,0-1,0 1,0 0,-1 0,1-1,-1 1,1-1,-1 1,1-1,-1 0,0 0,0 1,0-1,0 0,0 0,0 0,0 0,-1 0,1-3,2-5,0-1,-1 1,2-21,-1-37,-8-106,3 162,-1-1,0 1,-1 0,0 1,-1-1,-12-20,11 20,0 1,0-1,1 0,1 0,0 0,-4-26,5-246,5 145,0 113,1-1,1 0,2 1,9-28,9-49,0-3,-16 78,-1 0,-1 0,2-47,-6 54,1-1,0 1,2 0,9-25,-8 25,0 0,-1 0,-1 0,1-28,-3 20,9-44,-6 44,3-52,-7-1254,-3 605,4 702,2-1,1 0,1 1,1 0,14-33,13-54,2-9,-26 96,-1 0,-1-1,-2 0,-1 0,3-46,-7-30,-5-134,-21 105,11 49,9 61,1-1,-1-25,6-19,1 47,-2-1,0 1,-2-1,0 1,-7-25,9 45,-1 0,0 0,1 1,-1-1,1 0,-1 0,1 0,0 0,0 0,0 0,0 1,0-1,0 0,1 0,-1 0,1 0,-1 0,1 1,0-1,-1 0,1 0,0 1,0-1,0 1,1-1,-1 1,0-1,0 1,1 0,-1-1,1 1,2-1,1 0,0 0,0 0,0 1,0 0,0 0,1 0,-1 1,0 0,1 0,9 1,60 14,-57-10,0-1,36 3,-12-5,4-1,78 11,-57-3,-1-4,127-6,-69-1,1516 2,-1619-1,-1-2,34-7,-32 6,0 0,24-1,337 4,-184 3,-176-2</inkml:trace>
+</inkml:ink>
+</file>
+
+<file path=ppt/ink/ink238.xml><?xml version="1.0" encoding="utf-8"?>
+<inkml:ink xmlns:inkml="http://www.w3.org/2003/InkML">
+  <inkml:definitions>
+    <inkml:context xml:id="ctx0">
+      <inkml:inkSource xml:id="inkSrc0">
+        <inkml:traceFormat>
+          <inkml:channel name="X" type="integer" min="-2.14748E9" max="2.14748E9" units="cm"/>
+          <inkml:channel name="Y" type="integer" min="-2.14748E9" max="2.14748E9" units="cm"/>
+        </inkml:traceFormat>
+        <inkml:channelProperties>
+          <inkml:channelProperty channel="X" name="resolution" value="1000" units="1/cm"/>
+          <inkml:channelProperty channel="Y" name="resolution" value="1000" units="1/cm"/>
+        </inkml:channelProperties>
+      </inkml:inkSource>
+      <inkml:timestamp xml:id="ts0" timeString="2025-06-03T12:09:39.193"/>
+    </inkml:context>
+    <inkml:brush xml:id="br0">
+      <inkml:brushProperty name="width" value="0.2" units="cm"/>
+      <inkml:brushProperty name="height" value="0.4" units="cm"/>
+      <inkml:brushProperty name="color" value="#00F900"/>
+      <inkml:brushProperty name="tip" value="rectangle"/>
+      <inkml:brushProperty name="rasterOp" value="maskPen"/>
+      <inkml:brushProperty name="ignorePressure" value="1"/>
+    </inkml:brush>
+  </inkml:definitions>
+  <inkml:trace contextRef="#ctx0" brushRef="#br0">0 1,'11'1,"1"0,-1 1,0 0,12 4,40 7,224-11,-148-3,-118 0,-1-2,34-7,-32 6,0 0,24-1,112 5,-135 1</inkml:trace>
+</inkml:ink>
+</file>
+
+<file path=ppt/ink/ink239.xml><?xml version="1.0" encoding="utf-8"?>
+<inkml:ink xmlns:inkml="http://www.w3.org/2003/InkML">
+  <inkml:definitions>
+    <inkml:context xml:id="ctx0">
+      <inkml:inkSource xml:id="inkSrc0">
+        <inkml:traceFormat>
+          <inkml:channel name="X" type="integer" min="-2.14748E9" max="2.14748E9" units="cm"/>
+          <inkml:channel name="Y" type="integer" min="-2.14748E9" max="2.14748E9" units="cm"/>
+        </inkml:traceFormat>
+        <inkml:channelProperties>
+          <inkml:channelProperty channel="X" name="resolution" value="1000" units="1/cm"/>
+          <inkml:channelProperty channel="Y" name="resolution" value="1000" units="1/cm"/>
+        </inkml:channelProperties>
+      </inkml:inkSource>
+      <inkml:timestamp xml:id="ts0" timeString="2025-06-03T12:12:08.934"/>
+    </inkml:context>
+    <inkml:brush xml:id="br0">
+      <inkml:brushProperty name="width" value="0.2" units="cm"/>
+      <inkml:brushProperty name="height" value="0.4" units="cm"/>
+      <inkml:brushProperty name="color" value="#FF40FF"/>
+      <inkml:brushProperty name="tip" value="rectangle"/>
+      <inkml:brushProperty name="rasterOp" value="maskPen"/>
+      <inkml:brushProperty name="ignorePressure" value="1"/>
+    </inkml:brush>
+  </inkml:definitions>
+  <inkml:trace contextRef="#ctx0" brushRef="#br0">0 1,'0'1,"1"0,-1 0,1 0,0 0,-1 1,1-1,0 0,-1 0,1 0,0-1,0 1,0 0,0 0,0 0,0-1,0 1,0 0,0-1,1 1,-1-1,0 1,0-1,0 0,1 1,-1-1,0 0,2 0,41 5,-39-5,12 2,-1 1,1 1,-1 0,25 10,-25-8,0 0,0-2,1 0,27 3,51 7,-67-9,1-1,29 1,1134-6,-1172 0,-1-1,37-9,-35 6,0 1,27-1,269 6,-294-1</inkml:trace>
 </inkml:ink>
 </file>
 
@@ -5155,6 +6314,296 @@
 </inkml:ink>
 </file>
 
+<file path=ppt/ink/ink240.xml><?xml version="1.0" encoding="utf-8"?>
+<inkml:ink xmlns:inkml="http://www.w3.org/2003/InkML">
+  <inkml:definitions>
+    <inkml:context xml:id="ctx0">
+      <inkml:inkSource xml:id="inkSrc0">
+        <inkml:traceFormat>
+          <inkml:channel name="X" type="integer" min="-2.14748E9" max="2.14748E9" units="cm"/>
+          <inkml:channel name="Y" type="integer" min="-2.14748E9" max="2.14748E9" units="cm"/>
+        </inkml:traceFormat>
+        <inkml:channelProperties>
+          <inkml:channelProperty channel="X" name="resolution" value="1000" units="1/cm"/>
+          <inkml:channelProperty channel="Y" name="resolution" value="1000" units="1/cm"/>
+        </inkml:channelProperties>
+      </inkml:inkSource>
+      <inkml:timestamp xml:id="ts0" timeString="2025-06-03T12:12:10.804"/>
+    </inkml:context>
+    <inkml:brush xml:id="br0">
+      <inkml:brushProperty name="width" value="0.2" units="cm"/>
+      <inkml:brushProperty name="height" value="0.4" units="cm"/>
+      <inkml:brushProperty name="color" value="#FF40FF"/>
+      <inkml:brushProperty name="tip" value="rectangle"/>
+      <inkml:brushProperty name="rasterOp" value="maskPen"/>
+      <inkml:brushProperty name="ignorePressure" value="1"/>
+    </inkml:brush>
+  </inkml:definitions>
+  <inkml:trace contextRef="#ctx0" brushRef="#br0">0 1,'5'0,"5"0,6 0,5 0,3 0,2 0,1 0,-4 0</inkml:trace>
+</inkml:ink>
+</file>
+
+<file path=ppt/ink/ink241.xml><?xml version="1.0" encoding="utf-8"?>
+<inkml:ink xmlns:inkml="http://www.w3.org/2003/InkML">
+  <inkml:definitions>
+    <inkml:context xml:id="ctx0">
+      <inkml:inkSource xml:id="inkSrc0">
+        <inkml:traceFormat>
+          <inkml:channel name="X" type="integer" min="-2.14748E9" max="2.14748E9" units="cm"/>
+          <inkml:channel name="Y" type="integer" min="-2.14748E9" max="2.14748E9" units="cm"/>
+        </inkml:traceFormat>
+        <inkml:channelProperties>
+          <inkml:channelProperty channel="X" name="resolution" value="1000" units="1/cm"/>
+          <inkml:channelProperty channel="Y" name="resolution" value="1000" units="1/cm"/>
+        </inkml:channelProperties>
+      </inkml:inkSource>
+      <inkml:timestamp xml:id="ts0" timeString="2025-06-03T12:12:15.962"/>
+    </inkml:context>
+    <inkml:brush xml:id="br0">
+      <inkml:brushProperty name="width" value="0.2" units="cm"/>
+      <inkml:brushProperty name="height" value="0.4" units="cm"/>
+      <inkml:brushProperty name="color" value="#FF40FF"/>
+      <inkml:brushProperty name="tip" value="rectangle"/>
+      <inkml:brushProperty name="rasterOp" value="maskPen"/>
+      <inkml:brushProperty name="ignorePressure" value="1"/>
+    </inkml:brush>
+  </inkml:definitions>
+  <inkml:trace contextRef="#ctx0" brushRef="#br0">0 22,'0'-2,"1"1,-1 0,1 0,-1 0,1 0,0 0,-1 0,1 0,0 0,0 0,0 0,0 0,-1 0,1 1,0-1,0 0,1 1,-1-1,0 0,0 1,0 0,0-1,0 1,1 0,-1-1,0 1,0 0,1 0,1 0,38 0,51 12,1-5,132-5,-123-2,-80 0</inkml:trace>
+</inkml:ink>
+</file>
+
+<file path=ppt/ink/ink242.xml><?xml version="1.0" encoding="utf-8"?>
+<inkml:ink xmlns:inkml="http://www.w3.org/2003/InkML">
+  <inkml:definitions>
+    <inkml:context xml:id="ctx0">
+      <inkml:inkSource xml:id="inkSrc0">
+        <inkml:traceFormat>
+          <inkml:channel name="X" type="integer" min="-2.14748E9" max="2.14748E9" units="cm"/>
+          <inkml:channel name="Y" type="integer" min="-2.14748E9" max="2.14748E9" units="cm"/>
+        </inkml:traceFormat>
+        <inkml:channelProperties>
+          <inkml:channelProperty channel="X" name="resolution" value="1000" units="1/cm"/>
+          <inkml:channelProperty channel="Y" name="resolution" value="1000" units="1/cm"/>
+        </inkml:channelProperties>
+      </inkml:inkSource>
+      <inkml:timestamp xml:id="ts0" timeString="2025-06-03T12:12:58.299"/>
+    </inkml:context>
+    <inkml:brush xml:id="br0">
+      <inkml:brushProperty name="width" value="0.2" units="cm"/>
+      <inkml:brushProperty name="height" value="0.4" units="cm"/>
+      <inkml:brushProperty name="color" value="#FF40FF"/>
+      <inkml:brushProperty name="tip" value="rectangle"/>
+      <inkml:brushProperty name="rasterOp" value="maskPen"/>
+      <inkml:brushProperty name="ignorePressure" value="1"/>
+    </inkml:brush>
+  </inkml:definitions>
+  <inkml:trace contextRef="#ctx0" brushRef="#br0">0 2908,'48'0,"54"-7,-84 4,-1 0,0-1,0-1,0-1,-1 0,25-13,85-40,-108 48,-1 0,1-1,-2 0,0-2,0 0,-1 0,-1-2,0 0,-1 0,-1-1,-1-1,0 0,-2 0,0-1,0 0,7-31,12-30,-21 65,-1 0,-1 0,0-1,-2 0,5-29,5-52,-7 69,-2-1,0-29,-5-2006,1 2041</inkml:trace>
+</inkml:ink>
+</file>
+
+<file path=ppt/ink/ink243.xml><?xml version="1.0" encoding="utf-8"?>
+<inkml:ink xmlns:inkml="http://www.w3.org/2003/InkML">
+  <inkml:definitions>
+    <inkml:context xml:id="ctx0">
+      <inkml:inkSource xml:id="inkSrc0">
+        <inkml:traceFormat>
+          <inkml:channel name="X" type="integer" min="-2.14748E9" max="2.14748E9" units="cm"/>
+          <inkml:channel name="Y" type="integer" min="-2.14748E9" max="2.14748E9" units="cm"/>
+        </inkml:traceFormat>
+        <inkml:channelProperties>
+          <inkml:channelProperty channel="X" name="resolution" value="1000" units="1/cm"/>
+          <inkml:channelProperty channel="Y" name="resolution" value="1000" units="1/cm"/>
+        </inkml:channelProperties>
+      </inkml:inkSource>
+      <inkml:timestamp xml:id="ts0" timeString="2025-06-03T12:13:06.132"/>
+    </inkml:context>
+    <inkml:brush xml:id="br0">
+      <inkml:brushProperty name="width" value="0.2" units="cm"/>
+      <inkml:brushProperty name="height" value="0.4" units="cm"/>
+      <inkml:brushProperty name="color" value="#FF40FF"/>
+      <inkml:brushProperty name="tip" value="rectangle"/>
+      <inkml:brushProperty name="rasterOp" value="maskPen"/>
+      <inkml:brushProperty name="ignorePressure" value="1"/>
+    </inkml:brush>
+  </inkml:definitions>
+  <inkml:trace contextRef="#ctx0" brushRef="#br0">1849 10457,'0'10,"0"-1,0 1,1 0,0 0,1 0,6 17,-7-24,1 0,-1 0,1 0,0 0,0-1,0 1,0-1,1 1,-1-1,1 0,-1 0,1 0,0 0,0 0,0 0,0-1,0 0,0 1,0-1,1 0,-1-1,0 1,6 0,41 3,1-2,58-6,1 1,-60 2,-11 0,-1 1,0 2,72 14,-76-7,-4-1,1-1,0-1,43 2,-52-7,1 2,25 6,-25-4,46 3,55 5,-83-7,59 2,-52-8,-7 1,0-2,0-1,64-13,-28 2,-56 11,0-2,-1 0,39-13,-34 10,0 0,1 2,-1 1,1 1,0 1,-1 2,51 4,-31-2,55-4,-93 1,0-1,0 0,-1 0,1 0,-1-1,1 0,-1 0,0-1,0 0,0 0,-1 0,1-1,-1 1,0-1,-1-1,1 1,-1-1,5-7,-3 4,0-2,0 1,-1-1,-1 0,0 0,0 0,-1-1,0 1,-1-1,1-12,-6-268,1 278,-1 1,0-1,-1 1,-10-23,9 24,0 0,1 0,0-1,1 0,-3-21,4-369,5 197,-3-270,1 456,1 0,8-35,-5 34,-1-1,1-24,-3 23,0 0,7-23,-4 23,-1 0,1-24,-4 18,2 0,1 0,2 1,0 0,2 0,1 0,15-30,-19 39,1-1,-2 0,-1 0,0 0,-2 0,0 0,-1 0,-6-40,-7-10,9 51,0-1,-2-31,6 23,-2-1,-1 0,-8-28,6 26,1-1,2 0,1-1,3-37,-3-65,-11 64,7 51,2 0,-3-28,8-82,-4-57,-1 165,-1 0,-1 0,-9-21,8 25,0-1,1 1,1-1,-2-35,6-403,1 198,0 239,1 0,8-35,-5 33,-1 0,1-24,-3 23,9-45,-6 45,-1 0,1-25,-5-5,0 21,1 0,2 0,8-42,-4 29,-2-1,-1-1,-3 1,-5-50,1-10,3-1376,-1 1462,-1 0,-8-35,5 34,1-1,-1-24,5 30,-1 1,-1-1,0 1,-1 0,-1 0,0 0,-1 1,-8-17,7 13,0-1,0 0,2-1,-3-27,1 5,-20-129,19 128,2 0,2 0,2-1,5-44,-2-11,-2-1065,2 1134,10-59,-6 58,2-57,-9-494,0 562,-1 1,-9-37,7 35,0 0,-2-27,6 37,0 3,0 0,0 0,-1 1,-1-1,-2-10,3 15,-1-1,1 1,-1 0,0 0,0 1,0-1,0 0,-1 1,1-1,-1 1,0 0,1-1,-1 1,0 1,-4-3,-18-10,0 2,-1 0,-1 2,0 1,-35-7,42 12,0-2,0 0,1-1,-1-1,-33-19,44 22,0 1,0 1,0-1,0 2,-1-1,1 1,-1 1,-15-2,-86 6,51-1,-364-1,404 0,1 1,-37 8,35-5,0-1,-27 1,-650-3,337-4,-909 2,1251-1,-1-1,-36-9,36 6,-1 1,-27-1,-243 6,268-1</inkml:trace>
+</inkml:ink>
+</file>
+
+<file path=ppt/ink/ink244.xml><?xml version="1.0" encoding="utf-8"?>
+<inkml:ink xmlns:inkml="http://www.w3.org/2003/InkML">
+  <inkml:definitions>
+    <inkml:context xml:id="ctx0">
+      <inkml:inkSource xml:id="inkSrc0">
+        <inkml:traceFormat>
+          <inkml:channel name="X" type="integer" min="-2.14748E9" max="2.14748E9" units="cm"/>
+          <inkml:channel name="Y" type="integer" min="-2.14748E9" max="2.14748E9" units="cm"/>
+        </inkml:traceFormat>
+        <inkml:channelProperties>
+          <inkml:channelProperty channel="X" name="resolution" value="1000" units="1/cm"/>
+          <inkml:channelProperty channel="Y" name="resolution" value="1000" units="1/cm"/>
+        </inkml:channelProperties>
+      </inkml:inkSource>
+      <inkml:timestamp xml:id="ts0" timeString="2025-06-03T12:13:13.833"/>
+    </inkml:context>
+    <inkml:brush xml:id="br0">
+      <inkml:brushProperty name="width" value="0.2" units="cm"/>
+      <inkml:brushProperty name="height" value="0.4" units="cm"/>
+      <inkml:brushProperty name="color" value="#FF40FF"/>
+      <inkml:brushProperty name="tip" value="rectangle"/>
+      <inkml:brushProperty name="rasterOp" value="maskPen"/>
+      <inkml:brushProperty name="ignorePressure" value="1"/>
+    </inkml:brush>
+  </inkml:definitions>
+  <inkml:trace contextRef="#ctx0" brushRef="#br0">1188 5298,'0'-610,"-2"586,0 0,-2 0,-1 0,-9-27,7 27,1-1,1 0,-4-44,11-36,-4-55,-11 88,9 53,0 0,-2-30,7-375,0 408,1-1,1 1,0 0,1 1,12-30,9-41,-24 81,0 1,0 0,1-1,-1 1,1 0,0 0,0 0,0 0,0 0,1 1,0-1,-1 1,1-1,1 1,-1 0,6-4,3 0,-1 0,1 2,1-1,14-4,4-1,-17 6,0 2,0 0,0 0,0 1,0 1,18 0,-14 1,-1-1,1 0,24-7,3 0,0 2,0 1,1 3,76 5,-17 0,1086-3,-1160-2,57-10,-55 7,53-3,-23 8,-27 1,-1-1,0-2,1-1,34-9,-59 10,1-1,-1 0,0-1,0-1,-1 0,1 0,-1-1,13-9,13-14,62-66,-69 65,-23 23,0 0,-1-1,0 1,0-1,-1 0,0 0,-1 0,4-12,16-77,-15 60,4-8,-3-1,-2 0,2-72,-10-306,0 409,-1-1,0 1,-1 0,-1 0,-11-28,9 28,1 0,0-1,2 0,-1 0,0-24,2 17,-1 0,-5-24,3 23,-4-45,9-366,1 208,-2 204,-2 0,0 0,-2 1,-13-41,-3 18,17 38,0 0,0-1,1 0,0 1,0-1,-2-14,-25-160,18 110,7 46,1-1,-1-34,7-25,-4-66,2 148,-1 0,1 1,-1-1,0 0,0 1,-1-1,1 1,-1 0,0-1,0 1,0 0,0 0,0 0,-1 0,1 1,-1-1,0 1,0-1,0 1,0 0,0 0,0 0,-1 1,1-1,-1 1,1 0,-1-1,1 2,-7-2,-10-1,-1 1,0 1,1 0,-26 4,13-1,-605 0,349-3,269 2,1 1,-37 8,35-5,0-1,-27 1,-43 8,67-8,-46 3,-735-6,392-4,411 2,-33 0,0-1,0-1,-54-11,44 6,-1 1,0 3,0 2,-50 5,-11-1,-342-3,426 0</inkml:trace>
+</inkml:ink>
+</file>
+
+<file path=ppt/ink/ink245.xml><?xml version="1.0" encoding="utf-8"?>
+<inkml:ink xmlns:inkml="http://www.w3.org/2003/InkML">
+  <inkml:definitions>
+    <inkml:context xml:id="ctx0">
+      <inkml:inkSource xml:id="inkSrc0">
+        <inkml:traceFormat>
+          <inkml:channel name="X" type="integer" min="-2.14748E9" max="2.14748E9" units="cm"/>
+          <inkml:channel name="Y" type="integer" min="-2.14748E9" max="2.14748E9" units="cm"/>
+        </inkml:traceFormat>
+        <inkml:channelProperties>
+          <inkml:channelProperty channel="X" name="resolution" value="1000" units="1/cm"/>
+          <inkml:channelProperty channel="Y" name="resolution" value="1000" units="1/cm"/>
+        </inkml:channelProperties>
+      </inkml:inkSource>
+      <inkml:timestamp xml:id="ts0" timeString="2025-06-03T12:13:51.016"/>
+    </inkml:context>
+    <inkml:brush xml:id="br0">
+      <inkml:brushProperty name="width" value="0.2" units="cm"/>
+      <inkml:brushProperty name="height" value="0.4" units="cm"/>
+      <inkml:brushProperty name="color" value="#FF40FF"/>
+      <inkml:brushProperty name="tip" value="rectangle"/>
+      <inkml:brushProperty name="rasterOp" value="maskPen"/>
+      <inkml:brushProperty name="ignorePressure" value="1"/>
+    </inkml:brush>
+  </inkml:definitions>
+  <inkml:trace contextRef="#ctx0" brushRef="#br0">0 32,'32'-2,"-1"0,37-9,-35 5,33 0,1 1,95 8,-38 0,988-3,-1081 1,57 11,-56-6,55 2,-48-8,-8-1,1 2,0 1,56 11,-47-6,1-2,0-2,0-1,54-6,1 2,1675 2,-1751 1,-1 1,34 8,-32-5,0-2,24 2,325-5,-349 0</inkml:trace>
+</inkml:ink>
+</file>
+
+<file path=ppt/ink/ink246.xml><?xml version="1.0" encoding="utf-8"?>
+<inkml:ink xmlns:inkml="http://www.w3.org/2003/InkML">
+  <inkml:definitions>
+    <inkml:context xml:id="ctx0">
+      <inkml:inkSource xml:id="inkSrc0">
+        <inkml:traceFormat>
+          <inkml:channel name="X" type="integer" min="-2.14748E9" max="2.14748E9" units="cm"/>
+          <inkml:channel name="Y" type="integer" min="-2.14748E9" max="2.14748E9" units="cm"/>
+        </inkml:traceFormat>
+        <inkml:channelProperties>
+          <inkml:channelProperty channel="X" name="resolution" value="1000" units="1/cm"/>
+          <inkml:channelProperty channel="Y" name="resolution" value="1000" units="1/cm"/>
+        </inkml:channelProperties>
+      </inkml:inkSource>
+      <inkml:timestamp xml:id="ts0" timeString="2025-06-03T12:14:29.700"/>
+    </inkml:context>
+    <inkml:brush xml:id="br0">
+      <inkml:brushProperty name="width" value="0.2" units="cm"/>
+      <inkml:brushProperty name="height" value="0.4" units="cm"/>
+      <inkml:brushProperty name="color" value="#FF40FF"/>
+      <inkml:brushProperty name="tip" value="rectangle"/>
+      <inkml:brushProperty name="rasterOp" value="maskPen"/>
+      <inkml:brushProperty name="ignorePressure" value="1"/>
+    </inkml:brush>
+  </inkml:definitions>
+  <inkml:trace contextRef="#ctx0" brushRef="#br0">0 108,'8'-1,"1"0,-1 0,0-1,0 0,9-4,31-6,25 7,-43 4,1-2,32-6,-45 4,24-5,0 2,0 1,67-2,660 11,-749-3,0-2,35-7,-34 6,1 0,24-1,336 4,-181 3,-174-1,-1 2,1 1,50 15,-51-12,1 0,-1-2,54 3,-49-8,-1 0,1 3,48 8,78 17,-127-23,1-1,-1-1,38-2,-37-2,-1 2,1 1,37 8,-22-2,0-3,0-2,0-2,50-5,10 2,5 0,122 4,-144 11,-57-7,59 3,-49-11,0-1,42-9,-78 11,0 1,0 0,0 0,1 0,-1 1,0-1,-1 2,1-1,0 0,0 1,0 0,-1 1,1-1,-1 1,0 0,0 1,7 4,4 6,-1 1,0 1,19 25,-15-17,10 3,-26-24,1-1,-1 1,0-1,0 1,0 0,-1 0,1 0,-1 1,0-1,1 1,-2-1,1 1,0 0,-1-1,1 1,0 7,0 5,-1 1,-1-1,-3 25,2-29,0 0,0 1,1-1,1 0,0 0,1 0,4 18,-5-28,1 1,0-1,-1 1,1-1,0 0,0 1,0-1,1 0,-1 0,0-1,1 1,-1 0,1-1,0 0,-1 1,1-1,0 0,0 0,0-1,0 1,0-1,0 1,4-1,12 1,1-1,30-3,-22 1,25 0,-29 2</inkml:trace>
+</inkml:ink>
+</file>
+
+<file path=ppt/ink/ink247.xml><?xml version="1.0" encoding="utf-8"?>
+<inkml:ink xmlns:inkml="http://www.w3.org/2003/InkML">
+  <inkml:definitions>
+    <inkml:context xml:id="ctx0">
+      <inkml:inkSource xml:id="inkSrc0">
+        <inkml:traceFormat>
+          <inkml:channel name="X" type="integer" min="-2.14748E9" max="2.14748E9" units="cm"/>
+          <inkml:channel name="Y" type="integer" min="-2.14748E9" max="2.14748E9" units="cm"/>
+        </inkml:traceFormat>
+        <inkml:channelProperties>
+          <inkml:channelProperty channel="X" name="resolution" value="1000" units="1/cm"/>
+          <inkml:channelProperty channel="Y" name="resolution" value="1000" units="1/cm"/>
+        </inkml:channelProperties>
+      </inkml:inkSource>
+      <inkml:timestamp xml:id="ts0" timeString="2025-06-03T12:14:35.369"/>
+    </inkml:context>
+    <inkml:brush xml:id="br0">
+      <inkml:brushProperty name="width" value="0.2" units="cm"/>
+      <inkml:brushProperty name="height" value="0.4" units="cm"/>
+      <inkml:brushProperty name="color" value="#0069AF"/>
+      <inkml:brushProperty name="tip" value="rectangle"/>
+      <inkml:brushProperty name="rasterOp" value="maskPen"/>
+      <inkml:brushProperty name="ignorePressure" value="1"/>
+    </inkml:brush>
+  </inkml:definitions>
+  <inkml:trace contextRef="#ctx0" brushRef="#br0">0 1,'5'1,"0"0,-1 1,1-1,-1 1,1 0,-1 1,0-1,7 5,11 6,-7-7,0-2,1 0,-1-1,1 0,0-1,0-1,0 0,20-3,-13 2,0 0,0 2,24 4,21 4,0-3,0-3,101-7,-39 1,849 2,-959 1,0 1,35 8,-34-5,1-2,24 2,45-4,-42-2,1 3,78 12,-65-6,0-2,0-3,74-7,-13 2,696 2,-815-1,0 1,0 1,0-1,0 1,0-1,0 1,-1 1,1-1,0 1,-1 0,1 0,-1 0,1 0,-1 1,0 0,0 0,0 0,6 7,-5-3,-1 0,0 0,0 0,-1 1,1-1,-2 1,1 0,-1 0,0 0,1 15,2 51,-5 123,-3-73,3-117,0 0,0 0,0 0,1 0,0 0,1 0,0 0,0-1,0 1,3 6,-2-9,0-1,0 0,0 1,0-1,0 0,0 0,1-1,0 1,-1-1,1 0,0 0,0 0,0 0,0-1,1 1,-1-1,6 1,15 2,46 2,23 5,-59-6,0-1,1-2,46-2,-43-1,-16 1</inkml:trace>
+</inkml:ink>
+</file>
+
+<file path=ppt/ink/ink248.xml><?xml version="1.0" encoding="utf-8"?>
+<inkml:ink xmlns:inkml="http://www.w3.org/2003/InkML">
+  <inkml:definitions>
+    <inkml:context xml:id="ctx0">
+      <inkml:inkSource xml:id="inkSrc0">
+        <inkml:traceFormat>
+          <inkml:channel name="X" type="integer" min="-2.14748E9" max="2.14748E9" units="cm"/>
+          <inkml:channel name="Y" type="integer" min="-2.14748E9" max="2.14748E9" units="cm"/>
+        </inkml:traceFormat>
+        <inkml:channelProperties>
+          <inkml:channelProperty channel="X" name="resolution" value="1000" units="1/cm"/>
+          <inkml:channelProperty channel="Y" name="resolution" value="1000" units="1/cm"/>
+        </inkml:channelProperties>
+      </inkml:inkSource>
+      <inkml:timestamp xml:id="ts0" timeString="2025-06-03T12:14:44.661"/>
+    </inkml:context>
+    <inkml:brush xml:id="br0">
+      <inkml:brushProperty name="width" value="0.2" units="cm"/>
+      <inkml:brushProperty name="height" value="0.4" units="cm"/>
+      <inkml:brushProperty name="color" value="#FF8517"/>
+      <inkml:brushProperty name="tip" value="rectangle"/>
+      <inkml:brushProperty name="rasterOp" value="maskPen"/>
+      <inkml:brushProperty name="ignorePressure" value="1"/>
+    </inkml:brush>
+  </inkml:definitions>
+  <inkml:trace contextRef="#ctx0" brushRef="#br0">0 1,'30'0,"0"1,0 1,49 11,-51-8,1-1,35 1,-34-4,-1 1,31 8,-30-5,44 3,-44-6,47 9,-50-6,0-2,0-1,47-2,25 2,-95-1,1 0,-1 0,0 1,0-1,0 1,1 0,-2 0,1 1,0-1,0 1,-1 0,0 0,1 0,-1 0,0 1,-1-1,1 1,-1 0,1 0,-1 0,0 0,-1 0,1 0,-1 1,2 7,4 12,-2 1,-1 0,2 30,-6-55,3 20,1 1,0-1,14 34,-10-31,10 48,9 62,-17-75,-4-30,-2 1,2 41,-6-41,-1 1,-1 0,-12 51,1-22,6-21,-20 56,16-60,2 2,1-1,1 1,3 0,0 1,3 49,0-65,-1-1,-8 36,-2 33,10 629,4-351,-2-353,1 15,-1 1,-1 0,-2-1,-1 0,-1 1,-14 44,8-38,2 1,-8 63,10-56,1 20,2-1,6 85,1-32,-4-73,0-28,0 0,1 0,0 0,2-1,-1 1,2 0,0 0,0-1,2 0,0 0,7 16,-6-18,-1 1,0 0,-1 1,-1-1,0 1,2 24,4 17,-2-7,-2 1,-2-1,-6 87,0-27,3 500,1-592,1 0,1-1,0 1,1-1,10 26,7 30,-17-52</inkml:trace>
+</inkml:ink>
+</file>
+
+<file path=ppt/ink/ink249.xml><?xml version="1.0" encoding="utf-8"?>
+<inkml:ink xmlns:inkml="http://www.w3.org/2003/InkML">
+  <inkml:definitions>
+    <inkml:context xml:id="ctx0">
+      <inkml:inkSource xml:id="inkSrc0">
+        <inkml:traceFormat>
+          <inkml:channel name="X" type="integer" min="-2.14748E9" max="2.14748E9" units="cm"/>
+          <inkml:channel name="Y" type="integer" min="-2.14748E9" max="2.14748E9" units="cm"/>
+        </inkml:traceFormat>
+        <inkml:channelProperties>
+          <inkml:channelProperty channel="X" name="resolution" value="1000" units="1/cm"/>
+          <inkml:channelProperty channel="Y" name="resolution" value="1000" units="1/cm"/>
+        </inkml:channelProperties>
+      </inkml:inkSource>
+      <inkml:timestamp xml:id="ts0" timeString="2025-06-03T12:17:13.698"/>
+    </inkml:context>
+    <inkml:brush xml:id="br0">
+      <inkml:brushProperty name="width" value="0.2" units="cm"/>
+      <inkml:brushProperty name="height" value="0.4" units="cm"/>
+      <inkml:brushProperty name="color" value="#00F900"/>
+      <inkml:brushProperty name="tip" value="rectangle"/>
+      <inkml:brushProperty name="rasterOp" value="maskPen"/>
+      <inkml:brushProperty name="ignorePressure" value="1"/>
+    </inkml:brush>
+  </inkml:definitions>
+  <inkml:trace contextRef="#ctx0" brushRef="#br0">0 1,'848'0,"-826"0</inkml:trace>
+</inkml:ink>
+</file>
+
 <file path=ppt/ink/ink25.xml><?xml version="1.0" encoding="utf-8"?>
 <inkml:ink xmlns:inkml="http://www.w3.org/2003/InkML">
   <inkml:definitions>
@@ -5183,6 +6632,293 @@
 </inkml:ink>
 </file>
 
+<file path=ppt/ink/ink250.xml><?xml version="1.0" encoding="utf-8"?>
+<inkml:ink xmlns:inkml="http://www.w3.org/2003/InkML">
+  <inkml:definitions>
+    <inkml:context xml:id="ctx0">
+      <inkml:inkSource xml:id="inkSrc0">
+        <inkml:traceFormat>
+          <inkml:channel name="X" type="integer" min="-2.14748E9" max="2.14748E9" units="cm"/>
+          <inkml:channel name="Y" type="integer" min="-2.14748E9" max="2.14748E9" units="cm"/>
+        </inkml:traceFormat>
+        <inkml:channelProperties>
+          <inkml:channelProperty channel="X" name="resolution" value="1000" units="1/cm"/>
+          <inkml:channelProperty channel="Y" name="resolution" value="1000" units="1/cm"/>
+        </inkml:channelProperties>
+      </inkml:inkSource>
+      <inkml:timestamp xml:id="ts0" timeString="2025-06-03T12:17:27.719"/>
+    </inkml:context>
+    <inkml:brush xml:id="br0">
+      <inkml:brushProperty name="width" value="0.2" units="cm"/>
+      <inkml:brushProperty name="height" value="0.4" units="cm"/>
+      <inkml:brushProperty name="color" value="#0069AF"/>
+      <inkml:brushProperty name="tip" value="rectangle"/>
+      <inkml:brushProperty name="rasterOp" value="maskPen"/>
+      <inkml:brushProperty name="ignorePressure" value="1"/>
+    </inkml:brush>
+  </inkml:definitions>
+  <inkml:trace contextRef="#ctx0" brushRef="#br0">0 28,'28'-2,"1"0,32-9,-39 7,1 0,0 1,-1 1,35 2,-55 0,1 1,-1-1,1 1,-1-1,1 1,-1 0,0 0,1 0,-1 0,0 0,0 1,0-1,0 1,0-1,0 1,0 0,0 0,-1 0,3 4,-1-2,-1 1,0-1,0 1,0 0,-1 0,0 0,0 0,0 0,0 8,-1 2,-1 1,0 0,-1 0,-1-1,-7 25,2-4,1 1,2 0,2-1,2 1,5 66,-2-7,-2 804,-1-869,-11 58,6-57,-2 54,9 390,-2-456,-1-1,-9 37,7-35,0 0,-2 27,6-31,2 151,-2-165,0 1,1-1,0 1,-1-1,1 0,1 1,-1-1,0 0,1 0,-1 0,1 0,0 0,0 0,0 0,1-1,-1 1,1-1,-1 1,1-1,0 0,0 0,0 0,0-1,0 1,0-1,0 0,1 1,3-1,10 3,0-2,0 0,0-1,31-3,-32 2,0-1,0 2,17 2,47 9,1-3,0-4,119-8,-55 1,305 2,-419 1,58 12,-58-8,56 4,1233-9,-602-1,-699 0,1-1,36-9,-36 6,1 1,27-1,-17 4,0-1,51-10,-54 7,0 1,1 2,32 2,-38 0</inkml:trace>
+</inkml:ink>
+</file>
+
+<file path=ppt/ink/ink251.xml><?xml version="1.0" encoding="utf-8"?>
+<inkml:ink xmlns:inkml="http://www.w3.org/2003/InkML">
+  <inkml:definitions>
+    <inkml:context xml:id="ctx0">
+      <inkml:inkSource xml:id="inkSrc0">
+        <inkml:traceFormat>
+          <inkml:channel name="X" type="integer" min="-2.14748E9" max="2.14748E9" units="cm"/>
+          <inkml:channel name="Y" type="integer" min="-2.14748E9" max="2.14748E9" units="cm"/>
+        </inkml:traceFormat>
+        <inkml:channelProperties>
+          <inkml:channelProperty channel="X" name="resolution" value="1000" units="1/cm"/>
+          <inkml:channelProperty channel="Y" name="resolution" value="1000" units="1/cm"/>
+        </inkml:channelProperties>
+      </inkml:inkSource>
+      <inkml:timestamp xml:id="ts0" timeString="2025-06-03T12:18:03.917"/>
+    </inkml:context>
+    <inkml:brush xml:id="br0">
+      <inkml:brushProperty name="width" value="0.2" units="cm"/>
+      <inkml:brushProperty name="height" value="0.4" units="cm"/>
+      <inkml:brushProperty name="color" value="#FF8517"/>
+      <inkml:brushProperty name="tip" value="rectangle"/>
+      <inkml:brushProperty name="rasterOp" value="maskPen"/>
+      <inkml:brushProperty name="ignorePressure" value="1"/>
+    </inkml:brush>
+  </inkml:definitions>
+  <inkml:trace contextRef="#ctx0" brushRef="#br0">16820 2008,'43'1,"-25"1,0-2,0 0,0-1,31-5,-45 5,0 0,0 0,0-1,-1 1,1-1,-1 0,1 0,-1 0,0 0,1 0,-1-1,0 0,-1 1,1-1,0 0,-1-1,0 1,1 0,-1-1,0 1,-1-1,1 1,-1-1,0 0,0 0,1-6,3-33,-2-1,-7-83,1 24,3-876,-1 965,-1 0,0 0,-7-24,6 30,0-1,0 0,1 1,1-1,0 0,0 0,1 0,0 0,0 0,1 0,0 0,3-10,-3 17,0 0,0-1,1 1,-1 0,1 0,-1 0,1 0,0 0,0 0,0 0,0 1,0-1,0 1,1 0,-1-1,0 1,1 0,-1 0,1 1,-1-1,1 0,-1 1,1-1,0 1,-1 0,1 0,3 1,10 0,0 1,-1 0,25 8,-9-3,-5-2,1-2,0-1,-1-1,1-1,0-1,0-2,-1 0,0-2,0-1,0-1,0-1,47-24,-50 22,-16 8,0-1,1-1,-2 0,1 0,0 0,-1 0,0-1,0 0,9-10,14-16,52-45,-17 34,-50 34,0-1,0-1,20-16,-24 18,0 0,1 1,1 0,-1 1,1 0,0 1,0 1,0 0,1 0,13-1,39-14,-59 16,1 1,-1 0,1 0,0 1,-1 0,1 0,0 1,0 0,13 1,-16 0,0 0,0 0,0 1,0-1,0 1,0 0,-1 0,1 0,-1 1,1 0,-1-1,0 1,0 0,0 0,-1 0,1 1,2 3,6 11,-1 0,0 0,-2 1,0 0,-1 0,0 1,-2 0,-1 0,0 1,-1-1,-2 1,-1 40,2-30,9 61,-5-59,1 51,-7 937,-1-455,0-546,-1 0,-8 35,5-33,1-1,-1 26,4 670,3-349,-2 187,-1-533,-2 0,0-1,-2 0,-10 32,8-30,1 0,1 1,-3 32,-6 32,9-65,1 1,-1 26,6 427,0-458,1 1,9 36,-6-36,-2 2,3 25,-8 129,4 71,10-175,-7-52,-1 0,1 27,-6-4,-12 79,6-76,0 61,7-99,1-1,-2 0,1 0,-1 0,0 0,0 0,-1 0,-5 13,5-16,0-1,-1 0,0 0,0 0,0 0,0 0,0 0,0-1,-1 0,1 1,-1-1,0-1,1 1,-1 0,0-1,0 0,-4 1,-26 5,-1-2,1-1,-1-2,1-1,-49-5,-11 1,-6 1,-117 4,146 11,51-9,0 0,-28 1,-616-3,322-4,314 3,-1 3,1 0,-48 14,47-10,0-2,-1 0,-38 1,42-5,1 1,-27 7,-4 0,-104 23,80-14,36-8,28-6,-1-1,0-1,-19 2,-69 11,52-6,20-3,1 1,-39 16,49-15,-2-1,1-1,-1-1,0-1,-40 2,35-5,-46 9,47-6,-52 3,-662-9,722 0,0-2,-35-7,33 6,1 0,-26-1,30 5,-13-1,0 0,0-2,-32-8,33 6,-50-4,-25-4,70 8,-65-4,60 7,-43-8,43 5,0 1,-41 2,54 2,0 0,0-1,0-2,1-1,-1-1,-48-15,55 13,1 2,-2 0,-37-4,-7-1,-122-16,140 18,0 3,-1 2,1 2,-49 5,-12-1,-1004-3,1081 1,-60 12,59-8,-56 4,-866-10,922 2,-57 11,56-6,-55 2,-987-8,481-1,574 2,-1 1,-36 8,36-5,-1-1,-27 1,-634-3,331-4,302 2,10 1,-1-1,1-3,-69-12,74 10,0 1,0 1,0 2,-43 3,-69-2,74-13,53 9,-1 0,-28-1,-510 4,269 3,269-3,1-1,-37-9,35 6,0 1,-27-1,-31 5,44 1,0-2,1-1,-59-11,-38-15,90 21,-1 3,0 0,0 3,-52 5,-6-1,-66-1,-180-5,257-10,60 8,-55-3,-1345 9,1409-2,0-2,-35-7,33 6,1 0,-26-1,-669 3,347 5,-292-3,655 0,-1 0,1 0,0-1,0 0,0 0,0 0,0 0,0-1,0 0,1-1,-1 1,-7-5,1-4</inkml:trace>
+</inkml:ink>
+</file>
+
+<file path=ppt/ink/ink252.xml><?xml version="1.0" encoding="utf-8"?>
+<inkml:ink xmlns:inkml="http://www.w3.org/2003/InkML">
+  <inkml:definitions>
+    <inkml:context xml:id="ctx0">
+      <inkml:inkSource xml:id="inkSrc0">
+        <inkml:traceFormat>
+          <inkml:channel name="X" type="integer" min="-2.14748E9" max="2.14748E9" units="cm"/>
+          <inkml:channel name="Y" type="integer" min="-2.14748E9" max="2.14748E9" units="cm"/>
+        </inkml:traceFormat>
+        <inkml:channelProperties>
+          <inkml:channelProperty channel="X" name="resolution" value="1000" units="1/cm"/>
+          <inkml:channelProperty channel="Y" name="resolution" value="1000" units="1/cm"/>
+        </inkml:channelProperties>
+      </inkml:inkSource>
+      <inkml:timestamp xml:id="ts0" timeString="2025-06-03T12:18:09.233"/>
+    </inkml:context>
+    <inkml:brush xml:id="br0">
+      <inkml:brushProperty name="width" value="0.2" units="cm"/>
+      <inkml:brushProperty name="height" value="0.4" units="cm"/>
+      <inkml:brushProperty name="color" value="#FF8517"/>
+      <inkml:brushProperty name="tip" value="rectangle"/>
+      <inkml:brushProperty name="rasterOp" value="maskPen"/>
+      <inkml:brushProperty name="ignorePressure" value="1"/>
+    </inkml:brush>
+  </inkml:definitions>
+  <inkml:trace contextRef="#ctx0" brushRef="#br0">0 5691,'1'-1,"0"1,1-1,-1 1,0-1,0 1,0-1,0 0,0 0,0 1,0-1,0 0,0 0,0 0,-1 0,1 0,0 0,0 0,-1 0,1 0,-1-1,1 1,-1 0,0 0,1-1,-1 1,0 0,0-2,5-41,-4 39,1-87,-1 48,6-54,-4 83,0-1,1 0,1 1,0 0,1 0,1 0,8-14,-10 20,-2 0,1 0,-1-1,0 1,-1-1,0 1,-1-1,0 0,-1-12,9-49,23-83,-25 111,-3 0,-1 0,-2-1,-4-44,0-12,3 61,1 2,-1 0,-3 0,-11-61,9 62,0 1,2-1,2 0,5-48,-2 34,-5-59,0 87,-1 0,-1 0,-9-21,8 25,0-1,1 1,1-1,-2-36,8-79,-4-76,-11 139,9 52,0-1,-2-29,5-633,3 332,-2-127,1 463,1 0,0 0,1 0,1 1,0-1,9-20,10-35,-14 35,-2-1,-1 0,1-70,-8-532,-1 613,0 0,-2 1,-1-1,-9-27,7 26,1 1,1-1,-4-45,8 27,4-178,-3 218,1 0,-1 0,1 0,0 1,0-1,0 0,1 1,-1-1,0 1,1-1,0 1,-1 0,1 0,0 0,0 0,0 0,1 0,-1 0,0 1,1-1,-1 1,1 0,-1-1,1 1,0 0,0 1,-1-1,1 0,0 1,5-1,12-1,-1 2,1 0,31 4,-14-2,-16-1,1-2,-1 0,1-1,36-9,-32 6,0 1,0 2,42 1,-45 1</inkml:trace>
+</inkml:ink>
+</file>
+
+<file path=ppt/ink/ink253.xml><?xml version="1.0" encoding="utf-8"?>
+<inkml:ink xmlns:inkml="http://www.w3.org/2003/InkML">
+  <inkml:definitions>
+    <inkml:context xml:id="ctx0">
+      <inkml:inkSource xml:id="inkSrc0">
+        <inkml:traceFormat>
+          <inkml:channel name="X" type="integer" min="-2.14748E9" max="2.14748E9" units="cm"/>
+          <inkml:channel name="Y" type="integer" min="-2.14748E9" max="2.14748E9" units="cm"/>
+        </inkml:traceFormat>
+        <inkml:channelProperties>
+          <inkml:channelProperty channel="X" name="resolution" value="1000" units="1/cm"/>
+          <inkml:channelProperty channel="Y" name="resolution" value="1000" units="1/cm"/>
+        </inkml:channelProperties>
+      </inkml:inkSource>
+      <inkml:timestamp xml:id="ts0" timeString="2025-06-03T12:19:35.295"/>
+    </inkml:context>
+    <inkml:brush xml:id="br0">
+      <inkml:brushProperty name="width" value="0.2" units="cm"/>
+      <inkml:brushProperty name="height" value="0.4" units="cm"/>
+      <inkml:brushProperty name="color" value="#0069AF"/>
+      <inkml:brushProperty name="tip" value="rectangle"/>
+      <inkml:brushProperty name="rasterOp" value="maskPen"/>
+      <inkml:brushProperty name="ignorePressure" value="1"/>
+    </inkml:brush>
+  </inkml:definitions>
+  <inkml:trace contextRef="#ctx0" brushRef="#br0">0 88,'30'-2,"0"-1,30-6,-29 3,57-2,-44 7,7 2,-1-3,70-11,-64 6,0 2,107 5,-67 2,-76-1,0 1,35 8,-34-5,1-2,24 2,478-3,-253-4,-241 3,59 12,-58-8,57 4,758-10,-826 0,-1-1,37-9,-35 6,0 1,27-1,-23 5,0-2,-1 0,1-2,-1 0,0-2,32-11,-31 10,1 1,1 1,-1 2,1 1,0 0,-1 2,35 5,21-2,526-3,-586 0</inkml:trace>
+</inkml:ink>
+</file>
+
+<file path=ppt/ink/ink254.xml><?xml version="1.0" encoding="utf-8"?>
+<inkml:ink xmlns:inkml="http://www.w3.org/2003/InkML">
+  <inkml:definitions>
+    <inkml:context xml:id="ctx0">
+      <inkml:inkSource xml:id="inkSrc0">
+        <inkml:traceFormat>
+          <inkml:channel name="X" type="integer" min="-2.14748E9" max="2.14748E9" units="cm"/>
+          <inkml:channel name="Y" type="integer" min="-2.14748E9" max="2.14748E9" units="cm"/>
+        </inkml:traceFormat>
+        <inkml:channelProperties>
+          <inkml:channelProperty channel="X" name="resolution" value="1000" units="1/cm"/>
+          <inkml:channelProperty channel="Y" name="resolution" value="1000" units="1/cm"/>
+        </inkml:channelProperties>
+      </inkml:inkSource>
+      <inkml:timestamp xml:id="ts0" timeString="2025-06-03T12:19:49.163"/>
+    </inkml:context>
+    <inkml:brush xml:id="br0">
+      <inkml:brushProperty name="width" value="0.2" units="cm"/>
+      <inkml:brushProperty name="height" value="0.4" units="cm"/>
+      <inkml:brushProperty name="color" value="#FF8517"/>
+      <inkml:brushProperty name="tip" value="rectangle"/>
+      <inkml:brushProperty name="rasterOp" value="maskPen"/>
+      <inkml:brushProperty name="ignorePressure" value="1"/>
+    </inkml:brush>
+  </inkml:definitions>
+  <inkml:trace contextRef="#ctx0" brushRef="#br0">17309 4631,'716'0,"-702"1,0 1,0 0,0 1,0 0,-1 1,21 10,35 9,-65-22,0 0,0 1,-1-1,1 1,0 0,-1 0,1 0,-1 0,1 1,-1-1,0 1,0 0,0 0,0 0,-1 0,1 1,-1-1,0 1,2 4,2 6,-1 2,0-1,5 29,-8-32,0 0,1 0,1 0,0 0,0 0,11 18,-3-10,-1 0,-1 0,0 1,-2 0,0 1,-2 0,0 0,-1 0,2 31,-2 28,-6 106,-2-68,3-105,1 10,-2-1,0 1,-9 41,9-58,-2 0,1 0,-1-1,1 1,-2-1,1 1,-1-1,0 0,0 0,-1-1,0 1,0-1,0 0,0-1,-1 1,-11 6,5-5,0 0,0-1,-1 0,0-1,0-1,0 0,0 0,-19 0,-17-1,-48-5,14 0,-1108 3,1161 1,-59 12,58-8,-57 4,-573-10,640 2,1 1,-34 8,32-5,0-2,-24 2,-2-3,-84 12,81-4,7 0,-2-3,-82 4,98-10,0 2,-32 6,31-3,-55 2,45-6,-46 9,48-5,-58 1,57-8,-14 0,1 3,-92 13,94-8,1-3,-1-1,-70-6,-82 3,132 13,51-9,0 0,-28 1,-669-3,349-4,-346 2,693-1,1-2,-34-7,32 6,0 0,-24-1,-33 4,32 1,-1-1,-70-13,82 9,0 1,-36 2,39 1,0-1,-58-10,59 6,1 2,-57 0,65 4,-1-1,1-1,-1 0,1-2,0-1,-36-12,42 12,0 0,0 1,-1 1,1 1,-1 0,-35 2,28 0,1 0,-44-8,-74-10,19 3,86 11,0 1,-58 2,-26-1,48-11,54 8,0 2,-29-3,-75-7,82 7,-60-1,-455 8,536 0,-1 1,-33 8,32-5,0-2,-24 2,-32-4,45-2,-1 1,0 2,-63 12,56-7,0-2,-1-2,1-1,-56-6,0 2,-803 2,880 1,0 1,-35 8,33-5,1-2,-26 2,-670-3,349-4,-320 2,668-1,0-2,-35-7,33 6,1 0,-26-1,-173 7,-89-4,221-11,56 7,-60-2,65 7,0 0,1-2,-37-7,37 5,0 2,-51 0,50 3,0-1,-43-8,2-1,1 3,-1 2,-103 8,41 0,-2436-3,2546-1,0-2,-35-7,33 6,1 0,-26-1,-440 4,233 3,251-2,0 1,0-1,0 0,0 0,0 0,0-1,0 1,0 0,0-1,0 0,0 0,0 0,0 0,1 0,-1-1,0 1,1-1,-1 0,1 0,0 0,-1 0,1 0,0 0,0 0,0-1,1 1,-1-1,0 0,1 1,0-1,0 0,0 0,0 0,0 0,0 0,1 1,-1-2,1 1,0 0,1-6,0-152,2 53,-2 88,1 1,9-37,-6 35,-1 0,1-26,-7-96,4-58,23 67,-17 88,0-3,3-93,-11 93,-2-7,3 1,15-103,12 15,-22 106,-2-1,-1 0,-5-75,0 32,1 61,-1-1,-8-32,5 31,1 0,-1-24,5-21,1 35,-2 0,-1 0,-11-55,8 59,1 0,1 0,1-35,2 34,-1-1,-11-55,5 39,2 0,2-1,5-94,1 35,-3-582,2 657,10-58,-7 57,3-54,-6 62,0 1,10-37,-2 8,0-2,-4 26,-1 0,1-46,-8 32,-10-61,6 61,-2-63,9 42,1 24,-2-1,-2 1,-2 0,-8-43,5 41,2-1,1 1,3-1,5-54,-2-2,-3 13,3-93,-2 169,1-1,1 1,0 1,0-1,0 0,1 0,0 1,8-13,-9 17,0 1,1 0,-1 0,1 0,0 0,0 1,0-1,0 1,1 0,-1-1,1 2,-1-1,1 0,0 1,0-1,-1 1,1 0,0 1,0-1,0 1,4-1,153 4,-105 0,74-6,-59-10,-52 8,1 2,29-3,375 7,-415-1,1 0,0 1,-1 1,1 0,10 3,-3 1</inkml:trace>
+</inkml:ink>
+</file>
+
+<file path=ppt/ink/ink255.xml><?xml version="1.0" encoding="utf-8"?>
+<inkml:ink xmlns:inkml="http://www.w3.org/2003/InkML">
+  <inkml:definitions>
+    <inkml:context xml:id="ctx0">
+      <inkml:inkSource xml:id="inkSrc0">
+        <inkml:traceFormat>
+          <inkml:channel name="X" type="integer" min="-2.14748E9" max="2.14748E9" units="cm"/>
+          <inkml:channel name="Y" type="integer" min="-2.14748E9" max="2.14748E9" units="cm"/>
+          <inkml:channel name="F" type="integer" max="32767" units="dev"/>
+        </inkml:traceFormat>
+        <inkml:channelProperties>
+          <inkml:channelProperty channel="X" name="resolution" value="1000" units="1/cm"/>
+          <inkml:channelProperty channel="Y" name="resolution" value="1000" units="1/cm"/>
+          <inkml:channelProperty channel="F" name="resolution" value="0" units="1/dev"/>
+        </inkml:channelProperties>
+      </inkml:inkSource>
+      <inkml:timestamp xml:id="ts0" timeString="2025-06-03T12:25:50.446"/>
+    </inkml:context>
+    <inkml:brush xml:id="br0">
+      <inkml:brushProperty name="width" value="0.1" units="cm"/>
+      <inkml:brushProperty name="height" value="0.1" units="cm"/>
+      <inkml:brushProperty name="color" value="#E71224"/>
+    </inkml:brush>
+  </inkml:definitions>
+  <inkml:trace contextRef="#ctx0" brushRef="#br0">0 218 24575,'2'0'0,"0"1"0,0-1 0,-1 1 0,1 0 0,0 0 0,-1 0 0,1 0 0,0 0 0,-1 0 0,1 0 0,-1 1 0,0-1 0,1 0 0,-1 1 0,0-1 0,0 1 0,0 0 0,0-1 0,0 1 0,0 0 0,0-1 0,0 4 0,14 40 0,-11-18 0,0 0 0,-1 29 0,-3-29 0,2-1 0,8 38 0,-3-5 0,-6-43 0,1-1 0,1 1 0,4 17 0,-6-29 0,1 0 0,-1 0 0,1-1 0,0 1 0,0-1 0,0 1 0,0-1 0,1 0 0,-1 1 0,1-1 0,0 0 0,0-1 0,0 1 0,0 0 0,0-1 0,7 4 0,4 0 0,1 0 0,-1-1 0,1-1 0,0 0 0,1-1 0,-1 0 0,17 0 0,114-5 0,-61 0 0,37 4 0,126-5 0,-225-1 0,0-1 0,0-1 0,0-1 0,-1 0 0,0-2 0,-1-1 0,1-1 0,28-19 0,-43 23 0,0 0 0,0 0 0,0-1 0,-1 1 0,0-1 0,-1-1 0,0 1 0,0-1 0,-1 0 0,7-18 0,-6 13 0,2 0 0,0 1 0,14-21 0,-1 4 0,-1 0 0,-2-1 0,16-40 0,15-27 0,-40 81 27,-1 0 0,0 0-1,-2-1 1,6-26 0,14-44-1526,-18 72-5327</inkml:trace>
+</inkml:ink>
+</file>
+
+<file path=ppt/ink/ink256.xml><?xml version="1.0" encoding="utf-8"?>
+<inkml:ink xmlns:inkml="http://www.w3.org/2003/InkML">
+  <inkml:definitions>
+    <inkml:context xml:id="ctx0">
+      <inkml:inkSource xml:id="inkSrc0">
+        <inkml:traceFormat>
+          <inkml:channel name="X" type="integer" min="-2.14748E9" max="2.14748E9" units="cm"/>
+          <inkml:channel name="Y" type="integer" min="-2.14748E9" max="2.14748E9" units="cm"/>
+          <inkml:channel name="F" type="integer" max="32767" units="dev"/>
+        </inkml:traceFormat>
+        <inkml:channelProperties>
+          <inkml:channelProperty channel="X" name="resolution" value="1000" units="1/cm"/>
+          <inkml:channelProperty channel="Y" name="resolution" value="1000" units="1/cm"/>
+          <inkml:channelProperty channel="F" name="resolution" value="0" units="1/dev"/>
+        </inkml:channelProperties>
+      </inkml:inkSource>
+      <inkml:timestamp xml:id="ts0" timeString="2025-06-03T12:25:58.890"/>
+    </inkml:context>
+    <inkml:brush xml:id="br0">
+      <inkml:brushProperty name="width" value="0.1" units="cm"/>
+      <inkml:brushProperty name="height" value="0.1" units="cm"/>
+      <inkml:brushProperty name="color" value="#E71224"/>
+    </inkml:brush>
+  </inkml:definitions>
+  <inkml:trace contextRef="#ctx0" brushRef="#br0">0 2 24575,'8'-1'0,"0"1"0,0 0 0,0 0 0,0 1 0,0 0 0,0 0 0,0 1 0,-1 0 0,1 1 0,-1 0 0,1 0 0,-1 0 0,0 1 0,0 0 0,0 0 0,11 10 0,87 68 0,-86-66 0,1-1 0,33 19 0,-32-21 0,0 0 0,31 28 0,-44-35 0,0 0 0,0-1 0,1 0 0,-1 0 0,1-1 0,0 0 0,1-1 0,-1 0 0,0 0 0,13 1 0,7 1 0,0-2 0,35 1 0,-53-4 0,40 1 0,67-8 0,-100 5 0,-1-1 0,0-1 0,0-1 0,0 0 0,-1-1 0,0-1 0,25-15 0,-9 4 0,-12 7 0,-1 0 0,0-1 0,-1-1 0,0 0 0,-1-2 0,0 0 0,20-25 0,-34 34-124,0 0 0,0 0 0,0 0 0,-1-1 0,0 1 0,0-1-1,-1 0 1,0 0 0,0 1 0,-1-13 0,1-3-6702</inkml:trace>
+</inkml:ink>
+</file>
+
+<file path=ppt/ink/ink257.xml><?xml version="1.0" encoding="utf-8"?>
+<inkml:ink xmlns:inkml="http://www.w3.org/2003/InkML">
+  <inkml:definitions>
+    <inkml:context xml:id="ctx0">
+      <inkml:inkSource xml:id="inkSrc0">
+        <inkml:traceFormat>
+          <inkml:channel name="X" type="integer" min="-2.14748E9" max="2.14748E9" units="cm"/>
+          <inkml:channel name="Y" type="integer" min="-2.14748E9" max="2.14748E9" units="cm"/>
+          <inkml:channel name="F" type="integer" max="32767" units="dev"/>
+        </inkml:traceFormat>
+        <inkml:channelProperties>
+          <inkml:channelProperty channel="X" name="resolution" value="1000" units="1/cm"/>
+          <inkml:channelProperty channel="Y" name="resolution" value="1000" units="1/cm"/>
+          <inkml:channelProperty channel="F" name="resolution" value="0" units="1/dev"/>
+        </inkml:channelProperties>
+      </inkml:inkSource>
+      <inkml:timestamp xml:id="ts0" timeString="2025-06-03T12:26:18.445"/>
+    </inkml:context>
+    <inkml:brush xml:id="br0">
+      <inkml:brushProperty name="width" value="0.1" units="cm"/>
+      <inkml:brushProperty name="height" value="0.1" units="cm"/>
+      <inkml:brushProperty name="color" value="#E71224"/>
+    </inkml:brush>
+  </inkml:definitions>
+  <inkml:trace contextRef="#ctx0" brushRef="#br0">1298 847 24575,'-1'-8'0,"-1"0"0,-1 0 0,1 0 0,-1 0 0,-1 1 0,1-1 0,-1 1 0,0 0 0,-9-10 0,-9-20 0,16 26 0,-1-1 0,-1 1 0,0 1 0,-1-1 0,-11-9 0,10 10 0,1-1 0,0 1 0,0-1 0,-12-23 0,13 22 0,-1 0 0,0 0 0,-1 1 0,0 0 0,-12-9 0,2 1 0,16 15 0,0 1 0,-1 0 0,0 0 0,1 0 0,-1 1 0,0-1 0,0 1 0,0 0 0,-1 1 0,1-1 0,0 1 0,-1 0 0,-8 0 0,-80 2 0,55 2 0,-465-2 0,482-3 0,1-1 0,-1-1 0,1-1 0,-1 0 0,2-2 0,-1 0 0,1-2 0,0 0 0,1-1 0,-28-19 0,43 25 0,-1-1 0,1 0 0,-1 0 0,1-1 0,1 1 0,-1-1 0,1 1 0,0-1 0,0-1 0,1 1 0,0 0 0,0 0 0,0-1 0,-1-7 0,-1-13 0,0 0 0,0-28 0,3 46 0,1 0 0,0-1 0,0 1 0,1 0 0,0 0 0,1 0 0,5-15 0,-6 21 0,1 0 0,-1 0 0,1 1 0,0-1 0,0 0 0,0 1 0,0-1 0,0 1 0,1 0 0,-1-1 0,1 1 0,0 0 0,-1 1 0,1-1 0,0 0 0,0 1 0,0 0 0,0-1 0,1 1 0,-1 1 0,0-1 0,0 0 0,1 1 0,3-1 0,22 0 0,48 3 0,-58-1 0,1 0 0,0-1 0,-1 0 0,1-2 0,33-7 0,12-5-1365,-44 12-5461</inkml:trace>
+</inkml:ink>
+</file>
+
+<file path=ppt/ink/ink258.xml><?xml version="1.0" encoding="utf-8"?>
+<inkml:ink xmlns:inkml="http://www.w3.org/2003/InkML">
+  <inkml:definitions>
+    <inkml:context xml:id="ctx0">
+      <inkml:inkSource xml:id="inkSrc0">
+        <inkml:traceFormat>
+          <inkml:channel name="X" type="integer" min="-2.14748E9" max="2.14748E9" units="cm"/>
+          <inkml:channel name="Y" type="integer" min="-2.14748E9" max="2.14748E9" units="cm"/>
+        </inkml:traceFormat>
+        <inkml:channelProperties>
+          <inkml:channelProperty channel="X" name="resolution" value="1000" units="1/cm"/>
+          <inkml:channelProperty channel="Y" name="resolution" value="1000" units="1/cm"/>
+        </inkml:channelProperties>
+      </inkml:inkSource>
+      <inkml:timestamp xml:id="ts0" timeString="2025-06-03T12:26:40.407"/>
+    </inkml:context>
+    <inkml:brush xml:id="br0">
+      <inkml:brushProperty name="width" value="0.1" units="cm"/>
+      <inkml:brushProperty name="height" value="0.2" units="cm"/>
+      <inkml:brushProperty name="color" value="#FF40FF"/>
+      <inkml:brushProperty name="tip" value="rectangle"/>
+      <inkml:brushProperty name="rasterOp" value="maskPen"/>
+      <inkml:brushProperty name="ignorePressure" value="1"/>
+    </inkml:brush>
+  </inkml:definitions>
+  <inkml:trace contextRef="#ctx0" brushRef="#br0">0 1,'13'2,"0"0,-1 1,1 1,-1 0,1 1,-1 0,-1 1,19 12,9 3,-18-9,0 2,-1 0,-1 1,-1 1,0 1,23 27,-25-25,0-1,2-1,0-1,1-1,0 0,34 19,-28-24,-1 0,2-1,-1-2,1 0,52 5,135-6,-161-6,-46 0,0-1,0 1,-1-1,1 0,0-1,0 1,-1-1,1-1,-1 1,1 0,-1-1,0 0,0-1,0 1,-1-1,1 0,-1 0,0 0,0-1,0 1,-1-1,1 0,-1 0,4-9,-1 0,0-1,-1 0,-1 0,0 0,-1-1,0 0,-2 1,1-21,2-16,1 29</inkml:trace>
+</inkml:ink>
+</file>
+
+<file path=ppt/ink/ink259.xml><?xml version="1.0" encoding="utf-8"?>
+<inkml:ink xmlns:inkml="http://www.w3.org/2003/InkML">
+  <inkml:definitions>
+    <inkml:context xml:id="ctx0">
+      <inkml:inkSource xml:id="inkSrc0">
+        <inkml:traceFormat>
+          <inkml:channel name="X" type="integer" min="-2.14748E9" max="2.14748E9" units="cm"/>
+          <inkml:channel name="Y" type="integer" min="-2.14748E9" max="2.14748E9" units="cm"/>
+        </inkml:traceFormat>
+        <inkml:channelProperties>
+          <inkml:channelProperty channel="X" name="resolution" value="1000" units="1/cm"/>
+          <inkml:channelProperty channel="Y" name="resolution" value="1000" units="1/cm"/>
+        </inkml:channelProperties>
+      </inkml:inkSource>
+      <inkml:timestamp xml:id="ts0" timeString="2025-06-03T12:26:54.410"/>
+    </inkml:context>
+    <inkml:brush xml:id="br0">
+      <inkml:brushProperty name="width" value="0.2" units="cm"/>
+      <inkml:brushProperty name="height" value="0.4" units="cm"/>
+      <inkml:brushProperty name="color" value="#FF40FF"/>
+      <inkml:brushProperty name="tip" value="rectangle"/>
+      <inkml:brushProperty name="rasterOp" value="maskPen"/>
+      <inkml:brushProperty name="ignorePressure" value="1"/>
+    </inkml:brush>
+  </inkml:definitions>
+  <inkml:trace contextRef="#ctx0" brushRef="#br0">1407 792,'0'-2,"-1"1,1 0,-1 0,0 0,1 0,-1-1,0 1,0 0,0 0,0 0,0 1,0-1,0 0,0 0,0 0,0 1,0-1,-1 1,1-1,-2 0,-33-13,27 11,-3-3,0 0,0-1,1 0,0-1,-19-17,20 16,0 0,-1 1,0 0,0 1,0 0,-14-5,-57-38,-92-15,124 44,42 17,-1-1,-1 2,1-1,0 1,-1 1,0-1,-12 0,-83-13,51 6,-4-2,37 7,0 1,-37-2,40 4,0 0,1-2,0 1,0-2,-18-7,-54-14,73 24,0-1,1 0,-1-1,1-1,0-1,0 0,1-1,0 0,0-1,-23-19,32 23,0 0,1 0,0-1,0 0,0 0,0 0,1 0,-1 0,1-1,1 0,-1 1,1-1,0 0,0 0,1 0,0-1,0 1,0 0,1 0,0-1,0 1,1 0,-1 0,1-1,1 1,-1 0,1 0,0 0,1 0,-1 1,6-10,-3 7,1-1,0 2,0-1,0 1,10-9,-11 13,-1 0,0 1,0-1,1 1,0 0,-1 1,1-1,0 1,0 0,0 0,0 1,7-1,37-1,-22 2,-1-2,44-7,-49 4,-2 2</inkml:trace>
+</inkml:ink>
+</file>
+
 <file path=ppt/ink/ink26.xml><?xml version="1.0" encoding="utf-8"?>
 <inkml:ink xmlns:inkml="http://www.w3.org/2003/InkML">
   <inkml:definitions>
@@ -5208,6 +6944,121 @@
     </inkml:brush>
   </inkml:definitions>
   <inkml:trace contextRef="#ctx0" brushRef="#br0">0 5316,'0'-35,"0"7,0 10,0 2,0-5,0 2,0-5,0-1,0 2,0-4,0 8,0-2,0-5,0-2,0-6,0 1,0-3,0 0,0-1,0 1,0 8,0-1,0 3,0 0,0-6,0-2,0-2,0-3,0-7,2-2,0 0,1-3,-1 7,-2-4,0-1,0 2,0-3,0 3,0 3,0 2,0 2,0 1,0 3,0 0,0 0,0-1,0-7,0 1,0-3,0 2,0 2,0 5,0 3,0 6,0 4,0 1,0 1,0-3,0-2,0-1,0-3,0-3,0-3,0-2,0 0,0 3,0 2,0 0,0-4,0-2,0-3,0 0,0 2,0-2,0 3,0 3,0 1,0 1,0-5,1-6,2-3,-1 0,0-1,-1-1,-1 2,0 0,0 1,0 5,0 1,0 0,0-5,0-2,0-4,0 2,0 2,0 0,0 2,0 0,0 4,0 3,0 1,0-2,0-5,0-3,0 2,0 0,0 3,0 4,0 4,0 2,0-2,1-1,1-5,1-1,-1-1,0-2,1-2,-1-1,0-6,0 4,0-1,2-4,0 5,2-11,2-1,0 0,2-5,1 9,0 7,1 9,-2 13,-2 7,-3 7,-2 5,0-1,-1 2,-2 0</inkml:trace>
+</inkml:ink>
+</file>
+
+<file path=ppt/ink/ink260.xml><?xml version="1.0" encoding="utf-8"?>
+<inkml:ink xmlns:inkml="http://www.w3.org/2003/InkML">
+  <inkml:definitions>
+    <inkml:context xml:id="ctx0">
+      <inkml:inkSource xml:id="inkSrc0">
+        <inkml:traceFormat>
+          <inkml:channel name="X" type="integer" min="-2.14748E9" max="2.14748E9" units="cm"/>
+          <inkml:channel name="Y" type="integer" min="-2.14748E9" max="2.14748E9" units="cm"/>
+        </inkml:traceFormat>
+        <inkml:channelProperties>
+          <inkml:channelProperty channel="X" name="resolution" value="1000" units="1/cm"/>
+          <inkml:channelProperty channel="Y" name="resolution" value="1000" units="1/cm"/>
+        </inkml:channelProperties>
+      </inkml:inkSource>
+      <inkml:timestamp xml:id="ts0" timeString="2025-06-03T12:26:57.501"/>
+    </inkml:context>
+    <inkml:brush xml:id="br0">
+      <inkml:brushProperty name="width" value="0.2" units="cm"/>
+      <inkml:brushProperty name="height" value="0.4" units="cm"/>
+      <inkml:brushProperty name="color" value="#FF40FF"/>
+      <inkml:brushProperty name="tip" value="rectangle"/>
+      <inkml:brushProperty name="rasterOp" value="maskPen"/>
+      <inkml:brushProperty name="ignorePressure" value="1"/>
+    </inkml:brush>
+  </inkml:definitions>
+  <inkml:trace contextRef="#ctx0" brushRef="#br0">0 1,'5'1,"0"0,-1 0,1 1,-1 0,1 0,-1 0,0 1,7 4,10 6,2 0,-1 0,0 2,34 31,-33-26,1-2,38 24,-33-29,1 0,1-2,-1-2,44 9,58 18,-113-30,-1-2,1 0,-1-1,1-1,24 0,95-8,-123 4,-1-1,0-1,0 0,-1-1,1-1,-1 0,0 0,-1-1,1-1,-2 0,1-1,-1 0,0-1,-1 0,0-1,15-21,1 0,-21 26,-1 1,1-1,-1 1,0-1,0 0,-1-1,0 1,0-1,2-7,2-5,-1 4</inkml:trace>
+</inkml:ink>
+</file>
+
+<file path=ppt/ink/ink261.xml><?xml version="1.0" encoding="utf-8"?>
+<inkml:ink xmlns:inkml="http://www.w3.org/2003/InkML">
+  <inkml:definitions>
+    <inkml:context xml:id="ctx0">
+      <inkml:inkSource xml:id="inkSrc0">
+        <inkml:traceFormat>
+          <inkml:channel name="X" type="integer" min="-2.14748E9" max="2.14748E9" units="cm"/>
+          <inkml:channel name="Y" type="integer" min="-2.14748E9" max="2.14748E9" units="cm"/>
+        </inkml:traceFormat>
+        <inkml:channelProperties>
+          <inkml:channelProperty channel="X" name="resolution" value="1000" units="1/cm"/>
+          <inkml:channelProperty channel="Y" name="resolution" value="1000" units="1/cm"/>
+        </inkml:channelProperties>
+      </inkml:inkSource>
+      <inkml:timestamp xml:id="ts0" timeString="2025-06-03T12:27:09.141"/>
+    </inkml:context>
+    <inkml:brush xml:id="br0">
+      <inkml:brushProperty name="width" value="0.2" units="cm"/>
+      <inkml:brushProperty name="height" value="0.4" units="cm"/>
+      <inkml:brushProperty name="color" value="#FF40FF"/>
+      <inkml:brushProperty name="tip" value="rectangle"/>
+      <inkml:brushProperty name="rasterOp" value="maskPen"/>
+      <inkml:brushProperty name="ignorePressure" value="1"/>
+    </inkml:brush>
+  </inkml:definitions>
+  <inkml:trace contextRef="#ctx0" brushRef="#br0">0 109,'56'-21,"48"11,-76 9,1-1,31-7,-40 5,1 2,0 0,28 2,-29 1,0-1,0-2,31-5,0-14,-43 16,-1 2,0-1,1 1,0 0,0 1,8-2,14 1,53 2,-68 1,9 1</inkml:trace>
+</inkml:ink>
+</file>
+
+<file path=ppt/ink/ink262.xml><?xml version="1.0" encoding="utf-8"?>
+<inkml:ink xmlns:inkml="http://www.w3.org/2003/InkML">
+  <inkml:definitions>
+    <inkml:context xml:id="ctx0">
+      <inkml:inkSource xml:id="inkSrc0">
+        <inkml:traceFormat>
+          <inkml:channel name="X" type="integer" min="-2.14748E9" max="2.14748E9" units="cm"/>
+          <inkml:channel name="Y" type="integer" min="-2.14748E9" max="2.14748E9" units="cm"/>
+          <inkml:channel name="F" type="integer" max="32767" units="dev"/>
+        </inkml:traceFormat>
+        <inkml:channelProperties>
+          <inkml:channelProperty channel="X" name="resolution" value="1000" units="1/cm"/>
+          <inkml:channelProperty channel="Y" name="resolution" value="1000" units="1/cm"/>
+          <inkml:channelProperty channel="F" name="resolution" value="0" units="1/dev"/>
+        </inkml:channelProperties>
+      </inkml:inkSource>
+      <inkml:timestamp xml:id="ts0" timeString="2025-06-03T12:27:31.088"/>
+    </inkml:context>
+    <inkml:brush xml:id="br0">
+      <inkml:brushProperty name="width" value="0.1" units="cm"/>
+      <inkml:brushProperty name="height" value="0.1" units="cm"/>
+      <inkml:brushProperty name="color" value="#5B2D90"/>
+    </inkml:brush>
+  </inkml:definitions>
+  <inkml:trace contextRef="#ctx0" brushRef="#br0">2403 7862 24575,'68'1'0,"76"-3"0,-141 2 0,-1-1 0,1 0 0,0 1 0,0-1 0,0 0 0,-1 0 0,1-1 0,-1 1 0,1 0 0,-1-1 0,1 0 0,-1 1 0,0-1 0,0 0 0,0 0 0,0 0 0,0-1 0,0 1 0,0 0 0,-1-1 0,1 1 0,-1-1 0,0 0 0,0 1 0,0-1 0,0 0 0,0 0 0,-1 1 0,1-1 0,0-6 0,0-10 0,0 0 0,-1 0 0,-4-34 0,1 16 0,4-127 0,-4-69 0,-22 100 0,-29-104 0,27 104 0,18 87 0,6 33 0,0 0 0,1-1 0,0 1 0,1-23 0,1 31 0,1 0 0,0 0 0,0 0 0,0 1 0,0-1 0,1 0 0,0 1 0,0-1 0,0 1 0,1 0 0,-1 0 0,1 0 0,0 0 0,0 0 0,1 0 0,-1 1 0,5-4 0,29-28 0,-2-2 0,39-50 0,18-21 0,-77 90 0,0-1 0,22-37 0,-25 35 0,1 1 0,27-31 0,66-81 0,-94 118 0,0 0 0,-1-1 0,-1 0 0,0-1 0,-1 1 0,8-21 0,-2-1 0,18-69 0,-7-53 0,0-27 0,-18 139 0,-3-2 0,-2 1 0,-6-87 0,0 27 0,3-1294 0,0 1390 0,-1-1 0,0 1 0,-1 0 0,0 0 0,-1 0 0,0 0 0,-1 0 0,0 1 0,-1-1 0,0 1 0,-1 0 0,0 1 0,-1-1 0,0 1 0,-9-9 0,-16-21 0,26 32 0,0-1 0,-1 2 0,0-1 0,0 1 0,-15-13 0,-3 4 0,-1 0 0,0 2 0,-1 0 0,0 2 0,-1 1 0,-29-7 0,29 10 0,-1 1 0,0 1 0,0 2 0,-1 1 0,-32 0 0,46 2 0,0 0 0,0-2 0,0 0 0,0-1 0,1 0 0,0-2 0,-29-13 0,-25-8 0,-15 2 0,50 17 0,1-3 0,0-1 0,-47-23 0,39 13 0,12 7 0,1-1 0,-49-37 0,49 33 0,0 0 0,-49-25 0,-4-1 0,72 41 0,-1-1 0,1 0 0,0-1 0,1 0 0,-1 0 0,1-1 0,1 0 0,-1 0 0,2-1 0,-1 0 0,-8-16 0,1 1 0,1 0 0,1-1 0,2-1 0,0 0 0,-8-36 0,-61-254 0,68 269 0,6 28 0,1 1 0,-3-33 0,-7-36 0,9 64 0,1-1 0,-1-25 0,4 25 0,-10-44 0,6 44 0,-4-46 0,8 46 0,-10-44 0,6 45 0,-4-47 0,9 55 0,0-16 0,-2 1 0,-1 0 0,-7-34 0,2 19 0,3 0 0,2 0 0,1 0 0,6-55 0,-1-6 0,0 30 0,-1 47 0,-1-1 0,-1 1 0,-2 0 0,-7-38 0,8 62 0,-1 0 0,1 0 0,-2 0 0,1 0 0,0 0 0,-1 0 0,0 1 0,0 0 0,0-1 0,-1 1 0,1 0 0,-1 0 0,0 1 0,-7-6 0,-4-1 0,-1 2 0,0-1 0,-18-6 0,18 9 0,1-1 0,0-1 0,-22-14 0,23 12 0,-1 1 0,-30-14 0,-2 0 0,19 8 0,-28-18 0,-17-14 0,50 34 0,-40-32 0,53 38 0,-1 1 0,1 0 0,-1 1 0,0 0 0,0 1 0,-22-6 0,-21-8 0,-49-27 0,71 30 0,0 2 0,0 1 0,-1 2 0,-1 1 0,0 1 0,0 2 0,-36-1 0,54 4 0,1 0 0,0-1 0,-28-12 0,30 11 0,0 0 0,0 1 0,-1 0 0,1 1 0,-19-2 0,-19 4-1365,28 1-5461</inkml:trace>
+</inkml:ink>
+</file>
+
+<file path=ppt/ink/ink263.xml><?xml version="1.0" encoding="utf-8"?>
+<inkml:ink xmlns:inkml="http://www.w3.org/2003/InkML">
+  <inkml:definitions>
+    <inkml:context xml:id="ctx0">
+      <inkml:inkSource xml:id="inkSrc0">
+        <inkml:traceFormat>
+          <inkml:channel name="X" type="integer" min="-2.14748E9" max="2.14748E9" units="cm"/>
+          <inkml:channel name="Y" type="integer" min="-2.14748E9" max="2.14748E9" units="cm"/>
+        </inkml:traceFormat>
+        <inkml:channelProperties>
+          <inkml:channelProperty channel="X" name="resolution" value="1000" units="1/cm"/>
+          <inkml:channelProperty channel="Y" name="resolution" value="1000" units="1/cm"/>
+        </inkml:channelProperties>
+      </inkml:inkSource>
+      <inkml:timestamp xml:id="ts0" timeString="2025-06-03T12:27:44.540"/>
+    </inkml:context>
+    <inkml:brush xml:id="br0">
+      <inkml:brushProperty name="width" value="0.2" units="cm"/>
+      <inkml:brushProperty name="height" value="0.4" units="cm"/>
+      <inkml:brushProperty name="color" value="#FF40FF"/>
+      <inkml:brushProperty name="tip" value="rectangle"/>
+      <inkml:brushProperty name="rasterOp" value="maskPen"/>
+      <inkml:brushProperty name="ignorePressure" value="1"/>
+    </inkml:brush>
+  </inkml:definitions>
+  <inkml:trace contextRef="#ctx0" brushRef="#br0">0 2,'19'-1,"-1"0,1 2,0 1,-1 0,1 1,-1 1,0 0,0 2,0 0,-1 1,23 12,-28-12,1-1,0-1,1 0,20 4,-22-6,-1 0,1 0,-1 1,0 0,0 1,-1 1,15 9,8 8,2-2,46 23,23 12,28 24,-9-18,66 61,-183-117,1-1,-1 1,0 1,-1-1,1 1,-1 0,-1 0,1 0,-1 1,-1 0,5 13,1 7,-2 1,3 32,-6-36,0 0,17 48,-8-39,-4-10,0-1,15 25,-18-35,0 0,-1 1,-1 0,0 0,3 27,0-3,-1 8,-1 1,-3 0,-4 74,-1-20,2-81,-1 0,-8 35,5-34,1 1,-1 24,4 425,3-227,-2-233,1 0,0 0,1-1,0 1,0-1,1 1,1-1,0 0,0 0,1-1,0 1,1-1,0 0,0-1,1 1,0-1,0 0,17 12,19 26,-38-39,0 0,1 0,0-1,0 0,1 0,-1-1,1 1,9 4,43 19,-18-9,0 2,71 50,-103-66,1 0,0-1,0 0,0-1,0 0,1 0,0-1,17 2,-16-3,0 1,0 0,-1 1,1 0,-1 1,22 11,-15-3,1-1,1 0,0-2,0 0,1-2,41 12,-49-17,1 1,-1 1,-1 0,1 1,-1 1,0 0,0 0,20 18,-11-10,44 20,-26-15,3 0,-32-16,0 0,0 1,0 1,0 0,-1 0,9 8,-9-7,0-1,0 0,0 0,1-1,-1-1,19 7,-15-7,-2 1,1 1,0-1,14 12,-11-7,1-1,0 0,0-1,27 8,-26-10,-1 1,1 1,-1 0,24 16,37 28,-47-33,34 28,-55-40,0 1,-1 1,0-1,-1 1,0 1,0-1,10 21,-5-5,-1 1,-1 0,-2 1,0 0,-1 0,-2 1,-1-1,-1 1,-2 31,-1-36,1 0,-1 1,-1 0,-1-1,-1 1,-2-1,0 0,-10 28,12-44,-18 42,2 0,-15 61,25-67,-3 0,-28 72,35-102,1-1,0 1,1 0,0 0,1 0,0 19,4 86,1-45,-1 23,-5 125,-10-150,9-52,0 1,-2 29,6 6,0-23,-1-1,-2 1,-8 41,1-16,9-44,-1 0,0-1,-1 1,-1-1,0 0,-1 0,-6 13,-18 48,24-58,0-1,0 0,-1-1,-11 18,-106 148,104-156,-1-1,0 0,-26 19,24-22,1 2,0 0,-18 26,-10 35,42-72,1-1,0 1,0 0,1 0,0 1,1 0,0-1,-3 17,-2 11,2 1,1-1,0 58,5 2,4 96,3-153,22 74,-14-60,18 78,-22-77,-4-27,-1 1,0 40,-5-65,2 16,-2 0,-1 0,0 0,-1 0,-2 0,0 0,-1-1,-15 39,8-33,8-15,-1 0,-1 0,0-1,-13 18,15-24,0 0,0-1,0 0,0 1,0-1,-1-1,0 1,1-1,-1 1,0-1,0-1,0 1,-1-1,-7 1,-56 8,52-5</inkml:trace>
 </inkml:ink>
 </file>
 
@@ -23643,6 +25494,210 @@
           </a:p>
         </p:txBody>
       </p:sp>
+      <mc:AlternateContent xmlns:mc="http://schemas.openxmlformats.org/markup-compatibility/2006">
+        <mc:Choice xmlns:p14="http://schemas.microsoft.com/office/powerpoint/2010/main" Requires="p14">
+          <p:contentPart p14:bwMode="auto" r:id="rId89">
+            <p14:nvContentPartPr>
+              <p14:cNvPr id="5" name="Ink 4">
+                <a:extLst>
+                  <a:ext uri="{FF2B5EF4-FFF2-40B4-BE49-F238E27FC236}">
+                    <a16:creationId xmlns:a16="http://schemas.microsoft.com/office/drawing/2014/main" id="{161272A9-6269-7250-5B37-536A92120694}"/>
+                  </a:ext>
+                </a:extLst>
+              </p14:cNvPr>
+              <p14:cNvContentPartPr/>
+              <p14:nvPr/>
+            </p14:nvContentPartPr>
+            <p14:xfrm>
+              <a:off x="7972545" y="3466515"/>
+              <a:ext cx="218160" cy="572040"/>
+            </p14:xfrm>
+          </p:contentPart>
+        </mc:Choice>
+        <mc:Fallback>
+          <p:pic>
+            <p:nvPicPr>
+              <p:cNvPr id="5" name="Ink 4">
+                <a:extLst>
+                  <a:ext uri="{FF2B5EF4-FFF2-40B4-BE49-F238E27FC236}">
+                    <a16:creationId xmlns:a16="http://schemas.microsoft.com/office/drawing/2014/main" id="{161272A9-6269-7250-5B37-536A92120694}"/>
+                  </a:ext>
+                </a:extLst>
+              </p:cNvPr>
+              <p:cNvPicPr/>
+              <p:nvPr/>
+            </p:nvPicPr>
+            <p:blipFill>
+              <a:blip r:embed="rId90"/>
+              <a:stretch>
+                <a:fillRect/>
+              </a:stretch>
+            </p:blipFill>
+            <p:spPr>
+              <a:xfrm>
+                <a:off x="7954545" y="3430875"/>
+                <a:ext cx="253800" cy="643680"/>
+              </a:xfrm>
+              <a:prstGeom prst="rect">
+                <a:avLst/>
+              </a:prstGeom>
+            </p:spPr>
+          </p:pic>
+        </mc:Fallback>
+      </mc:AlternateContent>
+      <mc:AlternateContent xmlns:mc="http://schemas.openxmlformats.org/markup-compatibility/2006">
+        <mc:Choice xmlns:p14="http://schemas.microsoft.com/office/powerpoint/2010/main" Requires="p14">
+          <p:contentPart p14:bwMode="auto" r:id="rId91">
+            <p14:nvContentPartPr>
+              <p14:cNvPr id="13" name="Ink 12">
+                <a:extLst>
+                  <a:ext uri="{FF2B5EF4-FFF2-40B4-BE49-F238E27FC236}">
+                    <a16:creationId xmlns:a16="http://schemas.microsoft.com/office/drawing/2014/main" id="{12E55D9A-FAEE-7FC0-BA9A-C2A462519F99}"/>
+                  </a:ext>
+                </a:extLst>
+              </p14:cNvPr>
+              <p14:cNvContentPartPr/>
+              <p14:nvPr/>
+            </p14:nvContentPartPr>
+            <p14:xfrm>
+              <a:off x="7943745" y="1980075"/>
+              <a:ext cx="266040" cy="1269720"/>
+            </p14:xfrm>
+          </p:contentPart>
+        </mc:Choice>
+        <mc:Fallback>
+          <p:pic>
+            <p:nvPicPr>
+              <p:cNvPr id="13" name="Ink 12">
+                <a:extLst>
+                  <a:ext uri="{FF2B5EF4-FFF2-40B4-BE49-F238E27FC236}">
+                    <a16:creationId xmlns:a16="http://schemas.microsoft.com/office/drawing/2014/main" id="{12E55D9A-FAEE-7FC0-BA9A-C2A462519F99}"/>
+                  </a:ext>
+                </a:extLst>
+              </p:cNvPr>
+              <p:cNvPicPr/>
+              <p:nvPr/>
+            </p:nvPicPr>
+            <p:blipFill>
+              <a:blip r:embed="rId92"/>
+              <a:stretch>
+                <a:fillRect/>
+              </a:stretch>
+            </p:blipFill>
+            <p:spPr>
+              <a:xfrm>
+                <a:off x="7925745" y="1944435"/>
+                <a:ext cx="301680" cy="1341360"/>
+              </a:xfrm>
+              <a:prstGeom prst="rect">
+                <a:avLst/>
+              </a:prstGeom>
+            </p:spPr>
+          </p:pic>
+        </mc:Fallback>
+      </mc:AlternateContent>
+      <mc:AlternateContent xmlns:mc="http://schemas.openxmlformats.org/markup-compatibility/2006">
+        <mc:Choice xmlns:p14="http://schemas.microsoft.com/office/powerpoint/2010/main" Requires="p14">
+          <p:contentPart p14:bwMode="auto" r:id="rId93">
+            <p14:nvContentPartPr>
+              <p14:cNvPr id="15" name="Ink 14">
+                <a:extLst>
+                  <a:ext uri="{FF2B5EF4-FFF2-40B4-BE49-F238E27FC236}">
+                    <a16:creationId xmlns:a16="http://schemas.microsoft.com/office/drawing/2014/main" id="{A5785FC1-57E5-0002-FC6C-904927B39103}"/>
+                  </a:ext>
+                </a:extLst>
+              </p14:cNvPr>
+              <p14:cNvContentPartPr/>
+              <p14:nvPr/>
+            </p14:nvContentPartPr>
+            <p14:xfrm>
+              <a:off x="645465" y="550875"/>
+              <a:ext cx="8148960" cy="2957040"/>
+            </p14:xfrm>
+          </p:contentPart>
+        </mc:Choice>
+        <mc:Fallback>
+          <p:pic>
+            <p:nvPicPr>
+              <p:cNvPr id="15" name="Ink 14">
+                <a:extLst>
+                  <a:ext uri="{FF2B5EF4-FFF2-40B4-BE49-F238E27FC236}">
+                    <a16:creationId xmlns:a16="http://schemas.microsoft.com/office/drawing/2014/main" id="{A5785FC1-57E5-0002-FC6C-904927B39103}"/>
+                  </a:ext>
+                </a:extLst>
+              </p:cNvPr>
+              <p:cNvPicPr/>
+              <p:nvPr/>
+            </p:nvPicPr>
+            <p:blipFill>
+              <a:blip r:embed="rId94"/>
+              <a:stretch>
+                <a:fillRect/>
+              </a:stretch>
+            </p:blipFill>
+            <p:spPr>
+              <a:xfrm>
+                <a:off x="609465" y="479235"/>
+                <a:ext cx="8220600" cy="3100680"/>
+              </a:xfrm>
+              <a:prstGeom prst="rect">
+                <a:avLst/>
+              </a:prstGeom>
+            </p:spPr>
+          </p:pic>
+        </mc:Fallback>
+      </mc:AlternateContent>
+      <mc:AlternateContent xmlns:mc="http://schemas.openxmlformats.org/markup-compatibility/2006">
+        <mc:Choice xmlns:p14="http://schemas.microsoft.com/office/powerpoint/2010/main" Requires="p14">
+          <p:contentPart p14:bwMode="auto" r:id="rId95">
+            <p14:nvContentPartPr>
+              <p14:cNvPr id="18" name="Ink 17">
+                <a:extLst>
+                  <a:ext uri="{FF2B5EF4-FFF2-40B4-BE49-F238E27FC236}">
+                    <a16:creationId xmlns:a16="http://schemas.microsoft.com/office/drawing/2014/main" id="{3193FD6D-4987-4508-C54B-C59F8F81F267}"/>
+                  </a:ext>
+                </a:extLst>
+              </p14:cNvPr>
+              <p14:cNvContentPartPr/>
+              <p14:nvPr/>
+            </p14:nvContentPartPr>
+            <p14:xfrm>
+              <a:off x="7400865" y="4019475"/>
+              <a:ext cx="218160" cy="28800"/>
+            </p14:xfrm>
+          </p:contentPart>
+        </mc:Choice>
+        <mc:Fallback>
+          <p:pic>
+            <p:nvPicPr>
+              <p:cNvPr id="18" name="Ink 17">
+                <a:extLst>
+                  <a:ext uri="{FF2B5EF4-FFF2-40B4-BE49-F238E27FC236}">
+                    <a16:creationId xmlns:a16="http://schemas.microsoft.com/office/drawing/2014/main" id="{3193FD6D-4987-4508-C54B-C59F8F81F267}"/>
+                  </a:ext>
+                </a:extLst>
+              </p:cNvPr>
+              <p:cNvPicPr/>
+              <p:nvPr/>
+            </p:nvPicPr>
+            <p:blipFill>
+              <a:blip r:embed="rId96"/>
+              <a:stretch>
+                <a:fillRect/>
+              </a:stretch>
+            </p:blipFill>
+            <p:spPr>
+              <a:xfrm>
+                <a:off x="7364865" y="3947835"/>
+                <a:ext cx="289800" cy="172440"/>
+              </a:xfrm>
+              <a:prstGeom prst="rect">
+                <a:avLst/>
+              </a:prstGeom>
+            </p:spPr>
+          </p:pic>
+        </mc:Fallback>
+      </mc:AlternateContent>
     </p:spTree>
     <p:extLst>
       <p:ext uri="{BB962C8B-B14F-4D97-AF65-F5344CB8AC3E}">
@@ -23877,6 +25932,4292 @@
           </a:p>
         </p:txBody>
       </p:sp>
+      <p:pic>
+        <p:nvPicPr>
+          <p:cNvPr id="2" name="Picture 1">
+            <a:extLst>
+              <a:ext uri="{FF2B5EF4-FFF2-40B4-BE49-F238E27FC236}">
+                <a16:creationId xmlns:a16="http://schemas.microsoft.com/office/drawing/2014/main" id="{6215A0FF-920A-A27B-E20C-BC5E28FA66C3}"/>
+              </a:ext>
+            </a:extLst>
+          </p:cNvPr>
+          <p:cNvPicPr>
+            <a:picLocks noChangeAspect="1"/>
+          </p:cNvPicPr>
+          <p:nvPr/>
+        </p:nvPicPr>
+        <p:blipFill>
+          <a:blip r:embed="rId8"/>
+          <a:stretch>
+            <a:fillRect/>
+          </a:stretch>
+        </p:blipFill>
+        <p:spPr>
+          <a:xfrm>
+            <a:off x="71443" y="5419671"/>
+            <a:ext cx="2662382" cy="1161767"/>
+          </a:xfrm>
+          <a:prstGeom prst="rect">
+            <a:avLst/>
+          </a:prstGeom>
+        </p:spPr>
+      </p:pic>
+      <p:sp>
+        <p:nvSpPr>
+          <p:cNvPr id="3" name="TextBox 2">
+            <a:extLst>
+              <a:ext uri="{FF2B5EF4-FFF2-40B4-BE49-F238E27FC236}">
+                <a16:creationId xmlns:a16="http://schemas.microsoft.com/office/drawing/2014/main" id="{5E9EE46B-B881-3454-6336-4B91F50EA2BB}"/>
+              </a:ext>
+            </a:extLst>
+          </p:cNvPr>
+          <p:cNvSpPr txBox="1"/>
+          <p:nvPr/>
+        </p:nvSpPr>
+        <p:spPr>
+          <a:xfrm>
+            <a:off x="138029" y="5067650"/>
+            <a:ext cx="2529210" cy="246221"/>
+          </a:xfrm>
+          <a:prstGeom prst="rect">
+            <a:avLst/>
+          </a:prstGeom>
+          <a:noFill/>
+        </p:spPr>
+        <p:txBody>
+          <a:bodyPr wrap="square" rtlCol="0">
+            <a:spAutoFit/>
+          </a:bodyPr>
+          <a:lstStyle/>
+          <a:p>
+            <a:r>
+              <a:rPr lang="en-US" sz="1000" dirty="0" err="1">
+                <a:solidFill>
+                  <a:srgbClr val="FF0000"/>
+                </a:solidFill>
+              </a:rPr>
+              <a:t>jal</a:t>
+            </a:r>
+            <a:r>
+              <a:rPr lang="en-US" sz="1000" dirty="0">
+                <a:solidFill>
+                  <a:srgbClr val="FF0000"/>
+                </a:solidFill>
+              </a:rPr>
+              <a:t> </a:t>
+            </a:r>
+            <a:r>
+              <a:rPr lang="en-US" sz="1000" dirty="0" err="1">
+                <a:solidFill>
+                  <a:srgbClr val="FF0000"/>
+                </a:solidFill>
+              </a:rPr>
+              <a:t>rd</a:t>
+            </a:r>
+            <a:r>
+              <a:rPr lang="en-US" sz="1000" dirty="0">
+                <a:solidFill>
+                  <a:srgbClr val="FF0000"/>
+                </a:solidFill>
+              </a:rPr>
+              <a:t>, </a:t>
+            </a:r>
+            <a:r>
+              <a:rPr lang="en-US" sz="1000" dirty="0" err="1">
+                <a:solidFill>
+                  <a:srgbClr val="FF0000"/>
+                </a:solidFill>
+              </a:rPr>
+              <a:t>imm</a:t>
+            </a:r>
+            <a:r>
+              <a:rPr lang="en-US" sz="1000" dirty="0">
+                <a:solidFill>
+                  <a:srgbClr val="FF0000"/>
+                </a:solidFill>
+              </a:rPr>
+              <a:t> # </a:t>
+            </a:r>
+            <a:r>
+              <a:rPr lang="en-US" sz="1000" dirty="0" err="1">
+                <a:solidFill>
+                  <a:srgbClr val="FF0000"/>
+                </a:solidFill>
+              </a:rPr>
+              <a:t>rd</a:t>
+            </a:r>
+            <a:r>
+              <a:rPr lang="en-US" sz="1000" dirty="0">
+                <a:solidFill>
+                  <a:srgbClr val="FF0000"/>
+                </a:solidFill>
+              </a:rPr>
+              <a:t> = pc + 4; pc += </a:t>
+            </a:r>
+            <a:r>
+              <a:rPr lang="en-US" sz="1000" dirty="0" err="1">
+                <a:solidFill>
+                  <a:srgbClr val="FF0000"/>
+                </a:solidFill>
+              </a:rPr>
+              <a:t>imm</a:t>
+            </a:r>
+            <a:endParaRPr lang="en-US" sz="1000" dirty="0">
+              <a:solidFill>
+                <a:srgbClr val="FF0000"/>
+              </a:solidFill>
+            </a:endParaRPr>
+          </a:p>
+        </p:txBody>
+      </p:sp>
+      <mc:AlternateContent xmlns:mc="http://schemas.openxmlformats.org/markup-compatibility/2006" xmlns:p14="http://schemas.microsoft.com/office/powerpoint/2010/main">
+        <mc:Choice Requires="p14">
+          <p:contentPart p14:bwMode="auto" r:id="rId9">
+            <p14:nvContentPartPr>
+              <p14:cNvPr id="11" name="Ink 10">
+                <a:extLst>
+                  <a:ext uri="{FF2B5EF4-FFF2-40B4-BE49-F238E27FC236}">
+                    <a16:creationId xmlns:a16="http://schemas.microsoft.com/office/drawing/2014/main" id="{36F38950-9097-4F1A-5A3E-663031F577FE}"/>
+                  </a:ext>
+                </a:extLst>
+              </p14:cNvPr>
+              <p14:cNvContentPartPr/>
+              <p14:nvPr/>
+            </p14:nvContentPartPr>
+            <p14:xfrm>
+              <a:off x="3286065" y="2771715"/>
+              <a:ext cx="2314080" cy="360"/>
+            </p14:xfrm>
+          </p:contentPart>
+        </mc:Choice>
+        <mc:Fallback xmlns="">
+          <p:pic>
+            <p:nvPicPr>
+              <p:cNvPr id="11" name="Ink 10">
+                <a:extLst>
+                  <a:ext uri="{FF2B5EF4-FFF2-40B4-BE49-F238E27FC236}">
+                    <a16:creationId xmlns:a16="http://schemas.microsoft.com/office/drawing/2014/main" id="{36F38950-9097-4F1A-5A3E-663031F577FE}"/>
+                  </a:ext>
+                </a:extLst>
+              </p:cNvPr>
+              <p:cNvPicPr/>
+              <p:nvPr/>
+            </p:nvPicPr>
+            <p:blipFill>
+              <a:blip r:embed="rId10"/>
+              <a:stretch>
+                <a:fillRect/>
+              </a:stretch>
+            </p:blipFill>
+            <p:spPr>
+              <a:xfrm>
+                <a:off x="3250065" y="2700075"/>
+                <a:ext cx="2385720" cy="144000"/>
+              </a:xfrm>
+              <a:prstGeom prst="rect">
+                <a:avLst/>
+              </a:prstGeom>
+            </p:spPr>
+          </p:pic>
+        </mc:Fallback>
+      </mc:AlternateContent>
+      <mc:AlternateContent xmlns:mc="http://schemas.openxmlformats.org/markup-compatibility/2006" xmlns:p14="http://schemas.microsoft.com/office/powerpoint/2010/main">
+        <mc:Choice Requires="p14">
+          <p:contentPart p14:bwMode="auto" r:id="rId11">
+            <p14:nvContentPartPr>
+              <p14:cNvPr id="14" name="Ink 13">
+                <a:extLst>
+                  <a:ext uri="{FF2B5EF4-FFF2-40B4-BE49-F238E27FC236}">
+                    <a16:creationId xmlns:a16="http://schemas.microsoft.com/office/drawing/2014/main" id="{A3DCF374-5583-045C-46FD-E46EE2116709}"/>
+                  </a:ext>
+                </a:extLst>
+              </p14:cNvPr>
+              <p14:cNvContentPartPr/>
+              <p14:nvPr/>
+            </p14:nvContentPartPr>
+            <p14:xfrm>
+              <a:off x="2347905" y="740955"/>
+              <a:ext cx="6217920" cy="2262240"/>
+            </p14:xfrm>
+          </p:contentPart>
+        </mc:Choice>
+        <mc:Fallback xmlns="">
+          <p:pic>
+            <p:nvPicPr>
+              <p:cNvPr id="14" name="Ink 13">
+                <a:extLst>
+                  <a:ext uri="{FF2B5EF4-FFF2-40B4-BE49-F238E27FC236}">
+                    <a16:creationId xmlns:a16="http://schemas.microsoft.com/office/drawing/2014/main" id="{A3DCF374-5583-045C-46FD-E46EE2116709}"/>
+                  </a:ext>
+                </a:extLst>
+              </p:cNvPr>
+              <p:cNvPicPr/>
+              <p:nvPr/>
+            </p:nvPicPr>
+            <p:blipFill>
+              <a:blip r:embed="rId12"/>
+              <a:stretch>
+                <a:fillRect/>
+              </a:stretch>
+            </p:blipFill>
+            <p:spPr>
+              <a:xfrm>
+                <a:off x="2311905" y="668955"/>
+                <a:ext cx="6289560" cy="2405880"/>
+              </a:xfrm>
+              <a:prstGeom prst="rect">
+                <a:avLst/>
+              </a:prstGeom>
+            </p:spPr>
+          </p:pic>
+        </mc:Fallback>
+      </mc:AlternateContent>
+      <mc:AlternateContent xmlns:mc="http://schemas.openxmlformats.org/markup-compatibility/2006" xmlns:p14="http://schemas.microsoft.com/office/powerpoint/2010/main">
+        <mc:Choice Requires="p14">
+          <p:contentPart p14:bwMode="auto" r:id="rId13">
+            <p14:nvContentPartPr>
+              <p14:cNvPr id="17" name="Ink 16">
+                <a:extLst>
+                  <a:ext uri="{FF2B5EF4-FFF2-40B4-BE49-F238E27FC236}">
+                    <a16:creationId xmlns:a16="http://schemas.microsoft.com/office/drawing/2014/main" id="{F338DBA7-F024-939F-DB6F-227519F831F8}"/>
+                  </a:ext>
+                </a:extLst>
+              </p14:cNvPr>
+              <p14:cNvContentPartPr/>
+              <p14:nvPr/>
+            </p14:nvContentPartPr>
+            <p14:xfrm>
+              <a:off x="332265" y="1923915"/>
+              <a:ext cx="2058840" cy="59760"/>
+            </p14:xfrm>
+          </p:contentPart>
+        </mc:Choice>
+        <mc:Fallback xmlns="">
+          <p:pic>
+            <p:nvPicPr>
+              <p:cNvPr id="17" name="Ink 16">
+                <a:extLst>
+                  <a:ext uri="{FF2B5EF4-FFF2-40B4-BE49-F238E27FC236}">
+                    <a16:creationId xmlns:a16="http://schemas.microsoft.com/office/drawing/2014/main" id="{F338DBA7-F024-939F-DB6F-227519F831F8}"/>
+                  </a:ext>
+                </a:extLst>
+              </p:cNvPr>
+              <p:cNvPicPr/>
+              <p:nvPr/>
+            </p:nvPicPr>
+            <p:blipFill>
+              <a:blip r:embed="rId14"/>
+              <a:stretch>
+                <a:fillRect/>
+              </a:stretch>
+            </p:blipFill>
+            <p:spPr>
+              <a:xfrm>
+                <a:off x="296265" y="1851915"/>
+                <a:ext cx="2130480" cy="203400"/>
+              </a:xfrm>
+              <a:prstGeom prst="rect">
+                <a:avLst/>
+              </a:prstGeom>
+            </p:spPr>
+          </p:pic>
+        </mc:Fallback>
+      </mc:AlternateContent>
+      <mc:AlternateContent xmlns:mc="http://schemas.openxmlformats.org/markup-compatibility/2006" xmlns:p14="http://schemas.microsoft.com/office/powerpoint/2010/main">
+        <mc:Choice Requires="p14">
+          <p:contentPart p14:bwMode="auto" r:id="rId15">
+            <p14:nvContentPartPr>
+              <p14:cNvPr id="18" name="Ink 17">
+                <a:extLst>
+                  <a:ext uri="{FF2B5EF4-FFF2-40B4-BE49-F238E27FC236}">
+                    <a16:creationId xmlns:a16="http://schemas.microsoft.com/office/drawing/2014/main" id="{7DCB7063-EB73-B2DD-DF03-A5A0D394DDB5}"/>
+                  </a:ext>
+                </a:extLst>
+              </p14:cNvPr>
+              <p14:cNvContentPartPr/>
+              <p14:nvPr/>
+            </p14:nvContentPartPr>
+            <p14:xfrm>
+              <a:off x="333345" y="1971435"/>
+              <a:ext cx="620280" cy="1991880"/>
+            </p14:xfrm>
+          </p:contentPart>
+        </mc:Choice>
+        <mc:Fallback xmlns="">
+          <p:pic>
+            <p:nvPicPr>
+              <p:cNvPr id="18" name="Ink 17">
+                <a:extLst>
+                  <a:ext uri="{FF2B5EF4-FFF2-40B4-BE49-F238E27FC236}">
+                    <a16:creationId xmlns:a16="http://schemas.microsoft.com/office/drawing/2014/main" id="{7DCB7063-EB73-B2DD-DF03-A5A0D394DDB5}"/>
+                  </a:ext>
+                </a:extLst>
+              </p:cNvPr>
+              <p:cNvPicPr/>
+              <p:nvPr/>
+            </p:nvPicPr>
+            <p:blipFill>
+              <a:blip r:embed="rId16"/>
+              <a:stretch>
+                <a:fillRect/>
+              </a:stretch>
+            </p:blipFill>
+            <p:spPr>
+              <a:xfrm>
+                <a:off x="297345" y="1899795"/>
+                <a:ext cx="691920" cy="2135520"/>
+              </a:xfrm>
+              <a:prstGeom prst="rect">
+                <a:avLst/>
+              </a:prstGeom>
+            </p:spPr>
+          </p:pic>
+        </mc:Fallback>
+      </mc:AlternateContent>
+      <mc:AlternateContent xmlns:mc="http://schemas.openxmlformats.org/markup-compatibility/2006" xmlns:p14="http://schemas.microsoft.com/office/powerpoint/2010/main">
+        <mc:Choice Requires="p14">
+          <p:contentPart p14:bwMode="auto" r:id="rId17">
+            <p14:nvContentPartPr>
+              <p14:cNvPr id="19" name="Ink 18">
+                <a:extLst>
+                  <a:ext uri="{FF2B5EF4-FFF2-40B4-BE49-F238E27FC236}">
+                    <a16:creationId xmlns:a16="http://schemas.microsoft.com/office/drawing/2014/main" id="{2C934AC6-EDCB-9A90-E617-2023CD4ACA7D}"/>
+                  </a:ext>
+                </a:extLst>
+              </p14:cNvPr>
+              <p14:cNvContentPartPr/>
+              <p14:nvPr/>
+            </p14:nvContentPartPr>
+            <p14:xfrm>
+              <a:off x="3314505" y="4237635"/>
+              <a:ext cx="1428120" cy="1051200"/>
+            </p14:xfrm>
+          </p:contentPart>
+        </mc:Choice>
+        <mc:Fallback xmlns="">
+          <p:pic>
+            <p:nvPicPr>
+              <p:cNvPr id="19" name="Ink 18">
+                <a:extLst>
+                  <a:ext uri="{FF2B5EF4-FFF2-40B4-BE49-F238E27FC236}">
+                    <a16:creationId xmlns:a16="http://schemas.microsoft.com/office/drawing/2014/main" id="{2C934AC6-EDCB-9A90-E617-2023CD4ACA7D}"/>
+                  </a:ext>
+                </a:extLst>
+              </p:cNvPr>
+              <p:cNvPicPr/>
+              <p:nvPr/>
+            </p:nvPicPr>
+            <p:blipFill>
+              <a:blip r:embed="rId18"/>
+              <a:stretch>
+                <a:fillRect/>
+              </a:stretch>
+            </p:blipFill>
+            <p:spPr>
+              <a:xfrm>
+                <a:off x="3278505" y="4165995"/>
+                <a:ext cx="1499760" cy="1194840"/>
+              </a:xfrm>
+              <a:prstGeom prst="rect">
+                <a:avLst/>
+              </a:prstGeom>
+            </p:spPr>
+          </p:pic>
+        </mc:Fallback>
+      </mc:AlternateContent>
+      <mc:AlternateContent xmlns:mc="http://schemas.openxmlformats.org/markup-compatibility/2006" xmlns:p14="http://schemas.microsoft.com/office/powerpoint/2010/main">
+        <mc:Choice Requires="p14">
+          <p:contentPart p14:bwMode="auto" r:id="rId19">
+            <p14:nvContentPartPr>
+              <p14:cNvPr id="20" name="Ink 19">
+                <a:extLst>
+                  <a:ext uri="{FF2B5EF4-FFF2-40B4-BE49-F238E27FC236}">
+                    <a16:creationId xmlns:a16="http://schemas.microsoft.com/office/drawing/2014/main" id="{5D2CED78-DE0F-10AA-B7F4-52397774E797}"/>
+                  </a:ext>
+                </a:extLst>
+              </p14:cNvPr>
+              <p14:cNvContentPartPr/>
+              <p14:nvPr/>
+            </p14:nvContentPartPr>
+            <p14:xfrm>
+              <a:off x="5257785" y="5276595"/>
+              <a:ext cx="304200" cy="10440"/>
+            </p14:xfrm>
+          </p:contentPart>
+        </mc:Choice>
+        <mc:Fallback xmlns="">
+          <p:pic>
+            <p:nvPicPr>
+              <p:cNvPr id="20" name="Ink 19">
+                <a:extLst>
+                  <a:ext uri="{FF2B5EF4-FFF2-40B4-BE49-F238E27FC236}">
+                    <a16:creationId xmlns:a16="http://schemas.microsoft.com/office/drawing/2014/main" id="{5D2CED78-DE0F-10AA-B7F4-52397774E797}"/>
+                  </a:ext>
+                </a:extLst>
+              </p:cNvPr>
+              <p:cNvPicPr/>
+              <p:nvPr/>
+            </p:nvPicPr>
+            <p:blipFill>
+              <a:blip r:embed="rId20"/>
+              <a:stretch>
+                <a:fillRect/>
+              </a:stretch>
+            </p:blipFill>
+            <p:spPr>
+              <a:xfrm>
+                <a:off x="5221785" y="5204595"/>
+                <a:ext cx="375840" cy="154080"/>
+              </a:xfrm>
+              <a:prstGeom prst="rect">
+                <a:avLst/>
+              </a:prstGeom>
+            </p:spPr>
+          </p:pic>
+        </mc:Fallback>
+      </mc:AlternateContent>
+      <mc:AlternateContent xmlns:mc="http://schemas.openxmlformats.org/markup-compatibility/2006" xmlns:p14="http://schemas.microsoft.com/office/powerpoint/2010/main">
+        <mc:Choice Requires="p14">
+          <p:contentPart p14:bwMode="auto" r:id="rId21">
+            <p14:nvContentPartPr>
+              <p14:cNvPr id="28" name="Ink 27">
+                <a:extLst>
+                  <a:ext uri="{FF2B5EF4-FFF2-40B4-BE49-F238E27FC236}">
+                    <a16:creationId xmlns:a16="http://schemas.microsoft.com/office/drawing/2014/main" id="{0B287F90-2CC4-9D71-6FFA-BC43028F3D00}"/>
+                  </a:ext>
+                </a:extLst>
+              </p14:cNvPr>
+              <p14:cNvContentPartPr/>
+              <p14:nvPr/>
+            </p14:nvContentPartPr>
+            <p14:xfrm>
+              <a:off x="3466425" y="1723755"/>
+              <a:ext cx="67680" cy="2524320"/>
+            </p14:xfrm>
+          </p:contentPart>
+        </mc:Choice>
+        <mc:Fallback xmlns="">
+          <p:pic>
+            <p:nvPicPr>
+              <p:cNvPr id="28" name="Ink 27">
+                <a:extLst>
+                  <a:ext uri="{FF2B5EF4-FFF2-40B4-BE49-F238E27FC236}">
+                    <a16:creationId xmlns:a16="http://schemas.microsoft.com/office/drawing/2014/main" id="{0B287F90-2CC4-9D71-6FFA-BC43028F3D00}"/>
+                  </a:ext>
+                </a:extLst>
+              </p:cNvPr>
+              <p:cNvPicPr/>
+              <p:nvPr/>
+            </p:nvPicPr>
+            <p:blipFill>
+              <a:blip r:embed="rId22"/>
+              <a:stretch>
+                <a:fillRect/>
+              </a:stretch>
+            </p:blipFill>
+            <p:spPr>
+              <a:xfrm>
+                <a:off x="3430425" y="1652115"/>
+                <a:ext cx="139320" cy="2667960"/>
+              </a:xfrm>
+              <a:prstGeom prst="rect">
+                <a:avLst/>
+              </a:prstGeom>
+            </p:spPr>
+          </p:pic>
+        </mc:Fallback>
+      </mc:AlternateContent>
+      <mc:AlternateContent xmlns:mc="http://schemas.openxmlformats.org/markup-compatibility/2006" xmlns:p14="http://schemas.microsoft.com/office/powerpoint/2010/main">
+        <mc:Choice Requires="p14">
+          <p:contentPart p14:bwMode="auto" r:id="rId23">
+            <p14:nvContentPartPr>
+              <p14:cNvPr id="29" name="Ink 28">
+                <a:extLst>
+                  <a:ext uri="{FF2B5EF4-FFF2-40B4-BE49-F238E27FC236}">
+                    <a16:creationId xmlns:a16="http://schemas.microsoft.com/office/drawing/2014/main" id="{99085CE9-B8E4-F77F-F587-1AAFD32B0D90}"/>
+                  </a:ext>
+                </a:extLst>
+              </p14:cNvPr>
+              <p14:cNvContentPartPr/>
+              <p14:nvPr/>
+            </p14:nvContentPartPr>
+            <p14:xfrm>
+              <a:off x="3476505" y="1675875"/>
+              <a:ext cx="1333080" cy="67320"/>
+            </p14:xfrm>
+          </p:contentPart>
+        </mc:Choice>
+        <mc:Fallback xmlns="">
+          <p:pic>
+            <p:nvPicPr>
+              <p:cNvPr id="29" name="Ink 28">
+                <a:extLst>
+                  <a:ext uri="{FF2B5EF4-FFF2-40B4-BE49-F238E27FC236}">
+                    <a16:creationId xmlns:a16="http://schemas.microsoft.com/office/drawing/2014/main" id="{99085CE9-B8E4-F77F-F587-1AAFD32B0D90}"/>
+                  </a:ext>
+                </a:extLst>
+              </p:cNvPr>
+              <p:cNvPicPr/>
+              <p:nvPr/>
+            </p:nvPicPr>
+            <p:blipFill>
+              <a:blip r:embed="rId24"/>
+              <a:stretch>
+                <a:fillRect/>
+              </a:stretch>
+            </p:blipFill>
+            <p:spPr>
+              <a:xfrm>
+                <a:off x="3440505" y="1603875"/>
+                <a:ext cx="1404720" cy="210960"/>
+              </a:xfrm>
+              <a:prstGeom prst="rect">
+                <a:avLst/>
+              </a:prstGeom>
+            </p:spPr>
+          </p:pic>
+        </mc:Fallback>
+      </mc:AlternateContent>
+      <mc:AlternateContent xmlns:mc="http://schemas.openxmlformats.org/markup-compatibility/2006" xmlns:p14="http://schemas.microsoft.com/office/powerpoint/2010/main">
+        <mc:Choice Requires="p14">
+          <p:contentPart p14:bwMode="auto" r:id="rId25">
+            <p14:nvContentPartPr>
+              <p14:cNvPr id="38" name="Ink 37">
+                <a:extLst>
+                  <a:ext uri="{FF2B5EF4-FFF2-40B4-BE49-F238E27FC236}">
+                    <a16:creationId xmlns:a16="http://schemas.microsoft.com/office/drawing/2014/main" id="{0BBB182F-6CDB-CA5D-6830-AB13622D5C05}"/>
+                  </a:ext>
+                </a:extLst>
+              </p14:cNvPr>
+              <p14:cNvContentPartPr/>
+              <p14:nvPr/>
+            </p14:nvContentPartPr>
+            <p14:xfrm>
+              <a:off x="1266825" y="3761355"/>
+              <a:ext cx="199080" cy="11160"/>
+            </p14:xfrm>
+          </p:contentPart>
+        </mc:Choice>
+        <mc:Fallback xmlns="">
+          <p:pic>
+            <p:nvPicPr>
+              <p:cNvPr id="38" name="Ink 37">
+                <a:extLst>
+                  <a:ext uri="{FF2B5EF4-FFF2-40B4-BE49-F238E27FC236}">
+                    <a16:creationId xmlns:a16="http://schemas.microsoft.com/office/drawing/2014/main" id="{0BBB182F-6CDB-CA5D-6830-AB13622D5C05}"/>
+                  </a:ext>
+                </a:extLst>
+              </p:cNvPr>
+              <p:cNvPicPr/>
+              <p:nvPr/>
+            </p:nvPicPr>
+            <p:blipFill>
+              <a:blip r:embed="rId26"/>
+              <a:stretch>
+                <a:fillRect/>
+              </a:stretch>
+            </p:blipFill>
+            <p:spPr>
+              <a:xfrm>
+                <a:off x="1230825" y="3689715"/>
+                <a:ext cx="270720" cy="154800"/>
+              </a:xfrm>
+              <a:prstGeom prst="rect">
+                <a:avLst/>
+              </a:prstGeom>
+            </p:spPr>
+          </p:pic>
+        </mc:Fallback>
+      </mc:AlternateContent>
+      <mc:AlternateContent xmlns:mc="http://schemas.openxmlformats.org/markup-compatibility/2006" xmlns:p14="http://schemas.microsoft.com/office/powerpoint/2010/main">
+        <mc:Choice Requires="p14">
+          <p:contentPart p14:bwMode="auto" r:id="rId27">
+            <p14:nvContentPartPr>
+              <p14:cNvPr id="39" name="Ink 38">
+                <a:extLst>
+                  <a:ext uri="{FF2B5EF4-FFF2-40B4-BE49-F238E27FC236}">
+                    <a16:creationId xmlns:a16="http://schemas.microsoft.com/office/drawing/2014/main" id="{920C9515-137E-AF3B-7B39-8A48E9A378F5}"/>
+                  </a:ext>
+                </a:extLst>
+              </p14:cNvPr>
+              <p14:cNvContentPartPr/>
+              <p14:nvPr/>
+            </p14:nvContentPartPr>
+            <p14:xfrm>
+              <a:off x="1342065" y="2616555"/>
+              <a:ext cx="637920" cy="1098360"/>
+            </p14:xfrm>
+          </p:contentPart>
+        </mc:Choice>
+        <mc:Fallback xmlns="">
+          <p:pic>
+            <p:nvPicPr>
+              <p:cNvPr id="39" name="Ink 38">
+                <a:extLst>
+                  <a:ext uri="{FF2B5EF4-FFF2-40B4-BE49-F238E27FC236}">
+                    <a16:creationId xmlns:a16="http://schemas.microsoft.com/office/drawing/2014/main" id="{920C9515-137E-AF3B-7B39-8A48E9A378F5}"/>
+                  </a:ext>
+                </a:extLst>
+              </p:cNvPr>
+              <p:cNvPicPr/>
+              <p:nvPr/>
+            </p:nvPicPr>
+            <p:blipFill>
+              <a:blip r:embed="rId28"/>
+              <a:stretch>
+                <a:fillRect/>
+              </a:stretch>
+            </p:blipFill>
+            <p:spPr>
+              <a:xfrm>
+                <a:off x="1306425" y="2544915"/>
+                <a:ext cx="709560" cy="1242000"/>
+              </a:xfrm>
+              <a:prstGeom prst="rect">
+                <a:avLst/>
+              </a:prstGeom>
+            </p:spPr>
+          </p:pic>
+        </mc:Fallback>
+      </mc:AlternateContent>
+      <mc:AlternateContent xmlns:mc="http://schemas.openxmlformats.org/markup-compatibility/2006" xmlns:p14="http://schemas.microsoft.com/office/powerpoint/2010/main">
+        <mc:Choice Requires="p14">
+          <p:contentPart p14:bwMode="auto" r:id="rId29">
+            <p14:nvContentPartPr>
+              <p14:cNvPr id="40" name="Ink 39">
+                <a:extLst>
+                  <a:ext uri="{FF2B5EF4-FFF2-40B4-BE49-F238E27FC236}">
+                    <a16:creationId xmlns:a16="http://schemas.microsoft.com/office/drawing/2014/main" id="{A78D0FCB-2F09-F1C4-BF6C-DCCB76F75905}"/>
+                  </a:ext>
+                </a:extLst>
+              </p14:cNvPr>
+              <p14:cNvContentPartPr/>
+              <p14:nvPr/>
+            </p14:nvContentPartPr>
+            <p14:xfrm>
+              <a:off x="1790625" y="2981235"/>
+              <a:ext cx="241200" cy="6120"/>
+            </p14:xfrm>
+          </p:contentPart>
+        </mc:Choice>
+        <mc:Fallback xmlns="">
+          <p:pic>
+            <p:nvPicPr>
+              <p:cNvPr id="40" name="Ink 39">
+                <a:extLst>
+                  <a:ext uri="{FF2B5EF4-FFF2-40B4-BE49-F238E27FC236}">
+                    <a16:creationId xmlns:a16="http://schemas.microsoft.com/office/drawing/2014/main" id="{A78D0FCB-2F09-F1C4-BF6C-DCCB76F75905}"/>
+                  </a:ext>
+                </a:extLst>
+              </p:cNvPr>
+              <p:cNvPicPr/>
+              <p:nvPr/>
+            </p:nvPicPr>
+            <p:blipFill>
+              <a:blip r:embed="rId30"/>
+              <a:stretch>
+                <a:fillRect/>
+              </a:stretch>
+            </p:blipFill>
+            <p:spPr>
+              <a:xfrm>
+                <a:off x="1754625" y="2909595"/>
+                <a:ext cx="312840" cy="149760"/>
+              </a:xfrm>
+              <a:prstGeom prst="rect">
+                <a:avLst/>
+              </a:prstGeom>
+            </p:spPr>
+          </p:pic>
+        </mc:Fallback>
+      </mc:AlternateContent>
+      <mc:AlternateContent xmlns:mc="http://schemas.openxmlformats.org/markup-compatibility/2006" xmlns:p14="http://schemas.microsoft.com/office/powerpoint/2010/main">
+        <mc:Choice Requires="p14">
+          <p:contentPart p14:bwMode="auto" r:id="rId31">
+            <p14:nvContentPartPr>
+              <p14:cNvPr id="41" name="Ink 40">
+                <a:extLst>
+                  <a:ext uri="{FF2B5EF4-FFF2-40B4-BE49-F238E27FC236}">
+                    <a16:creationId xmlns:a16="http://schemas.microsoft.com/office/drawing/2014/main" id="{7523B144-AEB6-C5F7-1C65-1E7B67A8A997}"/>
+                  </a:ext>
+                </a:extLst>
+              </p14:cNvPr>
+              <p14:cNvContentPartPr/>
+              <p14:nvPr/>
+            </p14:nvContentPartPr>
+            <p14:xfrm>
+              <a:off x="445665" y="2097435"/>
+              <a:ext cx="2106720" cy="1467720"/>
+            </p14:xfrm>
+          </p:contentPart>
+        </mc:Choice>
+        <mc:Fallback xmlns="">
+          <p:pic>
+            <p:nvPicPr>
+              <p:cNvPr id="41" name="Ink 40">
+                <a:extLst>
+                  <a:ext uri="{FF2B5EF4-FFF2-40B4-BE49-F238E27FC236}">
+                    <a16:creationId xmlns:a16="http://schemas.microsoft.com/office/drawing/2014/main" id="{7523B144-AEB6-C5F7-1C65-1E7B67A8A997}"/>
+                  </a:ext>
+                </a:extLst>
+              </p:cNvPr>
+              <p:cNvPicPr/>
+              <p:nvPr/>
+            </p:nvPicPr>
+            <p:blipFill>
+              <a:blip r:embed="rId32"/>
+              <a:stretch>
+                <a:fillRect/>
+              </a:stretch>
+            </p:blipFill>
+            <p:spPr>
+              <a:xfrm>
+                <a:off x="410025" y="2025435"/>
+                <a:ext cx="2178360" cy="1611360"/>
+              </a:xfrm>
+              <a:prstGeom prst="rect">
+                <a:avLst/>
+              </a:prstGeom>
+            </p:spPr>
+          </p:pic>
+        </mc:Fallback>
+      </mc:AlternateContent>
+      <mc:AlternateContent xmlns:mc="http://schemas.openxmlformats.org/markup-compatibility/2006" xmlns:p14="http://schemas.microsoft.com/office/powerpoint/2010/main">
+        <mc:Choice Requires="p14">
+          <p:contentPart p14:bwMode="auto" r:id="rId33">
+            <p14:nvContentPartPr>
+              <p14:cNvPr id="42" name="Ink 41">
+                <a:extLst>
+                  <a:ext uri="{FF2B5EF4-FFF2-40B4-BE49-F238E27FC236}">
+                    <a16:creationId xmlns:a16="http://schemas.microsoft.com/office/drawing/2014/main" id="{20169F05-0A7D-CD21-C9A8-301F3220D815}"/>
+                  </a:ext>
+                </a:extLst>
+              </p14:cNvPr>
+              <p14:cNvContentPartPr/>
+              <p14:nvPr/>
+            </p14:nvContentPartPr>
+            <p14:xfrm>
+              <a:off x="1371585" y="2759835"/>
+              <a:ext cx="1561320" cy="583560"/>
+            </p14:xfrm>
+          </p:contentPart>
+        </mc:Choice>
+        <mc:Fallback xmlns="">
+          <p:pic>
+            <p:nvPicPr>
+              <p:cNvPr id="42" name="Ink 41">
+                <a:extLst>
+                  <a:ext uri="{FF2B5EF4-FFF2-40B4-BE49-F238E27FC236}">
+                    <a16:creationId xmlns:a16="http://schemas.microsoft.com/office/drawing/2014/main" id="{20169F05-0A7D-CD21-C9A8-301F3220D815}"/>
+                  </a:ext>
+                </a:extLst>
+              </p:cNvPr>
+              <p:cNvPicPr/>
+              <p:nvPr/>
+            </p:nvPicPr>
+            <p:blipFill>
+              <a:blip r:embed="rId34"/>
+              <a:stretch>
+                <a:fillRect/>
+              </a:stretch>
+            </p:blipFill>
+            <p:spPr>
+              <a:xfrm>
+                <a:off x="1335585" y="2687835"/>
+                <a:ext cx="1632960" cy="727200"/>
+              </a:xfrm>
+              <a:prstGeom prst="rect">
+                <a:avLst/>
+              </a:prstGeom>
+            </p:spPr>
+          </p:pic>
+        </mc:Fallback>
+      </mc:AlternateContent>
+      <p:sp>
+        <p:nvSpPr>
+          <p:cNvPr id="44" name="Rounded Rectangle 4">
+            <a:extLst>
+              <a:ext uri="{FF2B5EF4-FFF2-40B4-BE49-F238E27FC236}">
+                <a16:creationId xmlns:a16="http://schemas.microsoft.com/office/drawing/2014/main" id="{F6834C08-BEBC-B1D6-938D-57D04598955D}"/>
+              </a:ext>
+            </a:extLst>
+          </p:cNvPr>
+          <p:cNvSpPr/>
+          <p:nvPr/>
+        </p:nvSpPr>
+        <p:spPr>
+          <a:xfrm>
+            <a:off x="8646481" y="1744155"/>
+            <a:ext cx="333810" cy="268920"/>
+          </a:xfrm>
+          <a:prstGeom prst="roundRect">
+            <a:avLst/>
+          </a:prstGeom>
+          <a:solidFill>
+            <a:srgbClr val="002060"/>
+          </a:solidFill>
+          <a:ln>
+            <a:solidFill>
+              <a:srgbClr val="002060"/>
+            </a:solidFill>
+          </a:ln>
+        </p:spPr>
+        <p:style>
+          <a:lnRef idx="2">
+            <a:schemeClr val="accent1">
+              <a:shade val="15000"/>
+            </a:schemeClr>
+          </a:lnRef>
+          <a:fillRef idx="1">
+            <a:schemeClr val="accent1"/>
+          </a:fillRef>
+          <a:effectRef idx="0">
+            <a:schemeClr val="accent1"/>
+          </a:effectRef>
+          <a:fontRef idx="minor">
+            <a:schemeClr val="lt1"/>
+          </a:fontRef>
+        </p:style>
+        <p:txBody>
+          <a:bodyPr rtlCol="0" anchor="ctr"/>
+          <a:lstStyle/>
+          <a:p>
+            <a:pPr algn="ctr"/>
+            <a:endParaRPr lang="en-US" dirty="0"/>
+          </a:p>
+        </p:txBody>
+      </p:sp>
+      <p:sp>
+        <p:nvSpPr>
+          <p:cNvPr id="45" name="TextBox 44">
+            <a:extLst>
+              <a:ext uri="{FF2B5EF4-FFF2-40B4-BE49-F238E27FC236}">
+                <a16:creationId xmlns:a16="http://schemas.microsoft.com/office/drawing/2014/main" id="{57DEEC88-2901-1BD8-1598-64CB9B7A6F45}"/>
+              </a:ext>
+            </a:extLst>
+          </p:cNvPr>
+          <p:cNvSpPr txBox="1"/>
+          <p:nvPr/>
+        </p:nvSpPr>
+        <p:spPr>
+          <a:xfrm>
+            <a:off x="8653080" y="1783620"/>
+            <a:ext cx="453783" cy="200055"/>
+          </a:xfrm>
+          <a:prstGeom prst="rect">
+            <a:avLst/>
+          </a:prstGeom>
+          <a:noFill/>
+        </p:spPr>
+        <p:txBody>
+          <a:bodyPr wrap="square" rtlCol="0">
+            <a:spAutoFit/>
+          </a:bodyPr>
+          <a:lstStyle/>
+          <a:p>
+            <a:r>
+              <a:rPr lang="en-US" sz="700" dirty="0">
+                <a:solidFill>
+                  <a:schemeClr val="bg1"/>
+                </a:solidFill>
+              </a:rPr>
+              <a:t>OR</a:t>
+            </a:r>
+          </a:p>
+        </p:txBody>
+      </p:sp>
+      <mc:AlternateContent xmlns:mc="http://schemas.openxmlformats.org/markup-compatibility/2006" xmlns:p14="http://schemas.microsoft.com/office/powerpoint/2010/main">
+        <mc:Choice Requires="p14">
+          <p:contentPart p14:bwMode="auto" r:id="rId35">
+            <p14:nvContentPartPr>
+              <p14:cNvPr id="46" name="Ink 45">
+                <a:extLst>
+                  <a:ext uri="{FF2B5EF4-FFF2-40B4-BE49-F238E27FC236}">
+                    <a16:creationId xmlns:a16="http://schemas.microsoft.com/office/drawing/2014/main" id="{60C52F73-3125-431A-32B6-B2E137105B85}"/>
+                  </a:ext>
+                </a:extLst>
+              </p14:cNvPr>
+              <p14:cNvContentPartPr/>
+              <p14:nvPr/>
+            </p14:nvContentPartPr>
+            <p14:xfrm>
+              <a:off x="7943745" y="2020395"/>
+              <a:ext cx="981720" cy="134280"/>
+            </p14:xfrm>
+          </p:contentPart>
+        </mc:Choice>
+        <mc:Fallback xmlns="">
+          <p:pic>
+            <p:nvPicPr>
+              <p:cNvPr id="46" name="Ink 45">
+                <a:extLst>
+                  <a:ext uri="{FF2B5EF4-FFF2-40B4-BE49-F238E27FC236}">
+                    <a16:creationId xmlns:a16="http://schemas.microsoft.com/office/drawing/2014/main" id="{60C52F73-3125-431A-32B6-B2E137105B85}"/>
+                  </a:ext>
+                </a:extLst>
+              </p:cNvPr>
+              <p:cNvPicPr/>
+              <p:nvPr/>
+            </p:nvPicPr>
+            <p:blipFill>
+              <a:blip r:embed="rId36"/>
+              <a:stretch>
+                <a:fillRect/>
+              </a:stretch>
+            </p:blipFill>
+            <p:spPr>
+              <a:xfrm>
+                <a:off x="7925745" y="2002755"/>
+                <a:ext cx="1017360" cy="169920"/>
+              </a:xfrm>
+              <a:prstGeom prst="rect">
+                <a:avLst/>
+              </a:prstGeom>
+            </p:spPr>
+          </p:pic>
+        </mc:Fallback>
+      </mc:AlternateContent>
+      <mc:AlternateContent xmlns:mc="http://schemas.openxmlformats.org/markup-compatibility/2006" xmlns:p14="http://schemas.microsoft.com/office/powerpoint/2010/main">
+        <mc:Choice Requires="p14">
+          <p:contentPart p14:bwMode="auto" r:id="rId37">
+            <p14:nvContentPartPr>
+              <p14:cNvPr id="47" name="Ink 46">
+                <a:extLst>
+                  <a:ext uri="{FF2B5EF4-FFF2-40B4-BE49-F238E27FC236}">
+                    <a16:creationId xmlns:a16="http://schemas.microsoft.com/office/drawing/2014/main" id="{26F2EE3B-6FF6-0557-8EAD-E284C66B2656}"/>
+                  </a:ext>
+                </a:extLst>
+              </p14:cNvPr>
+              <p14:cNvContentPartPr/>
+              <p14:nvPr/>
+            </p14:nvContentPartPr>
+            <p14:xfrm>
+              <a:off x="7962825" y="2036235"/>
+              <a:ext cx="988200" cy="155160"/>
+            </p14:xfrm>
+          </p:contentPart>
+        </mc:Choice>
+        <mc:Fallback xmlns="">
+          <p:pic>
+            <p:nvPicPr>
+              <p:cNvPr id="47" name="Ink 46">
+                <a:extLst>
+                  <a:ext uri="{FF2B5EF4-FFF2-40B4-BE49-F238E27FC236}">
+                    <a16:creationId xmlns:a16="http://schemas.microsoft.com/office/drawing/2014/main" id="{26F2EE3B-6FF6-0557-8EAD-E284C66B2656}"/>
+                  </a:ext>
+                </a:extLst>
+              </p:cNvPr>
+              <p:cNvPicPr/>
+              <p:nvPr/>
+            </p:nvPicPr>
+            <p:blipFill>
+              <a:blip r:embed="rId38"/>
+              <a:stretch>
+                <a:fillRect/>
+              </a:stretch>
+            </p:blipFill>
+            <p:spPr>
+              <a:xfrm>
+                <a:off x="7926825" y="1964595"/>
+                <a:ext cx="1059840" cy="298800"/>
+              </a:xfrm>
+              <a:prstGeom prst="rect">
+                <a:avLst/>
+              </a:prstGeom>
+            </p:spPr>
+          </p:pic>
+        </mc:Fallback>
+      </mc:AlternateContent>
+      <mc:AlternateContent xmlns:mc="http://schemas.openxmlformats.org/markup-compatibility/2006" xmlns:p14="http://schemas.microsoft.com/office/powerpoint/2010/main">
+        <mc:Choice Requires="p14">
+          <p:contentPart p14:bwMode="auto" r:id="rId39">
+            <p14:nvContentPartPr>
+              <p14:cNvPr id="48" name="Ink 47">
+                <a:extLst>
+                  <a:ext uri="{FF2B5EF4-FFF2-40B4-BE49-F238E27FC236}">
+                    <a16:creationId xmlns:a16="http://schemas.microsoft.com/office/drawing/2014/main" id="{0BFEF39F-07C8-3840-34F2-9FD61E6AB43A}"/>
+                  </a:ext>
+                </a:extLst>
+              </p14:cNvPr>
+              <p14:cNvContentPartPr/>
+              <p14:nvPr/>
+            </p14:nvContentPartPr>
+            <p14:xfrm>
+              <a:off x="589305" y="589755"/>
+              <a:ext cx="8204760" cy="2817720"/>
+            </p14:xfrm>
+          </p:contentPart>
+        </mc:Choice>
+        <mc:Fallback xmlns="">
+          <p:pic>
+            <p:nvPicPr>
+              <p:cNvPr id="48" name="Ink 47">
+                <a:extLst>
+                  <a:ext uri="{FF2B5EF4-FFF2-40B4-BE49-F238E27FC236}">
+                    <a16:creationId xmlns:a16="http://schemas.microsoft.com/office/drawing/2014/main" id="{0BFEF39F-07C8-3840-34F2-9FD61E6AB43A}"/>
+                  </a:ext>
+                </a:extLst>
+              </p:cNvPr>
+              <p:cNvPicPr/>
+              <p:nvPr/>
+            </p:nvPicPr>
+            <p:blipFill>
+              <a:blip r:embed="rId40"/>
+              <a:stretch>
+                <a:fillRect/>
+              </a:stretch>
+            </p:blipFill>
+            <p:spPr>
+              <a:xfrm>
+                <a:off x="553305" y="517755"/>
+                <a:ext cx="8276400" cy="2961360"/>
+              </a:xfrm>
+              <a:prstGeom prst="rect">
+                <a:avLst/>
+              </a:prstGeom>
+            </p:spPr>
+          </p:pic>
+        </mc:Fallback>
+      </mc:AlternateContent>
+      <p:sp>
+        <p:nvSpPr>
+          <p:cNvPr id="53" name="TextBox 52">
+            <a:extLst>
+              <a:ext uri="{FF2B5EF4-FFF2-40B4-BE49-F238E27FC236}">
+                <a16:creationId xmlns:a16="http://schemas.microsoft.com/office/drawing/2014/main" id="{CB571261-459E-790A-19F7-53951FD563DE}"/>
+              </a:ext>
+            </a:extLst>
+          </p:cNvPr>
+          <p:cNvSpPr txBox="1"/>
+          <p:nvPr/>
+        </p:nvSpPr>
+        <p:spPr>
+          <a:xfrm>
+            <a:off x="642678" y="3176430"/>
+            <a:ext cx="308098" cy="369332"/>
+          </a:xfrm>
+          <a:prstGeom prst="rect">
+            <a:avLst/>
+          </a:prstGeom>
+          <a:noFill/>
+        </p:spPr>
+        <p:txBody>
+          <a:bodyPr wrap="none" rtlCol="0">
+            <a:spAutoFit/>
+          </a:bodyPr>
+          <a:lstStyle/>
+          <a:p>
+            <a:r>
+              <a:rPr lang="en-US" dirty="0">
+                <a:solidFill>
+                  <a:srgbClr val="FF0000"/>
+                </a:solidFill>
+              </a:rPr>
+              <a:t>1</a:t>
+            </a:r>
+          </a:p>
+        </p:txBody>
+      </p:sp>
+      <p:sp>
+        <p:nvSpPr>
+          <p:cNvPr id="54" name="TextBox 53">
+            <a:extLst>
+              <a:ext uri="{FF2B5EF4-FFF2-40B4-BE49-F238E27FC236}">
+                <a16:creationId xmlns:a16="http://schemas.microsoft.com/office/drawing/2014/main" id="{406BD805-FD80-AD02-91DE-C0D2A05FF5F5}"/>
+              </a:ext>
+            </a:extLst>
+          </p:cNvPr>
+          <p:cNvSpPr txBox="1"/>
+          <p:nvPr/>
+        </p:nvSpPr>
+        <p:spPr>
+          <a:xfrm>
+            <a:off x="7943745" y="1804798"/>
+            <a:ext cx="308098" cy="369332"/>
+          </a:xfrm>
+          <a:prstGeom prst="rect">
+            <a:avLst/>
+          </a:prstGeom>
+          <a:noFill/>
+        </p:spPr>
+        <p:txBody>
+          <a:bodyPr wrap="none" rtlCol="0">
+            <a:spAutoFit/>
+          </a:bodyPr>
+          <a:lstStyle/>
+          <a:p>
+            <a:r>
+              <a:rPr lang="en-US" dirty="0">
+                <a:solidFill>
+                  <a:srgbClr val="FF0000"/>
+                </a:solidFill>
+              </a:rPr>
+              <a:t>1</a:t>
+            </a:r>
+          </a:p>
+        </p:txBody>
+      </p:sp>
+      <mc:AlternateContent xmlns:mc="http://schemas.openxmlformats.org/markup-compatibility/2006" xmlns:p14="http://schemas.microsoft.com/office/powerpoint/2010/main">
+        <mc:Choice Requires="p14">
+          <p:contentPart p14:bwMode="auto" r:id="rId41">
+            <p14:nvContentPartPr>
+              <p14:cNvPr id="55" name="Ink 54">
+                <a:extLst>
+                  <a:ext uri="{FF2B5EF4-FFF2-40B4-BE49-F238E27FC236}">
+                    <a16:creationId xmlns:a16="http://schemas.microsoft.com/office/drawing/2014/main" id="{88FCB478-A42C-A3A4-8BD3-EFCDCE484AD0}"/>
+                  </a:ext>
+                </a:extLst>
+              </p14:cNvPr>
+              <p14:cNvContentPartPr/>
+              <p14:nvPr/>
+            </p14:nvContentPartPr>
+            <p14:xfrm>
+              <a:off x="2743185" y="4219275"/>
+              <a:ext cx="208800" cy="12600"/>
+            </p14:xfrm>
+          </p:contentPart>
+        </mc:Choice>
+        <mc:Fallback xmlns="">
+          <p:pic>
+            <p:nvPicPr>
+              <p:cNvPr id="55" name="Ink 54">
+                <a:extLst>
+                  <a:ext uri="{FF2B5EF4-FFF2-40B4-BE49-F238E27FC236}">
+                    <a16:creationId xmlns:a16="http://schemas.microsoft.com/office/drawing/2014/main" id="{88FCB478-A42C-A3A4-8BD3-EFCDCE484AD0}"/>
+                  </a:ext>
+                </a:extLst>
+              </p:cNvPr>
+              <p:cNvPicPr/>
+              <p:nvPr/>
+            </p:nvPicPr>
+            <p:blipFill>
+              <a:blip r:embed="rId42"/>
+              <a:stretch>
+                <a:fillRect/>
+              </a:stretch>
+            </p:blipFill>
+            <p:spPr>
+              <a:xfrm>
+                <a:off x="2707185" y="4147635"/>
+                <a:ext cx="280440" cy="156240"/>
+              </a:xfrm>
+              <a:prstGeom prst="rect">
+                <a:avLst/>
+              </a:prstGeom>
+            </p:spPr>
+          </p:pic>
+        </mc:Fallback>
+      </mc:AlternateContent>
+      <mc:AlternateContent xmlns:mc="http://schemas.openxmlformats.org/markup-compatibility/2006" xmlns:p14="http://schemas.microsoft.com/office/powerpoint/2010/main">
+        <mc:Choice Requires="p14">
+          <p:contentPart p14:bwMode="auto" r:id="rId43">
+            <p14:nvContentPartPr>
+              <p14:cNvPr id="58" name="Ink 57">
+                <a:extLst>
+                  <a:ext uri="{FF2B5EF4-FFF2-40B4-BE49-F238E27FC236}">
+                    <a16:creationId xmlns:a16="http://schemas.microsoft.com/office/drawing/2014/main" id="{EEB73465-DAEE-BF18-A4C7-855384ABA6B7}"/>
+                  </a:ext>
+                </a:extLst>
+              </p14:cNvPr>
+              <p14:cNvContentPartPr/>
+              <p14:nvPr/>
+            </p14:nvContentPartPr>
+            <p14:xfrm>
+              <a:off x="3474345" y="5276595"/>
+              <a:ext cx="2059560" cy="819720"/>
+            </p14:xfrm>
+          </p:contentPart>
+        </mc:Choice>
+        <mc:Fallback xmlns="">
+          <p:pic>
+            <p:nvPicPr>
+              <p:cNvPr id="58" name="Ink 57">
+                <a:extLst>
+                  <a:ext uri="{FF2B5EF4-FFF2-40B4-BE49-F238E27FC236}">
+                    <a16:creationId xmlns:a16="http://schemas.microsoft.com/office/drawing/2014/main" id="{EEB73465-DAEE-BF18-A4C7-855384ABA6B7}"/>
+                  </a:ext>
+                </a:extLst>
+              </p:cNvPr>
+              <p:cNvPicPr/>
+              <p:nvPr/>
+            </p:nvPicPr>
+            <p:blipFill>
+              <a:blip r:embed="rId44"/>
+              <a:stretch>
+                <a:fillRect/>
+              </a:stretch>
+            </p:blipFill>
+            <p:spPr>
+              <a:xfrm>
+                <a:off x="3438345" y="5204955"/>
+                <a:ext cx="2131200" cy="963360"/>
+              </a:xfrm>
+              <a:prstGeom prst="rect">
+                <a:avLst/>
+              </a:prstGeom>
+            </p:spPr>
+          </p:pic>
+        </mc:Fallback>
+      </mc:AlternateContent>
+      <p:sp>
+        <p:nvSpPr>
+          <p:cNvPr id="59" name="TextBox 58">
+            <a:extLst>
+              <a:ext uri="{FF2B5EF4-FFF2-40B4-BE49-F238E27FC236}">
+                <a16:creationId xmlns:a16="http://schemas.microsoft.com/office/drawing/2014/main" id="{465B8E58-0A3A-3EB0-FA61-52D90C2ADAC4}"/>
+              </a:ext>
+            </a:extLst>
+          </p:cNvPr>
+          <p:cNvSpPr txBox="1"/>
+          <p:nvPr/>
+        </p:nvSpPr>
+        <p:spPr>
+          <a:xfrm>
+            <a:off x="4603045" y="5643665"/>
+            <a:ext cx="582482" cy="369332"/>
+          </a:xfrm>
+          <a:prstGeom prst="rect">
+            <a:avLst/>
+          </a:prstGeom>
+          <a:noFill/>
+        </p:spPr>
+        <p:txBody>
+          <a:bodyPr wrap="square" rtlCol="0">
+            <a:spAutoFit/>
+          </a:bodyPr>
+          <a:lstStyle/>
+          <a:p>
+            <a:r>
+              <a:rPr lang="en-US" dirty="0" err="1">
+                <a:solidFill>
+                  <a:srgbClr val="FF0000"/>
+                </a:solidFill>
+              </a:rPr>
+              <a:t>rd</a:t>
+            </a:r>
+            <a:endParaRPr lang="en-US" dirty="0">
+              <a:solidFill>
+                <a:srgbClr val="FF0000"/>
+              </a:solidFill>
+            </a:endParaRPr>
+          </a:p>
+        </p:txBody>
+      </p:sp>
+      <p:sp>
+        <p:nvSpPr>
+          <p:cNvPr id="60" name="TextBox 59">
+            <a:extLst>
+              <a:ext uri="{FF2B5EF4-FFF2-40B4-BE49-F238E27FC236}">
+                <a16:creationId xmlns:a16="http://schemas.microsoft.com/office/drawing/2014/main" id="{042E88E2-61D6-FEBA-E310-2C6C1F7B1E2B}"/>
+              </a:ext>
+            </a:extLst>
+          </p:cNvPr>
+          <p:cNvSpPr txBox="1"/>
+          <p:nvPr/>
+        </p:nvSpPr>
+        <p:spPr>
+          <a:xfrm>
+            <a:off x="3686025" y="4099783"/>
+            <a:ext cx="582482" cy="369332"/>
+          </a:xfrm>
+          <a:prstGeom prst="rect">
+            <a:avLst/>
+          </a:prstGeom>
+          <a:noFill/>
+        </p:spPr>
+        <p:txBody>
+          <a:bodyPr wrap="square" rtlCol="0">
+            <a:spAutoFit/>
+          </a:bodyPr>
+          <a:lstStyle/>
+          <a:p>
+            <a:r>
+              <a:rPr lang="en-US" dirty="0" err="1">
+                <a:solidFill>
+                  <a:srgbClr val="FF0000"/>
+                </a:solidFill>
+              </a:rPr>
+              <a:t>rd</a:t>
+            </a:r>
+            <a:endParaRPr lang="en-US" dirty="0">
+              <a:solidFill>
+                <a:srgbClr val="FF0000"/>
+              </a:solidFill>
+            </a:endParaRPr>
+          </a:p>
+        </p:txBody>
+      </p:sp>
+      <mc:AlternateContent xmlns:mc="http://schemas.openxmlformats.org/markup-compatibility/2006" xmlns:p14="http://schemas.microsoft.com/office/powerpoint/2010/main">
+        <mc:Choice Requires="p14">
+          <p:contentPart p14:bwMode="auto" r:id="rId45">
+            <p14:nvContentPartPr>
+              <p14:cNvPr id="64" name="Ink 63">
+                <a:extLst>
+                  <a:ext uri="{FF2B5EF4-FFF2-40B4-BE49-F238E27FC236}">
+                    <a16:creationId xmlns:a16="http://schemas.microsoft.com/office/drawing/2014/main" id="{96451C5A-FEC6-21F9-C813-92F109CAD4AE}"/>
+                  </a:ext>
+                </a:extLst>
+              </p14:cNvPr>
+              <p14:cNvContentPartPr/>
+              <p14:nvPr/>
+            </p14:nvContentPartPr>
+            <p14:xfrm>
+              <a:off x="5886345" y="3448875"/>
+              <a:ext cx="203040" cy="1809360"/>
+            </p14:xfrm>
+          </p:contentPart>
+        </mc:Choice>
+        <mc:Fallback xmlns="">
+          <p:pic>
+            <p:nvPicPr>
+              <p:cNvPr id="64" name="Ink 63">
+                <a:extLst>
+                  <a:ext uri="{FF2B5EF4-FFF2-40B4-BE49-F238E27FC236}">
+                    <a16:creationId xmlns:a16="http://schemas.microsoft.com/office/drawing/2014/main" id="{96451C5A-FEC6-21F9-C813-92F109CAD4AE}"/>
+                  </a:ext>
+                </a:extLst>
+              </p:cNvPr>
+              <p:cNvPicPr/>
+              <p:nvPr/>
+            </p:nvPicPr>
+            <p:blipFill>
+              <a:blip r:embed="rId46"/>
+              <a:stretch>
+                <a:fillRect/>
+              </a:stretch>
+            </p:blipFill>
+            <p:spPr>
+              <a:xfrm>
+                <a:off x="5850345" y="3377235"/>
+                <a:ext cx="274680" cy="1953000"/>
+              </a:xfrm>
+              <a:prstGeom prst="rect">
+                <a:avLst/>
+              </a:prstGeom>
+            </p:spPr>
+          </p:pic>
+        </mc:Fallback>
+      </mc:AlternateContent>
+      <mc:AlternateContent xmlns:mc="http://schemas.openxmlformats.org/markup-compatibility/2006" xmlns:p14="http://schemas.microsoft.com/office/powerpoint/2010/main">
+        <mc:Choice Requires="p14">
+          <p:contentPart p14:bwMode="auto" r:id="rId47">
+            <p14:nvContentPartPr>
+              <p14:cNvPr id="66" name="Ink 65">
+                <a:extLst>
+                  <a:ext uri="{FF2B5EF4-FFF2-40B4-BE49-F238E27FC236}">
+                    <a16:creationId xmlns:a16="http://schemas.microsoft.com/office/drawing/2014/main" id="{98D7F7AC-BA5D-3EF7-8241-7DB8385B5DAE}"/>
+                  </a:ext>
+                </a:extLst>
+              </p14:cNvPr>
+              <p14:cNvContentPartPr/>
+              <p14:nvPr/>
+            </p14:nvContentPartPr>
+            <p14:xfrm>
+              <a:off x="7086585" y="2990595"/>
+              <a:ext cx="523080" cy="38880"/>
+            </p14:xfrm>
+          </p:contentPart>
+        </mc:Choice>
+        <mc:Fallback xmlns="">
+          <p:pic>
+            <p:nvPicPr>
+              <p:cNvPr id="66" name="Ink 65">
+                <a:extLst>
+                  <a:ext uri="{FF2B5EF4-FFF2-40B4-BE49-F238E27FC236}">
+                    <a16:creationId xmlns:a16="http://schemas.microsoft.com/office/drawing/2014/main" id="{98D7F7AC-BA5D-3EF7-8241-7DB8385B5DAE}"/>
+                  </a:ext>
+                </a:extLst>
+              </p:cNvPr>
+              <p:cNvPicPr/>
+              <p:nvPr/>
+            </p:nvPicPr>
+            <p:blipFill>
+              <a:blip r:embed="rId48"/>
+              <a:stretch>
+                <a:fillRect/>
+              </a:stretch>
+            </p:blipFill>
+            <p:spPr>
+              <a:xfrm>
+                <a:off x="7050585" y="2918955"/>
+                <a:ext cx="594720" cy="182520"/>
+              </a:xfrm>
+              <a:prstGeom prst="rect">
+                <a:avLst/>
+              </a:prstGeom>
+            </p:spPr>
+          </p:pic>
+        </mc:Fallback>
+      </mc:AlternateContent>
+      <mc:AlternateContent xmlns:mc="http://schemas.openxmlformats.org/markup-compatibility/2006" xmlns:p14="http://schemas.microsoft.com/office/powerpoint/2010/main">
+        <mc:Choice Requires="p14">
+          <p:contentPart p14:bwMode="auto" r:id="rId49">
+            <p14:nvContentPartPr>
+              <p14:cNvPr id="67" name="Ink 66">
+                <a:extLst>
+                  <a:ext uri="{FF2B5EF4-FFF2-40B4-BE49-F238E27FC236}">
+                    <a16:creationId xmlns:a16="http://schemas.microsoft.com/office/drawing/2014/main" id="{5521BB86-A4B0-4D7B-9381-1E4604172DF6}"/>
+                  </a:ext>
+                </a:extLst>
+              </p14:cNvPr>
+              <p14:cNvContentPartPr/>
+              <p14:nvPr/>
+            </p14:nvContentPartPr>
+            <p14:xfrm>
+              <a:off x="5934225" y="6018915"/>
+              <a:ext cx="1669320" cy="40320"/>
+            </p14:xfrm>
+          </p:contentPart>
+        </mc:Choice>
+        <mc:Fallback xmlns="">
+          <p:pic>
+            <p:nvPicPr>
+              <p:cNvPr id="67" name="Ink 66">
+                <a:extLst>
+                  <a:ext uri="{FF2B5EF4-FFF2-40B4-BE49-F238E27FC236}">
+                    <a16:creationId xmlns:a16="http://schemas.microsoft.com/office/drawing/2014/main" id="{5521BB86-A4B0-4D7B-9381-1E4604172DF6}"/>
+                  </a:ext>
+                </a:extLst>
+              </p:cNvPr>
+              <p:cNvPicPr/>
+              <p:nvPr/>
+            </p:nvPicPr>
+            <p:blipFill>
+              <a:blip r:embed="rId50"/>
+              <a:stretch>
+                <a:fillRect/>
+              </a:stretch>
+            </p:blipFill>
+            <p:spPr>
+              <a:xfrm>
+                <a:off x="5898225" y="5947275"/>
+                <a:ext cx="1740960" cy="183960"/>
+              </a:xfrm>
+              <a:prstGeom prst="rect">
+                <a:avLst/>
+              </a:prstGeom>
+            </p:spPr>
+          </p:pic>
+        </mc:Fallback>
+      </mc:AlternateContent>
+      <mc:AlternateContent xmlns:mc="http://schemas.openxmlformats.org/markup-compatibility/2006" xmlns:p14="http://schemas.microsoft.com/office/powerpoint/2010/main">
+        <mc:Choice Requires="p14">
+          <p:contentPart p14:bwMode="auto" r:id="rId51">
+            <p14:nvContentPartPr>
+              <p14:cNvPr id="70" name="Ink 69">
+                <a:extLst>
+                  <a:ext uri="{FF2B5EF4-FFF2-40B4-BE49-F238E27FC236}">
+                    <a16:creationId xmlns:a16="http://schemas.microsoft.com/office/drawing/2014/main" id="{8F9E7F5F-215B-1FCA-ABD8-CBBF45058BC8}"/>
+                  </a:ext>
+                </a:extLst>
+              </p14:cNvPr>
+              <p14:cNvContentPartPr/>
+              <p14:nvPr/>
+            </p14:nvContentPartPr>
+            <p14:xfrm>
+              <a:off x="7372425" y="4209195"/>
+              <a:ext cx="256320" cy="10440"/>
+            </p14:xfrm>
+          </p:contentPart>
+        </mc:Choice>
+        <mc:Fallback xmlns="">
+          <p:pic>
+            <p:nvPicPr>
+              <p:cNvPr id="70" name="Ink 69">
+                <a:extLst>
+                  <a:ext uri="{FF2B5EF4-FFF2-40B4-BE49-F238E27FC236}">
+                    <a16:creationId xmlns:a16="http://schemas.microsoft.com/office/drawing/2014/main" id="{8F9E7F5F-215B-1FCA-ABD8-CBBF45058BC8}"/>
+                  </a:ext>
+                </a:extLst>
+              </p:cNvPr>
+              <p:cNvPicPr/>
+              <p:nvPr/>
+            </p:nvPicPr>
+            <p:blipFill>
+              <a:blip r:embed="rId52"/>
+              <a:stretch>
+                <a:fillRect/>
+              </a:stretch>
+            </p:blipFill>
+            <p:spPr>
+              <a:xfrm>
+                <a:off x="7336425" y="4137555"/>
+                <a:ext cx="327960" cy="154080"/>
+              </a:xfrm>
+              <a:prstGeom prst="rect">
+                <a:avLst/>
+              </a:prstGeom>
+            </p:spPr>
+          </p:pic>
+        </mc:Fallback>
+      </mc:AlternateContent>
+      <mc:AlternateContent xmlns:mc="http://schemas.openxmlformats.org/markup-compatibility/2006" xmlns:p14="http://schemas.microsoft.com/office/powerpoint/2010/main">
+        <mc:Choice Requires="p14">
+          <p:contentPart p14:bwMode="auto" r:id="rId53">
+            <p14:nvContentPartPr>
+              <p14:cNvPr id="72" name="Ink 71">
+                <a:extLst>
+                  <a:ext uri="{FF2B5EF4-FFF2-40B4-BE49-F238E27FC236}">
+                    <a16:creationId xmlns:a16="http://schemas.microsoft.com/office/drawing/2014/main" id="{1D7F638F-CECD-01EA-1D07-87B8BD7FDA56}"/>
+                  </a:ext>
+                </a:extLst>
+              </p14:cNvPr>
+              <p14:cNvContentPartPr/>
+              <p14:nvPr/>
+            </p14:nvContentPartPr>
+            <p14:xfrm>
+              <a:off x="7972545" y="6018195"/>
+              <a:ext cx="1542240" cy="69840"/>
+            </p14:xfrm>
+          </p:contentPart>
+        </mc:Choice>
+        <mc:Fallback xmlns="">
+          <p:pic>
+            <p:nvPicPr>
+              <p:cNvPr id="72" name="Ink 71">
+                <a:extLst>
+                  <a:ext uri="{FF2B5EF4-FFF2-40B4-BE49-F238E27FC236}">
+                    <a16:creationId xmlns:a16="http://schemas.microsoft.com/office/drawing/2014/main" id="{1D7F638F-CECD-01EA-1D07-87B8BD7FDA56}"/>
+                  </a:ext>
+                </a:extLst>
+              </p:cNvPr>
+              <p:cNvPicPr/>
+              <p:nvPr/>
+            </p:nvPicPr>
+            <p:blipFill>
+              <a:blip r:embed="rId54"/>
+              <a:stretch>
+                <a:fillRect/>
+              </a:stretch>
+            </p:blipFill>
+            <p:spPr>
+              <a:xfrm>
+                <a:off x="7936545" y="5946195"/>
+                <a:ext cx="1613880" cy="213480"/>
+              </a:xfrm>
+              <a:prstGeom prst="rect">
+                <a:avLst/>
+              </a:prstGeom>
+            </p:spPr>
+          </p:pic>
+        </mc:Fallback>
+      </mc:AlternateContent>
+      <mc:AlternateContent xmlns:mc="http://schemas.openxmlformats.org/markup-compatibility/2006" xmlns:p14="http://schemas.microsoft.com/office/powerpoint/2010/main">
+        <mc:Choice Requires="p14">
+          <p:contentPart p14:bwMode="auto" r:id="rId55">
+            <p14:nvContentPartPr>
+              <p14:cNvPr id="73" name="Ink 72">
+                <a:extLst>
+                  <a:ext uri="{FF2B5EF4-FFF2-40B4-BE49-F238E27FC236}">
+                    <a16:creationId xmlns:a16="http://schemas.microsoft.com/office/drawing/2014/main" id="{A45CCFEF-414F-797E-2DA8-494D78249A3C}"/>
+                  </a:ext>
+                </a:extLst>
+              </p14:cNvPr>
+              <p14:cNvContentPartPr/>
+              <p14:nvPr/>
+            </p14:nvContentPartPr>
+            <p14:xfrm>
+              <a:off x="7943745" y="4198395"/>
+              <a:ext cx="1595520" cy="1022040"/>
+            </p14:xfrm>
+          </p:contentPart>
+        </mc:Choice>
+        <mc:Fallback xmlns="">
+          <p:pic>
+            <p:nvPicPr>
+              <p:cNvPr id="73" name="Ink 72">
+                <a:extLst>
+                  <a:ext uri="{FF2B5EF4-FFF2-40B4-BE49-F238E27FC236}">
+                    <a16:creationId xmlns:a16="http://schemas.microsoft.com/office/drawing/2014/main" id="{A45CCFEF-414F-797E-2DA8-494D78249A3C}"/>
+                  </a:ext>
+                </a:extLst>
+              </p:cNvPr>
+              <p:cNvPicPr/>
+              <p:nvPr/>
+            </p:nvPicPr>
+            <p:blipFill>
+              <a:blip r:embed="rId56"/>
+              <a:stretch>
+                <a:fillRect/>
+              </a:stretch>
+            </p:blipFill>
+            <p:spPr>
+              <a:xfrm>
+                <a:off x="7907745" y="4126755"/>
+                <a:ext cx="1667160" cy="1165680"/>
+              </a:xfrm>
+              <a:prstGeom prst="rect">
+                <a:avLst/>
+              </a:prstGeom>
+            </p:spPr>
+          </p:pic>
+        </mc:Fallback>
+      </mc:AlternateContent>
+      <p:sp>
+        <p:nvSpPr>
+          <p:cNvPr id="74" name="TextBox 73">
+            <a:extLst>
+              <a:ext uri="{FF2B5EF4-FFF2-40B4-BE49-F238E27FC236}">
+                <a16:creationId xmlns:a16="http://schemas.microsoft.com/office/drawing/2014/main" id="{E1378273-7CD3-7AD9-6826-B993CE271AC9}"/>
+              </a:ext>
+            </a:extLst>
+          </p:cNvPr>
+          <p:cNvSpPr txBox="1"/>
+          <p:nvPr/>
+        </p:nvSpPr>
+        <p:spPr>
+          <a:xfrm>
+            <a:off x="6043197" y="5643665"/>
+            <a:ext cx="582482" cy="369332"/>
+          </a:xfrm>
+          <a:prstGeom prst="rect">
+            <a:avLst/>
+          </a:prstGeom>
+          <a:noFill/>
+        </p:spPr>
+        <p:txBody>
+          <a:bodyPr wrap="square" rtlCol="0">
+            <a:spAutoFit/>
+          </a:bodyPr>
+          <a:lstStyle/>
+          <a:p>
+            <a:r>
+              <a:rPr lang="en-US" dirty="0" err="1">
+                <a:solidFill>
+                  <a:srgbClr val="FF0000"/>
+                </a:solidFill>
+              </a:rPr>
+              <a:t>rd</a:t>
+            </a:r>
+            <a:endParaRPr lang="en-US" dirty="0">
+              <a:solidFill>
+                <a:srgbClr val="FF0000"/>
+              </a:solidFill>
+            </a:endParaRPr>
+          </a:p>
+        </p:txBody>
+      </p:sp>
+      <p:sp>
+        <p:nvSpPr>
+          <p:cNvPr id="75" name="TextBox 74">
+            <a:extLst>
+              <a:ext uri="{FF2B5EF4-FFF2-40B4-BE49-F238E27FC236}">
+                <a16:creationId xmlns:a16="http://schemas.microsoft.com/office/drawing/2014/main" id="{D658257C-6B2E-075D-2038-988266D60B35}"/>
+              </a:ext>
+            </a:extLst>
+          </p:cNvPr>
+          <p:cNvSpPr txBox="1"/>
+          <p:nvPr/>
+        </p:nvSpPr>
+        <p:spPr>
+          <a:xfrm>
+            <a:off x="8450264" y="5672191"/>
+            <a:ext cx="582482" cy="369332"/>
+          </a:xfrm>
+          <a:prstGeom prst="rect">
+            <a:avLst/>
+          </a:prstGeom>
+          <a:noFill/>
+        </p:spPr>
+        <p:txBody>
+          <a:bodyPr wrap="square" rtlCol="0">
+            <a:spAutoFit/>
+          </a:bodyPr>
+          <a:lstStyle/>
+          <a:p>
+            <a:r>
+              <a:rPr lang="en-US" dirty="0" err="1">
+                <a:solidFill>
+                  <a:srgbClr val="FF0000"/>
+                </a:solidFill>
+              </a:rPr>
+              <a:t>rd</a:t>
+            </a:r>
+            <a:endParaRPr lang="en-US" dirty="0">
+              <a:solidFill>
+                <a:srgbClr val="FF0000"/>
+              </a:solidFill>
+            </a:endParaRPr>
+          </a:p>
+        </p:txBody>
+      </p:sp>
+      <mc:AlternateContent xmlns:mc="http://schemas.openxmlformats.org/markup-compatibility/2006" xmlns:p14="http://schemas.microsoft.com/office/powerpoint/2010/main">
+        <mc:Choice Requires="p14">
+          <p:contentPart p14:bwMode="auto" r:id="rId57">
+            <p14:nvContentPartPr>
+              <p14:cNvPr id="76" name="Ink 75">
+                <a:extLst>
+                  <a:ext uri="{FF2B5EF4-FFF2-40B4-BE49-F238E27FC236}">
+                    <a16:creationId xmlns:a16="http://schemas.microsoft.com/office/drawing/2014/main" id="{3446166D-3B69-0F8A-30D5-661280C5D764}"/>
+                  </a:ext>
+                </a:extLst>
+              </p14:cNvPr>
+              <p14:cNvContentPartPr/>
+              <p14:nvPr/>
+            </p14:nvContentPartPr>
+            <p14:xfrm>
+              <a:off x="3645705" y="4464075"/>
+              <a:ext cx="6622920" cy="2120040"/>
+            </p14:xfrm>
+          </p:contentPart>
+        </mc:Choice>
+        <mc:Fallback xmlns="">
+          <p:pic>
+            <p:nvPicPr>
+              <p:cNvPr id="76" name="Ink 75">
+                <a:extLst>
+                  <a:ext uri="{FF2B5EF4-FFF2-40B4-BE49-F238E27FC236}">
+                    <a16:creationId xmlns:a16="http://schemas.microsoft.com/office/drawing/2014/main" id="{3446166D-3B69-0F8A-30D5-661280C5D764}"/>
+                  </a:ext>
+                </a:extLst>
+              </p:cNvPr>
+              <p:cNvPicPr/>
+              <p:nvPr/>
+            </p:nvPicPr>
+            <p:blipFill>
+              <a:blip r:embed="rId58"/>
+              <a:stretch>
+                <a:fillRect/>
+              </a:stretch>
+            </p:blipFill>
+            <p:spPr>
+              <a:xfrm>
+                <a:off x="3609705" y="4392075"/>
+                <a:ext cx="6694560" cy="2263680"/>
+              </a:xfrm>
+              <a:prstGeom prst="rect">
+                <a:avLst/>
+              </a:prstGeom>
+            </p:spPr>
+          </p:pic>
+        </mc:Fallback>
+      </mc:AlternateContent>
+      <mc:AlternateContent xmlns:mc="http://schemas.openxmlformats.org/markup-compatibility/2006" xmlns:p14="http://schemas.microsoft.com/office/powerpoint/2010/main">
+        <mc:Choice Requires="p14">
+          <p:contentPart p14:bwMode="auto" r:id="rId59">
+            <p14:nvContentPartPr>
+              <p14:cNvPr id="78" name="Ink 77">
+                <a:extLst>
+                  <a:ext uri="{FF2B5EF4-FFF2-40B4-BE49-F238E27FC236}">
+                    <a16:creationId xmlns:a16="http://schemas.microsoft.com/office/drawing/2014/main" id="{B91B4F6C-005B-03CA-DDBB-0820FCF9418E}"/>
+                  </a:ext>
+                </a:extLst>
+              </p14:cNvPr>
+              <p14:cNvContentPartPr/>
+              <p14:nvPr/>
+            </p14:nvContentPartPr>
+            <p14:xfrm>
+              <a:off x="3826425" y="4459035"/>
+              <a:ext cx="6613560" cy="2295000"/>
+            </p14:xfrm>
+          </p:contentPart>
+        </mc:Choice>
+        <mc:Fallback xmlns="">
+          <p:pic>
+            <p:nvPicPr>
+              <p:cNvPr id="78" name="Ink 77">
+                <a:extLst>
+                  <a:ext uri="{FF2B5EF4-FFF2-40B4-BE49-F238E27FC236}">
+                    <a16:creationId xmlns:a16="http://schemas.microsoft.com/office/drawing/2014/main" id="{B91B4F6C-005B-03CA-DDBB-0820FCF9418E}"/>
+                  </a:ext>
+                </a:extLst>
+              </p:cNvPr>
+              <p:cNvPicPr/>
+              <p:nvPr/>
+            </p:nvPicPr>
+            <p:blipFill>
+              <a:blip r:embed="rId60"/>
+              <a:stretch>
+                <a:fillRect/>
+              </a:stretch>
+            </p:blipFill>
+            <p:spPr>
+              <a:xfrm>
+                <a:off x="3790785" y="4387035"/>
+                <a:ext cx="6685200" cy="2438640"/>
+              </a:xfrm>
+              <a:prstGeom prst="rect">
+                <a:avLst/>
+              </a:prstGeom>
+            </p:spPr>
+          </p:pic>
+        </mc:Fallback>
+      </mc:AlternateContent>
+      <mc:AlternateContent xmlns:mc="http://schemas.openxmlformats.org/markup-compatibility/2006" xmlns:p14="http://schemas.microsoft.com/office/powerpoint/2010/main">
+        <mc:Choice Requires="p14">
+          <p:contentPart p14:bwMode="auto" r:id="rId61">
+            <p14:nvContentPartPr>
+              <p14:cNvPr id="83" name="Ink 82">
+                <a:extLst>
+                  <a:ext uri="{FF2B5EF4-FFF2-40B4-BE49-F238E27FC236}">
+                    <a16:creationId xmlns:a16="http://schemas.microsoft.com/office/drawing/2014/main" id="{9AE4985E-0B2C-2BA5-BD73-D0CEA6260BAF}"/>
+                  </a:ext>
+                </a:extLst>
+              </p14:cNvPr>
+              <p14:cNvContentPartPr/>
+              <p14:nvPr/>
+            </p14:nvContentPartPr>
+            <p14:xfrm>
+              <a:off x="3552825" y="4056330"/>
+              <a:ext cx="456480" cy="20520"/>
+            </p14:xfrm>
+          </p:contentPart>
+        </mc:Choice>
+        <mc:Fallback xmlns="">
+          <p:pic>
+            <p:nvPicPr>
+              <p:cNvPr id="83" name="Ink 82">
+                <a:extLst>
+                  <a:ext uri="{FF2B5EF4-FFF2-40B4-BE49-F238E27FC236}">
+                    <a16:creationId xmlns:a16="http://schemas.microsoft.com/office/drawing/2014/main" id="{9AE4985E-0B2C-2BA5-BD73-D0CEA6260BAF}"/>
+                  </a:ext>
+                </a:extLst>
+              </p:cNvPr>
+              <p:cNvPicPr/>
+              <p:nvPr/>
+            </p:nvPicPr>
+            <p:blipFill>
+              <a:blip r:embed="rId62"/>
+              <a:stretch>
+                <a:fillRect/>
+              </a:stretch>
+            </p:blipFill>
+            <p:spPr>
+              <a:xfrm>
+                <a:off x="3516825" y="3984690"/>
+                <a:ext cx="528120" cy="164160"/>
+              </a:xfrm>
+              <a:prstGeom prst="rect">
+                <a:avLst/>
+              </a:prstGeom>
+            </p:spPr>
+          </p:pic>
+        </mc:Fallback>
+      </mc:AlternateContent>
+      <mc:AlternateContent xmlns:mc="http://schemas.openxmlformats.org/markup-compatibility/2006" xmlns:p14="http://schemas.microsoft.com/office/powerpoint/2010/main">
+        <mc:Choice Requires="p14">
+          <p:contentPart p14:bwMode="auto" r:id="rId63">
+            <p14:nvContentPartPr>
+              <p14:cNvPr id="84" name="Ink 83">
+                <a:extLst>
+                  <a:ext uri="{FF2B5EF4-FFF2-40B4-BE49-F238E27FC236}">
+                    <a16:creationId xmlns:a16="http://schemas.microsoft.com/office/drawing/2014/main" id="{BFC3AAC1-5A25-81E0-FC0B-BA2CCEDF056A}"/>
+                  </a:ext>
+                </a:extLst>
+              </p14:cNvPr>
+              <p14:cNvContentPartPr/>
+              <p14:nvPr/>
+            </p14:nvContentPartPr>
+            <p14:xfrm>
+              <a:off x="5238705" y="4305090"/>
+              <a:ext cx="307800" cy="15840"/>
+            </p14:xfrm>
+          </p:contentPart>
+        </mc:Choice>
+        <mc:Fallback xmlns="">
+          <p:pic>
+            <p:nvPicPr>
+              <p:cNvPr id="84" name="Ink 83">
+                <a:extLst>
+                  <a:ext uri="{FF2B5EF4-FFF2-40B4-BE49-F238E27FC236}">
+                    <a16:creationId xmlns:a16="http://schemas.microsoft.com/office/drawing/2014/main" id="{BFC3AAC1-5A25-81E0-FC0B-BA2CCEDF056A}"/>
+                  </a:ext>
+                </a:extLst>
+              </p:cNvPr>
+              <p:cNvPicPr/>
+              <p:nvPr/>
+            </p:nvPicPr>
+            <p:blipFill>
+              <a:blip r:embed="rId64"/>
+              <a:stretch>
+                <a:fillRect/>
+              </a:stretch>
+            </p:blipFill>
+            <p:spPr>
+              <a:xfrm>
+                <a:off x="5202705" y="4233450"/>
+                <a:ext cx="379440" cy="159480"/>
+              </a:xfrm>
+              <a:prstGeom prst="rect">
+                <a:avLst/>
+              </a:prstGeom>
+            </p:spPr>
+          </p:pic>
+        </mc:Fallback>
+      </mc:AlternateContent>
+      <mc:AlternateContent xmlns:mc="http://schemas.openxmlformats.org/markup-compatibility/2006" xmlns:p14="http://schemas.microsoft.com/office/powerpoint/2010/main">
+        <mc:Choice Requires="p14">
+          <p:contentPart p14:bwMode="auto" r:id="rId65">
+            <p14:nvContentPartPr>
+              <p14:cNvPr id="85" name="Ink 84">
+                <a:extLst>
+                  <a:ext uri="{FF2B5EF4-FFF2-40B4-BE49-F238E27FC236}">
+                    <a16:creationId xmlns:a16="http://schemas.microsoft.com/office/drawing/2014/main" id="{0FBBF4C9-DF17-C45C-6D86-3D5A8801108A}"/>
+                  </a:ext>
+                </a:extLst>
+              </p14:cNvPr>
+              <p14:cNvContentPartPr/>
+              <p14:nvPr/>
+            </p14:nvContentPartPr>
+            <p14:xfrm>
+              <a:off x="5886345" y="4274850"/>
+              <a:ext cx="818640" cy="231480"/>
+            </p14:xfrm>
+          </p:contentPart>
+        </mc:Choice>
+        <mc:Fallback xmlns="">
+          <p:pic>
+            <p:nvPicPr>
+              <p:cNvPr id="85" name="Ink 84">
+                <a:extLst>
+                  <a:ext uri="{FF2B5EF4-FFF2-40B4-BE49-F238E27FC236}">
+                    <a16:creationId xmlns:a16="http://schemas.microsoft.com/office/drawing/2014/main" id="{0FBBF4C9-DF17-C45C-6D86-3D5A8801108A}"/>
+                  </a:ext>
+                </a:extLst>
+              </p:cNvPr>
+              <p:cNvPicPr/>
+              <p:nvPr/>
+            </p:nvPicPr>
+            <p:blipFill>
+              <a:blip r:embed="rId66"/>
+              <a:stretch>
+                <a:fillRect/>
+              </a:stretch>
+            </p:blipFill>
+            <p:spPr>
+              <a:xfrm>
+                <a:off x="5850345" y="4202850"/>
+                <a:ext cx="890280" cy="375120"/>
+              </a:xfrm>
+              <a:prstGeom prst="rect">
+                <a:avLst/>
+              </a:prstGeom>
+            </p:spPr>
+          </p:pic>
+        </mc:Fallback>
+      </mc:AlternateContent>
+      <p:sp>
+        <p:nvSpPr>
+          <p:cNvPr id="86" name="TextBox 85">
+            <a:extLst>
+              <a:ext uri="{FF2B5EF4-FFF2-40B4-BE49-F238E27FC236}">
+                <a16:creationId xmlns:a16="http://schemas.microsoft.com/office/drawing/2014/main" id="{B0744D8A-3E3E-A612-147A-4F16AE3D317F}"/>
+              </a:ext>
+            </a:extLst>
+          </p:cNvPr>
+          <p:cNvSpPr txBox="1"/>
+          <p:nvPr/>
+        </p:nvSpPr>
+        <p:spPr>
+          <a:xfrm>
+            <a:off x="6275925" y="3986465"/>
+            <a:ext cx="582482" cy="261610"/>
+          </a:xfrm>
+          <a:prstGeom prst="rect">
+            <a:avLst/>
+          </a:prstGeom>
+          <a:noFill/>
+        </p:spPr>
+        <p:txBody>
+          <a:bodyPr wrap="square" rtlCol="0">
+            <a:spAutoFit/>
+          </a:bodyPr>
+          <a:lstStyle/>
+          <a:p>
+            <a:r>
+              <a:rPr lang="en-US" sz="1100" dirty="0">
+                <a:solidFill>
+                  <a:srgbClr val="FF0000"/>
+                </a:solidFill>
+              </a:rPr>
+              <a:t>0</a:t>
+            </a:r>
+          </a:p>
+        </p:txBody>
+      </p:sp>
+      <p:sp>
+        <p:nvSpPr>
+          <p:cNvPr id="87" name="TextBox 86">
+            <a:extLst>
+              <a:ext uri="{FF2B5EF4-FFF2-40B4-BE49-F238E27FC236}">
+                <a16:creationId xmlns:a16="http://schemas.microsoft.com/office/drawing/2014/main" id="{FA869C96-BAA8-71FB-53B8-760367A7BD5F}"/>
+              </a:ext>
+            </a:extLst>
+          </p:cNvPr>
+          <p:cNvSpPr txBox="1"/>
+          <p:nvPr/>
+        </p:nvSpPr>
+        <p:spPr>
+          <a:xfrm>
+            <a:off x="3476415" y="3801249"/>
+            <a:ext cx="1268551" cy="215444"/>
+          </a:xfrm>
+          <a:prstGeom prst="rect">
+            <a:avLst/>
+          </a:prstGeom>
+          <a:noFill/>
+        </p:spPr>
+        <p:txBody>
+          <a:bodyPr wrap="square" rtlCol="0">
+            <a:spAutoFit/>
+          </a:bodyPr>
+          <a:lstStyle/>
+          <a:p>
+            <a:r>
+              <a:rPr lang="en-US" sz="800" dirty="0">
+                <a:solidFill>
+                  <a:srgbClr val="FF0000"/>
+                </a:solidFill>
+              </a:rPr>
+              <a:t>Zero register</a:t>
+            </a:r>
+          </a:p>
+        </p:txBody>
+      </p:sp>
+      <p:sp>
+        <p:nvSpPr>
+          <p:cNvPr id="88" name="Rounded Rectangle 4">
+            <a:extLst>
+              <a:ext uri="{FF2B5EF4-FFF2-40B4-BE49-F238E27FC236}">
+                <a16:creationId xmlns:a16="http://schemas.microsoft.com/office/drawing/2014/main" id="{9AD6C321-30AA-8F79-5DA9-C55D34CC0762}"/>
+              </a:ext>
+            </a:extLst>
+          </p:cNvPr>
+          <p:cNvSpPr/>
+          <p:nvPr/>
+        </p:nvSpPr>
+        <p:spPr>
+          <a:xfrm>
+            <a:off x="6420298" y="3545580"/>
+            <a:ext cx="410761" cy="203872"/>
+          </a:xfrm>
+          <a:prstGeom prst="roundRect">
+            <a:avLst/>
+          </a:prstGeom>
+          <a:solidFill>
+            <a:srgbClr val="002060"/>
+          </a:solidFill>
+          <a:ln>
+            <a:solidFill>
+              <a:srgbClr val="002060"/>
+            </a:solidFill>
+          </a:ln>
+        </p:spPr>
+        <p:style>
+          <a:lnRef idx="2">
+            <a:schemeClr val="accent1">
+              <a:shade val="15000"/>
+            </a:schemeClr>
+          </a:lnRef>
+          <a:fillRef idx="1">
+            <a:schemeClr val="accent1"/>
+          </a:fillRef>
+          <a:effectRef idx="0">
+            <a:schemeClr val="accent1"/>
+          </a:effectRef>
+          <a:fontRef idx="minor">
+            <a:schemeClr val="lt1"/>
+          </a:fontRef>
+        </p:style>
+        <p:txBody>
+          <a:bodyPr rtlCol="0" anchor="ctr"/>
+          <a:lstStyle/>
+          <a:p>
+            <a:pPr algn="ctr"/>
+            <a:endParaRPr lang="en-US" dirty="0"/>
+          </a:p>
+        </p:txBody>
+      </p:sp>
+      <p:sp>
+        <p:nvSpPr>
+          <p:cNvPr id="96" name="TextBox 95">
+            <a:extLst>
+              <a:ext uri="{FF2B5EF4-FFF2-40B4-BE49-F238E27FC236}">
+                <a16:creationId xmlns:a16="http://schemas.microsoft.com/office/drawing/2014/main" id="{D8179331-118E-6397-47AC-B2763E15DA02}"/>
+              </a:ext>
+            </a:extLst>
+          </p:cNvPr>
+          <p:cNvSpPr txBox="1"/>
+          <p:nvPr/>
+        </p:nvSpPr>
+        <p:spPr>
+          <a:xfrm>
+            <a:off x="6619677" y="3512605"/>
+            <a:ext cx="582482" cy="261610"/>
+          </a:xfrm>
+          <a:prstGeom prst="rect">
+            <a:avLst/>
+          </a:prstGeom>
+          <a:noFill/>
+        </p:spPr>
+        <p:txBody>
+          <a:bodyPr wrap="square" rtlCol="0">
+            <a:spAutoFit/>
+          </a:bodyPr>
+          <a:lstStyle/>
+          <a:p>
+            <a:r>
+              <a:rPr lang="en-US" sz="1100" dirty="0">
+                <a:solidFill>
+                  <a:schemeClr val="bg1"/>
+                </a:solidFill>
+              </a:rPr>
+              <a:t>0</a:t>
+            </a:r>
+          </a:p>
+        </p:txBody>
+      </p:sp>
+      <p:sp>
+        <p:nvSpPr>
+          <p:cNvPr id="97" name="TextBox 96">
+            <a:extLst>
+              <a:ext uri="{FF2B5EF4-FFF2-40B4-BE49-F238E27FC236}">
+                <a16:creationId xmlns:a16="http://schemas.microsoft.com/office/drawing/2014/main" id="{A5CBAE92-2439-06AD-9586-BEA8F553F277}"/>
+              </a:ext>
+            </a:extLst>
+          </p:cNvPr>
+          <p:cNvSpPr txBox="1"/>
+          <p:nvPr/>
+        </p:nvSpPr>
+        <p:spPr>
+          <a:xfrm>
+            <a:off x="6411944" y="3512605"/>
+            <a:ext cx="582482" cy="261610"/>
+          </a:xfrm>
+          <a:prstGeom prst="rect">
+            <a:avLst/>
+          </a:prstGeom>
+          <a:noFill/>
+        </p:spPr>
+        <p:txBody>
+          <a:bodyPr wrap="square" rtlCol="0">
+            <a:spAutoFit/>
+          </a:bodyPr>
+          <a:lstStyle/>
+          <a:p>
+            <a:r>
+              <a:rPr lang="en-US" sz="1100" dirty="0">
+                <a:solidFill>
+                  <a:schemeClr val="bg1"/>
+                </a:solidFill>
+              </a:rPr>
+              <a:t>1</a:t>
+            </a:r>
+          </a:p>
+        </p:txBody>
+      </p:sp>
+      <p:sp>
+        <p:nvSpPr>
+          <p:cNvPr id="99" name="TextBox 98">
+            <a:extLst>
+              <a:ext uri="{FF2B5EF4-FFF2-40B4-BE49-F238E27FC236}">
+                <a16:creationId xmlns:a16="http://schemas.microsoft.com/office/drawing/2014/main" id="{D0717B71-5D25-A376-5D7D-95CAFD4C7E15}"/>
+              </a:ext>
+            </a:extLst>
+          </p:cNvPr>
+          <p:cNvSpPr txBox="1"/>
+          <p:nvPr/>
+        </p:nvSpPr>
+        <p:spPr>
+          <a:xfrm>
+            <a:off x="5662962" y="2101035"/>
+            <a:ext cx="582482" cy="261610"/>
+          </a:xfrm>
+          <a:prstGeom prst="rect">
+            <a:avLst/>
+          </a:prstGeom>
+          <a:noFill/>
+        </p:spPr>
+        <p:txBody>
+          <a:bodyPr wrap="square" rtlCol="0">
+            <a:spAutoFit/>
+          </a:bodyPr>
+          <a:lstStyle/>
+          <a:p>
+            <a:r>
+              <a:rPr lang="en-US" sz="1100" dirty="0">
+                <a:solidFill>
+                  <a:srgbClr val="FF0000"/>
+                </a:solidFill>
+              </a:rPr>
+              <a:t>1</a:t>
+            </a:r>
+          </a:p>
+        </p:txBody>
+      </p:sp>
+      <p:sp>
+        <p:nvSpPr>
+          <p:cNvPr id="100" name="TextBox 99">
+            <a:extLst>
+              <a:ext uri="{FF2B5EF4-FFF2-40B4-BE49-F238E27FC236}">
+                <a16:creationId xmlns:a16="http://schemas.microsoft.com/office/drawing/2014/main" id="{26C1BE60-1C04-2E73-C51C-BCEB0E8B0F08}"/>
+              </a:ext>
+            </a:extLst>
+          </p:cNvPr>
+          <p:cNvSpPr txBox="1"/>
+          <p:nvPr/>
+        </p:nvSpPr>
+        <p:spPr>
+          <a:xfrm>
+            <a:off x="7069170" y="4326616"/>
+            <a:ext cx="1268551" cy="215444"/>
+          </a:xfrm>
+          <a:prstGeom prst="rect">
+            <a:avLst/>
+          </a:prstGeom>
+          <a:noFill/>
+        </p:spPr>
+        <p:txBody>
+          <a:bodyPr wrap="square" rtlCol="0">
+            <a:spAutoFit/>
+          </a:bodyPr>
+          <a:lstStyle/>
+          <a:p>
+            <a:r>
+              <a:rPr lang="en-US" sz="800" dirty="0">
+                <a:solidFill>
+                  <a:srgbClr val="FF0000"/>
+                </a:solidFill>
+              </a:rPr>
+              <a:t>Zero register + (pc + 4)</a:t>
+            </a:r>
+          </a:p>
+        </p:txBody>
+      </p:sp>
+      <mc:AlternateContent xmlns:mc="http://schemas.openxmlformats.org/markup-compatibility/2006" xmlns:p14="http://schemas.microsoft.com/office/powerpoint/2010/main">
+        <mc:Choice Requires="p14">
+          <p:contentPart p14:bwMode="auto" r:id="rId67">
+            <p14:nvContentPartPr>
+              <p14:cNvPr id="101" name="Ink 100">
+                <a:extLst>
+                  <a:ext uri="{FF2B5EF4-FFF2-40B4-BE49-F238E27FC236}">
+                    <a16:creationId xmlns:a16="http://schemas.microsoft.com/office/drawing/2014/main" id="{1314DEDB-EB1F-AF6C-C512-8270DF39E91E}"/>
+                  </a:ext>
+                </a:extLst>
+              </p14:cNvPr>
+              <p14:cNvContentPartPr/>
+              <p14:nvPr/>
+            </p14:nvContentPartPr>
+            <p14:xfrm>
+              <a:off x="6867345" y="4371330"/>
+              <a:ext cx="287280" cy="1106280"/>
+            </p14:xfrm>
+          </p:contentPart>
+        </mc:Choice>
+        <mc:Fallback xmlns="">
+          <p:pic>
+            <p:nvPicPr>
+              <p:cNvPr id="101" name="Ink 100">
+                <a:extLst>
+                  <a:ext uri="{FF2B5EF4-FFF2-40B4-BE49-F238E27FC236}">
+                    <a16:creationId xmlns:a16="http://schemas.microsoft.com/office/drawing/2014/main" id="{1314DEDB-EB1F-AF6C-C512-8270DF39E91E}"/>
+                  </a:ext>
+                </a:extLst>
+              </p:cNvPr>
+              <p:cNvPicPr/>
+              <p:nvPr/>
+            </p:nvPicPr>
+            <p:blipFill>
+              <a:blip r:embed="rId68"/>
+              <a:stretch>
+                <a:fillRect/>
+              </a:stretch>
+            </p:blipFill>
+            <p:spPr>
+              <a:xfrm>
+                <a:off x="6831345" y="4299330"/>
+                <a:ext cx="358920" cy="1249920"/>
+              </a:xfrm>
+              <a:prstGeom prst="rect">
+                <a:avLst/>
+              </a:prstGeom>
+            </p:spPr>
+          </p:pic>
+        </mc:Fallback>
+      </mc:AlternateContent>
+      <mc:AlternateContent xmlns:mc="http://schemas.openxmlformats.org/markup-compatibility/2006" xmlns:p14="http://schemas.microsoft.com/office/powerpoint/2010/main">
+        <mc:Choice Requires="p14">
+          <p:contentPart p14:bwMode="auto" r:id="rId69">
+            <p14:nvContentPartPr>
+              <p14:cNvPr id="103" name="Ink 102">
+                <a:extLst>
+                  <a:ext uri="{FF2B5EF4-FFF2-40B4-BE49-F238E27FC236}">
+                    <a16:creationId xmlns:a16="http://schemas.microsoft.com/office/drawing/2014/main" id="{997E31C0-8AB1-A973-0FA9-83C36010721D}"/>
+                  </a:ext>
+                </a:extLst>
+              </p14:cNvPr>
+              <p14:cNvContentPartPr/>
+              <p14:nvPr/>
+            </p14:nvContentPartPr>
+            <p14:xfrm>
+              <a:off x="5934225" y="2093250"/>
+              <a:ext cx="1475640" cy="42120"/>
+            </p14:xfrm>
+          </p:contentPart>
+        </mc:Choice>
+        <mc:Fallback xmlns="">
+          <p:pic>
+            <p:nvPicPr>
+              <p:cNvPr id="103" name="Ink 102">
+                <a:extLst>
+                  <a:ext uri="{FF2B5EF4-FFF2-40B4-BE49-F238E27FC236}">
+                    <a16:creationId xmlns:a16="http://schemas.microsoft.com/office/drawing/2014/main" id="{997E31C0-8AB1-A973-0FA9-83C36010721D}"/>
+                  </a:ext>
+                </a:extLst>
+              </p:cNvPr>
+              <p:cNvPicPr/>
+              <p:nvPr/>
+            </p:nvPicPr>
+            <p:blipFill>
+              <a:blip r:embed="rId70"/>
+              <a:stretch>
+                <a:fillRect/>
+              </a:stretch>
+            </p:blipFill>
+            <p:spPr>
+              <a:xfrm>
+                <a:off x="5898225" y="2021250"/>
+                <a:ext cx="1547280" cy="185760"/>
+              </a:xfrm>
+              <a:prstGeom prst="rect">
+                <a:avLst/>
+              </a:prstGeom>
+            </p:spPr>
+          </p:pic>
+        </mc:Fallback>
+      </mc:AlternateContent>
+      <mc:AlternateContent xmlns:mc="http://schemas.openxmlformats.org/markup-compatibility/2006" xmlns:p14="http://schemas.microsoft.com/office/powerpoint/2010/main">
+        <mc:Choice Requires="p14">
+          <p:contentPart p14:bwMode="auto" r:id="rId71">
+            <p14:nvContentPartPr>
+              <p14:cNvPr id="104" name="Ink 103">
+                <a:extLst>
+                  <a:ext uri="{FF2B5EF4-FFF2-40B4-BE49-F238E27FC236}">
+                    <a16:creationId xmlns:a16="http://schemas.microsoft.com/office/drawing/2014/main" id="{86EDA30B-3759-C939-C628-6D223C2E3932}"/>
+                  </a:ext>
+                </a:extLst>
+              </p14:cNvPr>
+              <p14:cNvContentPartPr/>
+              <p14:nvPr/>
+            </p14:nvContentPartPr>
+            <p14:xfrm>
+              <a:off x="7381065" y="2133210"/>
+              <a:ext cx="68040" cy="2200680"/>
+            </p14:xfrm>
+          </p:contentPart>
+        </mc:Choice>
+        <mc:Fallback xmlns="">
+          <p:pic>
+            <p:nvPicPr>
+              <p:cNvPr id="104" name="Ink 103">
+                <a:extLst>
+                  <a:ext uri="{FF2B5EF4-FFF2-40B4-BE49-F238E27FC236}">
+                    <a16:creationId xmlns:a16="http://schemas.microsoft.com/office/drawing/2014/main" id="{86EDA30B-3759-C939-C628-6D223C2E3932}"/>
+                  </a:ext>
+                </a:extLst>
+              </p:cNvPr>
+              <p:cNvPicPr/>
+              <p:nvPr/>
+            </p:nvPicPr>
+            <p:blipFill>
+              <a:blip r:embed="rId72"/>
+              <a:stretch>
+                <a:fillRect/>
+              </a:stretch>
+            </p:blipFill>
+            <p:spPr>
+              <a:xfrm>
+                <a:off x="7345065" y="2061570"/>
+                <a:ext cx="139680" cy="2344320"/>
+              </a:xfrm>
+              <a:prstGeom prst="rect">
+                <a:avLst/>
+              </a:prstGeom>
+            </p:spPr>
+          </p:pic>
+        </mc:Fallback>
+      </mc:AlternateContent>
+      <mc:AlternateContent xmlns:mc="http://schemas.openxmlformats.org/markup-compatibility/2006" xmlns:p14="http://schemas.microsoft.com/office/powerpoint/2010/main">
+        <mc:Choice Requires="p14">
+          <p:contentPart p14:bwMode="auto" r:id="rId73">
+            <p14:nvContentPartPr>
+              <p14:cNvPr id="105" name="Ink 104">
+                <a:extLst>
+                  <a:ext uri="{FF2B5EF4-FFF2-40B4-BE49-F238E27FC236}">
+                    <a16:creationId xmlns:a16="http://schemas.microsoft.com/office/drawing/2014/main" id="{83C5E76D-D8D6-858D-244A-767F2596A6A0}"/>
+                  </a:ext>
+                </a:extLst>
+              </p14:cNvPr>
+              <p14:cNvContentPartPr/>
+              <p14:nvPr/>
+            </p14:nvContentPartPr>
+            <p14:xfrm>
+              <a:off x="6629025" y="4543050"/>
+              <a:ext cx="800280" cy="1380960"/>
+            </p14:xfrm>
+          </p:contentPart>
+        </mc:Choice>
+        <mc:Fallback xmlns="">
+          <p:pic>
+            <p:nvPicPr>
+              <p:cNvPr id="105" name="Ink 104">
+                <a:extLst>
+                  <a:ext uri="{FF2B5EF4-FFF2-40B4-BE49-F238E27FC236}">
+                    <a16:creationId xmlns:a16="http://schemas.microsoft.com/office/drawing/2014/main" id="{83C5E76D-D8D6-858D-244A-767F2596A6A0}"/>
+                  </a:ext>
+                </a:extLst>
+              </p:cNvPr>
+              <p:cNvPicPr/>
+              <p:nvPr/>
+            </p:nvPicPr>
+            <p:blipFill>
+              <a:blip r:embed="rId74"/>
+              <a:stretch>
+                <a:fillRect/>
+              </a:stretch>
+            </p:blipFill>
+            <p:spPr>
+              <a:xfrm>
+                <a:off x="6593385" y="4471410"/>
+                <a:ext cx="871920" cy="1524600"/>
+              </a:xfrm>
+              <a:prstGeom prst="rect">
+                <a:avLst/>
+              </a:prstGeom>
+            </p:spPr>
+          </p:pic>
+        </mc:Fallback>
+      </mc:AlternateContent>
+      <mc:AlternateContent xmlns:mc="http://schemas.openxmlformats.org/markup-compatibility/2006" xmlns:p14="http://schemas.microsoft.com/office/powerpoint/2010/main">
+        <mc:Choice Requires="p14">
+          <p:contentPart p14:bwMode="auto" r:id="rId75">
+            <p14:nvContentPartPr>
+              <p14:cNvPr id="107" name="Ink 106">
+                <a:extLst>
+                  <a:ext uri="{FF2B5EF4-FFF2-40B4-BE49-F238E27FC236}">
+                    <a16:creationId xmlns:a16="http://schemas.microsoft.com/office/drawing/2014/main" id="{AA10A9AE-4897-8EDF-2592-1C74FD19DD6D}"/>
+                  </a:ext>
+                </a:extLst>
+              </p14:cNvPr>
+              <p14:cNvContentPartPr/>
+              <p14:nvPr/>
+            </p14:nvContentPartPr>
+            <p14:xfrm>
+              <a:off x="5295945" y="2152290"/>
+              <a:ext cx="256320" cy="360"/>
+            </p14:xfrm>
+          </p:contentPart>
+        </mc:Choice>
+        <mc:Fallback xmlns="">
+          <p:pic>
+            <p:nvPicPr>
+              <p:cNvPr id="107" name="Ink 106">
+                <a:extLst>
+                  <a:ext uri="{FF2B5EF4-FFF2-40B4-BE49-F238E27FC236}">
+                    <a16:creationId xmlns:a16="http://schemas.microsoft.com/office/drawing/2014/main" id="{AA10A9AE-4897-8EDF-2592-1C74FD19DD6D}"/>
+                  </a:ext>
+                </a:extLst>
+              </p:cNvPr>
+              <p:cNvPicPr/>
+              <p:nvPr/>
+            </p:nvPicPr>
+            <p:blipFill>
+              <a:blip r:embed="rId76"/>
+              <a:stretch>
+                <a:fillRect/>
+              </a:stretch>
+            </p:blipFill>
+            <p:spPr>
+              <a:xfrm>
+                <a:off x="5259945" y="2080650"/>
+                <a:ext cx="327960" cy="144000"/>
+              </a:xfrm>
+              <a:prstGeom prst="rect">
+                <a:avLst/>
+              </a:prstGeom>
+            </p:spPr>
+          </p:pic>
+        </mc:Fallback>
+      </mc:AlternateContent>
+      <mc:AlternateContent xmlns:mc="http://schemas.openxmlformats.org/markup-compatibility/2006" xmlns:p14="http://schemas.microsoft.com/office/powerpoint/2010/main">
+        <mc:Choice Requires="p14">
+          <p:contentPart p14:bwMode="auto" r:id="rId77">
+            <p14:nvContentPartPr>
+              <p14:cNvPr id="108" name="Ink 107">
+                <a:extLst>
+                  <a:ext uri="{FF2B5EF4-FFF2-40B4-BE49-F238E27FC236}">
+                    <a16:creationId xmlns:a16="http://schemas.microsoft.com/office/drawing/2014/main" id="{FEBB5827-A495-388E-2247-16F3E05F362A}"/>
+                  </a:ext>
+                </a:extLst>
+              </p14:cNvPr>
+              <p14:cNvContentPartPr/>
+              <p14:nvPr/>
+            </p14:nvContentPartPr>
+            <p14:xfrm>
+              <a:off x="5295945" y="1294770"/>
+              <a:ext cx="275400" cy="20520"/>
+            </p14:xfrm>
+          </p:contentPart>
+        </mc:Choice>
+        <mc:Fallback xmlns="">
+          <p:pic>
+            <p:nvPicPr>
+              <p:cNvPr id="108" name="Ink 107">
+                <a:extLst>
+                  <a:ext uri="{FF2B5EF4-FFF2-40B4-BE49-F238E27FC236}">
+                    <a16:creationId xmlns:a16="http://schemas.microsoft.com/office/drawing/2014/main" id="{FEBB5827-A495-388E-2247-16F3E05F362A}"/>
+                  </a:ext>
+                </a:extLst>
+              </p:cNvPr>
+              <p:cNvPicPr/>
+              <p:nvPr/>
+            </p:nvPicPr>
+            <p:blipFill>
+              <a:blip r:embed="rId78"/>
+              <a:stretch>
+                <a:fillRect/>
+              </a:stretch>
+            </p:blipFill>
+            <p:spPr>
+              <a:xfrm>
+                <a:off x="5259945" y="1222770"/>
+                <a:ext cx="347040" cy="164160"/>
+              </a:xfrm>
+              <a:prstGeom prst="rect">
+                <a:avLst/>
+              </a:prstGeom>
+            </p:spPr>
+          </p:pic>
+        </mc:Fallback>
+      </mc:AlternateContent>
+      <mc:AlternateContent xmlns:mc="http://schemas.openxmlformats.org/markup-compatibility/2006" xmlns:p14="http://schemas.microsoft.com/office/powerpoint/2010/main">
+        <mc:Choice Requires="p14">
+          <p:contentPart p14:bwMode="auto" r:id="rId79">
+            <p14:nvContentPartPr>
+              <p14:cNvPr id="109" name="Ink 108">
+                <a:extLst>
+                  <a:ext uri="{FF2B5EF4-FFF2-40B4-BE49-F238E27FC236}">
+                    <a16:creationId xmlns:a16="http://schemas.microsoft.com/office/drawing/2014/main" id="{F282D76E-4F0C-2A90-CF2D-48D5AC52AC19}"/>
+                  </a:ext>
+                </a:extLst>
+              </p14:cNvPr>
+              <p14:cNvContentPartPr/>
+              <p14:nvPr/>
+            </p14:nvContentPartPr>
+            <p14:xfrm>
+              <a:off x="5924505" y="1313490"/>
+              <a:ext cx="1713960" cy="204480"/>
+            </p14:xfrm>
+          </p:contentPart>
+        </mc:Choice>
+        <mc:Fallback xmlns="">
+          <p:pic>
+            <p:nvPicPr>
+              <p:cNvPr id="109" name="Ink 108">
+                <a:extLst>
+                  <a:ext uri="{FF2B5EF4-FFF2-40B4-BE49-F238E27FC236}">
+                    <a16:creationId xmlns:a16="http://schemas.microsoft.com/office/drawing/2014/main" id="{F282D76E-4F0C-2A90-CF2D-48D5AC52AC19}"/>
+                  </a:ext>
+                </a:extLst>
+              </p:cNvPr>
+              <p:cNvPicPr/>
+              <p:nvPr/>
+            </p:nvPicPr>
+            <p:blipFill>
+              <a:blip r:embed="rId80"/>
+              <a:stretch>
+                <a:fillRect/>
+              </a:stretch>
+            </p:blipFill>
+            <p:spPr>
+              <a:xfrm>
+                <a:off x="5888505" y="1241490"/>
+                <a:ext cx="1785600" cy="348120"/>
+              </a:xfrm>
+              <a:prstGeom prst="rect">
+                <a:avLst/>
+              </a:prstGeom>
+            </p:spPr>
+          </p:pic>
+        </mc:Fallback>
+      </mc:AlternateContent>
+      <mc:AlternateContent xmlns:mc="http://schemas.openxmlformats.org/markup-compatibility/2006" xmlns:p14="http://schemas.microsoft.com/office/powerpoint/2010/main">
+        <mc:Choice Requires="p14">
+          <p:contentPart p14:bwMode="auto" r:id="rId81">
+            <p14:nvContentPartPr>
+              <p14:cNvPr id="110" name="Ink 109">
+                <a:extLst>
+                  <a:ext uri="{FF2B5EF4-FFF2-40B4-BE49-F238E27FC236}">
+                    <a16:creationId xmlns:a16="http://schemas.microsoft.com/office/drawing/2014/main" id="{441A1EF6-E24C-EA79-AA91-306552D46DA4}"/>
+                  </a:ext>
+                </a:extLst>
+              </p14:cNvPr>
+              <p14:cNvContentPartPr/>
+              <p14:nvPr/>
+            </p14:nvContentPartPr>
+            <p14:xfrm>
+              <a:off x="5886345" y="1711650"/>
+              <a:ext cx="1741680" cy="251280"/>
+            </p14:xfrm>
+          </p:contentPart>
+        </mc:Choice>
+        <mc:Fallback xmlns="">
+          <p:pic>
+            <p:nvPicPr>
+              <p:cNvPr id="110" name="Ink 109">
+                <a:extLst>
+                  <a:ext uri="{FF2B5EF4-FFF2-40B4-BE49-F238E27FC236}">
+                    <a16:creationId xmlns:a16="http://schemas.microsoft.com/office/drawing/2014/main" id="{441A1EF6-E24C-EA79-AA91-306552D46DA4}"/>
+                  </a:ext>
+                </a:extLst>
+              </p:cNvPr>
+              <p:cNvPicPr/>
+              <p:nvPr/>
+            </p:nvPicPr>
+            <p:blipFill>
+              <a:blip r:embed="rId82"/>
+              <a:stretch>
+                <a:fillRect/>
+              </a:stretch>
+            </p:blipFill>
+            <p:spPr>
+              <a:xfrm>
+                <a:off x="5850345" y="1640010"/>
+                <a:ext cx="1813320" cy="394920"/>
+              </a:xfrm>
+              <a:prstGeom prst="rect">
+                <a:avLst/>
+              </a:prstGeom>
+            </p:spPr>
+          </p:pic>
+        </mc:Fallback>
+      </mc:AlternateContent>
+      <mc:AlternateContent xmlns:mc="http://schemas.openxmlformats.org/markup-compatibility/2006" xmlns:p14="http://schemas.microsoft.com/office/powerpoint/2010/main">
+        <mc:Choice Requires="p14">
+          <p:contentPart p14:bwMode="auto" r:id="rId83">
+            <p14:nvContentPartPr>
+              <p14:cNvPr id="111" name="Ink 110">
+                <a:extLst>
+                  <a:ext uri="{FF2B5EF4-FFF2-40B4-BE49-F238E27FC236}">
+                    <a16:creationId xmlns:a16="http://schemas.microsoft.com/office/drawing/2014/main" id="{740028BB-BF29-7FD7-DB26-8EAF219AFC76}"/>
+                  </a:ext>
+                </a:extLst>
+              </p14:cNvPr>
+              <p14:cNvContentPartPr/>
+              <p14:nvPr/>
+            </p14:nvContentPartPr>
+            <p14:xfrm>
+              <a:off x="5457945" y="1723890"/>
+              <a:ext cx="104040" cy="360"/>
+            </p14:xfrm>
+          </p:contentPart>
+        </mc:Choice>
+        <mc:Fallback xmlns="">
+          <p:pic>
+            <p:nvPicPr>
+              <p:cNvPr id="111" name="Ink 110">
+                <a:extLst>
+                  <a:ext uri="{FF2B5EF4-FFF2-40B4-BE49-F238E27FC236}">
+                    <a16:creationId xmlns:a16="http://schemas.microsoft.com/office/drawing/2014/main" id="{740028BB-BF29-7FD7-DB26-8EAF219AFC76}"/>
+                  </a:ext>
+                </a:extLst>
+              </p:cNvPr>
+              <p:cNvPicPr/>
+              <p:nvPr/>
+            </p:nvPicPr>
+            <p:blipFill>
+              <a:blip r:embed="rId84"/>
+              <a:stretch>
+                <a:fillRect/>
+              </a:stretch>
+            </p:blipFill>
+            <p:spPr>
+              <a:xfrm>
+                <a:off x="5421945" y="1652250"/>
+                <a:ext cx="175680" cy="144000"/>
+              </a:xfrm>
+              <a:prstGeom prst="rect">
+                <a:avLst/>
+              </a:prstGeom>
+            </p:spPr>
+          </p:pic>
+        </mc:Fallback>
+      </mc:AlternateContent>
+      <mc:AlternateContent xmlns:mc="http://schemas.openxmlformats.org/markup-compatibility/2006" xmlns:p14="http://schemas.microsoft.com/office/powerpoint/2010/main">
+        <mc:Choice Requires="p14">
+          <p:contentPart p14:bwMode="auto" r:id="rId85">
+            <p14:nvContentPartPr>
+              <p14:cNvPr id="112" name="Ink 111">
+                <a:extLst>
+                  <a:ext uri="{FF2B5EF4-FFF2-40B4-BE49-F238E27FC236}">
+                    <a16:creationId xmlns:a16="http://schemas.microsoft.com/office/drawing/2014/main" id="{07CF5531-BC52-DF45-55B0-EF3DBE6BC1A6}"/>
+                  </a:ext>
+                </a:extLst>
+              </p14:cNvPr>
+              <p14:cNvContentPartPr/>
+              <p14:nvPr/>
+            </p14:nvContentPartPr>
+            <p14:xfrm>
+              <a:off x="7962825" y="1704450"/>
+              <a:ext cx="1551960" cy="269280"/>
+            </p14:xfrm>
+          </p:contentPart>
+        </mc:Choice>
+        <mc:Fallback xmlns="">
+          <p:pic>
+            <p:nvPicPr>
+              <p:cNvPr id="112" name="Ink 111">
+                <a:extLst>
+                  <a:ext uri="{FF2B5EF4-FFF2-40B4-BE49-F238E27FC236}">
+                    <a16:creationId xmlns:a16="http://schemas.microsoft.com/office/drawing/2014/main" id="{07CF5531-BC52-DF45-55B0-EF3DBE6BC1A6}"/>
+                  </a:ext>
+                </a:extLst>
+              </p:cNvPr>
+              <p:cNvPicPr/>
+              <p:nvPr/>
+            </p:nvPicPr>
+            <p:blipFill>
+              <a:blip r:embed="rId86"/>
+              <a:stretch>
+                <a:fillRect/>
+              </a:stretch>
+            </p:blipFill>
+            <p:spPr>
+              <a:xfrm>
+                <a:off x="7926825" y="1632450"/>
+                <a:ext cx="1623600" cy="412920"/>
+              </a:xfrm>
+              <a:prstGeom prst="rect">
+                <a:avLst/>
+              </a:prstGeom>
+            </p:spPr>
+          </p:pic>
+        </mc:Fallback>
+      </mc:AlternateContent>
+      <mc:AlternateContent xmlns:mc="http://schemas.openxmlformats.org/markup-compatibility/2006" xmlns:p14="http://schemas.microsoft.com/office/powerpoint/2010/main">
+        <mc:Choice Requires="p14">
+          <p:contentPart p14:bwMode="auto" r:id="rId87">
+            <p14:nvContentPartPr>
+              <p14:cNvPr id="114" name="Ink 113">
+                <a:extLst>
+                  <a:ext uri="{FF2B5EF4-FFF2-40B4-BE49-F238E27FC236}">
+                    <a16:creationId xmlns:a16="http://schemas.microsoft.com/office/drawing/2014/main" id="{039FEE64-8B7B-9E2C-FB69-3C4BF6AFDE72}"/>
+                  </a:ext>
+                </a:extLst>
+              </p14:cNvPr>
+              <p14:cNvContentPartPr/>
+              <p14:nvPr/>
+            </p14:nvContentPartPr>
+            <p14:xfrm>
+              <a:off x="4638688" y="960853"/>
+              <a:ext cx="5422320" cy="2734560"/>
+            </p14:xfrm>
+          </p:contentPart>
+        </mc:Choice>
+        <mc:Fallback xmlns="">
+          <p:pic>
+            <p:nvPicPr>
+              <p:cNvPr id="114" name="Ink 113">
+                <a:extLst>
+                  <a:ext uri="{FF2B5EF4-FFF2-40B4-BE49-F238E27FC236}">
+                    <a16:creationId xmlns:a16="http://schemas.microsoft.com/office/drawing/2014/main" id="{039FEE64-8B7B-9E2C-FB69-3C4BF6AFDE72}"/>
+                  </a:ext>
+                </a:extLst>
+              </p:cNvPr>
+              <p:cNvPicPr/>
+              <p:nvPr/>
+            </p:nvPicPr>
+            <p:blipFill>
+              <a:blip r:embed="rId88"/>
+              <a:stretch>
+                <a:fillRect/>
+              </a:stretch>
+            </p:blipFill>
+            <p:spPr>
+              <a:xfrm>
+                <a:off x="4602688" y="889213"/>
+                <a:ext cx="5493960" cy="2878200"/>
+              </a:xfrm>
+              <a:prstGeom prst="rect">
+                <a:avLst/>
+              </a:prstGeom>
+            </p:spPr>
+          </p:pic>
+        </mc:Fallback>
+      </mc:AlternateContent>
+      <p:sp>
+        <p:nvSpPr>
+          <p:cNvPr id="115" name="TextBox 114">
+            <a:extLst>
+              <a:ext uri="{FF2B5EF4-FFF2-40B4-BE49-F238E27FC236}">
+                <a16:creationId xmlns:a16="http://schemas.microsoft.com/office/drawing/2014/main" id="{02516062-A31B-41AB-2658-9DC7AE38C710}"/>
+              </a:ext>
+            </a:extLst>
+          </p:cNvPr>
+          <p:cNvSpPr txBox="1"/>
+          <p:nvPr/>
+        </p:nvSpPr>
+        <p:spPr>
+          <a:xfrm>
+            <a:off x="4638688" y="3439711"/>
+            <a:ext cx="1268551" cy="215444"/>
+          </a:xfrm>
+          <a:prstGeom prst="rect">
+            <a:avLst/>
+          </a:prstGeom>
+          <a:noFill/>
+        </p:spPr>
+        <p:txBody>
+          <a:bodyPr wrap="square" rtlCol="0">
+            <a:spAutoFit/>
+          </a:bodyPr>
+          <a:lstStyle/>
+          <a:p>
+            <a:r>
+              <a:rPr lang="en-US" sz="800" dirty="0">
+                <a:solidFill>
+                  <a:srgbClr val="FF0000"/>
+                </a:solidFill>
+              </a:rPr>
+              <a:t>1</a:t>
+            </a:r>
+          </a:p>
+        </p:txBody>
+      </p:sp>
+      <mc:AlternateContent xmlns:mc="http://schemas.openxmlformats.org/markup-compatibility/2006" xmlns:p14="http://schemas.microsoft.com/office/powerpoint/2010/main">
+        <mc:Choice Requires="p14">
+          <p:contentPart p14:bwMode="auto" r:id="rId89">
+            <p14:nvContentPartPr>
+              <p14:cNvPr id="116" name="Ink 115">
+                <a:extLst>
+                  <a:ext uri="{FF2B5EF4-FFF2-40B4-BE49-F238E27FC236}">
+                    <a16:creationId xmlns:a16="http://schemas.microsoft.com/office/drawing/2014/main" id="{7636FED8-BB7D-4405-91A3-491743AB958F}"/>
+                  </a:ext>
+                </a:extLst>
+              </p14:cNvPr>
+              <p14:cNvContentPartPr/>
+              <p14:nvPr/>
+            </p14:nvContentPartPr>
+            <p14:xfrm>
+              <a:off x="9867945" y="2208810"/>
+              <a:ext cx="400680" cy="1908360"/>
+            </p14:xfrm>
+          </p:contentPart>
+        </mc:Choice>
+        <mc:Fallback xmlns="">
+          <p:pic>
+            <p:nvPicPr>
+              <p:cNvPr id="116" name="Ink 115">
+                <a:extLst>
+                  <a:ext uri="{FF2B5EF4-FFF2-40B4-BE49-F238E27FC236}">
+                    <a16:creationId xmlns:a16="http://schemas.microsoft.com/office/drawing/2014/main" id="{7636FED8-BB7D-4405-91A3-491743AB958F}"/>
+                  </a:ext>
+                </a:extLst>
+              </p:cNvPr>
+              <p:cNvPicPr/>
+              <p:nvPr/>
+            </p:nvPicPr>
+            <p:blipFill>
+              <a:blip r:embed="rId90"/>
+              <a:stretch>
+                <a:fillRect/>
+              </a:stretch>
+            </p:blipFill>
+            <p:spPr>
+              <a:xfrm>
+                <a:off x="9831945" y="2136810"/>
+                <a:ext cx="472320" cy="2052000"/>
+              </a:xfrm>
+              <a:prstGeom prst="rect">
+                <a:avLst/>
+              </a:prstGeom>
+            </p:spPr>
+          </p:pic>
+        </mc:Fallback>
+      </mc:AlternateContent>
+      <p:sp>
+        <p:nvSpPr>
+          <p:cNvPr id="117" name="TextBox 116">
+            <a:extLst>
+              <a:ext uri="{FF2B5EF4-FFF2-40B4-BE49-F238E27FC236}">
+                <a16:creationId xmlns:a16="http://schemas.microsoft.com/office/drawing/2014/main" id="{44C69860-8604-1B0C-1412-85AC55D5EB02}"/>
+              </a:ext>
+            </a:extLst>
+          </p:cNvPr>
+          <p:cNvSpPr txBox="1"/>
+          <p:nvPr/>
+        </p:nvSpPr>
+        <p:spPr>
+          <a:xfrm>
+            <a:off x="10268625" y="3897570"/>
+            <a:ext cx="1268551" cy="215444"/>
+          </a:xfrm>
+          <a:prstGeom prst="rect">
+            <a:avLst/>
+          </a:prstGeom>
+          <a:noFill/>
+        </p:spPr>
+        <p:txBody>
+          <a:bodyPr wrap="square" rtlCol="0">
+            <a:spAutoFit/>
+          </a:bodyPr>
+          <a:lstStyle/>
+          <a:p>
+            <a:r>
+              <a:rPr lang="en-US" sz="800" dirty="0">
+                <a:solidFill>
+                  <a:srgbClr val="FF0000"/>
+                </a:solidFill>
+              </a:rPr>
+              <a:t>0</a:t>
+            </a:r>
+          </a:p>
+        </p:txBody>
+      </p:sp>
+      <p:sp>
+        <p:nvSpPr>
+          <p:cNvPr id="120" name="TextBox 119">
+            <a:extLst>
+              <a:ext uri="{FF2B5EF4-FFF2-40B4-BE49-F238E27FC236}">
+                <a16:creationId xmlns:a16="http://schemas.microsoft.com/office/drawing/2014/main" id="{75D4D83F-A7F1-0778-74D2-3ECE05469C5F}"/>
+              </a:ext>
+            </a:extLst>
+          </p:cNvPr>
+          <p:cNvSpPr txBox="1"/>
+          <p:nvPr/>
+        </p:nvSpPr>
+        <p:spPr>
+          <a:xfrm>
+            <a:off x="165241" y="4005292"/>
+            <a:ext cx="1101584" cy="369332"/>
+          </a:xfrm>
+          <a:prstGeom prst="rect">
+            <a:avLst/>
+          </a:prstGeom>
+          <a:noFill/>
+        </p:spPr>
+        <p:txBody>
+          <a:bodyPr wrap="none" rtlCol="0">
+            <a:spAutoFit/>
+          </a:bodyPr>
+          <a:lstStyle/>
+          <a:p>
+            <a:r>
+              <a:rPr lang="en-US" dirty="0">
+                <a:solidFill>
+                  <a:srgbClr val="FF0000"/>
+                </a:solidFill>
+              </a:rPr>
+              <a:t>pc + </a:t>
+            </a:r>
+            <a:r>
+              <a:rPr lang="en-US" dirty="0" err="1">
+                <a:solidFill>
+                  <a:srgbClr val="FF0000"/>
+                </a:solidFill>
+              </a:rPr>
+              <a:t>imm</a:t>
+            </a:r>
+            <a:endParaRPr lang="en-US" dirty="0">
+              <a:solidFill>
+                <a:srgbClr val="FF0000"/>
+              </a:solidFill>
+            </a:endParaRPr>
+          </a:p>
+        </p:txBody>
+      </p:sp>
+      <mc:AlternateContent xmlns:mc="http://schemas.openxmlformats.org/markup-compatibility/2006" xmlns:p14="http://schemas.microsoft.com/office/powerpoint/2010/main">
+        <mc:Choice Requires="p14">
+          <p:contentPart p14:bwMode="auto" r:id="rId91">
+            <p14:nvContentPartPr>
+              <p14:cNvPr id="121" name="Ink 120">
+                <a:extLst>
+                  <a:ext uri="{FF2B5EF4-FFF2-40B4-BE49-F238E27FC236}">
+                    <a16:creationId xmlns:a16="http://schemas.microsoft.com/office/drawing/2014/main" id="{D3F9AE5D-8A7B-59FC-FCE6-010BE05520C1}"/>
+                  </a:ext>
+                </a:extLst>
+              </p14:cNvPr>
+              <p14:cNvContentPartPr/>
+              <p14:nvPr/>
+            </p14:nvContentPartPr>
+            <p14:xfrm>
+              <a:off x="2505225" y="2510490"/>
+              <a:ext cx="452520" cy="24840"/>
+            </p14:xfrm>
+          </p:contentPart>
+        </mc:Choice>
+        <mc:Fallback xmlns="">
+          <p:pic>
+            <p:nvPicPr>
+              <p:cNvPr id="121" name="Ink 120">
+                <a:extLst>
+                  <a:ext uri="{FF2B5EF4-FFF2-40B4-BE49-F238E27FC236}">
+                    <a16:creationId xmlns:a16="http://schemas.microsoft.com/office/drawing/2014/main" id="{D3F9AE5D-8A7B-59FC-FCE6-010BE05520C1}"/>
+                  </a:ext>
+                </a:extLst>
+              </p:cNvPr>
+              <p:cNvPicPr/>
+              <p:nvPr/>
+            </p:nvPicPr>
+            <p:blipFill>
+              <a:blip r:embed="rId92"/>
+              <a:stretch>
+                <a:fillRect/>
+              </a:stretch>
+            </p:blipFill>
+            <p:spPr>
+              <a:xfrm>
+                <a:off x="2487225" y="2492850"/>
+                <a:ext cx="488160" cy="60480"/>
+              </a:xfrm>
+              <a:prstGeom prst="rect">
+                <a:avLst/>
+              </a:prstGeom>
+            </p:spPr>
+          </p:pic>
+        </mc:Fallback>
+      </mc:AlternateContent>
+      <mc:AlternateContent xmlns:mc="http://schemas.openxmlformats.org/markup-compatibility/2006" xmlns:p14="http://schemas.microsoft.com/office/powerpoint/2010/main">
+        <mc:Choice Requires="p14">
+          <p:contentPart p14:bwMode="auto" r:id="rId93">
+            <p14:nvContentPartPr>
+              <p14:cNvPr id="122" name="Ink 121">
+                <a:extLst>
+                  <a:ext uri="{FF2B5EF4-FFF2-40B4-BE49-F238E27FC236}">
+                    <a16:creationId xmlns:a16="http://schemas.microsoft.com/office/drawing/2014/main" id="{1CC7EAEA-52FB-BD00-40ED-2C8B9F507B4B}"/>
+                  </a:ext>
+                </a:extLst>
+              </p14:cNvPr>
+              <p14:cNvContentPartPr/>
+              <p14:nvPr/>
+            </p14:nvContentPartPr>
+            <p14:xfrm>
+              <a:off x="3247905" y="2466210"/>
+              <a:ext cx="2395440" cy="59040"/>
+            </p14:xfrm>
+          </p:contentPart>
+        </mc:Choice>
+        <mc:Fallback xmlns="">
+          <p:pic>
+            <p:nvPicPr>
+              <p:cNvPr id="122" name="Ink 121">
+                <a:extLst>
+                  <a:ext uri="{FF2B5EF4-FFF2-40B4-BE49-F238E27FC236}">
+                    <a16:creationId xmlns:a16="http://schemas.microsoft.com/office/drawing/2014/main" id="{1CC7EAEA-52FB-BD00-40ED-2C8B9F507B4B}"/>
+                  </a:ext>
+                </a:extLst>
+              </p:cNvPr>
+              <p:cNvPicPr/>
+              <p:nvPr/>
+            </p:nvPicPr>
+            <p:blipFill>
+              <a:blip r:embed="rId94"/>
+              <a:stretch>
+                <a:fillRect/>
+              </a:stretch>
+            </p:blipFill>
+            <p:spPr>
+              <a:xfrm>
+                <a:off x="3229905" y="2448210"/>
+                <a:ext cx="2431080" cy="94680"/>
+              </a:xfrm>
+              <a:prstGeom prst="rect">
+                <a:avLst/>
+              </a:prstGeom>
+            </p:spPr>
+          </p:pic>
+        </mc:Fallback>
+      </mc:AlternateContent>
+      <mc:AlternateContent xmlns:mc="http://schemas.openxmlformats.org/markup-compatibility/2006" xmlns:p14="http://schemas.microsoft.com/office/powerpoint/2010/main">
+        <mc:Choice Requires="p14">
+          <p:contentPart p14:bwMode="auto" r:id="rId95">
+            <p14:nvContentPartPr>
+              <p14:cNvPr id="124" name="Ink 123">
+                <a:extLst>
+                  <a:ext uri="{FF2B5EF4-FFF2-40B4-BE49-F238E27FC236}">
+                    <a16:creationId xmlns:a16="http://schemas.microsoft.com/office/drawing/2014/main" id="{0D821507-7EA7-1CC6-5EAA-62E3B37D66FD}"/>
+                  </a:ext>
+                </a:extLst>
+              </p14:cNvPr>
+              <p14:cNvContentPartPr/>
+              <p14:nvPr/>
+            </p14:nvContentPartPr>
+            <p14:xfrm>
+              <a:off x="2467065" y="2533530"/>
+              <a:ext cx="484920" cy="360"/>
+            </p14:xfrm>
+          </p:contentPart>
+        </mc:Choice>
+        <mc:Fallback xmlns="">
+          <p:pic>
+            <p:nvPicPr>
+              <p:cNvPr id="124" name="Ink 123">
+                <a:extLst>
+                  <a:ext uri="{FF2B5EF4-FFF2-40B4-BE49-F238E27FC236}">
+                    <a16:creationId xmlns:a16="http://schemas.microsoft.com/office/drawing/2014/main" id="{0D821507-7EA7-1CC6-5EAA-62E3B37D66FD}"/>
+                  </a:ext>
+                </a:extLst>
+              </p:cNvPr>
+              <p:cNvPicPr/>
+              <p:nvPr/>
+            </p:nvPicPr>
+            <p:blipFill>
+              <a:blip r:embed="rId96"/>
+              <a:stretch>
+                <a:fillRect/>
+              </a:stretch>
+            </p:blipFill>
+            <p:spPr>
+              <a:xfrm>
+                <a:off x="2431065" y="2461890"/>
+                <a:ext cx="556560" cy="144000"/>
+              </a:xfrm>
+              <a:prstGeom prst="rect">
+                <a:avLst/>
+              </a:prstGeom>
+            </p:spPr>
+          </p:pic>
+        </mc:Fallback>
+      </mc:AlternateContent>
+      <mc:AlternateContent xmlns:mc="http://schemas.openxmlformats.org/markup-compatibility/2006" xmlns:p14="http://schemas.microsoft.com/office/powerpoint/2010/main">
+        <mc:Choice Requires="p14">
+          <p:contentPart p14:bwMode="auto" r:id="rId97">
+            <p14:nvContentPartPr>
+              <p14:cNvPr id="125" name="Ink 124">
+                <a:extLst>
+                  <a:ext uri="{FF2B5EF4-FFF2-40B4-BE49-F238E27FC236}">
+                    <a16:creationId xmlns:a16="http://schemas.microsoft.com/office/drawing/2014/main" id="{416EFCCE-D22D-2902-51F2-DB95CE9A1943}"/>
+                  </a:ext>
+                </a:extLst>
+              </p14:cNvPr>
+              <p14:cNvContentPartPr/>
+              <p14:nvPr/>
+            </p14:nvContentPartPr>
+            <p14:xfrm>
+              <a:off x="3295785" y="2446770"/>
+              <a:ext cx="2323080" cy="68040"/>
+            </p14:xfrm>
+          </p:contentPart>
+        </mc:Choice>
+        <mc:Fallback xmlns="">
+          <p:pic>
+            <p:nvPicPr>
+              <p:cNvPr id="125" name="Ink 124">
+                <a:extLst>
+                  <a:ext uri="{FF2B5EF4-FFF2-40B4-BE49-F238E27FC236}">
+                    <a16:creationId xmlns:a16="http://schemas.microsoft.com/office/drawing/2014/main" id="{416EFCCE-D22D-2902-51F2-DB95CE9A1943}"/>
+                  </a:ext>
+                </a:extLst>
+              </p:cNvPr>
+              <p:cNvPicPr/>
+              <p:nvPr/>
+            </p:nvPicPr>
+            <p:blipFill>
+              <a:blip r:embed="rId98"/>
+              <a:stretch>
+                <a:fillRect/>
+              </a:stretch>
+            </p:blipFill>
+            <p:spPr>
+              <a:xfrm>
+                <a:off x="3259785" y="2374770"/>
+                <a:ext cx="2394720" cy="211680"/>
+              </a:xfrm>
+              <a:prstGeom prst="rect">
+                <a:avLst/>
+              </a:prstGeom>
+            </p:spPr>
+          </p:pic>
+        </mc:Fallback>
+      </mc:AlternateContent>
+      <mc:AlternateContent xmlns:mc="http://schemas.openxmlformats.org/markup-compatibility/2006" xmlns:p14="http://schemas.microsoft.com/office/powerpoint/2010/main">
+        <mc:Choice Requires="p14">
+          <p:contentPart p14:bwMode="auto" r:id="rId99">
+            <p14:nvContentPartPr>
+              <p14:cNvPr id="130" name="Ink 129">
+                <a:extLst>
+                  <a:ext uri="{FF2B5EF4-FFF2-40B4-BE49-F238E27FC236}">
+                    <a16:creationId xmlns:a16="http://schemas.microsoft.com/office/drawing/2014/main" id="{F8845460-42CB-E476-C418-93D67AFF79F9}"/>
+                  </a:ext>
+                </a:extLst>
+              </p14:cNvPr>
+              <p14:cNvContentPartPr/>
+              <p14:nvPr/>
+            </p14:nvContentPartPr>
+            <p14:xfrm>
+              <a:off x="5896065" y="2466570"/>
+              <a:ext cx="594360" cy="1081800"/>
+            </p14:xfrm>
+          </p:contentPart>
+        </mc:Choice>
+        <mc:Fallback xmlns="">
+          <p:pic>
+            <p:nvPicPr>
+              <p:cNvPr id="130" name="Ink 129">
+                <a:extLst>
+                  <a:ext uri="{FF2B5EF4-FFF2-40B4-BE49-F238E27FC236}">
+                    <a16:creationId xmlns:a16="http://schemas.microsoft.com/office/drawing/2014/main" id="{F8845460-42CB-E476-C418-93D67AFF79F9}"/>
+                  </a:ext>
+                </a:extLst>
+              </p:cNvPr>
+              <p:cNvPicPr/>
+              <p:nvPr/>
+            </p:nvPicPr>
+            <p:blipFill>
+              <a:blip r:embed="rId100"/>
+              <a:stretch>
+                <a:fillRect/>
+              </a:stretch>
+            </p:blipFill>
+            <p:spPr>
+              <a:xfrm>
+                <a:off x="5878065" y="2448570"/>
+                <a:ext cx="630000" cy="1117440"/>
+              </a:xfrm>
+              <a:prstGeom prst="rect">
+                <a:avLst/>
+              </a:prstGeom>
+            </p:spPr>
+          </p:pic>
+        </mc:Fallback>
+      </mc:AlternateContent>
+      <mc:AlternateContent xmlns:mc="http://schemas.openxmlformats.org/markup-compatibility/2006" xmlns:p14="http://schemas.microsoft.com/office/powerpoint/2010/main">
+        <mc:Choice Requires="p14">
+          <p:contentPart p14:bwMode="auto" r:id="rId101">
+            <p14:nvContentPartPr>
+              <p14:cNvPr id="131" name="Ink 130">
+                <a:extLst>
+                  <a:ext uri="{FF2B5EF4-FFF2-40B4-BE49-F238E27FC236}">
+                    <a16:creationId xmlns:a16="http://schemas.microsoft.com/office/drawing/2014/main" id="{56784EA8-D51A-66E2-AE3D-165B11609AEA}"/>
+                  </a:ext>
+                </a:extLst>
+              </p14:cNvPr>
+              <p14:cNvContentPartPr/>
+              <p14:nvPr/>
+            </p14:nvContentPartPr>
+            <p14:xfrm>
+              <a:off x="5886345" y="3370890"/>
+              <a:ext cx="878400" cy="515880"/>
+            </p14:xfrm>
+          </p:contentPart>
+        </mc:Choice>
+        <mc:Fallback xmlns="">
+          <p:pic>
+            <p:nvPicPr>
+              <p:cNvPr id="131" name="Ink 130">
+                <a:extLst>
+                  <a:ext uri="{FF2B5EF4-FFF2-40B4-BE49-F238E27FC236}">
+                    <a16:creationId xmlns:a16="http://schemas.microsoft.com/office/drawing/2014/main" id="{56784EA8-D51A-66E2-AE3D-165B11609AEA}"/>
+                  </a:ext>
+                </a:extLst>
+              </p:cNvPr>
+              <p:cNvPicPr/>
+              <p:nvPr/>
+            </p:nvPicPr>
+            <p:blipFill>
+              <a:blip r:embed="rId102"/>
+              <a:stretch>
+                <a:fillRect/>
+              </a:stretch>
+            </p:blipFill>
+            <p:spPr>
+              <a:xfrm>
+                <a:off x="5868345" y="3353250"/>
+                <a:ext cx="914040" cy="551520"/>
+              </a:xfrm>
+              <a:prstGeom prst="rect">
+                <a:avLst/>
+              </a:prstGeom>
+            </p:spPr>
+          </p:pic>
+        </mc:Fallback>
+      </mc:AlternateContent>
+      <mc:AlternateContent xmlns:mc="http://schemas.openxmlformats.org/markup-compatibility/2006" xmlns:p14="http://schemas.microsoft.com/office/powerpoint/2010/main">
+        <mc:Choice Requires="p14">
+          <p:contentPart p14:bwMode="auto" r:id="rId103">
+            <p14:nvContentPartPr>
+              <p14:cNvPr id="132" name="Ink 131">
+                <a:extLst>
+                  <a:ext uri="{FF2B5EF4-FFF2-40B4-BE49-F238E27FC236}">
+                    <a16:creationId xmlns:a16="http://schemas.microsoft.com/office/drawing/2014/main" id="{0B117707-99AA-AF69-3ADC-79F3E97233FB}"/>
+                  </a:ext>
+                </a:extLst>
+              </p14:cNvPr>
+              <p14:cNvContentPartPr/>
+              <p14:nvPr/>
+            </p14:nvContentPartPr>
+            <p14:xfrm>
+              <a:off x="6572145" y="3762210"/>
+              <a:ext cx="180360" cy="126720"/>
+            </p14:xfrm>
+          </p:contentPart>
+        </mc:Choice>
+        <mc:Fallback xmlns="">
+          <p:pic>
+            <p:nvPicPr>
+              <p:cNvPr id="132" name="Ink 131">
+                <a:extLst>
+                  <a:ext uri="{FF2B5EF4-FFF2-40B4-BE49-F238E27FC236}">
+                    <a16:creationId xmlns:a16="http://schemas.microsoft.com/office/drawing/2014/main" id="{0B117707-99AA-AF69-3ADC-79F3E97233FB}"/>
+                  </a:ext>
+                </a:extLst>
+              </p:cNvPr>
+              <p:cNvPicPr/>
+              <p:nvPr/>
+            </p:nvPicPr>
+            <p:blipFill>
+              <a:blip r:embed="rId104"/>
+              <a:stretch>
+                <a:fillRect/>
+              </a:stretch>
+            </p:blipFill>
+            <p:spPr>
+              <a:xfrm>
+                <a:off x="6554145" y="3744570"/>
+                <a:ext cx="216000" cy="162360"/>
+              </a:xfrm>
+              <a:prstGeom prst="rect">
+                <a:avLst/>
+              </a:prstGeom>
+            </p:spPr>
+          </p:pic>
+        </mc:Fallback>
+      </mc:AlternateContent>
+      <mc:AlternateContent xmlns:mc="http://schemas.openxmlformats.org/markup-compatibility/2006" xmlns:p14="http://schemas.microsoft.com/office/powerpoint/2010/main">
+        <mc:Choice Requires="p14">
+          <p:contentPart p14:bwMode="auto" r:id="rId105">
+            <p14:nvContentPartPr>
+              <p14:cNvPr id="134" name="Ink 133">
+                <a:extLst>
+                  <a:ext uri="{FF2B5EF4-FFF2-40B4-BE49-F238E27FC236}">
+                    <a16:creationId xmlns:a16="http://schemas.microsoft.com/office/drawing/2014/main" id="{C3D87BFF-4AAE-42FD-EEC0-1D0D9C70D246}"/>
+                  </a:ext>
+                </a:extLst>
+              </p14:cNvPr>
+              <p14:cNvContentPartPr/>
+              <p14:nvPr/>
+            </p14:nvContentPartPr>
+            <p14:xfrm>
+              <a:off x="5876985" y="2218890"/>
+              <a:ext cx="541440" cy="1459080"/>
+            </p14:xfrm>
+          </p:contentPart>
+        </mc:Choice>
+        <mc:Fallback xmlns="">
+          <p:pic>
+            <p:nvPicPr>
+              <p:cNvPr id="134" name="Ink 133">
+                <a:extLst>
+                  <a:ext uri="{FF2B5EF4-FFF2-40B4-BE49-F238E27FC236}">
+                    <a16:creationId xmlns:a16="http://schemas.microsoft.com/office/drawing/2014/main" id="{C3D87BFF-4AAE-42FD-EEC0-1D0D9C70D246}"/>
+                  </a:ext>
+                </a:extLst>
+              </p:cNvPr>
+              <p:cNvPicPr/>
+              <p:nvPr/>
+            </p:nvPicPr>
+            <p:blipFill>
+              <a:blip r:embed="rId106"/>
+              <a:stretch>
+                <a:fillRect/>
+              </a:stretch>
+            </p:blipFill>
+            <p:spPr>
+              <a:xfrm>
+                <a:off x="5858985" y="2200890"/>
+                <a:ext cx="577080" cy="1494720"/>
+              </a:xfrm>
+              <a:prstGeom prst="rect">
+                <a:avLst/>
+              </a:prstGeom>
+            </p:spPr>
+          </p:pic>
+        </mc:Fallback>
+      </mc:AlternateContent>
+      <p:sp>
+        <p:nvSpPr>
+          <p:cNvPr id="135" name="TextBox 134">
+            <a:extLst>
+              <a:ext uri="{FF2B5EF4-FFF2-40B4-BE49-F238E27FC236}">
+                <a16:creationId xmlns:a16="http://schemas.microsoft.com/office/drawing/2014/main" id="{BE1BBFB6-B566-FBE7-B893-804DE679DE5D}"/>
+              </a:ext>
+            </a:extLst>
+          </p:cNvPr>
+          <p:cNvSpPr txBox="1"/>
+          <p:nvPr/>
+        </p:nvSpPr>
+        <p:spPr>
+          <a:xfrm>
+            <a:off x="6159751" y="3728945"/>
+            <a:ext cx="582482" cy="430887"/>
+          </a:xfrm>
+          <a:prstGeom prst="rect">
+            <a:avLst/>
+          </a:prstGeom>
+          <a:noFill/>
+        </p:spPr>
+        <p:txBody>
+          <a:bodyPr wrap="square" rtlCol="0">
+            <a:spAutoFit/>
+          </a:bodyPr>
+          <a:lstStyle/>
+          <a:p>
+            <a:r>
+              <a:rPr lang="en-US" sz="1100" dirty="0">
+                <a:solidFill>
+                  <a:srgbClr val="FF0000"/>
+                </a:solidFill>
+              </a:rPr>
+              <a:t>X</a:t>
+            </a:r>
+          </a:p>
+          <a:p>
+            <a:endParaRPr lang="en-US" sz="1100" dirty="0">
+              <a:solidFill>
+                <a:srgbClr val="FF0000"/>
+              </a:solidFill>
+            </a:endParaRPr>
+          </a:p>
+        </p:txBody>
+      </p:sp>
+      <mc:AlternateContent xmlns:mc="http://schemas.openxmlformats.org/markup-compatibility/2006" xmlns:p14="http://schemas.microsoft.com/office/powerpoint/2010/main">
+        <mc:Choice Requires="p14">
+          <p:contentPart p14:bwMode="auto" r:id="rId107">
+            <p14:nvContentPartPr>
+              <p14:cNvPr id="136" name="Ink 135">
+                <a:extLst>
+                  <a:ext uri="{FF2B5EF4-FFF2-40B4-BE49-F238E27FC236}">
+                    <a16:creationId xmlns:a16="http://schemas.microsoft.com/office/drawing/2014/main" id="{4280CC73-5614-E671-A8DE-137B2785F394}"/>
+                  </a:ext>
+                </a:extLst>
+              </p14:cNvPr>
+              <p14:cNvContentPartPr/>
+              <p14:nvPr/>
+            </p14:nvContentPartPr>
+            <p14:xfrm>
+              <a:off x="6276945" y="3208890"/>
+              <a:ext cx="275040" cy="20520"/>
+            </p14:xfrm>
+          </p:contentPart>
+        </mc:Choice>
+        <mc:Fallback xmlns="">
+          <p:pic>
+            <p:nvPicPr>
+              <p:cNvPr id="136" name="Ink 135">
+                <a:extLst>
+                  <a:ext uri="{FF2B5EF4-FFF2-40B4-BE49-F238E27FC236}">
+                    <a16:creationId xmlns:a16="http://schemas.microsoft.com/office/drawing/2014/main" id="{4280CC73-5614-E671-A8DE-137B2785F394}"/>
+                  </a:ext>
+                </a:extLst>
+              </p:cNvPr>
+              <p:cNvPicPr/>
+              <p:nvPr/>
+            </p:nvPicPr>
+            <p:blipFill>
+              <a:blip r:embed="rId108"/>
+              <a:stretch>
+                <a:fillRect/>
+              </a:stretch>
+            </p:blipFill>
+            <p:spPr>
+              <a:xfrm>
+                <a:off x="6258945" y="3173250"/>
+                <a:ext cx="310680" cy="92160"/>
+              </a:xfrm>
+              <a:prstGeom prst="rect">
+                <a:avLst/>
+              </a:prstGeom>
+            </p:spPr>
+          </p:pic>
+        </mc:Fallback>
+      </mc:AlternateContent>
+      <mc:AlternateContent xmlns:mc="http://schemas.openxmlformats.org/markup-compatibility/2006" xmlns:p14="http://schemas.microsoft.com/office/powerpoint/2010/main">
+        <mc:Choice Requires="p14">
+          <p:contentPart p14:bwMode="auto" r:id="rId109">
+            <p14:nvContentPartPr>
+              <p14:cNvPr id="138" name="Ink 137">
+                <a:extLst>
+                  <a:ext uri="{FF2B5EF4-FFF2-40B4-BE49-F238E27FC236}">
+                    <a16:creationId xmlns:a16="http://schemas.microsoft.com/office/drawing/2014/main" id="{A9DDE6DF-490D-C2ED-E918-8139E5615D54}"/>
+                  </a:ext>
+                </a:extLst>
+              </p14:cNvPr>
+              <p14:cNvContentPartPr/>
+              <p14:nvPr/>
+            </p14:nvContentPartPr>
+            <p14:xfrm>
+              <a:off x="5896065" y="2800290"/>
+              <a:ext cx="619200" cy="9720"/>
+            </p14:xfrm>
+          </p:contentPart>
+        </mc:Choice>
+        <mc:Fallback xmlns="">
+          <p:pic>
+            <p:nvPicPr>
+              <p:cNvPr id="138" name="Ink 137">
+                <a:extLst>
+                  <a:ext uri="{FF2B5EF4-FFF2-40B4-BE49-F238E27FC236}">
+                    <a16:creationId xmlns:a16="http://schemas.microsoft.com/office/drawing/2014/main" id="{A9DDE6DF-490D-C2ED-E918-8139E5615D54}"/>
+                  </a:ext>
+                </a:extLst>
+              </p:cNvPr>
+              <p:cNvPicPr/>
+              <p:nvPr/>
+            </p:nvPicPr>
+            <p:blipFill>
+              <a:blip r:embed="rId110"/>
+              <a:stretch>
+                <a:fillRect/>
+              </a:stretch>
+            </p:blipFill>
+            <p:spPr>
+              <a:xfrm>
+                <a:off x="5878065" y="2764290"/>
+                <a:ext cx="654840" cy="81360"/>
+              </a:xfrm>
+              <a:prstGeom prst="rect">
+                <a:avLst/>
+              </a:prstGeom>
+            </p:spPr>
+          </p:pic>
+        </mc:Fallback>
+      </mc:AlternateContent>
+      <mc:AlternateContent xmlns:mc="http://schemas.openxmlformats.org/markup-compatibility/2006" xmlns:p14="http://schemas.microsoft.com/office/powerpoint/2010/main">
+        <mc:Choice Requires="p14">
+          <p:contentPart p14:bwMode="auto" r:id="rId111">
+            <p14:nvContentPartPr>
+              <p14:cNvPr id="139" name="Ink 138">
+                <a:extLst>
+                  <a:ext uri="{FF2B5EF4-FFF2-40B4-BE49-F238E27FC236}">
+                    <a16:creationId xmlns:a16="http://schemas.microsoft.com/office/drawing/2014/main" id="{B2C2F992-360A-C822-7815-3AE84838DBC5}"/>
+                  </a:ext>
+                </a:extLst>
+              </p14:cNvPr>
+              <p14:cNvContentPartPr/>
+              <p14:nvPr/>
+            </p14:nvContentPartPr>
+            <p14:xfrm>
+              <a:off x="5867265" y="2209170"/>
+              <a:ext cx="622080" cy="1492560"/>
+            </p14:xfrm>
+          </p:contentPart>
+        </mc:Choice>
+        <mc:Fallback xmlns="">
+          <p:pic>
+            <p:nvPicPr>
+              <p:cNvPr id="139" name="Ink 138">
+                <a:extLst>
+                  <a:ext uri="{FF2B5EF4-FFF2-40B4-BE49-F238E27FC236}">
+                    <a16:creationId xmlns:a16="http://schemas.microsoft.com/office/drawing/2014/main" id="{B2C2F992-360A-C822-7815-3AE84838DBC5}"/>
+                  </a:ext>
+                </a:extLst>
+              </p:cNvPr>
+              <p:cNvPicPr/>
+              <p:nvPr/>
+            </p:nvPicPr>
+            <p:blipFill>
+              <a:blip r:embed="rId112"/>
+              <a:stretch>
+                <a:fillRect/>
+              </a:stretch>
+            </p:blipFill>
+            <p:spPr>
+              <a:xfrm>
+                <a:off x="5849265" y="2173530"/>
+                <a:ext cx="657720" cy="1564200"/>
+              </a:xfrm>
+              <a:prstGeom prst="rect">
+                <a:avLst/>
+              </a:prstGeom>
+            </p:spPr>
+          </p:pic>
+        </mc:Fallback>
+      </mc:AlternateContent>
+      <mc:AlternateContent xmlns:mc="http://schemas.openxmlformats.org/markup-compatibility/2006" xmlns:p14="http://schemas.microsoft.com/office/powerpoint/2010/main">
+        <mc:Choice Requires="p14">
+          <p:contentPart p14:bwMode="auto" r:id="rId113">
+            <p14:nvContentPartPr>
+              <p14:cNvPr id="140" name="Ink 139">
+                <a:extLst>
+                  <a:ext uri="{FF2B5EF4-FFF2-40B4-BE49-F238E27FC236}">
+                    <a16:creationId xmlns:a16="http://schemas.microsoft.com/office/drawing/2014/main" id="{254E2232-BF9F-583A-D1BE-C6C0A1FD425A}"/>
+                  </a:ext>
+                </a:extLst>
+              </p14:cNvPr>
+              <p14:cNvContentPartPr/>
+              <p14:nvPr/>
+            </p14:nvContentPartPr>
+            <p14:xfrm>
+              <a:off x="5867265" y="2453250"/>
+              <a:ext cx="624600" cy="1084680"/>
+            </p14:xfrm>
+          </p:contentPart>
+        </mc:Choice>
+        <mc:Fallback xmlns="">
+          <p:pic>
+            <p:nvPicPr>
+              <p:cNvPr id="140" name="Ink 139">
+                <a:extLst>
+                  <a:ext uri="{FF2B5EF4-FFF2-40B4-BE49-F238E27FC236}">
+                    <a16:creationId xmlns:a16="http://schemas.microsoft.com/office/drawing/2014/main" id="{254E2232-BF9F-583A-D1BE-C6C0A1FD425A}"/>
+                  </a:ext>
+                </a:extLst>
+              </p:cNvPr>
+              <p:cNvPicPr/>
+              <p:nvPr/>
+            </p:nvPicPr>
+            <p:blipFill>
+              <a:blip r:embed="rId114"/>
+              <a:stretch>
+                <a:fillRect/>
+              </a:stretch>
+            </p:blipFill>
+            <p:spPr>
+              <a:xfrm>
+                <a:off x="5849265" y="2417250"/>
+                <a:ext cx="660240" cy="1156320"/>
+              </a:xfrm>
+              <a:prstGeom prst="rect">
+                <a:avLst/>
+              </a:prstGeom>
+            </p:spPr>
+          </p:pic>
+        </mc:Fallback>
+      </mc:AlternateContent>
+      <mc:AlternateContent xmlns:mc="http://schemas.openxmlformats.org/markup-compatibility/2006" xmlns:p14="http://schemas.microsoft.com/office/powerpoint/2010/main">
+        <mc:Choice Requires="p14">
+          <p:contentPart p14:bwMode="auto" r:id="rId115">
+            <p14:nvContentPartPr>
+              <p14:cNvPr id="142" name="Ink 141">
+                <a:extLst>
+                  <a:ext uri="{FF2B5EF4-FFF2-40B4-BE49-F238E27FC236}">
+                    <a16:creationId xmlns:a16="http://schemas.microsoft.com/office/drawing/2014/main" id="{FE03728F-EE4F-EAA3-5EC8-B36074CC8B96}"/>
+                  </a:ext>
+                </a:extLst>
+              </p14:cNvPr>
+              <p14:cNvContentPartPr/>
+              <p14:nvPr/>
+            </p14:nvContentPartPr>
+            <p14:xfrm>
+              <a:off x="6542265" y="3771570"/>
+              <a:ext cx="248040" cy="115920"/>
+            </p14:xfrm>
+          </p:contentPart>
+        </mc:Choice>
+        <mc:Fallback xmlns="">
+          <p:pic>
+            <p:nvPicPr>
+              <p:cNvPr id="142" name="Ink 141">
+                <a:extLst>
+                  <a:ext uri="{FF2B5EF4-FFF2-40B4-BE49-F238E27FC236}">
+                    <a16:creationId xmlns:a16="http://schemas.microsoft.com/office/drawing/2014/main" id="{FE03728F-EE4F-EAA3-5EC8-B36074CC8B96}"/>
+                  </a:ext>
+                </a:extLst>
+              </p:cNvPr>
+              <p:cNvPicPr/>
+              <p:nvPr/>
+            </p:nvPicPr>
+            <p:blipFill>
+              <a:blip r:embed="rId116"/>
+              <a:stretch>
+                <a:fillRect/>
+              </a:stretch>
+            </p:blipFill>
+            <p:spPr>
+              <a:xfrm>
+                <a:off x="6524625" y="3735930"/>
+                <a:ext cx="283680" cy="187560"/>
+              </a:xfrm>
+              <a:prstGeom prst="rect">
+                <a:avLst/>
+              </a:prstGeom>
+            </p:spPr>
+          </p:pic>
+        </mc:Fallback>
+      </mc:AlternateContent>
+      <mc:AlternateContent xmlns:mc="http://schemas.openxmlformats.org/markup-compatibility/2006" xmlns:p14="http://schemas.microsoft.com/office/powerpoint/2010/main">
+        <mc:Choice Requires="p14">
+          <p:contentPart p14:bwMode="auto" r:id="rId117">
+            <p14:nvContentPartPr>
+              <p14:cNvPr id="145" name="Ink 144">
+                <a:extLst>
+                  <a:ext uri="{FF2B5EF4-FFF2-40B4-BE49-F238E27FC236}">
+                    <a16:creationId xmlns:a16="http://schemas.microsoft.com/office/drawing/2014/main" id="{631BD025-739E-7D2E-8C54-847BAD871280}"/>
+                  </a:ext>
+                </a:extLst>
+              </p14:cNvPr>
+              <p14:cNvContentPartPr/>
+              <p14:nvPr/>
+            </p14:nvContentPartPr>
+            <p14:xfrm>
+              <a:off x="6097006" y="2236998"/>
+              <a:ext cx="1239840" cy="1963080"/>
+            </p14:xfrm>
+          </p:contentPart>
+        </mc:Choice>
+        <mc:Fallback xmlns="">
+          <p:pic>
+            <p:nvPicPr>
+              <p:cNvPr id="145" name="Ink 144">
+                <a:extLst>
+                  <a:ext uri="{FF2B5EF4-FFF2-40B4-BE49-F238E27FC236}">
+                    <a16:creationId xmlns:a16="http://schemas.microsoft.com/office/drawing/2014/main" id="{631BD025-739E-7D2E-8C54-847BAD871280}"/>
+                  </a:ext>
+                </a:extLst>
+              </p:cNvPr>
+              <p:cNvPicPr/>
+              <p:nvPr/>
+            </p:nvPicPr>
+            <p:blipFill>
+              <a:blip r:embed="rId118"/>
+              <a:stretch>
+                <a:fillRect/>
+              </a:stretch>
+            </p:blipFill>
+            <p:spPr>
+              <a:xfrm>
+                <a:off x="6079366" y="2200998"/>
+                <a:ext cx="1275480" cy="2034720"/>
+              </a:xfrm>
+              <a:prstGeom prst="rect">
+                <a:avLst/>
+              </a:prstGeom>
+            </p:spPr>
+          </p:pic>
+        </mc:Fallback>
+      </mc:AlternateContent>
+      <p:sp>
+        <p:nvSpPr>
+          <p:cNvPr id="146" name="TextBox 145">
+            <a:extLst>
+              <a:ext uri="{FF2B5EF4-FFF2-40B4-BE49-F238E27FC236}">
+                <a16:creationId xmlns:a16="http://schemas.microsoft.com/office/drawing/2014/main" id="{2A29118F-0B6F-0FC3-6755-7B62C13C0CE3}"/>
+              </a:ext>
+            </a:extLst>
+          </p:cNvPr>
+          <p:cNvSpPr txBox="1"/>
+          <p:nvPr/>
+        </p:nvSpPr>
+        <p:spPr>
+          <a:xfrm>
+            <a:off x="10541054" y="1994372"/>
+            <a:ext cx="1178185" cy="2354491"/>
+          </a:xfrm>
+          <a:prstGeom prst="rect">
+            <a:avLst/>
+          </a:prstGeom>
+          <a:noFill/>
+        </p:spPr>
+        <p:txBody>
+          <a:bodyPr wrap="square" rtlCol="0">
+            <a:spAutoFit/>
+          </a:bodyPr>
+          <a:lstStyle/>
+          <a:p>
+            <a:r>
+              <a:rPr lang="en-US" sz="1050" dirty="0">
+                <a:solidFill>
+                  <a:schemeClr val="accent5"/>
+                </a:solidFill>
+              </a:rPr>
+              <a:t>Added new control signal and mux to choose between pc+4 and read data 1 in execute phase. </a:t>
+            </a:r>
+          </a:p>
+          <a:p>
+            <a:endParaRPr lang="en-US" sz="1050" dirty="0">
+              <a:solidFill>
+                <a:schemeClr val="accent5"/>
+              </a:solidFill>
+            </a:endParaRPr>
+          </a:p>
+          <a:p>
+            <a:r>
+              <a:rPr lang="en-US" sz="1050" dirty="0">
+                <a:solidFill>
+                  <a:schemeClr val="tx2">
+                    <a:lumMod val="75000"/>
+                    <a:lumOff val="25000"/>
+                  </a:schemeClr>
+                </a:solidFill>
+              </a:rPr>
+              <a:t>Added another control signal to choose between branch or jump in memory phase.</a:t>
+            </a:r>
+          </a:p>
+        </p:txBody>
+      </p:sp>
+      <p:cxnSp>
+        <p:nvCxnSpPr>
+          <p:cNvPr id="148" name="Straight Arrow Connector 147">
+            <a:extLst>
+              <a:ext uri="{FF2B5EF4-FFF2-40B4-BE49-F238E27FC236}">
+                <a16:creationId xmlns:a16="http://schemas.microsoft.com/office/drawing/2014/main" id="{041C56D1-D800-C429-AE6C-8A38798C94F2}"/>
+              </a:ext>
+            </a:extLst>
+          </p:cNvPr>
+          <p:cNvCxnSpPr>
+            <a:cxnSpLocks/>
+          </p:cNvCxnSpPr>
+          <p:nvPr/>
+        </p:nvCxnSpPr>
+        <p:spPr>
+          <a:xfrm flipH="1" flipV="1">
+            <a:off x="9074505" y="2020395"/>
+            <a:ext cx="1566520" cy="1705277"/>
+          </a:xfrm>
+          <a:prstGeom prst="straightConnector1">
+            <a:avLst/>
+          </a:prstGeom>
+          <a:ln>
+            <a:solidFill>
+              <a:schemeClr val="tx2">
+                <a:lumMod val="75000"/>
+                <a:lumOff val="25000"/>
+              </a:schemeClr>
+            </a:solidFill>
+            <a:tailEnd type="triangle"/>
+          </a:ln>
+        </p:spPr>
+        <p:style>
+          <a:lnRef idx="2">
+            <a:schemeClr val="accent1"/>
+          </a:lnRef>
+          <a:fillRef idx="0">
+            <a:schemeClr val="accent1"/>
+          </a:fillRef>
+          <a:effectRef idx="1">
+            <a:schemeClr val="accent1"/>
+          </a:effectRef>
+          <a:fontRef idx="minor">
+            <a:schemeClr val="tx1"/>
+          </a:fontRef>
+        </p:style>
+      </p:cxnSp>
+      <p:cxnSp>
+        <p:nvCxnSpPr>
+          <p:cNvPr id="152" name="Straight Arrow Connector 151">
+            <a:extLst>
+              <a:ext uri="{FF2B5EF4-FFF2-40B4-BE49-F238E27FC236}">
+                <a16:creationId xmlns:a16="http://schemas.microsoft.com/office/drawing/2014/main" id="{D10F633B-C40E-5A79-EA03-89E255070876}"/>
+              </a:ext>
+            </a:extLst>
+          </p:cNvPr>
+          <p:cNvCxnSpPr>
+            <a:endCxn id="97" idx="3"/>
+          </p:cNvCxnSpPr>
+          <p:nvPr/>
+        </p:nvCxnSpPr>
+        <p:spPr>
+          <a:xfrm flipH="1">
+            <a:off x="6994426" y="2362645"/>
+            <a:ext cx="3442884" cy="1280765"/>
+          </a:xfrm>
+          <a:prstGeom prst="straightConnector1">
+            <a:avLst/>
+          </a:prstGeom>
+          <a:ln>
+            <a:tailEnd type="triangle"/>
+          </a:ln>
+        </p:spPr>
+        <p:style>
+          <a:lnRef idx="2">
+            <a:schemeClr val="accent5"/>
+          </a:lnRef>
+          <a:fillRef idx="0">
+            <a:schemeClr val="accent5"/>
+          </a:fillRef>
+          <a:effectRef idx="1">
+            <a:schemeClr val="accent5"/>
+          </a:effectRef>
+          <a:fontRef idx="minor">
+            <a:schemeClr val="tx1"/>
+          </a:fontRef>
+        </p:style>
+      </p:cxnSp>
+      <p:sp>
+        <p:nvSpPr>
+          <p:cNvPr id="153" name="TextBox 152">
+            <a:extLst>
+              <a:ext uri="{FF2B5EF4-FFF2-40B4-BE49-F238E27FC236}">
+                <a16:creationId xmlns:a16="http://schemas.microsoft.com/office/drawing/2014/main" id="{82461928-28B6-4B0F-1191-3115E73FDC17}"/>
+              </a:ext>
+            </a:extLst>
+          </p:cNvPr>
+          <p:cNvSpPr txBox="1"/>
+          <p:nvPr/>
+        </p:nvSpPr>
+        <p:spPr>
+          <a:xfrm>
+            <a:off x="3736199" y="4744510"/>
+            <a:ext cx="1268551" cy="215444"/>
+          </a:xfrm>
+          <a:prstGeom prst="rect">
+            <a:avLst/>
+          </a:prstGeom>
+          <a:noFill/>
+        </p:spPr>
+        <p:txBody>
+          <a:bodyPr wrap="square" rtlCol="0">
+            <a:spAutoFit/>
+          </a:bodyPr>
+          <a:lstStyle/>
+          <a:p>
+            <a:r>
+              <a:rPr lang="en-US" sz="800" dirty="0">
+                <a:solidFill>
+                  <a:srgbClr val="FF0000"/>
+                </a:solidFill>
+              </a:rPr>
+              <a:t>Zero register + (pc + 4)</a:t>
+            </a:r>
+          </a:p>
+        </p:txBody>
+      </p:sp>
+      <p:sp>
+        <p:nvSpPr>
+          <p:cNvPr id="154" name="TextBox 153">
+            <a:extLst>
+              <a:ext uri="{FF2B5EF4-FFF2-40B4-BE49-F238E27FC236}">
+                <a16:creationId xmlns:a16="http://schemas.microsoft.com/office/drawing/2014/main" id="{1E73AE34-CB25-93AD-68C3-5509F31867A2}"/>
+              </a:ext>
+            </a:extLst>
+          </p:cNvPr>
+          <p:cNvSpPr txBox="1"/>
+          <p:nvPr/>
+        </p:nvSpPr>
+        <p:spPr>
+          <a:xfrm>
+            <a:off x="6866951" y="2699465"/>
+            <a:ext cx="1268551" cy="184666"/>
+          </a:xfrm>
+          <a:prstGeom prst="rect">
+            <a:avLst/>
+          </a:prstGeom>
+          <a:noFill/>
+        </p:spPr>
+        <p:txBody>
+          <a:bodyPr wrap="square" rtlCol="0">
+            <a:spAutoFit/>
+          </a:bodyPr>
+          <a:lstStyle/>
+          <a:p>
+            <a:r>
+              <a:rPr lang="en-US" sz="600" dirty="0">
+                <a:solidFill>
+                  <a:srgbClr val="FF0000"/>
+                </a:solidFill>
+              </a:rPr>
+              <a:t>pc + </a:t>
+            </a:r>
+            <a:r>
+              <a:rPr lang="en-US" sz="600" dirty="0" err="1">
+                <a:solidFill>
+                  <a:srgbClr val="FF0000"/>
+                </a:solidFill>
+              </a:rPr>
+              <a:t>imm</a:t>
+            </a:r>
+            <a:endParaRPr lang="en-US" sz="600" dirty="0">
+              <a:solidFill>
+                <a:srgbClr val="FF0000"/>
+              </a:solidFill>
+            </a:endParaRPr>
+          </a:p>
+        </p:txBody>
+      </p:sp>
+      <p:sp>
+        <p:nvSpPr>
+          <p:cNvPr id="156" name="TextBox 155">
+            <a:extLst>
+              <a:ext uri="{FF2B5EF4-FFF2-40B4-BE49-F238E27FC236}">
+                <a16:creationId xmlns:a16="http://schemas.microsoft.com/office/drawing/2014/main" id="{6797D5CF-CA97-C0EA-24A3-26252FEB1C65}"/>
+              </a:ext>
+            </a:extLst>
+          </p:cNvPr>
+          <p:cNvSpPr txBox="1"/>
+          <p:nvPr/>
+        </p:nvSpPr>
+        <p:spPr>
+          <a:xfrm>
+            <a:off x="6824761" y="4365066"/>
+            <a:ext cx="308098" cy="369332"/>
+          </a:xfrm>
+          <a:prstGeom prst="rect">
+            <a:avLst/>
+          </a:prstGeom>
+          <a:noFill/>
+        </p:spPr>
+        <p:txBody>
+          <a:bodyPr wrap="none" rtlCol="0">
+            <a:spAutoFit/>
+          </a:bodyPr>
+          <a:lstStyle/>
+          <a:p>
+            <a:r>
+              <a:rPr lang="en-US" dirty="0">
+                <a:solidFill>
+                  <a:srgbClr val="FF0000"/>
+                </a:solidFill>
+              </a:rPr>
+              <a:t>+</a:t>
+            </a:r>
+          </a:p>
+        </p:txBody>
+      </p:sp>
+      <mc:AlternateContent xmlns:mc="http://schemas.openxmlformats.org/markup-compatibility/2006" xmlns:p14="http://schemas.microsoft.com/office/powerpoint/2010/main">
+        <mc:Choice Requires="p14">
+          <p:contentPart p14:bwMode="auto" r:id="rId119">
+            <p14:nvContentPartPr>
+              <p14:cNvPr id="157" name="Ink 156">
+                <a:extLst>
+                  <a:ext uri="{FF2B5EF4-FFF2-40B4-BE49-F238E27FC236}">
+                    <a16:creationId xmlns:a16="http://schemas.microsoft.com/office/drawing/2014/main" id="{D7BE1561-2873-4D45-1ADF-64FC67A8A960}"/>
+                  </a:ext>
+                </a:extLst>
+              </p14:cNvPr>
+              <p14:cNvContentPartPr/>
+              <p14:nvPr/>
+            </p14:nvContentPartPr>
+            <p14:xfrm>
+              <a:off x="7387545" y="4009890"/>
+              <a:ext cx="4320" cy="360"/>
+            </p14:xfrm>
+          </p:contentPart>
+        </mc:Choice>
+        <mc:Fallback xmlns="">
+          <p:pic>
+            <p:nvPicPr>
+              <p:cNvPr id="157" name="Ink 156">
+                <a:extLst>
+                  <a:ext uri="{FF2B5EF4-FFF2-40B4-BE49-F238E27FC236}">
+                    <a16:creationId xmlns:a16="http://schemas.microsoft.com/office/drawing/2014/main" id="{D7BE1561-2873-4D45-1ADF-64FC67A8A960}"/>
+                  </a:ext>
+                </a:extLst>
+              </p:cNvPr>
+              <p:cNvPicPr/>
+              <p:nvPr/>
+            </p:nvPicPr>
+            <p:blipFill>
+              <a:blip r:embed="rId120"/>
+              <a:stretch>
+                <a:fillRect/>
+              </a:stretch>
+            </p:blipFill>
+            <p:spPr>
+              <a:xfrm>
+                <a:off x="7369545" y="3974250"/>
+                <a:ext cx="39960" cy="72000"/>
+              </a:xfrm>
+              <a:prstGeom prst="rect">
+                <a:avLst/>
+              </a:prstGeom>
+            </p:spPr>
+          </p:pic>
+        </mc:Fallback>
+      </mc:AlternateContent>
+      <mc:AlternateContent xmlns:mc="http://schemas.openxmlformats.org/markup-compatibility/2006" xmlns:p14="http://schemas.microsoft.com/office/powerpoint/2010/main">
+        <mc:Choice Requires="p14">
+          <p:contentPart p14:bwMode="auto" r:id="rId121">
+            <p14:nvContentPartPr>
+              <p14:cNvPr id="158" name="Ink 157">
+                <a:extLst>
+                  <a:ext uri="{FF2B5EF4-FFF2-40B4-BE49-F238E27FC236}">
+                    <a16:creationId xmlns:a16="http://schemas.microsoft.com/office/drawing/2014/main" id="{8F27EB3B-24C4-8A47-7A57-2ED7C2BFA7B4}"/>
+                  </a:ext>
+                </a:extLst>
+              </p14:cNvPr>
+              <p14:cNvContentPartPr/>
+              <p14:nvPr/>
+            </p14:nvContentPartPr>
+            <p14:xfrm>
+              <a:off x="7353345" y="4057410"/>
+              <a:ext cx="266040" cy="10800"/>
+            </p14:xfrm>
+          </p:contentPart>
+        </mc:Choice>
+        <mc:Fallback xmlns="">
+          <p:pic>
+            <p:nvPicPr>
+              <p:cNvPr id="158" name="Ink 157">
+                <a:extLst>
+                  <a:ext uri="{FF2B5EF4-FFF2-40B4-BE49-F238E27FC236}">
+                    <a16:creationId xmlns:a16="http://schemas.microsoft.com/office/drawing/2014/main" id="{8F27EB3B-24C4-8A47-7A57-2ED7C2BFA7B4}"/>
+                  </a:ext>
+                </a:extLst>
+              </p:cNvPr>
+              <p:cNvPicPr/>
+              <p:nvPr/>
+            </p:nvPicPr>
+            <p:blipFill>
+              <a:blip r:embed="rId122"/>
+              <a:stretch>
+                <a:fillRect/>
+              </a:stretch>
+            </p:blipFill>
+            <p:spPr>
+              <a:xfrm>
+                <a:off x="7335345" y="4021770"/>
+                <a:ext cx="301680" cy="82440"/>
+              </a:xfrm>
+              <a:prstGeom prst="rect">
+                <a:avLst/>
+              </a:prstGeom>
+            </p:spPr>
+          </p:pic>
+        </mc:Fallback>
+      </mc:AlternateContent>
+      <mc:AlternateContent xmlns:mc="http://schemas.openxmlformats.org/markup-compatibility/2006" xmlns:p14="http://schemas.microsoft.com/office/powerpoint/2010/main">
+        <mc:Choice Requires="p14">
+          <p:contentPart p14:bwMode="auto" r:id="rId123">
+            <p14:nvContentPartPr>
+              <p14:cNvPr id="160" name="Ink 159">
+                <a:extLst>
+                  <a:ext uri="{FF2B5EF4-FFF2-40B4-BE49-F238E27FC236}">
+                    <a16:creationId xmlns:a16="http://schemas.microsoft.com/office/drawing/2014/main" id="{2720AC30-EF7D-AF11-0A24-A4EA04556C2D}"/>
+                  </a:ext>
+                </a:extLst>
+              </p14:cNvPr>
+              <p14:cNvContentPartPr/>
+              <p14:nvPr/>
+            </p14:nvContentPartPr>
+            <p14:xfrm>
+              <a:off x="7953465" y="2037450"/>
+              <a:ext cx="246960" cy="1212840"/>
+            </p14:xfrm>
+          </p:contentPart>
+        </mc:Choice>
+        <mc:Fallback xmlns="">
+          <p:pic>
+            <p:nvPicPr>
+              <p:cNvPr id="160" name="Ink 159">
+                <a:extLst>
+                  <a:ext uri="{FF2B5EF4-FFF2-40B4-BE49-F238E27FC236}">
+                    <a16:creationId xmlns:a16="http://schemas.microsoft.com/office/drawing/2014/main" id="{2720AC30-EF7D-AF11-0A24-A4EA04556C2D}"/>
+                  </a:ext>
+                </a:extLst>
+              </p:cNvPr>
+              <p:cNvPicPr/>
+              <p:nvPr/>
+            </p:nvPicPr>
+            <p:blipFill>
+              <a:blip r:embed="rId124"/>
+              <a:stretch>
+                <a:fillRect/>
+              </a:stretch>
+            </p:blipFill>
+            <p:spPr>
+              <a:xfrm>
+                <a:off x="7935465" y="2001810"/>
+                <a:ext cx="282600" cy="1284480"/>
+              </a:xfrm>
+              <a:prstGeom prst="rect">
+                <a:avLst/>
+              </a:prstGeom>
+            </p:spPr>
+          </p:pic>
+        </mc:Fallback>
+      </mc:AlternateContent>
+      <mc:AlternateContent xmlns:mc="http://schemas.openxmlformats.org/markup-compatibility/2006" xmlns:p14="http://schemas.microsoft.com/office/powerpoint/2010/main">
+        <mc:Choice Requires="p14">
+          <p:contentPart p14:bwMode="auto" r:id="rId125">
+            <p14:nvContentPartPr>
+              <p14:cNvPr id="162" name="Ink 161">
+                <a:extLst>
+                  <a:ext uri="{FF2B5EF4-FFF2-40B4-BE49-F238E27FC236}">
+                    <a16:creationId xmlns:a16="http://schemas.microsoft.com/office/drawing/2014/main" id="{3FE1ABC7-0137-BF92-F364-D389736E95DB}"/>
+                  </a:ext>
+                </a:extLst>
+              </p14:cNvPr>
+              <p14:cNvContentPartPr/>
+              <p14:nvPr/>
+            </p14:nvContentPartPr>
+            <p14:xfrm>
+              <a:off x="7972545" y="3446130"/>
+              <a:ext cx="189720" cy="573840"/>
+            </p14:xfrm>
+          </p:contentPart>
+        </mc:Choice>
+        <mc:Fallback xmlns="">
+          <p:pic>
+            <p:nvPicPr>
+              <p:cNvPr id="162" name="Ink 161">
+                <a:extLst>
+                  <a:ext uri="{FF2B5EF4-FFF2-40B4-BE49-F238E27FC236}">
+                    <a16:creationId xmlns:a16="http://schemas.microsoft.com/office/drawing/2014/main" id="{3FE1ABC7-0137-BF92-F364-D389736E95DB}"/>
+                  </a:ext>
+                </a:extLst>
+              </p:cNvPr>
+              <p:cNvPicPr/>
+              <p:nvPr/>
+            </p:nvPicPr>
+            <p:blipFill>
+              <a:blip r:embed="rId126"/>
+              <a:stretch>
+                <a:fillRect/>
+              </a:stretch>
+            </p:blipFill>
+            <p:spPr>
+              <a:xfrm>
+                <a:off x="7954545" y="3410130"/>
+                <a:ext cx="225360" cy="645480"/>
+              </a:xfrm>
+              <a:prstGeom prst="rect">
+                <a:avLst/>
+              </a:prstGeom>
+            </p:spPr>
+          </p:pic>
+        </mc:Fallback>
+      </mc:AlternateContent>
+      <mc:AlternateContent xmlns:mc="http://schemas.openxmlformats.org/markup-compatibility/2006" xmlns:p14="http://schemas.microsoft.com/office/powerpoint/2010/main">
+        <mc:Choice Requires="p14">
+          <p:contentPart p14:bwMode="auto" r:id="rId127">
+            <p14:nvContentPartPr>
+              <p14:cNvPr id="163" name="Ink 162">
+                <a:extLst>
+                  <a:ext uri="{FF2B5EF4-FFF2-40B4-BE49-F238E27FC236}">
+                    <a16:creationId xmlns:a16="http://schemas.microsoft.com/office/drawing/2014/main" id="{06771BC7-D876-83FA-1D53-4D221A05D0BF}"/>
+                  </a:ext>
+                </a:extLst>
+              </p14:cNvPr>
+              <p14:cNvContentPartPr/>
+              <p14:nvPr/>
+            </p14:nvContentPartPr>
+            <p14:xfrm>
+              <a:off x="8591385" y="2020170"/>
+              <a:ext cx="200880" cy="1343160"/>
+            </p14:xfrm>
+          </p:contentPart>
+        </mc:Choice>
+        <mc:Fallback xmlns="">
+          <p:pic>
+            <p:nvPicPr>
+              <p:cNvPr id="163" name="Ink 162">
+                <a:extLst>
+                  <a:ext uri="{FF2B5EF4-FFF2-40B4-BE49-F238E27FC236}">
+                    <a16:creationId xmlns:a16="http://schemas.microsoft.com/office/drawing/2014/main" id="{06771BC7-D876-83FA-1D53-4D221A05D0BF}"/>
+                  </a:ext>
+                </a:extLst>
+              </p:cNvPr>
+              <p:cNvPicPr/>
+              <p:nvPr/>
+            </p:nvPicPr>
+            <p:blipFill>
+              <a:blip r:embed="rId128"/>
+              <a:stretch>
+                <a:fillRect/>
+              </a:stretch>
+            </p:blipFill>
+            <p:spPr>
+              <a:xfrm>
+                <a:off x="8573385" y="1984170"/>
+                <a:ext cx="236520" cy="1414800"/>
+              </a:xfrm>
+              <a:prstGeom prst="rect">
+                <a:avLst/>
+              </a:prstGeom>
+            </p:spPr>
+          </p:pic>
+        </mc:Fallback>
+      </mc:AlternateContent>
     </p:spTree>
     <p:extLst>
       <p:ext uri="{BB962C8B-B14F-4D97-AF65-F5344CB8AC3E}">
@@ -24325,8 +30666,8 @@
           </a:p>
         </p:txBody>
       </p:sp>
-      <mc:AlternateContent xmlns:mc="http://schemas.openxmlformats.org/markup-compatibility/2006">
-        <mc:Choice xmlns:p14="http://schemas.microsoft.com/office/powerpoint/2010/main" Requires="p14">
+      <mc:AlternateContent xmlns:mc="http://schemas.openxmlformats.org/markup-compatibility/2006" xmlns:p14="http://schemas.microsoft.com/office/powerpoint/2010/main">
+        <mc:Choice Requires="p14">
           <p:contentPart p14:bwMode="auto" r:id="rId9">
             <p14:nvContentPartPr>
               <p14:cNvPr id="6" name="Ink 5">
@@ -24345,7 +30686,7 @@
             </p14:xfrm>
           </p:contentPart>
         </mc:Choice>
-        <mc:Fallback>
+        <mc:Fallback xmlns="">
           <p:pic>
             <p:nvPicPr>
               <p:cNvPr id="6" name="Ink 5">
@@ -24376,8 +30717,8 @@
           </p:pic>
         </mc:Fallback>
       </mc:AlternateContent>
-      <mc:AlternateContent xmlns:mc="http://schemas.openxmlformats.org/markup-compatibility/2006">
-        <mc:Choice xmlns:p14="http://schemas.microsoft.com/office/powerpoint/2010/main" Requires="p14">
+      <mc:AlternateContent xmlns:mc="http://schemas.openxmlformats.org/markup-compatibility/2006" xmlns:p14="http://schemas.microsoft.com/office/powerpoint/2010/main">
+        <mc:Choice Requires="p14">
           <p:contentPart p14:bwMode="auto" r:id="rId11">
             <p14:nvContentPartPr>
               <p14:cNvPr id="7" name="Ink 6">
@@ -24396,7 +30737,7 @@
             </p14:xfrm>
           </p:contentPart>
         </mc:Choice>
-        <mc:Fallback>
+        <mc:Fallback xmlns="">
           <p:pic>
             <p:nvPicPr>
               <p:cNvPr id="7" name="Ink 6">
@@ -24427,8 +30768,8 @@
           </p:pic>
         </mc:Fallback>
       </mc:AlternateContent>
-      <mc:AlternateContent xmlns:mc="http://schemas.openxmlformats.org/markup-compatibility/2006">
-        <mc:Choice xmlns:p14="http://schemas.microsoft.com/office/powerpoint/2010/main" Requires="p14">
+      <mc:AlternateContent xmlns:mc="http://schemas.openxmlformats.org/markup-compatibility/2006" xmlns:p14="http://schemas.microsoft.com/office/powerpoint/2010/main">
+        <mc:Choice Requires="p14">
           <p:contentPart p14:bwMode="auto" r:id="rId13">
             <p14:nvContentPartPr>
               <p14:cNvPr id="9" name="Ink 8">
@@ -24447,7 +30788,7 @@
             </p14:xfrm>
           </p:contentPart>
         </mc:Choice>
-        <mc:Fallback>
+        <mc:Fallback xmlns="">
           <p:pic>
             <p:nvPicPr>
               <p:cNvPr id="9" name="Ink 8">
@@ -24478,8 +30819,8 @@
           </p:pic>
         </mc:Fallback>
       </mc:AlternateContent>
-      <mc:AlternateContent xmlns:mc="http://schemas.openxmlformats.org/markup-compatibility/2006">
-        <mc:Choice xmlns:p14="http://schemas.microsoft.com/office/powerpoint/2010/main" Requires="p14">
+      <mc:AlternateContent xmlns:mc="http://schemas.openxmlformats.org/markup-compatibility/2006" xmlns:p14="http://schemas.microsoft.com/office/powerpoint/2010/main">
+        <mc:Choice Requires="p14">
           <p:contentPart p14:bwMode="auto" r:id="rId15">
             <p14:nvContentPartPr>
               <p14:cNvPr id="10" name="Ink 9">
@@ -24498,7 +30839,7 @@
             </p14:xfrm>
           </p:contentPart>
         </mc:Choice>
-        <mc:Fallback>
+        <mc:Fallback xmlns="">
           <p:pic>
             <p:nvPicPr>
               <p:cNvPr id="10" name="Ink 9">
@@ -24529,8 +30870,8 @@
           </p:pic>
         </mc:Fallback>
       </mc:AlternateContent>
-      <mc:AlternateContent xmlns:mc="http://schemas.openxmlformats.org/markup-compatibility/2006">
-        <mc:Choice xmlns:p14="http://schemas.microsoft.com/office/powerpoint/2010/main" Requires="p14">
+      <mc:AlternateContent xmlns:mc="http://schemas.openxmlformats.org/markup-compatibility/2006" xmlns:p14="http://schemas.microsoft.com/office/powerpoint/2010/main">
+        <mc:Choice Requires="p14">
           <p:contentPart p14:bwMode="auto" r:id="rId17">
             <p14:nvContentPartPr>
               <p14:cNvPr id="12" name="Ink 11">
@@ -24549,7 +30890,7 @@
             </p14:xfrm>
           </p:contentPart>
         </mc:Choice>
-        <mc:Fallback>
+        <mc:Fallback xmlns="">
           <p:pic>
             <p:nvPicPr>
               <p:cNvPr id="12" name="Ink 11">
@@ -24619,8 +30960,8 @@
           </a:p>
         </p:txBody>
       </p:sp>
-      <mc:AlternateContent xmlns:mc="http://schemas.openxmlformats.org/markup-compatibility/2006">
-        <mc:Choice xmlns:p14="http://schemas.microsoft.com/office/powerpoint/2010/main" Requires="p14">
+      <mc:AlternateContent xmlns:mc="http://schemas.openxmlformats.org/markup-compatibility/2006" xmlns:p14="http://schemas.microsoft.com/office/powerpoint/2010/main">
+        <mc:Choice Requires="p14">
           <p:contentPart p14:bwMode="auto" r:id="rId19">
             <p14:nvContentPartPr>
               <p14:cNvPr id="14" name="Ink 13">
@@ -24639,7 +30980,7 @@
             </p14:xfrm>
           </p:contentPart>
         </mc:Choice>
-        <mc:Fallback>
+        <mc:Fallback xmlns="">
           <p:pic>
             <p:nvPicPr>
               <p:cNvPr id="14" name="Ink 13">
@@ -24670,8 +31011,8 @@
           </p:pic>
         </mc:Fallback>
       </mc:AlternateContent>
-      <mc:AlternateContent xmlns:mc="http://schemas.openxmlformats.org/markup-compatibility/2006">
-        <mc:Choice xmlns:p14="http://schemas.microsoft.com/office/powerpoint/2010/main" Requires="p14">
+      <mc:AlternateContent xmlns:mc="http://schemas.openxmlformats.org/markup-compatibility/2006" xmlns:p14="http://schemas.microsoft.com/office/powerpoint/2010/main">
+        <mc:Choice Requires="p14">
           <p:contentPart p14:bwMode="auto" r:id="rId21">
             <p14:nvContentPartPr>
               <p14:cNvPr id="15" name="Ink 14">
@@ -24690,7 +31031,7 @@
             </p14:xfrm>
           </p:contentPart>
         </mc:Choice>
-        <mc:Fallback>
+        <mc:Fallback xmlns="">
           <p:pic>
             <p:nvPicPr>
               <p:cNvPr id="15" name="Ink 14">
@@ -24721,8 +31062,8 @@
           </p:pic>
         </mc:Fallback>
       </mc:AlternateContent>
-      <mc:AlternateContent xmlns:mc="http://schemas.openxmlformats.org/markup-compatibility/2006">
-        <mc:Choice xmlns:p14="http://schemas.microsoft.com/office/powerpoint/2010/main" Requires="p14">
+      <mc:AlternateContent xmlns:mc="http://schemas.openxmlformats.org/markup-compatibility/2006" xmlns:p14="http://schemas.microsoft.com/office/powerpoint/2010/main">
+        <mc:Choice Requires="p14">
           <p:contentPart p14:bwMode="auto" r:id="rId23">
             <p14:nvContentPartPr>
               <p14:cNvPr id="17" name="Ink 16">
@@ -24741,7 +31082,7 @@
             </p14:xfrm>
           </p:contentPart>
         </mc:Choice>
-        <mc:Fallback>
+        <mc:Fallback xmlns="">
           <p:pic>
             <p:nvPicPr>
               <p:cNvPr id="17" name="Ink 16">
@@ -24772,8 +31113,8 @@
           </p:pic>
         </mc:Fallback>
       </mc:AlternateContent>
-      <mc:AlternateContent xmlns:mc="http://schemas.openxmlformats.org/markup-compatibility/2006">
-        <mc:Choice xmlns:p14="http://schemas.microsoft.com/office/powerpoint/2010/main" Requires="p14">
+      <mc:AlternateContent xmlns:mc="http://schemas.openxmlformats.org/markup-compatibility/2006" xmlns:p14="http://schemas.microsoft.com/office/powerpoint/2010/main">
+        <mc:Choice Requires="p14">
           <p:contentPart p14:bwMode="auto" r:id="rId25">
             <p14:nvContentPartPr>
               <p14:cNvPr id="18" name="Ink 17">
@@ -24792,7 +31133,7 @@
             </p14:xfrm>
           </p:contentPart>
         </mc:Choice>
-        <mc:Fallback>
+        <mc:Fallback xmlns="">
           <p:pic>
             <p:nvPicPr>
               <p:cNvPr id="18" name="Ink 17">
@@ -24823,8 +31164,8 @@
           </p:pic>
         </mc:Fallback>
       </mc:AlternateContent>
-      <mc:AlternateContent xmlns:mc="http://schemas.openxmlformats.org/markup-compatibility/2006">
-        <mc:Choice xmlns:p14="http://schemas.microsoft.com/office/powerpoint/2010/main" Requires="p14">
+      <mc:AlternateContent xmlns:mc="http://schemas.openxmlformats.org/markup-compatibility/2006" xmlns:p14="http://schemas.microsoft.com/office/powerpoint/2010/main">
+        <mc:Choice Requires="p14">
           <p:contentPart p14:bwMode="auto" r:id="rId27">
             <p14:nvContentPartPr>
               <p14:cNvPr id="19" name="Ink 18">
@@ -24843,7 +31184,7 @@
             </p14:xfrm>
           </p:contentPart>
         </mc:Choice>
-        <mc:Fallback>
+        <mc:Fallback xmlns="">
           <p:pic>
             <p:nvPicPr>
               <p:cNvPr id="19" name="Ink 18">
@@ -24874,8 +31215,8 @@
           </p:pic>
         </mc:Fallback>
       </mc:AlternateContent>
-      <mc:AlternateContent xmlns:mc="http://schemas.openxmlformats.org/markup-compatibility/2006">
-        <mc:Choice xmlns:p14="http://schemas.microsoft.com/office/powerpoint/2010/main" Requires="p14">
+      <mc:AlternateContent xmlns:mc="http://schemas.openxmlformats.org/markup-compatibility/2006" xmlns:p14="http://schemas.microsoft.com/office/powerpoint/2010/main">
+        <mc:Choice Requires="p14">
           <p:contentPart p14:bwMode="auto" r:id="rId29">
             <p14:nvContentPartPr>
               <p14:cNvPr id="20" name="Ink 19">
@@ -24894,7 +31235,7 @@
             </p14:xfrm>
           </p:contentPart>
         </mc:Choice>
-        <mc:Fallback>
+        <mc:Fallback xmlns="">
           <p:pic>
             <p:nvPicPr>
               <p:cNvPr id="20" name="Ink 19">
@@ -24925,8 +31266,8 @@
           </p:pic>
         </mc:Fallback>
       </mc:AlternateContent>
-      <mc:AlternateContent xmlns:mc="http://schemas.openxmlformats.org/markup-compatibility/2006">
-        <mc:Choice xmlns:p14="http://schemas.microsoft.com/office/powerpoint/2010/main" Requires="p14">
+      <mc:AlternateContent xmlns:mc="http://schemas.openxmlformats.org/markup-compatibility/2006" xmlns:p14="http://schemas.microsoft.com/office/powerpoint/2010/main">
+        <mc:Choice Requires="p14">
           <p:contentPart p14:bwMode="auto" r:id="rId31">
             <p14:nvContentPartPr>
               <p14:cNvPr id="21" name="Ink 20">
@@ -24945,7 +31286,7 @@
             </p14:xfrm>
           </p:contentPart>
         </mc:Choice>
-        <mc:Fallback>
+        <mc:Fallback xmlns="">
           <p:pic>
             <p:nvPicPr>
               <p:cNvPr id="21" name="Ink 20">
@@ -24976,8 +31317,8 @@
           </p:pic>
         </mc:Fallback>
       </mc:AlternateContent>
-      <mc:AlternateContent xmlns:mc="http://schemas.openxmlformats.org/markup-compatibility/2006">
-        <mc:Choice xmlns:p14="http://schemas.microsoft.com/office/powerpoint/2010/main" Requires="p14">
+      <mc:AlternateContent xmlns:mc="http://schemas.openxmlformats.org/markup-compatibility/2006" xmlns:p14="http://schemas.microsoft.com/office/powerpoint/2010/main">
+        <mc:Choice Requires="p14">
           <p:contentPart p14:bwMode="auto" r:id="rId33">
             <p14:nvContentPartPr>
               <p14:cNvPr id="22" name="Ink 21">
@@ -24996,7 +31337,7 @@
             </p14:xfrm>
           </p:contentPart>
         </mc:Choice>
-        <mc:Fallback>
+        <mc:Fallback xmlns="">
           <p:pic>
             <p:nvPicPr>
               <p:cNvPr id="22" name="Ink 21">
@@ -25105,8 +31446,8 @@
           </a:p>
         </p:txBody>
       </p:sp>
-      <mc:AlternateContent xmlns:mc="http://schemas.openxmlformats.org/markup-compatibility/2006">
-        <mc:Choice xmlns:p14="http://schemas.microsoft.com/office/powerpoint/2010/main" Requires="p14">
+      <mc:AlternateContent xmlns:mc="http://schemas.openxmlformats.org/markup-compatibility/2006" xmlns:p14="http://schemas.microsoft.com/office/powerpoint/2010/main">
+        <mc:Choice Requires="p14">
           <p:contentPart p14:bwMode="auto" r:id="rId35">
             <p14:nvContentPartPr>
               <p14:cNvPr id="26" name="Ink 25">
@@ -25125,7 +31466,7 @@
             </p14:xfrm>
           </p:contentPart>
         </mc:Choice>
-        <mc:Fallback>
+        <mc:Fallback xmlns="">
           <p:pic>
             <p:nvPicPr>
               <p:cNvPr id="26" name="Ink 25">
@@ -25156,8 +31497,8 @@
           </p:pic>
         </mc:Fallback>
       </mc:AlternateContent>
-      <mc:AlternateContent xmlns:mc="http://schemas.openxmlformats.org/markup-compatibility/2006">
-        <mc:Choice xmlns:p14="http://schemas.microsoft.com/office/powerpoint/2010/main" Requires="p14">
+      <mc:AlternateContent xmlns:mc="http://schemas.openxmlformats.org/markup-compatibility/2006" xmlns:p14="http://schemas.microsoft.com/office/powerpoint/2010/main">
+        <mc:Choice Requires="p14">
           <p:contentPart p14:bwMode="auto" r:id="rId37">
             <p14:nvContentPartPr>
               <p14:cNvPr id="27" name="Ink 26">
@@ -25176,7 +31517,7 @@
             </p14:xfrm>
           </p:contentPart>
         </mc:Choice>
-        <mc:Fallback>
+        <mc:Fallback xmlns="">
           <p:pic>
             <p:nvPicPr>
               <p:cNvPr id="27" name="Ink 26">
@@ -25300,8 +31641,8 @@
           </a:p>
         </p:txBody>
       </p:sp>
-      <mc:AlternateContent xmlns:mc="http://schemas.openxmlformats.org/markup-compatibility/2006">
-        <mc:Choice xmlns:p14="http://schemas.microsoft.com/office/powerpoint/2010/main" Requires="p14">
+      <mc:AlternateContent xmlns:mc="http://schemas.openxmlformats.org/markup-compatibility/2006" xmlns:p14="http://schemas.microsoft.com/office/powerpoint/2010/main">
+        <mc:Choice Requires="p14">
           <p:contentPart p14:bwMode="auto" r:id="rId39">
             <p14:nvContentPartPr>
               <p14:cNvPr id="31" name="Ink 30">
@@ -25320,7 +31661,7 @@
             </p14:xfrm>
           </p:contentPart>
         </mc:Choice>
-        <mc:Fallback>
+        <mc:Fallback xmlns="">
           <p:pic>
             <p:nvPicPr>
               <p:cNvPr id="31" name="Ink 30">
@@ -25351,8 +31692,8 @@
           </p:pic>
         </mc:Fallback>
       </mc:AlternateContent>
-      <mc:AlternateContent xmlns:mc="http://schemas.openxmlformats.org/markup-compatibility/2006">
-        <mc:Choice xmlns:p14="http://schemas.microsoft.com/office/powerpoint/2010/main" Requires="p14">
+      <mc:AlternateContent xmlns:mc="http://schemas.openxmlformats.org/markup-compatibility/2006" xmlns:p14="http://schemas.microsoft.com/office/powerpoint/2010/main">
+        <mc:Choice Requires="p14">
           <p:contentPart p14:bwMode="auto" r:id="rId41">
             <p14:nvContentPartPr>
               <p14:cNvPr id="32" name="Ink 31">
@@ -25371,7 +31712,7 @@
             </p14:xfrm>
           </p:contentPart>
         </mc:Choice>
-        <mc:Fallback>
+        <mc:Fallback xmlns="">
           <p:pic>
             <p:nvPicPr>
               <p:cNvPr id="32" name="Ink 31">
@@ -25402,8 +31743,8 @@
           </p:pic>
         </mc:Fallback>
       </mc:AlternateContent>
-      <mc:AlternateContent xmlns:mc="http://schemas.openxmlformats.org/markup-compatibility/2006">
-        <mc:Choice xmlns:p14="http://schemas.microsoft.com/office/powerpoint/2010/main" Requires="p14">
+      <mc:AlternateContent xmlns:mc="http://schemas.openxmlformats.org/markup-compatibility/2006" xmlns:p14="http://schemas.microsoft.com/office/powerpoint/2010/main">
+        <mc:Choice Requires="p14">
           <p:contentPart p14:bwMode="auto" r:id="rId43">
             <p14:nvContentPartPr>
               <p14:cNvPr id="34" name="Ink 33">
@@ -25422,7 +31763,7 @@
             </p14:xfrm>
           </p:contentPart>
         </mc:Choice>
-        <mc:Fallback>
+        <mc:Fallback xmlns="">
           <p:pic>
             <p:nvPicPr>
               <p:cNvPr id="34" name="Ink 33">
@@ -25453,8 +31794,8 @@
           </p:pic>
         </mc:Fallback>
       </mc:AlternateContent>
-      <mc:AlternateContent xmlns:mc="http://schemas.openxmlformats.org/markup-compatibility/2006">
-        <mc:Choice xmlns:p14="http://schemas.microsoft.com/office/powerpoint/2010/main" Requires="p14">
+      <mc:AlternateContent xmlns:mc="http://schemas.openxmlformats.org/markup-compatibility/2006" xmlns:p14="http://schemas.microsoft.com/office/powerpoint/2010/main">
+        <mc:Choice Requires="p14">
           <p:contentPart p14:bwMode="auto" r:id="rId45">
             <p14:nvContentPartPr>
               <p14:cNvPr id="35" name="Ink 34">
@@ -25473,7 +31814,7 @@
             </p14:xfrm>
           </p:contentPart>
         </mc:Choice>
-        <mc:Fallback>
+        <mc:Fallback xmlns="">
           <p:pic>
             <p:nvPicPr>
               <p:cNvPr id="35" name="Ink 34">
@@ -25504,8 +31845,8 @@
           </p:pic>
         </mc:Fallback>
       </mc:AlternateContent>
-      <mc:AlternateContent xmlns:mc="http://schemas.openxmlformats.org/markup-compatibility/2006">
-        <mc:Choice xmlns:p14="http://schemas.microsoft.com/office/powerpoint/2010/main" Requires="p14">
+      <mc:AlternateContent xmlns:mc="http://schemas.openxmlformats.org/markup-compatibility/2006" xmlns:p14="http://schemas.microsoft.com/office/powerpoint/2010/main">
+        <mc:Choice Requires="p14">
           <p:contentPart p14:bwMode="auto" r:id="rId47">
             <p14:nvContentPartPr>
               <p14:cNvPr id="36" name="Ink 35">
@@ -25524,7 +31865,7 @@
             </p14:xfrm>
           </p:contentPart>
         </mc:Choice>
-        <mc:Fallback>
+        <mc:Fallback xmlns="">
           <p:pic>
             <p:nvPicPr>
               <p:cNvPr id="36" name="Ink 35">
@@ -25555,8 +31896,8 @@
           </p:pic>
         </mc:Fallback>
       </mc:AlternateContent>
-      <mc:AlternateContent xmlns:mc="http://schemas.openxmlformats.org/markup-compatibility/2006">
-        <mc:Choice xmlns:p14="http://schemas.microsoft.com/office/powerpoint/2010/main" Requires="p14">
+      <mc:AlternateContent xmlns:mc="http://schemas.openxmlformats.org/markup-compatibility/2006" xmlns:p14="http://schemas.microsoft.com/office/powerpoint/2010/main">
+        <mc:Choice Requires="p14">
           <p:contentPart p14:bwMode="auto" r:id="rId49">
             <p14:nvContentPartPr>
               <p14:cNvPr id="37" name="Ink 36">
@@ -25575,7 +31916,7 @@
             </p14:xfrm>
           </p:contentPart>
         </mc:Choice>
-        <mc:Fallback>
+        <mc:Fallback xmlns="">
           <p:pic>
             <p:nvPicPr>
               <p:cNvPr id="37" name="Ink 36">
@@ -25645,8 +31986,8 @@
           </a:p>
         </p:txBody>
       </p:sp>
-      <mc:AlternateContent xmlns:mc="http://schemas.openxmlformats.org/markup-compatibility/2006">
-        <mc:Choice xmlns:p14="http://schemas.microsoft.com/office/powerpoint/2010/main" Requires="p14">
+      <mc:AlternateContent xmlns:mc="http://schemas.openxmlformats.org/markup-compatibility/2006" xmlns:p14="http://schemas.microsoft.com/office/powerpoint/2010/main">
+        <mc:Choice Requires="p14">
           <p:contentPart p14:bwMode="auto" r:id="rId51">
             <p14:nvContentPartPr>
               <p14:cNvPr id="39" name="Ink 38">
@@ -25665,7 +32006,7 @@
             </p14:xfrm>
           </p:contentPart>
         </mc:Choice>
-        <mc:Fallback>
+        <mc:Fallback xmlns="">
           <p:pic>
             <p:nvPicPr>
               <p:cNvPr id="39" name="Ink 38">
@@ -25784,8 +32125,8 @@
           </a:p>
         </p:txBody>
       </p:sp>
-      <mc:AlternateContent xmlns:mc="http://schemas.openxmlformats.org/markup-compatibility/2006">
-        <mc:Choice xmlns:p14="http://schemas.microsoft.com/office/powerpoint/2010/main" Requires="p14">
+      <mc:AlternateContent xmlns:mc="http://schemas.openxmlformats.org/markup-compatibility/2006" xmlns:p14="http://schemas.microsoft.com/office/powerpoint/2010/main">
+        <mc:Choice Requires="p14">
           <p:contentPart p14:bwMode="auto" r:id="rId53">
             <p14:nvContentPartPr>
               <p14:cNvPr id="42" name="Ink 41">
@@ -25804,7 +32145,7 @@
             </p14:xfrm>
           </p:contentPart>
         </mc:Choice>
-        <mc:Fallback>
+        <mc:Fallback xmlns="">
           <p:pic>
             <p:nvPicPr>
               <p:cNvPr id="42" name="Ink 41">
@@ -25835,8 +32176,8 @@
           </p:pic>
         </mc:Fallback>
       </mc:AlternateContent>
-      <mc:AlternateContent xmlns:mc="http://schemas.openxmlformats.org/markup-compatibility/2006">
-        <mc:Choice xmlns:p14="http://schemas.microsoft.com/office/powerpoint/2010/main" Requires="p14">
+      <mc:AlternateContent xmlns:mc="http://schemas.openxmlformats.org/markup-compatibility/2006" xmlns:p14="http://schemas.microsoft.com/office/powerpoint/2010/main">
+        <mc:Choice Requires="p14">
           <p:contentPart p14:bwMode="auto" r:id="rId55">
             <p14:nvContentPartPr>
               <p14:cNvPr id="43" name="Ink 42">
@@ -25855,7 +32196,7 @@
             </p14:xfrm>
           </p:contentPart>
         </mc:Choice>
-        <mc:Fallback>
+        <mc:Fallback xmlns="">
           <p:pic>
             <p:nvPicPr>
               <p:cNvPr id="43" name="Ink 42">
@@ -25886,8 +32227,8 @@
           </p:pic>
         </mc:Fallback>
       </mc:AlternateContent>
-      <mc:AlternateContent xmlns:mc="http://schemas.openxmlformats.org/markup-compatibility/2006">
-        <mc:Choice xmlns:p14="http://schemas.microsoft.com/office/powerpoint/2010/main" Requires="p14">
+      <mc:AlternateContent xmlns:mc="http://schemas.openxmlformats.org/markup-compatibility/2006" xmlns:p14="http://schemas.microsoft.com/office/powerpoint/2010/main">
+        <mc:Choice Requires="p14">
           <p:contentPart p14:bwMode="auto" r:id="rId57">
             <p14:nvContentPartPr>
               <p14:cNvPr id="45" name="Ink 44">
@@ -25906,7 +32247,7 @@
             </p14:xfrm>
           </p:contentPart>
         </mc:Choice>
-        <mc:Fallback>
+        <mc:Fallback xmlns="">
           <p:pic>
             <p:nvPicPr>
               <p:cNvPr id="45" name="Ink 44">
@@ -26054,8 +32395,8 @@
           </a:p>
         </p:txBody>
       </p:sp>
-      <mc:AlternateContent xmlns:mc="http://schemas.openxmlformats.org/markup-compatibility/2006">
-        <mc:Choice xmlns:p14="http://schemas.microsoft.com/office/powerpoint/2010/main" Requires="p14">
+      <mc:AlternateContent xmlns:mc="http://schemas.openxmlformats.org/markup-compatibility/2006" xmlns:p14="http://schemas.microsoft.com/office/powerpoint/2010/main">
+        <mc:Choice Requires="p14">
           <p:contentPart p14:bwMode="auto" r:id="rId59">
             <p14:nvContentPartPr>
               <p14:cNvPr id="49" name="Ink 48">
@@ -26074,7 +32415,7 @@
             </p14:xfrm>
           </p:contentPart>
         </mc:Choice>
-        <mc:Fallback>
+        <mc:Fallback xmlns="">
           <p:pic>
             <p:nvPicPr>
               <p:cNvPr id="49" name="Ink 48">
@@ -26105,8 +32446,8 @@
           </p:pic>
         </mc:Fallback>
       </mc:AlternateContent>
-      <mc:AlternateContent xmlns:mc="http://schemas.openxmlformats.org/markup-compatibility/2006">
-        <mc:Choice xmlns:p14="http://schemas.microsoft.com/office/powerpoint/2010/main" Requires="p14">
+      <mc:AlternateContent xmlns:mc="http://schemas.openxmlformats.org/markup-compatibility/2006" xmlns:p14="http://schemas.microsoft.com/office/powerpoint/2010/main">
+        <mc:Choice Requires="p14">
           <p:contentPart p14:bwMode="auto" r:id="rId61">
             <p14:nvContentPartPr>
               <p14:cNvPr id="50" name="Ink 49">
@@ -26125,7 +32466,7 @@
             </p14:xfrm>
           </p:contentPart>
         </mc:Choice>
-        <mc:Fallback>
+        <mc:Fallback xmlns="">
           <p:pic>
             <p:nvPicPr>
               <p:cNvPr id="50" name="Ink 49">
@@ -26156,8 +32497,8 @@
           </p:pic>
         </mc:Fallback>
       </mc:AlternateContent>
-      <mc:AlternateContent xmlns:mc="http://schemas.openxmlformats.org/markup-compatibility/2006">
-        <mc:Choice xmlns:p14="http://schemas.microsoft.com/office/powerpoint/2010/main" Requires="p14">
+      <mc:AlternateContent xmlns:mc="http://schemas.openxmlformats.org/markup-compatibility/2006" xmlns:p14="http://schemas.microsoft.com/office/powerpoint/2010/main">
+        <mc:Choice Requires="p14">
           <p:contentPart p14:bwMode="auto" r:id="rId63">
             <p14:nvContentPartPr>
               <p14:cNvPr id="52" name="Ink 51">
@@ -26176,7 +32517,7 @@
             </p14:xfrm>
           </p:contentPart>
         </mc:Choice>
-        <mc:Fallback>
+        <mc:Fallback xmlns="">
           <p:pic>
             <p:nvPicPr>
               <p:cNvPr id="52" name="Ink 51">
@@ -26207,8 +32548,8 @@
           </p:pic>
         </mc:Fallback>
       </mc:AlternateContent>
-      <mc:AlternateContent xmlns:mc="http://schemas.openxmlformats.org/markup-compatibility/2006">
-        <mc:Choice xmlns:p14="http://schemas.microsoft.com/office/powerpoint/2010/main" Requires="p14">
+      <mc:AlternateContent xmlns:mc="http://schemas.openxmlformats.org/markup-compatibility/2006" xmlns:p14="http://schemas.microsoft.com/office/powerpoint/2010/main">
+        <mc:Choice Requires="p14">
           <p:contentPart p14:bwMode="auto" r:id="rId65">
             <p14:nvContentPartPr>
               <p14:cNvPr id="54" name="Ink 53">
@@ -26227,7 +32568,7 @@
             </p14:xfrm>
           </p:contentPart>
         </mc:Choice>
-        <mc:Fallback>
+        <mc:Fallback xmlns="">
           <p:pic>
             <p:nvPicPr>
               <p:cNvPr id="54" name="Ink 53">
@@ -26429,8 +32770,8 @@
           </a:p>
         </p:txBody>
       </p:sp>
-      <mc:AlternateContent xmlns:mc="http://schemas.openxmlformats.org/markup-compatibility/2006">
-        <mc:Choice xmlns:p14="http://schemas.microsoft.com/office/powerpoint/2010/main" Requires="p14">
+      <mc:AlternateContent xmlns:mc="http://schemas.openxmlformats.org/markup-compatibility/2006" xmlns:p14="http://schemas.microsoft.com/office/powerpoint/2010/main">
+        <mc:Choice Requires="p14">
           <p:contentPart p14:bwMode="auto" r:id="rId67">
             <p14:nvContentPartPr>
               <p14:cNvPr id="59" name="Ink 58">
@@ -26449,7 +32790,7 @@
             </p14:xfrm>
           </p:contentPart>
         </mc:Choice>
-        <mc:Fallback>
+        <mc:Fallback xmlns="">
           <p:pic>
             <p:nvPicPr>
               <p:cNvPr id="59" name="Ink 58">
@@ -26480,8 +32821,8 @@
           </p:pic>
         </mc:Fallback>
       </mc:AlternateContent>
-      <mc:AlternateContent xmlns:mc="http://schemas.openxmlformats.org/markup-compatibility/2006">
-        <mc:Choice xmlns:p14="http://schemas.microsoft.com/office/powerpoint/2010/main" Requires="p14">
+      <mc:AlternateContent xmlns:mc="http://schemas.openxmlformats.org/markup-compatibility/2006" xmlns:p14="http://schemas.microsoft.com/office/powerpoint/2010/main">
+        <mc:Choice Requires="p14">
           <p:contentPart p14:bwMode="auto" r:id="rId69">
             <p14:nvContentPartPr>
               <p14:cNvPr id="60" name="Ink 59">
@@ -26500,7 +32841,7 @@
             </p14:xfrm>
           </p:contentPart>
         </mc:Choice>
-        <mc:Fallback>
+        <mc:Fallback xmlns="">
           <p:pic>
             <p:nvPicPr>
               <p:cNvPr id="60" name="Ink 59">
@@ -26819,8 +33160,8 @@
           </a:p>
         </p:txBody>
       </p:sp>
-      <mc:AlternateContent xmlns:mc="http://schemas.openxmlformats.org/markup-compatibility/2006">
-        <mc:Choice xmlns:p14="http://schemas.microsoft.com/office/powerpoint/2010/main" Requires="p14">
+      <mc:AlternateContent xmlns:mc="http://schemas.openxmlformats.org/markup-compatibility/2006" xmlns:p14="http://schemas.microsoft.com/office/powerpoint/2010/main">
+        <mc:Choice Requires="p14">
           <p:contentPart p14:bwMode="auto" r:id="rId71">
             <p14:nvContentPartPr>
               <p14:cNvPr id="70" name="Ink 69">
@@ -26839,7 +33180,7 @@
             </p14:xfrm>
           </p:contentPart>
         </mc:Choice>
-        <mc:Fallback>
+        <mc:Fallback xmlns="">
           <p:pic>
             <p:nvPicPr>
               <p:cNvPr id="70" name="Ink 69">
@@ -26870,8 +33211,8 @@
           </p:pic>
         </mc:Fallback>
       </mc:AlternateContent>
-      <mc:AlternateContent xmlns:mc="http://schemas.openxmlformats.org/markup-compatibility/2006">
-        <mc:Choice xmlns:p14="http://schemas.microsoft.com/office/powerpoint/2010/main" Requires="p14">
+      <mc:AlternateContent xmlns:mc="http://schemas.openxmlformats.org/markup-compatibility/2006" xmlns:p14="http://schemas.microsoft.com/office/powerpoint/2010/main">
+        <mc:Choice Requires="p14">
           <p:contentPart p14:bwMode="auto" r:id="rId73">
             <p14:nvContentPartPr>
               <p14:cNvPr id="71" name="Ink 70">
@@ -26890,7 +33231,7 @@
             </p14:xfrm>
           </p:contentPart>
         </mc:Choice>
-        <mc:Fallback>
+        <mc:Fallback xmlns="">
           <p:pic>
             <p:nvPicPr>
               <p:cNvPr id="71" name="Ink 70">
@@ -26921,8 +33262,8 @@
           </p:pic>
         </mc:Fallback>
       </mc:AlternateContent>
-      <mc:AlternateContent xmlns:mc="http://schemas.openxmlformats.org/markup-compatibility/2006">
-        <mc:Choice xmlns:p14="http://schemas.microsoft.com/office/powerpoint/2010/main" Requires="p14">
+      <mc:AlternateContent xmlns:mc="http://schemas.openxmlformats.org/markup-compatibility/2006" xmlns:p14="http://schemas.microsoft.com/office/powerpoint/2010/main">
+        <mc:Choice Requires="p14">
           <p:contentPart p14:bwMode="auto" r:id="rId75">
             <p14:nvContentPartPr>
               <p14:cNvPr id="73" name="Ink 72">
@@ -26941,7 +33282,7 @@
             </p14:xfrm>
           </p:contentPart>
         </mc:Choice>
-        <mc:Fallback>
+        <mc:Fallback xmlns="">
           <p:pic>
             <p:nvPicPr>
               <p:cNvPr id="73" name="Ink 72">
@@ -26972,8 +33313,8 @@
           </p:pic>
         </mc:Fallback>
       </mc:AlternateContent>
-      <mc:AlternateContent xmlns:mc="http://schemas.openxmlformats.org/markup-compatibility/2006">
-        <mc:Choice xmlns:p14="http://schemas.microsoft.com/office/powerpoint/2010/main" Requires="p14">
+      <mc:AlternateContent xmlns:mc="http://schemas.openxmlformats.org/markup-compatibility/2006" xmlns:p14="http://schemas.microsoft.com/office/powerpoint/2010/main">
+        <mc:Choice Requires="p14">
           <p:contentPart p14:bwMode="auto" r:id="rId77">
             <p14:nvContentPartPr>
               <p14:cNvPr id="74" name="Ink 73">
@@ -26992,7 +33333,7 @@
             </p14:xfrm>
           </p:contentPart>
         </mc:Choice>
-        <mc:Fallback>
+        <mc:Fallback xmlns="">
           <p:pic>
             <p:nvPicPr>
               <p:cNvPr id="74" name="Ink 73">
@@ -27023,8 +33364,8 @@
           </p:pic>
         </mc:Fallback>
       </mc:AlternateContent>
-      <mc:AlternateContent xmlns:mc="http://schemas.openxmlformats.org/markup-compatibility/2006">
-        <mc:Choice xmlns:p14="http://schemas.microsoft.com/office/powerpoint/2010/main" Requires="p14">
+      <mc:AlternateContent xmlns:mc="http://schemas.openxmlformats.org/markup-compatibility/2006" xmlns:p14="http://schemas.microsoft.com/office/powerpoint/2010/main">
+        <mc:Choice Requires="p14">
           <p:contentPart p14:bwMode="auto" r:id="rId79">
             <p14:nvContentPartPr>
               <p14:cNvPr id="77" name="Ink 76">
@@ -27043,7 +33384,7 @@
             </p14:xfrm>
           </p:contentPart>
         </mc:Choice>
-        <mc:Fallback>
+        <mc:Fallback xmlns="">
           <p:pic>
             <p:nvPicPr>
               <p:cNvPr id="77" name="Ink 76">
@@ -27074,8 +33415,8 @@
           </p:pic>
         </mc:Fallback>
       </mc:AlternateContent>
-      <mc:AlternateContent xmlns:mc="http://schemas.openxmlformats.org/markup-compatibility/2006">
-        <mc:Choice xmlns:p14="http://schemas.microsoft.com/office/powerpoint/2010/main" Requires="p14">
+      <mc:AlternateContent xmlns:mc="http://schemas.openxmlformats.org/markup-compatibility/2006" xmlns:p14="http://schemas.microsoft.com/office/powerpoint/2010/main">
+        <mc:Choice Requires="p14">
           <p:contentPart p14:bwMode="auto" r:id="rId81">
             <p14:nvContentPartPr>
               <p14:cNvPr id="78" name="Ink 77">
@@ -27094,7 +33435,7 @@
             </p14:xfrm>
           </p:contentPart>
         </mc:Choice>
-        <mc:Fallback>
+        <mc:Fallback xmlns="">
           <p:pic>
             <p:nvPicPr>
               <p:cNvPr id="78" name="Ink 77">
@@ -27125,8 +33466,8 @@
           </p:pic>
         </mc:Fallback>
       </mc:AlternateContent>
-      <mc:AlternateContent xmlns:mc="http://schemas.openxmlformats.org/markup-compatibility/2006">
-        <mc:Choice xmlns:p14="http://schemas.microsoft.com/office/powerpoint/2010/main" Requires="p14">
+      <mc:AlternateContent xmlns:mc="http://schemas.openxmlformats.org/markup-compatibility/2006" xmlns:p14="http://schemas.microsoft.com/office/powerpoint/2010/main">
+        <mc:Choice Requires="p14">
           <p:contentPart p14:bwMode="auto" r:id="rId83">
             <p14:nvContentPartPr>
               <p14:cNvPr id="79" name="Ink 78">
@@ -27145,7 +33486,7 @@
             </p14:xfrm>
           </p:contentPart>
         </mc:Choice>
-        <mc:Fallback>
+        <mc:Fallback xmlns="">
           <p:pic>
             <p:nvPicPr>
               <p:cNvPr id="79" name="Ink 78">
@@ -27176,8 +33517,8 @@
           </p:pic>
         </mc:Fallback>
       </mc:AlternateContent>
-      <mc:AlternateContent xmlns:mc="http://schemas.openxmlformats.org/markup-compatibility/2006">
-        <mc:Choice xmlns:p14="http://schemas.microsoft.com/office/powerpoint/2010/main" Requires="p14">
+      <mc:AlternateContent xmlns:mc="http://schemas.openxmlformats.org/markup-compatibility/2006" xmlns:p14="http://schemas.microsoft.com/office/powerpoint/2010/main">
+        <mc:Choice Requires="p14">
           <p:contentPart p14:bwMode="auto" r:id="rId85">
             <p14:nvContentPartPr>
               <p14:cNvPr id="80" name="Ink 79">
@@ -27196,7 +33537,7 @@
             </p14:xfrm>
           </p:contentPart>
         </mc:Choice>
-        <mc:Fallback>
+        <mc:Fallback xmlns="">
           <p:pic>
             <p:nvPicPr>
               <p:cNvPr id="80" name="Ink 79">
@@ -27227,8 +33568,8 @@
           </p:pic>
         </mc:Fallback>
       </mc:AlternateContent>
-      <mc:AlternateContent xmlns:mc="http://schemas.openxmlformats.org/markup-compatibility/2006">
-        <mc:Choice xmlns:p14="http://schemas.microsoft.com/office/powerpoint/2010/main" Requires="p14">
+      <mc:AlternateContent xmlns:mc="http://schemas.openxmlformats.org/markup-compatibility/2006" xmlns:p14="http://schemas.microsoft.com/office/powerpoint/2010/main">
+        <mc:Choice Requires="p14">
           <p:contentPart p14:bwMode="auto" r:id="rId87">
             <p14:nvContentPartPr>
               <p14:cNvPr id="81" name="Ink 80">
@@ -27247,7 +33588,7 @@
             </p14:xfrm>
           </p:contentPart>
         </mc:Choice>
-        <mc:Fallback>
+        <mc:Fallback xmlns="">
           <p:pic>
             <p:nvPicPr>
               <p:cNvPr id="81" name="Ink 80">
